--- a/Slides/Slides.pptx
+++ b/Slides/Slides.pptx
@@ -7632,7 +7632,7 @@
           <a:bodyPr/>
           <a:lstStyle/>
           <a:p>
-            <a:fld id="{7B650CD9-59C9-44EC-8C67-2E6A60EDA983}" type="datetime2">
+            <a:fld id="{E4F8F7B3-C2FA-D64E-9EBC-4D00525D87BB}" type="datetime2">
               <a:rPr lang="en-US" smtClean="0"/>
               <a:t>Wednesday, November 16, 2022</a:t>
             </a:fld>
@@ -7830,7 +7830,7 @@
           <a:bodyPr/>
           <a:lstStyle/>
           <a:p>
-            <a:fld id="{C1B3EEAB-0343-49E7-9C95-B90F139ECE40}" type="datetime2">
+            <a:fld id="{8CB2AF6D-B813-0B45-841F-09ECEBBA923E}" type="datetime2">
               <a:rPr lang="en-US" smtClean="0"/>
               <a:t>Wednesday, November 16, 2022</a:t>
             </a:fld>
@@ -8040,7 +8040,7 @@
           <a:bodyPr/>
           <a:lstStyle/>
           <a:p>
-            <a:fld id="{C99A742B-59E3-4BEB-84C7-C92F618D6A69}" type="datetime2">
+            <a:fld id="{D65D166E-714C-6C48-96FB-CC8C8D91354D}" type="datetime2">
               <a:rPr lang="en-US" smtClean="0"/>
               <a:t>Wednesday, November 16, 2022</a:t>
             </a:fld>
@@ -8262,9 +8262,9 @@
           <a:bodyPr/>
           <a:lstStyle/>
           <a:p>
-            <a:fld id="{9FC9F096-43DC-724E-A18B-03D48B43171F}" type="datetimeFigureOut">
-              <a:rPr lang="pt-PT" smtClean="0"/>
-              <a:t>16/11/22</a:t>
+            <a:fld id="{BB9F2437-DC0D-034B-B949-062BA40B9E6C}" type="datetime2">
+              <a:rPr lang="en-US" smtClean="0"/>
+              <a:t>Wednesday, November 16, 2022</a:t>
             </a:fld>
             <a:endParaRPr lang="pt-PT"/>
           </a:p>
@@ -8462,9 +8462,9 @@
           <a:bodyPr/>
           <a:lstStyle/>
           <a:p>
-            <a:fld id="{9FC9F096-43DC-724E-A18B-03D48B43171F}" type="datetimeFigureOut">
-              <a:rPr lang="pt-PT" smtClean="0"/>
-              <a:t>16/11/22</a:t>
+            <a:fld id="{ACAC08C0-A5F9-9843-99A8-B7F08CC17FBE}" type="datetime2">
+              <a:rPr lang="en-US" smtClean="0"/>
+              <a:t>Wednesday, November 16, 2022</a:t>
             </a:fld>
             <a:endParaRPr lang="pt-PT"/>
           </a:p>
@@ -8738,9 +8738,9 @@
           <a:bodyPr/>
           <a:lstStyle/>
           <a:p>
-            <a:fld id="{9FC9F096-43DC-724E-A18B-03D48B43171F}" type="datetimeFigureOut">
-              <a:rPr lang="pt-PT" smtClean="0"/>
-              <a:t>16/11/22</a:t>
+            <a:fld id="{879A4216-B6DD-D845-8450-E920748EFA19}" type="datetime2">
+              <a:rPr lang="en-US" smtClean="0"/>
+              <a:t>Wednesday, November 16, 2022</a:t>
             </a:fld>
             <a:endParaRPr lang="pt-PT"/>
           </a:p>
@@ -9006,9 +9006,9 @@
           <a:bodyPr/>
           <a:lstStyle/>
           <a:p>
-            <a:fld id="{9FC9F096-43DC-724E-A18B-03D48B43171F}" type="datetimeFigureOut">
-              <a:rPr lang="pt-PT" smtClean="0"/>
-              <a:t>16/11/22</a:t>
+            <a:fld id="{879DC887-A718-6D42-8169-97F08E49A78C}" type="datetime2">
+              <a:rPr lang="en-US" smtClean="0"/>
+              <a:t>Wednesday, November 16, 2022</a:t>
             </a:fld>
             <a:endParaRPr lang="pt-PT"/>
           </a:p>
@@ -9421,9 +9421,9 @@
           <a:bodyPr/>
           <a:lstStyle/>
           <a:p>
-            <a:fld id="{9FC9F096-43DC-724E-A18B-03D48B43171F}" type="datetimeFigureOut">
-              <a:rPr lang="pt-PT" smtClean="0"/>
-              <a:t>16/11/22</a:t>
+            <a:fld id="{979BF268-701D-734D-AA58-A4E045E62380}" type="datetime2">
+              <a:rPr lang="en-US" smtClean="0"/>
+              <a:t>Wednesday, November 16, 2022</a:t>
             </a:fld>
             <a:endParaRPr lang="pt-PT"/>
           </a:p>
@@ -9563,9 +9563,9 @@
           <a:bodyPr/>
           <a:lstStyle/>
           <a:p>
-            <a:fld id="{9FC9F096-43DC-724E-A18B-03D48B43171F}" type="datetimeFigureOut">
-              <a:rPr lang="pt-PT" smtClean="0"/>
-              <a:t>16/11/22</a:t>
+            <a:fld id="{9CE5F134-449B-D74A-9B7F-89D95BC1B483}" type="datetime2">
+              <a:rPr lang="en-US" smtClean="0"/>
+              <a:t>Wednesday, November 16, 2022</a:t>
             </a:fld>
             <a:endParaRPr lang="pt-PT"/>
           </a:p>
@@ -9676,9 +9676,9 @@
           <a:bodyPr/>
           <a:lstStyle/>
           <a:p>
-            <a:fld id="{9FC9F096-43DC-724E-A18B-03D48B43171F}" type="datetimeFigureOut">
-              <a:rPr lang="pt-PT" smtClean="0"/>
-              <a:t>16/11/22</a:t>
+            <a:fld id="{08FE6882-F489-B440-9383-44C05EE70BFC}" type="datetime2">
+              <a:rPr lang="en-US" smtClean="0"/>
+              <a:t>Wednesday, November 16, 2022</a:t>
             </a:fld>
             <a:endParaRPr lang="pt-PT"/>
           </a:p>
@@ -9989,9 +9989,9 @@
           <a:bodyPr/>
           <a:lstStyle/>
           <a:p>
-            <a:fld id="{9FC9F096-43DC-724E-A18B-03D48B43171F}" type="datetimeFigureOut">
-              <a:rPr lang="pt-PT" smtClean="0"/>
-              <a:t>16/11/22</a:t>
+            <a:fld id="{EA9901D4-BF66-684F-94DD-F14C46BD20D4}" type="datetime2">
+              <a:rPr lang="en-US" smtClean="0"/>
+              <a:t>Wednesday, November 16, 2022</a:t>
             </a:fld>
             <a:endParaRPr lang="pt-PT"/>
           </a:p>
@@ -10188,7 +10188,7 @@
           <a:bodyPr/>
           <a:lstStyle/>
           <a:p>
-            <a:fld id="{155B3F89-8103-4280-8952-A705CA99D4D0}" type="datetime2">
+            <a:fld id="{8D9F6D0D-41DB-8B46-BCC5-A1A5F5D054DD}" type="datetime2">
               <a:rPr lang="en-US" smtClean="0"/>
               <a:t>Wednesday, November 16, 2022</a:t>
             </a:fld>
@@ -10477,9 +10477,9 @@
           <a:bodyPr/>
           <a:lstStyle/>
           <a:p>
-            <a:fld id="{9FC9F096-43DC-724E-A18B-03D48B43171F}" type="datetimeFigureOut">
-              <a:rPr lang="pt-PT" smtClean="0"/>
-              <a:t>16/11/22</a:t>
+            <a:fld id="{C1B18842-6612-3E44-88F4-26B08E01D4A1}" type="datetime2">
+              <a:rPr lang="en-US" smtClean="0"/>
+              <a:t>Wednesday, November 16, 2022</a:t>
             </a:fld>
             <a:endParaRPr lang="pt-PT"/>
           </a:p>
@@ -10677,9 +10677,9 @@
           <a:bodyPr/>
           <a:lstStyle/>
           <a:p>
-            <a:fld id="{9FC9F096-43DC-724E-A18B-03D48B43171F}" type="datetimeFigureOut">
-              <a:rPr lang="pt-PT" smtClean="0"/>
-              <a:t>16/11/22</a:t>
+            <a:fld id="{95B6CAAF-784F-4E47-9CC9-1082C2BF0C5C}" type="datetime2">
+              <a:rPr lang="en-US" smtClean="0"/>
+              <a:t>Wednesday, November 16, 2022</a:t>
             </a:fld>
             <a:endParaRPr lang="pt-PT"/>
           </a:p>
@@ -10887,9 +10887,9 @@
           <a:bodyPr/>
           <a:lstStyle/>
           <a:p>
-            <a:fld id="{9FC9F096-43DC-724E-A18B-03D48B43171F}" type="datetimeFigureOut">
-              <a:rPr lang="pt-PT" smtClean="0"/>
-              <a:t>16/11/22</a:t>
+            <a:fld id="{E0F27EBF-3F4E-D940-8A26-FA2850881C70}" type="datetime2">
+              <a:rPr lang="en-US" smtClean="0"/>
+              <a:t>Wednesday, November 16, 2022</a:t>
             </a:fld>
             <a:endParaRPr lang="pt-PT"/>
           </a:p>
@@ -11168,7 +11168,7 @@
           <a:bodyPr/>
           <a:lstStyle/>
           <a:p>
-            <a:fld id="{636C6A07-72DB-4D04-A6CC-4D59B2CB84B3}" type="datetime2">
+            <a:fld id="{37270977-8F9E-E44A-AE78-29F7C254D9F6}" type="datetime2">
               <a:rPr lang="en-US" smtClean="0"/>
               <a:t>Wednesday, November 16, 2022</a:t>
             </a:fld>
@@ -11436,7 +11436,7 @@
           <a:bodyPr/>
           <a:lstStyle/>
           <a:p>
-            <a:fld id="{878A70C4-4B0B-4074-AB6D-E9375ED150B3}" type="datetime2">
+            <a:fld id="{45BFE103-D8A9-CD4D-92FE-6051F570C19C}" type="datetime2">
               <a:rPr lang="en-US" smtClean="0"/>
               <a:t>Wednesday, November 16, 2022</a:t>
             </a:fld>
@@ -11817,7 +11817,7 @@
           <a:bodyPr/>
           <a:lstStyle/>
           <a:p>
-            <a:fld id="{12239668-DE57-49C0-A29A-EB4F029F5E63}" type="datetime2">
+            <a:fld id="{67D249A7-946F-C442-A460-68D02469A4E2}" type="datetime2">
               <a:rPr lang="en-US" smtClean="0"/>
               <a:t>Wednesday, November 16, 2022</a:t>
             </a:fld>
@@ -11987,7 +11987,7 @@
           <a:bodyPr/>
           <a:lstStyle/>
           <a:p>
-            <a:fld id="{B5862A5F-AAAB-49CF-AD7D-CE290636F2E4}" type="datetime2">
+            <a:fld id="{4DEDBC02-CE6B-8142-8C62-7C22C52E8700}" type="datetime2">
               <a:rPr lang="en-US" smtClean="0"/>
               <a:t>Wednesday, November 16, 2022</a:t>
             </a:fld>
@@ -12100,7 +12100,7 @@
           <a:bodyPr/>
           <a:lstStyle/>
           <a:p>
-            <a:fld id="{B4386CC9-D2D9-4D97-AA11-16F7943C362C}" type="datetime2">
+            <a:fld id="{AFFD3AFD-5E97-4047-B4D5-3DA59CD2B5F5}" type="datetime2">
               <a:rPr lang="en-US" smtClean="0"/>
               <a:t>Wednesday, November 16, 2022</a:t>
             </a:fld>
@@ -12417,7 +12417,7 @@
           <a:bodyPr/>
           <a:lstStyle/>
           <a:p>
-            <a:fld id="{11EF3466-7BFB-43BE-9F0B-C751382BDC45}" type="datetime2">
+            <a:fld id="{147137B2-3096-F84E-98EC-C92EAB32F167}" type="datetime2">
               <a:rPr lang="en-US" smtClean="0"/>
               <a:t>Wednesday, November 16, 2022</a:t>
             </a:fld>
@@ -12709,7 +12709,7 @@
           <a:bodyPr/>
           <a:lstStyle/>
           <a:p>
-            <a:fld id="{74242496-E7B5-4200-B150-2F613BB8E32F}" type="datetime2">
+            <a:fld id="{899AA7A0-9657-A547-B567-B46771B08BC1}" type="datetime2">
               <a:rPr lang="en-US" smtClean="0"/>
               <a:t>Wednesday, November 16, 2022</a:t>
             </a:fld>
@@ -13076,7 +13076,7 @@
             </a:lvl1pPr>
           </a:lstStyle>
           <a:p>
-            <a:fld id="{744767D4-86CA-4BE8-B537-0DE81087A1F8}" type="datetime2">
+            <a:fld id="{AE9055EB-7D0E-234E-B683-0930FB7F0981}" type="datetime2">
               <a:rPr lang="en-US" smtClean="0"/>
               <a:t>Wednesday, November 16, 2022</a:t>
             </a:fld>
@@ -13194,7 +13194,7 @@
     <p:sldLayoutId id="2147483741" r:id="rId10"/>
     <p:sldLayoutId id="2147483743" r:id="rId11"/>
   </p:sldLayoutIdLst>
-  <p:hf hdr="0" ftr="0" dt="0"/>
+  <p:hf hdr="0" ftr="0"/>
   <p:txStyles>
     <p:titleStyle>
       <a:lvl1pPr algn="l" defTabSz="914400" rtl="0" eaLnBrk="1" latinLnBrk="0" hangingPunct="1">
@@ -13646,9 +13646,9 @@
             </a:lvl1pPr>
           </a:lstStyle>
           <a:p>
-            <a:fld id="{9FC9F096-43DC-724E-A18B-03D48B43171F}" type="datetimeFigureOut">
-              <a:rPr lang="pt-PT" smtClean="0"/>
-              <a:t>16/11/22</a:t>
+            <a:fld id="{33E9EEE8-44CD-A740-9890-735F058F3A3E}" type="datetime2">
+              <a:rPr lang="en-US" smtClean="0"/>
+              <a:t>Wednesday, November 16, 2022</a:t>
             </a:fld>
             <a:endParaRPr lang="pt-PT"/>
           </a:p>
@@ -13765,6 +13765,7 @@
     <p:sldLayoutId id="2147483760" r:id="rId10"/>
     <p:sldLayoutId id="2147483761" r:id="rId11"/>
   </p:sldLayoutIdLst>
+  <p:hf hdr="0" ftr="0"/>
   <p:txStyles>
     <p:titleStyle>
       <a:lvl1pPr algn="l" defTabSz="914400" rtl="0" eaLnBrk="1" latinLnBrk="0" hangingPunct="1">
@@ -14666,6 +14667,64 @@
           </a:fontRef>
         </p:style>
       </p:cxnSp>
+      <p:sp>
+        <p:nvSpPr>
+          <p:cNvPr id="2" name="Date Placeholder 1">
+            <a:extLst>
+              <a:ext uri="{FF2B5EF4-FFF2-40B4-BE49-F238E27FC236}">
+                <a16:creationId xmlns:a16="http://schemas.microsoft.com/office/drawing/2014/main" id="{A3A3549E-2C50-B748-8E01-4819DEB513DD}"/>
+              </a:ext>
+            </a:extLst>
+          </p:cNvPr>
+          <p:cNvSpPr>
+            <a:spLocks noGrp="1"/>
+          </p:cNvSpPr>
+          <p:nvPr>
+            <p:ph type="dt" sz="half" idx="10"/>
+          </p:nvPr>
+        </p:nvSpPr>
+        <p:spPr/>
+        <p:txBody>
+          <a:bodyPr/>
+          <a:lstStyle/>
+          <a:p>
+            <a:fld id="{AEA5305D-0B09-8446-8F8A-41E779E48A1E}" type="datetime2">
+              <a:rPr lang="en-US" smtClean="0"/>
+              <a:t>Wednesday, November 16, 2022</a:t>
+            </a:fld>
+            <a:endParaRPr lang="pt-PT"/>
+          </a:p>
+        </p:txBody>
+      </p:sp>
+      <p:sp>
+        <p:nvSpPr>
+          <p:cNvPr id="3" name="Slide Number Placeholder 2">
+            <a:extLst>
+              <a:ext uri="{FF2B5EF4-FFF2-40B4-BE49-F238E27FC236}">
+                <a16:creationId xmlns:a16="http://schemas.microsoft.com/office/drawing/2014/main" id="{6E4D7A50-8A6A-024A-AC90-49A4E6CD902B}"/>
+              </a:ext>
+            </a:extLst>
+          </p:cNvPr>
+          <p:cNvSpPr>
+            <a:spLocks noGrp="1"/>
+          </p:cNvSpPr>
+          <p:nvPr>
+            <p:ph type="sldNum" sz="quarter" idx="12"/>
+          </p:nvPr>
+        </p:nvSpPr>
+        <p:spPr/>
+        <p:txBody>
+          <a:bodyPr/>
+          <a:lstStyle/>
+          <a:p>
+            <a:fld id="{F825894E-25C4-4742-A1B0-897E952C1911}" type="slidenum">
+              <a:rPr lang="pt-PT" smtClean="0"/>
+              <a:t>1</a:t>
+            </a:fld>
+            <a:endParaRPr lang="pt-PT"/>
+          </a:p>
+        </p:txBody>
+      </p:sp>
     </p:spTree>
     <p:extLst>
       <p:ext uri="{BB962C8B-B14F-4D97-AF65-F5344CB8AC3E}">
@@ -14706,7 +14765,7 @@
       </p:grpSpPr>
       <p:sp>
         <p:nvSpPr>
-          <p:cNvPr id="29" name="Rectangle 28">
+          <p:cNvPr id="48" name="Rectangle 47">
             <a:extLst>
               <a:ext uri="{FF2B5EF4-FFF2-40B4-BE49-F238E27FC236}">
                 <a16:creationId xmlns:a16="http://schemas.microsoft.com/office/drawing/2014/main" id="{BD4C0BBB-0042-4603-A226-6117F3FD5B3C}"/>
@@ -14781,7 +14840,7 @@
       </p:sp>
       <p:sp>
         <p:nvSpPr>
-          <p:cNvPr id="31" name="Rectangle 30">
+          <p:cNvPr id="50" name="Rectangle 49">
             <a:extLst>
               <a:ext uri="{FF2B5EF4-FFF2-40B4-BE49-F238E27FC236}">
                 <a16:creationId xmlns:a16="http://schemas.microsoft.com/office/drawing/2014/main" id="{EC44F520-2598-460E-9F91-B02F60830CA2}"/>
@@ -14856,10 +14915,10 @@
       </p:sp>
       <p:sp useBgFill="1">
         <p:nvSpPr>
-          <p:cNvPr id="33" name="Rectangle 32">
-            <a:extLst>
-              <a:ext uri="{FF2B5EF4-FFF2-40B4-BE49-F238E27FC236}">
-                <a16:creationId xmlns:a16="http://schemas.microsoft.com/office/drawing/2014/main" id="{5CB1B98F-6A9D-4345-97CC-67423A9D55E1}"/>
+          <p:cNvPr id="52" name="Rectangle 51">
+            <a:extLst>
+              <a:ext uri="{FF2B5EF4-FFF2-40B4-BE49-F238E27FC236}">
+                <a16:creationId xmlns:a16="http://schemas.microsoft.com/office/drawing/2014/main" id="{487FDDCF-C300-4618-BBC4-568DDFD9E6C0}"/>
               </a:ext>
               <a:ext uri="{C183D7F6-B498-43B3-948B-1728B52AA6E4}">
                 <adec:decorative xmlns:adec="http://schemas.microsoft.com/office/drawing/2017/decorative" val="1"/>
@@ -14930,12 +14989,82 @@
           </a:p>
         </p:txBody>
       </p:sp>
-      <p:sp>
-        <p:nvSpPr>
-          <p:cNvPr id="35" name="Rectangle 34">
-            <a:extLst>
-              <a:ext uri="{FF2B5EF4-FFF2-40B4-BE49-F238E27FC236}">
-                <a16:creationId xmlns:a16="http://schemas.microsoft.com/office/drawing/2014/main" id="{448C8D4B-3E7D-418D-934F-53F8A1FBF601}"/>
+      <p:pic>
+        <p:nvPicPr>
+          <p:cNvPr id="9" name="Picture 8" descr="Chart, line chart&#10;&#10;Description automatically generated">
+            <a:extLst>
+              <a:ext uri="{FF2B5EF4-FFF2-40B4-BE49-F238E27FC236}">
+                <a16:creationId xmlns:a16="http://schemas.microsoft.com/office/drawing/2014/main" id="{5D6A4E30-F434-604C-A5F3-1606011E9D4C}"/>
+              </a:ext>
+            </a:extLst>
+          </p:cNvPr>
+          <p:cNvPicPr>
+            <a:picLocks noChangeAspect="1"/>
+          </p:cNvPicPr>
+          <p:nvPr/>
+        </p:nvPicPr>
+        <p:blipFill rotWithShape="1">
+          <a:blip r:embed="rId2">
+            <a:extLst>
+              <a:ext uri="{28A0092B-C50C-407E-A947-70E740481C1C}">
+                <a14:useLocalDpi xmlns:a14="http://schemas.microsoft.com/office/drawing/2010/main" val="0"/>
+              </a:ext>
+            </a:extLst>
+          </a:blip>
+          <a:srcRect t="1923" r="-2" b="-2"/>
+          <a:stretch/>
+        </p:blipFill>
+        <p:spPr>
+          <a:xfrm>
+            <a:off x="1371601" y="1905129"/>
+            <a:ext cx="4489540" cy="3047742"/>
+          </a:xfrm>
+          <a:prstGeom prst="rect">
+            <a:avLst/>
+          </a:prstGeom>
+        </p:spPr>
+      </p:pic>
+      <p:pic>
+        <p:nvPicPr>
+          <p:cNvPr id="7" name="Picture 6" descr="Chart, treemap chart&#10;&#10;Description automatically generated">
+            <a:extLst>
+              <a:ext uri="{FF2B5EF4-FFF2-40B4-BE49-F238E27FC236}">
+                <a16:creationId xmlns:a16="http://schemas.microsoft.com/office/drawing/2014/main" id="{E97F1C00-89EC-E44A-A20A-073C8EED25E5}"/>
+              </a:ext>
+            </a:extLst>
+          </p:cNvPr>
+          <p:cNvPicPr>
+            <a:picLocks noChangeAspect="1"/>
+          </p:cNvPicPr>
+          <p:nvPr/>
+        </p:nvPicPr>
+        <p:blipFill rotWithShape="1">
+          <a:blip r:embed="rId3">
+            <a:extLst>
+              <a:ext uri="{28A0092B-C50C-407E-A947-70E740481C1C}">
+                <a14:useLocalDpi xmlns:a14="http://schemas.microsoft.com/office/drawing/2010/main" val="0"/>
+              </a:ext>
+            </a:extLst>
+          </a:blip>
+          <a:srcRect l="199" r="3" b="3"/>
+          <a:stretch/>
+        </p:blipFill>
+        <p:spPr>
+          <a:xfrm>
+            <a:off x="6330860" y="1905137"/>
+            <a:ext cx="4489540" cy="3047727"/>
+          </a:xfrm>
+          <a:prstGeom prst="rect">
+            <a:avLst/>
+          </a:prstGeom>
+        </p:spPr>
+      </p:pic>
+      <p:sp>
+        <p:nvSpPr>
+          <p:cNvPr id="54" name="Rectangle 53">
+            <a:extLst>
+              <a:ext uri="{FF2B5EF4-FFF2-40B4-BE49-F238E27FC236}">
+                <a16:creationId xmlns:a16="http://schemas.microsoft.com/office/drawing/2014/main" id="{CB1FF4D1-D3A2-46A1-A1DB-84C4A92F68D6}"/>
               </a:ext>
               <a:ext uri="{C183D7F6-B498-43B3-948B-1728B52AA6E4}">
                 <adec:decorative xmlns:adec="http://schemas.microsoft.com/office/drawing/2017/decorative" val="1"/>
@@ -14954,25 +15083,27 @@
           </p:nvPr>
         </p:nvSpPr>
         <p:spPr>
-          <a:xfrm>
-            <a:off x="0" y="5273110"/>
-            <a:ext cx="12203209" cy="1600201"/>
+          <a:xfrm rot="10800000" flipH="1">
+            <a:off x="0" y="6408741"/>
+            <a:ext cx="12192000" cy="449256"/>
           </a:xfrm>
           <a:prstGeom prst="rect">
             <a:avLst/>
           </a:prstGeom>
           <a:gradFill>
             <a:gsLst>
-              <a:gs pos="0">
-                <a:schemeClr val="accent5">
-                  <a:alpha val="83000"/>
+              <a:gs pos="14000">
+                <a:schemeClr val="accent4">
+                  <a:alpha val="28000"/>
                 </a:schemeClr>
               </a:gs>
               <a:gs pos="100000">
-                <a:schemeClr val="accent6"/>
+                <a:schemeClr val="accent5">
+                  <a:alpha val="85000"/>
+                </a:schemeClr>
               </a:gs>
             </a:gsLst>
-            <a:lin ang="15600000" scaled="0"/>
+            <a:lin ang="9000000" scaled="0"/>
           </a:gradFill>
           <a:ln>
             <a:noFill/>
@@ -15005,10 +15136,10 @@
       </p:sp>
       <p:sp>
         <p:nvSpPr>
-          <p:cNvPr id="37" name="Rectangle 36">
-            <a:extLst>
-              <a:ext uri="{FF2B5EF4-FFF2-40B4-BE49-F238E27FC236}">
-                <a16:creationId xmlns:a16="http://schemas.microsoft.com/office/drawing/2014/main" id="{14A72864-A3A4-43AA-90B4-1D12F173675E}"/>
+          <p:cNvPr id="56" name="Rectangle 55">
+            <a:extLst>
+              <a:ext uri="{FF2B5EF4-FFF2-40B4-BE49-F238E27FC236}">
+                <a16:creationId xmlns:a16="http://schemas.microsoft.com/office/drawing/2014/main" id="{BA6CC515-2CA9-4522-924F-81F6F25FF8DB}"/>
               </a:ext>
               <a:ext uri="{C183D7F6-B498-43B3-948B-1728B52AA6E4}">
                 <adec:decorative xmlns:adec="http://schemas.microsoft.com/office/drawing/2017/decorative" val="1"/>
@@ -15027,27 +15158,27 @@
           </p:nvPr>
         </p:nvSpPr>
         <p:spPr>
-          <a:xfrm rot="16200000">
-            <a:off x="5310073" y="-36962"/>
-            <a:ext cx="1594272" cy="12214418"/>
+          <a:xfrm flipH="1">
+            <a:off x="4038600" y="6408316"/>
+            <a:ext cx="8153398" cy="449684"/>
           </a:xfrm>
           <a:prstGeom prst="rect">
             <a:avLst/>
           </a:prstGeom>
           <a:gradFill>
             <a:gsLst>
-              <a:gs pos="16000">
-                <a:schemeClr val="accent4">
-                  <a:alpha val="0"/>
+              <a:gs pos="9000">
+                <a:schemeClr val="accent2">
+                  <a:lumMod val="60000"/>
+                  <a:lumOff val="40000"/>
+                  <a:alpha val="68000"/>
                 </a:schemeClr>
               </a:gs>
               <a:gs pos="99000">
-                <a:schemeClr val="accent4">
-                  <a:alpha val="39000"/>
-                </a:schemeClr>
+                <a:schemeClr val="accent2"/>
               </a:gs>
             </a:gsLst>
-            <a:lin ang="12000000" scaled="0"/>
+            <a:lin ang="13800000" scaled="0"/>
           </a:gradFill>
           <a:ln>
             <a:noFill/>
@@ -15080,338 +15211,117 @@
       </p:sp>
       <p:sp>
         <p:nvSpPr>
-          <p:cNvPr id="39" name="Rectangle 38">
-            <a:extLst>
-              <a:ext uri="{FF2B5EF4-FFF2-40B4-BE49-F238E27FC236}">
-                <a16:creationId xmlns:a16="http://schemas.microsoft.com/office/drawing/2014/main" id="{8C14C4A3-45E8-4676-B196-C58A8AB509E8}"/>
-              </a:ext>
-              <a:ext uri="{C183D7F6-B498-43B3-948B-1728B52AA6E4}">
-                <adec:decorative xmlns:adec="http://schemas.microsoft.com/office/drawing/2017/decorative" val="1"/>
-              </a:ext>
-            </a:extLst>
-          </p:cNvPr>
-          <p:cNvSpPr>
-            <a:spLocks noGrp="1" noRot="1" noChangeAspect="1" noMove="1" noResize="1" noEditPoints="1" noAdjustHandles="1" noChangeArrowheads="1" noChangeShapeType="1" noTextEdit="1"/>
+          <p:cNvPr id="18" name="Title 1">
+            <a:extLst>
+              <a:ext uri="{FF2B5EF4-FFF2-40B4-BE49-F238E27FC236}">
+                <a16:creationId xmlns:a16="http://schemas.microsoft.com/office/drawing/2014/main" id="{BA4880DB-79C7-8648-A0CE-86B48F5D3ADF}"/>
+              </a:ext>
+            </a:extLst>
+          </p:cNvPr>
+          <p:cNvSpPr txBox="1">
+            <a:spLocks/>
           </p:cNvSpPr>
-          <p:nvPr>
-            <p:extLst>
-              <p:ext uri="{386F3935-93C4-4BCD-93E2-E3B085C9AB24}">
-                <p16:designElem xmlns:p16="http://schemas.microsoft.com/office/powerpoint/2015/main" val="1"/>
-              </p:ext>
-            </p:extLst>
-          </p:nvPr>
+          <p:nvPr/>
         </p:nvSpPr>
         <p:spPr>
           <a:xfrm>
-            <a:off x="790870" y="5273110"/>
-            <a:ext cx="7335639" cy="1594270"/>
-          </a:xfrm>
-          <a:prstGeom prst="rect">
-            <a:avLst/>
-          </a:prstGeom>
-          <a:gradFill>
-            <a:gsLst>
-              <a:gs pos="22000">
-                <a:schemeClr val="accent2">
-                  <a:alpha val="0"/>
-                </a:schemeClr>
-              </a:gs>
-              <a:gs pos="99000">
-                <a:schemeClr val="accent2">
-                  <a:alpha val="85000"/>
-                </a:schemeClr>
-              </a:gs>
-            </a:gsLst>
-            <a:lin ang="18600000" scaled="0"/>
-          </a:gradFill>
-          <a:ln>
-            <a:noFill/>
-          </a:ln>
-        </p:spPr>
-        <p:style>
-          <a:lnRef idx="2">
-            <a:schemeClr val="accent1">
-              <a:shade val="50000"/>
-            </a:schemeClr>
-          </a:lnRef>
-          <a:fillRef idx="1">
-            <a:schemeClr val="accent1"/>
-          </a:fillRef>
-          <a:effectRef idx="0">
-            <a:schemeClr val="accent1"/>
-          </a:effectRef>
-          <a:fontRef idx="minor">
-            <a:schemeClr val="lt1"/>
-          </a:fontRef>
-        </p:style>
-        <p:txBody>
-          <a:bodyPr rtlCol="0" anchor="ctr"/>
-          <a:lstStyle/>
-          <a:p>
-            <a:pPr algn="ctr"/>
-            <a:endParaRPr lang="en-US"/>
-          </a:p>
-        </p:txBody>
-      </p:sp>
-      <p:sp>
-        <p:nvSpPr>
-          <p:cNvPr id="41" name="Rectangle 40">
-            <a:extLst>
-              <a:ext uri="{FF2B5EF4-FFF2-40B4-BE49-F238E27FC236}">
-                <a16:creationId xmlns:a16="http://schemas.microsoft.com/office/drawing/2014/main" id="{6EA86709-BB35-450A-BCD5-7ECBBB7FC377}"/>
-              </a:ext>
-              <a:ext uri="{C183D7F6-B498-43B3-948B-1728B52AA6E4}">
-                <adec:decorative xmlns:adec="http://schemas.microsoft.com/office/drawing/2017/decorative" val="1"/>
-              </a:ext>
-            </a:extLst>
-          </p:cNvPr>
-          <p:cNvSpPr>
-            <a:spLocks noGrp="1" noRot="1" noChangeAspect="1" noMove="1" noResize="1" noEditPoints="1" noAdjustHandles="1" noChangeArrowheads="1" noChangeShapeType="1" noTextEdit="1"/>
-          </p:cNvSpPr>
-          <p:nvPr>
-            <p:extLst>
-              <p:ext uri="{386F3935-93C4-4BCD-93E2-E3B085C9AB24}">
-                <p16:designElem xmlns:p16="http://schemas.microsoft.com/office/powerpoint/2015/main" val="1"/>
-              </p:ext>
-            </p:extLst>
-          </p:nvPr>
-        </p:nvSpPr>
-        <p:spPr>
-          <a:xfrm rot="5400000">
-            <a:off x="7902455" y="2583766"/>
-            <a:ext cx="1600201" cy="6978889"/>
-          </a:xfrm>
-          <a:prstGeom prst="rect">
-            <a:avLst/>
-          </a:prstGeom>
-          <a:gradFill>
-            <a:gsLst>
-              <a:gs pos="45000">
-                <a:schemeClr val="accent4">
-                  <a:alpha val="0"/>
-                </a:schemeClr>
-              </a:gs>
-              <a:gs pos="99000">
-                <a:schemeClr val="accent6">
-                  <a:alpha val="33000"/>
-                </a:schemeClr>
-              </a:gs>
-            </a:gsLst>
-            <a:lin ang="15000000" scaled="0"/>
-          </a:gradFill>
-          <a:ln>
-            <a:noFill/>
-          </a:ln>
-        </p:spPr>
-        <p:style>
-          <a:lnRef idx="2">
-            <a:schemeClr val="accent1">
-              <a:shade val="50000"/>
-            </a:schemeClr>
-          </a:lnRef>
-          <a:fillRef idx="1">
-            <a:schemeClr val="accent1"/>
-          </a:fillRef>
-          <a:effectRef idx="0">
-            <a:schemeClr val="accent1"/>
-          </a:effectRef>
-          <a:fontRef idx="minor">
-            <a:schemeClr val="lt1"/>
-          </a:fontRef>
-        </p:style>
-        <p:txBody>
-          <a:bodyPr rtlCol="0" anchor="ctr"/>
-          <a:lstStyle/>
-          <a:p>
-            <a:pPr algn="ctr"/>
-            <a:endParaRPr lang="en-US"/>
-          </a:p>
-        </p:txBody>
-      </p:sp>
-      <p:sp>
-        <p:nvSpPr>
-          <p:cNvPr id="43" name="Rectangle 42">
-            <a:extLst>
-              <a:ext uri="{FF2B5EF4-FFF2-40B4-BE49-F238E27FC236}">
-                <a16:creationId xmlns:a16="http://schemas.microsoft.com/office/drawing/2014/main" id="{B5869348-4204-45A8-854C-C71608CF3B17}"/>
-              </a:ext>
-              <a:ext uri="{C183D7F6-B498-43B3-948B-1728B52AA6E4}">
-                <adec:decorative xmlns:adec="http://schemas.microsoft.com/office/drawing/2017/decorative" val="1"/>
-              </a:ext>
-            </a:extLst>
-          </p:cNvPr>
-          <p:cNvSpPr>
-            <a:spLocks noGrp="1" noRot="1" noChangeAspect="1" noMove="1" noResize="1" noEditPoints="1" noAdjustHandles="1" noChangeArrowheads="1" noChangeShapeType="1" noTextEdit="1"/>
-          </p:cNvSpPr>
-          <p:nvPr>
-            <p:extLst>
-              <p:ext uri="{386F3935-93C4-4BCD-93E2-E3B085C9AB24}">
-                <p16:designElem xmlns:p16="http://schemas.microsoft.com/office/powerpoint/2015/main" val="1"/>
-              </p:ext>
-            </p:extLst>
-          </p:nvPr>
-        </p:nvSpPr>
-        <p:spPr>
-          <a:xfrm rot="10800000">
-            <a:off x="2484866" y="5273110"/>
-            <a:ext cx="9729549" cy="1584890"/>
-          </a:xfrm>
-          <a:prstGeom prst="rect">
-            <a:avLst/>
-          </a:prstGeom>
-          <a:gradFill>
-            <a:gsLst>
-              <a:gs pos="0">
-                <a:schemeClr val="accent5">
-                  <a:alpha val="37000"/>
-                </a:schemeClr>
-              </a:gs>
-              <a:gs pos="99000">
-                <a:schemeClr val="accent5">
-                  <a:alpha val="0"/>
-                </a:schemeClr>
-              </a:gs>
-            </a:gsLst>
-            <a:lin ang="19800000" scaled="0"/>
-          </a:gradFill>
-          <a:ln>
-            <a:noFill/>
-          </a:ln>
-        </p:spPr>
-        <p:style>
-          <a:lnRef idx="2">
-            <a:schemeClr val="accent1">
-              <a:shade val="50000"/>
-            </a:schemeClr>
-          </a:lnRef>
-          <a:fillRef idx="1">
-            <a:schemeClr val="accent1"/>
-          </a:fillRef>
-          <a:effectRef idx="0">
-            <a:schemeClr val="accent1"/>
-          </a:effectRef>
-          <a:fontRef idx="minor">
-            <a:schemeClr val="lt1"/>
-          </a:fontRef>
-        </p:style>
-        <p:txBody>
-          <a:bodyPr rtlCol="0" anchor="ctr"/>
-          <a:lstStyle/>
-          <a:p>
-            <a:pPr algn="ctr"/>
-            <a:endParaRPr lang="en-US"/>
-          </a:p>
-        </p:txBody>
-      </p:sp>
-      <p:sp>
-        <p:nvSpPr>
-          <p:cNvPr id="2" name="Title 1">
-            <a:extLst>
-              <a:ext uri="{FF2B5EF4-FFF2-40B4-BE49-F238E27FC236}">
-                <a16:creationId xmlns:a16="http://schemas.microsoft.com/office/drawing/2014/main" id="{A456A455-F0F5-2247-88CE-F81F5EF74EBE}"/>
-              </a:ext>
-            </a:extLst>
-          </p:cNvPr>
-          <p:cNvSpPr>
-            <a:spLocks noGrp="1"/>
-          </p:cNvSpPr>
-          <p:nvPr>
-            <p:ph type="title"/>
-          </p:nvPr>
-        </p:nvSpPr>
-        <p:spPr>
-          <a:xfrm>
-            <a:off x="914609" y="5591386"/>
-            <a:ext cx="6923041" cy="944426"/>
-          </a:xfrm>
-        </p:spPr>
-        <p:txBody>
-          <a:bodyPr vert="horz" lIns="0" tIns="0" rIns="0" bIns="0" rtlCol="0" anchor="ctr">
-            <a:normAutofit/>
-          </a:bodyPr>
-          <a:lstStyle/>
-          <a:p>
-            <a:r>
-              <a:rPr lang="en-US" sz="3200" spc="750">
-                <a:solidFill>
-                  <a:schemeClr val="bg1"/>
-                </a:solidFill>
-              </a:rPr>
-              <a:t>XTree</a:t>
-            </a:r>
-          </a:p>
-        </p:txBody>
-      </p:sp>
-      <p:pic>
-        <p:nvPicPr>
-          <p:cNvPr id="7" name="Picture 6" descr="Chart, treemap chart&#10;&#10;Description automatically generated">
-            <a:extLst>
-              <a:ext uri="{FF2B5EF4-FFF2-40B4-BE49-F238E27FC236}">
-                <a16:creationId xmlns:a16="http://schemas.microsoft.com/office/drawing/2014/main" id="{E97F1C00-89EC-E44A-A20A-073C8EED25E5}"/>
-              </a:ext>
-            </a:extLst>
-          </p:cNvPr>
-          <p:cNvPicPr>
-            <a:picLocks noChangeAspect="1"/>
-          </p:cNvPicPr>
-          <p:nvPr/>
-        </p:nvPicPr>
-        <p:blipFill rotWithShape="1">
-          <a:blip r:embed="rId2">
-            <a:extLst>
-              <a:ext uri="{28A0092B-C50C-407E-A947-70E740481C1C}">
-                <a14:useLocalDpi xmlns:a14="http://schemas.microsoft.com/office/drawing/2010/main" val="0"/>
-              </a:ext>
-            </a:extLst>
-          </a:blip>
-          <a:srcRect l="199" r="3" b="3"/>
-          <a:stretch/>
-        </p:blipFill>
-        <p:spPr>
-          <a:xfrm>
-            <a:off x="1371600" y="1028700"/>
-            <a:ext cx="4724400" cy="3207178"/>
+            <a:off x="3640303" y="124890"/>
+            <a:ext cx="4911393" cy="646332"/>
           </a:xfrm>
           <a:prstGeom prst="rect">
             <a:avLst/>
           </a:prstGeom>
         </p:spPr>
-      </p:pic>
-      <p:pic>
-        <p:nvPicPr>
-          <p:cNvPr id="9" name="Picture 8" descr="Chart, line chart&#10;&#10;Description automatically generated">
-            <a:extLst>
-              <a:ext uri="{FF2B5EF4-FFF2-40B4-BE49-F238E27FC236}">
-                <a16:creationId xmlns:a16="http://schemas.microsoft.com/office/drawing/2014/main" id="{5D6A4E30-F434-604C-A5F3-1606011E9D4C}"/>
-              </a:ext>
-            </a:extLst>
-          </p:cNvPr>
-          <p:cNvPicPr>
-            <a:picLocks noChangeAspect="1"/>
-          </p:cNvPicPr>
-          <p:nvPr/>
-        </p:nvPicPr>
-        <p:blipFill rotWithShape="1">
-          <a:blip r:embed="rId3">
-            <a:extLst>
-              <a:ext uri="{28A0092B-C50C-407E-A947-70E740481C1C}">
-                <a14:useLocalDpi xmlns:a14="http://schemas.microsoft.com/office/drawing/2010/main" val="0"/>
-              </a:ext>
-            </a:extLst>
-          </a:blip>
-          <a:srcRect t="1923" r="-2" b="-2"/>
-          <a:stretch/>
-        </p:blipFill>
-        <p:spPr>
-          <a:xfrm>
-            <a:off x="6096000" y="1028700"/>
-            <a:ext cx="4724400" cy="3207178"/>
-          </a:xfrm>
-          <a:prstGeom prst="rect">
-            <a:avLst/>
-          </a:prstGeom>
-        </p:spPr>
-      </p:pic>
+        <p:txBody>
+          <a:bodyPr vert="horz" lIns="0" tIns="0" rIns="0" bIns="0" rtlCol="0" anchor="b">
+            <a:normAutofit/>
+          </a:bodyPr>
+          <a:lstStyle>
+            <a:lvl1pPr algn="l" defTabSz="914400" rtl="0" eaLnBrk="1" latinLnBrk="0" hangingPunct="1">
+              <a:lnSpc>
+                <a:spcPct val="100000"/>
+              </a:lnSpc>
+              <a:spcBef>
+                <a:spcPct val="0"/>
+              </a:spcBef>
+              <a:buNone/>
+              <a:defRPr sz="3600" b="1" i="0" kern="1200" cap="all" spc="700" baseline="0">
+                <a:solidFill>
+                  <a:schemeClr val="tx1"/>
+                </a:solidFill>
+                <a:latin typeface="+mj-lt"/>
+                <a:ea typeface="+mj-ea"/>
+                <a:cs typeface="+mj-cs"/>
+              </a:defRPr>
+            </a:lvl1pPr>
+          </a:lstStyle>
+          <a:p>
+            <a:pPr algn="ctr"/>
+            <a:r>
+              <a:rPr lang="en-US" sz="2800" dirty="0"/>
+              <a:t>XTREE</a:t>
+            </a:r>
+          </a:p>
+        </p:txBody>
+      </p:sp>
+      <p:sp>
+        <p:nvSpPr>
+          <p:cNvPr id="5" name="Date Placeholder 4">
+            <a:extLst>
+              <a:ext uri="{FF2B5EF4-FFF2-40B4-BE49-F238E27FC236}">
+                <a16:creationId xmlns:a16="http://schemas.microsoft.com/office/drawing/2014/main" id="{A3EF93A5-4C17-6A45-8FC5-6B3F7B062A77}"/>
+              </a:ext>
+            </a:extLst>
+          </p:cNvPr>
+          <p:cNvSpPr>
+            <a:spLocks noGrp="1"/>
+          </p:cNvSpPr>
+          <p:nvPr>
+            <p:ph type="dt" sz="half" idx="10"/>
+          </p:nvPr>
+        </p:nvSpPr>
+        <p:spPr/>
+        <p:txBody>
+          <a:bodyPr/>
+          <a:lstStyle/>
+          <a:p>
+            <a:fld id="{0A72D659-3C0B-6B41-9587-4FFB5068822D}" type="datetime2">
+              <a:rPr lang="en-US" smtClean="0"/>
+              <a:t>Wednesday, November 16, 2022</a:t>
+            </a:fld>
+            <a:endParaRPr lang="en-US"/>
+          </a:p>
+        </p:txBody>
+      </p:sp>
+      <p:sp>
+        <p:nvSpPr>
+          <p:cNvPr id="6" name="Slide Number Placeholder 5">
+            <a:extLst>
+              <a:ext uri="{FF2B5EF4-FFF2-40B4-BE49-F238E27FC236}">
+                <a16:creationId xmlns:a16="http://schemas.microsoft.com/office/drawing/2014/main" id="{87E204A3-B1B9-AA48-A9DD-4AB610A0AC5A}"/>
+              </a:ext>
+            </a:extLst>
+          </p:cNvPr>
+          <p:cNvSpPr>
+            <a:spLocks noGrp="1"/>
+          </p:cNvSpPr>
+          <p:nvPr>
+            <p:ph type="sldNum" sz="quarter" idx="12"/>
+          </p:nvPr>
+        </p:nvSpPr>
+        <p:spPr/>
+        <p:txBody>
+          <a:bodyPr/>
+          <a:lstStyle/>
+          <a:p>
+            <a:fld id="{C01389E6-C847-4AD0-B56D-D205B2EAB1EE}" type="slidenum">
+              <a:rPr lang="en-US" smtClean="0"/>
+              <a:t>10</a:t>
+            </a:fld>
+            <a:endParaRPr lang="en-US"/>
+          </a:p>
+        </p:txBody>
+      </p:sp>
     </p:spTree>
     <p:extLst>
       <p:ext uri="{BB962C8B-B14F-4D97-AF65-F5344CB8AC3E}">
@@ -15422,98 +15332,6 @@
   <p:clrMapOvr>
     <a:masterClrMapping/>
   </p:clrMapOvr>
-  <p:timing>
-    <p:tnLst>
-      <p:par>
-        <p:cTn id="1" dur="indefinite" restart="never" nodeType="tmRoot">
-          <p:childTnLst>
-            <p:seq concurrent="1" nextAc="seek">
-              <p:cTn id="2" dur="indefinite" nodeType="mainSeq">
-                <p:childTnLst>
-                  <p:par>
-                    <p:cTn id="3" fill="hold">
-                      <p:stCondLst>
-                        <p:cond delay="indefinite"/>
-                        <p:cond evt="onBegin" delay="0">
-                          <p:tn val="2"/>
-                        </p:cond>
-                      </p:stCondLst>
-                      <p:childTnLst>
-                        <p:par>
-                          <p:cTn id="4" fill="hold">
-                            <p:stCondLst>
-                              <p:cond delay="0"/>
-                            </p:stCondLst>
-                            <p:childTnLst>
-                              <p:par>
-                                <p:cTn id="5" presetID="10" presetClass="entr" presetSubtype="0" fill="hold" grpId="0" nodeType="withEffect">
-                                  <p:stCondLst>
-                                    <p:cond delay="1000"/>
-                                  </p:stCondLst>
-                                  <p:iterate>
-                                    <p:tmPct val="10000"/>
-                                  </p:iterate>
-                                  <p:childTnLst>
-                                    <p:set>
-                                      <p:cBhvr>
-                                        <p:cTn id="6" dur="1" fill="hold">
-                                          <p:stCondLst>
-                                            <p:cond delay="0"/>
-                                          </p:stCondLst>
-                                        </p:cTn>
-                                        <p:tgtEl>
-                                          <p:spTgt spid="2"/>
-                                        </p:tgtEl>
-                                        <p:attrNameLst>
-                                          <p:attrName>style.visibility</p:attrName>
-                                        </p:attrNameLst>
-                                      </p:cBhvr>
-                                      <p:to>
-                                        <p:strVal val="visible"/>
-                                      </p:to>
-                                    </p:set>
-                                    <p:animEffect transition="in" filter="fade">
-                                      <p:cBhvr>
-                                        <p:cTn id="7" dur="700"/>
-                                        <p:tgtEl>
-                                          <p:spTgt spid="2"/>
-                                        </p:tgtEl>
-                                      </p:cBhvr>
-                                    </p:animEffect>
-                                  </p:childTnLst>
-                                </p:cTn>
-                              </p:par>
-                            </p:childTnLst>
-                          </p:cTn>
-                        </p:par>
-                      </p:childTnLst>
-                    </p:cTn>
-                  </p:par>
-                </p:childTnLst>
-              </p:cTn>
-              <p:prevCondLst>
-                <p:cond evt="onPrev" delay="0">
-                  <p:tgtEl>
-                    <p:sldTgt/>
-                  </p:tgtEl>
-                </p:cond>
-              </p:prevCondLst>
-              <p:nextCondLst>
-                <p:cond evt="onNext" delay="0">
-                  <p:tgtEl>
-                    <p:sldTgt/>
-                  </p:tgtEl>
-                </p:cond>
-              </p:nextCondLst>
-            </p:seq>
-          </p:childTnLst>
-        </p:cTn>
-      </p:par>
-    </p:tnLst>
-    <p:bldLst>
-      <p:bldP spid="2" grpId="0"/>
-    </p:bldLst>
-  </p:timing>
 </p:sld>
 </file>
 
@@ -15542,162 +15360,12 @@
           <a:chExt cx="0" cy="0"/>
         </a:xfrm>
       </p:grpSpPr>
-      <p:sp>
-        <p:nvSpPr>
-          <p:cNvPr id="36" name="Rectangle 35">
-            <a:extLst>
-              <a:ext uri="{FF2B5EF4-FFF2-40B4-BE49-F238E27FC236}">
-                <a16:creationId xmlns:a16="http://schemas.microsoft.com/office/drawing/2014/main" id="{BD4C0BBB-0042-4603-A226-6117F3FD5B3C}"/>
-              </a:ext>
-              <a:ext uri="{C183D7F6-B498-43B3-948B-1728B52AA6E4}">
-                <adec:decorative xmlns:adec="http://schemas.microsoft.com/office/drawing/2017/decorative" val="1"/>
-              </a:ext>
-            </a:extLst>
-          </p:cNvPr>
-          <p:cNvSpPr>
-            <a:spLocks noGrp="1" noRot="1" noChangeAspect="1" noMove="1" noResize="1" noEditPoints="1" noAdjustHandles="1" noChangeArrowheads="1" noChangeShapeType="1" noTextEdit="1"/>
-          </p:cNvSpPr>
-          <p:nvPr>
-            <p:extLst>
-              <p:ext uri="{386F3935-93C4-4BCD-93E2-E3B085C9AB24}">
-                <p16:designElem xmlns:p16="http://schemas.microsoft.com/office/powerpoint/2015/main" val="1"/>
-              </p:ext>
-            </p:extLst>
-          </p:nvPr>
-        </p:nvSpPr>
-        <p:spPr>
-          <a:xfrm rot="10800000" flipH="1">
-            <a:off x="0" y="6400799"/>
-            <a:ext cx="12192000" cy="456773"/>
-          </a:xfrm>
-          <a:prstGeom prst="rect">
-            <a:avLst/>
-          </a:prstGeom>
-          <a:gradFill>
-            <a:gsLst>
-              <a:gs pos="14000">
-                <a:schemeClr val="accent4">
-                  <a:alpha val="28000"/>
-                </a:schemeClr>
-              </a:gs>
-              <a:gs pos="100000">
-                <a:schemeClr val="accent5">
-                  <a:alpha val="85000"/>
-                </a:schemeClr>
-              </a:gs>
-            </a:gsLst>
-            <a:lin ang="6000000" scaled="0"/>
-          </a:gradFill>
-          <a:ln>
-            <a:noFill/>
-          </a:ln>
-        </p:spPr>
-        <p:style>
-          <a:lnRef idx="2">
-            <a:schemeClr val="accent1">
-              <a:shade val="50000"/>
-            </a:schemeClr>
-          </a:lnRef>
-          <a:fillRef idx="1">
-            <a:schemeClr val="accent1"/>
-          </a:fillRef>
-          <a:effectRef idx="0">
-            <a:schemeClr val="accent1"/>
-          </a:effectRef>
-          <a:fontRef idx="minor">
-            <a:schemeClr val="lt1"/>
-          </a:fontRef>
-        </p:style>
-        <p:txBody>
-          <a:bodyPr rtlCol="0" anchor="ctr"/>
-          <a:lstStyle/>
-          <a:p>
-            <a:pPr algn="ctr"/>
-            <a:endParaRPr lang="en-US"/>
-          </a:p>
-        </p:txBody>
-      </p:sp>
-      <p:sp>
-        <p:nvSpPr>
-          <p:cNvPr id="38" name="Rectangle 37">
-            <a:extLst>
-              <a:ext uri="{FF2B5EF4-FFF2-40B4-BE49-F238E27FC236}">
-                <a16:creationId xmlns:a16="http://schemas.microsoft.com/office/drawing/2014/main" id="{EC44F520-2598-460E-9F91-B02F60830CA2}"/>
-              </a:ext>
-              <a:ext uri="{C183D7F6-B498-43B3-948B-1728B52AA6E4}">
-                <adec:decorative xmlns:adec="http://schemas.microsoft.com/office/drawing/2017/decorative" val="1"/>
-              </a:ext>
-            </a:extLst>
-          </p:cNvPr>
-          <p:cNvSpPr>
-            <a:spLocks noGrp="1" noRot="1" noChangeAspect="1" noMove="1" noResize="1" noEditPoints="1" noAdjustHandles="1" noChangeArrowheads="1" noChangeShapeType="1" noTextEdit="1"/>
-          </p:cNvSpPr>
-          <p:nvPr>
-            <p:extLst>
-              <p:ext uri="{386F3935-93C4-4BCD-93E2-E3B085C9AB24}">
-                <p16:designElem xmlns:p16="http://schemas.microsoft.com/office/powerpoint/2015/main" val="1"/>
-              </p:ext>
-            </p:extLst>
-          </p:nvPr>
-        </p:nvSpPr>
-        <p:spPr>
-          <a:xfrm flipH="1">
-            <a:off x="4038600" y="6400799"/>
-            <a:ext cx="8153398" cy="456772"/>
-          </a:xfrm>
-          <a:prstGeom prst="rect">
-            <a:avLst/>
-          </a:prstGeom>
-          <a:gradFill>
-            <a:gsLst>
-              <a:gs pos="9000">
-                <a:schemeClr val="accent2">
-                  <a:lumMod val="60000"/>
-                  <a:lumOff val="40000"/>
-                  <a:alpha val="55000"/>
-                </a:schemeClr>
-              </a:gs>
-              <a:gs pos="99000">
-                <a:schemeClr val="accent2"/>
-              </a:gs>
-            </a:gsLst>
-            <a:lin ang="14400000" scaled="0"/>
-          </a:gradFill>
-          <a:ln>
-            <a:noFill/>
-          </a:ln>
-        </p:spPr>
-        <p:style>
-          <a:lnRef idx="2">
-            <a:schemeClr val="accent1">
-              <a:shade val="50000"/>
-            </a:schemeClr>
-          </a:lnRef>
-          <a:fillRef idx="1">
-            <a:schemeClr val="accent1"/>
-          </a:fillRef>
-          <a:effectRef idx="0">
-            <a:schemeClr val="accent1"/>
-          </a:effectRef>
-          <a:fontRef idx="minor">
-            <a:schemeClr val="lt1"/>
-          </a:fontRef>
-        </p:style>
-        <p:txBody>
-          <a:bodyPr rtlCol="0" anchor="ctr"/>
-          <a:lstStyle/>
-          <a:p>
-            <a:pPr algn="ctr"/>
-            <a:endParaRPr lang="en-US"/>
-          </a:p>
-        </p:txBody>
-      </p:sp>
       <p:sp useBgFill="1">
         <p:nvSpPr>
-          <p:cNvPr id="40" name="Rectangle 39">
-            <a:extLst>
-              <a:ext uri="{FF2B5EF4-FFF2-40B4-BE49-F238E27FC236}">
-                <a16:creationId xmlns:a16="http://schemas.microsoft.com/office/drawing/2014/main" id="{0C2F0710-2888-4995-BF7D-2C866684188F}"/>
+          <p:cNvPr id="51" name="Rectangle 50">
+            <a:extLst>
+              <a:ext uri="{FF2B5EF4-FFF2-40B4-BE49-F238E27FC236}">
+                <a16:creationId xmlns:a16="http://schemas.microsoft.com/office/drawing/2014/main" id="{3BBD5505-E50C-4C8C-B29A-6E8BC40759BB}"/>
               </a:ext>
               <a:ext uri="{C183D7F6-B498-43B3-948B-1728B52AA6E4}">
                 <adec:decorative xmlns:adec="http://schemas.microsoft.com/office/drawing/2017/decorative" val="1"/>
@@ -15768,12 +15436,117 @@
           </a:p>
         </p:txBody>
       </p:sp>
-      <p:sp>
-        <p:nvSpPr>
-          <p:cNvPr id="42" name="Rectangle 41">
-            <a:extLst>
-              <a:ext uri="{FF2B5EF4-FFF2-40B4-BE49-F238E27FC236}">
-                <a16:creationId xmlns:a16="http://schemas.microsoft.com/office/drawing/2014/main" id="{100C66CE-2B3E-4513-9B9D-EC2B8182FAE1}"/>
+      <p:pic>
+        <p:nvPicPr>
+          <p:cNvPr id="5" name="Picture 4" descr="Chart, treemap chart&#10;&#10;Description automatically generated">
+            <a:extLst>
+              <a:ext uri="{FF2B5EF4-FFF2-40B4-BE49-F238E27FC236}">
+                <a16:creationId xmlns:a16="http://schemas.microsoft.com/office/drawing/2014/main" id="{4C877E22-14AB-9749-AF19-C9EFE5FA94C9}"/>
+              </a:ext>
+            </a:extLst>
+          </p:cNvPr>
+          <p:cNvPicPr>
+            <a:picLocks noChangeAspect="1"/>
+          </p:cNvPicPr>
+          <p:nvPr/>
+        </p:nvPicPr>
+        <p:blipFill rotWithShape="1">
+          <a:blip r:embed="rId2">
+            <a:extLst>
+              <a:ext uri="{28A0092B-C50C-407E-A947-70E740481C1C}">
+                <a14:useLocalDpi xmlns:a14="http://schemas.microsoft.com/office/drawing/2010/main" val="0"/>
+              </a:ext>
+            </a:extLst>
+          </a:blip>
+          <a:srcRect l="-403" r="537"/>
+          <a:stretch/>
+        </p:blipFill>
+        <p:spPr>
+          <a:xfrm>
+            <a:off x="45720" y="2015144"/>
+            <a:ext cx="4168140" cy="2827713"/>
+          </a:xfrm>
+          <a:prstGeom prst="rect">
+            <a:avLst/>
+          </a:prstGeom>
+        </p:spPr>
+      </p:pic>
+      <p:pic>
+        <p:nvPicPr>
+          <p:cNvPr id="9" name="Picture 8" descr="Chart, line chart&#10;&#10;Description automatically generated">
+            <a:extLst>
+              <a:ext uri="{FF2B5EF4-FFF2-40B4-BE49-F238E27FC236}">
+                <a16:creationId xmlns:a16="http://schemas.microsoft.com/office/drawing/2014/main" id="{0683D87D-A441-2741-89D8-ADE26C4DF51B}"/>
+              </a:ext>
+            </a:extLst>
+          </p:cNvPr>
+          <p:cNvPicPr>
+            <a:picLocks noChangeAspect="1"/>
+          </p:cNvPicPr>
+          <p:nvPr/>
+        </p:nvPicPr>
+        <p:blipFill rotWithShape="1">
+          <a:blip r:embed="rId3">
+            <a:extLst>
+              <a:ext uri="{28A0092B-C50C-407E-A947-70E740481C1C}">
+                <a14:useLocalDpi xmlns:a14="http://schemas.microsoft.com/office/drawing/2010/main" val="0"/>
+              </a:ext>
+            </a:extLst>
+          </a:blip>
+          <a:srcRect l="496" r="672"/>
+          <a:stretch/>
+        </p:blipFill>
+        <p:spPr>
+          <a:xfrm>
+            <a:off x="4259580" y="2015144"/>
+            <a:ext cx="3726180" cy="2827713"/>
+          </a:xfrm>
+          <a:prstGeom prst="rect">
+            <a:avLst/>
+          </a:prstGeom>
+        </p:spPr>
+      </p:pic>
+      <p:pic>
+        <p:nvPicPr>
+          <p:cNvPr id="7" name="Picture 6" descr="Chart, line chart&#10;&#10;Description automatically generated">
+            <a:extLst>
+              <a:ext uri="{FF2B5EF4-FFF2-40B4-BE49-F238E27FC236}">
+                <a16:creationId xmlns:a16="http://schemas.microsoft.com/office/drawing/2014/main" id="{048BAA66-AAE1-0A44-A8F9-A1EB9C12A68B}"/>
+              </a:ext>
+            </a:extLst>
+          </p:cNvPr>
+          <p:cNvPicPr>
+            <a:picLocks noChangeAspect="1"/>
+          </p:cNvPicPr>
+          <p:nvPr/>
+        </p:nvPicPr>
+        <p:blipFill rotWithShape="1">
+          <a:blip r:embed="rId4">
+            <a:extLst>
+              <a:ext uri="{28A0092B-C50C-407E-A947-70E740481C1C}">
+                <a14:useLocalDpi xmlns:a14="http://schemas.microsoft.com/office/drawing/2010/main" val="0"/>
+              </a:ext>
+            </a:extLst>
+          </a:blip>
+          <a:srcRect l="634" r="50"/>
+          <a:stretch/>
+        </p:blipFill>
+        <p:spPr>
+          <a:xfrm>
+            <a:off x="8031480" y="2015144"/>
+            <a:ext cx="4114800" cy="2827713"/>
+          </a:xfrm>
+          <a:prstGeom prst="rect">
+            <a:avLst/>
+          </a:prstGeom>
+        </p:spPr>
+      </p:pic>
+      <p:sp>
+        <p:nvSpPr>
+          <p:cNvPr id="53" name="Rectangle 52">
+            <a:extLst>
+              <a:ext uri="{FF2B5EF4-FFF2-40B4-BE49-F238E27FC236}">
+                <a16:creationId xmlns:a16="http://schemas.microsoft.com/office/drawing/2014/main" id="{658E942F-99B3-4B03-9483-257868F33C82}"/>
               </a:ext>
               <a:ext uri="{C183D7F6-B498-43B3-948B-1728B52AA6E4}">
                 <adec:decorative xmlns:adec="http://schemas.microsoft.com/office/drawing/2017/decorative" val="1"/>
@@ -15792,23 +15565,25 @@
           </p:nvPr>
         </p:nvSpPr>
         <p:spPr>
-          <a:xfrm>
-            <a:off x="0" y="5239700"/>
-            <a:ext cx="12192000" cy="1636119"/>
+          <a:xfrm flipH="1">
+            <a:off x="-3" y="6400798"/>
+            <a:ext cx="12191999" cy="457198"/>
           </a:xfrm>
           <a:prstGeom prst="rect">
             <a:avLst/>
           </a:prstGeom>
           <a:gradFill>
             <a:gsLst>
-              <a:gs pos="0">
-                <a:schemeClr val="accent5"/>
+              <a:gs pos="36000">
+                <a:schemeClr val="accent6">
+                  <a:lumMod val="75000"/>
+                </a:schemeClr>
               </a:gs>
               <a:gs pos="100000">
                 <a:schemeClr val="accent6"/>
               </a:gs>
             </a:gsLst>
-            <a:lin ang="15600000" scaled="0"/>
+            <a:lin ang="0" scaled="0"/>
           </a:gradFill>
           <a:ln>
             <a:noFill/>
@@ -15835,16 +15610,16 @@
           <a:lstStyle/>
           <a:p>
             <a:pPr algn="ctr"/>
-            <a:endParaRPr lang="en-US" dirty="0"/>
-          </a:p>
-        </p:txBody>
-      </p:sp>
-      <p:sp>
-        <p:nvSpPr>
-          <p:cNvPr id="44" name="Rectangle 43">
-            <a:extLst>
-              <a:ext uri="{FF2B5EF4-FFF2-40B4-BE49-F238E27FC236}">
-                <a16:creationId xmlns:a16="http://schemas.microsoft.com/office/drawing/2014/main" id="{8411D24A-F765-48C8-813D-D3A5E5AAB1B1}"/>
+            <a:endParaRPr lang="en-US"/>
+          </a:p>
+        </p:txBody>
+      </p:sp>
+      <p:sp>
+        <p:nvSpPr>
+          <p:cNvPr id="55" name="Rectangle 54">
+            <a:extLst>
+              <a:ext uri="{FF2B5EF4-FFF2-40B4-BE49-F238E27FC236}">
+                <a16:creationId xmlns:a16="http://schemas.microsoft.com/office/drawing/2014/main" id="{4C5F2208-8069-4052-9996-5399372CDD2B}"/>
               </a:ext>
               <a:ext uri="{C183D7F6-B498-43B3-948B-1728B52AA6E4}">
                 <adec:decorative xmlns:adec="http://schemas.microsoft.com/office/drawing/2017/decorative" val="1"/>
@@ -15863,27 +15638,25 @@
           </p:nvPr>
         </p:nvSpPr>
         <p:spPr>
-          <a:xfrm rot="5400000">
-            <a:off x="7794757" y="2011501"/>
-            <a:ext cx="1169042" cy="7625444"/>
+          <a:xfrm flipH="1">
+            <a:off x="3681454" y="6400798"/>
+            <a:ext cx="8510542" cy="465570"/>
           </a:xfrm>
           <a:prstGeom prst="rect">
             <a:avLst/>
           </a:prstGeom>
           <a:gradFill>
             <a:gsLst>
-              <a:gs pos="23000">
-                <a:schemeClr val="accent4">
-                  <a:alpha val="0"/>
+              <a:gs pos="0">
+                <a:schemeClr val="accent5">
+                  <a:alpha val="57000"/>
                 </a:schemeClr>
               </a:gs>
-              <a:gs pos="99000">
-                <a:schemeClr val="accent6">
-                  <a:alpha val="33000"/>
-                </a:schemeClr>
+              <a:gs pos="100000">
+                <a:schemeClr val="accent2"/>
               </a:gs>
             </a:gsLst>
-            <a:lin ang="15000000" scaled="0"/>
+            <a:lin ang="11400000" scaled="0"/>
           </a:gradFill>
           <a:ln>
             <a:noFill/>
@@ -15910,232 +15683,124 @@
           <a:lstStyle/>
           <a:p>
             <a:pPr algn="ctr"/>
-            <a:endParaRPr lang="en-US" dirty="0"/>
-          </a:p>
-        </p:txBody>
-      </p:sp>
-      <p:sp>
-        <p:nvSpPr>
-          <p:cNvPr id="46" name="Rectangle 45">
-            <a:extLst>
-              <a:ext uri="{FF2B5EF4-FFF2-40B4-BE49-F238E27FC236}">
-                <a16:creationId xmlns:a16="http://schemas.microsoft.com/office/drawing/2014/main" id="{E9F3C764-BCFB-4F32-B897-6513FF0F6522}"/>
-              </a:ext>
-              <a:ext uri="{C183D7F6-B498-43B3-948B-1728B52AA6E4}">
-                <adec:decorative xmlns:adec="http://schemas.microsoft.com/office/drawing/2017/decorative" val="1"/>
-              </a:ext>
-            </a:extLst>
-          </p:cNvPr>
-          <p:cNvSpPr>
-            <a:spLocks noGrp="1" noRot="1" noChangeAspect="1" noMove="1" noResize="1" noEditPoints="1" noAdjustHandles="1" noChangeArrowheads="1" noChangeShapeType="1" noTextEdit="1"/>
+            <a:endParaRPr lang="en-US"/>
+          </a:p>
+        </p:txBody>
+      </p:sp>
+      <p:sp>
+        <p:nvSpPr>
+          <p:cNvPr id="18" name="Title 1">
+            <a:extLst>
+              <a:ext uri="{FF2B5EF4-FFF2-40B4-BE49-F238E27FC236}">
+                <a16:creationId xmlns:a16="http://schemas.microsoft.com/office/drawing/2014/main" id="{D60F1E35-E938-D149-A031-BAA070880167}"/>
+              </a:ext>
+            </a:extLst>
+          </p:cNvPr>
+          <p:cNvSpPr txBox="1">
+            <a:spLocks/>
           </p:cNvSpPr>
-          <p:nvPr>
-            <p:extLst>
-              <p:ext uri="{386F3935-93C4-4BCD-93E2-E3B085C9AB24}">
-                <p16:designElem xmlns:p16="http://schemas.microsoft.com/office/powerpoint/2015/main" val="1"/>
-              </p:ext>
-            </p:extLst>
-          </p:nvPr>
+          <p:nvPr/>
         </p:nvSpPr>
         <p:spPr>
           <a:xfrm>
-            <a:off x="-1" y="5239700"/>
-            <a:ext cx="7910111" cy="1645027"/>
-          </a:xfrm>
-          <a:prstGeom prst="rect">
-            <a:avLst/>
-          </a:prstGeom>
-          <a:gradFill>
-            <a:gsLst>
-              <a:gs pos="24000">
-                <a:schemeClr val="accent2">
-                  <a:alpha val="0"/>
-                </a:schemeClr>
-              </a:gs>
-              <a:gs pos="99000">
-                <a:schemeClr val="accent2">
-                  <a:alpha val="76000"/>
-                </a:schemeClr>
-              </a:gs>
-            </a:gsLst>
-            <a:lin ang="16800000" scaled="0"/>
-          </a:gradFill>
-          <a:ln>
-            <a:noFill/>
-          </a:ln>
-        </p:spPr>
-        <p:style>
-          <a:lnRef idx="2">
-            <a:schemeClr val="accent1">
-              <a:shade val="50000"/>
-            </a:schemeClr>
-          </a:lnRef>
-          <a:fillRef idx="1">
-            <a:schemeClr val="accent1"/>
-          </a:fillRef>
-          <a:effectRef idx="0">
-            <a:schemeClr val="accent1"/>
-          </a:effectRef>
-          <a:fontRef idx="minor">
-            <a:schemeClr val="lt1"/>
-          </a:fontRef>
-        </p:style>
-        <p:txBody>
-          <a:bodyPr rtlCol="0" anchor="ctr"/>
-          <a:lstStyle/>
-          <a:p>
-            <a:pPr algn="ctr"/>
-            <a:endParaRPr lang="en-US" dirty="0"/>
-          </a:p>
-        </p:txBody>
-      </p:sp>
-      <p:sp>
-        <p:nvSpPr>
-          <p:cNvPr id="2" name="Title 1">
-            <a:extLst>
-              <a:ext uri="{FF2B5EF4-FFF2-40B4-BE49-F238E27FC236}">
-                <a16:creationId xmlns:a16="http://schemas.microsoft.com/office/drawing/2014/main" id="{184674FE-D8EF-4C40-9F15-A7545189A2AB}"/>
-              </a:ext>
-            </a:extLst>
-          </p:cNvPr>
-          <p:cNvSpPr>
-            <a:spLocks noGrp="1"/>
-          </p:cNvSpPr>
-          <p:nvPr>
-            <p:ph type="title"/>
-          </p:nvPr>
-        </p:nvSpPr>
-        <p:spPr>
-          <a:xfrm>
-            <a:off x="749490" y="5550794"/>
-            <a:ext cx="6703421" cy="1030310"/>
-          </a:xfrm>
-        </p:spPr>
-        <p:txBody>
-          <a:bodyPr vert="horz" lIns="0" tIns="0" rIns="0" bIns="0" rtlCol="0" anchor="ctr">
-            <a:normAutofit/>
-          </a:bodyPr>
-          <a:lstStyle/>
-          <a:p>
-            <a:r>
-              <a:rPr lang="en-US" sz="3200" spc="750">
-                <a:solidFill>
-                  <a:schemeClr val="bg1"/>
-                </a:solidFill>
-              </a:rPr>
-              <a:t>XGboost</a:t>
-            </a:r>
-          </a:p>
-        </p:txBody>
-      </p:sp>
-      <p:pic>
-        <p:nvPicPr>
-          <p:cNvPr id="5" name="Picture 4" descr="Chart, treemap chart&#10;&#10;Description automatically generated">
-            <a:extLst>
-              <a:ext uri="{FF2B5EF4-FFF2-40B4-BE49-F238E27FC236}">
-                <a16:creationId xmlns:a16="http://schemas.microsoft.com/office/drawing/2014/main" id="{4C877E22-14AB-9749-AF19-C9EFE5FA94C9}"/>
-              </a:ext>
-            </a:extLst>
-          </p:cNvPr>
-          <p:cNvPicPr>
-            <a:picLocks noChangeAspect="1"/>
-          </p:cNvPicPr>
-          <p:nvPr/>
-        </p:nvPicPr>
-        <p:blipFill>
-          <a:blip r:embed="rId2">
-            <a:extLst>
-              <a:ext uri="{28A0092B-C50C-407E-A947-70E740481C1C}">
-                <a14:useLocalDpi xmlns:a14="http://schemas.microsoft.com/office/drawing/2010/main" val="0"/>
-              </a:ext>
-            </a:extLst>
-          </a:blip>
-          <a:stretch>
-            <a:fillRect/>
-          </a:stretch>
-        </p:blipFill>
-        <p:spPr>
-          <a:xfrm>
-            <a:off x="1371848" y="2278829"/>
-            <a:ext cx="2928526" cy="1984076"/>
+            <a:off x="3640303" y="124890"/>
+            <a:ext cx="4911393" cy="646332"/>
           </a:xfrm>
           <a:prstGeom prst="rect">
             <a:avLst/>
           </a:prstGeom>
         </p:spPr>
-      </p:pic>
-      <p:pic>
-        <p:nvPicPr>
-          <p:cNvPr id="9" name="Picture 8" descr="Chart, line chart&#10;&#10;Description automatically generated">
-            <a:extLst>
-              <a:ext uri="{FF2B5EF4-FFF2-40B4-BE49-F238E27FC236}">
-                <a16:creationId xmlns:a16="http://schemas.microsoft.com/office/drawing/2014/main" id="{0683D87D-A441-2741-89D8-ADE26C4DF51B}"/>
-              </a:ext>
-            </a:extLst>
-          </p:cNvPr>
-          <p:cNvPicPr>
-            <a:picLocks noChangeAspect="1"/>
-          </p:cNvPicPr>
-          <p:nvPr/>
-        </p:nvPicPr>
-        <p:blipFill>
-          <a:blip r:embed="rId3">
-            <a:extLst>
-              <a:ext uri="{28A0092B-C50C-407E-A947-70E740481C1C}">
-                <a14:useLocalDpi xmlns:a14="http://schemas.microsoft.com/office/drawing/2010/main" val="0"/>
-              </a:ext>
-            </a:extLst>
-          </a:blip>
-          <a:stretch>
-            <a:fillRect/>
-          </a:stretch>
-        </p:blipFill>
-        <p:spPr>
-          <a:xfrm>
-            <a:off x="4629681" y="2068641"/>
-            <a:ext cx="2925688" cy="2194265"/>
-          </a:xfrm>
-          <a:prstGeom prst="rect">
-            <a:avLst/>
-          </a:prstGeom>
-        </p:spPr>
-      </p:pic>
-      <p:pic>
-        <p:nvPicPr>
-          <p:cNvPr id="7" name="Picture 6" descr="Chart, line chart&#10;&#10;Description automatically generated">
-            <a:extLst>
-              <a:ext uri="{FF2B5EF4-FFF2-40B4-BE49-F238E27FC236}">
-                <a16:creationId xmlns:a16="http://schemas.microsoft.com/office/drawing/2014/main" id="{048BAA66-AAE1-0A44-A8F9-A1EB9C12A68B}"/>
-              </a:ext>
-            </a:extLst>
-          </p:cNvPr>
-          <p:cNvPicPr>
-            <a:picLocks noChangeAspect="1"/>
-          </p:cNvPicPr>
-          <p:nvPr/>
-        </p:nvPicPr>
-        <p:blipFill>
-          <a:blip r:embed="rId4">
-            <a:extLst>
-              <a:ext uri="{28A0092B-C50C-407E-A947-70E740481C1C}">
-                <a14:useLocalDpi xmlns:a14="http://schemas.microsoft.com/office/drawing/2010/main" val="0"/>
-              </a:ext>
-            </a:extLst>
-          </a:blip>
-          <a:stretch>
-            <a:fillRect/>
-          </a:stretch>
-        </p:blipFill>
-        <p:spPr>
-          <a:xfrm>
-            <a:off x="7894712" y="2266126"/>
-            <a:ext cx="2925688" cy="1996782"/>
-          </a:xfrm>
-          <a:prstGeom prst="rect">
-            <a:avLst/>
-          </a:prstGeom>
-        </p:spPr>
-      </p:pic>
+        <p:txBody>
+          <a:bodyPr vert="horz" lIns="0" tIns="0" rIns="0" bIns="0" rtlCol="0" anchor="b">
+            <a:normAutofit/>
+          </a:bodyPr>
+          <a:lstStyle>
+            <a:lvl1pPr algn="l" defTabSz="914400" rtl="0" eaLnBrk="1" latinLnBrk="0" hangingPunct="1">
+              <a:lnSpc>
+                <a:spcPct val="100000"/>
+              </a:lnSpc>
+              <a:spcBef>
+                <a:spcPct val="0"/>
+              </a:spcBef>
+              <a:buNone/>
+              <a:defRPr sz="3600" b="1" i="0" kern="1200" cap="all" spc="700" baseline="0">
+                <a:solidFill>
+                  <a:schemeClr val="tx1"/>
+                </a:solidFill>
+                <a:latin typeface="+mj-lt"/>
+                <a:ea typeface="+mj-ea"/>
+                <a:cs typeface="+mj-cs"/>
+              </a:defRPr>
+            </a:lvl1pPr>
+          </a:lstStyle>
+          <a:p>
+            <a:pPr algn="ctr"/>
+            <a:r>
+              <a:rPr lang="en-US" sz="2800" dirty="0" err="1"/>
+              <a:t>XGBoost</a:t>
+            </a:r>
+            <a:endParaRPr lang="en-US" sz="2800" dirty="0"/>
+          </a:p>
+        </p:txBody>
+      </p:sp>
+      <p:sp>
+        <p:nvSpPr>
+          <p:cNvPr id="6" name="Date Placeholder 5">
+            <a:extLst>
+              <a:ext uri="{FF2B5EF4-FFF2-40B4-BE49-F238E27FC236}">
+                <a16:creationId xmlns:a16="http://schemas.microsoft.com/office/drawing/2014/main" id="{B7CC9877-0056-A64A-B3B6-32EBA5C1FF6F}"/>
+              </a:ext>
+            </a:extLst>
+          </p:cNvPr>
+          <p:cNvSpPr>
+            <a:spLocks noGrp="1"/>
+          </p:cNvSpPr>
+          <p:nvPr>
+            <p:ph type="dt" sz="half" idx="10"/>
+          </p:nvPr>
+        </p:nvSpPr>
+        <p:spPr/>
+        <p:txBody>
+          <a:bodyPr/>
+          <a:lstStyle/>
+          <a:p>
+            <a:fld id="{904BDE25-EACE-B941-92D1-969886DB3A92}" type="datetime2">
+              <a:rPr lang="en-US" smtClean="0"/>
+              <a:t>Wednesday, November 16, 2022</a:t>
+            </a:fld>
+            <a:endParaRPr lang="en-US"/>
+          </a:p>
+        </p:txBody>
+      </p:sp>
+      <p:sp>
+        <p:nvSpPr>
+          <p:cNvPr id="8" name="Slide Number Placeholder 7">
+            <a:extLst>
+              <a:ext uri="{FF2B5EF4-FFF2-40B4-BE49-F238E27FC236}">
+                <a16:creationId xmlns:a16="http://schemas.microsoft.com/office/drawing/2014/main" id="{D03BD75B-7BDC-9C4B-BB47-40E070E25BE7}"/>
+              </a:ext>
+            </a:extLst>
+          </p:cNvPr>
+          <p:cNvSpPr>
+            <a:spLocks noGrp="1"/>
+          </p:cNvSpPr>
+          <p:nvPr>
+            <p:ph type="sldNum" sz="quarter" idx="12"/>
+          </p:nvPr>
+        </p:nvSpPr>
+        <p:spPr/>
+        <p:txBody>
+          <a:bodyPr/>
+          <a:lstStyle/>
+          <a:p>
+            <a:fld id="{C01389E6-C847-4AD0-B56D-D205B2EAB1EE}" type="slidenum">
+              <a:rPr lang="en-US" smtClean="0"/>
+              <a:t>11</a:t>
+            </a:fld>
+            <a:endParaRPr lang="en-US"/>
+          </a:p>
+        </p:txBody>
+      </p:sp>
     </p:spTree>
     <p:extLst>
       <p:ext uri="{BB962C8B-B14F-4D97-AF65-F5344CB8AC3E}">
@@ -16176,7 +15841,7 @@
       </p:grpSpPr>
       <p:sp>
         <p:nvSpPr>
-          <p:cNvPr id="40" name="Rectangle 39">
+          <p:cNvPr id="55" name="Rectangle 54">
             <a:extLst>
               <a:ext uri="{FF2B5EF4-FFF2-40B4-BE49-F238E27FC236}">
                 <a16:creationId xmlns:a16="http://schemas.microsoft.com/office/drawing/2014/main" id="{BD4C0BBB-0042-4603-A226-6117F3FD5B3C}"/>
@@ -16251,7 +15916,7 @@
       </p:sp>
       <p:sp>
         <p:nvSpPr>
-          <p:cNvPr id="42" name="Rectangle 41">
+          <p:cNvPr id="57" name="Rectangle 56">
             <a:extLst>
               <a:ext uri="{FF2B5EF4-FFF2-40B4-BE49-F238E27FC236}">
                 <a16:creationId xmlns:a16="http://schemas.microsoft.com/office/drawing/2014/main" id="{EC44F520-2598-460E-9F91-B02F60830CA2}"/>
@@ -16326,10 +15991,10 @@
       </p:sp>
       <p:sp useBgFill="1">
         <p:nvSpPr>
-          <p:cNvPr id="44" name="Rectangle 43">
-            <a:extLst>
-              <a:ext uri="{FF2B5EF4-FFF2-40B4-BE49-F238E27FC236}">
-                <a16:creationId xmlns:a16="http://schemas.microsoft.com/office/drawing/2014/main" id="{0C2F0710-2888-4995-BF7D-2C866684188F}"/>
+          <p:cNvPr id="59" name="Rectangle 58">
+            <a:extLst>
+              <a:ext uri="{FF2B5EF4-FFF2-40B4-BE49-F238E27FC236}">
+                <a16:creationId xmlns:a16="http://schemas.microsoft.com/office/drawing/2014/main" id="{FBC072A9-737B-43EA-8F67-8155C25E607E}"/>
               </a:ext>
               <a:ext uri="{C183D7F6-B498-43B3-948B-1728B52AA6E4}">
                 <adec:decorative xmlns:adec="http://schemas.microsoft.com/office/drawing/2017/decorative" val="1"/>
@@ -16400,12 +16065,120 @@
           </a:p>
         </p:txBody>
       </p:sp>
-      <p:sp>
-        <p:nvSpPr>
-          <p:cNvPr id="46" name="Rectangle 45">
-            <a:extLst>
-              <a:ext uri="{FF2B5EF4-FFF2-40B4-BE49-F238E27FC236}">
-                <a16:creationId xmlns:a16="http://schemas.microsoft.com/office/drawing/2014/main" id="{100C66CE-2B3E-4513-9B9D-EC2B8182FAE1}"/>
+      <p:pic>
+        <p:nvPicPr>
+          <p:cNvPr id="5" name="Picture 4" descr="Chart, treemap chart&#10;&#10;Description automatically generated">
+            <a:extLst>
+              <a:ext uri="{FF2B5EF4-FFF2-40B4-BE49-F238E27FC236}">
+                <a16:creationId xmlns:a16="http://schemas.microsoft.com/office/drawing/2014/main" id="{3EC65935-F1E2-6145-BB65-EBB7E8CDE27C}"/>
+              </a:ext>
+            </a:extLst>
+          </p:cNvPr>
+          <p:cNvPicPr>
+            <a:picLocks noChangeAspect="1"/>
+          </p:cNvPicPr>
+          <p:nvPr/>
+        </p:nvPicPr>
+        <p:blipFill>
+          <a:blip r:embed="rId2">
+            <a:extLst>
+              <a:ext uri="{28A0092B-C50C-407E-A947-70E740481C1C}">
+                <a14:useLocalDpi xmlns:a14="http://schemas.microsoft.com/office/drawing/2010/main" val="0"/>
+              </a:ext>
+            </a:extLst>
+          </a:blip>
+          <a:stretch>
+            <a:fillRect/>
+          </a:stretch>
+        </p:blipFill>
+        <p:spPr>
+          <a:xfrm>
+            <a:off x="104285" y="2094516"/>
+            <a:ext cx="3924954" cy="2668968"/>
+          </a:xfrm>
+          <a:prstGeom prst="rect">
+            <a:avLst/>
+          </a:prstGeom>
+        </p:spPr>
+      </p:pic>
+      <p:pic>
+        <p:nvPicPr>
+          <p:cNvPr id="7" name="Picture 6" descr="Chart, line chart&#10;&#10;Description automatically generated">
+            <a:extLst>
+              <a:ext uri="{FF2B5EF4-FFF2-40B4-BE49-F238E27FC236}">
+                <a16:creationId xmlns:a16="http://schemas.microsoft.com/office/drawing/2014/main" id="{4AF4B696-1447-2E4B-B2FE-0780DC122F81}"/>
+              </a:ext>
+            </a:extLst>
+          </p:cNvPr>
+          <p:cNvPicPr>
+            <a:picLocks noChangeAspect="1"/>
+          </p:cNvPicPr>
+          <p:nvPr/>
+        </p:nvPicPr>
+        <p:blipFill>
+          <a:blip r:embed="rId3">
+            <a:extLst>
+              <a:ext uri="{28A0092B-C50C-407E-A947-70E740481C1C}">
+                <a14:useLocalDpi xmlns:a14="http://schemas.microsoft.com/office/drawing/2010/main" val="0"/>
+              </a:ext>
+            </a:extLst>
+          </a:blip>
+          <a:stretch>
+            <a:fillRect/>
+          </a:stretch>
+        </p:blipFill>
+        <p:spPr>
+          <a:xfrm>
+            <a:off x="4133524" y="2070645"/>
+            <a:ext cx="3924953" cy="2716711"/>
+          </a:xfrm>
+          <a:prstGeom prst="rect">
+            <a:avLst/>
+          </a:prstGeom>
+        </p:spPr>
+      </p:pic>
+      <p:pic>
+        <p:nvPicPr>
+          <p:cNvPr id="9" name="Picture 8" descr="Chart, line chart&#10;&#10;Description automatically generated">
+            <a:extLst>
+              <a:ext uri="{FF2B5EF4-FFF2-40B4-BE49-F238E27FC236}">
+                <a16:creationId xmlns:a16="http://schemas.microsoft.com/office/drawing/2014/main" id="{02236D4C-6313-924C-809F-67C301A07667}"/>
+              </a:ext>
+            </a:extLst>
+          </p:cNvPr>
+          <p:cNvPicPr>
+            <a:picLocks noChangeAspect="1"/>
+          </p:cNvPicPr>
+          <p:nvPr/>
+        </p:nvPicPr>
+        <p:blipFill>
+          <a:blip r:embed="rId4">
+            <a:extLst>
+              <a:ext uri="{28A0092B-C50C-407E-A947-70E740481C1C}">
+                <a14:useLocalDpi xmlns:a14="http://schemas.microsoft.com/office/drawing/2010/main" val="0"/>
+              </a:ext>
+            </a:extLst>
+          </a:blip>
+          <a:stretch>
+            <a:fillRect/>
+          </a:stretch>
+        </p:blipFill>
+        <p:spPr>
+          <a:xfrm>
+            <a:off x="8162762" y="1912987"/>
+            <a:ext cx="3924954" cy="3032027"/>
+          </a:xfrm>
+          <a:prstGeom prst="rect">
+            <a:avLst/>
+          </a:prstGeom>
+        </p:spPr>
+      </p:pic>
+      <p:sp>
+        <p:nvSpPr>
+          <p:cNvPr id="61" name="Rectangle 60">
+            <a:extLst>
+              <a:ext uri="{FF2B5EF4-FFF2-40B4-BE49-F238E27FC236}">
+                <a16:creationId xmlns:a16="http://schemas.microsoft.com/office/drawing/2014/main" id="{0EB06CB7-868E-4636-A33A-E193292A6F50}"/>
               </a:ext>
               <a:ext uri="{C183D7F6-B498-43B3-948B-1728B52AA6E4}">
                 <adec:decorative xmlns:adec="http://schemas.microsoft.com/office/drawing/2017/decorative" val="1"/>
@@ -16424,23 +16197,27 @@
           </p:nvPr>
         </p:nvSpPr>
         <p:spPr>
-          <a:xfrm>
-            <a:off x="0" y="5239700"/>
-            <a:ext cx="12192000" cy="1636119"/>
+          <a:xfrm rot="10800000" flipH="1">
+            <a:off x="0" y="6408741"/>
+            <a:ext cx="12192000" cy="449256"/>
           </a:xfrm>
           <a:prstGeom prst="rect">
             <a:avLst/>
           </a:prstGeom>
           <a:gradFill>
             <a:gsLst>
-              <a:gs pos="0">
-                <a:schemeClr val="accent5"/>
+              <a:gs pos="14000">
+                <a:schemeClr val="accent4">
+                  <a:alpha val="28000"/>
+                </a:schemeClr>
               </a:gs>
               <a:gs pos="100000">
-                <a:schemeClr val="accent6"/>
+                <a:schemeClr val="accent5">
+                  <a:alpha val="85000"/>
+                </a:schemeClr>
               </a:gs>
             </a:gsLst>
-            <a:lin ang="15600000" scaled="0"/>
+            <a:lin ang="9000000" scaled="0"/>
           </a:gradFill>
           <a:ln>
             <a:noFill/>
@@ -16467,16 +16244,16 @@
           <a:lstStyle/>
           <a:p>
             <a:pPr algn="ctr"/>
-            <a:endParaRPr lang="en-US" dirty="0"/>
-          </a:p>
-        </p:txBody>
-      </p:sp>
-      <p:sp>
-        <p:nvSpPr>
-          <p:cNvPr id="48" name="Rectangle 47">
-            <a:extLst>
-              <a:ext uri="{FF2B5EF4-FFF2-40B4-BE49-F238E27FC236}">
-                <a16:creationId xmlns:a16="http://schemas.microsoft.com/office/drawing/2014/main" id="{8411D24A-F765-48C8-813D-D3A5E5AAB1B1}"/>
+            <a:endParaRPr lang="en-US"/>
+          </a:p>
+        </p:txBody>
+      </p:sp>
+      <p:sp>
+        <p:nvSpPr>
+          <p:cNvPr id="63" name="Rectangle 62">
+            <a:extLst>
+              <a:ext uri="{FF2B5EF4-FFF2-40B4-BE49-F238E27FC236}">
+                <a16:creationId xmlns:a16="http://schemas.microsoft.com/office/drawing/2014/main" id="{AFD90F94-5ADB-4D14-BFA5-C0815CAE6D8D}"/>
               </a:ext>
               <a:ext uri="{C183D7F6-B498-43B3-948B-1728B52AA6E4}">
                 <adec:decorative xmlns:adec="http://schemas.microsoft.com/office/drawing/2017/decorative" val="1"/>
@@ -16495,27 +16272,27 @@
           </p:nvPr>
         </p:nvSpPr>
         <p:spPr>
-          <a:xfrm rot="5400000">
-            <a:off x="7794757" y="2011501"/>
-            <a:ext cx="1169042" cy="7625444"/>
+          <a:xfrm flipH="1">
+            <a:off x="4038600" y="6408316"/>
+            <a:ext cx="8153398" cy="449684"/>
           </a:xfrm>
           <a:prstGeom prst="rect">
             <a:avLst/>
           </a:prstGeom>
           <a:gradFill>
             <a:gsLst>
-              <a:gs pos="23000">
-                <a:schemeClr val="accent4">
-                  <a:alpha val="0"/>
+              <a:gs pos="9000">
+                <a:schemeClr val="accent2">
+                  <a:lumMod val="60000"/>
+                  <a:lumOff val="40000"/>
+                  <a:alpha val="68000"/>
                 </a:schemeClr>
               </a:gs>
               <a:gs pos="99000">
-                <a:schemeClr val="accent6">
-                  <a:alpha val="33000"/>
-                </a:schemeClr>
+                <a:schemeClr val="accent2"/>
               </a:gs>
             </a:gsLst>
-            <a:lin ang="15000000" scaled="0"/>
+            <a:lin ang="13800000" scaled="0"/>
           </a:gradFill>
           <a:ln>
             <a:noFill/>
@@ -16542,232 +16319,123 @@
           <a:lstStyle/>
           <a:p>
             <a:pPr algn="ctr"/>
-            <a:endParaRPr lang="en-US" dirty="0"/>
-          </a:p>
-        </p:txBody>
-      </p:sp>
-      <p:sp>
-        <p:nvSpPr>
-          <p:cNvPr id="50" name="Rectangle 49">
-            <a:extLst>
-              <a:ext uri="{FF2B5EF4-FFF2-40B4-BE49-F238E27FC236}">
-                <a16:creationId xmlns:a16="http://schemas.microsoft.com/office/drawing/2014/main" id="{E9F3C764-BCFB-4F32-B897-6513FF0F6522}"/>
-              </a:ext>
-              <a:ext uri="{C183D7F6-B498-43B3-948B-1728B52AA6E4}">
-                <adec:decorative xmlns:adec="http://schemas.microsoft.com/office/drawing/2017/decorative" val="1"/>
-              </a:ext>
-            </a:extLst>
-          </p:cNvPr>
-          <p:cNvSpPr>
-            <a:spLocks noGrp="1" noRot="1" noChangeAspect="1" noMove="1" noResize="1" noEditPoints="1" noAdjustHandles="1" noChangeArrowheads="1" noChangeShapeType="1" noTextEdit="1"/>
+            <a:endParaRPr lang="en-US"/>
+          </a:p>
+        </p:txBody>
+      </p:sp>
+      <p:sp>
+        <p:nvSpPr>
+          <p:cNvPr id="19" name="Title 1">
+            <a:extLst>
+              <a:ext uri="{FF2B5EF4-FFF2-40B4-BE49-F238E27FC236}">
+                <a16:creationId xmlns:a16="http://schemas.microsoft.com/office/drawing/2014/main" id="{BF1E567D-B059-A54E-A989-23322BDC48D6}"/>
+              </a:ext>
+            </a:extLst>
+          </p:cNvPr>
+          <p:cNvSpPr txBox="1">
+            <a:spLocks/>
           </p:cNvSpPr>
-          <p:nvPr>
-            <p:extLst>
-              <p:ext uri="{386F3935-93C4-4BCD-93E2-E3B085C9AB24}">
-                <p16:designElem xmlns:p16="http://schemas.microsoft.com/office/powerpoint/2015/main" val="1"/>
-              </p:ext>
-            </p:extLst>
-          </p:nvPr>
+          <p:nvPr/>
         </p:nvSpPr>
         <p:spPr>
           <a:xfrm>
-            <a:off x="-1" y="5239700"/>
-            <a:ext cx="7910111" cy="1645027"/>
-          </a:xfrm>
-          <a:prstGeom prst="rect">
-            <a:avLst/>
-          </a:prstGeom>
-          <a:gradFill>
-            <a:gsLst>
-              <a:gs pos="24000">
-                <a:schemeClr val="accent2">
-                  <a:alpha val="0"/>
-                </a:schemeClr>
-              </a:gs>
-              <a:gs pos="99000">
-                <a:schemeClr val="accent2">
-                  <a:alpha val="76000"/>
-                </a:schemeClr>
-              </a:gs>
-            </a:gsLst>
-            <a:lin ang="16800000" scaled="0"/>
-          </a:gradFill>
-          <a:ln>
-            <a:noFill/>
-          </a:ln>
-        </p:spPr>
-        <p:style>
-          <a:lnRef idx="2">
-            <a:schemeClr val="accent1">
-              <a:shade val="50000"/>
-            </a:schemeClr>
-          </a:lnRef>
-          <a:fillRef idx="1">
-            <a:schemeClr val="accent1"/>
-          </a:fillRef>
-          <a:effectRef idx="0">
-            <a:schemeClr val="accent1"/>
-          </a:effectRef>
-          <a:fontRef idx="minor">
-            <a:schemeClr val="lt1"/>
-          </a:fontRef>
-        </p:style>
-        <p:txBody>
-          <a:bodyPr rtlCol="0" anchor="ctr"/>
-          <a:lstStyle/>
-          <a:p>
-            <a:pPr algn="ctr"/>
-            <a:endParaRPr lang="en-US" dirty="0"/>
-          </a:p>
-        </p:txBody>
-      </p:sp>
-      <p:sp>
-        <p:nvSpPr>
-          <p:cNvPr id="2" name="Title 1">
-            <a:extLst>
-              <a:ext uri="{FF2B5EF4-FFF2-40B4-BE49-F238E27FC236}">
-                <a16:creationId xmlns:a16="http://schemas.microsoft.com/office/drawing/2014/main" id="{B80C8288-DB27-F34D-9214-E1AB0FA782EC}"/>
-              </a:ext>
-            </a:extLst>
-          </p:cNvPr>
-          <p:cNvSpPr>
-            <a:spLocks noGrp="1"/>
-          </p:cNvSpPr>
-          <p:nvPr>
-            <p:ph type="title"/>
-          </p:nvPr>
-        </p:nvSpPr>
-        <p:spPr>
-          <a:xfrm>
-            <a:off x="749490" y="5550794"/>
-            <a:ext cx="6703421" cy="1030310"/>
-          </a:xfrm>
-        </p:spPr>
-        <p:txBody>
-          <a:bodyPr vert="horz" lIns="0" tIns="0" rIns="0" bIns="0" rtlCol="0" anchor="ctr">
-            <a:normAutofit/>
-          </a:bodyPr>
-          <a:lstStyle/>
-          <a:p>
-            <a:r>
-              <a:rPr lang="en-US" sz="3200" spc="750">
-                <a:solidFill>
-                  <a:schemeClr val="bg1"/>
-                </a:solidFill>
-              </a:rPr>
-              <a:t>LBGM</a:t>
-            </a:r>
-          </a:p>
-        </p:txBody>
-      </p:sp>
-      <p:pic>
-        <p:nvPicPr>
-          <p:cNvPr id="5" name="Picture 4" descr="Chart, treemap chart&#10;&#10;Description automatically generated">
-            <a:extLst>
-              <a:ext uri="{FF2B5EF4-FFF2-40B4-BE49-F238E27FC236}">
-                <a16:creationId xmlns:a16="http://schemas.microsoft.com/office/drawing/2014/main" id="{3EC65935-F1E2-6145-BB65-EBB7E8CDE27C}"/>
-              </a:ext>
-            </a:extLst>
-          </p:cNvPr>
-          <p:cNvPicPr>
-            <a:picLocks noChangeAspect="1"/>
-          </p:cNvPicPr>
-          <p:nvPr/>
-        </p:nvPicPr>
-        <p:blipFill>
-          <a:blip r:embed="rId2">
-            <a:extLst>
-              <a:ext uri="{28A0092B-C50C-407E-A947-70E740481C1C}">
-                <a14:useLocalDpi xmlns:a14="http://schemas.microsoft.com/office/drawing/2010/main" val="0"/>
-              </a:ext>
-            </a:extLst>
-          </a:blip>
-          <a:stretch>
-            <a:fillRect/>
-          </a:stretch>
-        </p:blipFill>
-        <p:spPr>
-          <a:xfrm>
-            <a:off x="1371848" y="2271509"/>
-            <a:ext cx="2928526" cy="1991397"/>
+            <a:off x="3640303" y="124890"/>
+            <a:ext cx="4911393" cy="646332"/>
           </a:xfrm>
           <a:prstGeom prst="rect">
             <a:avLst/>
           </a:prstGeom>
         </p:spPr>
-      </p:pic>
-      <p:pic>
-        <p:nvPicPr>
-          <p:cNvPr id="9" name="Picture 8" descr="Chart, line chart&#10;&#10;Description automatically generated">
-            <a:extLst>
-              <a:ext uri="{FF2B5EF4-FFF2-40B4-BE49-F238E27FC236}">
-                <a16:creationId xmlns:a16="http://schemas.microsoft.com/office/drawing/2014/main" id="{02236D4C-6313-924C-809F-67C301A07667}"/>
-              </a:ext>
-            </a:extLst>
-          </p:cNvPr>
-          <p:cNvPicPr>
-            <a:picLocks noChangeAspect="1"/>
-          </p:cNvPicPr>
-          <p:nvPr/>
-        </p:nvPicPr>
-        <p:blipFill>
-          <a:blip r:embed="rId3">
-            <a:extLst>
-              <a:ext uri="{28A0092B-C50C-407E-A947-70E740481C1C}">
-                <a14:useLocalDpi xmlns:a14="http://schemas.microsoft.com/office/drawing/2010/main" val="0"/>
-              </a:ext>
-            </a:extLst>
-          </a:blip>
-          <a:stretch>
-            <a:fillRect/>
-          </a:stretch>
-        </p:blipFill>
-        <p:spPr>
-          <a:xfrm>
-            <a:off x="4629681" y="2002813"/>
-            <a:ext cx="2925688" cy="2260094"/>
-          </a:xfrm>
-          <a:prstGeom prst="rect">
-            <a:avLst/>
-          </a:prstGeom>
-        </p:spPr>
-      </p:pic>
-      <p:pic>
-        <p:nvPicPr>
-          <p:cNvPr id="7" name="Picture 6" descr="Chart, line chart&#10;&#10;Description automatically generated">
-            <a:extLst>
-              <a:ext uri="{FF2B5EF4-FFF2-40B4-BE49-F238E27FC236}">
-                <a16:creationId xmlns:a16="http://schemas.microsoft.com/office/drawing/2014/main" id="{4AF4B696-1447-2E4B-B2FE-0780DC122F81}"/>
-              </a:ext>
-            </a:extLst>
-          </p:cNvPr>
-          <p:cNvPicPr>
-            <a:picLocks noChangeAspect="1"/>
-          </p:cNvPicPr>
-          <p:nvPr/>
-        </p:nvPicPr>
-        <p:blipFill>
-          <a:blip r:embed="rId4">
-            <a:extLst>
-              <a:ext uri="{28A0092B-C50C-407E-A947-70E740481C1C}">
-                <a14:useLocalDpi xmlns:a14="http://schemas.microsoft.com/office/drawing/2010/main" val="0"/>
-              </a:ext>
-            </a:extLst>
-          </a:blip>
-          <a:stretch>
-            <a:fillRect/>
-          </a:stretch>
-        </p:blipFill>
-        <p:spPr>
-          <a:xfrm>
-            <a:off x="7894712" y="2237852"/>
-            <a:ext cx="2925688" cy="2025056"/>
-          </a:xfrm>
-          <a:prstGeom prst="rect">
-            <a:avLst/>
-          </a:prstGeom>
-        </p:spPr>
-      </p:pic>
+        <p:txBody>
+          <a:bodyPr vert="horz" lIns="0" tIns="0" rIns="0" bIns="0" rtlCol="0" anchor="b">
+            <a:normAutofit/>
+          </a:bodyPr>
+          <a:lstStyle>
+            <a:lvl1pPr algn="l" defTabSz="914400" rtl="0" eaLnBrk="1" latinLnBrk="0" hangingPunct="1">
+              <a:lnSpc>
+                <a:spcPct val="100000"/>
+              </a:lnSpc>
+              <a:spcBef>
+                <a:spcPct val="0"/>
+              </a:spcBef>
+              <a:buNone/>
+              <a:defRPr sz="3600" b="1" i="0" kern="1200" cap="all" spc="700" baseline="0">
+                <a:solidFill>
+                  <a:schemeClr val="tx1"/>
+                </a:solidFill>
+                <a:latin typeface="+mj-lt"/>
+                <a:ea typeface="+mj-ea"/>
+                <a:cs typeface="+mj-cs"/>
+              </a:defRPr>
+            </a:lvl1pPr>
+          </a:lstStyle>
+          <a:p>
+            <a:pPr algn="ctr"/>
+            <a:r>
+              <a:rPr lang="en-US" sz="2800" dirty="0"/>
+              <a:t>LGBM</a:t>
+            </a:r>
+          </a:p>
+        </p:txBody>
+      </p:sp>
+      <p:sp>
+        <p:nvSpPr>
+          <p:cNvPr id="6" name="Date Placeholder 5">
+            <a:extLst>
+              <a:ext uri="{FF2B5EF4-FFF2-40B4-BE49-F238E27FC236}">
+                <a16:creationId xmlns:a16="http://schemas.microsoft.com/office/drawing/2014/main" id="{661C641B-3E46-B842-9A2F-CBDACE6795A8}"/>
+              </a:ext>
+            </a:extLst>
+          </p:cNvPr>
+          <p:cNvSpPr>
+            <a:spLocks noGrp="1"/>
+          </p:cNvSpPr>
+          <p:nvPr>
+            <p:ph type="dt" sz="half" idx="10"/>
+          </p:nvPr>
+        </p:nvSpPr>
+        <p:spPr/>
+        <p:txBody>
+          <a:bodyPr/>
+          <a:lstStyle/>
+          <a:p>
+            <a:fld id="{78229B31-04B5-6C4F-994D-122FB5182388}" type="datetime2">
+              <a:rPr lang="en-US" smtClean="0"/>
+              <a:t>Wednesday, November 16, 2022</a:t>
+            </a:fld>
+            <a:endParaRPr lang="en-US"/>
+          </a:p>
+        </p:txBody>
+      </p:sp>
+      <p:sp>
+        <p:nvSpPr>
+          <p:cNvPr id="8" name="Slide Number Placeholder 7">
+            <a:extLst>
+              <a:ext uri="{FF2B5EF4-FFF2-40B4-BE49-F238E27FC236}">
+                <a16:creationId xmlns:a16="http://schemas.microsoft.com/office/drawing/2014/main" id="{CBC0148E-C88E-8B49-8C54-9F1D4FC7F103}"/>
+              </a:ext>
+            </a:extLst>
+          </p:cNvPr>
+          <p:cNvSpPr>
+            <a:spLocks noGrp="1"/>
+          </p:cNvSpPr>
+          <p:nvPr>
+            <p:ph type="sldNum" sz="quarter" idx="12"/>
+          </p:nvPr>
+        </p:nvSpPr>
+        <p:spPr/>
+        <p:txBody>
+          <a:bodyPr/>
+          <a:lstStyle/>
+          <a:p>
+            <a:fld id="{C01389E6-C847-4AD0-B56D-D205B2EAB1EE}" type="slidenum">
+              <a:rPr lang="en-US" smtClean="0"/>
+              <a:t>12</a:t>
+            </a:fld>
+            <a:endParaRPr lang="en-US"/>
+          </a:p>
+        </p:txBody>
+      </p:sp>
     </p:spTree>
     <p:extLst>
       <p:ext uri="{BB962C8B-B14F-4D97-AF65-F5344CB8AC3E}">
@@ -16888,6 +16556,64 @@
           </a:p>
         </p:txBody>
       </p:sp>
+      <p:sp>
+        <p:nvSpPr>
+          <p:cNvPr id="2" name="Date Placeholder 1">
+            <a:extLst>
+              <a:ext uri="{FF2B5EF4-FFF2-40B4-BE49-F238E27FC236}">
+                <a16:creationId xmlns:a16="http://schemas.microsoft.com/office/drawing/2014/main" id="{58C4080F-A114-DA43-8652-7F5B016685A2}"/>
+              </a:ext>
+            </a:extLst>
+          </p:cNvPr>
+          <p:cNvSpPr>
+            <a:spLocks noGrp="1"/>
+          </p:cNvSpPr>
+          <p:nvPr>
+            <p:ph type="dt" sz="half" idx="10"/>
+          </p:nvPr>
+        </p:nvSpPr>
+        <p:spPr/>
+        <p:txBody>
+          <a:bodyPr/>
+          <a:lstStyle/>
+          <a:p>
+            <a:fld id="{0C1F9645-765E-CF4C-9E74-4C7A778630B7}" type="datetime2">
+              <a:rPr lang="en-US" smtClean="0"/>
+              <a:t>Wednesday, November 16, 2022</a:t>
+            </a:fld>
+            <a:endParaRPr lang="en-US"/>
+          </a:p>
+        </p:txBody>
+      </p:sp>
+      <p:sp>
+        <p:nvSpPr>
+          <p:cNvPr id="3" name="Slide Number Placeholder 2">
+            <a:extLst>
+              <a:ext uri="{FF2B5EF4-FFF2-40B4-BE49-F238E27FC236}">
+                <a16:creationId xmlns:a16="http://schemas.microsoft.com/office/drawing/2014/main" id="{DEF2E632-3E0C-0047-8B45-C8ECBB46C799}"/>
+              </a:ext>
+            </a:extLst>
+          </p:cNvPr>
+          <p:cNvSpPr>
+            <a:spLocks noGrp="1"/>
+          </p:cNvSpPr>
+          <p:nvPr>
+            <p:ph type="sldNum" sz="quarter" idx="12"/>
+          </p:nvPr>
+        </p:nvSpPr>
+        <p:spPr/>
+        <p:txBody>
+          <a:bodyPr/>
+          <a:lstStyle/>
+          <a:p>
+            <a:fld id="{C01389E6-C847-4AD0-B56D-D205B2EAB1EE}" type="slidenum">
+              <a:rPr lang="en-US" smtClean="0"/>
+              <a:t>13</a:t>
+            </a:fld>
+            <a:endParaRPr lang="en-US"/>
+          </a:p>
+        </p:txBody>
+      </p:sp>
     </p:spTree>
     <p:extLst>
       <p:ext uri="{BB962C8B-B14F-4D97-AF65-F5344CB8AC3E}">
@@ -17045,6 +16771,64 @@
           </a:p>
         </p:txBody>
       </p:sp>
+      <p:sp>
+        <p:nvSpPr>
+          <p:cNvPr id="2" name="Date Placeholder 1">
+            <a:extLst>
+              <a:ext uri="{FF2B5EF4-FFF2-40B4-BE49-F238E27FC236}">
+                <a16:creationId xmlns:a16="http://schemas.microsoft.com/office/drawing/2014/main" id="{56B1279A-E302-4B49-B55A-50CB8E884236}"/>
+              </a:ext>
+            </a:extLst>
+          </p:cNvPr>
+          <p:cNvSpPr>
+            <a:spLocks noGrp="1"/>
+          </p:cNvSpPr>
+          <p:nvPr>
+            <p:ph type="dt" sz="half" idx="10"/>
+          </p:nvPr>
+        </p:nvSpPr>
+        <p:spPr/>
+        <p:txBody>
+          <a:bodyPr/>
+          <a:lstStyle/>
+          <a:p>
+            <a:fld id="{75173066-3E04-1849-84B4-B4EA667913AA}" type="datetime2">
+              <a:rPr lang="en-US" smtClean="0"/>
+              <a:t>Wednesday, November 16, 2022</a:t>
+            </a:fld>
+            <a:endParaRPr lang="en-US"/>
+          </a:p>
+        </p:txBody>
+      </p:sp>
+      <p:sp>
+        <p:nvSpPr>
+          <p:cNvPr id="3" name="Slide Number Placeholder 2">
+            <a:extLst>
+              <a:ext uri="{FF2B5EF4-FFF2-40B4-BE49-F238E27FC236}">
+                <a16:creationId xmlns:a16="http://schemas.microsoft.com/office/drawing/2014/main" id="{2ABA0B15-2591-0844-8D4D-A345A3AF2A82}"/>
+              </a:ext>
+            </a:extLst>
+          </p:cNvPr>
+          <p:cNvSpPr>
+            <a:spLocks noGrp="1"/>
+          </p:cNvSpPr>
+          <p:nvPr>
+            <p:ph type="sldNum" sz="quarter" idx="12"/>
+          </p:nvPr>
+        </p:nvSpPr>
+        <p:spPr/>
+        <p:txBody>
+          <a:bodyPr/>
+          <a:lstStyle/>
+          <a:p>
+            <a:fld id="{C01389E6-C847-4AD0-B56D-D205B2EAB1EE}" type="slidenum">
+              <a:rPr lang="en-US" smtClean="0"/>
+              <a:t>14</a:t>
+            </a:fld>
+            <a:endParaRPr lang="en-US"/>
+          </a:p>
+        </p:txBody>
+      </p:sp>
     </p:spTree>
     <p:extLst>
       <p:ext uri="{BB962C8B-B14F-4D97-AF65-F5344CB8AC3E}">
@@ -17199,6 +16983,64 @@
               <a:rPr lang="en-US" sz="2800" dirty="0"/>
               <a:t>Kaggle Submission</a:t>
             </a:r>
+          </a:p>
+        </p:txBody>
+      </p:sp>
+      <p:sp>
+        <p:nvSpPr>
+          <p:cNvPr id="2" name="Date Placeholder 1">
+            <a:extLst>
+              <a:ext uri="{FF2B5EF4-FFF2-40B4-BE49-F238E27FC236}">
+                <a16:creationId xmlns:a16="http://schemas.microsoft.com/office/drawing/2014/main" id="{677FABA0-AE10-9846-A990-A21A3FDC6211}"/>
+              </a:ext>
+            </a:extLst>
+          </p:cNvPr>
+          <p:cNvSpPr>
+            <a:spLocks noGrp="1"/>
+          </p:cNvSpPr>
+          <p:nvPr>
+            <p:ph type="dt" sz="half" idx="10"/>
+          </p:nvPr>
+        </p:nvSpPr>
+        <p:spPr/>
+        <p:txBody>
+          <a:bodyPr/>
+          <a:lstStyle/>
+          <a:p>
+            <a:fld id="{884D596F-4BAD-834B-8866-216E5312D909}" type="datetime2">
+              <a:rPr lang="en-US" smtClean="0"/>
+              <a:t>Wednesday, November 16, 2022</a:t>
+            </a:fld>
+            <a:endParaRPr lang="en-US"/>
+          </a:p>
+        </p:txBody>
+      </p:sp>
+      <p:sp>
+        <p:nvSpPr>
+          <p:cNvPr id="3" name="Slide Number Placeholder 2">
+            <a:extLst>
+              <a:ext uri="{FF2B5EF4-FFF2-40B4-BE49-F238E27FC236}">
+                <a16:creationId xmlns:a16="http://schemas.microsoft.com/office/drawing/2014/main" id="{2673C613-BE07-5745-A90E-4ED863790D2A}"/>
+              </a:ext>
+            </a:extLst>
+          </p:cNvPr>
+          <p:cNvSpPr>
+            <a:spLocks noGrp="1"/>
+          </p:cNvSpPr>
+          <p:nvPr>
+            <p:ph type="sldNum" sz="quarter" idx="12"/>
+          </p:nvPr>
+        </p:nvSpPr>
+        <p:spPr/>
+        <p:txBody>
+          <a:bodyPr/>
+          <a:lstStyle/>
+          <a:p>
+            <a:fld id="{C01389E6-C847-4AD0-B56D-D205B2EAB1EE}" type="slidenum">
+              <a:rPr lang="en-US" smtClean="0"/>
+              <a:t>15</a:t>
+            </a:fld>
+            <a:endParaRPr lang="en-US"/>
           </a:p>
         </p:txBody>
       </p:sp>
@@ -17753,7 +17595,7 @@
           <a:bodyPr/>
           <a:lstStyle/>
           <a:p>
-            <a:fld id="{7D9FAC1D-6AF6-1A43-88E3-C518FDB1C817}" type="datetime2">
+            <a:fld id="{22C8D8D3-B20C-DC44-8387-99E41C8E8FBC}" type="datetime2">
               <a:rPr lang="en-US" smtClean="0"/>
               <a:t>Wednesday, November 16, 2022</a:t>
             </a:fld>
@@ -17991,6 +17833,35 @@
           </a:prstGeom>
         </p:spPr>
       </p:pic>
+      <p:sp>
+        <p:nvSpPr>
+          <p:cNvPr id="2" name="Date Placeholder 1">
+            <a:extLst>
+              <a:ext uri="{FF2B5EF4-FFF2-40B4-BE49-F238E27FC236}">
+                <a16:creationId xmlns:a16="http://schemas.microsoft.com/office/drawing/2014/main" id="{F38D145A-E418-CD44-A16D-3DDCC377A3A2}"/>
+              </a:ext>
+            </a:extLst>
+          </p:cNvPr>
+          <p:cNvSpPr>
+            <a:spLocks noGrp="1"/>
+          </p:cNvSpPr>
+          <p:nvPr>
+            <p:ph type="dt" sz="half" idx="10"/>
+          </p:nvPr>
+        </p:nvSpPr>
+        <p:spPr/>
+        <p:txBody>
+          <a:bodyPr/>
+          <a:lstStyle/>
+          <a:p>
+            <a:fld id="{EECB3B43-7D2C-D541-B4CC-532CE21D4E59}" type="datetime2">
+              <a:rPr lang="en-US" smtClean="0"/>
+              <a:t>Wednesday, November 16, 2022</a:t>
+            </a:fld>
+            <a:endParaRPr lang="en-US"/>
+          </a:p>
+        </p:txBody>
+      </p:sp>
     </p:spTree>
     <p:extLst>
       <p:ext uri="{BB962C8B-B14F-4D97-AF65-F5344CB8AC3E}">
@@ -18136,6 +18007,35 @@
           </a:p>
         </p:txBody>
       </p:sp>
+      <p:sp>
+        <p:nvSpPr>
+          <p:cNvPr id="2" name="Date Placeholder 1">
+            <a:extLst>
+              <a:ext uri="{FF2B5EF4-FFF2-40B4-BE49-F238E27FC236}">
+                <a16:creationId xmlns:a16="http://schemas.microsoft.com/office/drawing/2014/main" id="{F2E910AF-C8EF-8D47-B239-6FACEE7AE111}"/>
+              </a:ext>
+            </a:extLst>
+          </p:cNvPr>
+          <p:cNvSpPr>
+            <a:spLocks noGrp="1"/>
+          </p:cNvSpPr>
+          <p:nvPr>
+            <p:ph type="dt" sz="half" idx="10"/>
+          </p:nvPr>
+        </p:nvSpPr>
+        <p:spPr/>
+        <p:txBody>
+          <a:bodyPr/>
+          <a:lstStyle/>
+          <a:p>
+            <a:fld id="{9115964E-2F02-3743-9AD0-D4ED663B2E40}" type="datetime2">
+              <a:rPr lang="en-US" smtClean="0"/>
+              <a:t>Wednesday, November 16, 2022</a:t>
+            </a:fld>
+            <a:endParaRPr lang="en-US"/>
+          </a:p>
+        </p:txBody>
+      </p:sp>
     </p:spTree>
     <p:extLst>
       <p:ext uri="{BB962C8B-B14F-4D97-AF65-F5344CB8AC3E}">
@@ -18358,6 +18258,35 @@
           </a:p>
         </p:txBody>
       </p:sp>
+      <p:sp>
+        <p:nvSpPr>
+          <p:cNvPr id="2" name="Date Placeholder 1">
+            <a:extLst>
+              <a:ext uri="{FF2B5EF4-FFF2-40B4-BE49-F238E27FC236}">
+                <a16:creationId xmlns:a16="http://schemas.microsoft.com/office/drawing/2014/main" id="{58C13BA5-BC2E-564D-BEC1-78F25FC309AE}"/>
+              </a:ext>
+            </a:extLst>
+          </p:cNvPr>
+          <p:cNvSpPr>
+            <a:spLocks noGrp="1"/>
+          </p:cNvSpPr>
+          <p:nvPr>
+            <p:ph type="dt" sz="half" idx="10"/>
+          </p:nvPr>
+        </p:nvSpPr>
+        <p:spPr/>
+        <p:txBody>
+          <a:bodyPr/>
+          <a:lstStyle/>
+          <a:p>
+            <a:fld id="{2BC653E2-3771-624B-ACAF-1BBD21EA7C7A}" type="datetime2">
+              <a:rPr lang="en-US" smtClean="0"/>
+              <a:t>Wednesday, November 16, 2022</a:t>
+            </a:fld>
+            <a:endParaRPr lang="en-US"/>
+          </a:p>
+        </p:txBody>
+      </p:sp>
     </p:spTree>
     <p:extLst>
       <p:ext uri="{BB962C8B-B14F-4D97-AF65-F5344CB8AC3E}">
@@ -18508,6 +18437,35 @@
           </a:p>
         </p:txBody>
       </p:sp>
+      <p:sp>
+        <p:nvSpPr>
+          <p:cNvPr id="2" name="Date Placeholder 1">
+            <a:extLst>
+              <a:ext uri="{FF2B5EF4-FFF2-40B4-BE49-F238E27FC236}">
+                <a16:creationId xmlns:a16="http://schemas.microsoft.com/office/drawing/2014/main" id="{38D795B2-9B53-DC46-A9C2-F00DF8EC1C86}"/>
+              </a:ext>
+            </a:extLst>
+          </p:cNvPr>
+          <p:cNvSpPr>
+            <a:spLocks noGrp="1"/>
+          </p:cNvSpPr>
+          <p:nvPr>
+            <p:ph type="dt" sz="half" idx="10"/>
+          </p:nvPr>
+        </p:nvSpPr>
+        <p:spPr/>
+        <p:txBody>
+          <a:bodyPr/>
+          <a:lstStyle/>
+          <a:p>
+            <a:fld id="{ADDFBA69-2883-EA40-BF51-51557F562900}" type="datetime2">
+              <a:rPr lang="en-US" smtClean="0"/>
+              <a:t>Wednesday, November 16, 2022</a:t>
+            </a:fld>
+            <a:endParaRPr lang="en-US"/>
+          </a:p>
+        </p:txBody>
+      </p:sp>
     </p:spTree>
     <p:extLst>
       <p:ext uri="{BB962C8B-B14F-4D97-AF65-F5344CB8AC3E}">
@@ -18657,6 +18615,35 @@
           </a:xfrm>
         </p:spPr>
       </p:pic>
+      <p:sp>
+        <p:nvSpPr>
+          <p:cNvPr id="2" name="Date Placeholder 1">
+            <a:extLst>
+              <a:ext uri="{FF2B5EF4-FFF2-40B4-BE49-F238E27FC236}">
+                <a16:creationId xmlns:a16="http://schemas.microsoft.com/office/drawing/2014/main" id="{B90B15FC-821F-0147-89AF-4EF9FC24B797}"/>
+              </a:ext>
+            </a:extLst>
+          </p:cNvPr>
+          <p:cNvSpPr>
+            <a:spLocks noGrp="1"/>
+          </p:cNvSpPr>
+          <p:nvPr>
+            <p:ph type="dt" sz="half" idx="10"/>
+          </p:nvPr>
+        </p:nvSpPr>
+        <p:spPr/>
+        <p:txBody>
+          <a:bodyPr/>
+          <a:lstStyle/>
+          <a:p>
+            <a:fld id="{3DDC487E-3176-9F4B-8EBF-BC218FFC2F4F}" type="datetime2">
+              <a:rPr lang="en-US" smtClean="0"/>
+              <a:t>Wednesday, November 16, 2022</a:t>
+            </a:fld>
+            <a:endParaRPr lang="en-US"/>
+          </a:p>
+        </p:txBody>
+      </p:sp>
     </p:spTree>
     <p:extLst>
       <p:ext uri="{BB962C8B-B14F-4D97-AF65-F5344CB8AC3E}">
@@ -18715,7 +18702,7 @@
         </p:blipFill>
         <p:spPr>
           <a:xfrm>
-            <a:off x="881379" y="1045210"/>
+            <a:off x="881379" y="808390"/>
             <a:ext cx="10591800" cy="2857500"/>
           </a:xfrm>
           <a:prstGeom prst="rect">
@@ -18751,7 +18738,7 @@
         </p:blipFill>
         <p:spPr>
           <a:xfrm>
-            <a:off x="881379" y="3552444"/>
+            <a:off x="881379" y="3486663"/>
             <a:ext cx="10591800" cy="2857500"/>
           </a:xfrm>
           <a:prstGeom prst="rect">
@@ -18840,6 +18827,35 @@
               <a:rPr lang="en-US" sz="2800" dirty="0"/>
               <a:t>Lazy predict</a:t>
             </a:r>
+          </a:p>
+        </p:txBody>
+      </p:sp>
+      <p:sp>
+        <p:nvSpPr>
+          <p:cNvPr id="2" name="Date Placeholder 1">
+            <a:extLst>
+              <a:ext uri="{FF2B5EF4-FFF2-40B4-BE49-F238E27FC236}">
+                <a16:creationId xmlns:a16="http://schemas.microsoft.com/office/drawing/2014/main" id="{437A296A-8C20-E34E-9A95-CA428A8EA7CF}"/>
+              </a:ext>
+            </a:extLst>
+          </p:cNvPr>
+          <p:cNvSpPr>
+            <a:spLocks noGrp="1"/>
+          </p:cNvSpPr>
+          <p:nvPr>
+            <p:ph type="dt" sz="half" idx="10"/>
+          </p:nvPr>
+        </p:nvSpPr>
+        <p:spPr/>
+        <p:txBody>
+          <a:bodyPr/>
+          <a:lstStyle/>
+          <a:p>
+            <a:fld id="{8C192831-34CE-6D4C-B603-F411CB170F17}" type="datetime2">
+              <a:rPr lang="en-US" smtClean="0"/>
+              <a:t>Wednesday, November 16, 2022</a:t>
+            </a:fld>
+            <a:endParaRPr lang="en-US"/>
           </a:p>
         </p:txBody>
       </p:sp>
@@ -18883,7 +18899,7 @@
       </p:grpSpPr>
       <p:sp>
         <p:nvSpPr>
-          <p:cNvPr id="46" name="Rectangle 45">
+          <p:cNvPr id="68" name="Rectangle 67">
             <a:extLst>
               <a:ext uri="{FF2B5EF4-FFF2-40B4-BE49-F238E27FC236}">
                 <a16:creationId xmlns:a16="http://schemas.microsoft.com/office/drawing/2014/main" id="{BD4C0BBB-0042-4603-A226-6117F3FD5B3C}"/>
@@ -18958,7 +18974,7 @@
       </p:sp>
       <p:sp>
         <p:nvSpPr>
-          <p:cNvPr id="48" name="Rectangle 47">
+          <p:cNvPr id="70" name="Rectangle 69">
             <a:extLst>
               <a:ext uri="{FF2B5EF4-FFF2-40B4-BE49-F238E27FC236}">
                 <a16:creationId xmlns:a16="http://schemas.microsoft.com/office/drawing/2014/main" id="{EC44F520-2598-460E-9F91-B02F60830CA2}"/>
@@ -19033,10 +19049,10 @@
       </p:sp>
       <p:sp useBgFill="1">
         <p:nvSpPr>
-          <p:cNvPr id="50" name="Rectangle 49">
-            <a:extLst>
-              <a:ext uri="{FF2B5EF4-FFF2-40B4-BE49-F238E27FC236}">
-                <a16:creationId xmlns:a16="http://schemas.microsoft.com/office/drawing/2014/main" id="{0C2F0710-2888-4995-BF7D-2C866684188F}"/>
+          <p:cNvPr id="72" name="Rectangle 71">
+            <a:extLst>
+              <a:ext uri="{FF2B5EF4-FFF2-40B4-BE49-F238E27FC236}">
+                <a16:creationId xmlns:a16="http://schemas.microsoft.com/office/drawing/2014/main" id="{FBC072A9-737B-43EA-8F67-8155C25E607E}"/>
               </a:ext>
               <a:ext uri="{C183D7F6-B498-43B3-948B-1728B52AA6E4}">
                 <adec:decorative xmlns:adec="http://schemas.microsoft.com/office/drawing/2017/decorative" val="1"/>
@@ -19107,12 +19123,117 @@
           </a:p>
         </p:txBody>
       </p:sp>
-      <p:sp>
-        <p:nvSpPr>
-          <p:cNvPr id="52" name="Rectangle 51">
-            <a:extLst>
-              <a:ext uri="{FF2B5EF4-FFF2-40B4-BE49-F238E27FC236}">
-                <a16:creationId xmlns:a16="http://schemas.microsoft.com/office/drawing/2014/main" id="{100C66CE-2B3E-4513-9B9D-EC2B8182FAE1}"/>
+      <p:pic>
+        <p:nvPicPr>
+          <p:cNvPr id="7" name="Picture 6" descr="Chart, scatter chart, bubble chart&#10;&#10;Description automatically generated">
+            <a:extLst>
+              <a:ext uri="{FF2B5EF4-FFF2-40B4-BE49-F238E27FC236}">
+                <a16:creationId xmlns:a16="http://schemas.microsoft.com/office/drawing/2014/main" id="{83AEA9F9-3A5E-6C41-B99D-D62DBF84DE91}"/>
+              </a:ext>
+            </a:extLst>
+          </p:cNvPr>
+          <p:cNvPicPr>
+            <a:picLocks noChangeAspect="1"/>
+          </p:cNvPicPr>
+          <p:nvPr/>
+        </p:nvPicPr>
+        <p:blipFill rotWithShape="1">
+          <a:blip r:embed="rId2">
+            <a:extLst>
+              <a:ext uri="{28A0092B-C50C-407E-A947-70E740481C1C}">
+                <a14:useLocalDpi xmlns:a14="http://schemas.microsoft.com/office/drawing/2010/main" val="0"/>
+              </a:ext>
+            </a:extLst>
+          </a:blip>
+          <a:srcRect l="51607" r="-546"/>
+          <a:stretch/>
+        </p:blipFill>
+        <p:spPr>
+          <a:xfrm>
+            <a:off x="177633" y="1982254"/>
+            <a:ext cx="3827156" cy="2893492"/>
+          </a:xfrm>
+          <a:prstGeom prst="rect">
+            <a:avLst/>
+          </a:prstGeom>
+        </p:spPr>
+      </p:pic>
+      <p:pic>
+        <p:nvPicPr>
+          <p:cNvPr id="19" name="Picture 18" descr="Chart, scatter chart, bubble chart&#10;&#10;Description automatically generated">
+            <a:extLst>
+              <a:ext uri="{FF2B5EF4-FFF2-40B4-BE49-F238E27FC236}">
+                <a16:creationId xmlns:a16="http://schemas.microsoft.com/office/drawing/2014/main" id="{B593D0B5-67BA-FB4F-B5EB-FC920D7418CD}"/>
+              </a:ext>
+            </a:extLst>
+          </p:cNvPr>
+          <p:cNvPicPr>
+            <a:picLocks noChangeAspect="1"/>
+          </p:cNvPicPr>
+          <p:nvPr/>
+        </p:nvPicPr>
+        <p:blipFill rotWithShape="1">
+          <a:blip r:embed="rId2">
+            <a:extLst>
+              <a:ext uri="{28A0092B-C50C-407E-A947-70E740481C1C}">
+                <a14:useLocalDpi xmlns:a14="http://schemas.microsoft.com/office/drawing/2010/main" val="0"/>
+              </a:ext>
+            </a:extLst>
+          </a:blip>
+          <a:srcRect l="411" r="47579"/>
+          <a:stretch/>
+        </p:blipFill>
+        <p:spPr>
+          <a:xfrm>
+            <a:off x="4182422" y="2067679"/>
+            <a:ext cx="3827156" cy="2722642"/>
+          </a:xfrm>
+          <a:prstGeom prst="rect">
+            <a:avLst/>
+          </a:prstGeom>
+        </p:spPr>
+      </p:pic>
+      <p:pic>
+        <p:nvPicPr>
+          <p:cNvPr id="5" name="Picture 4" descr="Chart, line chart&#10;&#10;Description automatically generated">
+            <a:extLst>
+              <a:ext uri="{FF2B5EF4-FFF2-40B4-BE49-F238E27FC236}">
+                <a16:creationId xmlns:a16="http://schemas.microsoft.com/office/drawing/2014/main" id="{EAC12496-1B02-0744-A817-C33CBCC1878F}"/>
+              </a:ext>
+            </a:extLst>
+          </p:cNvPr>
+          <p:cNvPicPr>
+            <a:picLocks noChangeAspect="1"/>
+          </p:cNvPicPr>
+          <p:nvPr/>
+        </p:nvPicPr>
+        <p:blipFill rotWithShape="1">
+          <a:blip r:embed="rId3">
+            <a:extLst>
+              <a:ext uri="{28A0092B-C50C-407E-A947-70E740481C1C}">
+                <a14:useLocalDpi xmlns:a14="http://schemas.microsoft.com/office/drawing/2010/main" val="0"/>
+              </a:ext>
+            </a:extLst>
+          </a:blip>
+          <a:srcRect t="169"/>
+          <a:stretch/>
+        </p:blipFill>
+        <p:spPr>
+          <a:xfrm>
+            <a:off x="8187211" y="2129966"/>
+            <a:ext cx="3827156" cy="2598068"/>
+          </a:xfrm>
+          <a:prstGeom prst="rect">
+            <a:avLst/>
+          </a:prstGeom>
+        </p:spPr>
+      </p:pic>
+      <p:sp>
+        <p:nvSpPr>
+          <p:cNvPr id="74" name="Rectangle 73">
+            <a:extLst>
+              <a:ext uri="{FF2B5EF4-FFF2-40B4-BE49-F238E27FC236}">
+                <a16:creationId xmlns:a16="http://schemas.microsoft.com/office/drawing/2014/main" id="{0EB06CB7-868E-4636-A33A-E193292A6F50}"/>
               </a:ext>
               <a:ext uri="{C183D7F6-B498-43B3-948B-1728B52AA6E4}">
                 <adec:decorative xmlns:adec="http://schemas.microsoft.com/office/drawing/2017/decorative" val="1"/>
@@ -19131,23 +19252,27 @@
           </p:nvPr>
         </p:nvSpPr>
         <p:spPr>
-          <a:xfrm>
-            <a:off x="0" y="5239700"/>
-            <a:ext cx="12192000" cy="1636119"/>
+          <a:xfrm rot="10800000" flipH="1">
+            <a:off x="0" y="6408741"/>
+            <a:ext cx="12192000" cy="449256"/>
           </a:xfrm>
           <a:prstGeom prst="rect">
             <a:avLst/>
           </a:prstGeom>
           <a:gradFill>
             <a:gsLst>
-              <a:gs pos="0">
-                <a:schemeClr val="accent5"/>
+              <a:gs pos="14000">
+                <a:schemeClr val="accent4">
+                  <a:alpha val="28000"/>
+                </a:schemeClr>
               </a:gs>
               <a:gs pos="100000">
-                <a:schemeClr val="accent6"/>
+                <a:schemeClr val="accent5">
+                  <a:alpha val="85000"/>
+                </a:schemeClr>
               </a:gs>
             </a:gsLst>
-            <a:lin ang="15600000" scaled="0"/>
+            <a:lin ang="9000000" scaled="0"/>
           </a:gradFill>
           <a:ln>
             <a:noFill/>
@@ -19174,16 +19299,16 @@
           <a:lstStyle/>
           <a:p>
             <a:pPr algn="ctr"/>
-            <a:endParaRPr lang="en-US" dirty="0"/>
-          </a:p>
-        </p:txBody>
-      </p:sp>
-      <p:sp>
-        <p:nvSpPr>
-          <p:cNvPr id="54" name="Rectangle 53">
-            <a:extLst>
-              <a:ext uri="{FF2B5EF4-FFF2-40B4-BE49-F238E27FC236}">
-                <a16:creationId xmlns:a16="http://schemas.microsoft.com/office/drawing/2014/main" id="{8411D24A-F765-48C8-813D-D3A5E5AAB1B1}"/>
+            <a:endParaRPr lang="en-US"/>
+          </a:p>
+        </p:txBody>
+      </p:sp>
+      <p:sp>
+        <p:nvSpPr>
+          <p:cNvPr id="76" name="Rectangle 75">
+            <a:extLst>
+              <a:ext uri="{FF2B5EF4-FFF2-40B4-BE49-F238E27FC236}">
+                <a16:creationId xmlns:a16="http://schemas.microsoft.com/office/drawing/2014/main" id="{AFD90F94-5ADB-4D14-BFA5-C0815CAE6D8D}"/>
               </a:ext>
               <a:ext uri="{C183D7F6-B498-43B3-948B-1728B52AA6E4}">
                 <adec:decorative xmlns:adec="http://schemas.microsoft.com/office/drawing/2017/decorative" val="1"/>
@@ -19202,27 +19327,27 @@
           </p:nvPr>
         </p:nvSpPr>
         <p:spPr>
-          <a:xfrm rot="5400000">
-            <a:off x="7794757" y="2011501"/>
-            <a:ext cx="1169042" cy="7625444"/>
+          <a:xfrm flipH="1">
+            <a:off x="4038600" y="6408316"/>
+            <a:ext cx="8153398" cy="449684"/>
           </a:xfrm>
           <a:prstGeom prst="rect">
             <a:avLst/>
           </a:prstGeom>
           <a:gradFill>
             <a:gsLst>
-              <a:gs pos="23000">
-                <a:schemeClr val="accent4">
-                  <a:alpha val="0"/>
+              <a:gs pos="9000">
+                <a:schemeClr val="accent2">
+                  <a:lumMod val="60000"/>
+                  <a:lumOff val="40000"/>
+                  <a:alpha val="68000"/>
                 </a:schemeClr>
               </a:gs>
               <a:gs pos="99000">
-                <a:schemeClr val="accent6">
-                  <a:alpha val="33000"/>
-                </a:schemeClr>
+                <a:schemeClr val="accent2"/>
               </a:gs>
             </a:gsLst>
-            <a:lin ang="15000000" scaled="0"/>
+            <a:lin ang="13800000" scaled="0"/>
           </a:gradFill>
           <a:ln>
             <a:noFill/>
@@ -19249,229 +19374,123 @@
           <a:lstStyle/>
           <a:p>
             <a:pPr algn="ctr"/>
-            <a:endParaRPr lang="en-US" dirty="0"/>
-          </a:p>
-        </p:txBody>
-      </p:sp>
-      <p:sp>
-        <p:nvSpPr>
-          <p:cNvPr id="63" name="Rectangle 55">
-            <a:extLst>
-              <a:ext uri="{FF2B5EF4-FFF2-40B4-BE49-F238E27FC236}">
-                <a16:creationId xmlns:a16="http://schemas.microsoft.com/office/drawing/2014/main" id="{E9F3C764-BCFB-4F32-B897-6513FF0F6522}"/>
-              </a:ext>
-              <a:ext uri="{C183D7F6-B498-43B3-948B-1728B52AA6E4}">
-                <adec:decorative xmlns:adec="http://schemas.microsoft.com/office/drawing/2017/decorative" val="1"/>
-              </a:ext>
-            </a:extLst>
-          </p:cNvPr>
-          <p:cNvSpPr>
-            <a:spLocks noGrp="1" noRot="1" noChangeAspect="1" noMove="1" noResize="1" noEditPoints="1" noAdjustHandles="1" noChangeArrowheads="1" noChangeShapeType="1" noTextEdit="1"/>
+            <a:endParaRPr lang="en-US"/>
+          </a:p>
+        </p:txBody>
+      </p:sp>
+      <p:sp>
+        <p:nvSpPr>
+          <p:cNvPr id="17" name="Title 1">
+            <a:extLst>
+              <a:ext uri="{FF2B5EF4-FFF2-40B4-BE49-F238E27FC236}">
+                <a16:creationId xmlns:a16="http://schemas.microsoft.com/office/drawing/2014/main" id="{810A4515-F966-1F4E-A8BC-0A42D747E5C8}"/>
+              </a:ext>
+            </a:extLst>
+          </p:cNvPr>
+          <p:cNvSpPr txBox="1">
+            <a:spLocks/>
           </p:cNvSpPr>
-          <p:nvPr>
-            <p:extLst>
-              <p:ext uri="{386F3935-93C4-4BCD-93E2-E3B085C9AB24}">
-                <p16:designElem xmlns:p16="http://schemas.microsoft.com/office/powerpoint/2015/main" val="1"/>
-              </p:ext>
-            </p:extLst>
-          </p:nvPr>
+          <p:nvPr/>
         </p:nvSpPr>
         <p:spPr>
           <a:xfrm>
-            <a:off x="-1" y="5239700"/>
-            <a:ext cx="7910111" cy="1645027"/>
-          </a:xfrm>
-          <a:prstGeom prst="rect">
-            <a:avLst/>
-          </a:prstGeom>
-          <a:gradFill>
-            <a:gsLst>
-              <a:gs pos="24000">
-                <a:schemeClr val="accent2">
-                  <a:alpha val="0"/>
-                </a:schemeClr>
-              </a:gs>
-              <a:gs pos="99000">
-                <a:schemeClr val="accent2">
-                  <a:alpha val="76000"/>
-                </a:schemeClr>
-              </a:gs>
-            </a:gsLst>
-            <a:lin ang="16800000" scaled="0"/>
-          </a:gradFill>
-          <a:ln>
-            <a:noFill/>
-          </a:ln>
-        </p:spPr>
-        <p:style>
-          <a:lnRef idx="2">
-            <a:schemeClr val="accent1">
-              <a:shade val="50000"/>
-            </a:schemeClr>
-          </a:lnRef>
-          <a:fillRef idx="1">
-            <a:schemeClr val="accent1"/>
-          </a:fillRef>
-          <a:effectRef idx="0">
-            <a:schemeClr val="accent1"/>
-          </a:effectRef>
-          <a:fontRef idx="minor">
-            <a:schemeClr val="lt1"/>
-          </a:fontRef>
-        </p:style>
-        <p:txBody>
-          <a:bodyPr rtlCol="0" anchor="ctr"/>
-          <a:lstStyle/>
-          <a:p>
-            <a:pPr algn="ctr"/>
-            <a:endParaRPr lang="en-US" dirty="0"/>
-          </a:p>
-        </p:txBody>
-      </p:sp>
-      <p:sp>
-        <p:nvSpPr>
-          <p:cNvPr id="2" name="Title 1">
-            <a:extLst>
-              <a:ext uri="{FF2B5EF4-FFF2-40B4-BE49-F238E27FC236}">
-                <a16:creationId xmlns:a16="http://schemas.microsoft.com/office/drawing/2014/main" id="{26CADE37-1903-E442-AB3E-F7136FE76A78}"/>
-              </a:ext>
-            </a:extLst>
-          </p:cNvPr>
-          <p:cNvSpPr>
-            <a:spLocks noGrp="1"/>
-          </p:cNvSpPr>
-          <p:nvPr>
-            <p:ph type="title"/>
-          </p:nvPr>
-        </p:nvSpPr>
-        <p:spPr>
-          <a:xfrm>
-            <a:off x="749490" y="5550794"/>
-            <a:ext cx="6703421" cy="1030310"/>
-          </a:xfrm>
-        </p:spPr>
-        <p:txBody>
-          <a:bodyPr vert="horz" lIns="0" tIns="0" rIns="0" bIns="0" rtlCol="0" anchor="ctr">
-            <a:normAutofit/>
-          </a:bodyPr>
-          <a:lstStyle/>
-          <a:p>
-            <a:r>
-              <a:rPr lang="en-US" sz="3200" spc="750">
-                <a:solidFill>
-                  <a:schemeClr val="bg1"/>
-                </a:solidFill>
-              </a:rPr>
-              <a:t>SVC</a:t>
-            </a:r>
-          </a:p>
-        </p:txBody>
-      </p:sp>
-      <p:pic>
-        <p:nvPicPr>
-          <p:cNvPr id="19" name="Picture 18" descr="Chart, scatter chart, bubble chart&#10;&#10;Description automatically generated">
-            <a:extLst>
-              <a:ext uri="{FF2B5EF4-FFF2-40B4-BE49-F238E27FC236}">
-                <a16:creationId xmlns:a16="http://schemas.microsoft.com/office/drawing/2014/main" id="{B593D0B5-67BA-FB4F-B5EB-FC920D7418CD}"/>
-              </a:ext>
-            </a:extLst>
-          </p:cNvPr>
-          <p:cNvPicPr>
-            <a:picLocks noChangeAspect="1"/>
-          </p:cNvPicPr>
-          <p:nvPr/>
-        </p:nvPicPr>
-        <p:blipFill rotWithShape="1">
-          <a:blip r:embed="rId2">
-            <a:extLst>
-              <a:ext uri="{28A0092B-C50C-407E-A947-70E740481C1C}">
-                <a14:useLocalDpi xmlns:a14="http://schemas.microsoft.com/office/drawing/2010/main" val="0"/>
-              </a:ext>
-            </a:extLst>
-          </a:blip>
-          <a:srcRect l="411" r="47579"/>
-          <a:stretch/>
-        </p:blipFill>
-        <p:spPr>
-          <a:xfrm>
-            <a:off x="1371848" y="2179551"/>
-            <a:ext cx="2928526" cy="2083355"/>
+            <a:off x="3640303" y="124890"/>
+            <a:ext cx="4911393" cy="646332"/>
           </a:xfrm>
           <a:prstGeom prst="rect">
             <a:avLst/>
           </a:prstGeom>
         </p:spPr>
-      </p:pic>
-      <p:pic>
-        <p:nvPicPr>
-          <p:cNvPr id="5" name="Picture 4" descr="Chart, line chart&#10;&#10;Description automatically generated">
-            <a:extLst>
-              <a:ext uri="{FF2B5EF4-FFF2-40B4-BE49-F238E27FC236}">
-                <a16:creationId xmlns:a16="http://schemas.microsoft.com/office/drawing/2014/main" id="{EAC12496-1B02-0744-A817-C33CBCC1878F}"/>
-              </a:ext>
-            </a:extLst>
-          </p:cNvPr>
-          <p:cNvPicPr>
-            <a:picLocks noChangeAspect="1"/>
-          </p:cNvPicPr>
-          <p:nvPr/>
-        </p:nvPicPr>
-        <p:blipFill rotWithShape="1">
-          <a:blip r:embed="rId3">
-            <a:extLst>
-              <a:ext uri="{28A0092B-C50C-407E-A947-70E740481C1C}">
-                <a14:useLocalDpi xmlns:a14="http://schemas.microsoft.com/office/drawing/2010/main" val="0"/>
-              </a:ext>
-            </a:extLst>
-          </a:blip>
-          <a:srcRect t="169"/>
-          <a:stretch/>
-        </p:blipFill>
-        <p:spPr>
-          <a:xfrm>
-            <a:off x="4629681" y="2276801"/>
-            <a:ext cx="2925688" cy="1986106"/>
-          </a:xfrm>
-          <a:prstGeom prst="rect">
-            <a:avLst/>
-          </a:prstGeom>
-        </p:spPr>
-      </p:pic>
-      <p:pic>
-        <p:nvPicPr>
-          <p:cNvPr id="7" name="Picture 6" descr="Chart, scatter chart, bubble chart&#10;&#10;Description automatically generated">
-            <a:extLst>
-              <a:ext uri="{FF2B5EF4-FFF2-40B4-BE49-F238E27FC236}">
-                <a16:creationId xmlns:a16="http://schemas.microsoft.com/office/drawing/2014/main" id="{83AEA9F9-3A5E-6C41-B99D-D62DBF84DE91}"/>
-              </a:ext>
-            </a:extLst>
-          </p:cNvPr>
-          <p:cNvPicPr>
-            <a:picLocks noChangeAspect="1"/>
-          </p:cNvPicPr>
-          <p:nvPr/>
-        </p:nvPicPr>
-        <p:blipFill rotWithShape="1">
-          <a:blip r:embed="rId2">
-            <a:extLst>
-              <a:ext uri="{28A0092B-C50C-407E-A947-70E740481C1C}">
-                <a14:useLocalDpi xmlns:a14="http://schemas.microsoft.com/office/drawing/2010/main" val="0"/>
-              </a:ext>
-            </a:extLst>
-          </a:blip>
-          <a:srcRect l="51607" r="-546"/>
-          <a:stretch/>
-        </p:blipFill>
-        <p:spPr>
-          <a:xfrm>
-            <a:off x="7894712" y="2050962"/>
-            <a:ext cx="2925688" cy="2211945"/>
-          </a:xfrm>
-          <a:prstGeom prst="rect">
-            <a:avLst/>
-          </a:prstGeom>
-        </p:spPr>
-      </p:pic>
+        <p:txBody>
+          <a:bodyPr vert="horz" lIns="0" tIns="0" rIns="0" bIns="0" rtlCol="0" anchor="b">
+            <a:normAutofit/>
+          </a:bodyPr>
+          <a:lstStyle>
+            <a:lvl1pPr algn="l" defTabSz="914400" rtl="0" eaLnBrk="1" latinLnBrk="0" hangingPunct="1">
+              <a:lnSpc>
+                <a:spcPct val="100000"/>
+              </a:lnSpc>
+              <a:spcBef>
+                <a:spcPct val="0"/>
+              </a:spcBef>
+              <a:buNone/>
+              <a:defRPr sz="3600" b="1" i="0" kern="1200" cap="all" spc="700" baseline="0">
+                <a:solidFill>
+                  <a:schemeClr val="tx1"/>
+                </a:solidFill>
+                <a:latin typeface="+mj-lt"/>
+                <a:ea typeface="+mj-ea"/>
+                <a:cs typeface="+mj-cs"/>
+              </a:defRPr>
+            </a:lvl1pPr>
+          </a:lstStyle>
+          <a:p>
+            <a:pPr algn="ctr"/>
+            <a:r>
+              <a:rPr lang="en-US" sz="2800" dirty="0"/>
+              <a:t>SVC</a:t>
+            </a:r>
+          </a:p>
+        </p:txBody>
+      </p:sp>
+      <p:sp>
+        <p:nvSpPr>
+          <p:cNvPr id="6" name="Date Placeholder 5">
+            <a:extLst>
+              <a:ext uri="{FF2B5EF4-FFF2-40B4-BE49-F238E27FC236}">
+                <a16:creationId xmlns:a16="http://schemas.microsoft.com/office/drawing/2014/main" id="{36E92D1E-F8D0-3245-9574-BF1409828E31}"/>
+              </a:ext>
+            </a:extLst>
+          </p:cNvPr>
+          <p:cNvSpPr>
+            <a:spLocks noGrp="1"/>
+          </p:cNvSpPr>
+          <p:nvPr>
+            <p:ph type="dt" sz="half" idx="10"/>
+          </p:nvPr>
+        </p:nvSpPr>
+        <p:spPr/>
+        <p:txBody>
+          <a:bodyPr/>
+          <a:lstStyle/>
+          <a:p>
+            <a:fld id="{CFA55CB0-1DB5-2643-9CC9-C841CAAFF7CE}" type="datetime2">
+              <a:rPr lang="en-US" smtClean="0"/>
+              <a:t>Wednesday, November 16, 2022</a:t>
+            </a:fld>
+            <a:endParaRPr lang="en-US"/>
+          </a:p>
+        </p:txBody>
+      </p:sp>
+      <p:sp>
+        <p:nvSpPr>
+          <p:cNvPr id="8" name="Slide Number Placeholder 7">
+            <a:extLst>
+              <a:ext uri="{FF2B5EF4-FFF2-40B4-BE49-F238E27FC236}">
+                <a16:creationId xmlns:a16="http://schemas.microsoft.com/office/drawing/2014/main" id="{7135C965-F31D-304F-9FB7-FA99FC0E9C4D}"/>
+              </a:ext>
+            </a:extLst>
+          </p:cNvPr>
+          <p:cNvSpPr>
+            <a:spLocks noGrp="1"/>
+          </p:cNvSpPr>
+          <p:nvPr>
+            <p:ph type="sldNum" sz="quarter" idx="12"/>
+          </p:nvPr>
+        </p:nvSpPr>
+        <p:spPr/>
+        <p:txBody>
+          <a:bodyPr/>
+          <a:lstStyle/>
+          <a:p>
+            <a:fld id="{C01389E6-C847-4AD0-B56D-D205B2EAB1EE}" type="slidenum">
+              <a:rPr lang="en-US" smtClean="0"/>
+              <a:t>9</a:t>
+            </a:fld>
+            <a:endParaRPr lang="en-US"/>
+          </a:p>
+        </p:txBody>
+      </p:sp>
     </p:spTree>
     <p:extLst>
       <p:ext uri="{BB962C8B-B14F-4D97-AF65-F5344CB8AC3E}">
@@ -19482,98 +19501,6 @@
   <p:clrMapOvr>
     <a:masterClrMapping/>
   </p:clrMapOvr>
-  <p:timing>
-    <p:tnLst>
-      <p:par>
-        <p:cTn id="1" dur="indefinite" restart="never" nodeType="tmRoot">
-          <p:childTnLst>
-            <p:seq concurrent="1" nextAc="seek">
-              <p:cTn id="2" dur="indefinite" nodeType="mainSeq">
-                <p:childTnLst>
-                  <p:par>
-                    <p:cTn id="3" fill="hold">
-                      <p:stCondLst>
-                        <p:cond delay="indefinite"/>
-                        <p:cond evt="onBegin" delay="0">
-                          <p:tn val="2"/>
-                        </p:cond>
-                      </p:stCondLst>
-                      <p:childTnLst>
-                        <p:par>
-                          <p:cTn id="4" fill="hold">
-                            <p:stCondLst>
-                              <p:cond delay="0"/>
-                            </p:stCondLst>
-                            <p:childTnLst>
-                              <p:par>
-                                <p:cTn id="5" presetID="10" presetClass="entr" presetSubtype="0" fill="hold" grpId="0" nodeType="withEffect">
-                                  <p:stCondLst>
-                                    <p:cond delay="1000"/>
-                                  </p:stCondLst>
-                                  <p:iterate type="lt">
-                                    <p:tmPct val="10000"/>
-                                  </p:iterate>
-                                  <p:childTnLst>
-                                    <p:set>
-                                      <p:cBhvr>
-                                        <p:cTn id="6" dur="1" fill="hold">
-                                          <p:stCondLst>
-                                            <p:cond delay="0"/>
-                                          </p:stCondLst>
-                                        </p:cTn>
-                                        <p:tgtEl>
-                                          <p:spTgt spid="2"/>
-                                        </p:tgtEl>
-                                        <p:attrNameLst>
-                                          <p:attrName>style.visibility</p:attrName>
-                                        </p:attrNameLst>
-                                      </p:cBhvr>
-                                      <p:to>
-                                        <p:strVal val="visible"/>
-                                      </p:to>
-                                    </p:set>
-                                    <p:animEffect transition="in" filter="fade">
-                                      <p:cBhvr>
-                                        <p:cTn id="7" dur="400"/>
-                                        <p:tgtEl>
-                                          <p:spTgt spid="2"/>
-                                        </p:tgtEl>
-                                      </p:cBhvr>
-                                    </p:animEffect>
-                                  </p:childTnLst>
-                                </p:cTn>
-                              </p:par>
-                            </p:childTnLst>
-                          </p:cTn>
-                        </p:par>
-                      </p:childTnLst>
-                    </p:cTn>
-                  </p:par>
-                </p:childTnLst>
-              </p:cTn>
-              <p:prevCondLst>
-                <p:cond evt="onPrev" delay="0">
-                  <p:tgtEl>
-                    <p:sldTgt/>
-                  </p:tgtEl>
-                </p:cond>
-              </p:prevCondLst>
-              <p:nextCondLst>
-                <p:cond evt="onNext" delay="0">
-                  <p:tgtEl>
-                    <p:sldTgt/>
-                  </p:tgtEl>
-                </p:cond>
-              </p:nextCondLst>
-            </p:seq>
-          </p:childTnLst>
-        </p:cTn>
-      </p:par>
-    </p:tnLst>
-    <p:bldLst>
-      <p:bldP spid="2" grpId="0"/>
-    </p:bldLst>
-  </p:timing>
 </p:sld>
 </file>
 

--- a/Slides/Slides.pptx
+++ b/Slides/Slides.pptx
@@ -7065,7 +7065,7 @@
           <a:p>
             <a:fld id="{33CD2AB9-B06D-411F-A861-6EE94F8458A4}" type="datetimeFigureOut">
               <a:rPr lang="en-US" smtClean="0"/>
-              <a:t>11/16/22</a:t>
+              <a:t>11/17/22</a:t>
             </a:fld>
             <a:endParaRPr lang="en-US"/>
           </a:p>
@@ -7634,7 +7634,7 @@
           <a:p>
             <a:fld id="{E4F8F7B3-C2FA-D64E-9EBC-4D00525D87BB}" type="datetime2">
               <a:rPr lang="en-US" smtClean="0"/>
-              <a:t>Wednesday, November 16, 2022</a:t>
+              <a:t>Thursday, November 17, 2022</a:t>
             </a:fld>
             <a:endParaRPr lang="en-US"/>
           </a:p>
@@ -7832,7 +7832,7 @@
           <a:p>
             <a:fld id="{8CB2AF6D-B813-0B45-841F-09ECEBBA923E}" type="datetime2">
               <a:rPr lang="en-US" smtClean="0"/>
-              <a:t>Wednesday, November 16, 2022</a:t>
+              <a:t>Thursday, November 17, 2022</a:t>
             </a:fld>
             <a:endParaRPr lang="en-US"/>
           </a:p>
@@ -8042,7 +8042,7 @@
           <a:p>
             <a:fld id="{D65D166E-714C-6C48-96FB-CC8C8D91354D}" type="datetime2">
               <a:rPr lang="en-US" smtClean="0"/>
-              <a:t>Wednesday, November 16, 2022</a:t>
+              <a:t>Thursday, November 17, 2022</a:t>
             </a:fld>
             <a:endParaRPr lang="en-US"/>
           </a:p>
@@ -8264,7 +8264,7 @@
           <a:p>
             <a:fld id="{BB9F2437-DC0D-034B-B949-062BA40B9E6C}" type="datetime2">
               <a:rPr lang="en-US" smtClean="0"/>
-              <a:t>Wednesday, November 16, 2022</a:t>
+              <a:t>Thursday, November 17, 2022</a:t>
             </a:fld>
             <a:endParaRPr lang="pt-PT"/>
           </a:p>
@@ -8464,7 +8464,7 @@
           <a:p>
             <a:fld id="{ACAC08C0-A5F9-9843-99A8-B7F08CC17FBE}" type="datetime2">
               <a:rPr lang="en-US" smtClean="0"/>
-              <a:t>Wednesday, November 16, 2022</a:t>
+              <a:t>Thursday, November 17, 2022</a:t>
             </a:fld>
             <a:endParaRPr lang="pt-PT"/>
           </a:p>
@@ -8740,7 +8740,7 @@
           <a:p>
             <a:fld id="{879A4216-B6DD-D845-8450-E920748EFA19}" type="datetime2">
               <a:rPr lang="en-US" smtClean="0"/>
-              <a:t>Wednesday, November 16, 2022</a:t>
+              <a:t>Thursday, November 17, 2022</a:t>
             </a:fld>
             <a:endParaRPr lang="pt-PT"/>
           </a:p>
@@ -9008,7 +9008,7 @@
           <a:p>
             <a:fld id="{879DC887-A718-6D42-8169-97F08E49A78C}" type="datetime2">
               <a:rPr lang="en-US" smtClean="0"/>
-              <a:t>Wednesday, November 16, 2022</a:t>
+              <a:t>Thursday, November 17, 2022</a:t>
             </a:fld>
             <a:endParaRPr lang="pt-PT"/>
           </a:p>
@@ -9423,7 +9423,7 @@
           <a:p>
             <a:fld id="{979BF268-701D-734D-AA58-A4E045E62380}" type="datetime2">
               <a:rPr lang="en-US" smtClean="0"/>
-              <a:t>Wednesday, November 16, 2022</a:t>
+              <a:t>Thursday, November 17, 2022</a:t>
             </a:fld>
             <a:endParaRPr lang="pt-PT"/>
           </a:p>
@@ -9565,7 +9565,7 @@
           <a:p>
             <a:fld id="{9CE5F134-449B-D74A-9B7F-89D95BC1B483}" type="datetime2">
               <a:rPr lang="en-US" smtClean="0"/>
-              <a:t>Wednesday, November 16, 2022</a:t>
+              <a:t>Thursday, November 17, 2022</a:t>
             </a:fld>
             <a:endParaRPr lang="pt-PT"/>
           </a:p>
@@ -9678,7 +9678,7 @@
           <a:p>
             <a:fld id="{08FE6882-F489-B440-9383-44C05EE70BFC}" type="datetime2">
               <a:rPr lang="en-US" smtClean="0"/>
-              <a:t>Wednesday, November 16, 2022</a:t>
+              <a:t>Thursday, November 17, 2022</a:t>
             </a:fld>
             <a:endParaRPr lang="pt-PT"/>
           </a:p>
@@ -9991,7 +9991,7 @@
           <a:p>
             <a:fld id="{EA9901D4-BF66-684F-94DD-F14C46BD20D4}" type="datetime2">
               <a:rPr lang="en-US" smtClean="0"/>
-              <a:t>Wednesday, November 16, 2022</a:t>
+              <a:t>Thursday, November 17, 2022</a:t>
             </a:fld>
             <a:endParaRPr lang="pt-PT"/>
           </a:p>
@@ -10190,7 +10190,7 @@
           <a:p>
             <a:fld id="{8D9F6D0D-41DB-8B46-BCC5-A1A5F5D054DD}" type="datetime2">
               <a:rPr lang="en-US" smtClean="0"/>
-              <a:t>Wednesday, November 16, 2022</a:t>
+              <a:t>Thursday, November 17, 2022</a:t>
             </a:fld>
             <a:endParaRPr lang="en-US"/>
           </a:p>
@@ -10479,7 +10479,7 @@
           <a:p>
             <a:fld id="{C1B18842-6612-3E44-88F4-26B08E01D4A1}" type="datetime2">
               <a:rPr lang="en-US" smtClean="0"/>
-              <a:t>Wednesday, November 16, 2022</a:t>
+              <a:t>Thursday, November 17, 2022</a:t>
             </a:fld>
             <a:endParaRPr lang="pt-PT"/>
           </a:p>
@@ -10679,7 +10679,7 @@
           <a:p>
             <a:fld id="{95B6CAAF-784F-4E47-9CC9-1082C2BF0C5C}" type="datetime2">
               <a:rPr lang="en-US" smtClean="0"/>
-              <a:t>Wednesday, November 16, 2022</a:t>
+              <a:t>Thursday, November 17, 2022</a:t>
             </a:fld>
             <a:endParaRPr lang="pt-PT"/>
           </a:p>
@@ -10889,7 +10889,7 @@
           <a:p>
             <a:fld id="{E0F27EBF-3F4E-D940-8A26-FA2850881C70}" type="datetime2">
               <a:rPr lang="en-US" smtClean="0"/>
-              <a:t>Wednesday, November 16, 2022</a:t>
+              <a:t>Thursday, November 17, 2022</a:t>
             </a:fld>
             <a:endParaRPr lang="pt-PT"/>
           </a:p>
@@ -11170,7 +11170,7 @@
           <a:p>
             <a:fld id="{37270977-8F9E-E44A-AE78-29F7C254D9F6}" type="datetime2">
               <a:rPr lang="en-US" smtClean="0"/>
-              <a:t>Wednesday, November 16, 2022</a:t>
+              <a:t>Thursday, November 17, 2022</a:t>
             </a:fld>
             <a:endParaRPr lang="en-US"/>
           </a:p>
@@ -11438,7 +11438,7 @@
           <a:p>
             <a:fld id="{45BFE103-D8A9-CD4D-92FE-6051F570C19C}" type="datetime2">
               <a:rPr lang="en-US" smtClean="0"/>
-              <a:t>Wednesday, November 16, 2022</a:t>
+              <a:t>Thursday, November 17, 2022</a:t>
             </a:fld>
             <a:endParaRPr lang="en-US"/>
           </a:p>
@@ -11819,7 +11819,7 @@
           <a:p>
             <a:fld id="{67D249A7-946F-C442-A460-68D02469A4E2}" type="datetime2">
               <a:rPr lang="en-US" smtClean="0"/>
-              <a:t>Wednesday, November 16, 2022</a:t>
+              <a:t>Thursday, November 17, 2022</a:t>
             </a:fld>
             <a:endParaRPr lang="en-US"/>
           </a:p>
@@ -11989,7 +11989,7 @@
           <a:p>
             <a:fld id="{4DEDBC02-CE6B-8142-8C62-7C22C52E8700}" type="datetime2">
               <a:rPr lang="en-US" smtClean="0"/>
-              <a:t>Wednesday, November 16, 2022</a:t>
+              <a:t>Thursday, November 17, 2022</a:t>
             </a:fld>
             <a:endParaRPr lang="en-US"/>
           </a:p>
@@ -12102,7 +12102,7 @@
           <a:p>
             <a:fld id="{AFFD3AFD-5E97-4047-B4D5-3DA59CD2B5F5}" type="datetime2">
               <a:rPr lang="en-US" smtClean="0"/>
-              <a:t>Wednesday, November 16, 2022</a:t>
+              <a:t>Thursday, November 17, 2022</a:t>
             </a:fld>
             <a:endParaRPr lang="en-US"/>
           </a:p>
@@ -12419,7 +12419,7 @@
           <a:p>
             <a:fld id="{147137B2-3096-F84E-98EC-C92EAB32F167}" type="datetime2">
               <a:rPr lang="en-US" smtClean="0"/>
-              <a:t>Wednesday, November 16, 2022</a:t>
+              <a:t>Thursday, November 17, 2022</a:t>
             </a:fld>
             <a:endParaRPr lang="en-US"/>
           </a:p>
@@ -12711,7 +12711,7 @@
           <a:p>
             <a:fld id="{899AA7A0-9657-A547-B567-B46771B08BC1}" type="datetime2">
               <a:rPr lang="en-US" smtClean="0"/>
-              <a:t>Wednesday, November 16, 2022</a:t>
+              <a:t>Thursday, November 17, 2022</a:t>
             </a:fld>
             <a:endParaRPr lang="en-US"/>
           </a:p>
@@ -13078,7 +13078,7 @@
           <a:p>
             <a:fld id="{AE9055EB-7D0E-234E-B683-0930FB7F0981}" type="datetime2">
               <a:rPr lang="en-US" smtClean="0"/>
-              <a:t>Wednesday, November 16, 2022</a:t>
+              <a:t>Thursday, November 17, 2022</a:t>
             </a:fld>
             <a:endParaRPr lang="en-US" cap="all" dirty="0"/>
           </a:p>
@@ -13648,7 +13648,7 @@
           <a:p>
             <a:fld id="{33E9EEE8-44CD-A740-9890-735F058F3A3E}" type="datetime2">
               <a:rPr lang="en-US" smtClean="0"/>
-              <a:t>Wednesday, November 16, 2022</a:t>
+              <a:t>Thursday, November 17, 2022</a:t>
             </a:fld>
             <a:endParaRPr lang="pt-PT"/>
           </a:p>
@@ -14690,7 +14690,7 @@
           <a:p>
             <a:fld id="{AEA5305D-0B09-8446-8F8A-41E779E48A1E}" type="datetime2">
               <a:rPr lang="en-US" smtClean="0"/>
-              <a:t>Wednesday, November 16, 2022</a:t>
+              <a:t>Thursday, November 17, 2022</a:t>
             </a:fld>
             <a:endParaRPr lang="pt-PT"/>
           </a:p>
@@ -15287,7 +15287,7 @@
           <a:p>
             <a:fld id="{0A72D659-3C0B-6B41-9587-4FFB5068822D}" type="datetime2">
               <a:rPr lang="en-US" smtClean="0"/>
-              <a:t>Wednesday, November 16, 2022</a:t>
+              <a:t>Thursday, November 17, 2022</a:t>
             </a:fld>
             <a:endParaRPr lang="en-US"/>
           </a:p>
@@ -15766,7 +15766,7 @@
           <a:p>
             <a:fld id="{904BDE25-EACE-B941-92D1-969886DB3A92}" type="datetime2">
               <a:rPr lang="en-US" smtClean="0"/>
-              <a:t>Wednesday, November 16, 2022</a:t>
+              <a:t>Thursday, November 17, 2022</a:t>
             </a:fld>
             <a:endParaRPr lang="en-US"/>
           </a:p>
@@ -16401,7 +16401,7 @@
           <a:p>
             <a:fld id="{78229B31-04B5-6C4F-994D-122FB5182388}" type="datetime2">
               <a:rPr lang="en-US" smtClean="0"/>
-              <a:t>Wednesday, November 16, 2022</a:t>
+              <a:t>Thursday, November 17, 2022</a:t>
             </a:fld>
             <a:endParaRPr lang="en-US"/>
           </a:p>
@@ -16579,7 +16579,7 @@
           <a:p>
             <a:fld id="{0C1F9645-765E-CF4C-9E74-4C7A778630B7}" type="datetime2">
               <a:rPr lang="en-US" smtClean="0"/>
-              <a:t>Wednesday, November 16, 2022</a:t>
+              <a:t>Thursday, November 17, 2022</a:t>
             </a:fld>
             <a:endParaRPr lang="en-US"/>
           </a:p>
@@ -16644,78 +16644,6 @@
           <a:chExt cx="0" cy="0"/>
         </a:xfrm>
       </p:grpSpPr>
-      <p:pic>
-        <p:nvPicPr>
-          <p:cNvPr id="5" name="Picture 4" descr="Chart, line chart&#10;&#10;Description automatically generated">
-            <a:extLst>
-              <a:ext uri="{FF2B5EF4-FFF2-40B4-BE49-F238E27FC236}">
-                <a16:creationId xmlns:a16="http://schemas.microsoft.com/office/drawing/2014/main" id="{D9AC6FD0-F274-BE47-A6EA-8A73A4078F6C}"/>
-              </a:ext>
-            </a:extLst>
-          </p:cNvPr>
-          <p:cNvPicPr>
-            <a:picLocks noChangeAspect="1"/>
-          </p:cNvPicPr>
-          <p:nvPr/>
-        </p:nvPicPr>
-        <p:blipFill>
-          <a:blip r:embed="rId2">
-            <a:extLst>
-              <a:ext uri="{28A0092B-C50C-407E-A947-70E740481C1C}">
-                <a14:useLocalDpi xmlns:a14="http://schemas.microsoft.com/office/drawing/2010/main" val="0"/>
-              </a:ext>
-            </a:extLst>
-          </a:blip>
-          <a:stretch>
-            <a:fillRect/>
-          </a:stretch>
-        </p:blipFill>
-        <p:spPr>
-          <a:xfrm>
-            <a:off x="6215308" y="805856"/>
-            <a:ext cx="3652405" cy="5246288"/>
-          </a:xfrm>
-          <a:prstGeom prst="rect">
-            <a:avLst/>
-          </a:prstGeom>
-        </p:spPr>
-      </p:pic>
-      <p:pic>
-        <p:nvPicPr>
-          <p:cNvPr id="7" name="Picture 6" descr="Chart, line chart, scatter chart&#10;&#10;Description automatically generated">
-            <a:extLst>
-              <a:ext uri="{FF2B5EF4-FFF2-40B4-BE49-F238E27FC236}">
-                <a16:creationId xmlns:a16="http://schemas.microsoft.com/office/drawing/2014/main" id="{D95109F3-C871-8440-86F5-F7FB43243942}"/>
-              </a:ext>
-            </a:extLst>
-          </p:cNvPr>
-          <p:cNvPicPr>
-            <a:picLocks noChangeAspect="1"/>
-          </p:cNvPicPr>
-          <p:nvPr/>
-        </p:nvPicPr>
-        <p:blipFill>
-          <a:blip r:embed="rId3">
-            <a:extLst>
-              <a:ext uri="{28A0092B-C50C-407E-A947-70E740481C1C}">
-                <a14:useLocalDpi xmlns:a14="http://schemas.microsoft.com/office/drawing/2010/main" val="0"/>
-              </a:ext>
-            </a:extLst>
-          </a:blip>
-          <a:stretch>
-            <a:fillRect/>
-          </a:stretch>
-        </p:blipFill>
-        <p:spPr>
-          <a:xfrm>
-            <a:off x="1202232" y="805856"/>
-            <a:ext cx="3617115" cy="5246288"/>
-          </a:xfrm>
-          <a:prstGeom prst="rect">
-            <a:avLst/>
-          </a:prstGeom>
-        </p:spPr>
-      </p:pic>
       <p:sp>
         <p:nvSpPr>
           <p:cNvPr id="6" name="Title 1">
@@ -16794,7 +16722,7 @@
           <a:p>
             <a:fld id="{75173066-3E04-1849-84B4-B4EA667913AA}" type="datetime2">
               <a:rPr lang="en-US" smtClean="0"/>
-              <a:t>Wednesday, November 16, 2022</a:t>
+              <a:t>Thursday, November 17, 2022</a:t>
             </a:fld>
             <a:endParaRPr lang="en-US"/>
           </a:p>
@@ -16829,6 +16757,78 @@
           </a:p>
         </p:txBody>
       </p:sp>
+      <p:pic>
+        <p:nvPicPr>
+          <p:cNvPr id="8" name="Picture 7">
+            <a:extLst>
+              <a:ext uri="{FF2B5EF4-FFF2-40B4-BE49-F238E27FC236}">
+                <a16:creationId xmlns:a16="http://schemas.microsoft.com/office/drawing/2014/main" id="{8E68EE8E-E51B-0843-9D3E-5D1D09328C96}"/>
+              </a:ext>
+            </a:extLst>
+          </p:cNvPr>
+          <p:cNvPicPr>
+            <a:picLocks noChangeAspect="1"/>
+          </p:cNvPicPr>
+          <p:nvPr/>
+        </p:nvPicPr>
+        <p:blipFill>
+          <a:blip r:embed="rId2">
+            <a:extLst>
+              <a:ext uri="{28A0092B-C50C-407E-A947-70E740481C1C}">
+                <a14:useLocalDpi xmlns:a14="http://schemas.microsoft.com/office/drawing/2010/main" val="0"/>
+              </a:ext>
+            </a:extLst>
+          </a:blip>
+          <a:stretch>
+            <a:fillRect/>
+          </a:stretch>
+        </p:blipFill>
+        <p:spPr>
+          <a:xfrm>
+            <a:off x="1755995" y="918341"/>
+            <a:ext cx="3462007" cy="5021318"/>
+          </a:xfrm>
+          <a:prstGeom prst="rect">
+            <a:avLst/>
+          </a:prstGeom>
+        </p:spPr>
+      </p:pic>
+      <p:pic>
+        <p:nvPicPr>
+          <p:cNvPr id="10" name="Picture 9">
+            <a:extLst>
+              <a:ext uri="{FF2B5EF4-FFF2-40B4-BE49-F238E27FC236}">
+                <a16:creationId xmlns:a16="http://schemas.microsoft.com/office/drawing/2014/main" id="{FFB3378D-BEB8-2C4C-9FF5-4155126D5209}"/>
+              </a:ext>
+            </a:extLst>
+          </p:cNvPr>
+          <p:cNvPicPr>
+            <a:picLocks noChangeAspect="1"/>
+          </p:cNvPicPr>
+          <p:nvPr/>
+        </p:nvPicPr>
+        <p:blipFill>
+          <a:blip r:embed="rId3">
+            <a:extLst>
+              <a:ext uri="{28A0092B-C50C-407E-A947-70E740481C1C}">
+                <a14:useLocalDpi xmlns:a14="http://schemas.microsoft.com/office/drawing/2010/main" val="0"/>
+              </a:ext>
+            </a:extLst>
+          </a:blip>
+          <a:stretch>
+            <a:fillRect/>
+          </a:stretch>
+        </p:blipFill>
+        <p:spPr>
+          <a:xfrm>
+            <a:off x="6973997" y="918341"/>
+            <a:ext cx="3462007" cy="5021318"/>
+          </a:xfrm>
+          <a:prstGeom prst="rect">
+            <a:avLst/>
+          </a:prstGeom>
+        </p:spPr>
+      </p:pic>
     </p:spTree>
     <p:extLst>
       <p:ext uri="{BB962C8B-B14F-4D97-AF65-F5344CB8AC3E}">
@@ -16859,78 +16859,6 @@
           <a:chExt cx="0" cy="0"/>
         </a:xfrm>
       </p:grpSpPr>
-      <p:pic>
-        <p:nvPicPr>
-          <p:cNvPr id="5" name="Picture 4" descr="Table&#10;&#10;Description automatically generated">
-            <a:extLst>
-              <a:ext uri="{FF2B5EF4-FFF2-40B4-BE49-F238E27FC236}">
-                <a16:creationId xmlns:a16="http://schemas.microsoft.com/office/drawing/2014/main" id="{AF9CB527-AB9E-9A4C-95A7-A8C26391CE98}"/>
-              </a:ext>
-            </a:extLst>
-          </p:cNvPr>
-          <p:cNvPicPr>
-            <a:picLocks noChangeAspect="1"/>
-          </p:cNvPicPr>
-          <p:nvPr/>
-        </p:nvPicPr>
-        <p:blipFill>
-          <a:blip r:embed="rId2">
-            <a:extLst>
-              <a:ext uri="{28A0092B-C50C-407E-A947-70E740481C1C}">
-                <a14:useLocalDpi xmlns:a14="http://schemas.microsoft.com/office/drawing/2010/main" val="0"/>
-              </a:ext>
-            </a:extLst>
-          </a:blip>
-          <a:stretch>
-            <a:fillRect/>
-          </a:stretch>
-        </p:blipFill>
-        <p:spPr>
-          <a:xfrm>
-            <a:off x="4146581" y="891902"/>
-            <a:ext cx="4076700" cy="1625600"/>
-          </a:xfrm>
-          <a:prstGeom prst="rect">
-            <a:avLst/>
-          </a:prstGeom>
-        </p:spPr>
-      </p:pic>
-      <p:pic>
-        <p:nvPicPr>
-          <p:cNvPr id="7" name="Picture 6" descr="Graphical user interface, text, application&#10;&#10;Description automatically generated">
-            <a:extLst>
-              <a:ext uri="{FF2B5EF4-FFF2-40B4-BE49-F238E27FC236}">
-                <a16:creationId xmlns:a16="http://schemas.microsoft.com/office/drawing/2014/main" id="{949174EF-C44D-C043-AF2D-8C534DE305EC}"/>
-              </a:ext>
-            </a:extLst>
-          </p:cNvPr>
-          <p:cNvPicPr>
-            <a:picLocks noChangeAspect="1"/>
-          </p:cNvPicPr>
-          <p:nvPr/>
-        </p:nvPicPr>
-        <p:blipFill>
-          <a:blip r:embed="rId3">
-            <a:extLst>
-              <a:ext uri="{28A0092B-C50C-407E-A947-70E740481C1C}">
-                <a14:useLocalDpi xmlns:a14="http://schemas.microsoft.com/office/drawing/2010/main" val="0"/>
-              </a:ext>
-            </a:extLst>
-          </a:blip>
-          <a:stretch>
-            <a:fillRect/>
-          </a:stretch>
-        </p:blipFill>
-        <p:spPr>
-          <a:xfrm>
-            <a:off x="706815" y="2862405"/>
-            <a:ext cx="10956232" cy="3387782"/>
-          </a:xfrm>
-          <a:prstGeom prst="rect">
-            <a:avLst/>
-          </a:prstGeom>
-        </p:spPr>
-      </p:pic>
       <p:sp>
         <p:nvSpPr>
           <p:cNvPr id="6" name="Title 1">
@@ -17009,7 +16937,7 @@
           <a:p>
             <a:fld id="{884D596F-4BAD-834B-8866-216E5312D909}" type="datetime2">
               <a:rPr lang="en-US" smtClean="0"/>
-              <a:t>Wednesday, November 16, 2022</a:t>
+              <a:t>Thursday, November 17, 2022</a:t>
             </a:fld>
             <a:endParaRPr lang="en-US"/>
           </a:p>
@@ -17044,6 +16972,78 @@
           </a:p>
         </p:txBody>
       </p:sp>
+      <p:pic>
+        <p:nvPicPr>
+          <p:cNvPr id="8" name="Picture 7">
+            <a:extLst>
+              <a:ext uri="{FF2B5EF4-FFF2-40B4-BE49-F238E27FC236}">
+                <a16:creationId xmlns:a16="http://schemas.microsoft.com/office/drawing/2014/main" id="{34D917D9-45CA-5C46-B35C-45A1F55C4C79}"/>
+              </a:ext>
+            </a:extLst>
+          </p:cNvPr>
+          <p:cNvPicPr>
+            <a:picLocks noChangeAspect="1"/>
+          </p:cNvPicPr>
+          <p:nvPr/>
+        </p:nvPicPr>
+        <p:blipFill>
+          <a:blip r:embed="rId2">
+            <a:extLst>
+              <a:ext uri="{28A0092B-C50C-407E-A947-70E740481C1C}">
+                <a14:useLocalDpi xmlns:a14="http://schemas.microsoft.com/office/drawing/2010/main" val="0"/>
+              </a:ext>
+            </a:extLst>
+          </a:blip>
+          <a:stretch>
+            <a:fillRect/>
+          </a:stretch>
+        </p:blipFill>
+        <p:spPr>
+          <a:xfrm>
+            <a:off x="0" y="2621971"/>
+            <a:ext cx="12192000" cy="2942897"/>
+          </a:xfrm>
+          <a:prstGeom prst="rect">
+            <a:avLst/>
+          </a:prstGeom>
+        </p:spPr>
+      </p:pic>
+      <p:pic>
+        <p:nvPicPr>
+          <p:cNvPr id="10" name="Picture 9">
+            <a:extLst>
+              <a:ext uri="{FF2B5EF4-FFF2-40B4-BE49-F238E27FC236}">
+                <a16:creationId xmlns:a16="http://schemas.microsoft.com/office/drawing/2014/main" id="{51E23985-FF6A-A14C-832A-FAACB8D9A277}"/>
+              </a:ext>
+            </a:extLst>
+          </p:cNvPr>
+          <p:cNvPicPr>
+            <a:picLocks noChangeAspect="1"/>
+          </p:cNvPicPr>
+          <p:nvPr/>
+        </p:nvPicPr>
+        <p:blipFill>
+          <a:blip r:embed="rId3">
+            <a:extLst>
+              <a:ext uri="{28A0092B-C50C-407E-A947-70E740481C1C}">
+                <a14:useLocalDpi xmlns:a14="http://schemas.microsoft.com/office/drawing/2010/main" val="0"/>
+              </a:ext>
+            </a:extLst>
+          </a:blip>
+          <a:stretch>
+            <a:fillRect/>
+          </a:stretch>
+        </p:blipFill>
+        <p:spPr>
+          <a:xfrm>
+            <a:off x="3814476" y="867444"/>
+            <a:ext cx="4740910" cy="1748275"/>
+          </a:xfrm>
+          <a:prstGeom prst="rect">
+            <a:avLst/>
+          </a:prstGeom>
+        </p:spPr>
+      </p:pic>
     </p:spTree>
     <p:extLst>
       <p:ext uri="{BB962C8B-B14F-4D97-AF65-F5344CB8AC3E}">
@@ -17597,7 +17597,7 @@
           <a:p>
             <a:fld id="{22C8D8D3-B20C-DC44-8387-99E41C8E8FBC}" type="datetime2">
               <a:rPr lang="en-US" smtClean="0"/>
-              <a:t>Wednesday, November 16, 2022</a:t>
+              <a:t>Thursday, November 17, 2022</a:t>
             </a:fld>
             <a:endParaRPr lang="en-US"/>
           </a:p>
@@ -17856,7 +17856,7 @@
           <a:p>
             <a:fld id="{EECB3B43-7D2C-D541-B4CC-532CE21D4E59}" type="datetime2">
               <a:rPr lang="en-US" smtClean="0"/>
-              <a:t>Wednesday, November 16, 2022</a:t>
+              <a:t>Thursday, November 17, 2022</a:t>
             </a:fld>
             <a:endParaRPr lang="en-US"/>
           </a:p>
@@ -18030,7 +18030,7 @@
           <a:p>
             <a:fld id="{9115964E-2F02-3743-9AD0-D4ED663B2E40}" type="datetime2">
               <a:rPr lang="en-US" smtClean="0"/>
-              <a:t>Wednesday, November 16, 2022</a:t>
+              <a:t>Thursday, November 17, 2022</a:t>
             </a:fld>
             <a:endParaRPr lang="en-US"/>
           </a:p>
@@ -18281,7 +18281,7 @@
           <a:p>
             <a:fld id="{2BC653E2-3771-624B-ACAF-1BBD21EA7C7A}" type="datetime2">
               <a:rPr lang="en-US" smtClean="0"/>
-              <a:t>Wednesday, November 16, 2022</a:t>
+              <a:t>Thursday, November 17, 2022</a:t>
             </a:fld>
             <a:endParaRPr lang="en-US"/>
           </a:p>
@@ -18460,7 +18460,7 @@
           <a:p>
             <a:fld id="{ADDFBA69-2883-EA40-BF51-51557F562900}" type="datetime2">
               <a:rPr lang="en-US" smtClean="0"/>
-              <a:t>Wednesday, November 16, 2022</a:t>
+              <a:t>Thursday, November 17, 2022</a:t>
             </a:fld>
             <a:endParaRPr lang="en-US"/>
           </a:p>
@@ -18638,7 +18638,7 @@
           <a:p>
             <a:fld id="{3DDC487E-3176-9F4B-8EBF-BC218FFC2F4F}" type="datetime2">
               <a:rPr lang="en-US" smtClean="0"/>
-              <a:t>Wednesday, November 16, 2022</a:t>
+              <a:t>Thursday, November 17, 2022</a:t>
             </a:fld>
             <a:endParaRPr lang="en-US"/>
           </a:p>
@@ -18853,7 +18853,7 @@
           <a:p>
             <a:fld id="{8C192831-34CE-6D4C-B603-F411CB170F17}" type="datetime2">
               <a:rPr lang="en-US" smtClean="0"/>
-              <a:t>Wednesday, November 16, 2022</a:t>
+              <a:t>Thursday, November 17, 2022</a:t>
             </a:fld>
             <a:endParaRPr lang="en-US"/>
           </a:p>
@@ -19456,7 +19456,7 @@
           <a:p>
             <a:fld id="{CFA55CB0-1DB5-2643-9CC9-C841CAAFF7CE}" type="datetime2">
               <a:rPr lang="en-US" smtClean="0"/>
-              <a:t>Wednesday, November 16, 2022</a:t>
+              <a:t>Thursday, November 17, 2022</a:t>
             </a:fld>
             <a:endParaRPr lang="en-US"/>
           </a:p>

--- a/Slides/Slides.pptx
+++ b/Slides/Slides.pptx
@@ -6,7 +6,7 @@
     <p:sldMasterId id="2147483750" r:id="rId2"/>
   </p:sldMasterIdLst>
   <p:notesMasterIdLst>
-    <p:notesMasterId r:id="rId18"/>
+    <p:notesMasterId r:id="rId19"/>
   </p:notesMasterIdLst>
   <p:sldIdLst>
     <p:sldId id="506" r:id="rId3"/>
@@ -21,9 +21,10 @@
     <p:sldId id="265" r:id="rId12"/>
     <p:sldId id="266" r:id="rId13"/>
     <p:sldId id="267" r:id="rId14"/>
-    <p:sldId id="269" r:id="rId15"/>
-    <p:sldId id="268" r:id="rId16"/>
-    <p:sldId id="270" r:id="rId17"/>
+    <p:sldId id="507" r:id="rId15"/>
+    <p:sldId id="269" r:id="rId16"/>
+    <p:sldId id="268" r:id="rId17"/>
+    <p:sldId id="270" r:id="rId18"/>
   </p:sldIdLst>
   <p:sldSz cx="12192000" cy="6858000"/>
   <p:notesSz cx="6858000" cy="9144000"/>
@@ -16452,6 +16453,14 @@
 <file path=ppt/slides/slide13.xml><?xml version="1.0" encoding="utf-8"?>
 <p:sld xmlns:a="http://schemas.openxmlformats.org/drawingml/2006/main" xmlns:r="http://schemas.openxmlformats.org/officeDocument/2006/relationships" xmlns:p="http://schemas.openxmlformats.org/presentationml/2006/main">
   <p:cSld>
+    <p:bg>
+      <p:bgPr>
+        <a:solidFill>
+          <a:schemeClr val="bg1"/>
+        </a:solidFill>
+        <a:effectLst/>
+      </p:bgPr>
+    </p:bg>
     <p:spTree>
       <p:nvGrpSpPr>
         <p:cNvPr id="1" name=""/>
@@ -16466,47 +16475,388 @@
           <a:chExt cx="0" cy="0"/>
         </a:xfrm>
       </p:grpSpPr>
-      <p:pic>
-        <p:nvPicPr>
-          <p:cNvPr id="5" name="Content Placeholder 4" descr="Table&#10;&#10;Description automatically generated">
-            <a:extLst>
-              <a:ext uri="{FF2B5EF4-FFF2-40B4-BE49-F238E27FC236}">
-                <a16:creationId xmlns:a16="http://schemas.microsoft.com/office/drawing/2014/main" id="{BC57F3D0-3E94-4B49-BF8D-D255FA460C58}"/>
-              </a:ext>
-            </a:extLst>
-          </p:cNvPr>
-          <p:cNvPicPr>
-            <a:picLocks noGrp="1" noChangeAspect="1"/>
-          </p:cNvPicPr>
+      <p:sp>
+        <p:nvSpPr>
+          <p:cNvPr id="55" name="Rectangle 54">
+            <a:extLst>
+              <a:ext uri="{FF2B5EF4-FFF2-40B4-BE49-F238E27FC236}">
+                <a16:creationId xmlns:a16="http://schemas.microsoft.com/office/drawing/2014/main" id="{BD4C0BBB-0042-4603-A226-6117F3FD5B3C}"/>
+              </a:ext>
+              <a:ext uri="{C183D7F6-B498-43B3-948B-1728B52AA6E4}">
+                <adec:decorative xmlns:adec="http://schemas.microsoft.com/office/drawing/2017/decorative" val="1"/>
+              </a:ext>
+            </a:extLst>
+          </p:cNvPr>
+          <p:cNvSpPr>
+            <a:spLocks noGrp="1" noRot="1" noChangeAspect="1" noMove="1" noResize="1" noEditPoints="1" noAdjustHandles="1" noChangeArrowheads="1" noChangeShapeType="1" noTextEdit="1"/>
+          </p:cNvSpPr>
           <p:nvPr>
-            <p:ph idx="1"/>
+            <p:extLst>
+              <p:ext uri="{386F3935-93C4-4BCD-93E2-E3B085C9AB24}">
+                <p16:designElem xmlns:p16="http://schemas.microsoft.com/office/powerpoint/2015/main" val="1"/>
+              </p:ext>
+            </p:extLst>
           </p:nvPr>
-        </p:nvPicPr>
-        <p:blipFill>
-          <a:blip r:embed="rId2">
-            <a:extLst>
-              <a:ext uri="{28A0092B-C50C-407E-A947-70E740481C1C}">
-                <a14:useLocalDpi xmlns:a14="http://schemas.microsoft.com/office/drawing/2010/main" val="0"/>
-              </a:ext>
-            </a:extLst>
-          </a:blip>
-          <a:stretch>
-            <a:fillRect/>
-          </a:stretch>
-        </p:blipFill>
+        </p:nvSpPr>
+        <p:spPr>
+          <a:xfrm rot="10800000" flipH="1">
+            <a:off x="0" y="6400799"/>
+            <a:ext cx="12192000" cy="456773"/>
+          </a:xfrm>
+          <a:prstGeom prst="rect">
+            <a:avLst/>
+          </a:prstGeom>
+          <a:gradFill>
+            <a:gsLst>
+              <a:gs pos="14000">
+                <a:schemeClr val="accent4">
+                  <a:alpha val="28000"/>
+                </a:schemeClr>
+              </a:gs>
+              <a:gs pos="100000">
+                <a:schemeClr val="accent5">
+                  <a:alpha val="85000"/>
+                </a:schemeClr>
+              </a:gs>
+            </a:gsLst>
+            <a:lin ang="6000000" scaled="0"/>
+          </a:gradFill>
+          <a:ln>
+            <a:noFill/>
+          </a:ln>
+        </p:spPr>
+        <p:style>
+          <a:lnRef idx="2">
+            <a:schemeClr val="accent1">
+              <a:shade val="50000"/>
+            </a:schemeClr>
+          </a:lnRef>
+          <a:fillRef idx="1">
+            <a:schemeClr val="accent1"/>
+          </a:fillRef>
+          <a:effectRef idx="0">
+            <a:schemeClr val="accent1"/>
+          </a:effectRef>
+          <a:fontRef idx="minor">
+            <a:schemeClr val="lt1"/>
+          </a:fontRef>
+        </p:style>
+        <p:txBody>
+          <a:bodyPr rtlCol="0" anchor="ctr"/>
+          <a:lstStyle/>
+          <a:p>
+            <a:pPr algn="ctr"/>
+            <a:endParaRPr lang="en-US"/>
+          </a:p>
+        </p:txBody>
+      </p:sp>
+      <p:sp>
+        <p:nvSpPr>
+          <p:cNvPr id="57" name="Rectangle 56">
+            <a:extLst>
+              <a:ext uri="{FF2B5EF4-FFF2-40B4-BE49-F238E27FC236}">
+                <a16:creationId xmlns:a16="http://schemas.microsoft.com/office/drawing/2014/main" id="{EC44F520-2598-460E-9F91-B02F60830CA2}"/>
+              </a:ext>
+              <a:ext uri="{C183D7F6-B498-43B3-948B-1728B52AA6E4}">
+                <adec:decorative xmlns:adec="http://schemas.microsoft.com/office/drawing/2017/decorative" val="1"/>
+              </a:ext>
+            </a:extLst>
+          </p:cNvPr>
+          <p:cNvSpPr>
+            <a:spLocks noGrp="1" noRot="1" noChangeAspect="1" noMove="1" noResize="1" noEditPoints="1" noAdjustHandles="1" noChangeArrowheads="1" noChangeShapeType="1" noTextEdit="1"/>
+          </p:cNvSpPr>
+          <p:nvPr>
+            <p:extLst>
+              <p:ext uri="{386F3935-93C4-4BCD-93E2-E3B085C9AB24}">
+                <p16:designElem xmlns:p16="http://schemas.microsoft.com/office/powerpoint/2015/main" val="1"/>
+              </p:ext>
+            </p:extLst>
+          </p:nvPr>
+        </p:nvSpPr>
+        <p:spPr>
+          <a:xfrm flipH="1">
+            <a:off x="4038600" y="6400799"/>
+            <a:ext cx="8153398" cy="456772"/>
+          </a:xfrm>
+          <a:prstGeom prst="rect">
+            <a:avLst/>
+          </a:prstGeom>
+          <a:gradFill>
+            <a:gsLst>
+              <a:gs pos="9000">
+                <a:schemeClr val="accent2">
+                  <a:lumMod val="60000"/>
+                  <a:lumOff val="40000"/>
+                  <a:alpha val="55000"/>
+                </a:schemeClr>
+              </a:gs>
+              <a:gs pos="99000">
+                <a:schemeClr val="accent2"/>
+              </a:gs>
+            </a:gsLst>
+            <a:lin ang="14400000" scaled="0"/>
+          </a:gradFill>
+          <a:ln>
+            <a:noFill/>
+          </a:ln>
+        </p:spPr>
+        <p:style>
+          <a:lnRef idx="2">
+            <a:schemeClr val="accent1">
+              <a:shade val="50000"/>
+            </a:schemeClr>
+          </a:lnRef>
+          <a:fillRef idx="1">
+            <a:schemeClr val="accent1"/>
+          </a:fillRef>
+          <a:effectRef idx="0">
+            <a:schemeClr val="accent1"/>
+          </a:effectRef>
+          <a:fontRef idx="minor">
+            <a:schemeClr val="lt1"/>
+          </a:fontRef>
+        </p:style>
+        <p:txBody>
+          <a:bodyPr rtlCol="0" anchor="ctr"/>
+          <a:lstStyle/>
+          <a:p>
+            <a:pPr algn="ctr"/>
+            <a:endParaRPr lang="en-US"/>
+          </a:p>
+        </p:txBody>
+      </p:sp>
+      <p:sp useBgFill="1">
+        <p:nvSpPr>
+          <p:cNvPr id="59" name="Rectangle 58">
+            <a:extLst>
+              <a:ext uri="{FF2B5EF4-FFF2-40B4-BE49-F238E27FC236}">
+                <a16:creationId xmlns:a16="http://schemas.microsoft.com/office/drawing/2014/main" id="{FBC072A9-737B-43EA-8F67-8155C25E607E}"/>
+              </a:ext>
+              <a:ext uri="{C183D7F6-B498-43B3-948B-1728B52AA6E4}">
+                <adec:decorative xmlns:adec="http://schemas.microsoft.com/office/drawing/2017/decorative" val="1"/>
+              </a:ext>
+            </a:extLst>
+          </p:cNvPr>
+          <p:cNvSpPr>
+            <a:spLocks noGrp="1" noRot="1" noChangeAspect="1" noMove="1" noResize="1" noEditPoints="1" noAdjustHandles="1" noChangeArrowheads="1" noChangeShapeType="1" noTextEdit="1"/>
+          </p:cNvSpPr>
+          <p:nvPr>
+            <p:extLst>
+              <p:ext uri="{386F3935-93C4-4BCD-93E2-E3B085C9AB24}">
+                <p16:designElem xmlns:p16="http://schemas.microsoft.com/office/powerpoint/2015/main" val="1"/>
+              </p:ext>
+            </p:extLst>
+          </p:nvPr>
+        </p:nvSpPr>
         <p:spPr>
           <a:xfrm>
-            <a:off x="3858883" y="898208"/>
-            <a:ext cx="4474234" cy="5061585"/>
+            <a:off x="0" y="0"/>
+            <a:ext cx="12192000" cy="6858000"/>
           </a:xfrm>
+          <a:prstGeom prst="rect">
+            <a:avLst/>
+          </a:prstGeom>
+          <a:ln w="12700" cap="flat" cmpd="sng" algn="ctr">
+            <a:noFill/>
+            <a:prstDash val="solid"/>
+            <a:miter lim="800000"/>
+          </a:ln>
+          <a:effectLst/>
+          <a:extLst>
+            <a:ext uri="{91240B29-F687-4F45-9708-019B960494DF}">
+              <a14:hiddenLine xmlns:a14="http://schemas.microsoft.com/office/drawing/2010/main" w="12700" cap="flat" cmpd="sng" algn="ctr">
+                <a:solidFill>
+                  <a:schemeClr val="accent1">
+                    <a:shade val="50000"/>
+                  </a:schemeClr>
+                </a:solidFill>
+                <a:prstDash val="solid"/>
+                <a:miter lim="800000"/>
+              </a14:hiddenLine>
+            </a:ext>
+          </a:extLst>
         </p:spPr>
-      </p:pic>
-      <p:sp>
-        <p:nvSpPr>
-          <p:cNvPr id="4" name="Title 1">
-            <a:extLst>
-              <a:ext uri="{FF2B5EF4-FFF2-40B4-BE49-F238E27FC236}">
-                <a16:creationId xmlns:a16="http://schemas.microsoft.com/office/drawing/2014/main" id="{1540F6BC-0C32-F248-96E3-966F453FBD05}"/>
+        <p:style>
+          <a:lnRef idx="2">
+            <a:schemeClr val="accent1">
+              <a:shade val="50000"/>
+            </a:schemeClr>
+          </a:lnRef>
+          <a:fillRef idx="1">
+            <a:schemeClr val="accent1"/>
+          </a:fillRef>
+          <a:effectRef idx="0">
+            <a:schemeClr val="accent1"/>
+          </a:effectRef>
+          <a:fontRef idx="minor">
+            <a:schemeClr val="lt1"/>
+          </a:fontRef>
+        </p:style>
+        <p:txBody>
+          <a:bodyPr rtlCol="0" anchor="ctr"/>
+          <a:lstStyle/>
+          <a:p>
+            <a:pPr algn="ctr"/>
+            <a:endParaRPr lang="en-US"/>
+          </a:p>
+        </p:txBody>
+      </p:sp>
+      <p:sp>
+        <p:nvSpPr>
+          <p:cNvPr id="61" name="Rectangle 60">
+            <a:extLst>
+              <a:ext uri="{FF2B5EF4-FFF2-40B4-BE49-F238E27FC236}">
+                <a16:creationId xmlns:a16="http://schemas.microsoft.com/office/drawing/2014/main" id="{0EB06CB7-868E-4636-A33A-E193292A6F50}"/>
+              </a:ext>
+              <a:ext uri="{C183D7F6-B498-43B3-948B-1728B52AA6E4}">
+                <adec:decorative xmlns:adec="http://schemas.microsoft.com/office/drawing/2017/decorative" val="1"/>
+              </a:ext>
+            </a:extLst>
+          </p:cNvPr>
+          <p:cNvSpPr>
+            <a:spLocks noGrp="1" noRot="1" noChangeAspect="1" noMove="1" noResize="1" noEditPoints="1" noAdjustHandles="1" noChangeArrowheads="1" noChangeShapeType="1" noTextEdit="1"/>
+          </p:cNvSpPr>
+          <p:nvPr>
+            <p:extLst>
+              <p:ext uri="{386F3935-93C4-4BCD-93E2-E3B085C9AB24}">
+                <p16:designElem xmlns:p16="http://schemas.microsoft.com/office/powerpoint/2015/main" val="1"/>
+              </p:ext>
+            </p:extLst>
+          </p:nvPr>
+        </p:nvSpPr>
+        <p:spPr>
+          <a:xfrm rot="10800000" flipH="1">
+            <a:off x="0" y="6408741"/>
+            <a:ext cx="12192000" cy="449256"/>
+          </a:xfrm>
+          <a:prstGeom prst="rect">
+            <a:avLst/>
+          </a:prstGeom>
+          <a:gradFill>
+            <a:gsLst>
+              <a:gs pos="14000">
+                <a:schemeClr val="accent4">
+                  <a:alpha val="28000"/>
+                </a:schemeClr>
+              </a:gs>
+              <a:gs pos="100000">
+                <a:schemeClr val="accent5">
+                  <a:alpha val="85000"/>
+                </a:schemeClr>
+              </a:gs>
+            </a:gsLst>
+            <a:lin ang="9000000" scaled="0"/>
+          </a:gradFill>
+          <a:ln>
+            <a:noFill/>
+          </a:ln>
+        </p:spPr>
+        <p:style>
+          <a:lnRef idx="2">
+            <a:schemeClr val="accent1">
+              <a:shade val="50000"/>
+            </a:schemeClr>
+          </a:lnRef>
+          <a:fillRef idx="1">
+            <a:schemeClr val="accent1"/>
+          </a:fillRef>
+          <a:effectRef idx="0">
+            <a:schemeClr val="accent1"/>
+          </a:effectRef>
+          <a:fontRef idx="minor">
+            <a:schemeClr val="lt1"/>
+          </a:fontRef>
+        </p:style>
+        <p:txBody>
+          <a:bodyPr rtlCol="0" anchor="ctr"/>
+          <a:lstStyle/>
+          <a:p>
+            <a:pPr algn="ctr"/>
+            <a:endParaRPr lang="en-US"/>
+          </a:p>
+        </p:txBody>
+      </p:sp>
+      <p:sp>
+        <p:nvSpPr>
+          <p:cNvPr id="63" name="Rectangle 62">
+            <a:extLst>
+              <a:ext uri="{FF2B5EF4-FFF2-40B4-BE49-F238E27FC236}">
+                <a16:creationId xmlns:a16="http://schemas.microsoft.com/office/drawing/2014/main" id="{AFD90F94-5ADB-4D14-BFA5-C0815CAE6D8D}"/>
+              </a:ext>
+              <a:ext uri="{C183D7F6-B498-43B3-948B-1728B52AA6E4}">
+                <adec:decorative xmlns:adec="http://schemas.microsoft.com/office/drawing/2017/decorative" val="1"/>
+              </a:ext>
+            </a:extLst>
+          </p:cNvPr>
+          <p:cNvSpPr>
+            <a:spLocks noGrp="1" noRot="1" noChangeAspect="1" noMove="1" noResize="1" noEditPoints="1" noAdjustHandles="1" noChangeArrowheads="1" noChangeShapeType="1" noTextEdit="1"/>
+          </p:cNvSpPr>
+          <p:nvPr>
+            <p:extLst>
+              <p:ext uri="{386F3935-93C4-4BCD-93E2-E3B085C9AB24}">
+                <p16:designElem xmlns:p16="http://schemas.microsoft.com/office/powerpoint/2015/main" val="1"/>
+              </p:ext>
+            </p:extLst>
+          </p:nvPr>
+        </p:nvSpPr>
+        <p:spPr>
+          <a:xfrm flipH="1">
+            <a:off x="4038600" y="6408316"/>
+            <a:ext cx="8153398" cy="449684"/>
+          </a:xfrm>
+          <a:prstGeom prst="rect">
+            <a:avLst/>
+          </a:prstGeom>
+          <a:gradFill>
+            <a:gsLst>
+              <a:gs pos="9000">
+                <a:schemeClr val="accent2">
+                  <a:lumMod val="60000"/>
+                  <a:lumOff val="40000"/>
+                  <a:alpha val="68000"/>
+                </a:schemeClr>
+              </a:gs>
+              <a:gs pos="99000">
+                <a:schemeClr val="accent2"/>
+              </a:gs>
+            </a:gsLst>
+            <a:lin ang="13800000" scaled="0"/>
+          </a:gradFill>
+          <a:ln>
+            <a:noFill/>
+          </a:ln>
+        </p:spPr>
+        <p:style>
+          <a:lnRef idx="2">
+            <a:schemeClr val="accent1">
+              <a:shade val="50000"/>
+            </a:schemeClr>
+          </a:lnRef>
+          <a:fillRef idx="1">
+            <a:schemeClr val="accent1"/>
+          </a:fillRef>
+          <a:effectRef idx="0">
+            <a:schemeClr val="accent1"/>
+          </a:effectRef>
+          <a:fontRef idx="minor">
+            <a:schemeClr val="lt1"/>
+          </a:fontRef>
+        </p:style>
+        <p:txBody>
+          <a:bodyPr rtlCol="0" anchor="ctr"/>
+          <a:lstStyle/>
+          <a:p>
+            <a:pPr algn="ctr"/>
+            <a:endParaRPr lang="en-US"/>
+          </a:p>
+        </p:txBody>
+      </p:sp>
+      <p:sp>
+        <p:nvSpPr>
+          <p:cNvPr id="19" name="Title 1">
+            <a:extLst>
+              <a:ext uri="{FF2B5EF4-FFF2-40B4-BE49-F238E27FC236}">
+                <a16:creationId xmlns:a16="http://schemas.microsoft.com/office/drawing/2014/main" id="{BF1E567D-B059-A54E-A989-23322BDC48D6}"/>
               </a:ext>
             </a:extLst>
           </p:cNvPr>
@@ -16517,8 +16867,8 @@
         </p:nvSpPr>
         <p:spPr>
           <a:xfrm>
-            <a:off x="3314701" y="124890"/>
-            <a:ext cx="5562600" cy="646332"/>
+            <a:off x="3640303" y="124890"/>
+            <a:ext cx="4911393" cy="646332"/>
           </a:xfrm>
           <a:prstGeom prst="rect">
             <a:avLst/>
@@ -16526,7 +16876,7 @@
         </p:spPr>
         <p:txBody>
           <a:bodyPr vert="horz" lIns="0" tIns="0" rIns="0" bIns="0" rtlCol="0" anchor="b">
-            <a:normAutofit fontScale="92500"/>
+            <a:normAutofit/>
           </a:bodyPr>
           <a:lstStyle>
             <a:lvl1pPr algn="l" defTabSz="914400" rtl="0" eaLnBrk="1" latinLnBrk="0" hangingPunct="1">
@@ -16551,17 +16901,17 @@
             <a:pPr algn="ctr"/>
             <a:r>
               <a:rPr lang="en-US" sz="2800" dirty="0"/>
-              <a:t>Feature Importance</a:t>
+              <a:t>Cat Boost</a:t>
             </a:r>
           </a:p>
         </p:txBody>
       </p:sp>
       <p:sp>
         <p:nvSpPr>
-          <p:cNvPr id="2" name="Date Placeholder 1">
-            <a:extLst>
-              <a:ext uri="{FF2B5EF4-FFF2-40B4-BE49-F238E27FC236}">
-                <a16:creationId xmlns:a16="http://schemas.microsoft.com/office/drawing/2014/main" id="{58C4080F-A114-DA43-8652-7F5B016685A2}"/>
+          <p:cNvPr id="6" name="Date Placeholder 5">
+            <a:extLst>
+              <a:ext uri="{FF2B5EF4-FFF2-40B4-BE49-F238E27FC236}">
+                <a16:creationId xmlns:a16="http://schemas.microsoft.com/office/drawing/2014/main" id="{661C641B-3E46-B842-9A2F-CBDACE6795A8}"/>
               </a:ext>
             </a:extLst>
           </p:cNvPr>
@@ -16577,7 +16927,7 @@
           <a:bodyPr/>
           <a:lstStyle/>
           <a:p>
-            <a:fld id="{0C1F9645-765E-CF4C-9E74-4C7A778630B7}" type="datetime2">
+            <a:fld id="{78229B31-04B5-6C4F-994D-122FB5182388}" type="datetime2">
               <a:rPr lang="en-US" smtClean="0"/>
               <a:t>Thursday, November 17, 2022</a:t>
             </a:fld>
@@ -16587,10 +16937,10 @@
       </p:sp>
       <p:sp>
         <p:nvSpPr>
-          <p:cNvPr id="3" name="Slide Number Placeholder 2">
-            <a:extLst>
-              <a:ext uri="{FF2B5EF4-FFF2-40B4-BE49-F238E27FC236}">
-                <a16:creationId xmlns:a16="http://schemas.microsoft.com/office/drawing/2014/main" id="{DEF2E632-3E0C-0047-8B45-C8ECBB46C799}"/>
+          <p:cNvPr id="8" name="Slide Number Placeholder 7">
+            <a:extLst>
+              <a:ext uri="{FF2B5EF4-FFF2-40B4-BE49-F238E27FC236}">
+                <a16:creationId xmlns:a16="http://schemas.microsoft.com/office/drawing/2014/main" id="{CBC0148E-C88E-8B49-8C54-9F1D4FC7F103}"/>
               </a:ext>
             </a:extLst>
           </p:cNvPr>
@@ -16614,10 +16964,82 @@
           </a:p>
         </p:txBody>
       </p:sp>
+      <p:pic>
+        <p:nvPicPr>
+          <p:cNvPr id="3" name="Picture 2">
+            <a:extLst>
+              <a:ext uri="{FF2B5EF4-FFF2-40B4-BE49-F238E27FC236}">
+                <a16:creationId xmlns:a16="http://schemas.microsoft.com/office/drawing/2014/main" id="{46E1F94D-75B5-A04D-97F6-BA9820EDCE97}"/>
+              </a:ext>
+            </a:extLst>
+          </p:cNvPr>
+          <p:cNvPicPr>
+            <a:picLocks noChangeAspect="1"/>
+          </p:cNvPicPr>
+          <p:nvPr/>
+        </p:nvPicPr>
+        <p:blipFill>
+          <a:blip r:embed="rId2">
+            <a:extLst>
+              <a:ext uri="{28A0092B-C50C-407E-A947-70E740481C1C}">
+                <a14:useLocalDpi xmlns:a14="http://schemas.microsoft.com/office/drawing/2010/main" val="0"/>
+              </a:ext>
+            </a:extLst>
+          </a:blip>
+          <a:stretch>
+            <a:fillRect/>
+          </a:stretch>
+        </p:blipFill>
+        <p:spPr>
+          <a:xfrm>
+            <a:off x="685314" y="1651000"/>
+            <a:ext cx="5246557" cy="3556000"/>
+          </a:xfrm>
+          <a:prstGeom prst="rect">
+            <a:avLst/>
+          </a:prstGeom>
+        </p:spPr>
+      </p:pic>
+      <p:pic>
+        <p:nvPicPr>
+          <p:cNvPr id="10" name="Picture 9">
+            <a:extLst>
+              <a:ext uri="{FF2B5EF4-FFF2-40B4-BE49-F238E27FC236}">
+                <a16:creationId xmlns:a16="http://schemas.microsoft.com/office/drawing/2014/main" id="{3ED09469-142C-2345-9D4F-A8C477F05943}"/>
+              </a:ext>
+            </a:extLst>
+          </p:cNvPr>
+          <p:cNvPicPr>
+            <a:picLocks noChangeAspect="1"/>
+          </p:cNvPicPr>
+          <p:nvPr/>
+        </p:nvPicPr>
+        <p:blipFill>
+          <a:blip r:embed="rId3">
+            <a:extLst>
+              <a:ext uri="{28A0092B-C50C-407E-A947-70E740481C1C}">
+                <a14:useLocalDpi xmlns:a14="http://schemas.microsoft.com/office/drawing/2010/main" val="0"/>
+              </a:ext>
+            </a:extLst>
+          </a:blip>
+          <a:stretch>
+            <a:fillRect/>
+          </a:stretch>
+        </p:blipFill>
+        <p:spPr>
+          <a:xfrm>
+            <a:off x="6617185" y="1733550"/>
+            <a:ext cx="4889500" cy="3390900"/>
+          </a:xfrm>
+          <a:prstGeom prst="rect">
+            <a:avLst/>
+          </a:prstGeom>
+        </p:spPr>
+      </p:pic>
     </p:spTree>
     <p:extLst>
       <p:ext uri="{BB962C8B-B14F-4D97-AF65-F5344CB8AC3E}">
-        <p14:creationId xmlns:p14="http://schemas.microsoft.com/office/powerpoint/2010/main" val="3909196811"/>
+        <p14:creationId xmlns:p14="http://schemas.microsoft.com/office/powerpoint/2010/main" val="1249878194"/>
       </p:ext>
     </p:extLst>
   </p:cSld>
@@ -16646,6 +17068,184 @@
       </p:grpSpPr>
       <p:sp>
         <p:nvSpPr>
+          <p:cNvPr id="4" name="Title 1">
+            <a:extLst>
+              <a:ext uri="{FF2B5EF4-FFF2-40B4-BE49-F238E27FC236}">
+                <a16:creationId xmlns:a16="http://schemas.microsoft.com/office/drawing/2014/main" id="{1540F6BC-0C32-F248-96E3-966F453FBD05}"/>
+              </a:ext>
+            </a:extLst>
+          </p:cNvPr>
+          <p:cNvSpPr txBox="1">
+            <a:spLocks/>
+          </p:cNvSpPr>
+          <p:nvPr/>
+        </p:nvSpPr>
+        <p:spPr>
+          <a:xfrm>
+            <a:off x="3314701" y="124890"/>
+            <a:ext cx="5562600" cy="646332"/>
+          </a:xfrm>
+          <a:prstGeom prst="rect">
+            <a:avLst/>
+          </a:prstGeom>
+        </p:spPr>
+        <p:txBody>
+          <a:bodyPr vert="horz" lIns="0" tIns="0" rIns="0" bIns="0" rtlCol="0" anchor="b">
+            <a:normAutofit fontScale="92500"/>
+          </a:bodyPr>
+          <a:lstStyle>
+            <a:lvl1pPr algn="l" defTabSz="914400" rtl="0" eaLnBrk="1" latinLnBrk="0" hangingPunct="1">
+              <a:lnSpc>
+                <a:spcPct val="100000"/>
+              </a:lnSpc>
+              <a:spcBef>
+                <a:spcPct val="0"/>
+              </a:spcBef>
+              <a:buNone/>
+              <a:defRPr sz="3600" b="1" i="0" kern="1200" cap="all" spc="700" baseline="0">
+                <a:solidFill>
+                  <a:schemeClr val="tx1"/>
+                </a:solidFill>
+                <a:latin typeface="+mj-lt"/>
+                <a:ea typeface="+mj-ea"/>
+                <a:cs typeface="+mj-cs"/>
+              </a:defRPr>
+            </a:lvl1pPr>
+          </a:lstStyle>
+          <a:p>
+            <a:pPr algn="ctr"/>
+            <a:r>
+              <a:rPr lang="en-US" sz="2800" dirty="0"/>
+              <a:t>Feature Importance</a:t>
+            </a:r>
+          </a:p>
+        </p:txBody>
+      </p:sp>
+      <p:sp>
+        <p:nvSpPr>
+          <p:cNvPr id="2" name="Date Placeholder 1">
+            <a:extLst>
+              <a:ext uri="{FF2B5EF4-FFF2-40B4-BE49-F238E27FC236}">
+                <a16:creationId xmlns:a16="http://schemas.microsoft.com/office/drawing/2014/main" id="{58C4080F-A114-DA43-8652-7F5B016685A2}"/>
+              </a:ext>
+            </a:extLst>
+          </p:cNvPr>
+          <p:cNvSpPr>
+            <a:spLocks noGrp="1"/>
+          </p:cNvSpPr>
+          <p:nvPr>
+            <p:ph type="dt" sz="half" idx="10"/>
+          </p:nvPr>
+        </p:nvSpPr>
+        <p:spPr/>
+        <p:txBody>
+          <a:bodyPr/>
+          <a:lstStyle/>
+          <a:p>
+            <a:fld id="{0C1F9645-765E-CF4C-9E74-4C7A778630B7}" type="datetime2">
+              <a:rPr lang="en-US" smtClean="0"/>
+              <a:t>Thursday, November 17, 2022</a:t>
+            </a:fld>
+            <a:endParaRPr lang="en-US"/>
+          </a:p>
+        </p:txBody>
+      </p:sp>
+      <p:sp>
+        <p:nvSpPr>
+          <p:cNvPr id="3" name="Slide Number Placeholder 2">
+            <a:extLst>
+              <a:ext uri="{FF2B5EF4-FFF2-40B4-BE49-F238E27FC236}">
+                <a16:creationId xmlns:a16="http://schemas.microsoft.com/office/drawing/2014/main" id="{DEF2E632-3E0C-0047-8B45-C8ECBB46C799}"/>
+              </a:ext>
+            </a:extLst>
+          </p:cNvPr>
+          <p:cNvSpPr>
+            <a:spLocks noGrp="1"/>
+          </p:cNvSpPr>
+          <p:nvPr>
+            <p:ph type="sldNum" sz="quarter" idx="12"/>
+          </p:nvPr>
+        </p:nvSpPr>
+        <p:spPr/>
+        <p:txBody>
+          <a:bodyPr/>
+          <a:lstStyle/>
+          <a:p>
+            <a:fld id="{C01389E6-C847-4AD0-B56D-D205B2EAB1EE}" type="slidenum">
+              <a:rPr lang="en-US" smtClean="0"/>
+              <a:t>14</a:t>
+            </a:fld>
+            <a:endParaRPr lang="en-US"/>
+          </a:p>
+        </p:txBody>
+      </p:sp>
+      <p:pic>
+        <p:nvPicPr>
+          <p:cNvPr id="9" name="Content Placeholder 8">
+            <a:extLst>
+              <a:ext uri="{FF2B5EF4-FFF2-40B4-BE49-F238E27FC236}">
+                <a16:creationId xmlns:a16="http://schemas.microsoft.com/office/drawing/2014/main" id="{E642D74A-5304-354B-B543-ED69C24359A8}"/>
+              </a:ext>
+            </a:extLst>
+          </p:cNvPr>
+          <p:cNvPicPr>
+            <a:picLocks noGrp="1" noChangeAspect="1"/>
+          </p:cNvPicPr>
+          <p:nvPr>
+            <p:ph idx="1"/>
+          </p:nvPr>
+        </p:nvPicPr>
+        <p:blipFill>
+          <a:blip r:embed="rId2">
+            <a:extLst>
+              <a:ext uri="{28A0092B-C50C-407E-A947-70E740481C1C}">
+                <a14:useLocalDpi xmlns:a14="http://schemas.microsoft.com/office/drawing/2010/main" val="0"/>
+              </a:ext>
+            </a:extLst>
+          </a:blip>
+          <a:stretch>
+            <a:fillRect/>
+          </a:stretch>
+        </p:blipFill>
+        <p:spPr>
+          <a:xfrm>
+            <a:off x="3122116" y="778517"/>
+            <a:ext cx="5947768" cy="5300966"/>
+          </a:xfrm>
+        </p:spPr>
+      </p:pic>
+    </p:spTree>
+    <p:extLst>
+      <p:ext uri="{BB962C8B-B14F-4D97-AF65-F5344CB8AC3E}">
+        <p14:creationId xmlns:p14="http://schemas.microsoft.com/office/powerpoint/2010/main" val="3909196811"/>
+      </p:ext>
+    </p:extLst>
+  </p:cSld>
+  <p:clrMapOvr>
+    <a:masterClrMapping/>
+  </p:clrMapOvr>
+</p:sld>
+</file>
+
+<file path=ppt/slides/slide15.xml><?xml version="1.0" encoding="utf-8"?>
+<p:sld xmlns:a="http://schemas.openxmlformats.org/drawingml/2006/main" xmlns:r="http://schemas.openxmlformats.org/officeDocument/2006/relationships" xmlns:p="http://schemas.openxmlformats.org/presentationml/2006/main">
+  <p:cSld>
+    <p:spTree>
+      <p:nvGrpSpPr>
+        <p:cNvPr id="1" name=""/>
+        <p:cNvGrpSpPr/>
+        <p:nvPr/>
+      </p:nvGrpSpPr>
+      <p:grpSpPr>
+        <a:xfrm>
+          <a:off x="0" y="0"/>
+          <a:ext cx="0" cy="0"/>
+          <a:chOff x="0" y="0"/>
+          <a:chExt cx="0" cy="0"/>
+        </a:xfrm>
+      </p:grpSpPr>
+      <p:sp>
+        <p:nvSpPr>
           <p:cNvPr id="6" name="Title 1">
             <a:extLst>
               <a:ext uri="{FF2B5EF4-FFF2-40B4-BE49-F238E27FC236}">
@@ -16751,7 +17351,7 @@
           <a:p>
             <a:fld id="{C01389E6-C847-4AD0-B56D-D205B2EAB1EE}" type="slidenum">
               <a:rPr lang="en-US" smtClean="0"/>
-              <a:t>14</a:t>
+              <a:t>15</a:t>
             </a:fld>
             <a:endParaRPr lang="en-US"/>
           </a:p>
@@ -16842,7 +17442,7 @@
 </p:sld>
 </file>
 
-<file path=ppt/slides/slide15.xml><?xml version="1.0" encoding="utf-8"?>
+<file path=ppt/slides/slide16.xml><?xml version="1.0" encoding="utf-8"?>
 <p:sld xmlns:a="http://schemas.openxmlformats.org/drawingml/2006/main" xmlns:r="http://schemas.openxmlformats.org/officeDocument/2006/relationships" xmlns:p="http://schemas.openxmlformats.org/presentationml/2006/main">
   <p:cSld>
     <p:spTree>
@@ -16966,7 +17566,7 @@
           <a:p>
             <a:fld id="{C01389E6-C847-4AD0-B56D-D205B2EAB1EE}" type="slidenum">
               <a:rPr lang="en-US" smtClean="0"/>
-              <a:t>15</a:t>
+              <a:t>16</a:t>
             </a:fld>
             <a:endParaRPr lang="en-US"/>
           </a:p>
@@ -16974,10 +17574,10 @@
       </p:sp>
       <p:pic>
         <p:nvPicPr>
-          <p:cNvPr id="8" name="Picture 7">
-            <a:extLst>
-              <a:ext uri="{FF2B5EF4-FFF2-40B4-BE49-F238E27FC236}">
-                <a16:creationId xmlns:a16="http://schemas.microsoft.com/office/drawing/2014/main" id="{34D917D9-45CA-5C46-B35C-45A1F55C4C79}"/>
+          <p:cNvPr id="5" name="Picture 4">
+            <a:extLst>
+              <a:ext uri="{FF2B5EF4-FFF2-40B4-BE49-F238E27FC236}">
+                <a16:creationId xmlns:a16="http://schemas.microsoft.com/office/drawing/2014/main" id="{0B272FAA-047E-EC41-972D-B45F04CD497B}"/>
               </a:ext>
             </a:extLst>
           </p:cNvPr>
@@ -17000,8 +17600,8 @@
         </p:blipFill>
         <p:spPr>
           <a:xfrm>
-            <a:off x="0" y="2621971"/>
-            <a:ext cx="12192000" cy="2942897"/>
+            <a:off x="1694856" y="2921566"/>
+            <a:ext cx="8620102" cy="2937793"/>
           </a:xfrm>
           <a:prstGeom prst="rect">
             <a:avLst/>
@@ -17010,10 +17610,10 @@
       </p:pic>
       <p:pic>
         <p:nvPicPr>
-          <p:cNvPr id="10" name="Picture 9">
-            <a:extLst>
-              <a:ext uri="{FF2B5EF4-FFF2-40B4-BE49-F238E27FC236}">
-                <a16:creationId xmlns:a16="http://schemas.microsoft.com/office/drawing/2014/main" id="{51E23985-FF6A-A14C-832A-FAACB8D9A277}"/>
+          <p:cNvPr id="9" name="Picture 8">
+            <a:extLst>
+              <a:ext uri="{FF2B5EF4-FFF2-40B4-BE49-F238E27FC236}">
+                <a16:creationId xmlns:a16="http://schemas.microsoft.com/office/drawing/2014/main" id="{A23BB074-7D22-5545-9D73-8E50BBA0BDA0}"/>
               </a:ext>
             </a:extLst>
           </p:cNvPr>
@@ -17036,8 +17636,8 @@
         </p:blipFill>
         <p:spPr>
           <a:xfrm>
-            <a:off x="3814476" y="867444"/>
-            <a:ext cx="4740910" cy="1748275"/>
+            <a:off x="4039864" y="994811"/>
+            <a:ext cx="4290134" cy="1703165"/>
           </a:xfrm>
           <a:prstGeom prst="rect">
             <a:avLst/>

--- a/Slides/Slides.pptx
+++ b/Slides/Slides.pptx
@@ -6,25 +6,28 @@
     <p:sldMasterId id="2147483750" r:id="rId2"/>
   </p:sldMasterIdLst>
   <p:notesMasterIdLst>
-    <p:notesMasterId r:id="rId19"/>
+    <p:notesMasterId r:id="rId22"/>
   </p:notesMasterIdLst>
   <p:sldIdLst>
     <p:sldId id="506" r:id="rId3"/>
     <p:sldId id="257" r:id="rId4"/>
     <p:sldId id="258" r:id="rId5"/>
     <p:sldId id="259" r:id="rId6"/>
-    <p:sldId id="260" r:id="rId7"/>
-    <p:sldId id="261" r:id="rId8"/>
-    <p:sldId id="262" r:id="rId9"/>
-    <p:sldId id="263" r:id="rId10"/>
-    <p:sldId id="264" r:id="rId11"/>
-    <p:sldId id="265" r:id="rId12"/>
-    <p:sldId id="266" r:id="rId13"/>
-    <p:sldId id="267" r:id="rId14"/>
-    <p:sldId id="507" r:id="rId15"/>
-    <p:sldId id="269" r:id="rId16"/>
-    <p:sldId id="268" r:id="rId17"/>
-    <p:sldId id="270" r:id="rId18"/>
+    <p:sldId id="508" r:id="rId7"/>
+    <p:sldId id="262" r:id="rId8"/>
+    <p:sldId id="260" r:id="rId9"/>
+    <p:sldId id="261" r:id="rId10"/>
+    <p:sldId id="263" r:id="rId11"/>
+    <p:sldId id="264" r:id="rId12"/>
+    <p:sldId id="265" r:id="rId13"/>
+    <p:sldId id="266" r:id="rId14"/>
+    <p:sldId id="267" r:id="rId15"/>
+    <p:sldId id="507" r:id="rId16"/>
+    <p:sldId id="269" r:id="rId17"/>
+    <p:sldId id="268" r:id="rId18"/>
+    <p:sldId id="510" r:id="rId19"/>
+    <p:sldId id="511" r:id="rId20"/>
+    <p:sldId id="270" r:id="rId21"/>
   </p:sldIdLst>
   <p:sldSz cx="12192000" cy="6858000"/>
   <p:notesSz cx="6858000" cy="9144000"/>
@@ -1051,6 +1054,753 @@
 </file>
 
 <file path=ppt/diagrams/colors2.xml><?xml version="1.0" encoding="utf-8"?>
+<dgm:colorsDef xmlns:dgm="http://schemas.openxmlformats.org/drawingml/2006/diagram" xmlns:a="http://schemas.openxmlformats.org/drawingml/2006/main" uniqueId="urn:microsoft.com/office/officeart/2005/8/colors/accent1_2">
+  <dgm:title val=""/>
+  <dgm:desc val=""/>
+  <dgm:catLst>
+    <dgm:cat type="accent1" pri="11200"/>
+  </dgm:catLst>
+  <dgm:styleLbl name="node0">
+    <dgm:fillClrLst meth="repeat">
+      <a:schemeClr val="accent1"/>
+    </dgm:fillClrLst>
+    <dgm:linClrLst meth="repeat">
+      <a:schemeClr val="lt1"/>
+    </dgm:linClrLst>
+    <dgm:effectClrLst/>
+    <dgm:txLinClrLst/>
+    <dgm:txFillClrLst/>
+    <dgm:txEffectClrLst/>
+  </dgm:styleLbl>
+  <dgm:styleLbl name="alignNode1">
+    <dgm:fillClrLst meth="repeat">
+      <a:schemeClr val="accent1"/>
+    </dgm:fillClrLst>
+    <dgm:linClrLst meth="repeat">
+      <a:schemeClr val="accent1"/>
+    </dgm:linClrLst>
+    <dgm:effectClrLst/>
+    <dgm:txLinClrLst/>
+    <dgm:txFillClrLst/>
+    <dgm:txEffectClrLst/>
+  </dgm:styleLbl>
+  <dgm:styleLbl name="node1">
+    <dgm:fillClrLst meth="repeat">
+      <a:schemeClr val="accent1"/>
+    </dgm:fillClrLst>
+    <dgm:linClrLst meth="repeat">
+      <a:schemeClr val="lt1"/>
+    </dgm:linClrLst>
+    <dgm:effectClrLst/>
+    <dgm:txLinClrLst/>
+    <dgm:txFillClrLst/>
+    <dgm:txEffectClrLst/>
+  </dgm:styleLbl>
+  <dgm:styleLbl name="lnNode1">
+    <dgm:fillClrLst meth="repeat">
+      <a:schemeClr val="accent1"/>
+    </dgm:fillClrLst>
+    <dgm:linClrLst meth="repeat">
+      <a:schemeClr val="lt1"/>
+    </dgm:linClrLst>
+    <dgm:effectClrLst/>
+    <dgm:txLinClrLst/>
+    <dgm:txFillClrLst/>
+    <dgm:txEffectClrLst/>
+  </dgm:styleLbl>
+  <dgm:styleLbl name="vennNode1">
+    <dgm:fillClrLst meth="repeat">
+      <a:schemeClr val="accent1">
+        <a:alpha val="50000"/>
+      </a:schemeClr>
+    </dgm:fillClrLst>
+    <dgm:linClrLst meth="repeat">
+      <a:schemeClr val="lt1"/>
+    </dgm:linClrLst>
+    <dgm:effectClrLst/>
+    <dgm:txLinClrLst/>
+    <dgm:txFillClrLst/>
+    <dgm:txEffectClrLst/>
+  </dgm:styleLbl>
+  <dgm:styleLbl name="node2">
+    <dgm:fillClrLst meth="repeat">
+      <a:schemeClr val="accent1"/>
+    </dgm:fillClrLst>
+    <dgm:linClrLst meth="repeat">
+      <a:schemeClr val="lt1"/>
+    </dgm:linClrLst>
+    <dgm:effectClrLst/>
+    <dgm:txLinClrLst/>
+    <dgm:txFillClrLst/>
+    <dgm:txEffectClrLst/>
+  </dgm:styleLbl>
+  <dgm:styleLbl name="node3">
+    <dgm:fillClrLst meth="repeat">
+      <a:schemeClr val="accent1"/>
+    </dgm:fillClrLst>
+    <dgm:linClrLst meth="repeat">
+      <a:schemeClr val="lt1"/>
+    </dgm:linClrLst>
+    <dgm:effectClrLst/>
+    <dgm:txLinClrLst/>
+    <dgm:txFillClrLst/>
+    <dgm:txEffectClrLst/>
+  </dgm:styleLbl>
+  <dgm:styleLbl name="node4">
+    <dgm:fillClrLst meth="repeat">
+      <a:schemeClr val="accent1"/>
+    </dgm:fillClrLst>
+    <dgm:linClrLst meth="repeat">
+      <a:schemeClr val="lt1"/>
+    </dgm:linClrLst>
+    <dgm:effectClrLst/>
+    <dgm:txLinClrLst/>
+    <dgm:txFillClrLst/>
+    <dgm:txEffectClrLst/>
+  </dgm:styleLbl>
+  <dgm:styleLbl name="fgImgPlace1">
+    <dgm:fillClrLst meth="repeat">
+      <a:schemeClr val="accent1">
+        <a:tint val="50000"/>
+      </a:schemeClr>
+    </dgm:fillClrLst>
+    <dgm:linClrLst meth="repeat">
+      <a:schemeClr val="lt1"/>
+    </dgm:linClrLst>
+    <dgm:effectClrLst/>
+    <dgm:txLinClrLst/>
+    <dgm:txFillClrLst meth="repeat">
+      <a:schemeClr val="lt1"/>
+    </dgm:txFillClrLst>
+    <dgm:txEffectClrLst/>
+  </dgm:styleLbl>
+  <dgm:styleLbl name="alignImgPlace1">
+    <dgm:fillClrLst meth="repeat">
+      <a:schemeClr val="accent1">
+        <a:tint val="50000"/>
+      </a:schemeClr>
+    </dgm:fillClrLst>
+    <dgm:linClrLst meth="repeat">
+      <a:schemeClr val="lt1"/>
+    </dgm:linClrLst>
+    <dgm:effectClrLst/>
+    <dgm:txLinClrLst/>
+    <dgm:txFillClrLst meth="repeat">
+      <a:schemeClr val="lt1"/>
+    </dgm:txFillClrLst>
+    <dgm:txEffectClrLst/>
+  </dgm:styleLbl>
+  <dgm:styleLbl name="bgImgPlace1">
+    <dgm:fillClrLst meth="repeat">
+      <a:schemeClr val="accent1">
+        <a:tint val="50000"/>
+      </a:schemeClr>
+    </dgm:fillClrLst>
+    <dgm:linClrLst meth="repeat">
+      <a:schemeClr val="lt1"/>
+    </dgm:linClrLst>
+    <dgm:effectClrLst/>
+    <dgm:txLinClrLst/>
+    <dgm:txFillClrLst meth="repeat">
+      <a:schemeClr val="lt1"/>
+    </dgm:txFillClrLst>
+    <dgm:txEffectClrLst/>
+  </dgm:styleLbl>
+  <dgm:styleLbl name="sibTrans2D1">
+    <dgm:fillClrLst meth="repeat">
+      <a:schemeClr val="accent1">
+        <a:tint val="60000"/>
+      </a:schemeClr>
+    </dgm:fillClrLst>
+    <dgm:linClrLst meth="repeat">
+      <a:schemeClr val="accent1">
+        <a:tint val="60000"/>
+      </a:schemeClr>
+    </dgm:linClrLst>
+    <dgm:effectClrLst/>
+    <dgm:txLinClrLst/>
+    <dgm:txFillClrLst/>
+    <dgm:txEffectClrLst/>
+  </dgm:styleLbl>
+  <dgm:styleLbl name="fgSibTrans2D1">
+    <dgm:fillClrLst meth="repeat">
+      <a:schemeClr val="accent1">
+        <a:tint val="60000"/>
+      </a:schemeClr>
+    </dgm:fillClrLst>
+    <dgm:linClrLst meth="repeat">
+      <a:schemeClr val="accent1">
+        <a:tint val="60000"/>
+      </a:schemeClr>
+    </dgm:linClrLst>
+    <dgm:effectClrLst/>
+    <dgm:txLinClrLst/>
+    <dgm:txFillClrLst/>
+    <dgm:txEffectClrLst/>
+  </dgm:styleLbl>
+  <dgm:styleLbl name="bgSibTrans2D1">
+    <dgm:fillClrLst meth="repeat">
+      <a:schemeClr val="accent1">
+        <a:tint val="60000"/>
+      </a:schemeClr>
+    </dgm:fillClrLst>
+    <dgm:linClrLst meth="repeat">
+      <a:schemeClr val="accent1">
+        <a:tint val="60000"/>
+      </a:schemeClr>
+    </dgm:linClrLst>
+    <dgm:effectClrLst/>
+    <dgm:txLinClrLst/>
+    <dgm:txFillClrLst/>
+    <dgm:txEffectClrLst/>
+  </dgm:styleLbl>
+  <dgm:styleLbl name="sibTrans1D1">
+    <dgm:fillClrLst meth="repeat">
+      <a:schemeClr val="accent1"/>
+    </dgm:fillClrLst>
+    <dgm:linClrLst meth="repeat">
+      <a:schemeClr val="accent1"/>
+    </dgm:linClrLst>
+    <dgm:effectClrLst/>
+    <dgm:txLinClrLst/>
+    <dgm:txFillClrLst meth="repeat">
+      <a:schemeClr val="tx1"/>
+    </dgm:txFillClrLst>
+    <dgm:txEffectClrLst/>
+  </dgm:styleLbl>
+  <dgm:styleLbl name="callout">
+    <dgm:fillClrLst meth="repeat">
+      <a:schemeClr val="accent1"/>
+    </dgm:fillClrLst>
+    <dgm:linClrLst meth="repeat">
+      <a:schemeClr val="accent1">
+        <a:tint val="50000"/>
+      </a:schemeClr>
+    </dgm:linClrLst>
+    <dgm:effectClrLst/>
+    <dgm:txLinClrLst/>
+    <dgm:txFillClrLst meth="repeat">
+      <a:schemeClr val="tx1"/>
+    </dgm:txFillClrLst>
+    <dgm:txEffectClrLst/>
+  </dgm:styleLbl>
+  <dgm:styleLbl name="asst0">
+    <dgm:fillClrLst meth="repeat">
+      <a:schemeClr val="accent1"/>
+    </dgm:fillClrLst>
+    <dgm:linClrLst meth="repeat">
+      <a:schemeClr val="lt1"/>
+    </dgm:linClrLst>
+    <dgm:effectClrLst/>
+    <dgm:txLinClrLst/>
+    <dgm:txFillClrLst/>
+    <dgm:txEffectClrLst/>
+  </dgm:styleLbl>
+  <dgm:styleLbl name="asst1">
+    <dgm:fillClrLst meth="repeat">
+      <a:schemeClr val="accent1"/>
+    </dgm:fillClrLst>
+    <dgm:linClrLst meth="repeat">
+      <a:schemeClr val="lt1"/>
+    </dgm:linClrLst>
+    <dgm:effectClrLst/>
+    <dgm:txLinClrLst/>
+    <dgm:txFillClrLst/>
+    <dgm:txEffectClrLst/>
+  </dgm:styleLbl>
+  <dgm:styleLbl name="asst2">
+    <dgm:fillClrLst meth="repeat">
+      <a:schemeClr val="accent1"/>
+    </dgm:fillClrLst>
+    <dgm:linClrLst meth="repeat">
+      <a:schemeClr val="lt1"/>
+    </dgm:linClrLst>
+    <dgm:effectClrLst/>
+    <dgm:txLinClrLst/>
+    <dgm:txFillClrLst/>
+    <dgm:txEffectClrLst/>
+  </dgm:styleLbl>
+  <dgm:styleLbl name="asst3">
+    <dgm:fillClrLst meth="repeat">
+      <a:schemeClr val="accent1"/>
+    </dgm:fillClrLst>
+    <dgm:linClrLst meth="repeat">
+      <a:schemeClr val="lt1"/>
+    </dgm:linClrLst>
+    <dgm:effectClrLst/>
+    <dgm:txLinClrLst/>
+    <dgm:txFillClrLst/>
+    <dgm:txEffectClrLst/>
+  </dgm:styleLbl>
+  <dgm:styleLbl name="asst4">
+    <dgm:fillClrLst meth="repeat">
+      <a:schemeClr val="accent1"/>
+    </dgm:fillClrLst>
+    <dgm:linClrLst meth="repeat">
+      <a:schemeClr val="lt1"/>
+    </dgm:linClrLst>
+    <dgm:effectClrLst/>
+    <dgm:txLinClrLst/>
+    <dgm:txFillClrLst/>
+    <dgm:txEffectClrLst/>
+  </dgm:styleLbl>
+  <dgm:styleLbl name="parChTrans2D1">
+    <dgm:fillClrLst meth="repeat">
+      <a:schemeClr val="accent1">
+        <a:tint val="60000"/>
+      </a:schemeClr>
+    </dgm:fillClrLst>
+    <dgm:linClrLst meth="repeat">
+      <a:schemeClr val="accent1">
+        <a:tint val="60000"/>
+      </a:schemeClr>
+    </dgm:linClrLst>
+    <dgm:effectClrLst/>
+    <dgm:txLinClrLst/>
+    <dgm:txFillClrLst meth="repeat">
+      <a:schemeClr val="lt1"/>
+    </dgm:txFillClrLst>
+    <dgm:txEffectClrLst/>
+  </dgm:styleLbl>
+  <dgm:styleLbl name="parChTrans2D2">
+    <dgm:fillClrLst meth="repeat">
+      <a:schemeClr val="accent1"/>
+    </dgm:fillClrLst>
+    <dgm:linClrLst meth="repeat">
+      <a:schemeClr val="accent1"/>
+    </dgm:linClrLst>
+    <dgm:effectClrLst/>
+    <dgm:txLinClrLst/>
+    <dgm:txFillClrLst meth="repeat">
+      <a:schemeClr val="lt1"/>
+    </dgm:txFillClrLst>
+    <dgm:txEffectClrLst/>
+  </dgm:styleLbl>
+  <dgm:styleLbl name="parChTrans2D3">
+    <dgm:fillClrLst meth="repeat">
+      <a:schemeClr val="accent1"/>
+    </dgm:fillClrLst>
+    <dgm:linClrLst meth="repeat">
+      <a:schemeClr val="accent1"/>
+    </dgm:linClrLst>
+    <dgm:effectClrLst/>
+    <dgm:txLinClrLst/>
+    <dgm:txFillClrLst meth="repeat">
+      <a:schemeClr val="lt1"/>
+    </dgm:txFillClrLst>
+    <dgm:txEffectClrLst/>
+  </dgm:styleLbl>
+  <dgm:styleLbl name="parChTrans2D4">
+    <dgm:fillClrLst meth="repeat">
+      <a:schemeClr val="accent1"/>
+    </dgm:fillClrLst>
+    <dgm:linClrLst meth="repeat">
+      <a:schemeClr val="accent1"/>
+    </dgm:linClrLst>
+    <dgm:effectClrLst/>
+    <dgm:txLinClrLst/>
+    <dgm:txFillClrLst meth="repeat">
+      <a:schemeClr val="lt1"/>
+    </dgm:txFillClrLst>
+    <dgm:txEffectClrLst/>
+  </dgm:styleLbl>
+  <dgm:styleLbl name="parChTrans1D1">
+    <dgm:fillClrLst meth="repeat">
+      <a:schemeClr val="accent1"/>
+    </dgm:fillClrLst>
+    <dgm:linClrLst meth="repeat">
+      <a:schemeClr val="accent1">
+        <a:shade val="60000"/>
+      </a:schemeClr>
+    </dgm:linClrLst>
+    <dgm:effectClrLst/>
+    <dgm:txLinClrLst/>
+    <dgm:txFillClrLst meth="repeat">
+      <a:schemeClr val="tx1"/>
+    </dgm:txFillClrLst>
+    <dgm:txEffectClrLst/>
+  </dgm:styleLbl>
+  <dgm:styleLbl name="parChTrans1D2">
+    <dgm:fillClrLst meth="repeat">
+      <a:schemeClr val="accent1"/>
+    </dgm:fillClrLst>
+    <dgm:linClrLst meth="repeat">
+      <a:schemeClr val="accent1">
+        <a:shade val="60000"/>
+      </a:schemeClr>
+    </dgm:linClrLst>
+    <dgm:effectClrLst/>
+    <dgm:txLinClrLst/>
+    <dgm:txFillClrLst meth="repeat">
+      <a:schemeClr val="tx1"/>
+    </dgm:txFillClrLst>
+    <dgm:txEffectClrLst/>
+  </dgm:styleLbl>
+  <dgm:styleLbl name="parChTrans1D3">
+    <dgm:fillClrLst meth="repeat">
+      <a:schemeClr val="accent1"/>
+    </dgm:fillClrLst>
+    <dgm:linClrLst meth="repeat">
+      <a:schemeClr val="accent1">
+        <a:shade val="80000"/>
+      </a:schemeClr>
+    </dgm:linClrLst>
+    <dgm:effectClrLst/>
+    <dgm:txLinClrLst/>
+    <dgm:txFillClrLst meth="repeat">
+      <a:schemeClr val="tx1"/>
+    </dgm:txFillClrLst>
+    <dgm:txEffectClrLst/>
+  </dgm:styleLbl>
+  <dgm:styleLbl name="parChTrans1D4">
+    <dgm:fillClrLst meth="repeat">
+      <a:schemeClr val="accent1"/>
+    </dgm:fillClrLst>
+    <dgm:linClrLst meth="repeat">
+      <a:schemeClr val="accent1">
+        <a:shade val="80000"/>
+      </a:schemeClr>
+    </dgm:linClrLst>
+    <dgm:effectClrLst/>
+    <dgm:txLinClrLst/>
+    <dgm:txFillClrLst meth="repeat">
+      <a:schemeClr val="tx1"/>
+    </dgm:txFillClrLst>
+    <dgm:txEffectClrLst/>
+  </dgm:styleLbl>
+  <dgm:styleLbl name="fgAcc1">
+    <dgm:fillClrLst meth="repeat">
+      <a:schemeClr val="lt1">
+        <a:alpha val="90000"/>
+      </a:schemeClr>
+    </dgm:fillClrLst>
+    <dgm:linClrLst meth="repeat">
+      <a:schemeClr val="accent1"/>
+    </dgm:linClrLst>
+    <dgm:effectClrLst/>
+    <dgm:txLinClrLst/>
+    <dgm:txFillClrLst meth="repeat">
+      <a:schemeClr val="dk1"/>
+    </dgm:txFillClrLst>
+    <dgm:txEffectClrLst/>
+  </dgm:styleLbl>
+  <dgm:styleLbl name="conFgAcc1">
+    <dgm:fillClrLst meth="repeat">
+      <a:schemeClr val="lt1">
+        <a:alpha val="90000"/>
+      </a:schemeClr>
+    </dgm:fillClrLst>
+    <dgm:linClrLst meth="repeat">
+      <a:schemeClr val="accent1"/>
+    </dgm:linClrLst>
+    <dgm:effectClrLst/>
+    <dgm:txLinClrLst/>
+    <dgm:txFillClrLst meth="repeat">
+      <a:schemeClr val="dk1"/>
+    </dgm:txFillClrLst>
+    <dgm:txEffectClrLst/>
+  </dgm:styleLbl>
+  <dgm:styleLbl name="alignAcc1">
+    <dgm:fillClrLst meth="repeat">
+      <a:schemeClr val="lt1">
+        <a:alpha val="90000"/>
+      </a:schemeClr>
+    </dgm:fillClrLst>
+    <dgm:linClrLst meth="repeat">
+      <a:schemeClr val="accent1"/>
+    </dgm:linClrLst>
+    <dgm:effectClrLst/>
+    <dgm:txLinClrLst/>
+    <dgm:txFillClrLst meth="repeat">
+      <a:schemeClr val="dk1"/>
+    </dgm:txFillClrLst>
+    <dgm:txEffectClrLst/>
+  </dgm:styleLbl>
+  <dgm:styleLbl name="trAlignAcc1">
+    <dgm:fillClrLst meth="repeat">
+      <a:schemeClr val="lt1">
+        <a:alpha val="40000"/>
+      </a:schemeClr>
+    </dgm:fillClrLst>
+    <dgm:linClrLst meth="repeat">
+      <a:schemeClr val="accent1"/>
+    </dgm:linClrLst>
+    <dgm:effectClrLst/>
+    <dgm:txLinClrLst/>
+    <dgm:txFillClrLst meth="repeat">
+      <a:schemeClr val="dk1"/>
+    </dgm:txFillClrLst>
+    <dgm:txEffectClrLst/>
+  </dgm:styleLbl>
+  <dgm:styleLbl name="bgAcc1">
+    <dgm:fillClrLst meth="repeat">
+      <a:schemeClr val="lt1">
+        <a:alpha val="90000"/>
+      </a:schemeClr>
+    </dgm:fillClrLst>
+    <dgm:linClrLst meth="repeat">
+      <a:schemeClr val="accent1"/>
+    </dgm:linClrLst>
+    <dgm:effectClrLst/>
+    <dgm:txLinClrLst/>
+    <dgm:txFillClrLst meth="repeat">
+      <a:schemeClr val="dk1"/>
+    </dgm:txFillClrLst>
+    <dgm:txEffectClrLst/>
+  </dgm:styleLbl>
+  <dgm:styleLbl name="solidFgAcc1">
+    <dgm:fillClrLst meth="repeat">
+      <a:schemeClr val="lt1"/>
+    </dgm:fillClrLst>
+    <dgm:linClrLst meth="repeat">
+      <a:schemeClr val="accent1"/>
+    </dgm:linClrLst>
+    <dgm:effectClrLst/>
+    <dgm:txLinClrLst/>
+    <dgm:txFillClrLst meth="repeat">
+      <a:schemeClr val="dk1"/>
+    </dgm:txFillClrLst>
+    <dgm:txEffectClrLst/>
+  </dgm:styleLbl>
+  <dgm:styleLbl name="solidAlignAcc1">
+    <dgm:fillClrLst meth="repeat">
+      <a:schemeClr val="lt1"/>
+    </dgm:fillClrLst>
+    <dgm:linClrLst meth="repeat">
+      <a:schemeClr val="accent1"/>
+    </dgm:linClrLst>
+    <dgm:effectClrLst/>
+    <dgm:txLinClrLst/>
+    <dgm:txFillClrLst meth="repeat">
+      <a:schemeClr val="dk1"/>
+    </dgm:txFillClrLst>
+    <dgm:txEffectClrLst/>
+  </dgm:styleLbl>
+  <dgm:styleLbl name="solidBgAcc1">
+    <dgm:fillClrLst meth="repeat">
+      <a:schemeClr val="lt1"/>
+    </dgm:fillClrLst>
+    <dgm:linClrLst meth="repeat">
+      <a:schemeClr val="accent1"/>
+    </dgm:linClrLst>
+    <dgm:effectClrLst/>
+    <dgm:txLinClrLst/>
+    <dgm:txFillClrLst meth="repeat">
+      <a:schemeClr val="dk1"/>
+    </dgm:txFillClrLst>
+    <dgm:txEffectClrLst/>
+  </dgm:styleLbl>
+  <dgm:styleLbl name="fgAccFollowNode1">
+    <dgm:fillClrLst meth="repeat">
+      <a:schemeClr val="accent1">
+        <a:alpha val="90000"/>
+        <a:tint val="40000"/>
+      </a:schemeClr>
+    </dgm:fillClrLst>
+    <dgm:linClrLst meth="repeat">
+      <a:schemeClr val="accent1">
+        <a:alpha val="90000"/>
+        <a:tint val="40000"/>
+      </a:schemeClr>
+    </dgm:linClrLst>
+    <dgm:effectClrLst/>
+    <dgm:txLinClrLst/>
+    <dgm:txFillClrLst meth="repeat">
+      <a:schemeClr val="dk1"/>
+    </dgm:txFillClrLst>
+    <dgm:txEffectClrLst/>
+  </dgm:styleLbl>
+  <dgm:styleLbl name="alignAccFollowNode1">
+    <dgm:fillClrLst meth="repeat">
+      <a:schemeClr val="accent1">
+        <a:alpha val="90000"/>
+        <a:tint val="40000"/>
+      </a:schemeClr>
+    </dgm:fillClrLst>
+    <dgm:linClrLst meth="repeat">
+      <a:schemeClr val="accent1">
+        <a:alpha val="90000"/>
+        <a:tint val="40000"/>
+      </a:schemeClr>
+    </dgm:linClrLst>
+    <dgm:effectClrLst/>
+    <dgm:txLinClrLst/>
+    <dgm:txFillClrLst meth="repeat">
+      <a:schemeClr val="dk1"/>
+    </dgm:txFillClrLst>
+    <dgm:txEffectClrLst/>
+  </dgm:styleLbl>
+  <dgm:styleLbl name="bgAccFollowNode1">
+    <dgm:fillClrLst meth="repeat">
+      <a:schemeClr val="accent1">
+        <a:alpha val="90000"/>
+        <a:tint val="40000"/>
+      </a:schemeClr>
+    </dgm:fillClrLst>
+    <dgm:linClrLst meth="repeat">
+      <a:schemeClr val="accent1">
+        <a:alpha val="90000"/>
+        <a:tint val="40000"/>
+      </a:schemeClr>
+    </dgm:linClrLst>
+    <dgm:effectClrLst/>
+    <dgm:txLinClrLst/>
+    <dgm:txFillClrLst meth="repeat">
+      <a:schemeClr val="dk1"/>
+    </dgm:txFillClrLst>
+    <dgm:txEffectClrLst/>
+  </dgm:styleLbl>
+  <dgm:styleLbl name="fgAcc0">
+    <dgm:fillClrLst meth="repeat">
+      <a:schemeClr val="lt1">
+        <a:alpha val="90000"/>
+      </a:schemeClr>
+    </dgm:fillClrLst>
+    <dgm:linClrLst meth="repeat">
+      <a:schemeClr val="accent1"/>
+    </dgm:linClrLst>
+    <dgm:effectClrLst/>
+    <dgm:txLinClrLst/>
+    <dgm:txFillClrLst meth="repeat">
+      <a:schemeClr val="dk1"/>
+    </dgm:txFillClrLst>
+    <dgm:txEffectClrLst/>
+  </dgm:styleLbl>
+  <dgm:styleLbl name="fgAcc2">
+    <dgm:fillClrLst meth="repeat">
+      <a:schemeClr val="lt1">
+        <a:alpha val="90000"/>
+      </a:schemeClr>
+    </dgm:fillClrLst>
+    <dgm:linClrLst meth="repeat">
+      <a:schemeClr val="accent1"/>
+    </dgm:linClrLst>
+    <dgm:effectClrLst/>
+    <dgm:txLinClrLst/>
+    <dgm:txFillClrLst meth="repeat">
+      <a:schemeClr val="dk1"/>
+    </dgm:txFillClrLst>
+    <dgm:txEffectClrLst/>
+  </dgm:styleLbl>
+  <dgm:styleLbl name="fgAcc3">
+    <dgm:fillClrLst meth="repeat">
+      <a:schemeClr val="lt1">
+        <a:alpha val="90000"/>
+      </a:schemeClr>
+    </dgm:fillClrLst>
+    <dgm:linClrLst meth="repeat">
+      <a:schemeClr val="accent1"/>
+    </dgm:linClrLst>
+    <dgm:effectClrLst/>
+    <dgm:txLinClrLst/>
+    <dgm:txFillClrLst meth="repeat">
+      <a:schemeClr val="dk1"/>
+    </dgm:txFillClrLst>
+    <dgm:txEffectClrLst/>
+  </dgm:styleLbl>
+  <dgm:styleLbl name="fgAcc4">
+    <dgm:fillClrLst meth="repeat">
+      <a:schemeClr val="lt1">
+        <a:alpha val="90000"/>
+      </a:schemeClr>
+    </dgm:fillClrLst>
+    <dgm:linClrLst meth="repeat">
+      <a:schemeClr val="accent1"/>
+    </dgm:linClrLst>
+    <dgm:effectClrLst/>
+    <dgm:txLinClrLst/>
+    <dgm:txFillClrLst meth="repeat">
+      <a:schemeClr val="dk1"/>
+    </dgm:txFillClrLst>
+    <dgm:txEffectClrLst/>
+  </dgm:styleLbl>
+  <dgm:styleLbl name="bgShp">
+    <dgm:fillClrLst meth="repeat">
+      <a:schemeClr val="accent1">
+        <a:tint val="40000"/>
+      </a:schemeClr>
+    </dgm:fillClrLst>
+    <dgm:linClrLst meth="repeat">
+      <a:schemeClr val="accent1"/>
+    </dgm:linClrLst>
+    <dgm:effectClrLst/>
+    <dgm:txLinClrLst/>
+    <dgm:txFillClrLst meth="repeat">
+      <a:schemeClr val="dk1"/>
+    </dgm:txFillClrLst>
+    <dgm:txEffectClrLst/>
+  </dgm:styleLbl>
+  <dgm:styleLbl name="dkBgShp">
+    <dgm:fillClrLst meth="repeat">
+      <a:schemeClr val="accent1">
+        <a:shade val="80000"/>
+      </a:schemeClr>
+    </dgm:fillClrLst>
+    <dgm:linClrLst meth="repeat">
+      <a:schemeClr val="accent1"/>
+    </dgm:linClrLst>
+    <dgm:effectClrLst/>
+    <dgm:txLinClrLst/>
+    <dgm:txFillClrLst meth="repeat">
+      <a:schemeClr val="lt1"/>
+    </dgm:txFillClrLst>
+    <dgm:txEffectClrLst/>
+  </dgm:styleLbl>
+  <dgm:styleLbl name="trBgShp">
+    <dgm:fillClrLst meth="repeat">
+      <a:schemeClr val="accent1">
+        <a:tint val="50000"/>
+        <a:alpha val="40000"/>
+      </a:schemeClr>
+    </dgm:fillClrLst>
+    <dgm:linClrLst meth="repeat">
+      <a:schemeClr val="accent1"/>
+    </dgm:linClrLst>
+    <dgm:effectClrLst/>
+    <dgm:txLinClrLst/>
+    <dgm:txFillClrLst meth="repeat">
+      <a:schemeClr val="lt1"/>
+    </dgm:txFillClrLst>
+    <dgm:txEffectClrLst/>
+  </dgm:styleLbl>
+  <dgm:styleLbl name="fgShp">
+    <dgm:fillClrLst meth="repeat">
+      <a:schemeClr val="accent1">
+        <a:tint val="60000"/>
+      </a:schemeClr>
+    </dgm:fillClrLst>
+    <dgm:linClrLst meth="repeat">
+      <a:schemeClr val="lt1"/>
+    </dgm:linClrLst>
+    <dgm:effectClrLst/>
+    <dgm:txLinClrLst/>
+    <dgm:txFillClrLst meth="repeat">
+      <a:schemeClr val="dk1"/>
+    </dgm:txFillClrLst>
+    <dgm:txEffectClrLst/>
+  </dgm:styleLbl>
+  <dgm:styleLbl name="revTx">
+    <dgm:fillClrLst meth="repeat">
+      <a:schemeClr val="lt1">
+        <a:alpha val="0"/>
+      </a:schemeClr>
+    </dgm:fillClrLst>
+    <dgm:linClrLst meth="repeat">
+      <a:schemeClr val="dk1">
+        <a:alpha val="0"/>
+      </a:schemeClr>
+    </dgm:linClrLst>
+    <dgm:effectClrLst/>
+    <dgm:txLinClrLst/>
+    <dgm:txFillClrLst meth="repeat">
+      <a:schemeClr val="tx1"/>
+    </dgm:txFillClrLst>
+    <dgm:txEffectClrLst/>
+  </dgm:styleLbl>
+</dgm:colorsDef>
+</file>
+
+<file path=ppt/diagrams/colors3.xml><?xml version="1.0" encoding="utf-8"?>
 <dgm:colorsDef xmlns:dgm="http://schemas.openxmlformats.org/drawingml/2006/diagram" xmlns:a="http://schemas.openxmlformats.org/drawingml/2006/main" uniqueId="urn:microsoft.com/office/officeart/2005/8/colors/accent1_2">
   <dgm:title val=""/>
   <dgm:desc val=""/>
@@ -2724,11 +3474,11 @@
     <dgm:cxn modelId="{BF38902D-27B4-4351-BB22-61686028A40A}" type="presOf" srcId="{C116744B-FD85-443E-9D24-3BA14083E22D}" destId="{DDBE13C7-F11A-404B-BE5C-F11DE912E8C5}" srcOrd="0" destOrd="0" presId="urn:microsoft.com/office/officeart/2005/8/layout/default"/>
     <dgm:cxn modelId="{042E4B36-2238-47D6-B4BA-1A9B8C5BD804}" type="presOf" srcId="{76B9B68F-0549-4AEF-9619-606E8D914F7D}" destId="{FB9F16AF-E345-46AA-B224-631B959D8E18}" srcOrd="0" destOrd="0" presId="urn:microsoft.com/office/officeart/2005/8/layout/default"/>
     <dgm:cxn modelId="{53518A37-9D6C-4F13-B8D4-FBF0BA2124A4}" srcId="{C62A61A2-837A-4080-93A0-9A5A2FE012CD}" destId="{AFE837E3-7B8E-4B6A-8315-B9398B5C0593}" srcOrd="3" destOrd="0" parTransId="{7227BD12-1CED-469C-86CE-4C0474532DE4}" sibTransId="{104A2456-860B-4506-B0A1-C8ADCCEC7F1F}"/>
+    <dgm:cxn modelId="{3676C75D-BC53-43C6-B925-3435373C5FD3}" srcId="{C62A61A2-837A-4080-93A0-9A5A2FE012CD}" destId="{9FB3ADFB-ECB9-472A-B414-2ABBB7A9166A}" srcOrd="7" destOrd="0" parTransId="{CD72B4F6-6FFF-4BBA-826E-B332896D0A87}" sibTransId="{F27F4ED6-08E5-4610-B924-162EDA639B66}"/>
     <dgm:cxn modelId="{F5875A4E-15B6-4B6E-AB19-FD03D300109A}" srcId="{C62A61A2-837A-4080-93A0-9A5A2FE012CD}" destId="{20240518-4AEC-4F5F-BC97-18D0E0274A67}" srcOrd="4" destOrd="0" parTransId="{5BDD40AC-A251-475C-9CC2-1E3AC67B78D5}" sibTransId="{346DF8F2-A5FF-41B0-85FC-B985D9D15CC0}"/>
+    <dgm:cxn modelId="{FFCB0F76-3019-4458-A415-C32679C70829}" srcId="{C62A61A2-837A-4080-93A0-9A5A2FE012CD}" destId="{9AFA4A0E-FE4F-472A-9B28-32AC6FE74BE2}" srcOrd="5" destOrd="0" parTransId="{FDE7556F-90FC-403C-AB8F-BC9ADC8C8195}" sibTransId="{A62277E8-7F9F-46A0-954C-96F1C9FC1B45}"/>
     <dgm:cxn modelId="{16425656-28B0-4DBA-90D3-2003DFB036B0}" type="presOf" srcId="{64D4BEEE-E22F-4413-A379-E7211E1155C9}" destId="{601F7ABD-C40B-4CB5-B2FA-FEE5483F840D}" srcOrd="0" destOrd="0" presId="urn:microsoft.com/office/officeart/2005/8/layout/default"/>
     <dgm:cxn modelId="{7BD03D58-2F3B-4793-8F14-59FFC9EB5D36}" srcId="{C62A61A2-837A-4080-93A0-9A5A2FE012CD}" destId="{76B9B68F-0549-4AEF-9619-606E8D914F7D}" srcOrd="9" destOrd="0" parTransId="{9AF76683-13B3-4EFE-9F9E-867AF8091D18}" sibTransId="{86900047-999E-42CC-8A21-6B8CFA4FE516}"/>
-    <dgm:cxn modelId="{3676C75D-BC53-43C6-B925-3435373C5FD3}" srcId="{C62A61A2-837A-4080-93A0-9A5A2FE012CD}" destId="{9FB3ADFB-ECB9-472A-B414-2ABBB7A9166A}" srcOrd="7" destOrd="0" parTransId="{CD72B4F6-6FFF-4BBA-826E-B332896D0A87}" sibTransId="{F27F4ED6-08E5-4610-B924-162EDA639B66}"/>
-    <dgm:cxn modelId="{FFCB0F76-3019-4458-A415-C32679C70829}" srcId="{C62A61A2-837A-4080-93A0-9A5A2FE012CD}" destId="{9AFA4A0E-FE4F-472A-9B28-32AC6FE74BE2}" srcOrd="5" destOrd="0" parTransId="{FDE7556F-90FC-403C-AB8F-BC9ADC8C8195}" sibTransId="{A62277E8-7F9F-46A0-954C-96F1C9FC1B45}"/>
     <dgm:cxn modelId="{2AE3E490-5C33-4271-A203-8409FDF350C9}" type="presOf" srcId="{20240518-4AEC-4F5F-BC97-18D0E0274A67}" destId="{DC4089AD-1186-482C-953E-08F913185807}" srcOrd="0" destOrd="0" presId="urn:microsoft.com/office/officeart/2005/8/layout/default"/>
     <dgm:cxn modelId="{3AAF44AD-5286-4B7D-A4CF-20E859AB4D3E}" srcId="{C62A61A2-837A-4080-93A0-9A5A2FE012CD}" destId="{A6F9F4B9-0F0D-4D04-805C-A42281E6A282}" srcOrd="6" destOrd="0" parTransId="{D0395ABD-13A7-44E6-9FAA-6EA3224425AC}" sibTransId="{BB611CED-F64B-4E23-82D8-1849BB1EF29E}"/>
     <dgm:cxn modelId="{669728B3-ED8E-4F2B-82F3-E1BA37767FBA}" type="presOf" srcId="{A6F9F4B9-0F0D-4D04-805C-A42281E6A282}" destId="{13C4F7FB-9C7F-4119-B484-22835F79A1E1}" srcOrd="0" destOrd="0" presId="urn:microsoft.com/office/officeart/2005/8/layout/default"/>
@@ -2756,6 +3506,454 @@
     <dgm:cxn modelId="{BDFD8772-EC62-40D1-83BC-7A43137A5042}" type="presParOf" srcId="{6AF42F5E-4A05-47A8-9F29-2F8E09820BBC}" destId="{601F7ABD-C40B-4CB5-B2FA-FEE5483F840D}" srcOrd="16" destOrd="0" presId="urn:microsoft.com/office/officeart/2005/8/layout/default"/>
     <dgm:cxn modelId="{6FAD76F1-76D1-4056-8C4F-37EFA9A31811}" type="presParOf" srcId="{6AF42F5E-4A05-47A8-9F29-2F8E09820BBC}" destId="{792B4E47-F51D-4AAC-BC62-E12887C66852}" srcOrd="17" destOrd="0" presId="urn:microsoft.com/office/officeart/2005/8/layout/default"/>
     <dgm:cxn modelId="{9DA3FAD1-D75D-47E0-914A-FBE6F6EB2B4F}" type="presParOf" srcId="{6AF42F5E-4A05-47A8-9F29-2F8E09820BBC}" destId="{FB9F16AF-E345-46AA-B224-631B959D8E18}" srcOrd="18" destOrd="0" presId="urn:microsoft.com/office/officeart/2005/8/layout/default"/>
+  </dgm:cxnLst>
+  <dgm:bg/>
+  <dgm:whole/>
+  <dgm:extLst>
+    <a:ext uri="http://schemas.microsoft.com/office/drawing/2008/diagram">
+      <dsp:dataModelExt xmlns:dsp="http://schemas.microsoft.com/office/drawing/2008/diagram" relId="rId6" minVer="http://schemas.openxmlformats.org/drawingml/2006/diagram"/>
+    </a:ext>
+  </dgm:extLst>
+</dgm:dataModel>
+</file>
+
+<file path=ppt/diagrams/data3.xml><?xml version="1.0" encoding="utf-8"?>
+<dgm:dataModel xmlns:dgm="http://schemas.openxmlformats.org/drawingml/2006/diagram" xmlns:a="http://schemas.openxmlformats.org/drawingml/2006/main">
+  <dgm:ptLst>
+    <dgm:pt modelId="{C62A61A2-837A-4080-93A0-9A5A2FE012CD}" type="doc">
+      <dgm:prSet loTypeId="urn:microsoft.com/office/officeart/2005/8/layout/default" loCatId="list" qsTypeId="urn:microsoft.com/office/officeart/2005/8/quickstyle/simple1" qsCatId="simple" csTypeId="urn:microsoft.com/office/officeart/2005/8/colors/accent1_2" csCatId="accent1" phldr="1"/>
+      <dgm:spPr/>
+      <dgm:t>
+        <a:bodyPr/>
+        <a:lstStyle/>
+        <a:p>
+          <a:endParaRPr lang="en-US"/>
+        </a:p>
+      </dgm:t>
+    </dgm:pt>
+    <dgm:pt modelId="{C116744B-FD85-443E-9D24-3BA14083E22D}">
+      <dgm:prSet/>
+      <dgm:spPr/>
+      <dgm:t>
+        <a:bodyPr/>
+        <a:lstStyle/>
+        <a:p>
+          <a:r>
+            <a:rPr lang="en-GB" b="1" u="none" dirty="0" err="1"/>
+            <a:t>PassengerId</a:t>
+          </a:r>
+          <a:endParaRPr lang="en-GB" b="1" u="none" dirty="0"/>
+        </a:p>
+        <a:p>
+          <a:r>
+            <a:rPr lang="en-GB" b="1" u="none" dirty="0">
+              <a:latin typeface="Calibri" panose="020F0502020204030204" pitchFamily="34" charset="0"/>
+              <a:cs typeface="Calibri" panose="020F0502020204030204" pitchFamily="34" charset="0"/>
+            </a:rPr>
+            <a:t>↓</a:t>
+          </a:r>
+        </a:p>
+        <a:p>
+          <a:r>
+            <a:rPr lang="en-GB" b="1" u="none" dirty="0">
+              <a:latin typeface="+mn-lt"/>
+              <a:cs typeface="Calibri" panose="020F0502020204030204" pitchFamily="34" charset="0"/>
+            </a:rPr>
+            <a:t>Group, </a:t>
+          </a:r>
+          <a:r>
+            <a:rPr lang="en-GB" b="1" u="none" dirty="0" err="1">
+              <a:latin typeface="+mn-lt"/>
+              <a:cs typeface="Calibri" panose="020F0502020204030204" pitchFamily="34" charset="0"/>
+            </a:rPr>
+            <a:t>Group_Id</a:t>
+          </a:r>
+          <a:endParaRPr lang="en-US" u="none" dirty="0">
+            <a:latin typeface="+mn-lt"/>
+          </a:endParaRPr>
+        </a:p>
+      </dgm:t>
+    </dgm:pt>
+    <dgm:pt modelId="{53029378-27A2-40DA-B232-79934899E588}" type="parTrans" cxnId="{DF49A70D-2D0D-4D42-BC4D-02DA9B2B2159}">
+      <dgm:prSet/>
+      <dgm:spPr/>
+      <dgm:t>
+        <a:bodyPr/>
+        <a:lstStyle/>
+        <a:p>
+          <a:endParaRPr lang="en-US"/>
+        </a:p>
+      </dgm:t>
+    </dgm:pt>
+    <dgm:pt modelId="{8C0FAE8A-1401-4D97-9ABC-5B1624B3B78C}" type="sibTrans" cxnId="{DF49A70D-2D0D-4D42-BC4D-02DA9B2B2159}">
+      <dgm:prSet/>
+      <dgm:spPr/>
+      <dgm:t>
+        <a:bodyPr/>
+        <a:lstStyle/>
+        <a:p>
+          <a:endParaRPr lang="en-US"/>
+        </a:p>
+      </dgm:t>
+    </dgm:pt>
+    <dgm:pt modelId="{AFE837E3-7B8E-4B6A-8315-B9398B5C0593}">
+      <dgm:prSet/>
+      <dgm:spPr/>
+      <dgm:t>
+        <a:bodyPr/>
+        <a:lstStyle/>
+        <a:p>
+          <a:r>
+            <a:rPr lang="en-GB" b="1" u="none" dirty="0"/>
+            <a:t>Cabin</a:t>
+          </a:r>
+        </a:p>
+        <a:p>
+          <a:r>
+            <a:rPr lang="en-GB" b="1" u="none" dirty="0">
+              <a:latin typeface="Calibri" panose="020F0502020204030204" pitchFamily="34" charset="0"/>
+              <a:cs typeface="Calibri" panose="020F0502020204030204" pitchFamily="34" charset="0"/>
+            </a:rPr>
+            <a:t>↓</a:t>
+          </a:r>
+          <a:endParaRPr lang="en-GB" b="1" u="none" dirty="0"/>
+        </a:p>
+        <a:p>
+          <a:r>
+            <a:rPr lang="en-US" b="1" u="none" dirty="0"/>
+            <a:t>Deck, </a:t>
+          </a:r>
+          <a:r>
+            <a:rPr lang="en-US" b="1" u="none" dirty="0" err="1"/>
+            <a:t>CabinNumber</a:t>
+          </a:r>
+          <a:r>
+            <a:rPr lang="en-US" b="1" u="none" dirty="0"/>
+            <a:t>, </a:t>
+          </a:r>
+          <a:r>
+            <a:rPr lang="en-US" b="1" u="none" dirty="0" err="1"/>
+            <a:t>CabinSide</a:t>
+          </a:r>
+          <a:endParaRPr lang="en-US" b="1" u="none" dirty="0"/>
+        </a:p>
+      </dgm:t>
+    </dgm:pt>
+    <dgm:pt modelId="{7227BD12-1CED-469C-86CE-4C0474532DE4}" type="parTrans" cxnId="{53518A37-9D6C-4F13-B8D4-FBF0BA2124A4}">
+      <dgm:prSet/>
+      <dgm:spPr/>
+      <dgm:t>
+        <a:bodyPr/>
+        <a:lstStyle/>
+        <a:p>
+          <a:endParaRPr lang="en-US"/>
+        </a:p>
+      </dgm:t>
+    </dgm:pt>
+    <dgm:pt modelId="{104A2456-860B-4506-B0A1-C8ADCCEC7F1F}" type="sibTrans" cxnId="{53518A37-9D6C-4F13-B8D4-FBF0BA2124A4}">
+      <dgm:prSet/>
+      <dgm:spPr/>
+      <dgm:t>
+        <a:bodyPr/>
+        <a:lstStyle/>
+        <a:p>
+          <a:endParaRPr lang="en-US"/>
+        </a:p>
+      </dgm:t>
+    </dgm:pt>
+    <dgm:pt modelId="{9AFA4A0E-FE4F-472A-9B28-32AC6FE74BE2}">
+      <dgm:prSet/>
+      <dgm:spPr/>
+      <dgm:t>
+        <a:bodyPr/>
+        <a:lstStyle/>
+        <a:p>
+          <a:r>
+            <a:rPr lang="en-GB" b="1" u="none" dirty="0"/>
+            <a:t>Age</a:t>
+          </a:r>
+        </a:p>
+        <a:p>
+          <a:r>
+            <a:rPr lang="en-GB" b="1" u="none" dirty="0">
+              <a:latin typeface="Calibri" panose="020F0502020204030204" pitchFamily="34" charset="0"/>
+              <a:cs typeface="Calibri" panose="020F0502020204030204" pitchFamily="34" charset="0"/>
+            </a:rPr>
+            <a:t>↓</a:t>
+          </a:r>
+        </a:p>
+        <a:p>
+          <a:r>
+            <a:rPr lang="en-US" b="1" u="none" dirty="0"/>
+            <a:t>Age</a:t>
+          </a:r>
+          <a:r>
+            <a:rPr lang="en-US" u="none" dirty="0"/>
+            <a:t> (bins of 10 years)</a:t>
+          </a:r>
+        </a:p>
+      </dgm:t>
+    </dgm:pt>
+    <dgm:pt modelId="{FDE7556F-90FC-403C-AB8F-BC9ADC8C8195}" type="parTrans" cxnId="{FFCB0F76-3019-4458-A415-C32679C70829}">
+      <dgm:prSet/>
+      <dgm:spPr/>
+      <dgm:t>
+        <a:bodyPr/>
+        <a:lstStyle/>
+        <a:p>
+          <a:endParaRPr lang="en-US"/>
+        </a:p>
+      </dgm:t>
+    </dgm:pt>
+    <dgm:pt modelId="{A62277E8-7F9F-46A0-954C-96F1C9FC1B45}" type="sibTrans" cxnId="{FFCB0F76-3019-4458-A415-C32679C70829}">
+      <dgm:prSet/>
+      <dgm:spPr/>
+      <dgm:t>
+        <a:bodyPr/>
+        <a:lstStyle/>
+        <a:p>
+          <a:endParaRPr lang="en-US"/>
+        </a:p>
+      </dgm:t>
+    </dgm:pt>
+    <dgm:pt modelId="{64D4BEEE-E22F-4413-A379-E7211E1155C9}">
+      <dgm:prSet/>
+      <dgm:spPr/>
+      <dgm:t>
+        <a:bodyPr/>
+        <a:lstStyle/>
+        <a:p>
+          <a:r>
+            <a:rPr lang="en-GB" b="1" u="none" dirty="0"/>
+            <a:t>Name</a:t>
+          </a:r>
+        </a:p>
+        <a:p>
+          <a:r>
+            <a:rPr lang="en-GB" b="1" u="none" dirty="0">
+              <a:latin typeface="Calibri" panose="020F0502020204030204" pitchFamily="34" charset="0"/>
+              <a:cs typeface="Calibri" panose="020F0502020204030204" pitchFamily="34" charset="0"/>
+            </a:rPr>
+            <a:t>↓</a:t>
+          </a:r>
+        </a:p>
+        <a:p>
+          <a:r>
+            <a:rPr lang="en-GB" b="1" u="none" strike="sngStrike" dirty="0">
+              <a:latin typeface="Calibri" panose="020F0502020204030204" pitchFamily="34" charset="0"/>
+              <a:cs typeface="Calibri" panose="020F0502020204030204" pitchFamily="34" charset="0"/>
+            </a:rPr>
+            <a:t>FirstName</a:t>
+          </a:r>
+          <a:r>
+            <a:rPr lang="en-GB" b="1" u="none" dirty="0">
+              <a:latin typeface="Calibri" panose="020F0502020204030204" pitchFamily="34" charset="0"/>
+              <a:cs typeface="Calibri" panose="020F0502020204030204" pitchFamily="34" charset="0"/>
+            </a:rPr>
+            <a:t>, Surname</a:t>
+          </a:r>
+          <a:endParaRPr lang="en-US" u="none" dirty="0"/>
+        </a:p>
+      </dgm:t>
+    </dgm:pt>
+    <dgm:pt modelId="{C849AFA5-133E-475A-B31C-F4C97B93AD3C}" type="parTrans" cxnId="{C8BA3816-E359-419F-8494-87E513C122D1}">
+      <dgm:prSet/>
+      <dgm:spPr/>
+      <dgm:t>
+        <a:bodyPr/>
+        <a:lstStyle/>
+        <a:p>
+          <a:endParaRPr lang="en-US"/>
+        </a:p>
+      </dgm:t>
+    </dgm:pt>
+    <dgm:pt modelId="{8445F312-0DB1-4BEA-8442-FEB6E1257A40}" type="sibTrans" cxnId="{C8BA3816-E359-419F-8494-87E513C122D1}">
+      <dgm:prSet/>
+      <dgm:spPr/>
+      <dgm:t>
+        <a:bodyPr/>
+        <a:lstStyle/>
+        <a:p>
+          <a:endParaRPr lang="en-US"/>
+        </a:p>
+      </dgm:t>
+    </dgm:pt>
+    <dgm:pt modelId="{28A7D775-3978-47B4-AA2D-1EBFBCF5CD84}">
+      <dgm:prSet/>
+      <dgm:spPr/>
+      <dgm:t>
+        <a:bodyPr/>
+        <a:lstStyle/>
+        <a:p>
+          <a:r>
+            <a:rPr lang="en-GB" b="1" u="none" dirty="0" err="1"/>
+            <a:t>RoomService</a:t>
+          </a:r>
+          <a:r>
+            <a:rPr lang="en-GB" b="1" u="none" dirty="0"/>
+            <a:t>, </a:t>
+          </a:r>
+          <a:r>
+            <a:rPr lang="en-GB" b="1" u="none" dirty="0" err="1"/>
+            <a:t>FoodCourt</a:t>
+          </a:r>
+          <a:r>
+            <a:rPr lang="en-GB" b="1" u="none" dirty="0"/>
+            <a:t>, </a:t>
+          </a:r>
+          <a:r>
+            <a:rPr lang="en-GB" b="1" u="none" dirty="0" err="1"/>
+            <a:t>ShoppingMall</a:t>
+          </a:r>
+          <a:r>
+            <a:rPr lang="en-GB" b="1" u="none" dirty="0"/>
+            <a:t>, Spa, </a:t>
+          </a:r>
+          <a:r>
+            <a:rPr lang="en-GB" b="1" u="none" dirty="0" err="1"/>
+            <a:t>VRDeck</a:t>
+          </a:r>
+          <a:endParaRPr lang="en-GB" b="1" u="none" dirty="0"/>
+        </a:p>
+        <a:p>
+          <a:r>
+            <a:rPr lang="en-GB" b="1" u="none" dirty="0">
+              <a:latin typeface="Calibri" panose="020F0502020204030204" pitchFamily="34" charset="0"/>
+              <a:cs typeface="Calibri" panose="020F0502020204030204" pitchFamily="34" charset="0"/>
+            </a:rPr>
+            <a:t>↓</a:t>
+          </a:r>
+        </a:p>
+        <a:p>
+          <a:r>
+            <a:rPr lang="en-GB" b="1" u="none" dirty="0">
+              <a:latin typeface="+mn-lt"/>
+              <a:cs typeface="Calibri" panose="020F0502020204030204" pitchFamily="34" charset="0"/>
+            </a:rPr>
+            <a:t>Total </a:t>
+          </a:r>
+          <a:r>
+            <a:rPr lang="en-GB" b="0" u="none" dirty="0">
+              <a:latin typeface="+mn-lt"/>
+              <a:cs typeface="Calibri" panose="020F0502020204030204" pitchFamily="34" charset="0"/>
+            </a:rPr>
+            <a:t>(10 equal width bins)</a:t>
+          </a:r>
+          <a:endParaRPr lang="en-US" b="0" u="none" dirty="0">
+            <a:latin typeface="+mn-lt"/>
+          </a:endParaRPr>
+        </a:p>
+      </dgm:t>
+    </dgm:pt>
+    <dgm:pt modelId="{B537C4F6-ACD4-4B6B-BDE2-36D8A0EF2007}" type="parTrans" cxnId="{0ADD5C10-2A41-46C0-BC71-5E20F3D70CC2}">
+      <dgm:prSet/>
+      <dgm:spPr/>
+      <dgm:t>
+        <a:bodyPr/>
+        <a:lstStyle/>
+        <a:p>
+          <a:endParaRPr lang="pt-PT"/>
+        </a:p>
+      </dgm:t>
+    </dgm:pt>
+    <dgm:pt modelId="{31E8EB4A-9A4C-423E-9235-7865E7261B6B}" type="sibTrans" cxnId="{0ADD5C10-2A41-46C0-BC71-5E20F3D70CC2}">
+      <dgm:prSet/>
+      <dgm:spPr/>
+      <dgm:t>
+        <a:bodyPr/>
+        <a:lstStyle/>
+        <a:p>
+          <a:endParaRPr lang="pt-PT"/>
+        </a:p>
+      </dgm:t>
+    </dgm:pt>
+    <dgm:pt modelId="{6AF42F5E-4A05-47A8-9F29-2F8E09820BBC}" type="pres">
+      <dgm:prSet presAssocID="{C62A61A2-837A-4080-93A0-9A5A2FE012CD}" presName="diagram" presStyleCnt="0">
+        <dgm:presLayoutVars>
+          <dgm:dir/>
+          <dgm:resizeHandles val="exact"/>
+        </dgm:presLayoutVars>
+      </dgm:prSet>
+      <dgm:spPr/>
+    </dgm:pt>
+    <dgm:pt modelId="{DDBE13C7-F11A-404B-BE5C-F11DE912E8C5}" type="pres">
+      <dgm:prSet presAssocID="{C116744B-FD85-443E-9D24-3BA14083E22D}" presName="node" presStyleLbl="node1" presStyleIdx="0" presStyleCnt="5">
+        <dgm:presLayoutVars>
+          <dgm:bulletEnabled val="1"/>
+        </dgm:presLayoutVars>
+      </dgm:prSet>
+      <dgm:spPr/>
+    </dgm:pt>
+    <dgm:pt modelId="{98B4296A-C85F-43AC-85AE-573E5D78B283}" type="pres">
+      <dgm:prSet presAssocID="{8C0FAE8A-1401-4D97-9ABC-5B1624B3B78C}" presName="sibTrans" presStyleCnt="0"/>
+      <dgm:spPr/>
+    </dgm:pt>
+    <dgm:pt modelId="{5FF141C9-CD98-475A-8243-0E8A2F0D5871}" type="pres">
+      <dgm:prSet presAssocID="{AFE837E3-7B8E-4B6A-8315-B9398B5C0593}" presName="node" presStyleLbl="node1" presStyleIdx="1" presStyleCnt="5">
+        <dgm:presLayoutVars>
+          <dgm:bulletEnabled val="1"/>
+        </dgm:presLayoutVars>
+      </dgm:prSet>
+      <dgm:spPr/>
+    </dgm:pt>
+    <dgm:pt modelId="{6C8B110D-07E3-4705-A70B-5777DF97E383}" type="pres">
+      <dgm:prSet presAssocID="{104A2456-860B-4506-B0A1-C8ADCCEC7F1F}" presName="sibTrans" presStyleCnt="0"/>
+      <dgm:spPr/>
+    </dgm:pt>
+    <dgm:pt modelId="{92B18CB0-6F04-44DD-B9D1-44A1882082A8}" type="pres">
+      <dgm:prSet presAssocID="{9AFA4A0E-FE4F-472A-9B28-32AC6FE74BE2}" presName="node" presStyleLbl="node1" presStyleIdx="2" presStyleCnt="5">
+        <dgm:presLayoutVars>
+          <dgm:bulletEnabled val="1"/>
+        </dgm:presLayoutVars>
+      </dgm:prSet>
+      <dgm:spPr/>
+    </dgm:pt>
+    <dgm:pt modelId="{89126295-542A-4671-90EB-B4FA56028089}" type="pres">
+      <dgm:prSet presAssocID="{A62277E8-7F9F-46A0-954C-96F1C9FC1B45}" presName="sibTrans" presStyleCnt="0"/>
+      <dgm:spPr/>
+    </dgm:pt>
+    <dgm:pt modelId="{D9746E90-D4C1-45A3-B60C-6CD23ABB65B4}" type="pres">
+      <dgm:prSet presAssocID="{28A7D775-3978-47B4-AA2D-1EBFBCF5CD84}" presName="node" presStyleLbl="node1" presStyleIdx="3" presStyleCnt="5">
+        <dgm:presLayoutVars>
+          <dgm:bulletEnabled val="1"/>
+        </dgm:presLayoutVars>
+      </dgm:prSet>
+      <dgm:spPr/>
+    </dgm:pt>
+    <dgm:pt modelId="{863C80FF-FC3A-4321-8407-CC9232E8B23A}" type="pres">
+      <dgm:prSet presAssocID="{31E8EB4A-9A4C-423E-9235-7865E7261B6B}" presName="sibTrans" presStyleCnt="0"/>
+      <dgm:spPr/>
+    </dgm:pt>
+    <dgm:pt modelId="{601F7ABD-C40B-4CB5-B2FA-FEE5483F840D}" type="pres">
+      <dgm:prSet presAssocID="{64D4BEEE-E22F-4413-A379-E7211E1155C9}" presName="node" presStyleLbl="node1" presStyleIdx="4" presStyleCnt="5">
+        <dgm:presLayoutVars>
+          <dgm:bulletEnabled val="1"/>
+        </dgm:presLayoutVars>
+      </dgm:prSet>
+      <dgm:spPr/>
+    </dgm:pt>
+  </dgm:ptLst>
+  <dgm:cxnLst>
+    <dgm:cxn modelId="{DF49A70D-2D0D-4D42-BC4D-02DA9B2B2159}" srcId="{C62A61A2-837A-4080-93A0-9A5A2FE012CD}" destId="{C116744B-FD85-443E-9D24-3BA14083E22D}" srcOrd="0" destOrd="0" parTransId="{53029378-27A2-40DA-B232-79934899E588}" sibTransId="{8C0FAE8A-1401-4D97-9ABC-5B1624B3B78C}"/>
+    <dgm:cxn modelId="{0ADD5C10-2A41-46C0-BC71-5E20F3D70CC2}" srcId="{C62A61A2-837A-4080-93A0-9A5A2FE012CD}" destId="{28A7D775-3978-47B4-AA2D-1EBFBCF5CD84}" srcOrd="3" destOrd="0" parTransId="{B537C4F6-ACD4-4B6B-BDE2-36D8A0EF2007}" sibTransId="{31E8EB4A-9A4C-423E-9235-7865E7261B6B}"/>
+    <dgm:cxn modelId="{C8BA3816-E359-419F-8494-87E513C122D1}" srcId="{C62A61A2-837A-4080-93A0-9A5A2FE012CD}" destId="{64D4BEEE-E22F-4413-A379-E7211E1155C9}" srcOrd="4" destOrd="0" parTransId="{C849AFA5-133E-475A-B31C-F4C97B93AD3C}" sibTransId="{8445F312-0DB1-4BEA-8442-FEB6E1257A40}"/>
+    <dgm:cxn modelId="{A74E482A-B08A-44D7-A3CF-0FA74611A226}" type="presOf" srcId="{AFE837E3-7B8E-4B6A-8315-B9398B5C0593}" destId="{5FF141C9-CD98-475A-8243-0E8A2F0D5871}" srcOrd="0" destOrd="0" presId="urn:microsoft.com/office/officeart/2005/8/layout/default"/>
+    <dgm:cxn modelId="{BF38902D-27B4-4351-BB22-61686028A40A}" type="presOf" srcId="{C116744B-FD85-443E-9D24-3BA14083E22D}" destId="{DDBE13C7-F11A-404B-BE5C-F11DE912E8C5}" srcOrd="0" destOrd="0" presId="urn:microsoft.com/office/officeart/2005/8/layout/default"/>
+    <dgm:cxn modelId="{4BD65534-5E8A-478B-A76A-B83950613B07}" type="presOf" srcId="{28A7D775-3978-47B4-AA2D-1EBFBCF5CD84}" destId="{D9746E90-D4C1-45A3-B60C-6CD23ABB65B4}" srcOrd="0" destOrd="0" presId="urn:microsoft.com/office/officeart/2005/8/layout/default"/>
+    <dgm:cxn modelId="{53518A37-9D6C-4F13-B8D4-FBF0BA2124A4}" srcId="{C62A61A2-837A-4080-93A0-9A5A2FE012CD}" destId="{AFE837E3-7B8E-4B6A-8315-B9398B5C0593}" srcOrd="1" destOrd="0" parTransId="{7227BD12-1CED-469C-86CE-4C0474532DE4}" sibTransId="{104A2456-860B-4506-B0A1-C8ADCCEC7F1F}"/>
+    <dgm:cxn modelId="{FFCB0F76-3019-4458-A415-C32679C70829}" srcId="{C62A61A2-837A-4080-93A0-9A5A2FE012CD}" destId="{9AFA4A0E-FE4F-472A-9B28-32AC6FE74BE2}" srcOrd="2" destOrd="0" parTransId="{FDE7556F-90FC-403C-AB8F-BC9ADC8C8195}" sibTransId="{A62277E8-7F9F-46A0-954C-96F1C9FC1B45}"/>
+    <dgm:cxn modelId="{16425656-28B0-4DBA-90D3-2003DFB036B0}" type="presOf" srcId="{64D4BEEE-E22F-4413-A379-E7211E1155C9}" destId="{601F7ABD-C40B-4CB5-B2FA-FEE5483F840D}" srcOrd="0" destOrd="0" presId="urn:microsoft.com/office/officeart/2005/8/layout/default"/>
+    <dgm:cxn modelId="{E83A2DC7-C052-46D0-B6FC-EF514F51030F}" type="presOf" srcId="{C62A61A2-837A-4080-93A0-9A5A2FE012CD}" destId="{6AF42F5E-4A05-47A8-9F29-2F8E09820BBC}" srcOrd="0" destOrd="0" presId="urn:microsoft.com/office/officeart/2005/8/layout/default"/>
+    <dgm:cxn modelId="{95FCE2DC-72ED-4369-B90F-F59B2F77B37C}" type="presOf" srcId="{9AFA4A0E-FE4F-472A-9B28-32AC6FE74BE2}" destId="{92B18CB0-6F04-44DD-B9D1-44A1882082A8}" srcOrd="0" destOrd="0" presId="urn:microsoft.com/office/officeart/2005/8/layout/default"/>
+    <dgm:cxn modelId="{524EEAAB-1B3E-44C9-9CD2-958C86EEBA1C}" type="presParOf" srcId="{6AF42F5E-4A05-47A8-9F29-2F8E09820BBC}" destId="{DDBE13C7-F11A-404B-BE5C-F11DE912E8C5}" srcOrd="0" destOrd="0" presId="urn:microsoft.com/office/officeart/2005/8/layout/default"/>
+    <dgm:cxn modelId="{3BD4EF23-695B-4606-B512-7AAA8075C2C0}" type="presParOf" srcId="{6AF42F5E-4A05-47A8-9F29-2F8E09820BBC}" destId="{98B4296A-C85F-43AC-85AE-573E5D78B283}" srcOrd="1" destOrd="0" presId="urn:microsoft.com/office/officeart/2005/8/layout/default"/>
+    <dgm:cxn modelId="{5DE246C0-5F15-4D6D-8725-F9EC622967A8}" type="presParOf" srcId="{6AF42F5E-4A05-47A8-9F29-2F8E09820BBC}" destId="{5FF141C9-CD98-475A-8243-0E8A2F0D5871}" srcOrd="2" destOrd="0" presId="urn:microsoft.com/office/officeart/2005/8/layout/default"/>
+    <dgm:cxn modelId="{8A8CC420-4559-4868-8318-2DF0EC7F7439}" type="presParOf" srcId="{6AF42F5E-4A05-47A8-9F29-2F8E09820BBC}" destId="{6C8B110D-07E3-4705-A70B-5777DF97E383}" srcOrd="3" destOrd="0" presId="urn:microsoft.com/office/officeart/2005/8/layout/default"/>
+    <dgm:cxn modelId="{A20DDFA9-430F-4D69-B925-9D592B75E26E}" type="presParOf" srcId="{6AF42F5E-4A05-47A8-9F29-2F8E09820BBC}" destId="{92B18CB0-6F04-44DD-B9D1-44A1882082A8}" srcOrd="4" destOrd="0" presId="urn:microsoft.com/office/officeart/2005/8/layout/default"/>
+    <dgm:cxn modelId="{D638B94E-86A9-4A34-8A1F-42D02ED2ADC3}" type="presParOf" srcId="{6AF42F5E-4A05-47A8-9F29-2F8E09820BBC}" destId="{89126295-542A-4671-90EB-B4FA56028089}" srcOrd="5" destOrd="0" presId="urn:microsoft.com/office/officeart/2005/8/layout/default"/>
+    <dgm:cxn modelId="{554337D1-9F67-4835-9E0D-DF25EDF9DD5E}" type="presParOf" srcId="{6AF42F5E-4A05-47A8-9F29-2F8E09820BBC}" destId="{D9746E90-D4C1-45A3-B60C-6CD23ABB65B4}" srcOrd="6" destOrd="0" presId="urn:microsoft.com/office/officeart/2005/8/layout/default"/>
+    <dgm:cxn modelId="{282E6C8F-E07F-4700-AC5D-517AFAAEB3D4}" type="presParOf" srcId="{6AF42F5E-4A05-47A8-9F29-2F8E09820BBC}" destId="{863C80FF-FC3A-4321-8407-CC9232E8B23A}" srcOrd="7" destOrd="0" presId="urn:microsoft.com/office/officeart/2005/8/layout/default"/>
+    <dgm:cxn modelId="{BDFD8772-EC62-40D1-83BC-7A43137A5042}" type="presParOf" srcId="{6AF42F5E-4A05-47A8-9F29-2F8E09820BBC}" destId="{601F7ABD-C40B-4CB5-B2FA-FEE5483F840D}" srcOrd="8" destOrd="0" presId="urn:microsoft.com/office/officeart/2005/8/layout/default"/>
   </dgm:cxnLst>
   <dgm:bg/>
   <dgm:whole/>
@@ -4303,6 +5501,684 @@
 </dsp:drawing>
 </file>
 
+<file path=ppt/diagrams/drawing3.xml><?xml version="1.0" encoding="utf-8"?>
+<dsp:drawing xmlns:dgm="http://schemas.openxmlformats.org/drawingml/2006/diagram" xmlns:dsp="http://schemas.microsoft.com/office/drawing/2008/diagram" xmlns:a="http://schemas.openxmlformats.org/drawingml/2006/main">
+  <dsp:spTree>
+    <dsp:nvGrpSpPr>
+      <dsp:cNvPr id="0" name=""/>
+      <dsp:cNvGrpSpPr/>
+    </dsp:nvGrpSpPr>
+    <dsp:grpSpPr/>
+    <dsp:sp modelId="{DDBE13C7-F11A-404B-BE5C-F11DE912E8C5}">
+      <dsp:nvSpPr>
+        <dsp:cNvPr id="0" name=""/>
+        <dsp:cNvSpPr/>
+      </dsp:nvSpPr>
+      <dsp:spPr>
+        <a:xfrm>
+          <a:off x="0" y="14922"/>
+          <a:ext cx="3719830" cy="2231898"/>
+        </a:xfrm>
+        <a:prstGeom prst="rect">
+          <a:avLst/>
+        </a:prstGeom>
+        <a:solidFill>
+          <a:schemeClr val="accent1">
+            <a:hueOff val="0"/>
+            <a:satOff val="0"/>
+            <a:lumOff val="0"/>
+            <a:alphaOff val="0"/>
+          </a:schemeClr>
+        </a:solidFill>
+        <a:ln w="12700" cap="flat" cmpd="sng" algn="ctr">
+          <a:solidFill>
+            <a:schemeClr val="lt1">
+              <a:hueOff val="0"/>
+              <a:satOff val="0"/>
+              <a:lumOff val="0"/>
+              <a:alphaOff val="0"/>
+            </a:schemeClr>
+          </a:solidFill>
+          <a:prstDash val="solid"/>
+          <a:miter lim="800000"/>
+        </a:ln>
+        <a:effectLst/>
+      </dsp:spPr>
+      <dsp:style>
+        <a:lnRef idx="2">
+          <a:scrgbClr r="0" g="0" b="0"/>
+        </a:lnRef>
+        <a:fillRef idx="1">
+          <a:scrgbClr r="0" g="0" b="0"/>
+        </a:fillRef>
+        <a:effectRef idx="0">
+          <a:scrgbClr r="0" g="0" b="0"/>
+        </a:effectRef>
+        <a:fontRef idx="minor">
+          <a:schemeClr val="lt1"/>
+        </a:fontRef>
+      </dsp:style>
+      <dsp:txBody>
+        <a:bodyPr spcFirstLastPara="0" vert="horz" wrap="square" lIns="83820" tIns="83820" rIns="83820" bIns="83820" numCol="1" spcCol="1270" anchor="ctr" anchorCtr="0">
+          <a:noAutofit/>
+        </a:bodyPr>
+        <a:lstStyle/>
+        <a:p>
+          <a:pPr marL="0" lvl="0" indent="0" algn="ctr" defTabSz="977900">
+            <a:lnSpc>
+              <a:spcPct val="90000"/>
+            </a:lnSpc>
+            <a:spcBef>
+              <a:spcPct val="0"/>
+            </a:spcBef>
+            <a:spcAft>
+              <a:spcPct val="35000"/>
+            </a:spcAft>
+            <a:buNone/>
+          </a:pPr>
+          <a:r>
+            <a:rPr lang="en-GB" sz="2200" b="1" u="none" kern="1200" dirty="0" err="1"/>
+            <a:t>PassengerId</a:t>
+          </a:r>
+          <a:endParaRPr lang="en-GB" sz="2200" b="1" u="none" kern="1200" dirty="0"/>
+        </a:p>
+        <a:p>
+          <a:pPr marL="0" lvl="0" indent="0" algn="ctr" defTabSz="977900">
+            <a:lnSpc>
+              <a:spcPct val="90000"/>
+            </a:lnSpc>
+            <a:spcBef>
+              <a:spcPct val="0"/>
+            </a:spcBef>
+            <a:spcAft>
+              <a:spcPct val="35000"/>
+            </a:spcAft>
+            <a:buNone/>
+          </a:pPr>
+          <a:r>
+            <a:rPr lang="en-GB" sz="2200" b="1" u="none" kern="1200" dirty="0">
+              <a:latin typeface="Calibri" panose="020F0502020204030204" pitchFamily="34" charset="0"/>
+              <a:cs typeface="Calibri" panose="020F0502020204030204" pitchFamily="34" charset="0"/>
+            </a:rPr>
+            <a:t>↓</a:t>
+          </a:r>
+        </a:p>
+        <a:p>
+          <a:pPr marL="0" lvl="0" indent="0" algn="ctr" defTabSz="977900">
+            <a:lnSpc>
+              <a:spcPct val="90000"/>
+            </a:lnSpc>
+            <a:spcBef>
+              <a:spcPct val="0"/>
+            </a:spcBef>
+            <a:spcAft>
+              <a:spcPct val="35000"/>
+            </a:spcAft>
+            <a:buNone/>
+          </a:pPr>
+          <a:r>
+            <a:rPr lang="en-GB" sz="2200" b="1" u="none" kern="1200" dirty="0">
+              <a:latin typeface="+mn-lt"/>
+              <a:cs typeface="Calibri" panose="020F0502020204030204" pitchFamily="34" charset="0"/>
+            </a:rPr>
+            <a:t>Group, </a:t>
+          </a:r>
+          <a:r>
+            <a:rPr lang="en-GB" sz="2200" b="1" u="none" kern="1200" dirty="0" err="1">
+              <a:latin typeface="+mn-lt"/>
+              <a:cs typeface="Calibri" panose="020F0502020204030204" pitchFamily="34" charset="0"/>
+            </a:rPr>
+            <a:t>Group_Id</a:t>
+          </a:r>
+          <a:endParaRPr lang="en-US" sz="2200" u="none" kern="1200" dirty="0">
+            <a:latin typeface="+mn-lt"/>
+          </a:endParaRPr>
+        </a:p>
+      </dsp:txBody>
+      <dsp:txXfrm>
+        <a:off x="0" y="14922"/>
+        <a:ext cx="3719830" cy="2231898"/>
+      </dsp:txXfrm>
+    </dsp:sp>
+    <dsp:sp modelId="{5FF141C9-CD98-475A-8243-0E8A2F0D5871}">
+      <dsp:nvSpPr>
+        <dsp:cNvPr id="0" name=""/>
+        <dsp:cNvSpPr/>
+      </dsp:nvSpPr>
+      <dsp:spPr>
+        <a:xfrm>
+          <a:off x="4091813" y="14922"/>
+          <a:ext cx="3719830" cy="2231898"/>
+        </a:xfrm>
+        <a:prstGeom prst="rect">
+          <a:avLst/>
+        </a:prstGeom>
+        <a:solidFill>
+          <a:schemeClr val="accent1">
+            <a:hueOff val="0"/>
+            <a:satOff val="0"/>
+            <a:lumOff val="0"/>
+            <a:alphaOff val="0"/>
+          </a:schemeClr>
+        </a:solidFill>
+        <a:ln w="12700" cap="flat" cmpd="sng" algn="ctr">
+          <a:solidFill>
+            <a:schemeClr val="lt1">
+              <a:hueOff val="0"/>
+              <a:satOff val="0"/>
+              <a:lumOff val="0"/>
+              <a:alphaOff val="0"/>
+            </a:schemeClr>
+          </a:solidFill>
+          <a:prstDash val="solid"/>
+          <a:miter lim="800000"/>
+        </a:ln>
+        <a:effectLst/>
+      </dsp:spPr>
+      <dsp:style>
+        <a:lnRef idx="2">
+          <a:scrgbClr r="0" g="0" b="0"/>
+        </a:lnRef>
+        <a:fillRef idx="1">
+          <a:scrgbClr r="0" g="0" b="0"/>
+        </a:fillRef>
+        <a:effectRef idx="0">
+          <a:scrgbClr r="0" g="0" b="0"/>
+        </a:effectRef>
+        <a:fontRef idx="minor">
+          <a:schemeClr val="lt1"/>
+        </a:fontRef>
+      </dsp:style>
+      <dsp:txBody>
+        <a:bodyPr spcFirstLastPara="0" vert="horz" wrap="square" lIns="83820" tIns="83820" rIns="83820" bIns="83820" numCol="1" spcCol="1270" anchor="ctr" anchorCtr="0">
+          <a:noAutofit/>
+        </a:bodyPr>
+        <a:lstStyle/>
+        <a:p>
+          <a:pPr marL="0" lvl="0" indent="0" algn="ctr" defTabSz="977900">
+            <a:lnSpc>
+              <a:spcPct val="90000"/>
+            </a:lnSpc>
+            <a:spcBef>
+              <a:spcPct val="0"/>
+            </a:spcBef>
+            <a:spcAft>
+              <a:spcPct val="35000"/>
+            </a:spcAft>
+            <a:buNone/>
+          </a:pPr>
+          <a:r>
+            <a:rPr lang="en-GB" sz="2200" b="1" u="none" kern="1200" dirty="0"/>
+            <a:t>Cabin</a:t>
+          </a:r>
+        </a:p>
+        <a:p>
+          <a:pPr marL="0" lvl="0" indent="0" algn="ctr" defTabSz="977900">
+            <a:lnSpc>
+              <a:spcPct val="90000"/>
+            </a:lnSpc>
+            <a:spcBef>
+              <a:spcPct val="0"/>
+            </a:spcBef>
+            <a:spcAft>
+              <a:spcPct val="35000"/>
+            </a:spcAft>
+            <a:buNone/>
+          </a:pPr>
+          <a:r>
+            <a:rPr lang="en-GB" sz="2200" b="1" u="none" kern="1200" dirty="0">
+              <a:latin typeface="Calibri" panose="020F0502020204030204" pitchFamily="34" charset="0"/>
+              <a:cs typeface="Calibri" panose="020F0502020204030204" pitchFamily="34" charset="0"/>
+            </a:rPr>
+            <a:t>↓</a:t>
+          </a:r>
+          <a:endParaRPr lang="en-GB" sz="2200" b="1" u="none" kern="1200" dirty="0"/>
+        </a:p>
+        <a:p>
+          <a:pPr marL="0" lvl="0" indent="0" algn="ctr" defTabSz="977900">
+            <a:lnSpc>
+              <a:spcPct val="90000"/>
+            </a:lnSpc>
+            <a:spcBef>
+              <a:spcPct val="0"/>
+            </a:spcBef>
+            <a:spcAft>
+              <a:spcPct val="35000"/>
+            </a:spcAft>
+            <a:buNone/>
+          </a:pPr>
+          <a:r>
+            <a:rPr lang="en-US" sz="2200" b="1" u="none" kern="1200" dirty="0"/>
+            <a:t>Deck, </a:t>
+          </a:r>
+          <a:r>
+            <a:rPr lang="en-US" sz="2200" b="1" u="none" kern="1200" dirty="0" err="1"/>
+            <a:t>CabinNumber</a:t>
+          </a:r>
+          <a:r>
+            <a:rPr lang="en-US" sz="2200" b="1" u="none" kern="1200" dirty="0"/>
+            <a:t>, </a:t>
+          </a:r>
+          <a:r>
+            <a:rPr lang="en-US" sz="2200" b="1" u="none" kern="1200" dirty="0" err="1"/>
+            <a:t>CabinSide</a:t>
+          </a:r>
+          <a:endParaRPr lang="en-US" sz="2200" b="1" u="none" kern="1200" dirty="0"/>
+        </a:p>
+      </dsp:txBody>
+      <dsp:txXfrm>
+        <a:off x="4091813" y="14922"/>
+        <a:ext cx="3719830" cy="2231898"/>
+      </dsp:txXfrm>
+    </dsp:sp>
+    <dsp:sp modelId="{92B18CB0-6F04-44DD-B9D1-44A1882082A8}">
+      <dsp:nvSpPr>
+        <dsp:cNvPr id="0" name=""/>
+        <dsp:cNvSpPr/>
+      </dsp:nvSpPr>
+      <dsp:spPr>
+        <a:xfrm>
+          <a:off x="8183626" y="14922"/>
+          <a:ext cx="3719830" cy="2231898"/>
+        </a:xfrm>
+        <a:prstGeom prst="rect">
+          <a:avLst/>
+        </a:prstGeom>
+        <a:solidFill>
+          <a:schemeClr val="accent1">
+            <a:hueOff val="0"/>
+            <a:satOff val="0"/>
+            <a:lumOff val="0"/>
+            <a:alphaOff val="0"/>
+          </a:schemeClr>
+        </a:solidFill>
+        <a:ln w="12700" cap="flat" cmpd="sng" algn="ctr">
+          <a:solidFill>
+            <a:schemeClr val="lt1">
+              <a:hueOff val="0"/>
+              <a:satOff val="0"/>
+              <a:lumOff val="0"/>
+              <a:alphaOff val="0"/>
+            </a:schemeClr>
+          </a:solidFill>
+          <a:prstDash val="solid"/>
+          <a:miter lim="800000"/>
+        </a:ln>
+        <a:effectLst/>
+      </dsp:spPr>
+      <dsp:style>
+        <a:lnRef idx="2">
+          <a:scrgbClr r="0" g="0" b="0"/>
+        </a:lnRef>
+        <a:fillRef idx="1">
+          <a:scrgbClr r="0" g="0" b="0"/>
+        </a:fillRef>
+        <a:effectRef idx="0">
+          <a:scrgbClr r="0" g="0" b="0"/>
+        </a:effectRef>
+        <a:fontRef idx="minor">
+          <a:schemeClr val="lt1"/>
+        </a:fontRef>
+      </dsp:style>
+      <dsp:txBody>
+        <a:bodyPr spcFirstLastPara="0" vert="horz" wrap="square" lIns="83820" tIns="83820" rIns="83820" bIns="83820" numCol="1" spcCol="1270" anchor="ctr" anchorCtr="0">
+          <a:noAutofit/>
+        </a:bodyPr>
+        <a:lstStyle/>
+        <a:p>
+          <a:pPr marL="0" lvl="0" indent="0" algn="ctr" defTabSz="977900">
+            <a:lnSpc>
+              <a:spcPct val="90000"/>
+            </a:lnSpc>
+            <a:spcBef>
+              <a:spcPct val="0"/>
+            </a:spcBef>
+            <a:spcAft>
+              <a:spcPct val="35000"/>
+            </a:spcAft>
+            <a:buNone/>
+          </a:pPr>
+          <a:r>
+            <a:rPr lang="en-GB" sz="2200" b="1" u="none" kern="1200" dirty="0"/>
+            <a:t>Age</a:t>
+          </a:r>
+        </a:p>
+        <a:p>
+          <a:pPr marL="0" lvl="0" indent="0" algn="ctr" defTabSz="977900">
+            <a:lnSpc>
+              <a:spcPct val="90000"/>
+            </a:lnSpc>
+            <a:spcBef>
+              <a:spcPct val="0"/>
+            </a:spcBef>
+            <a:spcAft>
+              <a:spcPct val="35000"/>
+            </a:spcAft>
+            <a:buNone/>
+          </a:pPr>
+          <a:r>
+            <a:rPr lang="en-GB" sz="2200" b="1" u="none" kern="1200" dirty="0">
+              <a:latin typeface="Calibri" panose="020F0502020204030204" pitchFamily="34" charset="0"/>
+              <a:cs typeface="Calibri" panose="020F0502020204030204" pitchFamily="34" charset="0"/>
+            </a:rPr>
+            <a:t>↓</a:t>
+          </a:r>
+        </a:p>
+        <a:p>
+          <a:pPr marL="0" lvl="0" indent="0" algn="ctr" defTabSz="977900">
+            <a:lnSpc>
+              <a:spcPct val="90000"/>
+            </a:lnSpc>
+            <a:spcBef>
+              <a:spcPct val="0"/>
+            </a:spcBef>
+            <a:spcAft>
+              <a:spcPct val="35000"/>
+            </a:spcAft>
+            <a:buNone/>
+          </a:pPr>
+          <a:r>
+            <a:rPr lang="en-US" sz="2200" b="1" u="none" kern="1200" dirty="0"/>
+            <a:t>Age</a:t>
+          </a:r>
+          <a:r>
+            <a:rPr lang="en-US" sz="2200" u="none" kern="1200" dirty="0"/>
+            <a:t> (bins of 10 years)</a:t>
+          </a:r>
+        </a:p>
+      </dsp:txBody>
+      <dsp:txXfrm>
+        <a:off x="8183626" y="14922"/>
+        <a:ext cx="3719830" cy="2231898"/>
+      </dsp:txXfrm>
+    </dsp:sp>
+    <dsp:sp modelId="{D9746E90-D4C1-45A3-B60C-6CD23ABB65B4}">
+      <dsp:nvSpPr>
+        <dsp:cNvPr id="0" name=""/>
+        <dsp:cNvSpPr/>
+      </dsp:nvSpPr>
+      <dsp:spPr>
+        <a:xfrm>
+          <a:off x="2045906" y="2618803"/>
+          <a:ext cx="3719830" cy="2231898"/>
+        </a:xfrm>
+        <a:prstGeom prst="rect">
+          <a:avLst/>
+        </a:prstGeom>
+        <a:solidFill>
+          <a:schemeClr val="accent1">
+            <a:hueOff val="0"/>
+            <a:satOff val="0"/>
+            <a:lumOff val="0"/>
+            <a:alphaOff val="0"/>
+          </a:schemeClr>
+        </a:solidFill>
+        <a:ln w="12700" cap="flat" cmpd="sng" algn="ctr">
+          <a:solidFill>
+            <a:schemeClr val="lt1">
+              <a:hueOff val="0"/>
+              <a:satOff val="0"/>
+              <a:lumOff val="0"/>
+              <a:alphaOff val="0"/>
+            </a:schemeClr>
+          </a:solidFill>
+          <a:prstDash val="solid"/>
+          <a:miter lim="800000"/>
+        </a:ln>
+        <a:effectLst/>
+      </dsp:spPr>
+      <dsp:style>
+        <a:lnRef idx="2">
+          <a:scrgbClr r="0" g="0" b="0"/>
+        </a:lnRef>
+        <a:fillRef idx="1">
+          <a:scrgbClr r="0" g="0" b="0"/>
+        </a:fillRef>
+        <a:effectRef idx="0">
+          <a:scrgbClr r="0" g="0" b="0"/>
+        </a:effectRef>
+        <a:fontRef idx="minor">
+          <a:schemeClr val="lt1"/>
+        </a:fontRef>
+      </dsp:style>
+      <dsp:txBody>
+        <a:bodyPr spcFirstLastPara="0" vert="horz" wrap="square" lIns="83820" tIns="83820" rIns="83820" bIns="83820" numCol="1" spcCol="1270" anchor="ctr" anchorCtr="0">
+          <a:noAutofit/>
+        </a:bodyPr>
+        <a:lstStyle/>
+        <a:p>
+          <a:pPr marL="0" lvl="0" indent="0" algn="ctr" defTabSz="977900">
+            <a:lnSpc>
+              <a:spcPct val="90000"/>
+            </a:lnSpc>
+            <a:spcBef>
+              <a:spcPct val="0"/>
+            </a:spcBef>
+            <a:spcAft>
+              <a:spcPct val="35000"/>
+            </a:spcAft>
+            <a:buNone/>
+          </a:pPr>
+          <a:r>
+            <a:rPr lang="en-GB" sz="2200" b="1" u="none" kern="1200" dirty="0" err="1"/>
+            <a:t>RoomService</a:t>
+          </a:r>
+          <a:r>
+            <a:rPr lang="en-GB" sz="2200" b="1" u="none" kern="1200" dirty="0"/>
+            <a:t>, </a:t>
+          </a:r>
+          <a:r>
+            <a:rPr lang="en-GB" sz="2200" b="1" u="none" kern="1200" dirty="0" err="1"/>
+            <a:t>FoodCourt</a:t>
+          </a:r>
+          <a:r>
+            <a:rPr lang="en-GB" sz="2200" b="1" u="none" kern="1200" dirty="0"/>
+            <a:t>, </a:t>
+          </a:r>
+          <a:r>
+            <a:rPr lang="en-GB" sz="2200" b="1" u="none" kern="1200" dirty="0" err="1"/>
+            <a:t>ShoppingMall</a:t>
+          </a:r>
+          <a:r>
+            <a:rPr lang="en-GB" sz="2200" b="1" u="none" kern="1200" dirty="0"/>
+            <a:t>, Spa, </a:t>
+          </a:r>
+          <a:r>
+            <a:rPr lang="en-GB" sz="2200" b="1" u="none" kern="1200" dirty="0" err="1"/>
+            <a:t>VRDeck</a:t>
+          </a:r>
+          <a:endParaRPr lang="en-GB" sz="2200" b="1" u="none" kern="1200" dirty="0"/>
+        </a:p>
+        <a:p>
+          <a:pPr marL="0" lvl="0" indent="0" algn="ctr" defTabSz="977900">
+            <a:lnSpc>
+              <a:spcPct val="90000"/>
+            </a:lnSpc>
+            <a:spcBef>
+              <a:spcPct val="0"/>
+            </a:spcBef>
+            <a:spcAft>
+              <a:spcPct val="35000"/>
+            </a:spcAft>
+            <a:buNone/>
+          </a:pPr>
+          <a:r>
+            <a:rPr lang="en-GB" sz="2200" b="1" u="none" kern="1200" dirty="0">
+              <a:latin typeface="Calibri" panose="020F0502020204030204" pitchFamily="34" charset="0"/>
+              <a:cs typeface="Calibri" panose="020F0502020204030204" pitchFamily="34" charset="0"/>
+            </a:rPr>
+            <a:t>↓</a:t>
+          </a:r>
+        </a:p>
+        <a:p>
+          <a:pPr marL="0" lvl="0" indent="0" algn="ctr" defTabSz="977900">
+            <a:lnSpc>
+              <a:spcPct val="90000"/>
+            </a:lnSpc>
+            <a:spcBef>
+              <a:spcPct val="0"/>
+            </a:spcBef>
+            <a:spcAft>
+              <a:spcPct val="35000"/>
+            </a:spcAft>
+            <a:buNone/>
+          </a:pPr>
+          <a:r>
+            <a:rPr lang="en-GB" sz="2200" b="1" u="none" kern="1200" dirty="0">
+              <a:latin typeface="+mn-lt"/>
+              <a:cs typeface="Calibri" panose="020F0502020204030204" pitchFamily="34" charset="0"/>
+            </a:rPr>
+            <a:t>Total </a:t>
+          </a:r>
+          <a:r>
+            <a:rPr lang="en-GB" sz="2200" b="0" u="none" kern="1200" dirty="0">
+              <a:latin typeface="+mn-lt"/>
+              <a:cs typeface="Calibri" panose="020F0502020204030204" pitchFamily="34" charset="0"/>
+            </a:rPr>
+            <a:t>(10 equal width bins)</a:t>
+          </a:r>
+          <a:endParaRPr lang="en-US" sz="2200" b="0" u="none" kern="1200" dirty="0">
+            <a:latin typeface="+mn-lt"/>
+          </a:endParaRPr>
+        </a:p>
+      </dsp:txBody>
+      <dsp:txXfrm>
+        <a:off x="2045906" y="2618803"/>
+        <a:ext cx="3719830" cy="2231898"/>
+      </dsp:txXfrm>
+    </dsp:sp>
+    <dsp:sp modelId="{601F7ABD-C40B-4CB5-B2FA-FEE5483F840D}">
+      <dsp:nvSpPr>
+        <dsp:cNvPr id="0" name=""/>
+        <dsp:cNvSpPr/>
+      </dsp:nvSpPr>
+      <dsp:spPr>
+        <a:xfrm>
+          <a:off x="6137719" y="2618803"/>
+          <a:ext cx="3719830" cy="2231898"/>
+        </a:xfrm>
+        <a:prstGeom prst="rect">
+          <a:avLst/>
+        </a:prstGeom>
+        <a:solidFill>
+          <a:schemeClr val="accent1">
+            <a:hueOff val="0"/>
+            <a:satOff val="0"/>
+            <a:lumOff val="0"/>
+            <a:alphaOff val="0"/>
+          </a:schemeClr>
+        </a:solidFill>
+        <a:ln w="12700" cap="flat" cmpd="sng" algn="ctr">
+          <a:solidFill>
+            <a:schemeClr val="lt1">
+              <a:hueOff val="0"/>
+              <a:satOff val="0"/>
+              <a:lumOff val="0"/>
+              <a:alphaOff val="0"/>
+            </a:schemeClr>
+          </a:solidFill>
+          <a:prstDash val="solid"/>
+          <a:miter lim="800000"/>
+        </a:ln>
+        <a:effectLst/>
+      </dsp:spPr>
+      <dsp:style>
+        <a:lnRef idx="2">
+          <a:scrgbClr r="0" g="0" b="0"/>
+        </a:lnRef>
+        <a:fillRef idx="1">
+          <a:scrgbClr r="0" g="0" b="0"/>
+        </a:fillRef>
+        <a:effectRef idx="0">
+          <a:scrgbClr r="0" g="0" b="0"/>
+        </a:effectRef>
+        <a:fontRef idx="minor">
+          <a:schemeClr val="lt1"/>
+        </a:fontRef>
+      </dsp:style>
+      <dsp:txBody>
+        <a:bodyPr spcFirstLastPara="0" vert="horz" wrap="square" lIns="83820" tIns="83820" rIns="83820" bIns="83820" numCol="1" spcCol="1270" anchor="ctr" anchorCtr="0">
+          <a:noAutofit/>
+        </a:bodyPr>
+        <a:lstStyle/>
+        <a:p>
+          <a:pPr marL="0" lvl="0" indent="0" algn="ctr" defTabSz="977900">
+            <a:lnSpc>
+              <a:spcPct val="90000"/>
+            </a:lnSpc>
+            <a:spcBef>
+              <a:spcPct val="0"/>
+            </a:spcBef>
+            <a:spcAft>
+              <a:spcPct val="35000"/>
+            </a:spcAft>
+            <a:buNone/>
+          </a:pPr>
+          <a:r>
+            <a:rPr lang="en-GB" sz="2200" b="1" u="none" kern="1200" dirty="0"/>
+            <a:t>Name</a:t>
+          </a:r>
+        </a:p>
+        <a:p>
+          <a:pPr marL="0" lvl="0" indent="0" algn="ctr" defTabSz="977900">
+            <a:lnSpc>
+              <a:spcPct val="90000"/>
+            </a:lnSpc>
+            <a:spcBef>
+              <a:spcPct val="0"/>
+            </a:spcBef>
+            <a:spcAft>
+              <a:spcPct val="35000"/>
+            </a:spcAft>
+            <a:buNone/>
+          </a:pPr>
+          <a:r>
+            <a:rPr lang="en-GB" sz="2200" b="1" u="none" kern="1200" dirty="0">
+              <a:latin typeface="Calibri" panose="020F0502020204030204" pitchFamily="34" charset="0"/>
+              <a:cs typeface="Calibri" panose="020F0502020204030204" pitchFamily="34" charset="0"/>
+            </a:rPr>
+            <a:t>↓</a:t>
+          </a:r>
+        </a:p>
+        <a:p>
+          <a:pPr marL="0" lvl="0" indent="0" algn="ctr" defTabSz="977900">
+            <a:lnSpc>
+              <a:spcPct val="90000"/>
+            </a:lnSpc>
+            <a:spcBef>
+              <a:spcPct val="0"/>
+            </a:spcBef>
+            <a:spcAft>
+              <a:spcPct val="35000"/>
+            </a:spcAft>
+            <a:buNone/>
+          </a:pPr>
+          <a:r>
+            <a:rPr lang="en-GB" sz="2200" b="1" u="none" strike="sngStrike" kern="1200" dirty="0">
+              <a:latin typeface="Calibri" panose="020F0502020204030204" pitchFamily="34" charset="0"/>
+              <a:cs typeface="Calibri" panose="020F0502020204030204" pitchFamily="34" charset="0"/>
+            </a:rPr>
+            <a:t>FirstName</a:t>
+          </a:r>
+          <a:r>
+            <a:rPr lang="en-GB" sz="2200" b="1" u="none" kern="1200" dirty="0">
+              <a:latin typeface="Calibri" panose="020F0502020204030204" pitchFamily="34" charset="0"/>
+              <a:cs typeface="Calibri" panose="020F0502020204030204" pitchFamily="34" charset="0"/>
+            </a:rPr>
+            <a:t>, Surname</a:t>
+          </a:r>
+          <a:endParaRPr lang="en-US" sz="2200" u="none" kern="1200" dirty="0"/>
+        </a:p>
+      </dsp:txBody>
+      <dsp:txXfrm>
+        <a:off x="6137719" y="2618803"/>
+        <a:ext cx="3719830" cy="2231898"/>
+      </dsp:txXfrm>
+    </dsp:sp>
+  </dsp:spTree>
+</dsp:drawing>
+</file>
+
 <file path=ppt/diagrams/layout1.xml><?xml version="1.0" encoding="utf-8"?>
 <dgm:layoutDef xmlns:dgm="http://schemas.openxmlformats.org/drawingml/2006/diagram" xmlns:a="http://schemas.openxmlformats.org/drawingml/2006/main" uniqueId="urn:microsoft.com/office/officeart/2008/layout/LinedList">
   <dgm:title val=""/>
@@ -4916,6 +6792,153 @@
 </dgm:layoutDef>
 </file>
 
+<file path=ppt/diagrams/layout3.xml><?xml version="1.0" encoding="utf-8"?>
+<dgm:layoutDef xmlns:dgm="http://schemas.openxmlformats.org/drawingml/2006/diagram" xmlns:a="http://schemas.openxmlformats.org/drawingml/2006/main" uniqueId="urn:microsoft.com/office/officeart/2005/8/layout/default">
+  <dgm:title val=""/>
+  <dgm:desc val=""/>
+  <dgm:catLst>
+    <dgm:cat type="list" pri="400"/>
+  </dgm:catLst>
+  <dgm:sampData>
+    <dgm:dataModel>
+      <dgm:ptLst>
+        <dgm:pt modelId="0" type="doc"/>
+        <dgm:pt modelId="1">
+          <dgm:prSet phldr="1"/>
+        </dgm:pt>
+        <dgm:pt modelId="2">
+          <dgm:prSet phldr="1"/>
+        </dgm:pt>
+        <dgm:pt modelId="3">
+          <dgm:prSet phldr="1"/>
+        </dgm:pt>
+        <dgm:pt modelId="4">
+          <dgm:prSet phldr="1"/>
+        </dgm:pt>
+        <dgm:pt modelId="5">
+          <dgm:prSet phldr="1"/>
+        </dgm:pt>
+      </dgm:ptLst>
+      <dgm:cxnLst>
+        <dgm:cxn modelId="6" srcId="0" destId="1" srcOrd="0" destOrd="0"/>
+        <dgm:cxn modelId="7" srcId="0" destId="2" srcOrd="1" destOrd="0"/>
+        <dgm:cxn modelId="8" srcId="0" destId="3" srcOrd="2" destOrd="0"/>
+        <dgm:cxn modelId="9" srcId="0" destId="4" srcOrd="3" destOrd="0"/>
+        <dgm:cxn modelId="10" srcId="0" destId="5" srcOrd="4" destOrd="0"/>
+      </dgm:cxnLst>
+      <dgm:bg/>
+      <dgm:whole/>
+    </dgm:dataModel>
+  </dgm:sampData>
+  <dgm:styleData>
+    <dgm:dataModel>
+      <dgm:ptLst>
+        <dgm:pt modelId="0" type="doc"/>
+        <dgm:pt modelId="1"/>
+        <dgm:pt modelId="2"/>
+      </dgm:ptLst>
+      <dgm:cxnLst>
+        <dgm:cxn modelId="3" srcId="0" destId="1" srcOrd="0" destOrd="0"/>
+        <dgm:cxn modelId="4" srcId="0" destId="2" srcOrd="1" destOrd="0"/>
+      </dgm:cxnLst>
+      <dgm:bg/>
+      <dgm:whole/>
+    </dgm:dataModel>
+  </dgm:styleData>
+  <dgm:clrData>
+    <dgm:dataModel>
+      <dgm:ptLst>
+        <dgm:pt modelId="0" type="doc"/>
+        <dgm:pt modelId="1"/>
+        <dgm:pt modelId="2"/>
+        <dgm:pt modelId="3"/>
+        <dgm:pt modelId="4"/>
+        <dgm:pt modelId="5"/>
+        <dgm:pt modelId="6"/>
+      </dgm:ptLst>
+      <dgm:cxnLst>
+        <dgm:cxn modelId="7" srcId="0" destId="1" srcOrd="0" destOrd="0"/>
+        <dgm:cxn modelId="8" srcId="0" destId="2" srcOrd="1" destOrd="0"/>
+        <dgm:cxn modelId="9" srcId="0" destId="3" srcOrd="2" destOrd="0"/>
+        <dgm:cxn modelId="10" srcId="0" destId="4" srcOrd="3" destOrd="0"/>
+        <dgm:cxn modelId="11" srcId="0" destId="5" srcOrd="4" destOrd="0"/>
+        <dgm:cxn modelId="12" srcId="0" destId="6" srcOrd="5" destOrd="0"/>
+      </dgm:cxnLst>
+      <dgm:bg/>
+      <dgm:whole/>
+    </dgm:dataModel>
+  </dgm:clrData>
+  <dgm:layoutNode name="diagram">
+    <dgm:varLst>
+      <dgm:dir/>
+      <dgm:resizeHandles val="exact"/>
+    </dgm:varLst>
+    <dgm:choose name="Name0">
+      <dgm:if name="Name1" func="var" arg="dir" op="equ" val="norm">
+        <dgm:alg type="snake">
+          <dgm:param type="grDir" val="tL"/>
+          <dgm:param type="flowDir" val="row"/>
+          <dgm:param type="contDir" val="sameDir"/>
+          <dgm:param type="off" val="ctr"/>
+        </dgm:alg>
+      </dgm:if>
+      <dgm:else name="Name2">
+        <dgm:alg type="snake">
+          <dgm:param type="grDir" val="tR"/>
+          <dgm:param type="flowDir" val="row"/>
+          <dgm:param type="contDir" val="sameDir"/>
+          <dgm:param type="off" val="ctr"/>
+        </dgm:alg>
+      </dgm:else>
+    </dgm:choose>
+    <dgm:shape xmlns:r="http://schemas.openxmlformats.org/officeDocument/2006/relationships" r:blip="">
+      <dgm:adjLst/>
+    </dgm:shape>
+    <dgm:presOf/>
+    <dgm:constrLst>
+      <dgm:constr type="w" for="ch" forName="node" refType="w"/>
+      <dgm:constr type="h" for="ch" forName="node" refType="w" refFor="ch" refForName="node" fact="0.6"/>
+      <dgm:constr type="w" for="ch" forName="sibTrans" refType="w" refFor="ch" refForName="node" fact="0.1"/>
+      <dgm:constr type="sp" refType="w" refFor="ch" refForName="sibTrans"/>
+      <dgm:constr type="primFontSz" for="ch" forName="node" op="equ" val="65"/>
+    </dgm:constrLst>
+    <dgm:ruleLst/>
+    <dgm:forEach name="Name3" axis="ch" ptType="node">
+      <dgm:layoutNode name="node">
+        <dgm:varLst>
+          <dgm:bulletEnabled val="1"/>
+        </dgm:varLst>
+        <dgm:alg type="tx"/>
+        <dgm:shape xmlns:r="http://schemas.openxmlformats.org/officeDocument/2006/relationships" type="rect" r:blip="">
+          <dgm:adjLst/>
+        </dgm:shape>
+        <dgm:presOf axis="desOrSelf" ptType="node"/>
+        <dgm:constrLst>
+          <dgm:constr type="lMarg" refType="primFontSz" fact="0.3"/>
+          <dgm:constr type="rMarg" refType="primFontSz" fact="0.3"/>
+          <dgm:constr type="tMarg" refType="primFontSz" fact="0.3"/>
+          <dgm:constr type="bMarg" refType="primFontSz" fact="0.3"/>
+        </dgm:constrLst>
+        <dgm:ruleLst>
+          <dgm:rule type="primFontSz" val="5" fact="NaN" max="NaN"/>
+        </dgm:ruleLst>
+      </dgm:layoutNode>
+      <dgm:forEach name="Name4" axis="followSib" ptType="sibTrans" cnt="1">
+        <dgm:layoutNode name="sibTrans">
+          <dgm:alg type="sp"/>
+          <dgm:shape xmlns:r="http://schemas.openxmlformats.org/officeDocument/2006/relationships" r:blip="">
+            <dgm:adjLst/>
+          </dgm:shape>
+          <dgm:presOf/>
+          <dgm:constrLst/>
+          <dgm:ruleLst/>
+        </dgm:layoutNode>
+      </dgm:forEach>
+    </dgm:forEach>
+  </dgm:layoutNode>
+</dgm:layoutDef>
+</file>
+
 <file path=ppt/diagrams/quickStyle1.xml><?xml version="1.0" encoding="utf-8"?>
 <dgm:styleDef xmlns:dgm="http://schemas.openxmlformats.org/drawingml/2006/diagram" xmlns:a="http://schemas.openxmlformats.org/drawingml/2006/main" uniqueId="urn:microsoft.com/office/officeart/2005/8/quickstyle/simple5">
   <dgm:title val=""/>
@@ -5951,6 +7974,1040 @@
 </file>
 
 <file path=ppt/diagrams/quickStyle2.xml><?xml version="1.0" encoding="utf-8"?>
+<dgm:styleDef xmlns:dgm="http://schemas.openxmlformats.org/drawingml/2006/diagram" xmlns:a="http://schemas.openxmlformats.org/drawingml/2006/main" uniqueId="urn:microsoft.com/office/officeart/2005/8/quickstyle/simple1">
+  <dgm:title val=""/>
+  <dgm:desc val=""/>
+  <dgm:catLst>
+    <dgm:cat type="simple" pri="10100"/>
+  </dgm:catLst>
+  <dgm:scene3d>
+    <a:camera prst="orthographicFront"/>
+    <a:lightRig rig="threePt" dir="t"/>
+  </dgm:scene3d>
+  <dgm:styleLbl name="node0">
+    <dgm:scene3d>
+      <a:camera prst="orthographicFront"/>
+      <a:lightRig rig="threePt" dir="t"/>
+    </dgm:scene3d>
+    <dgm:sp3d/>
+    <dgm:txPr/>
+    <dgm:style>
+      <a:lnRef idx="2">
+        <a:scrgbClr r="0" g="0" b="0"/>
+      </a:lnRef>
+      <a:fillRef idx="1">
+        <a:scrgbClr r="0" g="0" b="0"/>
+      </a:fillRef>
+      <a:effectRef idx="0">
+        <a:scrgbClr r="0" g="0" b="0"/>
+      </a:effectRef>
+      <a:fontRef idx="minor">
+        <a:schemeClr val="lt1"/>
+      </a:fontRef>
+    </dgm:style>
+  </dgm:styleLbl>
+  <dgm:styleLbl name="lnNode1">
+    <dgm:scene3d>
+      <a:camera prst="orthographicFront"/>
+      <a:lightRig rig="threePt" dir="t"/>
+    </dgm:scene3d>
+    <dgm:sp3d/>
+    <dgm:txPr/>
+    <dgm:style>
+      <a:lnRef idx="2">
+        <a:scrgbClr r="0" g="0" b="0"/>
+      </a:lnRef>
+      <a:fillRef idx="1">
+        <a:scrgbClr r="0" g="0" b="0"/>
+      </a:fillRef>
+      <a:effectRef idx="0">
+        <a:scrgbClr r="0" g="0" b="0"/>
+      </a:effectRef>
+      <a:fontRef idx="minor">
+        <a:schemeClr val="lt1"/>
+      </a:fontRef>
+    </dgm:style>
+  </dgm:styleLbl>
+  <dgm:styleLbl name="vennNode1">
+    <dgm:scene3d>
+      <a:camera prst="orthographicFront"/>
+      <a:lightRig rig="threePt" dir="t"/>
+    </dgm:scene3d>
+    <dgm:sp3d/>
+    <dgm:txPr/>
+    <dgm:style>
+      <a:lnRef idx="2">
+        <a:scrgbClr r="0" g="0" b="0"/>
+      </a:lnRef>
+      <a:fillRef idx="1">
+        <a:scrgbClr r="0" g="0" b="0"/>
+      </a:fillRef>
+      <a:effectRef idx="0">
+        <a:scrgbClr r="0" g="0" b="0"/>
+      </a:effectRef>
+      <a:fontRef idx="minor">
+        <a:schemeClr val="tx1"/>
+      </a:fontRef>
+    </dgm:style>
+  </dgm:styleLbl>
+  <dgm:styleLbl name="alignNode1">
+    <dgm:scene3d>
+      <a:camera prst="orthographicFront"/>
+      <a:lightRig rig="threePt" dir="t"/>
+    </dgm:scene3d>
+    <dgm:sp3d/>
+    <dgm:txPr/>
+    <dgm:style>
+      <a:lnRef idx="2">
+        <a:scrgbClr r="0" g="0" b="0"/>
+      </a:lnRef>
+      <a:fillRef idx="1">
+        <a:scrgbClr r="0" g="0" b="0"/>
+      </a:fillRef>
+      <a:effectRef idx="0">
+        <a:scrgbClr r="0" g="0" b="0"/>
+      </a:effectRef>
+      <a:fontRef idx="minor">
+        <a:schemeClr val="lt1"/>
+      </a:fontRef>
+    </dgm:style>
+  </dgm:styleLbl>
+  <dgm:styleLbl name="node1">
+    <dgm:scene3d>
+      <a:camera prst="orthographicFront"/>
+      <a:lightRig rig="threePt" dir="t"/>
+    </dgm:scene3d>
+    <dgm:sp3d/>
+    <dgm:txPr/>
+    <dgm:style>
+      <a:lnRef idx="2">
+        <a:scrgbClr r="0" g="0" b="0"/>
+      </a:lnRef>
+      <a:fillRef idx="1">
+        <a:scrgbClr r="0" g="0" b="0"/>
+      </a:fillRef>
+      <a:effectRef idx="0">
+        <a:scrgbClr r="0" g="0" b="0"/>
+      </a:effectRef>
+      <a:fontRef idx="minor">
+        <a:schemeClr val="lt1"/>
+      </a:fontRef>
+    </dgm:style>
+  </dgm:styleLbl>
+  <dgm:styleLbl name="node2">
+    <dgm:scene3d>
+      <a:camera prst="orthographicFront"/>
+      <a:lightRig rig="threePt" dir="t"/>
+    </dgm:scene3d>
+    <dgm:sp3d/>
+    <dgm:txPr/>
+    <dgm:style>
+      <a:lnRef idx="2">
+        <a:scrgbClr r="0" g="0" b="0"/>
+      </a:lnRef>
+      <a:fillRef idx="1">
+        <a:scrgbClr r="0" g="0" b="0"/>
+      </a:fillRef>
+      <a:effectRef idx="0">
+        <a:scrgbClr r="0" g="0" b="0"/>
+      </a:effectRef>
+      <a:fontRef idx="minor">
+        <a:schemeClr val="lt1"/>
+      </a:fontRef>
+    </dgm:style>
+  </dgm:styleLbl>
+  <dgm:styleLbl name="node3">
+    <dgm:scene3d>
+      <a:camera prst="orthographicFront"/>
+      <a:lightRig rig="threePt" dir="t"/>
+    </dgm:scene3d>
+    <dgm:sp3d/>
+    <dgm:txPr/>
+    <dgm:style>
+      <a:lnRef idx="2">
+        <a:scrgbClr r="0" g="0" b="0"/>
+      </a:lnRef>
+      <a:fillRef idx="1">
+        <a:scrgbClr r="0" g="0" b="0"/>
+      </a:fillRef>
+      <a:effectRef idx="0">
+        <a:scrgbClr r="0" g="0" b="0"/>
+      </a:effectRef>
+      <a:fontRef idx="minor">
+        <a:schemeClr val="lt1"/>
+      </a:fontRef>
+    </dgm:style>
+  </dgm:styleLbl>
+  <dgm:styleLbl name="node4">
+    <dgm:scene3d>
+      <a:camera prst="orthographicFront"/>
+      <a:lightRig rig="threePt" dir="t"/>
+    </dgm:scene3d>
+    <dgm:sp3d/>
+    <dgm:txPr/>
+    <dgm:style>
+      <a:lnRef idx="2">
+        <a:scrgbClr r="0" g="0" b="0"/>
+      </a:lnRef>
+      <a:fillRef idx="1">
+        <a:scrgbClr r="0" g="0" b="0"/>
+      </a:fillRef>
+      <a:effectRef idx="0">
+        <a:scrgbClr r="0" g="0" b="0"/>
+      </a:effectRef>
+      <a:fontRef idx="minor">
+        <a:schemeClr val="lt1"/>
+      </a:fontRef>
+    </dgm:style>
+  </dgm:styleLbl>
+  <dgm:styleLbl name="fgImgPlace1">
+    <dgm:scene3d>
+      <a:camera prst="orthographicFront"/>
+      <a:lightRig rig="threePt" dir="t"/>
+    </dgm:scene3d>
+    <dgm:sp3d/>
+    <dgm:txPr/>
+    <dgm:style>
+      <a:lnRef idx="2">
+        <a:scrgbClr r="0" g="0" b="0"/>
+      </a:lnRef>
+      <a:fillRef idx="1">
+        <a:scrgbClr r="0" g="0" b="0"/>
+      </a:fillRef>
+      <a:effectRef idx="0">
+        <a:scrgbClr r="0" g="0" b="0"/>
+      </a:effectRef>
+      <a:fontRef idx="minor"/>
+    </dgm:style>
+  </dgm:styleLbl>
+  <dgm:styleLbl name="alignImgPlace1">
+    <dgm:scene3d>
+      <a:camera prst="orthographicFront"/>
+      <a:lightRig rig="threePt" dir="t"/>
+    </dgm:scene3d>
+    <dgm:sp3d/>
+    <dgm:txPr/>
+    <dgm:style>
+      <a:lnRef idx="2">
+        <a:scrgbClr r="0" g="0" b="0"/>
+      </a:lnRef>
+      <a:fillRef idx="1">
+        <a:scrgbClr r="0" g="0" b="0"/>
+      </a:fillRef>
+      <a:effectRef idx="0">
+        <a:scrgbClr r="0" g="0" b="0"/>
+      </a:effectRef>
+      <a:fontRef idx="minor"/>
+    </dgm:style>
+  </dgm:styleLbl>
+  <dgm:styleLbl name="bgImgPlace1">
+    <dgm:scene3d>
+      <a:camera prst="orthographicFront"/>
+      <a:lightRig rig="threePt" dir="t"/>
+    </dgm:scene3d>
+    <dgm:sp3d/>
+    <dgm:txPr/>
+    <dgm:style>
+      <a:lnRef idx="2">
+        <a:scrgbClr r="0" g="0" b="0"/>
+      </a:lnRef>
+      <a:fillRef idx="1">
+        <a:scrgbClr r="0" g="0" b="0"/>
+      </a:fillRef>
+      <a:effectRef idx="0">
+        <a:scrgbClr r="0" g="0" b="0"/>
+      </a:effectRef>
+      <a:fontRef idx="minor"/>
+    </dgm:style>
+  </dgm:styleLbl>
+  <dgm:styleLbl name="sibTrans2D1">
+    <dgm:scene3d>
+      <a:camera prst="orthographicFront"/>
+      <a:lightRig rig="threePt" dir="t"/>
+    </dgm:scene3d>
+    <dgm:sp3d/>
+    <dgm:txPr/>
+    <dgm:style>
+      <a:lnRef idx="0">
+        <a:scrgbClr r="0" g="0" b="0"/>
+      </a:lnRef>
+      <a:fillRef idx="1">
+        <a:scrgbClr r="0" g="0" b="0"/>
+      </a:fillRef>
+      <a:effectRef idx="0">
+        <a:scrgbClr r="0" g="0" b="0"/>
+      </a:effectRef>
+      <a:fontRef idx="minor">
+        <a:schemeClr val="lt1"/>
+      </a:fontRef>
+    </dgm:style>
+  </dgm:styleLbl>
+  <dgm:styleLbl name="fgSibTrans2D1">
+    <dgm:scene3d>
+      <a:camera prst="orthographicFront"/>
+      <a:lightRig rig="threePt" dir="t"/>
+    </dgm:scene3d>
+    <dgm:sp3d/>
+    <dgm:txPr/>
+    <dgm:style>
+      <a:lnRef idx="0">
+        <a:scrgbClr r="0" g="0" b="0"/>
+      </a:lnRef>
+      <a:fillRef idx="1">
+        <a:scrgbClr r="0" g="0" b="0"/>
+      </a:fillRef>
+      <a:effectRef idx="0">
+        <a:scrgbClr r="0" g="0" b="0"/>
+      </a:effectRef>
+      <a:fontRef idx="minor">
+        <a:schemeClr val="lt1"/>
+      </a:fontRef>
+    </dgm:style>
+  </dgm:styleLbl>
+  <dgm:styleLbl name="bgSibTrans2D1">
+    <dgm:scene3d>
+      <a:camera prst="orthographicFront"/>
+      <a:lightRig rig="threePt" dir="t"/>
+    </dgm:scene3d>
+    <dgm:sp3d/>
+    <dgm:txPr/>
+    <dgm:style>
+      <a:lnRef idx="0">
+        <a:scrgbClr r="0" g="0" b="0"/>
+      </a:lnRef>
+      <a:fillRef idx="1">
+        <a:scrgbClr r="0" g="0" b="0"/>
+      </a:fillRef>
+      <a:effectRef idx="0">
+        <a:scrgbClr r="0" g="0" b="0"/>
+      </a:effectRef>
+      <a:fontRef idx="minor">
+        <a:schemeClr val="lt1"/>
+      </a:fontRef>
+    </dgm:style>
+  </dgm:styleLbl>
+  <dgm:styleLbl name="sibTrans1D1">
+    <dgm:scene3d>
+      <a:camera prst="orthographicFront"/>
+      <a:lightRig rig="threePt" dir="t"/>
+    </dgm:scene3d>
+    <dgm:sp3d/>
+    <dgm:txPr/>
+    <dgm:style>
+      <a:lnRef idx="1">
+        <a:scrgbClr r="0" g="0" b="0"/>
+      </a:lnRef>
+      <a:fillRef idx="0">
+        <a:scrgbClr r="0" g="0" b="0"/>
+      </a:fillRef>
+      <a:effectRef idx="0">
+        <a:scrgbClr r="0" g="0" b="0"/>
+      </a:effectRef>
+      <a:fontRef idx="minor"/>
+    </dgm:style>
+  </dgm:styleLbl>
+  <dgm:styleLbl name="callout">
+    <dgm:scene3d>
+      <a:camera prst="orthographicFront"/>
+      <a:lightRig rig="threePt" dir="t"/>
+    </dgm:scene3d>
+    <dgm:sp3d/>
+    <dgm:txPr/>
+    <dgm:style>
+      <a:lnRef idx="2">
+        <a:scrgbClr r="0" g="0" b="0"/>
+      </a:lnRef>
+      <a:fillRef idx="1">
+        <a:scrgbClr r="0" g="0" b="0"/>
+      </a:fillRef>
+      <a:effectRef idx="0">
+        <a:scrgbClr r="0" g="0" b="0"/>
+      </a:effectRef>
+      <a:fontRef idx="minor"/>
+    </dgm:style>
+  </dgm:styleLbl>
+  <dgm:styleLbl name="asst0">
+    <dgm:scene3d>
+      <a:camera prst="orthographicFront"/>
+      <a:lightRig rig="threePt" dir="t"/>
+    </dgm:scene3d>
+    <dgm:sp3d/>
+    <dgm:txPr/>
+    <dgm:style>
+      <a:lnRef idx="2">
+        <a:scrgbClr r="0" g="0" b="0"/>
+      </a:lnRef>
+      <a:fillRef idx="1">
+        <a:scrgbClr r="0" g="0" b="0"/>
+      </a:fillRef>
+      <a:effectRef idx="0">
+        <a:scrgbClr r="0" g="0" b="0"/>
+      </a:effectRef>
+      <a:fontRef idx="minor">
+        <a:schemeClr val="lt1"/>
+      </a:fontRef>
+    </dgm:style>
+  </dgm:styleLbl>
+  <dgm:styleLbl name="asst1">
+    <dgm:scene3d>
+      <a:camera prst="orthographicFront"/>
+      <a:lightRig rig="threePt" dir="t"/>
+    </dgm:scene3d>
+    <dgm:sp3d/>
+    <dgm:txPr/>
+    <dgm:style>
+      <a:lnRef idx="2">
+        <a:scrgbClr r="0" g="0" b="0"/>
+      </a:lnRef>
+      <a:fillRef idx="1">
+        <a:scrgbClr r="0" g="0" b="0"/>
+      </a:fillRef>
+      <a:effectRef idx="0">
+        <a:scrgbClr r="0" g="0" b="0"/>
+      </a:effectRef>
+      <a:fontRef idx="minor">
+        <a:schemeClr val="lt1"/>
+      </a:fontRef>
+    </dgm:style>
+  </dgm:styleLbl>
+  <dgm:styleLbl name="asst2">
+    <dgm:scene3d>
+      <a:camera prst="orthographicFront"/>
+      <a:lightRig rig="threePt" dir="t"/>
+    </dgm:scene3d>
+    <dgm:sp3d/>
+    <dgm:txPr/>
+    <dgm:style>
+      <a:lnRef idx="2">
+        <a:scrgbClr r="0" g="0" b="0"/>
+      </a:lnRef>
+      <a:fillRef idx="1">
+        <a:scrgbClr r="0" g="0" b="0"/>
+      </a:fillRef>
+      <a:effectRef idx="0">
+        <a:scrgbClr r="0" g="0" b="0"/>
+      </a:effectRef>
+      <a:fontRef idx="minor">
+        <a:schemeClr val="lt1"/>
+      </a:fontRef>
+    </dgm:style>
+  </dgm:styleLbl>
+  <dgm:styleLbl name="asst3">
+    <dgm:scene3d>
+      <a:camera prst="orthographicFront"/>
+      <a:lightRig rig="threePt" dir="t"/>
+    </dgm:scene3d>
+    <dgm:sp3d/>
+    <dgm:txPr/>
+    <dgm:style>
+      <a:lnRef idx="2">
+        <a:scrgbClr r="0" g="0" b="0"/>
+      </a:lnRef>
+      <a:fillRef idx="1">
+        <a:scrgbClr r="0" g="0" b="0"/>
+      </a:fillRef>
+      <a:effectRef idx="0">
+        <a:scrgbClr r="0" g="0" b="0"/>
+      </a:effectRef>
+      <a:fontRef idx="minor">
+        <a:schemeClr val="lt1"/>
+      </a:fontRef>
+    </dgm:style>
+  </dgm:styleLbl>
+  <dgm:styleLbl name="asst4">
+    <dgm:scene3d>
+      <a:camera prst="orthographicFront"/>
+      <a:lightRig rig="threePt" dir="t"/>
+    </dgm:scene3d>
+    <dgm:sp3d/>
+    <dgm:txPr/>
+    <dgm:style>
+      <a:lnRef idx="2">
+        <a:scrgbClr r="0" g="0" b="0"/>
+      </a:lnRef>
+      <a:fillRef idx="1">
+        <a:scrgbClr r="0" g="0" b="0"/>
+      </a:fillRef>
+      <a:effectRef idx="0">
+        <a:scrgbClr r="0" g="0" b="0"/>
+      </a:effectRef>
+      <a:fontRef idx="minor">
+        <a:schemeClr val="lt1"/>
+      </a:fontRef>
+    </dgm:style>
+  </dgm:styleLbl>
+  <dgm:styleLbl name="parChTrans2D1">
+    <dgm:scene3d>
+      <a:camera prst="orthographicFront"/>
+      <a:lightRig rig="threePt" dir="t"/>
+    </dgm:scene3d>
+    <dgm:sp3d/>
+    <dgm:txPr/>
+    <dgm:style>
+      <a:lnRef idx="2">
+        <a:scrgbClr r="0" g="0" b="0"/>
+      </a:lnRef>
+      <a:fillRef idx="1">
+        <a:scrgbClr r="0" g="0" b="0"/>
+      </a:fillRef>
+      <a:effectRef idx="0">
+        <a:scrgbClr r="0" g="0" b="0"/>
+      </a:effectRef>
+      <a:fontRef idx="minor">
+        <a:schemeClr val="lt1"/>
+      </a:fontRef>
+    </dgm:style>
+  </dgm:styleLbl>
+  <dgm:styleLbl name="parChTrans2D2">
+    <dgm:scene3d>
+      <a:camera prst="orthographicFront"/>
+      <a:lightRig rig="threePt" dir="t"/>
+    </dgm:scene3d>
+    <dgm:sp3d/>
+    <dgm:txPr/>
+    <dgm:style>
+      <a:lnRef idx="2">
+        <a:scrgbClr r="0" g="0" b="0"/>
+      </a:lnRef>
+      <a:fillRef idx="1">
+        <a:scrgbClr r="0" g="0" b="0"/>
+      </a:fillRef>
+      <a:effectRef idx="0">
+        <a:scrgbClr r="0" g="0" b="0"/>
+      </a:effectRef>
+      <a:fontRef idx="minor">
+        <a:schemeClr val="lt1"/>
+      </a:fontRef>
+    </dgm:style>
+  </dgm:styleLbl>
+  <dgm:styleLbl name="parChTrans2D3">
+    <dgm:scene3d>
+      <a:camera prst="orthographicFront"/>
+      <a:lightRig rig="threePt" dir="t"/>
+    </dgm:scene3d>
+    <dgm:sp3d/>
+    <dgm:txPr/>
+    <dgm:style>
+      <a:lnRef idx="2">
+        <a:scrgbClr r="0" g="0" b="0"/>
+      </a:lnRef>
+      <a:fillRef idx="1">
+        <a:scrgbClr r="0" g="0" b="0"/>
+      </a:fillRef>
+      <a:effectRef idx="0">
+        <a:scrgbClr r="0" g="0" b="0"/>
+      </a:effectRef>
+      <a:fontRef idx="minor">
+        <a:schemeClr val="lt1"/>
+      </a:fontRef>
+    </dgm:style>
+  </dgm:styleLbl>
+  <dgm:styleLbl name="parChTrans2D4">
+    <dgm:scene3d>
+      <a:camera prst="orthographicFront"/>
+      <a:lightRig rig="threePt" dir="t"/>
+    </dgm:scene3d>
+    <dgm:sp3d/>
+    <dgm:txPr/>
+    <dgm:style>
+      <a:lnRef idx="2">
+        <a:scrgbClr r="0" g="0" b="0"/>
+      </a:lnRef>
+      <a:fillRef idx="1">
+        <a:scrgbClr r="0" g="0" b="0"/>
+      </a:fillRef>
+      <a:effectRef idx="0">
+        <a:scrgbClr r="0" g="0" b="0"/>
+      </a:effectRef>
+      <a:fontRef idx="minor">
+        <a:schemeClr val="lt1"/>
+      </a:fontRef>
+    </dgm:style>
+  </dgm:styleLbl>
+  <dgm:styleLbl name="parChTrans1D1">
+    <dgm:scene3d>
+      <a:camera prst="orthographicFront"/>
+      <a:lightRig rig="threePt" dir="t"/>
+    </dgm:scene3d>
+    <dgm:sp3d/>
+    <dgm:txPr/>
+    <dgm:style>
+      <a:lnRef idx="2">
+        <a:scrgbClr r="0" g="0" b="0"/>
+      </a:lnRef>
+      <a:fillRef idx="0">
+        <a:scrgbClr r="0" g="0" b="0"/>
+      </a:fillRef>
+      <a:effectRef idx="0">
+        <a:scrgbClr r="0" g="0" b="0"/>
+      </a:effectRef>
+      <a:fontRef idx="minor"/>
+    </dgm:style>
+  </dgm:styleLbl>
+  <dgm:styleLbl name="parChTrans1D2">
+    <dgm:scene3d>
+      <a:camera prst="orthographicFront"/>
+      <a:lightRig rig="threePt" dir="t"/>
+    </dgm:scene3d>
+    <dgm:sp3d/>
+    <dgm:txPr/>
+    <dgm:style>
+      <a:lnRef idx="2">
+        <a:scrgbClr r="0" g="0" b="0"/>
+      </a:lnRef>
+      <a:fillRef idx="0">
+        <a:scrgbClr r="0" g="0" b="0"/>
+      </a:fillRef>
+      <a:effectRef idx="0">
+        <a:scrgbClr r="0" g="0" b="0"/>
+      </a:effectRef>
+      <a:fontRef idx="minor"/>
+    </dgm:style>
+  </dgm:styleLbl>
+  <dgm:styleLbl name="parChTrans1D3">
+    <dgm:scene3d>
+      <a:camera prst="orthographicFront"/>
+      <a:lightRig rig="threePt" dir="t"/>
+    </dgm:scene3d>
+    <dgm:sp3d/>
+    <dgm:txPr/>
+    <dgm:style>
+      <a:lnRef idx="2">
+        <a:scrgbClr r="0" g="0" b="0"/>
+      </a:lnRef>
+      <a:fillRef idx="0">
+        <a:scrgbClr r="0" g="0" b="0"/>
+      </a:fillRef>
+      <a:effectRef idx="0">
+        <a:scrgbClr r="0" g="0" b="0"/>
+      </a:effectRef>
+      <a:fontRef idx="minor"/>
+    </dgm:style>
+  </dgm:styleLbl>
+  <dgm:styleLbl name="parChTrans1D4">
+    <dgm:scene3d>
+      <a:camera prst="orthographicFront"/>
+      <a:lightRig rig="threePt" dir="t"/>
+    </dgm:scene3d>
+    <dgm:sp3d/>
+    <dgm:txPr/>
+    <dgm:style>
+      <a:lnRef idx="2">
+        <a:scrgbClr r="0" g="0" b="0"/>
+      </a:lnRef>
+      <a:fillRef idx="0">
+        <a:scrgbClr r="0" g="0" b="0"/>
+      </a:fillRef>
+      <a:effectRef idx="0">
+        <a:scrgbClr r="0" g="0" b="0"/>
+      </a:effectRef>
+      <a:fontRef idx="minor"/>
+    </dgm:style>
+  </dgm:styleLbl>
+  <dgm:styleLbl name="fgAcc1">
+    <dgm:scene3d>
+      <a:camera prst="orthographicFront"/>
+      <a:lightRig rig="threePt" dir="t"/>
+    </dgm:scene3d>
+    <dgm:sp3d/>
+    <dgm:txPr/>
+    <dgm:style>
+      <a:lnRef idx="2">
+        <a:scrgbClr r="0" g="0" b="0"/>
+      </a:lnRef>
+      <a:fillRef idx="1">
+        <a:scrgbClr r="0" g="0" b="0"/>
+      </a:fillRef>
+      <a:effectRef idx="0">
+        <a:scrgbClr r="0" g="0" b="0"/>
+      </a:effectRef>
+      <a:fontRef idx="minor"/>
+    </dgm:style>
+  </dgm:styleLbl>
+  <dgm:styleLbl name="conFgAcc1">
+    <dgm:scene3d>
+      <a:camera prst="orthographicFront"/>
+      <a:lightRig rig="threePt" dir="t"/>
+    </dgm:scene3d>
+    <dgm:sp3d/>
+    <dgm:txPr/>
+    <dgm:style>
+      <a:lnRef idx="2">
+        <a:scrgbClr r="0" g="0" b="0"/>
+      </a:lnRef>
+      <a:fillRef idx="1">
+        <a:scrgbClr r="0" g="0" b="0"/>
+      </a:fillRef>
+      <a:effectRef idx="0">
+        <a:scrgbClr r="0" g="0" b="0"/>
+      </a:effectRef>
+      <a:fontRef idx="minor"/>
+    </dgm:style>
+  </dgm:styleLbl>
+  <dgm:styleLbl name="alignAcc1">
+    <dgm:scene3d>
+      <a:camera prst="orthographicFront"/>
+      <a:lightRig rig="threePt" dir="t"/>
+    </dgm:scene3d>
+    <dgm:sp3d/>
+    <dgm:txPr/>
+    <dgm:style>
+      <a:lnRef idx="2">
+        <a:scrgbClr r="0" g="0" b="0"/>
+      </a:lnRef>
+      <a:fillRef idx="1">
+        <a:scrgbClr r="0" g="0" b="0"/>
+      </a:fillRef>
+      <a:effectRef idx="0">
+        <a:scrgbClr r="0" g="0" b="0"/>
+      </a:effectRef>
+      <a:fontRef idx="minor"/>
+    </dgm:style>
+  </dgm:styleLbl>
+  <dgm:styleLbl name="trAlignAcc1">
+    <dgm:scene3d>
+      <a:camera prst="orthographicFront"/>
+      <a:lightRig rig="threePt" dir="t"/>
+    </dgm:scene3d>
+    <dgm:sp3d/>
+    <dgm:txPr/>
+    <dgm:style>
+      <a:lnRef idx="1">
+        <a:scrgbClr r="0" g="0" b="0"/>
+      </a:lnRef>
+      <a:fillRef idx="1">
+        <a:scrgbClr r="0" g="0" b="0"/>
+      </a:fillRef>
+      <a:effectRef idx="0">
+        <a:scrgbClr r="0" g="0" b="0"/>
+      </a:effectRef>
+      <a:fontRef idx="minor"/>
+    </dgm:style>
+  </dgm:styleLbl>
+  <dgm:styleLbl name="bgAcc1">
+    <dgm:scene3d>
+      <a:camera prst="orthographicFront"/>
+      <a:lightRig rig="threePt" dir="t"/>
+    </dgm:scene3d>
+    <dgm:sp3d/>
+    <dgm:txPr/>
+    <dgm:style>
+      <a:lnRef idx="2">
+        <a:scrgbClr r="0" g="0" b="0"/>
+      </a:lnRef>
+      <a:fillRef idx="1">
+        <a:scrgbClr r="0" g="0" b="0"/>
+      </a:fillRef>
+      <a:effectRef idx="0">
+        <a:scrgbClr r="0" g="0" b="0"/>
+      </a:effectRef>
+      <a:fontRef idx="minor"/>
+    </dgm:style>
+  </dgm:styleLbl>
+  <dgm:styleLbl name="solidFgAcc1">
+    <dgm:scene3d>
+      <a:camera prst="orthographicFront"/>
+      <a:lightRig rig="threePt" dir="t"/>
+    </dgm:scene3d>
+    <dgm:sp3d/>
+    <dgm:txPr/>
+    <dgm:style>
+      <a:lnRef idx="2">
+        <a:scrgbClr r="0" g="0" b="0"/>
+      </a:lnRef>
+      <a:fillRef idx="1">
+        <a:scrgbClr r="0" g="0" b="0"/>
+      </a:fillRef>
+      <a:effectRef idx="0">
+        <a:scrgbClr r="0" g="0" b="0"/>
+      </a:effectRef>
+      <a:fontRef idx="minor"/>
+    </dgm:style>
+  </dgm:styleLbl>
+  <dgm:styleLbl name="solidAlignAcc1">
+    <dgm:scene3d>
+      <a:camera prst="orthographicFront"/>
+      <a:lightRig rig="threePt" dir="t"/>
+    </dgm:scene3d>
+    <dgm:sp3d/>
+    <dgm:txPr/>
+    <dgm:style>
+      <a:lnRef idx="2">
+        <a:scrgbClr r="0" g="0" b="0"/>
+      </a:lnRef>
+      <a:fillRef idx="1">
+        <a:scrgbClr r="0" g="0" b="0"/>
+      </a:fillRef>
+      <a:effectRef idx="0">
+        <a:scrgbClr r="0" g="0" b="0"/>
+      </a:effectRef>
+      <a:fontRef idx="minor"/>
+    </dgm:style>
+  </dgm:styleLbl>
+  <dgm:styleLbl name="solidBgAcc1">
+    <dgm:scene3d>
+      <a:camera prst="orthographicFront"/>
+      <a:lightRig rig="threePt" dir="t"/>
+    </dgm:scene3d>
+    <dgm:sp3d/>
+    <dgm:txPr/>
+    <dgm:style>
+      <a:lnRef idx="2">
+        <a:scrgbClr r="0" g="0" b="0"/>
+      </a:lnRef>
+      <a:fillRef idx="1">
+        <a:scrgbClr r="0" g="0" b="0"/>
+      </a:fillRef>
+      <a:effectRef idx="0">
+        <a:scrgbClr r="0" g="0" b="0"/>
+      </a:effectRef>
+      <a:fontRef idx="minor"/>
+    </dgm:style>
+  </dgm:styleLbl>
+  <dgm:styleLbl name="fgAccFollowNode1">
+    <dgm:scene3d>
+      <a:camera prst="orthographicFront"/>
+      <a:lightRig rig="threePt" dir="t"/>
+    </dgm:scene3d>
+    <dgm:sp3d/>
+    <dgm:txPr/>
+    <dgm:style>
+      <a:lnRef idx="2">
+        <a:scrgbClr r="0" g="0" b="0"/>
+      </a:lnRef>
+      <a:fillRef idx="1">
+        <a:scrgbClr r="0" g="0" b="0"/>
+      </a:fillRef>
+      <a:effectRef idx="0">
+        <a:scrgbClr r="0" g="0" b="0"/>
+      </a:effectRef>
+      <a:fontRef idx="minor"/>
+    </dgm:style>
+  </dgm:styleLbl>
+  <dgm:styleLbl name="alignAccFollowNode1">
+    <dgm:scene3d>
+      <a:camera prst="orthographicFront"/>
+      <a:lightRig rig="threePt" dir="t"/>
+    </dgm:scene3d>
+    <dgm:sp3d/>
+    <dgm:txPr/>
+    <dgm:style>
+      <a:lnRef idx="2">
+        <a:scrgbClr r="0" g="0" b="0"/>
+      </a:lnRef>
+      <a:fillRef idx="1">
+        <a:scrgbClr r="0" g="0" b="0"/>
+      </a:fillRef>
+      <a:effectRef idx="0">
+        <a:scrgbClr r="0" g="0" b="0"/>
+      </a:effectRef>
+      <a:fontRef idx="minor"/>
+    </dgm:style>
+  </dgm:styleLbl>
+  <dgm:styleLbl name="bgAccFollowNode1">
+    <dgm:scene3d>
+      <a:camera prst="orthographicFront"/>
+      <a:lightRig rig="threePt" dir="t"/>
+    </dgm:scene3d>
+    <dgm:sp3d/>
+    <dgm:txPr/>
+    <dgm:style>
+      <a:lnRef idx="2">
+        <a:scrgbClr r="0" g="0" b="0"/>
+      </a:lnRef>
+      <a:fillRef idx="1">
+        <a:scrgbClr r="0" g="0" b="0"/>
+      </a:fillRef>
+      <a:effectRef idx="0">
+        <a:scrgbClr r="0" g="0" b="0"/>
+      </a:effectRef>
+      <a:fontRef idx="minor"/>
+    </dgm:style>
+  </dgm:styleLbl>
+  <dgm:styleLbl name="fgAcc0">
+    <dgm:scene3d>
+      <a:camera prst="orthographicFront"/>
+      <a:lightRig rig="threePt" dir="t"/>
+    </dgm:scene3d>
+    <dgm:sp3d/>
+    <dgm:txPr/>
+    <dgm:style>
+      <a:lnRef idx="2">
+        <a:scrgbClr r="0" g="0" b="0"/>
+      </a:lnRef>
+      <a:fillRef idx="1">
+        <a:scrgbClr r="0" g="0" b="0"/>
+      </a:fillRef>
+      <a:effectRef idx="0">
+        <a:scrgbClr r="0" g="0" b="0"/>
+      </a:effectRef>
+      <a:fontRef idx="minor"/>
+    </dgm:style>
+  </dgm:styleLbl>
+  <dgm:styleLbl name="fgAcc2">
+    <dgm:scene3d>
+      <a:camera prst="orthographicFront"/>
+      <a:lightRig rig="threePt" dir="t"/>
+    </dgm:scene3d>
+    <dgm:sp3d/>
+    <dgm:txPr/>
+    <dgm:style>
+      <a:lnRef idx="2">
+        <a:scrgbClr r="0" g="0" b="0"/>
+      </a:lnRef>
+      <a:fillRef idx="1">
+        <a:scrgbClr r="0" g="0" b="0"/>
+      </a:fillRef>
+      <a:effectRef idx="0">
+        <a:scrgbClr r="0" g="0" b="0"/>
+      </a:effectRef>
+      <a:fontRef idx="minor"/>
+    </dgm:style>
+  </dgm:styleLbl>
+  <dgm:styleLbl name="fgAcc3">
+    <dgm:scene3d>
+      <a:camera prst="orthographicFront"/>
+      <a:lightRig rig="threePt" dir="t"/>
+    </dgm:scene3d>
+    <dgm:sp3d/>
+    <dgm:txPr/>
+    <dgm:style>
+      <a:lnRef idx="2">
+        <a:scrgbClr r="0" g="0" b="0"/>
+      </a:lnRef>
+      <a:fillRef idx="1">
+        <a:scrgbClr r="0" g="0" b="0"/>
+      </a:fillRef>
+      <a:effectRef idx="0">
+        <a:scrgbClr r="0" g="0" b="0"/>
+      </a:effectRef>
+      <a:fontRef idx="minor"/>
+    </dgm:style>
+  </dgm:styleLbl>
+  <dgm:styleLbl name="fgAcc4">
+    <dgm:scene3d>
+      <a:camera prst="orthographicFront"/>
+      <a:lightRig rig="threePt" dir="t"/>
+    </dgm:scene3d>
+    <dgm:sp3d/>
+    <dgm:txPr/>
+    <dgm:style>
+      <a:lnRef idx="2">
+        <a:scrgbClr r="0" g="0" b="0"/>
+      </a:lnRef>
+      <a:fillRef idx="1">
+        <a:scrgbClr r="0" g="0" b="0"/>
+      </a:fillRef>
+      <a:effectRef idx="0">
+        <a:scrgbClr r="0" g="0" b="0"/>
+      </a:effectRef>
+      <a:fontRef idx="minor"/>
+    </dgm:style>
+  </dgm:styleLbl>
+  <dgm:styleLbl name="bgShp">
+    <dgm:scene3d>
+      <a:camera prst="orthographicFront"/>
+      <a:lightRig rig="threePt" dir="t"/>
+    </dgm:scene3d>
+    <dgm:sp3d/>
+    <dgm:txPr/>
+    <dgm:style>
+      <a:lnRef idx="0">
+        <a:scrgbClr r="0" g="0" b="0"/>
+      </a:lnRef>
+      <a:fillRef idx="1">
+        <a:scrgbClr r="0" g="0" b="0"/>
+      </a:fillRef>
+      <a:effectRef idx="0">
+        <a:scrgbClr r="0" g="0" b="0"/>
+      </a:effectRef>
+      <a:fontRef idx="minor"/>
+    </dgm:style>
+  </dgm:styleLbl>
+  <dgm:styleLbl name="dkBgShp">
+    <dgm:scene3d>
+      <a:camera prst="orthographicFront"/>
+      <a:lightRig rig="threePt" dir="t"/>
+    </dgm:scene3d>
+    <dgm:sp3d/>
+    <dgm:txPr/>
+    <dgm:style>
+      <a:lnRef idx="0">
+        <a:scrgbClr r="0" g="0" b="0"/>
+      </a:lnRef>
+      <a:fillRef idx="1">
+        <a:scrgbClr r="0" g="0" b="0"/>
+      </a:fillRef>
+      <a:effectRef idx="0">
+        <a:scrgbClr r="0" g="0" b="0"/>
+      </a:effectRef>
+      <a:fontRef idx="minor"/>
+    </dgm:style>
+  </dgm:styleLbl>
+  <dgm:styleLbl name="trBgShp">
+    <dgm:scene3d>
+      <a:camera prst="orthographicFront"/>
+      <a:lightRig rig="threePt" dir="t"/>
+    </dgm:scene3d>
+    <dgm:sp3d/>
+    <dgm:txPr/>
+    <dgm:style>
+      <a:lnRef idx="0">
+        <a:scrgbClr r="0" g="0" b="0"/>
+      </a:lnRef>
+      <a:fillRef idx="1">
+        <a:scrgbClr r="0" g="0" b="0"/>
+      </a:fillRef>
+      <a:effectRef idx="0">
+        <a:scrgbClr r="0" g="0" b="0"/>
+      </a:effectRef>
+      <a:fontRef idx="minor"/>
+    </dgm:style>
+  </dgm:styleLbl>
+  <dgm:styleLbl name="fgShp">
+    <dgm:scene3d>
+      <a:camera prst="orthographicFront"/>
+      <a:lightRig rig="threePt" dir="t"/>
+    </dgm:scene3d>
+    <dgm:sp3d/>
+    <dgm:txPr/>
+    <dgm:style>
+      <a:lnRef idx="2">
+        <a:scrgbClr r="0" g="0" b="0"/>
+      </a:lnRef>
+      <a:fillRef idx="1">
+        <a:scrgbClr r="0" g="0" b="0"/>
+      </a:fillRef>
+      <a:effectRef idx="0">
+        <a:scrgbClr r="0" g="0" b="0"/>
+      </a:effectRef>
+      <a:fontRef idx="minor"/>
+    </dgm:style>
+  </dgm:styleLbl>
+  <dgm:styleLbl name="revTx">
+    <dgm:scene3d>
+      <a:camera prst="orthographicFront"/>
+      <a:lightRig rig="threePt" dir="t"/>
+    </dgm:scene3d>
+    <dgm:sp3d/>
+    <dgm:txPr/>
+    <dgm:style>
+      <a:lnRef idx="0">
+        <a:scrgbClr r="0" g="0" b="0"/>
+      </a:lnRef>
+      <a:fillRef idx="0">
+        <a:scrgbClr r="0" g="0" b="0"/>
+      </a:fillRef>
+      <a:effectRef idx="0">
+        <a:scrgbClr r="0" g="0" b="0"/>
+      </a:effectRef>
+      <a:fontRef idx="minor"/>
+    </dgm:style>
+  </dgm:styleLbl>
+</dgm:styleDef>
+</file>
+
+<file path=ppt/diagrams/quickStyle3.xml><?xml version="1.0" encoding="utf-8"?>
 <dgm:styleDef xmlns:dgm="http://schemas.openxmlformats.org/drawingml/2006/diagram" xmlns:a="http://schemas.openxmlformats.org/drawingml/2006/main" uniqueId="urn:microsoft.com/office/officeart/2005/8/quickstyle/simple1">
   <dgm:title val=""/>
   <dgm:desc val=""/>
@@ -7066,7 +10123,7 @@
           <a:p>
             <a:fld id="{33CD2AB9-B06D-411F-A861-6EE94F8458A4}" type="datetimeFigureOut">
               <a:rPr lang="en-US" smtClean="0"/>
-              <a:t>11/17/22</a:t>
+              <a:t>11/17/2022</a:t>
             </a:fld>
             <a:endParaRPr lang="en-US"/>
           </a:p>
@@ -7224,7 +10281,7 @@
           <a:p>
             <a:fld id="{3D6072FC-2456-484E-89FC-DEC8F2A9D837}" type="slidenum">
               <a:rPr lang="en-US" smtClean="0"/>
-              <a:t>‹#›</a:t>
+              <a:t>‹nº›</a:t>
             </a:fld>
             <a:endParaRPr lang="en-US"/>
           </a:p>
@@ -7689,7 +10746,7 @@
           <a:p>
             <a:fld id="{C01389E6-C847-4AD0-B56D-D205B2EAB1EE}" type="slidenum">
               <a:rPr lang="en-US" smtClean="0"/>
-              <a:t>‹#›</a:t>
+              <a:t>‹nº›</a:t>
             </a:fld>
             <a:endParaRPr lang="en-US"/>
           </a:p>
@@ -7887,7 +10944,7 @@
           <a:p>
             <a:fld id="{C01389E6-C847-4AD0-B56D-D205B2EAB1EE}" type="slidenum">
               <a:rPr lang="en-US" smtClean="0"/>
-              <a:t>‹#›</a:t>
+              <a:t>‹nº›</a:t>
             </a:fld>
             <a:endParaRPr lang="en-US"/>
           </a:p>
@@ -8097,7 +11154,7 @@
           <a:p>
             <a:fld id="{C01389E6-C847-4AD0-B56D-D205B2EAB1EE}" type="slidenum">
               <a:rPr lang="en-US" smtClean="0"/>
-              <a:t>‹#›</a:t>
+              <a:t>‹nº›</a:t>
             </a:fld>
             <a:endParaRPr lang="en-US"/>
           </a:p>
@@ -8319,7 +11376,7 @@
           <a:p>
             <a:fld id="{F825894E-25C4-4742-A1B0-897E952C1911}" type="slidenum">
               <a:rPr lang="pt-PT" smtClean="0"/>
-              <a:t>‹#›</a:t>
+              <a:t>‹nº›</a:t>
             </a:fld>
             <a:endParaRPr lang="pt-PT"/>
           </a:p>
@@ -8519,7 +11576,7 @@
           <a:p>
             <a:fld id="{F825894E-25C4-4742-A1B0-897E952C1911}" type="slidenum">
               <a:rPr lang="pt-PT" smtClean="0"/>
-              <a:t>‹#›</a:t>
+              <a:t>‹nº›</a:t>
             </a:fld>
             <a:endParaRPr lang="pt-PT"/>
           </a:p>
@@ -8795,7 +11852,7 @@
           <a:p>
             <a:fld id="{F825894E-25C4-4742-A1B0-897E952C1911}" type="slidenum">
               <a:rPr lang="pt-PT" smtClean="0"/>
-              <a:t>‹#›</a:t>
+              <a:t>‹nº›</a:t>
             </a:fld>
             <a:endParaRPr lang="pt-PT"/>
           </a:p>
@@ -9063,7 +12120,7 @@
           <a:p>
             <a:fld id="{F825894E-25C4-4742-A1B0-897E952C1911}" type="slidenum">
               <a:rPr lang="pt-PT" smtClean="0"/>
-              <a:t>‹#›</a:t>
+              <a:t>‹nº›</a:t>
             </a:fld>
             <a:endParaRPr lang="pt-PT"/>
           </a:p>
@@ -9478,7 +12535,7 @@
           <a:p>
             <a:fld id="{F825894E-25C4-4742-A1B0-897E952C1911}" type="slidenum">
               <a:rPr lang="pt-PT" smtClean="0"/>
-              <a:t>‹#›</a:t>
+              <a:t>‹nº›</a:t>
             </a:fld>
             <a:endParaRPr lang="pt-PT"/>
           </a:p>
@@ -9620,7 +12677,7 @@
           <a:p>
             <a:fld id="{F825894E-25C4-4742-A1B0-897E952C1911}" type="slidenum">
               <a:rPr lang="pt-PT" smtClean="0"/>
-              <a:t>‹#›</a:t>
+              <a:t>‹nº›</a:t>
             </a:fld>
             <a:endParaRPr lang="pt-PT"/>
           </a:p>
@@ -9733,7 +12790,7 @@
           <a:p>
             <a:fld id="{F825894E-25C4-4742-A1B0-897E952C1911}" type="slidenum">
               <a:rPr lang="pt-PT" smtClean="0"/>
-              <a:t>‹#›</a:t>
+              <a:t>‹nº›</a:t>
             </a:fld>
             <a:endParaRPr lang="pt-PT"/>
           </a:p>
@@ -10046,7 +13103,7 @@
           <a:p>
             <a:fld id="{F825894E-25C4-4742-A1B0-897E952C1911}" type="slidenum">
               <a:rPr lang="pt-PT" smtClean="0"/>
-              <a:t>‹#›</a:t>
+              <a:t>‹nº›</a:t>
             </a:fld>
             <a:endParaRPr lang="pt-PT"/>
           </a:p>
@@ -10245,7 +13302,7 @@
           <a:p>
             <a:fld id="{C01389E6-C847-4AD0-B56D-D205B2EAB1EE}" type="slidenum">
               <a:rPr lang="en-US" smtClean="0"/>
-              <a:t>‹#›</a:t>
+              <a:t>‹nº›</a:t>
             </a:fld>
             <a:endParaRPr lang="en-US"/>
           </a:p>
@@ -10534,7 +13591,7 @@
           <a:p>
             <a:fld id="{F825894E-25C4-4742-A1B0-897E952C1911}" type="slidenum">
               <a:rPr lang="pt-PT" smtClean="0"/>
-              <a:t>‹#›</a:t>
+              <a:t>‹nº›</a:t>
             </a:fld>
             <a:endParaRPr lang="pt-PT"/>
           </a:p>
@@ -10734,7 +13791,7 @@
           <a:p>
             <a:fld id="{F825894E-25C4-4742-A1B0-897E952C1911}" type="slidenum">
               <a:rPr lang="pt-PT" smtClean="0"/>
-              <a:t>‹#›</a:t>
+              <a:t>‹nº›</a:t>
             </a:fld>
             <a:endParaRPr lang="pt-PT"/>
           </a:p>
@@ -10944,7 +14001,7 @@
           <a:p>
             <a:fld id="{F825894E-25C4-4742-A1B0-897E952C1911}" type="slidenum">
               <a:rPr lang="pt-PT" smtClean="0"/>
-              <a:t>‹#›</a:t>
+              <a:t>‹nº›</a:t>
             </a:fld>
             <a:endParaRPr lang="pt-PT"/>
           </a:p>
@@ -11225,7 +14282,7 @@
           <a:p>
             <a:fld id="{C01389E6-C847-4AD0-B56D-D205B2EAB1EE}" type="slidenum">
               <a:rPr lang="en-US" smtClean="0"/>
-              <a:t>‹#›</a:t>
+              <a:t>‹nº›</a:t>
             </a:fld>
             <a:endParaRPr lang="en-US"/>
           </a:p>
@@ -11493,7 +14550,7 @@
           <a:p>
             <a:fld id="{C01389E6-C847-4AD0-B56D-D205B2EAB1EE}" type="slidenum">
               <a:rPr lang="en-US" smtClean="0"/>
-              <a:t>‹#›</a:t>
+              <a:t>‹nº›</a:t>
             </a:fld>
             <a:endParaRPr lang="en-US"/>
           </a:p>
@@ -11874,7 +14931,7 @@
           <a:p>
             <a:fld id="{C01389E6-C847-4AD0-B56D-D205B2EAB1EE}" type="slidenum">
               <a:rPr lang="en-US" smtClean="0"/>
-              <a:t>‹#›</a:t>
+              <a:t>‹nº›</a:t>
             </a:fld>
             <a:endParaRPr lang="en-US"/>
           </a:p>
@@ -12044,7 +15101,7 @@
           <a:p>
             <a:fld id="{C01389E6-C847-4AD0-B56D-D205B2EAB1EE}" type="slidenum">
               <a:rPr lang="en-US" smtClean="0"/>
-              <a:t>‹#›</a:t>
+              <a:t>‹nº›</a:t>
             </a:fld>
             <a:endParaRPr lang="en-US"/>
           </a:p>
@@ -12157,7 +15214,7 @@
           <a:p>
             <a:fld id="{C01389E6-C847-4AD0-B56D-D205B2EAB1EE}" type="slidenum">
               <a:rPr lang="en-US" smtClean="0"/>
-              <a:t>‹#›</a:t>
+              <a:t>‹nº›</a:t>
             </a:fld>
             <a:endParaRPr lang="en-US"/>
           </a:p>
@@ -12474,7 +15531,7 @@
           <a:p>
             <a:fld id="{C01389E6-C847-4AD0-B56D-D205B2EAB1EE}" type="slidenum">
               <a:rPr lang="en-US" smtClean="0"/>
-              <a:t>‹#›</a:t>
+              <a:t>‹nº›</a:t>
             </a:fld>
             <a:endParaRPr lang="en-US"/>
           </a:p>
@@ -12766,7 +15823,7 @@
           <a:p>
             <a:fld id="{C01389E6-C847-4AD0-B56D-D205B2EAB1EE}" type="slidenum">
               <a:rPr lang="en-US" smtClean="0"/>
-              <a:t>‹#›</a:t>
+              <a:t>‹nº›</a:t>
             </a:fld>
             <a:endParaRPr lang="en-US"/>
           </a:p>
@@ -13168,7 +16225,7 @@
             <a:fld id="{C01389E6-C847-4AD0-B56D-D205B2EAB1EE}" type="slidenum">
               <a:rPr lang="en-US" smtClean="0"/>
               <a:pPr/>
-              <a:t>‹#›</a:t>
+              <a:t>‹nº›</a:t>
             </a:fld>
             <a:endParaRPr lang="en-US" sz="800" dirty="0"/>
           </a:p>
@@ -13739,7 +16796,7 @@
           <a:p>
             <a:fld id="{F825894E-25C4-4742-A1B0-897E952C1911}" type="slidenum">
               <a:rPr lang="pt-PT" smtClean="0"/>
-              <a:t>‹#›</a:t>
+              <a:t>‹nº›</a:t>
             </a:fld>
             <a:endParaRPr lang="pt-PT"/>
           </a:p>
@@ -14766,7 +17823,7 @@
       </p:grpSpPr>
       <p:sp>
         <p:nvSpPr>
-          <p:cNvPr id="48" name="Rectangle 47">
+          <p:cNvPr id="68" name="Rectangle 67">
             <a:extLst>
               <a:ext uri="{FF2B5EF4-FFF2-40B4-BE49-F238E27FC236}">
                 <a16:creationId xmlns:a16="http://schemas.microsoft.com/office/drawing/2014/main" id="{BD4C0BBB-0042-4603-A226-6117F3FD5B3C}"/>
@@ -14841,7 +17898,7 @@
       </p:sp>
       <p:sp>
         <p:nvSpPr>
-          <p:cNvPr id="50" name="Rectangle 49">
+          <p:cNvPr id="70" name="Rectangle 69">
             <a:extLst>
               <a:ext uri="{FF2B5EF4-FFF2-40B4-BE49-F238E27FC236}">
                 <a16:creationId xmlns:a16="http://schemas.microsoft.com/office/drawing/2014/main" id="{EC44F520-2598-460E-9F91-B02F60830CA2}"/>
@@ -14916,10 +17973,10 @@
       </p:sp>
       <p:sp useBgFill="1">
         <p:nvSpPr>
-          <p:cNvPr id="52" name="Rectangle 51">
-            <a:extLst>
-              <a:ext uri="{FF2B5EF4-FFF2-40B4-BE49-F238E27FC236}">
-                <a16:creationId xmlns:a16="http://schemas.microsoft.com/office/drawing/2014/main" id="{487FDDCF-C300-4618-BBC4-568DDFD9E6C0}"/>
+          <p:cNvPr id="72" name="Rectangle 71">
+            <a:extLst>
+              <a:ext uri="{FF2B5EF4-FFF2-40B4-BE49-F238E27FC236}">
+                <a16:creationId xmlns:a16="http://schemas.microsoft.com/office/drawing/2014/main" id="{FBC072A9-737B-43EA-8F67-8155C25E607E}"/>
               </a:ext>
               <a:ext uri="{C183D7F6-B498-43B3-948B-1728B52AA6E4}">
                 <adec:decorative xmlns:adec="http://schemas.microsoft.com/office/drawing/2017/decorative" val="1"/>
@@ -14992,10 +18049,10 @@
       </p:sp>
       <p:pic>
         <p:nvPicPr>
-          <p:cNvPr id="9" name="Picture 8" descr="Chart, line chart&#10;&#10;Description automatically generated">
-            <a:extLst>
-              <a:ext uri="{FF2B5EF4-FFF2-40B4-BE49-F238E27FC236}">
-                <a16:creationId xmlns:a16="http://schemas.microsoft.com/office/drawing/2014/main" id="{5D6A4E30-F434-604C-A5F3-1606011E9D4C}"/>
+          <p:cNvPr id="7" name="Picture 6" descr="Chart, scatter chart, bubble chart&#10;&#10;Description automatically generated">
+            <a:extLst>
+              <a:ext uri="{FF2B5EF4-FFF2-40B4-BE49-F238E27FC236}">
+                <a16:creationId xmlns:a16="http://schemas.microsoft.com/office/drawing/2014/main" id="{83AEA9F9-3A5E-6C41-B99D-D62DBF84DE91}"/>
               </a:ext>
             </a:extLst>
           </p:cNvPr>
@@ -15012,13 +18069,13 @@
               </a:ext>
             </a:extLst>
           </a:blip>
-          <a:srcRect t="1923" r="-2" b="-2"/>
+          <a:srcRect l="51607" r="-546"/>
           <a:stretch/>
         </p:blipFill>
         <p:spPr>
           <a:xfrm>
-            <a:off x="1371601" y="1905129"/>
-            <a:ext cx="4489540" cy="3047742"/>
+            <a:off x="177633" y="1982254"/>
+            <a:ext cx="3827156" cy="2893492"/>
           </a:xfrm>
           <a:prstGeom prst="rect">
             <a:avLst/>
@@ -15027,10 +18084,45 @@
       </p:pic>
       <p:pic>
         <p:nvPicPr>
-          <p:cNvPr id="7" name="Picture 6" descr="Chart, treemap chart&#10;&#10;Description automatically generated">
-            <a:extLst>
-              <a:ext uri="{FF2B5EF4-FFF2-40B4-BE49-F238E27FC236}">
-                <a16:creationId xmlns:a16="http://schemas.microsoft.com/office/drawing/2014/main" id="{E97F1C00-89EC-E44A-A20A-073C8EED25E5}"/>
+          <p:cNvPr id="19" name="Picture 18" descr="Chart, scatter chart, bubble chart&#10;&#10;Description automatically generated">
+            <a:extLst>
+              <a:ext uri="{FF2B5EF4-FFF2-40B4-BE49-F238E27FC236}">
+                <a16:creationId xmlns:a16="http://schemas.microsoft.com/office/drawing/2014/main" id="{B593D0B5-67BA-FB4F-B5EB-FC920D7418CD}"/>
+              </a:ext>
+            </a:extLst>
+          </p:cNvPr>
+          <p:cNvPicPr>
+            <a:picLocks noChangeAspect="1"/>
+          </p:cNvPicPr>
+          <p:nvPr/>
+        </p:nvPicPr>
+        <p:blipFill rotWithShape="1">
+          <a:blip r:embed="rId2">
+            <a:extLst>
+              <a:ext uri="{28A0092B-C50C-407E-A947-70E740481C1C}">
+                <a14:useLocalDpi xmlns:a14="http://schemas.microsoft.com/office/drawing/2010/main" val="0"/>
+              </a:ext>
+            </a:extLst>
+          </a:blip>
+          <a:srcRect l="411" r="47579"/>
+          <a:stretch/>
+        </p:blipFill>
+        <p:spPr>
+          <a:xfrm>
+            <a:off x="4182422" y="2067679"/>
+            <a:ext cx="3827156" cy="2722642"/>
+          </a:xfrm>
+          <a:prstGeom prst="rect">
+            <a:avLst/>
+          </a:prstGeom>
+        </p:spPr>
+      </p:pic>
+      <p:pic>
+        <p:nvPicPr>
+          <p:cNvPr id="5" name="Picture 4" descr="Chart, line chart&#10;&#10;Description automatically generated">
+            <a:extLst>
+              <a:ext uri="{FF2B5EF4-FFF2-40B4-BE49-F238E27FC236}">
+                <a16:creationId xmlns:a16="http://schemas.microsoft.com/office/drawing/2014/main" id="{EAC12496-1B02-0744-A817-C33CBCC1878F}"/>
               </a:ext>
             </a:extLst>
           </p:cNvPr>
@@ -15047,13 +18139,13 @@
               </a:ext>
             </a:extLst>
           </a:blip>
-          <a:srcRect l="199" r="3" b="3"/>
+          <a:srcRect t="169"/>
           <a:stretch/>
         </p:blipFill>
         <p:spPr>
           <a:xfrm>
-            <a:off x="6330860" y="1905137"/>
-            <a:ext cx="4489540" cy="3047727"/>
+            <a:off x="8187211" y="2129966"/>
+            <a:ext cx="3827156" cy="2598068"/>
           </a:xfrm>
           <a:prstGeom prst="rect">
             <a:avLst/>
@@ -15062,10 +18154,10 @@
       </p:pic>
       <p:sp>
         <p:nvSpPr>
-          <p:cNvPr id="54" name="Rectangle 53">
-            <a:extLst>
-              <a:ext uri="{FF2B5EF4-FFF2-40B4-BE49-F238E27FC236}">
-                <a16:creationId xmlns:a16="http://schemas.microsoft.com/office/drawing/2014/main" id="{CB1FF4D1-D3A2-46A1-A1DB-84C4A92F68D6}"/>
+          <p:cNvPr id="74" name="Rectangle 73">
+            <a:extLst>
+              <a:ext uri="{FF2B5EF4-FFF2-40B4-BE49-F238E27FC236}">
+                <a16:creationId xmlns:a16="http://schemas.microsoft.com/office/drawing/2014/main" id="{0EB06CB7-868E-4636-A33A-E193292A6F50}"/>
               </a:ext>
               <a:ext uri="{C183D7F6-B498-43B3-948B-1728B52AA6E4}">
                 <adec:decorative xmlns:adec="http://schemas.microsoft.com/office/drawing/2017/decorative" val="1"/>
@@ -15137,10 +18229,10 @@
       </p:sp>
       <p:sp>
         <p:nvSpPr>
-          <p:cNvPr id="56" name="Rectangle 55">
-            <a:extLst>
-              <a:ext uri="{FF2B5EF4-FFF2-40B4-BE49-F238E27FC236}">
-                <a16:creationId xmlns:a16="http://schemas.microsoft.com/office/drawing/2014/main" id="{BA6CC515-2CA9-4522-924F-81F6F25FF8DB}"/>
+          <p:cNvPr id="76" name="Rectangle 75">
+            <a:extLst>
+              <a:ext uri="{FF2B5EF4-FFF2-40B4-BE49-F238E27FC236}">
+                <a16:creationId xmlns:a16="http://schemas.microsoft.com/office/drawing/2014/main" id="{AFD90F94-5ADB-4D14-BFA5-C0815CAE6D8D}"/>
               </a:ext>
               <a:ext uri="{C183D7F6-B498-43B3-948B-1728B52AA6E4}">
                 <adec:decorative xmlns:adec="http://schemas.microsoft.com/office/drawing/2017/decorative" val="1"/>
@@ -15212,10 +18304,10 @@
       </p:sp>
       <p:sp>
         <p:nvSpPr>
-          <p:cNvPr id="18" name="Title 1">
-            <a:extLst>
-              <a:ext uri="{FF2B5EF4-FFF2-40B4-BE49-F238E27FC236}">
-                <a16:creationId xmlns:a16="http://schemas.microsoft.com/office/drawing/2014/main" id="{BA4880DB-79C7-8648-A0CE-86B48F5D3ADF}"/>
+          <p:cNvPr id="17" name="Title 1">
+            <a:extLst>
+              <a:ext uri="{FF2B5EF4-FFF2-40B4-BE49-F238E27FC236}">
+                <a16:creationId xmlns:a16="http://schemas.microsoft.com/office/drawing/2014/main" id="{810A4515-F966-1F4E-A8BC-0A42D747E5C8}"/>
               </a:ext>
             </a:extLst>
           </p:cNvPr>
@@ -15260,17 +18352,17 @@
             <a:pPr algn="ctr"/>
             <a:r>
               <a:rPr lang="en-US" sz="2800" dirty="0"/>
-              <a:t>XTREE</a:t>
+              <a:t>SVC</a:t>
             </a:r>
           </a:p>
         </p:txBody>
       </p:sp>
       <p:sp>
         <p:nvSpPr>
-          <p:cNvPr id="5" name="Date Placeholder 4">
-            <a:extLst>
-              <a:ext uri="{FF2B5EF4-FFF2-40B4-BE49-F238E27FC236}">
-                <a16:creationId xmlns:a16="http://schemas.microsoft.com/office/drawing/2014/main" id="{A3EF93A5-4C17-6A45-8FC5-6B3F7B062A77}"/>
+          <p:cNvPr id="6" name="Date Placeholder 5">
+            <a:extLst>
+              <a:ext uri="{FF2B5EF4-FFF2-40B4-BE49-F238E27FC236}">
+                <a16:creationId xmlns:a16="http://schemas.microsoft.com/office/drawing/2014/main" id="{36E92D1E-F8D0-3245-9574-BF1409828E31}"/>
               </a:ext>
             </a:extLst>
           </p:cNvPr>
@@ -15286,7 +18378,7 @@
           <a:bodyPr/>
           <a:lstStyle/>
           <a:p>
-            <a:fld id="{0A72D659-3C0B-6B41-9587-4FFB5068822D}" type="datetime2">
+            <a:fld id="{CFA55CB0-1DB5-2643-9CC9-C841CAAFF7CE}" type="datetime2">
               <a:rPr lang="en-US" smtClean="0"/>
               <a:t>Thursday, November 17, 2022</a:t>
             </a:fld>
@@ -15296,10 +18388,10 @@
       </p:sp>
       <p:sp>
         <p:nvSpPr>
-          <p:cNvPr id="6" name="Slide Number Placeholder 5">
-            <a:extLst>
-              <a:ext uri="{FF2B5EF4-FFF2-40B4-BE49-F238E27FC236}">
-                <a16:creationId xmlns:a16="http://schemas.microsoft.com/office/drawing/2014/main" id="{87E204A3-B1B9-AA48-A9DD-4AB610A0AC5A}"/>
+          <p:cNvPr id="8" name="Slide Number Placeholder 7">
+            <a:extLst>
+              <a:ext uri="{FF2B5EF4-FFF2-40B4-BE49-F238E27FC236}">
+                <a16:creationId xmlns:a16="http://schemas.microsoft.com/office/drawing/2014/main" id="{7135C965-F31D-304F-9FB7-FA99FC0E9C4D}"/>
               </a:ext>
             </a:extLst>
           </p:cNvPr>
@@ -15326,7 +18418,7 @@
     </p:spTree>
     <p:extLst>
       <p:ext uri="{BB962C8B-B14F-4D97-AF65-F5344CB8AC3E}">
-        <p14:creationId xmlns:p14="http://schemas.microsoft.com/office/powerpoint/2010/main" val="1161264520"/>
+        <p14:creationId xmlns:p14="http://schemas.microsoft.com/office/powerpoint/2010/main" val="3176021614"/>
       </p:ext>
     </p:extLst>
   </p:cSld>
@@ -15361,12 +18453,162 @@
           <a:chExt cx="0" cy="0"/>
         </a:xfrm>
       </p:grpSpPr>
+      <p:sp>
+        <p:nvSpPr>
+          <p:cNvPr id="48" name="Rectangle 47">
+            <a:extLst>
+              <a:ext uri="{FF2B5EF4-FFF2-40B4-BE49-F238E27FC236}">
+                <a16:creationId xmlns:a16="http://schemas.microsoft.com/office/drawing/2014/main" id="{BD4C0BBB-0042-4603-A226-6117F3FD5B3C}"/>
+              </a:ext>
+              <a:ext uri="{C183D7F6-B498-43B3-948B-1728B52AA6E4}">
+                <adec:decorative xmlns:adec="http://schemas.microsoft.com/office/drawing/2017/decorative" val="1"/>
+              </a:ext>
+            </a:extLst>
+          </p:cNvPr>
+          <p:cNvSpPr>
+            <a:spLocks noGrp="1" noRot="1" noChangeAspect="1" noMove="1" noResize="1" noEditPoints="1" noAdjustHandles="1" noChangeArrowheads="1" noChangeShapeType="1" noTextEdit="1"/>
+          </p:cNvSpPr>
+          <p:nvPr>
+            <p:extLst>
+              <p:ext uri="{386F3935-93C4-4BCD-93E2-E3B085C9AB24}">
+                <p16:designElem xmlns:p16="http://schemas.microsoft.com/office/powerpoint/2015/main" val="1"/>
+              </p:ext>
+            </p:extLst>
+          </p:nvPr>
+        </p:nvSpPr>
+        <p:spPr>
+          <a:xfrm rot="10800000" flipH="1">
+            <a:off x="0" y="6400799"/>
+            <a:ext cx="12192000" cy="456773"/>
+          </a:xfrm>
+          <a:prstGeom prst="rect">
+            <a:avLst/>
+          </a:prstGeom>
+          <a:gradFill>
+            <a:gsLst>
+              <a:gs pos="14000">
+                <a:schemeClr val="accent4">
+                  <a:alpha val="28000"/>
+                </a:schemeClr>
+              </a:gs>
+              <a:gs pos="100000">
+                <a:schemeClr val="accent5">
+                  <a:alpha val="85000"/>
+                </a:schemeClr>
+              </a:gs>
+            </a:gsLst>
+            <a:lin ang="6000000" scaled="0"/>
+          </a:gradFill>
+          <a:ln>
+            <a:noFill/>
+          </a:ln>
+        </p:spPr>
+        <p:style>
+          <a:lnRef idx="2">
+            <a:schemeClr val="accent1">
+              <a:shade val="50000"/>
+            </a:schemeClr>
+          </a:lnRef>
+          <a:fillRef idx="1">
+            <a:schemeClr val="accent1"/>
+          </a:fillRef>
+          <a:effectRef idx="0">
+            <a:schemeClr val="accent1"/>
+          </a:effectRef>
+          <a:fontRef idx="minor">
+            <a:schemeClr val="lt1"/>
+          </a:fontRef>
+        </p:style>
+        <p:txBody>
+          <a:bodyPr rtlCol="0" anchor="ctr"/>
+          <a:lstStyle/>
+          <a:p>
+            <a:pPr algn="ctr"/>
+            <a:endParaRPr lang="en-US"/>
+          </a:p>
+        </p:txBody>
+      </p:sp>
+      <p:sp>
+        <p:nvSpPr>
+          <p:cNvPr id="50" name="Rectangle 49">
+            <a:extLst>
+              <a:ext uri="{FF2B5EF4-FFF2-40B4-BE49-F238E27FC236}">
+                <a16:creationId xmlns:a16="http://schemas.microsoft.com/office/drawing/2014/main" id="{EC44F520-2598-460E-9F91-B02F60830CA2}"/>
+              </a:ext>
+              <a:ext uri="{C183D7F6-B498-43B3-948B-1728B52AA6E4}">
+                <adec:decorative xmlns:adec="http://schemas.microsoft.com/office/drawing/2017/decorative" val="1"/>
+              </a:ext>
+            </a:extLst>
+          </p:cNvPr>
+          <p:cNvSpPr>
+            <a:spLocks noGrp="1" noRot="1" noChangeAspect="1" noMove="1" noResize="1" noEditPoints="1" noAdjustHandles="1" noChangeArrowheads="1" noChangeShapeType="1" noTextEdit="1"/>
+          </p:cNvSpPr>
+          <p:nvPr>
+            <p:extLst>
+              <p:ext uri="{386F3935-93C4-4BCD-93E2-E3B085C9AB24}">
+                <p16:designElem xmlns:p16="http://schemas.microsoft.com/office/powerpoint/2015/main" val="1"/>
+              </p:ext>
+            </p:extLst>
+          </p:nvPr>
+        </p:nvSpPr>
+        <p:spPr>
+          <a:xfrm flipH="1">
+            <a:off x="4038600" y="6400799"/>
+            <a:ext cx="8153398" cy="456772"/>
+          </a:xfrm>
+          <a:prstGeom prst="rect">
+            <a:avLst/>
+          </a:prstGeom>
+          <a:gradFill>
+            <a:gsLst>
+              <a:gs pos="9000">
+                <a:schemeClr val="accent2">
+                  <a:lumMod val="60000"/>
+                  <a:lumOff val="40000"/>
+                  <a:alpha val="55000"/>
+                </a:schemeClr>
+              </a:gs>
+              <a:gs pos="99000">
+                <a:schemeClr val="accent2"/>
+              </a:gs>
+            </a:gsLst>
+            <a:lin ang="14400000" scaled="0"/>
+          </a:gradFill>
+          <a:ln>
+            <a:noFill/>
+          </a:ln>
+        </p:spPr>
+        <p:style>
+          <a:lnRef idx="2">
+            <a:schemeClr val="accent1">
+              <a:shade val="50000"/>
+            </a:schemeClr>
+          </a:lnRef>
+          <a:fillRef idx="1">
+            <a:schemeClr val="accent1"/>
+          </a:fillRef>
+          <a:effectRef idx="0">
+            <a:schemeClr val="accent1"/>
+          </a:effectRef>
+          <a:fontRef idx="minor">
+            <a:schemeClr val="lt1"/>
+          </a:fontRef>
+        </p:style>
+        <p:txBody>
+          <a:bodyPr rtlCol="0" anchor="ctr"/>
+          <a:lstStyle/>
+          <a:p>
+            <a:pPr algn="ctr"/>
+            <a:endParaRPr lang="en-US"/>
+          </a:p>
+        </p:txBody>
+      </p:sp>
       <p:sp useBgFill="1">
         <p:nvSpPr>
-          <p:cNvPr id="51" name="Rectangle 50">
-            <a:extLst>
-              <a:ext uri="{FF2B5EF4-FFF2-40B4-BE49-F238E27FC236}">
-                <a16:creationId xmlns:a16="http://schemas.microsoft.com/office/drawing/2014/main" id="{3BBD5505-E50C-4C8C-B29A-6E8BC40759BB}"/>
+          <p:cNvPr id="52" name="Rectangle 51">
+            <a:extLst>
+              <a:ext uri="{FF2B5EF4-FFF2-40B4-BE49-F238E27FC236}">
+                <a16:creationId xmlns:a16="http://schemas.microsoft.com/office/drawing/2014/main" id="{487FDDCF-C300-4618-BBC4-568DDFD9E6C0}"/>
               </a:ext>
               <a:ext uri="{C183D7F6-B498-43B3-948B-1728B52AA6E4}">
                 <adec:decorative xmlns:adec="http://schemas.microsoft.com/office/drawing/2017/decorative" val="1"/>
@@ -15439,10 +18681,10 @@
       </p:sp>
       <p:pic>
         <p:nvPicPr>
-          <p:cNvPr id="5" name="Picture 4" descr="Chart, treemap chart&#10;&#10;Description automatically generated">
-            <a:extLst>
-              <a:ext uri="{FF2B5EF4-FFF2-40B4-BE49-F238E27FC236}">
-                <a16:creationId xmlns:a16="http://schemas.microsoft.com/office/drawing/2014/main" id="{4C877E22-14AB-9749-AF19-C9EFE5FA94C9}"/>
+          <p:cNvPr id="9" name="Picture 8" descr="Chart, line chart&#10;&#10;Description automatically generated">
+            <a:extLst>
+              <a:ext uri="{FF2B5EF4-FFF2-40B4-BE49-F238E27FC236}">
+                <a16:creationId xmlns:a16="http://schemas.microsoft.com/office/drawing/2014/main" id="{5D6A4E30-F434-604C-A5F3-1606011E9D4C}"/>
               </a:ext>
             </a:extLst>
           </p:cNvPr>
@@ -15459,13 +18701,13 @@
               </a:ext>
             </a:extLst>
           </a:blip>
-          <a:srcRect l="-403" r="537"/>
+          <a:srcRect t="1923" r="-2" b="-2"/>
           <a:stretch/>
         </p:blipFill>
         <p:spPr>
           <a:xfrm>
-            <a:off x="45720" y="2015144"/>
-            <a:ext cx="4168140" cy="2827713"/>
+            <a:off x="1371601" y="1905129"/>
+            <a:ext cx="4489540" cy="3047742"/>
           </a:xfrm>
           <a:prstGeom prst="rect">
             <a:avLst/>
@@ -15474,10 +18716,10 @@
       </p:pic>
       <p:pic>
         <p:nvPicPr>
-          <p:cNvPr id="9" name="Picture 8" descr="Chart, line chart&#10;&#10;Description automatically generated">
-            <a:extLst>
-              <a:ext uri="{FF2B5EF4-FFF2-40B4-BE49-F238E27FC236}">
-                <a16:creationId xmlns:a16="http://schemas.microsoft.com/office/drawing/2014/main" id="{0683D87D-A441-2741-89D8-ADE26C4DF51B}"/>
+          <p:cNvPr id="7" name="Picture 6" descr="Chart, treemap chart&#10;&#10;Description automatically generated">
+            <a:extLst>
+              <a:ext uri="{FF2B5EF4-FFF2-40B4-BE49-F238E27FC236}">
+                <a16:creationId xmlns:a16="http://schemas.microsoft.com/office/drawing/2014/main" id="{E97F1C00-89EC-E44A-A20A-073C8EED25E5}"/>
               </a:ext>
             </a:extLst>
           </p:cNvPr>
@@ -15494,48 +18736,13 @@
               </a:ext>
             </a:extLst>
           </a:blip>
-          <a:srcRect l="496" r="672"/>
+          <a:srcRect l="199" r="3" b="3"/>
           <a:stretch/>
         </p:blipFill>
         <p:spPr>
           <a:xfrm>
-            <a:off x="4259580" y="2015144"/>
-            <a:ext cx="3726180" cy="2827713"/>
-          </a:xfrm>
-          <a:prstGeom prst="rect">
-            <a:avLst/>
-          </a:prstGeom>
-        </p:spPr>
-      </p:pic>
-      <p:pic>
-        <p:nvPicPr>
-          <p:cNvPr id="7" name="Picture 6" descr="Chart, line chart&#10;&#10;Description automatically generated">
-            <a:extLst>
-              <a:ext uri="{FF2B5EF4-FFF2-40B4-BE49-F238E27FC236}">
-                <a16:creationId xmlns:a16="http://schemas.microsoft.com/office/drawing/2014/main" id="{048BAA66-AAE1-0A44-A8F9-A1EB9C12A68B}"/>
-              </a:ext>
-            </a:extLst>
-          </p:cNvPr>
-          <p:cNvPicPr>
-            <a:picLocks noChangeAspect="1"/>
-          </p:cNvPicPr>
-          <p:nvPr/>
-        </p:nvPicPr>
-        <p:blipFill rotWithShape="1">
-          <a:blip r:embed="rId4">
-            <a:extLst>
-              <a:ext uri="{28A0092B-C50C-407E-A947-70E740481C1C}">
-                <a14:useLocalDpi xmlns:a14="http://schemas.microsoft.com/office/drawing/2010/main" val="0"/>
-              </a:ext>
-            </a:extLst>
-          </a:blip>
-          <a:srcRect l="634" r="50"/>
-          <a:stretch/>
-        </p:blipFill>
-        <p:spPr>
-          <a:xfrm>
-            <a:off x="8031480" y="2015144"/>
-            <a:ext cx="4114800" cy="2827713"/>
+            <a:off x="6330860" y="1905137"/>
+            <a:ext cx="4489540" cy="3047727"/>
           </a:xfrm>
           <a:prstGeom prst="rect">
             <a:avLst/>
@@ -15544,10 +18751,10 @@
       </p:pic>
       <p:sp>
         <p:nvSpPr>
-          <p:cNvPr id="53" name="Rectangle 52">
-            <a:extLst>
-              <a:ext uri="{FF2B5EF4-FFF2-40B4-BE49-F238E27FC236}">
-                <a16:creationId xmlns:a16="http://schemas.microsoft.com/office/drawing/2014/main" id="{658E942F-99B3-4B03-9483-257868F33C82}"/>
+          <p:cNvPr id="54" name="Rectangle 53">
+            <a:extLst>
+              <a:ext uri="{FF2B5EF4-FFF2-40B4-BE49-F238E27FC236}">
+                <a16:creationId xmlns:a16="http://schemas.microsoft.com/office/drawing/2014/main" id="{CB1FF4D1-D3A2-46A1-A1DB-84C4A92F68D6}"/>
               </a:ext>
               <a:ext uri="{C183D7F6-B498-43B3-948B-1728B52AA6E4}">
                 <adec:decorative xmlns:adec="http://schemas.microsoft.com/office/drawing/2017/decorative" val="1"/>
@@ -15566,25 +18773,27 @@
           </p:nvPr>
         </p:nvSpPr>
         <p:spPr>
-          <a:xfrm flipH="1">
-            <a:off x="-3" y="6400798"/>
-            <a:ext cx="12191999" cy="457198"/>
+          <a:xfrm rot="10800000" flipH="1">
+            <a:off x="0" y="6408741"/>
+            <a:ext cx="12192000" cy="449256"/>
           </a:xfrm>
           <a:prstGeom prst="rect">
             <a:avLst/>
           </a:prstGeom>
           <a:gradFill>
             <a:gsLst>
-              <a:gs pos="36000">
-                <a:schemeClr val="accent6">
-                  <a:lumMod val="75000"/>
+              <a:gs pos="14000">
+                <a:schemeClr val="accent4">
+                  <a:alpha val="28000"/>
                 </a:schemeClr>
               </a:gs>
               <a:gs pos="100000">
-                <a:schemeClr val="accent6"/>
+                <a:schemeClr val="accent5">
+                  <a:alpha val="85000"/>
+                </a:schemeClr>
               </a:gs>
             </a:gsLst>
-            <a:lin ang="0" scaled="0"/>
+            <a:lin ang="9000000" scaled="0"/>
           </a:gradFill>
           <a:ln>
             <a:noFill/>
@@ -15617,10 +18826,10 @@
       </p:sp>
       <p:sp>
         <p:nvSpPr>
-          <p:cNvPr id="55" name="Rectangle 54">
-            <a:extLst>
-              <a:ext uri="{FF2B5EF4-FFF2-40B4-BE49-F238E27FC236}">
-                <a16:creationId xmlns:a16="http://schemas.microsoft.com/office/drawing/2014/main" id="{4C5F2208-8069-4052-9996-5399372CDD2B}"/>
+          <p:cNvPr id="56" name="Rectangle 55">
+            <a:extLst>
+              <a:ext uri="{FF2B5EF4-FFF2-40B4-BE49-F238E27FC236}">
+                <a16:creationId xmlns:a16="http://schemas.microsoft.com/office/drawing/2014/main" id="{BA6CC515-2CA9-4522-924F-81F6F25FF8DB}"/>
               </a:ext>
               <a:ext uri="{C183D7F6-B498-43B3-948B-1728B52AA6E4}">
                 <adec:decorative xmlns:adec="http://schemas.microsoft.com/office/drawing/2017/decorative" val="1"/>
@@ -15640,24 +18849,26 @@
         </p:nvSpPr>
         <p:spPr>
           <a:xfrm flipH="1">
-            <a:off x="3681454" y="6400798"/>
-            <a:ext cx="8510542" cy="465570"/>
+            <a:off x="4038600" y="6408316"/>
+            <a:ext cx="8153398" cy="449684"/>
           </a:xfrm>
           <a:prstGeom prst="rect">
             <a:avLst/>
           </a:prstGeom>
           <a:gradFill>
             <a:gsLst>
-              <a:gs pos="0">
-                <a:schemeClr val="accent5">
-                  <a:alpha val="57000"/>
+              <a:gs pos="9000">
+                <a:schemeClr val="accent2">
+                  <a:lumMod val="60000"/>
+                  <a:lumOff val="40000"/>
+                  <a:alpha val="68000"/>
                 </a:schemeClr>
               </a:gs>
-              <a:gs pos="100000">
+              <a:gs pos="99000">
                 <a:schemeClr val="accent2"/>
               </a:gs>
             </a:gsLst>
-            <a:lin ang="11400000" scaled="0"/>
+            <a:lin ang="13800000" scaled="0"/>
           </a:gradFill>
           <a:ln>
             <a:noFill/>
@@ -15693,7 +18904,7 @@
           <p:cNvPr id="18" name="Title 1">
             <a:extLst>
               <a:ext uri="{FF2B5EF4-FFF2-40B4-BE49-F238E27FC236}">
-                <a16:creationId xmlns:a16="http://schemas.microsoft.com/office/drawing/2014/main" id="{D60F1E35-E938-D149-A031-BAA070880167}"/>
+                <a16:creationId xmlns:a16="http://schemas.microsoft.com/office/drawing/2014/main" id="{BA4880DB-79C7-8648-A0CE-86B48F5D3ADF}"/>
               </a:ext>
             </a:extLst>
           </p:cNvPr>
@@ -15737,19 +18948,18 @@
           <a:p>
             <a:pPr algn="ctr"/>
             <a:r>
-              <a:rPr lang="en-US" sz="2800" dirty="0" err="1"/>
-              <a:t>XGBoost</a:t>
+              <a:rPr lang="en-US" sz="2800" dirty="0"/>
+              <a:t>XTREE</a:t>
             </a:r>
-            <a:endParaRPr lang="en-US" sz="2800" dirty="0"/>
           </a:p>
         </p:txBody>
       </p:sp>
       <p:sp>
         <p:nvSpPr>
-          <p:cNvPr id="6" name="Date Placeholder 5">
-            <a:extLst>
-              <a:ext uri="{FF2B5EF4-FFF2-40B4-BE49-F238E27FC236}">
-                <a16:creationId xmlns:a16="http://schemas.microsoft.com/office/drawing/2014/main" id="{B7CC9877-0056-A64A-B3B6-32EBA5C1FF6F}"/>
+          <p:cNvPr id="5" name="Date Placeholder 4">
+            <a:extLst>
+              <a:ext uri="{FF2B5EF4-FFF2-40B4-BE49-F238E27FC236}">
+                <a16:creationId xmlns:a16="http://schemas.microsoft.com/office/drawing/2014/main" id="{A3EF93A5-4C17-6A45-8FC5-6B3F7B062A77}"/>
               </a:ext>
             </a:extLst>
           </p:cNvPr>
@@ -15765,7 +18975,7 @@
           <a:bodyPr/>
           <a:lstStyle/>
           <a:p>
-            <a:fld id="{904BDE25-EACE-B941-92D1-969886DB3A92}" type="datetime2">
+            <a:fld id="{0A72D659-3C0B-6B41-9587-4FFB5068822D}" type="datetime2">
               <a:rPr lang="en-US" smtClean="0"/>
               <a:t>Thursday, November 17, 2022</a:t>
             </a:fld>
@@ -15775,10 +18985,10 @@
       </p:sp>
       <p:sp>
         <p:nvSpPr>
-          <p:cNvPr id="8" name="Slide Number Placeholder 7">
-            <a:extLst>
-              <a:ext uri="{FF2B5EF4-FFF2-40B4-BE49-F238E27FC236}">
-                <a16:creationId xmlns:a16="http://schemas.microsoft.com/office/drawing/2014/main" id="{D03BD75B-7BDC-9C4B-BB47-40E070E25BE7}"/>
+          <p:cNvPr id="6" name="Slide Number Placeholder 5">
+            <a:extLst>
+              <a:ext uri="{FF2B5EF4-FFF2-40B4-BE49-F238E27FC236}">
+                <a16:creationId xmlns:a16="http://schemas.microsoft.com/office/drawing/2014/main" id="{87E204A3-B1B9-AA48-A9DD-4AB610A0AC5A}"/>
               </a:ext>
             </a:extLst>
           </p:cNvPr>
@@ -15805,7 +19015,7 @@
     </p:spTree>
     <p:extLst>
       <p:ext uri="{BB962C8B-B14F-4D97-AF65-F5344CB8AC3E}">
-        <p14:creationId xmlns:p14="http://schemas.microsoft.com/office/powerpoint/2010/main" val="2931478486"/>
+        <p14:creationId xmlns:p14="http://schemas.microsoft.com/office/powerpoint/2010/main" val="1161264520"/>
       </p:ext>
     </p:extLst>
   </p:cSld>
@@ -15840,162 +19050,12 @@
           <a:chExt cx="0" cy="0"/>
         </a:xfrm>
       </p:grpSpPr>
-      <p:sp>
-        <p:nvSpPr>
-          <p:cNvPr id="55" name="Rectangle 54">
-            <a:extLst>
-              <a:ext uri="{FF2B5EF4-FFF2-40B4-BE49-F238E27FC236}">
-                <a16:creationId xmlns:a16="http://schemas.microsoft.com/office/drawing/2014/main" id="{BD4C0BBB-0042-4603-A226-6117F3FD5B3C}"/>
-              </a:ext>
-              <a:ext uri="{C183D7F6-B498-43B3-948B-1728B52AA6E4}">
-                <adec:decorative xmlns:adec="http://schemas.microsoft.com/office/drawing/2017/decorative" val="1"/>
-              </a:ext>
-            </a:extLst>
-          </p:cNvPr>
-          <p:cNvSpPr>
-            <a:spLocks noGrp="1" noRot="1" noChangeAspect="1" noMove="1" noResize="1" noEditPoints="1" noAdjustHandles="1" noChangeArrowheads="1" noChangeShapeType="1" noTextEdit="1"/>
-          </p:cNvSpPr>
-          <p:nvPr>
-            <p:extLst>
-              <p:ext uri="{386F3935-93C4-4BCD-93E2-E3B085C9AB24}">
-                <p16:designElem xmlns:p16="http://schemas.microsoft.com/office/powerpoint/2015/main" val="1"/>
-              </p:ext>
-            </p:extLst>
-          </p:nvPr>
-        </p:nvSpPr>
-        <p:spPr>
-          <a:xfrm rot="10800000" flipH="1">
-            <a:off x="0" y="6400799"/>
-            <a:ext cx="12192000" cy="456773"/>
-          </a:xfrm>
-          <a:prstGeom prst="rect">
-            <a:avLst/>
-          </a:prstGeom>
-          <a:gradFill>
-            <a:gsLst>
-              <a:gs pos="14000">
-                <a:schemeClr val="accent4">
-                  <a:alpha val="28000"/>
-                </a:schemeClr>
-              </a:gs>
-              <a:gs pos="100000">
-                <a:schemeClr val="accent5">
-                  <a:alpha val="85000"/>
-                </a:schemeClr>
-              </a:gs>
-            </a:gsLst>
-            <a:lin ang="6000000" scaled="0"/>
-          </a:gradFill>
-          <a:ln>
-            <a:noFill/>
-          </a:ln>
-        </p:spPr>
-        <p:style>
-          <a:lnRef idx="2">
-            <a:schemeClr val="accent1">
-              <a:shade val="50000"/>
-            </a:schemeClr>
-          </a:lnRef>
-          <a:fillRef idx="1">
-            <a:schemeClr val="accent1"/>
-          </a:fillRef>
-          <a:effectRef idx="0">
-            <a:schemeClr val="accent1"/>
-          </a:effectRef>
-          <a:fontRef idx="minor">
-            <a:schemeClr val="lt1"/>
-          </a:fontRef>
-        </p:style>
-        <p:txBody>
-          <a:bodyPr rtlCol="0" anchor="ctr"/>
-          <a:lstStyle/>
-          <a:p>
-            <a:pPr algn="ctr"/>
-            <a:endParaRPr lang="en-US"/>
-          </a:p>
-        </p:txBody>
-      </p:sp>
-      <p:sp>
-        <p:nvSpPr>
-          <p:cNvPr id="57" name="Rectangle 56">
-            <a:extLst>
-              <a:ext uri="{FF2B5EF4-FFF2-40B4-BE49-F238E27FC236}">
-                <a16:creationId xmlns:a16="http://schemas.microsoft.com/office/drawing/2014/main" id="{EC44F520-2598-460E-9F91-B02F60830CA2}"/>
-              </a:ext>
-              <a:ext uri="{C183D7F6-B498-43B3-948B-1728B52AA6E4}">
-                <adec:decorative xmlns:adec="http://schemas.microsoft.com/office/drawing/2017/decorative" val="1"/>
-              </a:ext>
-            </a:extLst>
-          </p:cNvPr>
-          <p:cNvSpPr>
-            <a:spLocks noGrp="1" noRot="1" noChangeAspect="1" noMove="1" noResize="1" noEditPoints="1" noAdjustHandles="1" noChangeArrowheads="1" noChangeShapeType="1" noTextEdit="1"/>
-          </p:cNvSpPr>
-          <p:nvPr>
-            <p:extLst>
-              <p:ext uri="{386F3935-93C4-4BCD-93E2-E3B085C9AB24}">
-                <p16:designElem xmlns:p16="http://schemas.microsoft.com/office/powerpoint/2015/main" val="1"/>
-              </p:ext>
-            </p:extLst>
-          </p:nvPr>
-        </p:nvSpPr>
-        <p:spPr>
-          <a:xfrm flipH="1">
-            <a:off x="4038600" y="6400799"/>
-            <a:ext cx="8153398" cy="456772"/>
-          </a:xfrm>
-          <a:prstGeom prst="rect">
-            <a:avLst/>
-          </a:prstGeom>
-          <a:gradFill>
-            <a:gsLst>
-              <a:gs pos="9000">
-                <a:schemeClr val="accent2">
-                  <a:lumMod val="60000"/>
-                  <a:lumOff val="40000"/>
-                  <a:alpha val="55000"/>
-                </a:schemeClr>
-              </a:gs>
-              <a:gs pos="99000">
-                <a:schemeClr val="accent2"/>
-              </a:gs>
-            </a:gsLst>
-            <a:lin ang="14400000" scaled="0"/>
-          </a:gradFill>
-          <a:ln>
-            <a:noFill/>
-          </a:ln>
-        </p:spPr>
-        <p:style>
-          <a:lnRef idx="2">
-            <a:schemeClr val="accent1">
-              <a:shade val="50000"/>
-            </a:schemeClr>
-          </a:lnRef>
-          <a:fillRef idx="1">
-            <a:schemeClr val="accent1"/>
-          </a:fillRef>
-          <a:effectRef idx="0">
-            <a:schemeClr val="accent1"/>
-          </a:effectRef>
-          <a:fontRef idx="minor">
-            <a:schemeClr val="lt1"/>
-          </a:fontRef>
-        </p:style>
-        <p:txBody>
-          <a:bodyPr rtlCol="0" anchor="ctr"/>
-          <a:lstStyle/>
-          <a:p>
-            <a:pPr algn="ctr"/>
-            <a:endParaRPr lang="en-US"/>
-          </a:p>
-        </p:txBody>
-      </p:sp>
       <p:sp useBgFill="1">
         <p:nvSpPr>
-          <p:cNvPr id="59" name="Rectangle 58">
-            <a:extLst>
-              <a:ext uri="{FF2B5EF4-FFF2-40B4-BE49-F238E27FC236}">
-                <a16:creationId xmlns:a16="http://schemas.microsoft.com/office/drawing/2014/main" id="{FBC072A9-737B-43EA-8F67-8155C25E607E}"/>
+          <p:cNvPr id="51" name="Rectangle 50">
+            <a:extLst>
+              <a:ext uri="{FF2B5EF4-FFF2-40B4-BE49-F238E27FC236}">
+                <a16:creationId xmlns:a16="http://schemas.microsoft.com/office/drawing/2014/main" id="{3BBD5505-E50C-4C8C-B29A-6E8BC40759BB}"/>
               </a:ext>
               <a:ext uri="{C183D7F6-B498-43B3-948B-1728B52AA6E4}">
                 <adec:decorative xmlns:adec="http://schemas.microsoft.com/office/drawing/2017/decorative" val="1"/>
@@ -16071,7 +19131,7 @@
           <p:cNvPr id="5" name="Picture 4" descr="Chart, treemap chart&#10;&#10;Description automatically generated">
             <a:extLst>
               <a:ext uri="{FF2B5EF4-FFF2-40B4-BE49-F238E27FC236}">
-                <a16:creationId xmlns:a16="http://schemas.microsoft.com/office/drawing/2014/main" id="{3EC65935-F1E2-6145-BB65-EBB7E8CDE27C}"/>
+                <a16:creationId xmlns:a16="http://schemas.microsoft.com/office/drawing/2014/main" id="{4C877E22-14AB-9749-AF19-C9EFE5FA94C9}"/>
               </a:ext>
             </a:extLst>
           </p:cNvPr>
@@ -16080,7 +19140,7 @@
           </p:cNvPicPr>
           <p:nvPr/>
         </p:nvPicPr>
-        <p:blipFill>
+        <p:blipFill rotWithShape="1">
           <a:blip r:embed="rId2">
             <a:extLst>
               <a:ext uri="{28A0092B-C50C-407E-A947-70E740481C1C}">
@@ -16088,14 +19148,48 @@
               </a:ext>
             </a:extLst>
           </a:blip>
-          <a:stretch>
-            <a:fillRect/>
-          </a:stretch>
+          <a:srcRect l="-403" r="537"/>
+          <a:stretch/>
         </p:blipFill>
         <p:spPr>
           <a:xfrm>
-            <a:off x="104285" y="2094516"/>
-            <a:ext cx="3924954" cy="2668968"/>
+            <a:off x="45720" y="2015144"/>
+            <a:ext cx="4168140" cy="2827713"/>
+          </a:xfrm>
+          <a:prstGeom prst="rect">
+            <a:avLst/>
+          </a:prstGeom>
+        </p:spPr>
+      </p:pic>
+      <p:pic>
+        <p:nvPicPr>
+          <p:cNvPr id="9" name="Picture 8" descr="Chart, line chart&#10;&#10;Description automatically generated">
+            <a:extLst>
+              <a:ext uri="{FF2B5EF4-FFF2-40B4-BE49-F238E27FC236}">
+                <a16:creationId xmlns:a16="http://schemas.microsoft.com/office/drawing/2014/main" id="{0683D87D-A441-2741-89D8-ADE26C4DF51B}"/>
+              </a:ext>
+            </a:extLst>
+          </p:cNvPr>
+          <p:cNvPicPr>
+            <a:picLocks noChangeAspect="1"/>
+          </p:cNvPicPr>
+          <p:nvPr/>
+        </p:nvPicPr>
+        <p:blipFill rotWithShape="1">
+          <a:blip r:embed="rId3">
+            <a:extLst>
+              <a:ext uri="{28A0092B-C50C-407E-A947-70E740481C1C}">
+                <a14:useLocalDpi xmlns:a14="http://schemas.microsoft.com/office/drawing/2010/main" val="0"/>
+              </a:ext>
+            </a:extLst>
+          </a:blip>
+          <a:srcRect l="496" r="672"/>
+          <a:stretch/>
+        </p:blipFill>
+        <p:spPr>
+          <a:xfrm>
+            <a:off x="4259580" y="2015144"/>
+            <a:ext cx="3726180" cy="2827713"/>
           </a:xfrm>
           <a:prstGeom prst="rect">
             <a:avLst/>
@@ -16107,7 +19201,7 @@
           <p:cNvPr id="7" name="Picture 6" descr="Chart, line chart&#10;&#10;Description automatically generated">
             <a:extLst>
               <a:ext uri="{FF2B5EF4-FFF2-40B4-BE49-F238E27FC236}">
-                <a16:creationId xmlns:a16="http://schemas.microsoft.com/office/drawing/2014/main" id="{4AF4B696-1447-2E4B-B2FE-0780DC122F81}"/>
+                <a16:creationId xmlns:a16="http://schemas.microsoft.com/office/drawing/2014/main" id="{048BAA66-AAE1-0A44-A8F9-A1EB9C12A68B}"/>
               </a:ext>
             </a:extLst>
           </p:cNvPr>
@@ -16116,58 +19210,21 @@
           </p:cNvPicPr>
           <p:nvPr/>
         </p:nvPicPr>
-        <p:blipFill>
-          <a:blip r:embed="rId3">
+        <p:blipFill rotWithShape="1">
+          <a:blip r:embed="rId4">
             <a:extLst>
               <a:ext uri="{28A0092B-C50C-407E-A947-70E740481C1C}">
                 <a14:useLocalDpi xmlns:a14="http://schemas.microsoft.com/office/drawing/2010/main" val="0"/>
               </a:ext>
             </a:extLst>
           </a:blip>
-          <a:stretch>
-            <a:fillRect/>
-          </a:stretch>
+          <a:srcRect l="634" r="50"/>
+          <a:stretch/>
         </p:blipFill>
         <p:spPr>
           <a:xfrm>
-            <a:off x="4133524" y="2070645"/>
-            <a:ext cx="3924953" cy="2716711"/>
-          </a:xfrm>
-          <a:prstGeom prst="rect">
-            <a:avLst/>
-          </a:prstGeom>
-        </p:spPr>
-      </p:pic>
-      <p:pic>
-        <p:nvPicPr>
-          <p:cNvPr id="9" name="Picture 8" descr="Chart, line chart&#10;&#10;Description automatically generated">
-            <a:extLst>
-              <a:ext uri="{FF2B5EF4-FFF2-40B4-BE49-F238E27FC236}">
-                <a16:creationId xmlns:a16="http://schemas.microsoft.com/office/drawing/2014/main" id="{02236D4C-6313-924C-809F-67C301A07667}"/>
-              </a:ext>
-            </a:extLst>
-          </p:cNvPr>
-          <p:cNvPicPr>
-            <a:picLocks noChangeAspect="1"/>
-          </p:cNvPicPr>
-          <p:nvPr/>
-        </p:nvPicPr>
-        <p:blipFill>
-          <a:blip r:embed="rId4">
-            <a:extLst>
-              <a:ext uri="{28A0092B-C50C-407E-A947-70E740481C1C}">
-                <a14:useLocalDpi xmlns:a14="http://schemas.microsoft.com/office/drawing/2010/main" val="0"/>
-              </a:ext>
-            </a:extLst>
-          </a:blip>
-          <a:stretch>
-            <a:fillRect/>
-          </a:stretch>
-        </p:blipFill>
-        <p:spPr>
-          <a:xfrm>
-            <a:off x="8162762" y="1912987"/>
-            <a:ext cx="3924954" cy="3032027"/>
+            <a:off x="8031480" y="2015144"/>
+            <a:ext cx="4114800" cy="2827713"/>
           </a:xfrm>
           <a:prstGeom prst="rect">
             <a:avLst/>
@@ -16176,10 +19233,10 @@
       </p:pic>
       <p:sp>
         <p:nvSpPr>
-          <p:cNvPr id="61" name="Rectangle 60">
-            <a:extLst>
-              <a:ext uri="{FF2B5EF4-FFF2-40B4-BE49-F238E27FC236}">
-                <a16:creationId xmlns:a16="http://schemas.microsoft.com/office/drawing/2014/main" id="{0EB06CB7-868E-4636-A33A-E193292A6F50}"/>
+          <p:cNvPr id="53" name="Rectangle 52">
+            <a:extLst>
+              <a:ext uri="{FF2B5EF4-FFF2-40B4-BE49-F238E27FC236}">
+                <a16:creationId xmlns:a16="http://schemas.microsoft.com/office/drawing/2014/main" id="{658E942F-99B3-4B03-9483-257868F33C82}"/>
               </a:ext>
               <a:ext uri="{C183D7F6-B498-43B3-948B-1728B52AA6E4}">
                 <adec:decorative xmlns:adec="http://schemas.microsoft.com/office/drawing/2017/decorative" val="1"/>
@@ -16198,27 +19255,25 @@
           </p:nvPr>
         </p:nvSpPr>
         <p:spPr>
-          <a:xfrm rot="10800000" flipH="1">
-            <a:off x="0" y="6408741"/>
-            <a:ext cx="12192000" cy="449256"/>
+          <a:xfrm flipH="1">
+            <a:off x="-3" y="6400798"/>
+            <a:ext cx="12191999" cy="457198"/>
           </a:xfrm>
           <a:prstGeom prst="rect">
             <a:avLst/>
           </a:prstGeom>
           <a:gradFill>
             <a:gsLst>
-              <a:gs pos="14000">
-                <a:schemeClr val="accent4">
-                  <a:alpha val="28000"/>
+              <a:gs pos="36000">
+                <a:schemeClr val="accent6">
+                  <a:lumMod val="75000"/>
                 </a:schemeClr>
               </a:gs>
               <a:gs pos="100000">
-                <a:schemeClr val="accent5">
-                  <a:alpha val="85000"/>
-                </a:schemeClr>
+                <a:schemeClr val="accent6"/>
               </a:gs>
             </a:gsLst>
-            <a:lin ang="9000000" scaled="0"/>
+            <a:lin ang="0" scaled="0"/>
           </a:gradFill>
           <a:ln>
             <a:noFill/>
@@ -16251,10 +19306,10 @@
       </p:sp>
       <p:sp>
         <p:nvSpPr>
-          <p:cNvPr id="63" name="Rectangle 62">
-            <a:extLst>
-              <a:ext uri="{FF2B5EF4-FFF2-40B4-BE49-F238E27FC236}">
-                <a16:creationId xmlns:a16="http://schemas.microsoft.com/office/drawing/2014/main" id="{AFD90F94-5ADB-4D14-BFA5-C0815CAE6D8D}"/>
+          <p:cNvPr id="55" name="Rectangle 54">
+            <a:extLst>
+              <a:ext uri="{FF2B5EF4-FFF2-40B4-BE49-F238E27FC236}">
+                <a16:creationId xmlns:a16="http://schemas.microsoft.com/office/drawing/2014/main" id="{4C5F2208-8069-4052-9996-5399372CDD2B}"/>
               </a:ext>
               <a:ext uri="{C183D7F6-B498-43B3-948B-1728B52AA6E4}">
                 <adec:decorative xmlns:adec="http://schemas.microsoft.com/office/drawing/2017/decorative" val="1"/>
@@ -16274,26 +19329,24 @@
         </p:nvSpPr>
         <p:spPr>
           <a:xfrm flipH="1">
-            <a:off x="4038600" y="6408316"/>
-            <a:ext cx="8153398" cy="449684"/>
+            <a:off x="3681454" y="6400798"/>
+            <a:ext cx="8510542" cy="465570"/>
           </a:xfrm>
           <a:prstGeom prst="rect">
             <a:avLst/>
           </a:prstGeom>
           <a:gradFill>
             <a:gsLst>
-              <a:gs pos="9000">
-                <a:schemeClr val="accent2">
-                  <a:lumMod val="60000"/>
-                  <a:lumOff val="40000"/>
-                  <a:alpha val="68000"/>
+              <a:gs pos="0">
+                <a:schemeClr val="accent5">
+                  <a:alpha val="57000"/>
                 </a:schemeClr>
               </a:gs>
-              <a:gs pos="99000">
+              <a:gs pos="100000">
                 <a:schemeClr val="accent2"/>
               </a:gs>
             </a:gsLst>
-            <a:lin ang="13800000" scaled="0"/>
+            <a:lin ang="11400000" scaled="0"/>
           </a:gradFill>
           <a:ln>
             <a:noFill/>
@@ -16326,10 +19379,10 @@
       </p:sp>
       <p:sp>
         <p:nvSpPr>
-          <p:cNvPr id="19" name="Title 1">
-            <a:extLst>
-              <a:ext uri="{FF2B5EF4-FFF2-40B4-BE49-F238E27FC236}">
-                <a16:creationId xmlns:a16="http://schemas.microsoft.com/office/drawing/2014/main" id="{BF1E567D-B059-A54E-A989-23322BDC48D6}"/>
+          <p:cNvPr id="18" name="Title 1">
+            <a:extLst>
+              <a:ext uri="{FF2B5EF4-FFF2-40B4-BE49-F238E27FC236}">
+                <a16:creationId xmlns:a16="http://schemas.microsoft.com/office/drawing/2014/main" id="{D60F1E35-E938-D149-A031-BAA070880167}"/>
               </a:ext>
             </a:extLst>
           </p:cNvPr>
@@ -16373,9 +19426,10 @@
           <a:p>
             <a:pPr algn="ctr"/>
             <a:r>
-              <a:rPr lang="en-US" sz="2800" dirty="0"/>
-              <a:t>LGBM</a:t>
+              <a:rPr lang="en-US" sz="2800" dirty="0" err="1"/>
+              <a:t>XGBoost</a:t>
             </a:r>
+            <a:endParaRPr lang="en-US" sz="2800" dirty="0"/>
           </a:p>
         </p:txBody>
       </p:sp>
@@ -16384,7 +19438,7 @@
           <p:cNvPr id="6" name="Date Placeholder 5">
             <a:extLst>
               <a:ext uri="{FF2B5EF4-FFF2-40B4-BE49-F238E27FC236}">
-                <a16:creationId xmlns:a16="http://schemas.microsoft.com/office/drawing/2014/main" id="{661C641B-3E46-B842-9A2F-CBDACE6795A8}"/>
+                <a16:creationId xmlns:a16="http://schemas.microsoft.com/office/drawing/2014/main" id="{B7CC9877-0056-A64A-B3B6-32EBA5C1FF6F}"/>
               </a:ext>
             </a:extLst>
           </p:cNvPr>
@@ -16400,7 +19454,7 @@
           <a:bodyPr/>
           <a:lstStyle/>
           <a:p>
-            <a:fld id="{78229B31-04B5-6C4F-994D-122FB5182388}" type="datetime2">
+            <a:fld id="{904BDE25-EACE-B941-92D1-969886DB3A92}" type="datetime2">
               <a:rPr lang="en-US" smtClean="0"/>
               <a:t>Thursday, November 17, 2022</a:t>
             </a:fld>
@@ -16413,7 +19467,7 @@
           <p:cNvPr id="8" name="Slide Number Placeholder 7">
             <a:extLst>
               <a:ext uri="{FF2B5EF4-FFF2-40B4-BE49-F238E27FC236}">
-                <a16:creationId xmlns:a16="http://schemas.microsoft.com/office/drawing/2014/main" id="{CBC0148E-C88E-8B49-8C54-9F1D4FC7F103}"/>
+                <a16:creationId xmlns:a16="http://schemas.microsoft.com/office/drawing/2014/main" id="{D03BD75B-7BDC-9C4B-BB47-40E070E25BE7}"/>
               </a:ext>
             </a:extLst>
           </p:cNvPr>
@@ -16440,7 +19494,7 @@
     </p:spTree>
     <p:extLst>
       <p:ext uri="{BB962C8B-B14F-4D97-AF65-F5344CB8AC3E}">
-        <p14:creationId xmlns:p14="http://schemas.microsoft.com/office/powerpoint/2010/main" val="3922330332"/>
+        <p14:creationId xmlns:p14="http://schemas.microsoft.com/office/powerpoint/2010/main" val="2931478486"/>
       </p:ext>
     </p:extLst>
   </p:cSld>
@@ -16701,6 +19755,114 @@
           </a:p>
         </p:txBody>
       </p:sp>
+      <p:pic>
+        <p:nvPicPr>
+          <p:cNvPr id="5" name="Picture 4" descr="Chart, treemap chart&#10;&#10;Description automatically generated">
+            <a:extLst>
+              <a:ext uri="{FF2B5EF4-FFF2-40B4-BE49-F238E27FC236}">
+                <a16:creationId xmlns:a16="http://schemas.microsoft.com/office/drawing/2014/main" id="{3EC65935-F1E2-6145-BB65-EBB7E8CDE27C}"/>
+              </a:ext>
+            </a:extLst>
+          </p:cNvPr>
+          <p:cNvPicPr>
+            <a:picLocks noChangeAspect="1"/>
+          </p:cNvPicPr>
+          <p:nvPr/>
+        </p:nvPicPr>
+        <p:blipFill>
+          <a:blip r:embed="rId2">
+            <a:extLst>
+              <a:ext uri="{28A0092B-C50C-407E-A947-70E740481C1C}">
+                <a14:useLocalDpi xmlns:a14="http://schemas.microsoft.com/office/drawing/2010/main" val="0"/>
+              </a:ext>
+            </a:extLst>
+          </a:blip>
+          <a:stretch>
+            <a:fillRect/>
+          </a:stretch>
+        </p:blipFill>
+        <p:spPr>
+          <a:xfrm>
+            <a:off x="104285" y="2094516"/>
+            <a:ext cx="3924954" cy="2668968"/>
+          </a:xfrm>
+          <a:prstGeom prst="rect">
+            <a:avLst/>
+          </a:prstGeom>
+        </p:spPr>
+      </p:pic>
+      <p:pic>
+        <p:nvPicPr>
+          <p:cNvPr id="7" name="Picture 6" descr="Chart, line chart&#10;&#10;Description automatically generated">
+            <a:extLst>
+              <a:ext uri="{FF2B5EF4-FFF2-40B4-BE49-F238E27FC236}">
+                <a16:creationId xmlns:a16="http://schemas.microsoft.com/office/drawing/2014/main" id="{4AF4B696-1447-2E4B-B2FE-0780DC122F81}"/>
+              </a:ext>
+            </a:extLst>
+          </p:cNvPr>
+          <p:cNvPicPr>
+            <a:picLocks noChangeAspect="1"/>
+          </p:cNvPicPr>
+          <p:nvPr/>
+        </p:nvPicPr>
+        <p:blipFill>
+          <a:blip r:embed="rId3">
+            <a:extLst>
+              <a:ext uri="{28A0092B-C50C-407E-A947-70E740481C1C}">
+                <a14:useLocalDpi xmlns:a14="http://schemas.microsoft.com/office/drawing/2010/main" val="0"/>
+              </a:ext>
+            </a:extLst>
+          </a:blip>
+          <a:stretch>
+            <a:fillRect/>
+          </a:stretch>
+        </p:blipFill>
+        <p:spPr>
+          <a:xfrm>
+            <a:off x="4133524" y="2070645"/>
+            <a:ext cx="3924953" cy="2716711"/>
+          </a:xfrm>
+          <a:prstGeom prst="rect">
+            <a:avLst/>
+          </a:prstGeom>
+        </p:spPr>
+      </p:pic>
+      <p:pic>
+        <p:nvPicPr>
+          <p:cNvPr id="9" name="Picture 8" descr="Chart, line chart&#10;&#10;Description automatically generated">
+            <a:extLst>
+              <a:ext uri="{FF2B5EF4-FFF2-40B4-BE49-F238E27FC236}">
+                <a16:creationId xmlns:a16="http://schemas.microsoft.com/office/drawing/2014/main" id="{02236D4C-6313-924C-809F-67C301A07667}"/>
+              </a:ext>
+            </a:extLst>
+          </p:cNvPr>
+          <p:cNvPicPr>
+            <a:picLocks noChangeAspect="1"/>
+          </p:cNvPicPr>
+          <p:nvPr/>
+        </p:nvPicPr>
+        <p:blipFill>
+          <a:blip r:embed="rId4">
+            <a:extLst>
+              <a:ext uri="{28A0092B-C50C-407E-A947-70E740481C1C}">
+                <a14:useLocalDpi xmlns:a14="http://schemas.microsoft.com/office/drawing/2010/main" val="0"/>
+              </a:ext>
+            </a:extLst>
+          </a:blip>
+          <a:stretch>
+            <a:fillRect/>
+          </a:stretch>
+        </p:blipFill>
+        <p:spPr>
+          <a:xfrm>
+            <a:off x="8162762" y="1912987"/>
+            <a:ext cx="3924954" cy="3032027"/>
+          </a:xfrm>
+          <a:prstGeom prst="rect">
+            <a:avLst/>
+          </a:prstGeom>
+        </p:spPr>
+      </p:pic>
       <p:sp>
         <p:nvSpPr>
           <p:cNvPr id="61" name="Rectangle 60">
@@ -16901,7 +20063,7 @@
             <a:pPr algn="ctr"/>
             <a:r>
               <a:rPr lang="en-US" sz="2800" dirty="0"/>
-              <a:t>Cat Boost</a:t>
+              <a:t>LGBM</a:t>
             </a:r>
           </a:p>
         </p:txBody>
@@ -16964,82 +20126,10 @@
           </a:p>
         </p:txBody>
       </p:sp>
-      <p:pic>
-        <p:nvPicPr>
-          <p:cNvPr id="3" name="Picture 2">
-            <a:extLst>
-              <a:ext uri="{FF2B5EF4-FFF2-40B4-BE49-F238E27FC236}">
-                <a16:creationId xmlns:a16="http://schemas.microsoft.com/office/drawing/2014/main" id="{46E1F94D-75B5-A04D-97F6-BA9820EDCE97}"/>
-              </a:ext>
-            </a:extLst>
-          </p:cNvPr>
-          <p:cNvPicPr>
-            <a:picLocks noChangeAspect="1"/>
-          </p:cNvPicPr>
-          <p:nvPr/>
-        </p:nvPicPr>
-        <p:blipFill>
-          <a:blip r:embed="rId2">
-            <a:extLst>
-              <a:ext uri="{28A0092B-C50C-407E-A947-70E740481C1C}">
-                <a14:useLocalDpi xmlns:a14="http://schemas.microsoft.com/office/drawing/2010/main" val="0"/>
-              </a:ext>
-            </a:extLst>
-          </a:blip>
-          <a:stretch>
-            <a:fillRect/>
-          </a:stretch>
-        </p:blipFill>
-        <p:spPr>
-          <a:xfrm>
-            <a:off x="685314" y="1651000"/>
-            <a:ext cx="5246557" cy="3556000"/>
-          </a:xfrm>
-          <a:prstGeom prst="rect">
-            <a:avLst/>
-          </a:prstGeom>
-        </p:spPr>
-      </p:pic>
-      <p:pic>
-        <p:nvPicPr>
-          <p:cNvPr id="10" name="Picture 9">
-            <a:extLst>
-              <a:ext uri="{FF2B5EF4-FFF2-40B4-BE49-F238E27FC236}">
-                <a16:creationId xmlns:a16="http://schemas.microsoft.com/office/drawing/2014/main" id="{3ED09469-142C-2345-9D4F-A8C477F05943}"/>
-              </a:ext>
-            </a:extLst>
-          </p:cNvPr>
-          <p:cNvPicPr>
-            <a:picLocks noChangeAspect="1"/>
-          </p:cNvPicPr>
-          <p:nvPr/>
-        </p:nvPicPr>
-        <p:blipFill>
-          <a:blip r:embed="rId3">
-            <a:extLst>
-              <a:ext uri="{28A0092B-C50C-407E-A947-70E740481C1C}">
-                <a14:useLocalDpi xmlns:a14="http://schemas.microsoft.com/office/drawing/2010/main" val="0"/>
-              </a:ext>
-            </a:extLst>
-          </a:blip>
-          <a:stretch>
-            <a:fillRect/>
-          </a:stretch>
-        </p:blipFill>
-        <p:spPr>
-          <a:xfrm>
-            <a:off x="6617185" y="1733550"/>
-            <a:ext cx="4889500" cy="3390900"/>
-          </a:xfrm>
-          <a:prstGeom prst="rect">
-            <a:avLst/>
-          </a:prstGeom>
-        </p:spPr>
-      </p:pic>
     </p:spTree>
     <p:extLst>
       <p:ext uri="{BB962C8B-B14F-4D97-AF65-F5344CB8AC3E}">
-        <p14:creationId xmlns:p14="http://schemas.microsoft.com/office/powerpoint/2010/main" val="1249878194"/>
+        <p14:creationId xmlns:p14="http://schemas.microsoft.com/office/powerpoint/2010/main" val="3922330332"/>
       </p:ext>
     </p:extLst>
   </p:cSld>
@@ -17050,614 +20140,6 @@
 </file>
 
 <file path=ppt/slides/slide14.xml><?xml version="1.0" encoding="utf-8"?>
-<p:sld xmlns:a="http://schemas.openxmlformats.org/drawingml/2006/main" xmlns:r="http://schemas.openxmlformats.org/officeDocument/2006/relationships" xmlns:p="http://schemas.openxmlformats.org/presentationml/2006/main">
-  <p:cSld>
-    <p:spTree>
-      <p:nvGrpSpPr>
-        <p:cNvPr id="1" name=""/>
-        <p:cNvGrpSpPr/>
-        <p:nvPr/>
-      </p:nvGrpSpPr>
-      <p:grpSpPr>
-        <a:xfrm>
-          <a:off x="0" y="0"/>
-          <a:ext cx="0" cy="0"/>
-          <a:chOff x="0" y="0"/>
-          <a:chExt cx="0" cy="0"/>
-        </a:xfrm>
-      </p:grpSpPr>
-      <p:sp>
-        <p:nvSpPr>
-          <p:cNvPr id="4" name="Title 1">
-            <a:extLst>
-              <a:ext uri="{FF2B5EF4-FFF2-40B4-BE49-F238E27FC236}">
-                <a16:creationId xmlns:a16="http://schemas.microsoft.com/office/drawing/2014/main" id="{1540F6BC-0C32-F248-96E3-966F453FBD05}"/>
-              </a:ext>
-            </a:extLst>
-          </p:cNvPr>
-          <p:cNvSpPr txBox="1">
-            <a:spLocks/>
-          </p:cNvSpPr>
-          <p:nvPr/>
-        </p:nvSpPr>
-        <p:spPr>
-          <a:xfrm>
-            <a:off x="3314701" y="124890"/>
-            <a:ext cx="5562600" cy="646332"/>
-          </a:xfrm>
-          <a:prstGeom prst="rect">
-            <a:avLst/>
-          </a:prstGeom>
-        </p:spPr>
-        <p:txBody>
-          <a:bodyPr vert="horz" lIns="0" tIns="0" rIns="0" bIns="0" rtlCol="0" anchor="b">
-            <a:normAutofit fontScale="92500"/>
-          </a:bodyPr>
-          <a:lstStyle>
-            <a:lvl1pPr algn="l" defTabSz="914400" rtl="0" eaLnBrk="1" latinLnBrk="0" hangingPunct="1">
-              <a:lnSpc>
-                <a:spcPct val="100000"/>
-              </a:lnSpc>
-              <a:spcBef>
-                <a:spcPct val="0"/>
-              </a:spcBef>
-              <a:buNone/>
-              <a:defRPr sz="3600" b="1" i="0" kern="1200" cap="all" spc="700" baseline="0">
-                <a:solidFill>
-                  <a:schemeClr val="tx1"/>
-                </a:solidFill>
-                <a:latin typeface="+mj-lt"/>
-                <a:ea typeface="+mj-ea"/>
-                <a:cs typeface="+mj-cs"/>
-              </a:defRPr>
-            </a:lvl1pPr>
-          </a:lstStyle>
-          <a:p>
-            <a:pPr algn="ctr"/>
-            <a:r>
-              <a:rPr lang="en-US" sz="2800" dirty="0"/>
-              <a:t>Feature Importance</a:t>
-            </a:r>
-          </a:p>
-        </p:txBody>
-      </p:sp>
-      <p:sp>
-        <p:nvSpPr>
-          <p:cNvPr id="2" name="Date Placeholder 1">
-            <a:extLst>
-              <a:ext uri="{FF2B5EF4-FFF2-40B4-BE49-F238E27FC236}">
-                <a16:creationId xmlns:a16="http://schemas.microsoft.com/office/drawing/2014/main" id="{58C4080F-A114-DA43-8652-7F5B016685A2}"/>
-              </a:ext>
-            </a:extLst>
-          </p:cNvPr>
-          <p:cNvSpPr>
-            <a:spLocks noGrp="1"/>
-          </p:cNvSpPr>
-          <p:nvPr>
-            <p:ph type="dt" sz="half" idx="10"/>
-          </p:nvPr>
-        </p:nvSpPr>
-        <p:spPr/>
-        <p:txBody>
-          <a:bodyPr/>
-          <a:lstStyle/>
-          <a:p>
-            <a:fld id="{0C1F9645-765E-CF4C-9E74-4C7A778630B7}" type="datetime2">
-              <a:rPr lang="en-US" smtClean="0"/>
-              <a:t>Thursday, November 17, 2022</a:t>
-            </a:fld>
-            <a:endParaRPr lang="en-US"/>
-          </a:p>
-        </p:txBody>
-      </p:sp>
-      <p:sp>
-        <p:nvSpPr>
-          <p:cNvPr id="3" name="Slide Number Placeholder 2">
-            <a:extLst>
-              <a:ext uri="{FF2B5EF4-FFF2-40B4-BE49-F238E27FC236}">
-                <a16:creationId xmlns:a16="http://schemas.microsoft.com/office/drawing/2014/main" id="{DEF2E632-3E0C-0047-8B45-C8ECBB46C799}"/>
-              </a:ext>
-            </a:extLst>
-          </p:cNvPr>
-          <p:cNvSpPr>
-            <a:spLocks noGrp="1"/>
-          </p:cNvSpPr>
-          <p:nvPr>
-            <p:ph type="sldNum" sz="quarter" idx="12"/>
-          </p:nvPr>
-        </p:nvSpPr>
-        <p:spPr/>
-        <p:txBody>
-          <a:bodyPr/>
-          <a:lstStyle/>
-          <a:p>
-            <a:fld id="{C01389E6-C847-4AD0-B56D-D205B2EAB1EE}" type="slidenum">
-              <a:rPr lang="en-US" smtClean="0"/>
-              <a:t>14</a:t>
-            </a:fld>
-            <a:endParaRPr lang="en-US"/>
-          </a:p>
-        </p:txBody>
-      </p:sp>
-      <p:pic>
-        <p:nvPicPr>
-          <p:cNvPr id="9" name="Content Placeholder 8">
-            <a:extLst>
-              <a:ext uri="{FF2B5EF4-FFF2-40B4-BE49-F238E27FC236}">
-                <a16:creationId xmlns:a16="http://schemas.microsoft.com/office/drawing/2014/main" id="{E642D74A-5304-354B-B543-ED69C24359A8}"/>
-              </a:ext>
-            </a:extLst>
-          </p:cNvPr>
-          <p:cNvPicPr>
-            <a:picLocks noGrp="1" noChangeAspect="1"/>
-          </p:cNvPicPr>
-          <p:nvPr>
-            <p:ph idx="1"/>
-          </p:nvPr>
-        </p:nvPicPr>
-        <p:blipFill>
-          <a:blip r:embed="rId2">
-            <a:extLst>
-              <a:ext uri="{28A0092B-C50C-407E-A947-70E740481C1C}">
-                <a14:useLocalDpi xmlns:a14="http://schemas.microsoft.com/office/drawing/2010/main" val="0"/>
-              </a:ext>
-            </a:extLst>
-          </a:blip>
-          <a:stretch>
-            <a:fillRect/>
-          </a:stretch>
-        </p:blipFill>
-        <p:spPr>
-          <a:xfrm>
-            <a:off x="3122116" y="778517"/>
-            <a:ext cx="5947768" cy="5300966"/>
-          </a:xfrm>
-        </p:spPr>
-      </p:pic>
-    </p:spTree>
-    <p:extLst>
-      <p:ext uri="{BB962C8B-B14F-4D97-AF65-F5344CB8AC3E}">
-        <p14:creationId xmlns:p14="http://schemas.microsoft.com/office/powerpoint/2010/main" val="3909196811"/>
-      </p:ext>
-    </p:extLst>
-  </p:cSld>
-  <p:clrMapOvr>
-    <a:masterClrMapping/>
-  </p:clrMapOvr>
-</p:sld>
-</file>
-
-<file path=ppt/slides/slide15.xml><?xml version="1.0" encoding="utf-8"?>
-<p:sld xmlns:a="http://schemas.openxmlformats.org/drawingml/2006/main" xmlns:r="http://schemas.openxmlformats.org/officeDocument/2006/relationships" xmlns:p="http://schemas.openxmlformats.org/presentationml/2006/main">
-  <p:cSld>
-    <p:spTree>
-      <p:nvGrpSpPr>
-        <p:cNvPr id="1" name=""/>
-        <p:cNvGrpSpPr/>
-        <p:nvPr/>
-      </p:nvGrpSpPr>
-      <p:grpSpPr>
-        <a:xfrm>
-          <a:off x="0" y="0"/>
-          <a:ext cx="0" cy="0"/>
-          <a:chOff x="0" y="0"/>
-          <a:chExt cx="0" cy="0"/>
-        </a:xfrm>
-      </p:grpSpPr>
-      <p:sp>
-        <p:nvSpPr>
-          <p:cNvPr id="6" name="Title 1">
-            <a:extLst>
-              <a:ext uri="{FF2B5EF4-FFF2-40B4-BE49-F238E27FC236}">
-                <a16:creationId xmlns:a16="http://schemas.microsoft.com/office/drawing/2014/main" id="{E4C9379F-A903-774A-9E0A-029194005C44}"/>
-              </a:ext>
-            </a:extLst>
-          </p:cNvPr>
-          <p:cNvSpPr txBox="1">
-            <a:spLocks/>
-          </p:cNvSpPr>
-          <p:nvPr/>
-        </p:nvSpPr>
-        <p:spPr>
-          <a:xfrm>
-            <a:off x="2598475" y="124890"/>
-            <a:ext cx="6413957" cy="646332"/>
-          </a:xfrm>
-          <a:prstGeom prst="rect">
-            <a:avLst/>
-          </a:prstGeom>
-        </p:spPr>
-        <p:txBody>
-          <a:bodyPr vert="horz" lIns="0" tIns="0" rIns="0" bIns="0" rtlCol="0" anchor="b">
-            <a:normAutofit/>
-          </a:bodyPr>
-          <a:lstStyle>
-            <a:lvl1pPr algn="l" defTabSz="914400" rtl="0" eaLnBrk="1" latinLnBrk="0" hangingPunct="1">
-              <a:lnSpc>
-                <a:spcPct val="100000"/>
-              </a:lnSpc>
-              <a:spcBef>
-                <a:spcPct val="0"/>
-              </a:spcBef>
-              <a:buNone/>
-              <a:defRPr sz="3600" b="1" i="0" kern="1200" cap="all" spc="700" baseline="0">
-                <a:solidFill>
-                  <a:schemeClr val="tx1"/>
-                </a:solidFill>
-                <a:latin typeface="+mj-lt"/>
-                <a:ea typeface="+mj-ea"/>
-                <a:cs typeface="+mj-cs"/>
-              </a:defRPr>
-            </a:lvl1pPr>
-          </a:lstStyle>
-          <a:p>
-            <a:pPr algn="ctr"/>
-            <a:r>
-              <a:rPr lang="en-US" sz="2800" dirty="0"/>
-              <a:t>Models Comparison</a:t>
-            </a:r>
-          </a:p>
-        </p:txBody>
-      </p:sp>
-      <p:sp>
-        <p:nvSpPr>
-          <p:cNvPr id="2" name="Date Placeholder 1">
-            <a:extLst>
-              <a:ext uri="{FF2B5EF4-FFF2-40B4-BE49-F238E27FC236}">
-                <a16:creationId xmlns:a16="http://schemas.microsoft.com/office/drawing/2014/main" id="{56B1279A-E302-4B49-B55A-50CB8E884236}"/>
-              </a:ext>
-            </a:extLst>
-          </p:cNvPr>
-          <p:cNvSpPr>
-            <a:spLocks noGrp="1"/>
-          </p:cNvSpPr>
-          <p:nvPr>
-            <p:ph type="dt" sz="half" idx="10"/>
-          </p:nvPr>
-        </p:nvSpPr>
-        <p:spPr/>
-        <p:txBody>
-          <a:bodyPr/>
-          <a:lstStyle/>
-          <a:p>
-            <a:fld id="{75173066-3E04-1849-84B4-B4EA667913AA}" type="datetime2">
-              <a:rPr lang="en-US" smtClean="0"/>
-              <a:t>Thursday, November 17, 2022</a:t>
-            </a:fld>
-            <a:endParaRPr lang="en-US"/>
-          </a:p>
-        </p:txBody>
-      </p:sp>
-      <p:sp>
-        <p:nvSpPr>
-          <p:cNvPr id="3" name="Slide Number Placeholder 2">
-            <a:extLst>
-              <a:ext uri="{FF2B5EF4-FFF2-40B4-BE49-F238E27FC236}">
-                <a16:creationId xmlns:a16="http://schemas.microsoft.com/office/drawing/2014/main" id="{2ABA0B15-2591-0844-8D4D-A345A3AF2A82}"/>
-              </a:ext>
-            </a:extLst>
-          </p:cNvPr>
-          <p:cNvSpPr>
-            <a:spLocks noGrp="1"/>
-          </p:cNvSpPr>
-          <p:nvPr>
-            <p:ph type="sldNum" sz="quarter" idx="12"/>
-          </p:nvPr>
-        </p:nvSpPr>
-        <p:spPr/>
-        <p:txBody>
-          <a:bodyPr/>
-          <a:lstStyle/>
-          <a:p>
-            <a:fld id="{C01389E6-C847-4AD0-B56D-D205B2EAB1EE}" type="slidenum">
-              <a:rPr lang="en-US" smtClean="0"/>
-              <a:t>15</a:t>
-            </a:fld>
-            <a:endParaRPr lang="en-US"/>
-          </a:p>
-        </p:txBody>
-      </p:sp>
-      <p:pic>
-        <p:nvPicPr>
-          <p:cNvPr id="8" name="Picture 7">
-            <a:extLst>
-              <a:ext uri="{FF2B5EF4-FFF2-40B4-BE49-F238E27FC236}">
-                <a16:creationId xmlns:a16="http://schemas.microsoft.com/office/drawing/2014/main" id="{8E68EE8E-E51B-0843-9D3E-5D1D09328C96}"/>
-              </a:ext>
-            </a:extLst>
-          </p:cNvPr>
-          <p:cNvPicPr>
-            <a:picLocks noChangeAspect="1"/>
-          </p:cNvPicPr>
-          <p:nvPr/>
-        </p:nvPicPr>
-        <p:blipFill>
-          <a:blip r:embed="rId2">
-            <a:extLst>
-              <a:ext uri="{28A0092B-C50C-407E-A947-70E740481C1C}">
-                <a14:useLocalDpi xmlns:a14="http://schemas.microsoft.com/office/drawing/2010/main" val="0"/>
-              </a:ext>
-            </a:extLst>
-          </a:blip>
-          <a:stretch>
-            <a:fillRect/>
-          </a:stretch>
-        </p:blipFill>
-        <p:spPr>
-          <a:xfrm>
-            <a:off x="1755995" y="918341"/>
-            <a:ext cx="3462007" cy="5021318"/>
-          </a:xfrm>
-          <a:prstGeom prst="rect">
-            <a:avLst/>
-          </a:prstGeom>
-        </p:spPr>
-      </p:pic>
-      <p:pic>
-        <p:nvPicPr>
-          <p:cNvPr id="10" name="Picture 9">
-            <a:extLst>
-              <a:ext uri="{FF2B5EF4-FFF2-40B4-BE49-F238E27FC236}">
-                <a16:creationId xmlns:a16="http://schemas.microsoft.com/office/drawing/2014/main" id="{FFB3378D-BEB8-2C4C-9FF5-4155126D5209}"/>
-              </a:ext>
-            </a:extLst>
-          </p:cNvPr>
-          <p:cNvPicPr>
-            <a:picLocks noChangeAspect="1"/>
-          </p:cNvPicPr>
-          <p:nvPr/>
-        </p:nvPicPr>
-        <p:blipFill>
-          <a:blip r:embed="rId3">
-            <a:extLst>
-              <a:ext uri="{28A0092B-C50C-407E-A947-70E740481C1C}">
-                <a14:useLocalDpi xmlns:a14="http://schemas.microsoft.com/office/drawing/2010/main" val="0"/>
-              </a:ext>
-            </a:extLst>
-          </a:blip>
-          <a:stretch>
-            <a:fillRect/>
-          </a:stretch>
-        </p:blipFill>
-        <p:spPr>
-          <a:xfrm>
-            <a:off x="6973997" y="918341"/>
-            <a:ext cx="3462007" cy="5021318"/>
-          </a:xfrm>
-          <a:prstGeom prst="rect">
-            <a:avLst/>
-          </a:prstGeom>
-        </p:spPr>
-      </p:pic>
-    </p:spTree>
-    <p:extLst>
-      <p:ext uri="{BB962C8B-B14F-4D97-AF65-F5344CB8AC3E}">
-        <p14:creationId xmlns:p14="http://schemas.microsoft.com/office/powerpoint/2010/main" val="3502610919"/>
-      </p:ext>
-    </p:extLst>
-  </p:cSld>
-  <p:clrMapOvr>
-    <a:masterClrMapping/>
-  </p:clrMapOvr>
-</p:sld>
-</file>
-
-<file path=ppt/slides/slide16.xml><?xml version="1.0" encoding="utf-8"?>
-<p:sld xmlns:a="http://schemas.openxmlformats.org/drawingml/2006/main" xmlns:r="http://schemas.openxmlformats.org/officeDocument/2006/relationships" xmlns:p="http://schemas.openxmlformats.org/presentationml/2006/main">
-  <p:cSld>
-    <p:spTree>
-      <p:nvGrpSpPr>
-        <p:cNvPr id="1" name=""/>
-        <p:cNvGrpSpPr/>
-        <p:nvPr/>
-      </p:nvGrpSpPr>
-      <p:grpSpPr>
-        <a:xfrm>
-          <a:off x="0" y="0"/>
-          <a:ext cx="0" cy="0"/>
-          <a:chOff x="0" y="0"/>
-          <a:chExt cx="0" cy="0"/>
-        </a:xfrm>
-      </p:grpSpPr>
-      <p:sp>
-        <p:nvSpPr>
-          <p:cNvPr id="6" name="Title 1">
-            <a:extLst>
-              <a:ext uri="{FF2B5EF4-FFF2-40B4-BE49-F238E27FC236}">
-                <a16:creationId xmlns:a16="http://schemas.microsoft.com/office/drawing/2014/main" id="{64F76075-BAF9-2041-929A-E63F7AE27B4A}"/>
-              </a:ext>
-            </a:extLst>
-          </p:cNvPr>
-          <p:cNvSpPr txBox="1">
-            <a:spLocks/>
-          </p:cNvSpPr>
-          <p:nvPr/>
-        </p:nvSpPr>
-        <p:spPr>
-          <a:xfrm>
-            <a:off x="3640303" y="124890"/>
-            <a:ext cx="5089257" cy="646332"/>
-          </a:xfrm>
-          <a:prstGeom prst="rect">
-            <a:avLst/>
-          </a:prstGeom>
-        </p:spPr>
-        <p:txBody>
-          <a:bodyPr vert="horz" lIns="0" tIns="0" rIns="0" bIns="0" rtlCol="0" anchor="b">
-            <a:normAutofit fontScale="92500"/>
-          </a:bodyPr>
-          <a:lstStyle>
-            <a:lvl1pPr algn="l" defTabSz="914400" rtl="0" eaLnBrk="1" latinLnBrk="0" hangingPunct="1">
-              <a:lnSpc>
-                <a:spcPct val="100000"/>
-              </a:lnSpc>
-              <a:spcBef>
-                <a:spcPct val="0"/>
-              </a:spcBef>
-              <a:buNone/>
-              <a:defRPr sz="3600" b="1" i="0" kern="1200" cap="all" spc="700" baseline="0">
-                <a:solidFill>
-                  <a:schemeClr val="tx1"/>
-                </a:solidFill>
-                <a:latin typeface="+mj-lt"/>
-                <a:ea typeface="+mj-ea"/>
-                <a:cs typeface="+mj-cs"/>
-              </a:defRPr>
-            </a:lvl1pPr>
-          </a:lstStyle>
-          <a:p>
-            <a:pPr algn="ctr"/>
-            <a:r>
-              <a:rPr lang="en-US" sz="2800" dirty="0"/>
-              <a:t>Kaggle Submission</a:t>
-            </a:r>
-          </a:p>
-        </p:txBody>
-      </p:sp>
-      <p:sp>
-        <p:nvSpPr>
-          <p:cNvPr id="2" name="Date Placeholder 1">
-            <a:extLst>
-              <a:ext uri="{FF2B5EF4-FFF2-40B4-BE49-F238E27FC236}">
-                <a16:creationId xmlns:a16="http://schemas.microsoft.com/office/drawing/2014/main" id="{677FABA0-AE10-9846-A990-A21A3FDC6211}"/>
-              </a:ext>
-            </a:extLst>
-          </p:cNvPr>
-          <p:cNvSpPr>
-            <a:spLocks noGrp="1"/>
-          </p:cNvSpPr>
-          <p:nvPr>
-            <p:ph type="dt" sz="half" idx="10"/>
-          </p:nvPr>
-        </p:nvSpPr>
-        <p:spPr/>
-        <p:txBody>
-          <a:bodyPr/>
-          <a:lstStyle/>
-          <a:p>
-            <a:fld id="{884D596F-4BAD-834B-8866-216E5312D909}" type="datetime2">
-              <a:rPr lang="en-US" smtClean="0"/>
-              <a:t>Thursday, November 17, 2022</a:t>
-            </a:fld>
-            <a:endParaRPr lang="en-US"/>
-          </a:p>
-        </p:txBody>
-      </p:sp>
-      <p:sp>
-        <p:nvSpPr>
-          <p:cNvPr id="3" name="Slide Number Placeholder 2">
-            <a:extLst>
-              <a:ext uri="{FF2B5EF4-FFF2-40B4-BE49-F238E27FC236}">
-                <a16:creationId xmlns:a16="http://schemas.microsoft.com/office/drawing/2014/main" id="{2673C613-BE07-5745-A90E-4ED863790D2A}"/>
-              </a:ext>
-            </a:extLst>
-          </p:cNvPr>
-          <p:cNvSpPr>
-            <a:spLocks noGrp="1"/>
-          </p:cNvSpPr>
-          <p:nvPr>
-            <p:ph type="sldNum" sz="quarter" idx="12"/>
-          </p:nvPr>
-        </p:nvSpPr>
-        <p:spPr/>
-        <p:txBody>
-          <a:bodyPr/>
-          <a:lstStyle/>
-          <a:p>
-            <a:fld id="{C01389E6-C847-4AD0-B56D-D205B2EAB1EE}" type="slidenum">
-              <a:rPr lang="en-US" smtClean="0"/>
-              <a:t>16</a:t>
-            </a:fld>
-            <a:endParaRPr lang="en-US"/>
-          </a:p>
-        </p:txBody>
-      </p:sp>
-      <p:pic>
-        <p:nvPicPr>
-          <p:cNvPr id="5" name="Picture 4">
-            <a:extLst>
-              <a:ext uri="{FF2B5EF4-FFF2-40B4-BE49-F238E27FC236}">
-                <a16:creationId xmlns:a16="http://schemas.microsoft.com/office/drawing/2014/main" id="{0B272FAA-047E-EC41-972D-B45F04CD497B}"/>
-              </a:ext>
-            </a:extLst>
-          </p:cNvPr>
-          <p:cNvPicPr>
-            <a:picLocks noChangeAspect="1"/>
-          </p:cNvPicPr>
-          <p:nvPr/>
-        </p:nvPicPr>
-        <p:blipFill>
-          <a:blip r:embed="rId2">
-            <a:extLst>
-              <a:ext uri="{28A0092B-C50C-407E-A947-70E740481C1C}">
-                <a14:useLocalDpi xmlns:a14="http://schemas.microsoft.com/office/drawing/2010/main" val="0"/>
-              </a:ext>
-            </a:extLst>
-          </a:blip>
-          <a:stretch>
-            <a:fillRect/>
-          </a:stretch>
-        </p:blipFill>
-        <p:spPr>
-          <a:xfrm>
-            <a:off x="1694856" y="2921566"/>
-            <a:ext cx="8620102" cy="2937793"/>
-          </a:xfrm>
-          <a:prstGeom prst="rect">
-            <a:avLst/>
-          </a:prstGeom>
-        </p:spPr>
-      </p:pic>
-      <p:pic>
-        <p:nvPicPr>
-          <p:cNvPr id="9" name="Picture 8">
-            <a:extLst>
-              <a:ext uri="{FF2B5EF4-FFF2-40B4-BE49-F238E27FC236}">
-                <a16:creationId xmlns:a16="http://schemas.microsoft.com/office/drawing/2014/main" id="{A23BB074-7D22-5545-9D73-8E50BBA0BDA0}"/>
-              </a:ext>
-            </a:extLst>
-          </p:cNvPr>
-          <p:cNvPicPr>
-            <a:picLocks noChangeAspect="1"/>
-          </p:cNvPicPr>
-          <p:nvPr/>
-        </p:nvPicPr>
-        <p:blipFill>
-          <a:blip r:embed="rId3">
-            <a:extLst>
-              <a:ext uri="{28A0092B-C50C-407E-A947-70E740481C1C}">
-                <a14:useLocalDpi xmlns:a14="http://schemas.microsoft.com/office/drawing/2010/main" val="0"/>
-              </a:ext>
-            </a:extLst>
-          </a:blip>
-          <a:stretch>
-            <a:fillRect/>
-          </a:stretch>
-        </p:blipFill>
-        <p:spPr>
-          <a:xfrm>
-            <a:off x="4039864" y="994811"/>
-            <a:ext cx="4290134" cy="1703165"/>
-          </a:xfrm>
-          <a:prstGeom prst="rect">
-            <a:avLst/>
-          </a:prstGeom>
-        </p:spPr>
-      </p:pic>
-    </p:spTree>
-    <p:extLst>
-      <p:ext uri="{BB962C8B-B14F-4D97-AF65-F5344CB8AC3E}">
-        <p14:creationId xmlns:p14="http://schemas.microsoft.com/office/powerpoint/2010/main" val="3320284150"/>
-      </p:ext>
-    </p:extLst>
-  </p:cSld>
-  <p:clrMapOvr>
-    <a:masterClrMapping/>
-  </p:clrMapOvr>
-</p:sld>
-</file>
-
-<file path=ppt/slides/slide2.xml><?xml version="1.0" encoding="utf-8"?>
 <p:sld xmlns:a="http://schemas.openxmlformats.org/drawingml/2006/main" xmlns:r="http://schemas.openxmlformats.org/officeDocument/2006/relationships" xmlns:p="http://schemas.openxmlformats.org/presentationml/2006/main">
   <p:cSld>
     <p:bg>
@@ -17682,12 +20164,162 @@
           <a:chExt cx="0" cy="0"/>
         </a:xfrm>
       </p:grpSpPr>
+      <p:sp>
+        <p:nvSpPr>
+          <p:cNvPr id="55" name="Rectangle 54">
+            <a:extLst>
+              <a:ext uri="{FF2B5EF4-FFF2-40B4-BE49-F238E27FC236}">
+                <a16:creationId xmlns:a16="http://schemas.microsoft.com/office/drawing/2014/main" id="{BD4C0BBB-0042-4603-A226-6117F3FD5B3C}"/>
+              </a:ext>
+              <a:ext uri="{C183D7F6-B498-43B3-948B-1728B52AA6E4}">
+                <adec:decorative xmlns:adec="http://schemas.microsoft.com/office/drawing/2017/decorative" val="1"/>
+              </a:ext>
+            </a:extLst>
+          </p:cNvPr>
+          <p:cNvSpPr>
+            <a:spLocks noGrp="1" noRot="1" noChangeAspect="1" noMove="1" noResize="1" noEditPoints="1" noAdjustHandles="1" noChangeArrowheads="1" noChangeShapeType="1" noTextEdit="1"/>
+          </p:cNvSpPr>
+          <p:nvPr>
+            <p:extLst>
+              <p:ext uri="{386F3935-93C4-4BCD-93E2-E3B085C9AB24}">
+                <p16:designElem xmlns:p16="http://schemas.microsoft.com/office/powerpoint/2015/main" val="1"/>
+              </p:ext>
+            </p:extLst>
+          </p:nvPr>
+        </p:nvSpPr>
+        <p:spPr>
+          <a:xfrm rot="10800000" flipH="1">
+            <a:off x="0" y="6400799"/>
+            <a:ext cx="12192000" cy="456773"/>
+          </a:xfrm>
+          <a:prstGeom prst="rect">
+            <a:avLst/>
+          </a:prstGeom>
+          <a:gradFill>
+            <a:gsLst>
+              <a:gs pos="14000">
+                <a:schemeClr val="accent4">
+                  <a:alpha val="28000"/>
+                </a:schemeClr>
+              </a:gs>
+              <a:gs pos="100000">
+                <a:schemeClr val="accent5">
+                  <a:alpha val="85000"/>
+                </a:schemeClr>
+              </a:gs>
+            </a:gsLst>
+            <a:lin ang="6000000" scaled="0"/>
+          </a:gradFill>
+          <a:ln>
+            <a:noFill/>
+          </a:ln>
+        </p:spPr>
+        <p:style>
+          <a:lnRef idx="2">
+            <a:schemeClr val="accent1">
+              <a:shade val="50000"/>
+            </a:schemeClr>
+          </a:lnRef>
+          <a:fillRef idx="1">
+            <a:schemeClr val="accent1"/>
+          </a:fillRef>
+          <a:effectRef idx="0">
+            <a:schemeClr val="accent1"/>
+          </a:effectRef>
+          <a:fontRef idx="minor">
+            <a:schemeClr val="lt1"/>
+          </a:fontRef>
+        </p:style>
+        <p:txBody>
+          <a:bodyPr rtlCol="0" anchor="ctr"/>
+          <a:lstStyle/>
+          <a:p>
+            <a:pPr algn="ctr"/>
+            <a:endParaRPr lang="en-US"/>
+          </a:p>
+        </p:txBody>
+      </p:sp>
+      <p:sp>
+        <p:nvSpPr>
+          <p:cNvPr id="57" name="Rectangle 56">
+            <a:extLst>
+              <a:ext uri="{FF2B5EF4-FFF2-40B4-BE49-F238E27FC236}">
+                <a16:creationId xmlns:a16="http://schemas.microsoft.com/office/drawing/2014/main" id="{EC44F520-2598-460E-9F91-B02F60830CA2}"/>
+              </a:ext>
+              <a:ext uri="{C183D7F6-B498-43B3-948B-1728B52AA6E4}">
+                <adec:decorative xmlns:adec="http://schemas.microsoft.com/office/drawing/2017/decorative" val="1"/>
+              </a:ext>
+            </a:extLst>
+          </p:cNvPr>
+          <p:cNvSpPr>
+            <a:spLocks noGrp="1" noRot="1" noChangeAspect="1" noMove="1" noResize="1" noEditPoints="1" noAdjustHandles="1" noChangeArrowheads="1" noChangeShapeType="1" noTextEdit="1"/>
+          </p:cNvSpPr>
+          <p:nvPr>
+            <p:extLst>
+              <p:ext uri="{386F3935-93C4-4BCD-93E2-E3B085C9AB24}">
+                <p16:designElem xmlns:p16="http://schemas.microsoft.com/office/powerpoint/2015/main" val="1"/>
+              </p:ext>
+            </p:extLst>
+          </p:nvPr>
+        </p:nvSpPr>
+        <p:spPr>
+          <a:xfrm flipH="1">
+            <a:off x="4038600" y="6400799"/>
+            <a:ext cx="8153398" cy="456772"/>
+          </a:xfrm>
+          <a:prstGeom prst="rect">
+            <a:avLst/>
+          </a:prstGeom>
+          <a:gradFill>
+            <a:gsLst>
+              <a:gs pos="9000">
+                <a:schemeClr val="accent2">
+                  <a:lumMod val="60000"/>
+                  <a:lumOff val="40000"/>
+                  <a:alpha val="55000"/>
+                </a:schemeClr>
+              </a:gs>
+              <a:gs pos="99000">
+                <a:schemeClr val="accent2"/>
+              </a:gs>
+            </a:gsLst>
+            <a:lin ang="14400000" scaled="0"/>
+          </a:gradFill>
+          <a:ln>
+            <a:noFill/>
+          </a:ln>
+        </p:spPr>
+        <p:style>
+          <a:lnRef idx="2">
+            <a:schemeClr val="accent1">
+              <a:shade val="50000"/>
+            </a:schemeClr>
+          </a:lnRef>
+          <a:fillRef idx="1">
+            <a:schemeClr val="accent1"/>
+          </a:fillRef>
+          <a:effectRef idx="0">
+            <a:schemeClr val="accent1"/>
+          </a:effectRef>
+          <a:fontRef idx="minor">
+            <a:schemeClr val="lt1"/>
+          </a:fontRef>
+        </p:style>
+        <p:txBody>
+          <a:bodyPr rtlCol="0" anchor="ctr"/>
+          <a:lstStyle/>
+          <a:p>
+            <a:pPr algn="ctr"/>
+            <a:endParaRPr lang="en-US"/>
+          </a:p>
+        </p:txBody>
+      </p:sp>
       <p:sp useBgFill="1">
         <p:nvSpPr>
-          <p:cNvPr id="18" name="Rectangle 17">
-            <a:extLst>
-              <a:ext uri="{FF2B5EF4-FFF2-40B4-BE49-F238E27FC236}">
-                <a16:creationId xmlns:a16="http://schemas.microsoft.com/office/drawing/2014/main" id="{11D6A2A3-F101-46F7-8B6F-1C699CAFE9AD}"/>
+          <p:cNvPr id="59" name="Rectangle 58">
+            <a:extLst>
+              <a:ext uri="{FF2B5EF4-FFF2-40B4-BE49-F238E27FC236}">
+                <a16:creationId xmlns:a16="http://schemas.microsoft.com/office/drawing/2014/main" id="{FBC072A9-737B-43EA-8F67-8155C25E607E}"/>
               </a:ext>
               <a:ext uri="{C183D7F6-B498-43B3-948B-1728B52AA6E4}">
                 <adec:decorative xmlns:adec="http://schemas.microsoft.com/office/drawing/2017/decorative" val="1"/>
@@ -17760,88 +20392,10 @@
       </p:sp>
       <p:sp>
         <p:nvSpPr>
-          <p:cNvPr id="2" name="Title 1">
-            <a:extLst>
-              <a:ext uri="{FF2B5EF4-FFF2-40B4-BE49-F238E27FC236}">
-                <a16:creationId xmlns:a16="http://schemas.microsoft.com/office/drawing/2014/main" id="{A3FFE806-3E06-DE10-4DE6-12AB503086A0}"/>
-              </a:ext>
-            </a:extLst>
-          </p:cNvPr>
-          <p:cNvSpPr>
-            <a:spLocks noGrp="1"/>
-          </p:cNvSpPr>
-          <p:nvPr>
-            <p:ph type="title"/>
-          </p:nvPr>
-        </p:nvSpPr>
-        <p:spPr>
-          <a:xfrm>
-            <a:off x="1322684" y="407875"/>
-            <a:ext cx="4911393" cy="646332"/>
-          </a:xfrm>
-        </p:spPr>
-        <p:txBody>
-          <a:bodyPr anchor="b">
-            <a:normAutofit/>
-          </a:bodyPr>
-          <a:lstStyle/>
-          <a:p>
-            <a:r>
-              <a:rPr lang="en-US" sz="3200" dirty="0"/>
-              <a:t>The Facts</a:t>
-            </a:r>
-          </a:p>
-        </p:txBody>
-      </p:sp>
-      <p:pic>
-        <p:nvPicPr>
-          <p:cNvPr id="12" name="Picture 11">
-            <a:extLst>
-              <a:ext uri="{FF2B5EF4-FFF2-40B4-BE49-F238E27FC236}">
-                <a16:creationId xmlns:a16="http://schemas.microsoft.com/office/drawing/2014/main" id="{7CF8C0CC-8F1A-F10C-AB48-975A60B4FC01}"/>
-              </a:ext>
-            </a:extLst>
-          </p:cNvPr>
-          <p:cNvPicPr>
-            <a:picLocks noChangeAspect="1"/>
-          </p:cNvPicPr>
-          <p:nvPr/>
-        </p:nvPicPr>
-        <p:blipFill>
-          <a:blip r:embed="rId2"/>
-          <a:stretch>
-            <a:fillRect/>
-          </a:stretch>
-        </p:blipFill>
-        <p:spPr>
-          <a:xfrm rot="20894191">
-            <a:off x="7195232" y="540355"/>
-            <a:ext cx="3771638" cy="2121546"/>
-          </a:xfrm>
-          <a:prstGeom prst="roundRect">
-            <a:avLst>
-              <a:gd name="adj" fmla="val 8594"/>
-            </a:avLst>
-          </a:prstGeom>
-          <a:solidFill>
-            <a:srgbClr val="FFFFFF">
-              <a:shade val="85000"/>
-            </a:srgbClr>
-          </a:solidFill>
-          <a:ln>
-            <a:noFill/>
-          </a:ln>
-          <a:effectLst>
-            <a:reflection blurRad="12700" stA="38000" endPos="28000" dist="5000" dir="5400000" sy="-100000" algn="bl" rotWithShape="0"/>
-          </a:effectLst>
-        </p:spPr>
-      </p:pic>
-      <p:sp>
-        <p:nvSpPr>
-          <p:cNvPr id="20" name="Rectangle 19">
-            <a:extLst>
-              <a:ext uri="{FF2B5EF4-FFF2-40B4-BE49-F238E27FC236}">
-                <a16:creationId xmlns:a16="http://schemas.microsoft.com/office/drawing/2014/main" id="{529E760E-527D-4053-A309-F2BDE12501CD}"/>
+          <p:cNvPr id="61" name="Rectangle 60">
+            <a:extLst>
+              <a:ext uri="{FF2B5EF4-FFF2-40B4-BE49-F238E27FC236}">
+                <a16:creationId xmlns:a16="http://schemas.microsoft.com/office/drawing/2014/main" id="{0EB06CB7-868E-4636-A33A-E193292A6F50}"/>
               </a:ext>
               <a:ext uri="{C183D7F6-B498-43B3-948B-1728B52AA6E4}">
                 <adec:decorative xmlns:adec="http://schemas.microsoft.com/office/drawing/2017/decorative" val="1"/>
@@ -17860,26 +20414,27 @@
           </p:nvPr>
         </p:nvSpPr>
         <p:spPr>
-          <a:xfrm flipH="1">
-            <a:off x="-3" y="6400800"/>
-            <a:ext cx="12191999" cy="457198"/>
+          <a:xfrm rot="10800000" flipH="1">
+            <a:off x="0" y="6408741"/>
+            <a:ext cx="12192000" cy="449256"/>
           </a:xfrm>
           <a:prstGeom prst="rect">
             <a:avLst/>
           </a:prstGeom>
           <a:gradFill>
             <a:gsLst>
-              <a:gs pos="0">
-                <a:schemeClr val="accent2"/>
+              <a:gs pos="14000">
+                <a:schemeClr val="accent4">
+                  <a:alpha val="28000"/>
+                </a:schemeClr>
               </a:gs>
               <a:gs pos="100000">
-                <a:schemeClr val="accent6">
-                  <a:lumMod val="75000"/>
+                <a:schemeClr val="accent5">
                   <a:alpha val="85000"/>
                 </a:schemeClr>
               </a:gs>
             </a:gsLst>
-            <a:lin ang="0" scaled="0"/>
+            <a:lin ang="9000000" scaled="0"/>
           </a:gradFill>
           <a:ln>
             <a:noFill/>
@@ -17912,10 +20467,10 @@
       </p:sp>
       <p:sp>
         <p:nvSpPr>
-          <p:cNvPr id="22" name="Rectangle 21">
-            <a:extLst>
-              <a:ext uri="{FF2B5EF4-FFF2-40B4-BE49-F238E27FC236}">
-                <a16:creationId xmlns:a16="http://schemas.microsoft.com/office/drawing/2014/main" id="{4153D448-4ED1-429A-A28C-8316DE7CAF7E}"/>
+          <p:cNvPr id="63" name="Rectangle 62">
+            <a:extLst>
+              <a:ext uri="{FF2B5EF4-FFF2-40B4-BE49-F238E27FC236}">
+                <a16:creationId xmlns:a16="http://schemas.microsoft.com/office/drawing/2014/main" id="{AFD90F94-5ADB-4D14-BFA5-C0815CAE6D8D}"/>
               </a:ext>
               <a:ext uri="{C183D7F6-B498-43B3-948B-1728B52AA6E4}">
                 <adec:decorative xmlns:adec="http://schemas.microsoft.com/office/drawing/2017/decorative" val="1"/>
@@ -17935,26 +20490,26 @@
         </p:nvSpPr>
         <p:spPr>
           <a:xfrm flipH="1">
-            <a:off x="4038600" y="6400798"/>
-            <a:ext cx="8153396" cy="448831"/>
+            <a:off x="4038600" y="6408316"/>
+            <a:ext cx="8153398" cy="449684"/>
           </a:xfrm>
           <a:prstGeom prst="rect">
             <a:avLst/>
           </a:prstGeom>
           <a:gradFill>
             <a:gsLst>
-              <a:gs pos="0">
-                <a:schemeClr val="accent5">
-                  <a:alpha val="5000"/>
+              <a:gs pos="9000">
+                <a:schemeClr val="accent2">
+                  <a:lumMod val="60000"/>
+                  <a:lumOff val="40000"/>
+                  <a:alpha val="68000"/>
                 </a:schemeClr>
               </a:gs>
               <a:gs pos="99000">
-                <a:schemeClr val="accent5">
-                  <a:alpha val="72000"/>
-                </a:schemeClr>
+                <a:schemeClr val="accent2"/>
               </a:gs>
             </a:gsLst>
-            <a:lin ang="19800000" scaled="0"/>
+            <a:lin ang="13800000" scaled="0"/>
           </a:gradFill>
           <a:ln>
             <a:noFill/>
@@ -17987,577 +20542,10 @@
       </p:sp>
       <p:sp>
         <p:nvSpPr>
-          <p:cNvPr id="7" name="Slide Number Placeholder 6">
-            <a:extLst>
-              <a:ext uri="{FF2B5EF4-FFF2-40B4-BE49-F238E27FC236}">
-                <a16:creationId xmlns:a16="http://schemas.microsoft.com/office/drawing/2014/main" id="{96D5C7D3-CBD8-D524-E6BF-4C6674CB8029}"/>
-              </a:ext>
-            </a:extLst>
-          </p:cNvPr>
-          <p:cNvSpPr>
-            <a:spLocks noGrp="1"/>
-          </p:cNvSpPr>
-          <p:nvPr>
-            <p:ph type="sldNum" sz="quarter" idx="12"/>
-          </p:nvPr>
-        </p:nvSpPr>
-        <p:spPr>
-          <a:xfrm>
-            <a:off x="11669678" y="6408742"/>
-            <a:ext cx="438652" cy="448830"/>
-          </a:xfrm>
-        </p:spPr>
-        <p:txBody>
-          <a:bodyPr>
-            <a:normAutofit/>
-          </a:bodyPr>
-          <a:lstStyle/>
-          <a:p>
-            <a:pPr>
-              <a:spcAft>
-                <a:spcPts val="600"/>
-              </a:spcAft>
-            </a:pPr>
-            <a:fld id="{C01389E6-C847-4AD0-B56D-D205B2EAB1EE}" type="slidenum">
-              <a:rPr lang="en-US" smtClean="0"/>
-              <a:pPr>
-                <a:spcAft>
-                  <a:spcPts val="600"/>
-                </a:spcAft>
-              </a:pPr>
-              <a:t>2</a:t>
-            </a:fld>
-            <a:endParaRPr lang="en-US"/>
-          </a:p>
-        </p:txBody>
-      </p:sp>
-      <p:graphicFrame>
-        <p:nvGraphicFramePr>
-          <p:cNvPr id="13" name="Content Placeholder 2">
-            <a:extLst>
-              <a:ext uri="{FF2B5EF4-FFF2-40B4-BE49-F238E27FC236}">
-                <a16:creationId xmlns:a16="http://schemas.microsoft.com/office/drawing/2014/main" id="{7B52415B-EAB8-A3F7-09F7-DB17D3A055F7}"/>
-              </a:ext>
-            </a:extLst>
-          </p:cNvPr>
-          <p:cNvGraphicFramePr>
-            <a:graphicFrameLocks noGrp="1"/>
-          </p:cNvGraphicFramePr>
-          <p:nvPr>
-            <p:ph idx="1"/>
-            <p:extLst>
-              <p:ext uri="{D42A27DB-BD31-4B8C-83A1-F6EECF244321}">
-                <p14:modId xmlns:p14="http://schemas.microsoft.com/office/powerpoint/2010/main" val="3380232732"/>
-              </p:ext>
-            </p:extLst>
-          </p:nvPr>
-        </p:nvGraphicFramePr>
-        <p:xfrm>
-          <a:off x="1284018" y="1363838"/>
-          <a:ext cx="4911392" cy="3583940"/>
-        </p:xfrm>
-        <a:graphic>
-          <a:graphicData uri="http://schemas.openxmlformats.org/drawingml/2006/diagram">
-            <dgm:relIds xmlns:dgm="http://schemas.openxmlformats.org/drawingml/2006/diagram" xmlns:r="http://schemas.openxmlformats.org/officeDocument/2006/relationships" r:dm="rId3" r:lo="rId4" r:qs="rId5" r:cs="rId6"/>
-          </a:graphicData>
-        </a:graphic>
-      </p:graphicFrame>
-      <p:pic>
-        <p:nvPicPr>
-          <p:cNvPr id="14" name="Picture 13">
-            <a:extLst>
-              <a:ext uri="{FF2B5EF4-FFF2-40B4-BE49-F238E27FC236}">
-                <a16:creationId xmlns:a16="http://schemas.microsoft.com/office/drawing/2014/main" id="{2DD253DD-8330-2384-B800-F0A705B5790E}"/>
-              </a:ext>
-            </a:extLst>
-          </p:cNvPr>
-          <p:cNvPicPr>
-            <a:picLocks noChangeAspect="1"/>
-          </p:cNvPicPr>
-          <p:nvPr/>
-        </p:nvPicPr>
-        <p:blipFill>
-          <a:blip r:embed="rId8"/>
-          <a:stretch>
-            <a:fillRect/>
-          </a:stretch>
-        </p:blipFill>
-        <p:spPr>
-          <a:xfrm rot="443044">
-            <a:off x="7684796" y="3460093"/>
-            <a:ext cx="3312553" cy="2206199"/>
-          </a:xfrm>
-          <a:prstGeom prst="rect">
-            <a:avLst/>
-          </a:prstGeom>
-          <a:ln>
-            <a:noFill/>
-          </a:ln>
-          <a:effectLst>
-            <a:softEdge rad="112500"/>
-          </a:effectLst>
-        </p:spPr>
-      </p:pic>
-      <p:sp>
-        <p:nvSpPr>
-          <p:cNvPr id="19" name="TextBox 18">
-            <a:extLst>
-              <a:ext uri="{FF2B5EF4-FFF2-40B4-BE49-F238E27FC236}">
-                <a16:creationId xmlns:a16="http://schemas.microsoft.com/office/drawing/2014/main" id="{B41173E8-AD56-8ECC-52CD-CABC24E2539E}"/>
-              </a:ext>
-            </a:extLst>
-          </p:cNvPr>
-          <p:cNvSpPr txBox="1"/>
-          <p:nvPr/>
-        </p:nvSpPr>
-        <p:spPr>
-          <a:xfrm>
-            <a:off x="2096395" y="4859924"/>
-            <a:ext cx="4731540" cy="646331"/>
-          </a:xfrm>
-          <a:prstGeom prst="rect">
-            <a:avLst/>
-          </a:prstGeom>
-          <a:noFill/>
-        </p:spPr>
-        <p:txBody>
-          <a:bodyPr wrap="square">
-            <a:spAutoFit/>
-          </a:bodyPr>
-          <a:lstStyle/>
-          <a:p>
-            <a:pPr lvl="0"/>
-            <a:r>
-              <a:rPr lang="en-US" b="1" dirty="0"/>
-              <a:t>Goal:</a:t>
-            </a:r>
-            <a:r>
-              <a:rPr lang="en-US" dirty="0"/>
-              <a:t> Predict who was transported from dataset without the transported target</a:t>
-            </a:r>
-          </a:p>
-        </p:txBody>
-      </p:sp>
-      <p:pic>
-        <p:nvPicPr>
-          <p:cNvPr id="21" name="Picture 20" descr="Icon&#10;&#10;Description automatically generated">
-            <a:extLst>
-              <a:ext uri="{FF2B5EF4-FFF2-40B4-BE49-F238E27FC236}">
-                <a16:creationId xmlns:a16="http://schemas.microsoft.com/office/drawing/2014/main" id="{CEB68E4B-A9A6-EDA5-A710-E056741B1BBA}"/>
-              </a:ext>
-            </a:extLst>
-          </p:cNvPr>
-          <p:cNvPicPr>
-            <a:picLocks noChangeAspect="1"/>
-          </p:cNvPicPr>
-          <p:nvPr/>
-        </p:nvPicPr>
-        <p:blipFill>
-          <a:blip r:embed="rId9">
-            <a:extLst>
-              <a:ext uri="{28A0092B-C50C-407E-A947-70E740481C1C}">
-                <a14:useLocalDpi xmlns:a14="http://schemas.microsoft.com/office/drawing/2010/main" val="0"/>
-              </a:ext>
-            </a:extLst>
-          </a:blip>
-          <a:stretch>
-            <a:fillRect/>
-          </a:stretch>
-        </p:blipFill>
-        <p:spPr>
-          <a:xfrm>
-            <a:off x="1463870" y="4870234"/>
-            <a:ext cx="548166" cy="548166"/>
-          </a:xfrm>
-          <a:prstGeom prst="rect">
-            <a:avLst/>
-          </a:prstGeom>
-        </p:spPr>
-      </p:pic>
-      <p:sp>
-        <p:nvSpPr>
-          <p:cNvPr id="4" name="Date Placeholder 3">
-            <a:extLst>
-              <a:ext uri="{FF2B5EF4-FFF2-40B4-BE49-F238E27FC236}">
-                <a16:creationId xmlns:a16="http://schemas.microsoft.com/office/drawing/2014/main" id="{2C1C603B-71B4-B64C-BDF9-8FA3C8EF9222}"/>
-              </a:ext>
-            </a:extLst>
-          </p:cNvPr>
-          <p:cNvSpPr>
-            <a:spLocks noGrp="1"/>
-          </p:cNvSpPr>
-          <p:nvPr>
-            <p:ph type="dt" sz="half" idx="10"/>
-          </p:nvPr>
-        </p:nvSpPr>
-        <p:spPr/>
-        <p:txBody>
-          <a:bodyPr/>
-          <a:lstStyle/>
-          <a:p>
-            <a:fld id="{22C8D8D3-B20C-DC44-8387-99E41C8E8FBC}" type="datetime2">
-              <a:rPr lang="en-US" smtClean="0"/>
-              <a:t>Thursday, November 17, 2022</a:t>
-            </a:fld>
-            <a:endParaRPr lang="en-US"/>
-          </a:p>
-        </p:txBody>
-      </p:sp>
-    </p:spTree>
-    <p:extLst>
-      <p:ext uri="{BB962C8B-B14F-4D97-AF65-F5344CB8AC3E}">
-        <p14:creationId xmlns:p14="http://schemas.microsoft.com/office/powerpoint/2010/main" val="2496542540"/>
-      </p:ext>
-    </p:extLst>
-  </p:cSld>
-  <p:clrMapOvr>
-    <a:masterClrMapping/>
-  </p:clrMapOvr>
-</p:sld>
-</file>
-
-<file path=ppt/slides/slide3.xml><?xml version="1.0" encoding="utf-8"?>
-<p:sld xmlns:a="http://schemas.openxmlformats.org/drawingml/2006/main" xmlns:r="http://schemas.openxmlformats.org/officeDocument/2006/relationships" xmlns:p="http://schemas.openxmlformats.org/presentationml/2006/main">
-  <p:cSld>
-    <p:spTree>
-      <p:nvGrpSpPr>
-        <p:cNvPr id="1" name=""/>
-        <p:cNvGrpSpPr/>
-        <p:nvPr/>
-      </p:nvGrpSpPr>
-      <p:grpSpPr>
-        <a:xfrm>
-          <a:off x="0" y="0"/>
-          <a:ext cx="0" cy="0"/>
-          <a:chOff x="0" y="0"/>
-          <a:chExt cx="0" cy="0"/>
-        </a:xfrm>
-      </p:grpSpPr>
-      <p:sp>
-        <p:nvSpPr>
-          <p:cNvPr id="3" name="Content Placeholder 2">
-            <a:extLst>
-              <a:ext uri="{FF2B5EF4-FFF2-40B4-BE49-F238E27FC236}">
-                <a16:creationId xmlns:a16="http://schemas.microsoft.com/office/drawing/2014/main" id="{4E409A54-79C9-B849-9230-1F29479BE41A}"/>
-              </a:ext>
-            </a:extLst>
-          </p:cNvPr>
-          <p:cNvSpPr>
-            <a:spLocks noGrp="1"/>
-          </p:cNvSpPr>
-          <p:nvPr>
-            <p:ph idx="1"/>
-          </p:nvPr>
-        </p:nvSpPr>
-        <p:spPr>
-          <a:xfrm>
-            <a:off x="1322683" y="1449324"/>
-            <a:ext cx="10241280" cy="3959352"/>
-          </a:xfrm>
-        </p:spPr>
-        <p:txBody>
-          <a:bodyPr/>
-          <a:lstStyle/>
-          <a:p>
-            <a:r>
-              <a:rPr lang="en-PT"/>
-              <a:t>Some of t</a:t>
-            </a:r>
-            <a:r>
-              <a:rPr lang="en-GB"/>
-              <a:t>he</a:t>
-            </a:r>
-            <a:r>
-              <a:rPr lang="en-PT"/>
-              <a:t> information of t</a:t>
-            </a:r>
-            <a:r>
-              <a:rPr lang="en-GB"/>
-              <a:t>he</a:t>
-            </a:r>
-            <a:r>
-              <a:rPr lang="en-PT"/>
-              <a:t> passengers got lost</a:t>
-            </a:r>
-            <a:endParaRPr lang="en-PT" dirty="0"/>
-          </a:p>
-        </p:txBody>
-      </p:sp>
-      <p:sp>
-        <p:nvSpPr>
-          <p:cNvPr id="6" name="Slide Number Placeholder 5">
-            <a:extLst>
-              <a:ext uri="{FF2B5EF4-FFF2-40B4-BE49-F238E27FC236}">
-                <a16:creationId xmlns:a16="http://schemas.microsoft.com/office/drawing/2014/main" id="{BF5A322A-3396-48FE-3C84-503323DE7A75}"/>
-              </a:ext>
-            </a:extLst>
-          </p:cNvPr>
-          <p:cNvSpPr>
-            <a:spLocks noGrp="1"/>
-          </p:cNvSpPr>
-          <p:nvPr>
-            <p:ph type="sldNum" sz="quarter" idx="12"/>
-          </p:nvPr>
-        </p:nvSpPr>
-        <p:spPr/>
-        <p:txBody>
-          <a:bodyPr/>
-          <a:lstStyle/>
-          <a:p>
-            <a:fld id="{C01389E6-C847-4AD0-B56D-D205B2EAB1EE}" type="slidenum">
-              <a:rPr lang="en-US" smtClean="0"/>
-              <a:t>3</a:t>
-            </a:fld>
-            <a:endParaRPr lang="en-US"/>
-          </a:p>
-        </p:txBody>
-      </p:sp>
-      <p:sp>
-        <p:nvSpPr>
-          <p:cNvPr id="7" name="Title 1">
-            <a:extLst>
-              <a:ext uri="{FF2B5EF4-FFF2-40B4-BE49-F238E27FC236}">
-                <a16:creationId xmlns:a16="http://schemas.microsoft.com/office/drawing/2014/main" id="{B16EBA06-5564-A35F-2E9E-8BE2FDC003ED}"/>
-              </a:ext>
-            </a:extLst>
-          </p:cNvPr>
-          <p:cNvSpPr txBox="1">
-            <a:spLocks/>
-          </p:cNvSpPr>
-          <p:nvPr/>
-        </p:nvSpPr>
-        <p:spPr>
-          <a:xfrm>
-            <a:off x="1322683" y="407875"/>
-            <a:ext cx="9054893" cy="646332"/>
-          </a:xfrm>
-          <a:prstGeom prst="rect">
-            <a:avLst/>
-          </a:prstGeom>
-        </p:spPr>
-        <p:txBody>
-          <a:bodyPr vert="horz" lIns="0" tIns="0" rIns="0" bIns="0" rtlCol="0" anchor="b">
-            <a:normAutofit/>
-          </a:bodyPr>
-          <a:lstStyle>
-            <a:lvl1pPr algn="l" defTabSz="914400" rtl="0" eaLnBrk="1" latinLnBrk="0" hangingPunct="1">
-              <a:lnSpc>
-                <a:spcPct val="100000"/>
-              </a:lnSpc>
-              <a:spcBef>
-                <a:spcPct val="0"/>
-              </a:spcBef>
-              <a:buNone/>
-              <a:defRPr sz="3600" b="1" i="0" kern="1200" cap="all" spc="700" baseline="0">
-                <a:solidFill>
-                  <a:schemeClr val="tx1"/>
-                </a:solidFill>
-                <a:latin typeface="+mj-lt"/>
-                <a:ea typeface="+mj-ea"/>
-                <a:cs typeface="+mj-cs"/>
-              </a:defRPr>
-            </a:lvl1pPr>
-          </a:lstStyle>
-          <a:p>
-            <a:r>
-              <a:rPr lang="en-US" sz="3200"/>
-              <a:t>The Damaged Computer</a:t>
-            </a:r>
-            <a:endParaRPr lang="en-US" sz="3200" dirty="0"/>
-          </a:p>
-        </p:txBody>
-      </p:sp>
-      <p:pic>
-        <p:nvPicPr>
-          <p:cNvPr id="4" name="Picture 3" descr="Table&#10;&#10;Description automatically generated">
-            <a:extLst>
-              <a:ext uri="{FF2B5EF4-FFF2-40B4-BE49-F238E27FC236}">
-                <a16:creationId xmlns:a16="http://schemas.microsoft.com/office/drawing/2014/main" id="{A4991A2E-88C5-524E-B454-AECD5E397060}"/>
-              </a:ext>
-            </a:extLst>
-          </p:cNvPr>
-          <p:cNvPicPr>
-            <a:picLocks noChangeAspect="1"/>
-          </p:cNvPicPr>
-          <p:nvPr/>
-        </p:nvPicPr>
-        <p:blipFill>
-          <a:blip r:embed="rId2">
-            <a:extLst>
-              <a:ext uri="{28A0092B-C50C-407E-A947-70E740481C1C}">
-                <a14:useLocalDpi xmlns:a14="http://schemas.microsoft.com/office/drawing/2010/main" val="0"/>
-              </a:ext>
-            </a:extLst>
-          </a:blip>
-          <a:stretch>
-            <a:fillRect/>
-          </a:stretch>
-        </p:blipFill>
-        <p:spPr>
-          <a:xfrm>
-            <a:off x="2077391" y="1932312"/>
-            <a:ext cx="3327400" cy="3835400"/>
-          </a:xfrm>
-          <a:prstGeom prst="rect">
-            <a:avLst/>
-          </a:prstGeom>
-        </p:spPr>
-      </p:pic>
-      <p:pic>
-        <p:nvPicPr>
-          <p:cNvPr id="10" name="Picture 9">
-            <a:extLst>
-              <a:ext uri="{FF2B5EF4-FFF2-40B4-BE49-F238E27FC236}">
-                <a16:creationId xmlns:a16="http://schemas.microsoft.com/office/drawing/2014/main" id="{2128248B-020F-6146-B1A8-AFF76FFB7EA3}"/>
-              </a:ext>
-            </a:extLst>
-          </p:cNvPr>
-          <p:cNvPicPr>
-            <a:picLocks noChangeAspect="1"/>
-          </p:cNvPicPr>
-          <p:nvPr/>
-        </p:nvPicPr>
-        <p:blipFill>
-          <a:blip r:embed="rId3"/>
-          <a:stretch>
-            <a:fillRect/>
-          </a:stretch>
-        </p:blipFill>
-        <p:spPr>
-          <a:xfrm>
-            <a:off x="6159499" y="2187116"/>
-            <a:ext cx="4218077" cy="3325791"/>
-          </a:xfrm>
-          <a:prstGeom prst="rect">
-            <a:avLst/>
-          </a:prstGeom>
-        </p:spPr>
-      </p:pic>
-      <p:sp>
-        <p:nvSpPr>
-          <p:cNvPr id="2" name="Date Placeholder 1">
-            <a:extLst>
-              <a:ext uri="{FF2B5EF4-FFF2-40B4-BE49-F238E27FC236}">
-                <a16:creationId xmlns:a16="http://schemas.microsoft.com/office/drawing/2014/main" id="{F38D145A-E418-CD44-A16D-3DDCC377A3A2}"/>
-              </a:ext>
-            </a:extLst>
-          </p:cNvPr>
-          <p:cNvSpPr>
-            <a:spLocks noGrp="1"/>
-          </p:cNvSpPr>
-          <p:nvPr>
-            <p:ph type="dt" sz="half" idx="10"/>
-          </p:nvPr>
-        </p:nvSpPr>
-        <p:spPr/>
-        <p:txBody>
-          <a:bodyPr/>
-          <a:lstStyle/>
-          <a:p>
-            <a:fld id="{EECB3B43-7D2C-D541-B4CC-532CE21D4E59}" type="datetime2">
-              <a:rPr lang="en-US" smtClean="0"/>
-              <a:t>Thursday, November 17, 2022</a:t>
-            </a:fld>
-            <a:endParaRPr lang="en-US"/>
-          </a:p>
-        </p:txBody>
-      </p:sp>
-    </p:spTree>
-    <p:extLst>
-      <p:ext uri="{BB962C8B-B14F-4D97-AF65-F5344CB8AC3E}">
-        <p14:creationId xmlns:p14="http://schemas.microsoft.com/office/powerpoint/2010/main" val="1377696593"/>
-      </p:ext>
-    </p:extLst>
-  </p:cSld>
-  <p:clrMapOvr>
-    <a:masterClrMapping/>
-  </p:clrMapOvr>
-</p:sld>
-</file>
-
-<file path=ppt/slides/slide4.xml><?xml version="1.0" encoding="utf-8"?>
-<p:sld xmlns:a="http://schemas.openxmlformats.org/drawingml/2006/main" xmlns:r="http://schemas.openxmlformats.org/officeDocument/2006/relationships" xmlns:p="http://schemas.openxmlformats.org/presentationml/2006/main">
-  <p:cSld>
-    <p:spTree>
-      <p:nvGrpSpPr>
-        <p:cNvPr id="1" name=""/>
-        <p:cNvGrpSpPr/>
-        <p:nvPr/>
-      </p:nvGrpSpPr>
-      <p:grpSpPr>
-        <a:xfrm>
-          <a:off x="0" y="0"/>
-          <a:ext cx="0" cy="0"/>
-          <a:chOff x="0" y="0"/>
-          <a:chExt cx="0" cy="0"/>
-        </a:xfrm>
-      </p:grpSpPr>
-      <p:graphicFrame>
-        <p:nvGraphicFramePr>
-          <p:cNvPr id="32" name="Content Placeholder 2">
-            <a:extLst>
-              <a:ext uri="{FF2B5EF4-FFF2-40B4-BE49-F238E27FC236}">
-                <a16:creationId xmlns:a16="http://schemas.microsoft.com/office/drawing/2014/main" id="{2D23658E-5D53-93C7-E44F-5CD36ECAD113}"/>
-              </a:ext>
-            </a:extLst>
-          </p:cNvPr>
-          <p:cNvGraphicFramePr>
-            <a:graphicFrameLocks noGrp="1"/>
-          </p:cNvGraphicFramePr>
-          <p:nvPr>
-            <p:ph idx="1"/>
-            <p:extLst>
-              <p:ext uri="{D42A27DB-BD31-4B8C-83A1-F6EECF244321}">
-                <p14:modId xmlns:p14="http://schemas.microsoft.com/office/powerpoint/2010/main" val="1805286969"/>
-              </p:ext>
-            </p:extLst>
-          </p:nvPr>
-        </p:nvGraphicFramePr>
-        <p:xfrm>
-          <a:off x="203200" y="1544320"/>
-          <a:ext cx="11903456" cy="4865624"/>
-        </p:xfrm>
-        <a:graphic>
-          <a:graphicData uri="http://schemas.openxmlformats.org/drawingml/2006/diagram">
-            <dgm:relIds xmlns:dgm="http://schemas.openxmlformats.org/drawingml/2006/diagram" xmlns:r="http://schemas.openxmlformats.org/officeDocument/2006/relationships" r:dm="rId2" r:lo="rId3" r:qs="rId4" r:cs="rId5"/>
-          </a:graphicData>
-        </a:graphic>
-      </p:graphicFrame>
-      <p:sp>
-        <p:nvSpPr>
-          <p:cNvPr id="5" name="Slide Number Placeholder 4">
-            <a:extLst>
-              <a:ext uri="{FF2B5EF4-FFF2-40B4-BE49-F238E27FC236}">
-                <a16:creationId xmlns:a16="http://schemas.microsoft.com/office/drawing/2014/main" id="{297FCDE7-593F-8357-4B8D-1D43F0910C20}"/>
-              </a:ext>
-            </a:extLst>
-          </p:cNvPr>
-          <p:cNvSpPr>
-            <a:spLocks noGrp="1"/>
-          </p:cNvSpPr>
-          <p:nvPr>
-            <p:ph type="sldNum" sz="quarter" idx="12"/>
-          </p:nvPr>
-        </p:nvSpPr>
-        <p:spPr/>
-        <p:txBody>
-          <a:bodyPr/>
-          <a:lstStyle/>
-          <a:p>
-            <a:fld id="{C01389E6-C847-4AD0-B56D-D205B2EAB1EE}" type="slidenum">
-              <a:rPr lang="en-US" smtClean="0"/>
-              <a:t>4</a:t>
-            </a:fld>
-            <a:endParaRPr lang="en-US"/>
-          </a:p>
-        </p:txBody>
-      </p:sp>
-      <p:sp>
-        <p:nvSpPr>
-          <p:cNvPr id="6" name="Title 1">
-            <a:extLst>
-              <a:ext uri="{FF2B5EF4-FFF2-40B4-BE49-F238E27FC236}">
-                <a16:creationId xmlns:a16="http://schemas.microsoft.com/office/drawing/2014/main" id="{54E23F84-1823-4C33-4B03-2A8774C7E852}"/>
+          <p:cNvPr id="19" name="Title 1">
+            <a:extLst>
+              <a:ext uri="{FF2B5EF4-FFF2-40B4-BE49-F238E27FC236}">
+                <a16:creationId xmlns:a16="http://schemas.microsoft.com/office/drawing/2014/main" id="{BF1E567D-B059-A54E-A989-23322BDC48D6}"/>
               </a:ext>
             </a:extLst>
           </p:cNvPr>
@@ -18602,17 +20590,17 @@
             <a:pPr algn="ctr"/>
             <a:r>
               <a:rPr lang="en-US" sz="2800" dirty="0"/>
-              <a:t>Features</a:t>
+              <a:t>Cat Boost</a:t>
             </a:r>
           </a:p>
         </p:txBody>
       </p:sp>
       <p:sp>
         <p:nvSpPr>
-          <p:cNvPr id="2" name="Date Placeholder 1">
-            <a:extLst>
-              <a:ext uri="{FF2B5EF4-FFF2-40B4-BE49-F238E27FC236}">
-                <a16:creationId xmlns:a16="http://schemas.microsoft.com/office/drawing/2014/main" id="{F2E910AF-C8EF-8D47-B239-6FACEE7AE111}"/>
+          <p:cNvPr id="6" name="Date Placeholder 5">
+            <a:extLst>
+              <a:ext uri="{FF2B5EF4-FFF2-40B4-BE49-F238E27FC236}">
+                <a16:creationId xmlns:a16="http://schemas.microsoft.com/office/drawing/2014/main" id="{661C641B-3E46-B842-9A2F-CBDACE6795A8}"/>
               </a:ext>
             </a:extLst>
           </p:cNvPr>
@@ -18628,7 +20616,7 @@
           <a:bodyPr/>
           <a:lstStyle/>
           <a:p>
-            <a:fld id="{9115964E-2F02-3743-9AD0-D4ED663B2E40}" type="datetime2">
+            <a:fld id="{78229B31-04B5-6C4F-994D-122FB5182388}" type="datetime2">
               <a:rPr lang="en-US" smtClean="0"/>
               <a:t>Thursday, November 17, 2022</a:t>
             </a:fld>
@@ -18636,10 +20624,111 @@
           </a:p>
         </p:txBody>
       </p:sp>
+      <p:sp>
+        <p:nvSpPr>
+          <p:cNvPr id="8" name="Slide Number Placeholder 7">
+            <a:extLst>
+              <a:ext uri="{FF2B5EF4-FFF2-40B4-BE49-F238E27FC236}">
+                <a16:creationId xmlns:a16="http://schemas.microsoft.com/office/drawing/2014/main" id="{CBC0148E-C88E-8B49-8C54-9F1D4FC7F103}"/>
+              </a:ext>
+            </a:extLst>
+          </p:cNvPr>
+          <p:cNvSpPr>
+            <a:spLocks noGrp="1"/>
+          </p:cNvSpPr>
+          <p:nvPr>
+            <p:ph type="sldNum" sz="quarter" idx="12"/>
+          </p:nvPr>
+        </p:nvSpPr>
+        <p:spPr/>
+        <p:txBody>
+          <a:bodyPr/>
+          <a:lstStyle/>
+          <a:p>
+            <a:fld id="{C01389E6-C847-4AD0-B56D-D205B2EAB1EE}" type="slidenum">
+              <a:rPr lang="en-US" smtClean="0"/>
+              <a:t>14</a:t>
+            </a:fld>
+            <a:endParaRPr lang="en-US"/>
+          </a:p>
+        </p:txBody>
+      </p:sp>
+      <p:pic>
+        <p:nvPicPr>
+          <p:cNvPr id="3" name="Picture 2">
+            <a:extLst>
+              <a:ext uri="{FF2B5EF4-FFF2-40B4-BE49-F238E27FC236}">
+                <a16:creationId xmlns:a16="http://schemas.microsoft.com/office/drawing/2014/main" id="{46E1F94D-75B5-A04D-97F6-BA9820EDCE97}"/>
+              </a:ext>
+            </a:extLst>
+          </p:cNvPr>
+          <p:cNvPicPr>
+            <a:picLocks noChangeAspect="1"/>
+          </p:cNvPicPr>
+          <p:nvPr/>
+        </p:nvPicPr>
+        <p:blipFill>
+          <a:blip r:embed="rId2">
+            <a:extLst>
+              <a:ext uri="{28A0092B-C50C-407E-A947-70E740481C1C}">
+                <a14:useLocalDpi xmlns:a14="http://schemas.microsoft.com/office/drawing/2010/main" val="0"/>
+              </a:ext>
+            </a:extLst>
+          </a:blip>
+          <a:stretch>
+            <a:fillRect/>
+          </a:stretch>
+        </p:blipFill>
+        <p:spPr>
+          <a:xfrm>
+            <a:off x="685314" y="1651000"/>
+            <a:ext cx="5246557" cy="3556000"/>
+          </a:xfrm>
+          <a:prstGeom prst="rect">
+            <a:avLst/>
+          </a:prstGeom>
+        </p:spPr>
+      </p:pic>
+      <p:pic>
+        <p:nvPicPr>
+          <p:cNvPr id="10" name="Picture 9">
+            <a:extLst>
+              <a:ext uri="{FF2B5EF4-FFF2-40B4-BE49-F238E27FC236}">
+                <a16:creationId xmlns:a16="http://schemas.microsoft.com/office/drawing/2014/main" id="{3ED09469-142C-2345-9D4F-A8C477F05943}"/>
+              </a:ext>
+            </a:extLst>
+          </p:cNvPr>
+          <p:cNvPicPr>
+            <a:picLocks noChangeAspect="1"/>
+          </p:cNvPicPr>
+          <p:nvPr/>
+        </p:nvPicPr>
+        <p:blipFill>
+          <a:blip r:embed="rId3">
+            <a:extLst>
+              <a:ext uri="{28A0092B-C50C-407E-A947-70E740481C1C}">
+                <a14:useLocalDpi xmlns:a14="http://schemas.microsoft.com/office/drawing/2010/main" val="0"/>
+              </a:ext>
+            </a:extLst>
+          </a:blip>
+          <a:stretch>
+            <a:fillRect/>
+          </a:stretch>
+        </p:blipFill>
+        <p:spPr>
+          <a:xfrm>
+            <a:off x="6617185" y="1733550"/>
+            <a:ext cx="4889500" cy="3390900"/>
+          </a:xfrm>
+          <a:prstGeom prst="rect">
+            <a:avLst/>
+          </a:prstGeom>
+        </p:spPr>
+      </p:pic>
     </p:spTree>
     <p:extLst>
       <p:ext uri="{BB962C8B-B14F-4D97-AF65-F5344CB8AC3E}">
-        <p14:creationId xmlns:p14="http://schemas.microsoft.com/office/powerpoint/2010/main" val="2014614017"/>
+        <p14:creationId xmlns:p14="http://schemas.microsoft.com/office/powerpoint/2010/main" val="1249878194"/>
       </p:ext>
     </p:extLst>
   </p:cSld>
@@ -18649,7 +20738,7 @@
 </p:sld>
 </file>
 
-<file path=ppt/slides/slide5.xml><?xml version="1.0" encoding="utf-8"?>
+<file path=ppt/slides/slide15.xml><?xml version="1.0" encoding="utf-8"?>
 <p:sld xmlns:a="http://schemas.openxmlformats.org/drawingml/2006/main" xmlns:r="http://schemas.openxmlformats.org/officeDocument/2006/relationships" xmlns:p="http://schemas.openxmlformats.org/presentationml/2006/main">
   <p:cSld>
     <p:spTree>
@@ -18666,84 +20755,96 @@
           <a:chExt cx="0" cy="0"/>
         </a:xfrm>
       </p:grpSpPr>
-      <p:pic>
-        <p:nvPicPr>
-          <p:cNvPr id="11" name="Picture 10" descr="Chart&#10;&#10;Description automatically generated">
-            <a:extLst>
-              <a:ext uri="{FF2B5EF4-FFF2-40B4-BE49-F238E27FC236}">
-                <a16:creationId xmlns:a16="http://schemas.microsoft.com/office/drawing/2014/main" id="{44A78AF6-D75F-3441-856A-8B9C81E88890}"/>
-              </a:ext>
-            </a:extLst>
-          </p:cNvPr>
-          <p:cNvPicPr>
-            <a:picLocks noChangeAspect="1"/>
-          </p:cNvPicPr>
+      <p:sp>
+        <p:nvSpPr>
+          <p:cNvPr id="4" name="Title 1">
+            <a:extLst>
+              <a:ext uri="{FF2B5EF4-FFF2-40B4-BE49-F238E27FC236}">
+                <a16:creationId xmlns:a16="http://schemas.microsoft.com/office/drawing/2014/main" id="{1540F6BC-0C32-F248-96E3-966F453FBD05}"/>
+              </a:ext>
+            </a:extLst>
+          </p:cNvPr>
+          <p:cNvSpPr txBox="1">
+            <a:spLocks/>
+          </p:cNvSpPr>
           <p:nvPr/>
-        </p:nvPicPr>
-        <p:blipFill>
-          <a:blip r:embed="rId2">
-            <a:extLst>
-              <a:ext uri="{28A0092B-C50C-407E-A947-70E740481C1C}">
-                <a14:useLocalDpi xmlns:a14="http://schemas.microsoft.com/office/drawing/2010/main" val="0"/>
-              </a:ext>
-            </a:extLst>
-          </a:blip>
-          <a:stretch>
-            <a:fillRect/>
-          </a:stretch>
-        </p:blipFill>
+        </p:nvSpPr>
         <p:spPr>
           <a:xfrm>
-            <a:off x="94075" y="1112448"/>
-            <a:ext cx="7357805" cy="2213549"/>
+            <a:off x="3314701" y="124890"/>
+            <a:ext cx="5562600" cy="646332"/>
           </a:xfrm>
           <a:prstGeom prst="rect">
             <a:avLst/>
           </a:prstGeom>
         </p:spPr>
-      </p:pic>
-      <p:pic>
-        <p:nvPicPr>
-          <p:cNvPr id="13" name="Picture 12" descr="Graphical user interface, text, application&#10;&#10;Description automatically generated">
-            <a:extLst>
-              <a:ext uri="{FF2B5EF4-FFF2-40B4-BE49-F238E27FC236}">
-                <a16:creationId xmlns:a16="http://schemas.microsoft.com/office/drawing/2014/main" id="{9DE26800-EB02-2D4A-B815-5CC9985BD2D6}"/>
-              </a:ext>
-            </a:extLst>
-          </p:cNvPr>
-          <p:cNvPicPr>
-            <a:picLocks noChangeAspect="1"/>
-          </p:cNvPicPr>
-          <p:nvPr/>
-        </p:nvPicPr>
-        <p:blipFill>
-          <a:blip r:embed="rId3">
-            <a:extLst>
-              <a:ext uri="{28A0092B-C50C-407E-A947-70E740481C1C}">
-                <a14:useLocalDpi xmlns:a14="http://schemas.microsoft.com/office/drawing/2010/main" val="0"/>
-              </a:ext>
-            </a:extLst>
-          </a:blip>
-          <a:stretch>
-            <a:fillRect/>
-          </a:stretch>
-        </p:blipFill>
-        <p:spPr>
-          <a:xfrm>
-            <a:off x="94075" y="3501162"/>
-            <a:ext cx="7357805" cy="2213549"/>
-          </a:xfrm>
-          <a:prstGeom prst="rect">
-            <a:avLst/>
-          </a:prstGeom>
-        </p:spPr>
-      </p:pic>
+        <p:txBody>
+          <a:bodyPr vert="horz" lIns="0" tIns="0" rIns="0" bIns="0" rtlCol="0" anchor="b">
+            <a:normAutofit fontScale="92500"/>
+          </a:bodyPr>
+          <a:lstStyle>
+            <a:lvl1pPr algn="l" defTabSz="914400" rtl="0" eaLnBrk="1" latinLnBrk="0" hangingPunct="1">
+              <a:lnSpc>
+                <a:spcPct val="100000"/>
+              </a:lnSpc>
+              <a:spcBef>
+                <a:spcPct val="0"/>
+              </a:spcBef>
+              <a:buNone/>
+              <a:defRPr sz="3600" b="1" i="0" kern="1200" cap="all" spc="700" baseline="0">
+                <a:solidFill>
+                  <a:schemeClr val="tx1"/>
+                </a:solidFill>
+                <a:latin typeface="+mj-lt"/>
+                <a:ea typeface="+mj-ea"/>
+                <a:cs typeface="+mj-cs"/>
+              </a:defRPr>
+            </a:lvl1pPr>
+          </a:lstStyle>
+          <a:p>
+            <a:pPr algn="ctr"/>
+            <a:r>
+              <a:rPr lang="en-US" sz="2800" dirty="0"/>
+              <a:t>Feature Importance</a:t>
+            </a:r>
+          </a:p>
+        </p:txBody>
+      </p:sp>
       <p:sp>
         <p:nvSpPr>
-          <p:cNvPr id="4" name="Slide Number Placeholder 3">
-            <a:extLst>
-              <a:ext uri="{FF2B5EF4-FFF2-40B4-BE49-F238E27FC236}">
-                <a16:creationId xmlns:a16="http://schemas.microsoft.com/office/drawing/2014/main" id="{2DDFA58D-5C3F-15DA-B82D-DAD924357583}"/>
+          <p:cNvPr id="2" name="Date Placeholder 1">
+            <a:extLst>
+              <a:ext uri="{FF2B5EF4-FFF2-40B4-BE49-F238E27FC236}">
+                <a16:creationId xmlns:a16="http://schemas.microsoft.com/office/drawing/2014/main" id="{58C4080F-A114-DA43-8652-7F5B016685A2}"/>
+              </a:ext>
+            </a:extLst>
+          </p:cNvPr>
+          <p:cNvSpPr>
+            <a:spLocks noGrp="1"/>
+          </p:cNvSpPr>
+          <p:nvPr>
+            <p:ph type="dt" sz="half" idx="10"/>
+          </p:nvPr>
+        </p:nvSpPr>
+        <p:spPr/>
+        <p:txBody>
+          <a:bodyPr/>
+          <a:lstStyle/>
+          <a:p>
+            <a:fld id="{0C1F9645-765E-CF4C-9E74-4C7A778630B7}" type="datetime2">
+              <a:rPr lang="en-US" smtClean="0"/>
+              <a:t>Thursday, November 17, 2022</a:t>
+            </a:fld>
+            <a:endParaRPr lang="en-US"/>
+          </a:p>
+        </p:txBody>
+      </p:sp>
+      <p:sp>
+        <p:nvSpPr>
+          <p:cNvPr id="3" name="Slide Number Placeholder 2">
+            <a:extLst>
+              <a:ext uri="{FF2B5EF4-FFF2-40B4-BE49-F238E27FC236}">
+                <a16:creationId xmlns:a16="http://schemas.microsoft.com/office/drawing/2014/main" id="{DEF2E632-3E0C-0047-8B45-C8ECBB46C799}"/>
               </a:ext>
             </a:extLst>
           </p:cNvPr>
@@ -18761,7 +20862,7 @@
           <a:p>
             <a:fld id="{C01389E6-C847-4AD0-B56D-D205B2EAB1EE}" type="slidenum">
               <a:rPr lang="en-US" smtClean="0"/>
-              <a:t>5</a:t>
+              <a:t>15</a:t>
             </a:fld>
             <a:endParaRPr lang="en-US"/>
           </a:p>
@@ -18769,20 +20870,22 @@
       </p:sp>
       <p:pic>
         <p:nvPicPr>
-          <p:cNvPr id="9" name="Picture 8" descr="Chart, bar chart&#10;&#10;Description automatically generated">
-            <a:extLst>
-              <a:ext uri="{FF2B5EF4-FFF2-40B4-BE49-F238E27FC236}">
-                <a16:creationId xmlns:a16="http://schemas.microsoft.com/office/drawing/2014/main" id="{53216E97-8E99-48B2-F798-E3825B38E0DA}"/>
+          <p:cNvPr id="9" name="Content Placeholder 8">
+            <a:extLst>
+              <a:ext uri="{FF2B5EF4-FFF2-40B4-BE49-F238E27FC236}">
+                <a16:creationId xmlns:a16="http://schemas.microsoft.com/office/drawing/2014/main" id="{E642D74A-5304-354B-B543-ED69C24359A8}"/>
               </a:ext>
             </a:extLst>
           </p:cNvPr>
           <p:cNvPicPr>
-            <a:picLocks noChangeAspect="1"/>
+            <a:picLocks noGrp="1" noChangeAspect="1"/>
           </p:cNvPicPr>
-          <p:nvPr/>
+          <p:nvPr>
+            <p:ph idx="1"/>
+          </p:nvPr>
         </p:nvPicPr>
         <p:blipFill>
-          <a:blip r:embed="rId4">
+          <a:blip r:embed="rId2">
             <a:extLst>
               <a:ext uri="{28A0092B-C50C-407E-A947-70E740481C1C}">
                 <a14:useLocalDpi xmlns:a14="http://schemas.microsoft.com/office/drawing/2010/main" val="0"/>
@@ -18795,20 +20898,47 @@
         </p:blipFill>
         <p:spPr>
           <a:xfrm>
-            <a:off x="7748062" y="1352007"/>
-            <a:ext cx="4358594" cy="4298310"/>
+            <a:off x="3122116" y="778517"/>
+            <a:ext cx="5947768" cy="5300966"/>
           </a:xfrm>
-          <a:prstGeom prst="rect">
-            <a:avLst/>
-          </a:prstGeom>
         </p:spPr>
       </p:pic>
+    </p:spTree>
+    <p:extLst>
+      <p:ext uri="{BB962C8B-B14F-4D97-AF65-F5344CB8AC3E}">
+        <p14:creationId xmlns:p14="http://schemas.microsoft.com/office/powerpoint/2010/main" val="3909196811"/>
+      </p:ext>
+    </p:extLst>
+  </p:cSld>
+  <p:clrMapOvr>
+    <a:masterClrMapping/>
+  </p:clrMapOvr>
+</p:sld>
+</file>
+
+<file path=ppt/slides/slide16.xml><?xml version="1.0" encoding="utf-8"?>
+<p:sld xmlns:a="http://schemas.openxmlformats.org/drawingml/2006/main" xmlns:r="http://schemas.openxmlformats.org/officeDocument/2006/relationships" xmlns:p="http://schemas.openxmlformats.org/presentationml/2006/main">
+  <p:cSld>
+    <p:spTree>
+      <p:nvGrpSpPr>
+        <p:cNvPr id="1" name=""/>
+        <p:cNvGrpSpPr/>
+        <p:nvPr/>
+      </p:nvGrpSpPr>
+      <p:grpSpPr>
+        <a:xfrm>
+          <a:off x="0" y="0"/>
+          <a:ext cx="0" cy="0"/>
+          <a:chOff x="0" y="0"/>
+          <a:chExt cx="0" cy="0"/>
+        </a:xfrm>
+      </p:grpSpPr>
       <p:sp>
         <p:nvSpPr>
-          <p:cNvPr id="12" name="Title 1">
-            <a:extLst>
-              <a:ext uri="{FF2B5EF4-FFF2-40B4-BE49-F238E27FC236}">
-                <a16:creationId xmlns:a16="http://schemas.microsoft.com/office/drawing/2014/main" id="{FF9A5B6B-BC15-C614-8E29-AB7C9D507FC4}"/>
+          <p:cNvPr id="6" name="Title 1">
+            <a:extLst>
+              <a:ext uri="{FF2B5EF4-FFF2-40B4-BE49-F238E27FC236}">
+                <a16:creationId xmlns:a16="http://schemas.microsoft.com/office/drawing/2014/main" id="{E4C9379F-A903-774A-9E0A-029194005C44}"/>
               </a:ext>
             </a:extLst>
           </p:cNvPr>
@@ -18819,8 +20949,8 @@
         </p:nvSpPr>
         <p:spPr>
           <a:xfrm>
-            <a:off x="3640303" y="124890"/>
-            <a:ext cx="4911393" cy="646332"/>
+            <a:off x="2598475" y="124890"/>
+            <a:ext cx="6413957" cy="646332"/>
           </a:xfrm>
           <a:prstGeom prst="rect">
             <a:avLst/>
@@ -18853,7 +20983,7 @@
             <a:pPr algn="ctr"/>
             <a:r>
               <a:rPr lang="en-US" sz="2800" dirty="0"/>
-              <a:t>Features Graphs</a:t>
+              <a:t>Models Comparison</a:t>
             </a:r>
           </a:p>
         </p:txBody>
@@ -18863,7 +20993,7 @@
           <p:cNvPr id="2" name="Date Placeholder 1">
             <a:extLst>
               <a:ext uri="{FF2B5EF4-FFF2-40B4-BE49-F238E27FC236}">
-                <a16:creationId xmlns:a16="http://schemas.microsoft.com/office/drawing/2014/main" id="{58C13BA5-BC2E-564D-BEC1-78F25FC309AE}"/>
+                <a16:creationId xmlns:a16="http://schemas.microsoft.com/office/drawing/2014/main" id="{56B1279A-E302-4B49-B55A-50CB8E884236}"/>
               </a:ext>
             </a:extLst>
           </p:cNvPr>
@@ -18879,7 +21009,7 @@
           <a:bodyPr/>
           <a:lstStyle/>
           <a:p>
-            <a:fld id="{2BC653E2-3771-624B-ACAF-1BBD21EA7C7A}" type="datetime2">
+            <a:fld id="{75173066-3E04-1849-84B4-B4EA667913AA}" type="datetime2">
               <a:rPr lang="en-US" smtClean="0"/>
               <a:t>Thursday, November 17, 2022</a:t>
             </a:fld>
@@ -18887,10 +21017,111 @@
           </a:p>
         </p:txBody>
       </p:sp>
+      <p:sp>
+        <p:nvSpPr>
+          <p:cNvPr id="3" name="Slide Number Placeholder 2">
+            <a:extLst>
+              <a:ext uri="{FF2B5EF4-FFF2-40B4-BE49-F238E27FC236}">
+                <a16:creationId xmlns:a16="http://schemas.microsoft.com/office/drawing/2014/main" id="{2ABA0B15-2591-0844-8D4D-A345A3AF2A82}"/>
+              </a:ext>
+            </a:extLst>
+          </p:cNvPr>
+          <p:cNvSpPr>
+            <a:spLocks noGrp="1"/>
+          </p:cNvSpPr>
+          <p:nvPr>
+            <p:ph type="sldNum" sz="quarter" idx="12"/>
+          </p:nvPr>
+        </p:nvSpPr>
+        <p:spPr/>
+        <p:txBody>
+          <a:bodyPr/>
+          <a:lstStyle/>
+          <a:p>
+            <a:fld id="{C01389E6-C847-4AD0-B56D-D205B2EAB1EE}" type="slidenum">
+              <a:rPr lang="en-US" smtClean="0"/>
+              <a:t>16</a:t>
+            </a:fld>
+            <a:endParaRPr lang="en-US"/>
+          </a:p>
+        </p:txBody>
+      </p:sp>
+      <p:pic>
+        <p:nvPicPr>
+          <p:cNvPr id="8" name="Picture 7">
+            <a:extLst>
+              <a:ext uri="{FF2B5EF4-FFF2-40B4-BE49-F238E27FC236}">
+                <a16:creationId xmlns:a16="http://schemas.microsoft.com/office/drawing/2014/main" id="{8E68EE8E-E51B-0843-9D3E-5D1D09328C96}"/>
+              </a:ext>
+            </a:extLst>
+          </p:cNvPr>
+          <p:cNvPicPr>
+            <a:picLocks noChangeAspect="1"/>
+          </p:cNvPicPr>
+          <p:nvPr/>
+        </p:nvPicPr>
+        <p:blipFill>
+          <a:blip r:embed="rId2">
+            <a:extLst>
+              <a:ext uri="{28A0092B-C50C-407E-A947-70E740481C1C}">
+                <a14:useLocalDpi xmlns:a14="http://schemas.microsoft.com/office/drawing/2010/main" val="0"/>
+              </a:ext>
+            </a:extLst>
+          </a:blip>
+          <a:stretch>
+            <a:fillRect/>
+          </a:stretch>
+        </p:blipFill>
+        <p:spPr>
+          <a:xfrm>
+            <a:off x="1755995" y="918341"/>
+            <a:ext cx="3462007" cy="5021318"/>
+          </a:xfrm>
+          <a:prstGeom prst="rect">
+            <a:avLst/>
+          </a:prstGeom>
+        </p:spPr>
+      </p:pic>
+      <p:pic>
+        <p:nvPicPr>
+          <p:cNvPr id="10" name="Picture 9">
+            <a:extLst>
+              <a:ext uri="{FF2B5EF4-FFF2-40B4-BE49-F238E27FC236}">
+                <a16:creationId xmlns:a16="http://schemas.microsoft.com/office/drawing/2014/main" id="{FFB3378D-BEB8-2C4C-9FF5-4155126D5209}"/>
+              </a:ext>
+            </a:extLst>
+          </p:cNvPr>
+          <p:cNvPicPr>
+            <a:picLocks noChangeAspect="1"/>
+          </p:cNvPicPr>
+          <p:nvPr/>
+        </p:nvPicPr>
+        <p:blipFill>
+          <a:blip r:embed="rId3">
+            <a:extLst>
+              <a:ext uri="{28A0092B-C50C-407E-A947-70E740481C1C}">
+                <a14:useLocalDpi xmlns:a14="http://schemas.microsoft.com/office/drawing/2010/main" val="0"/>
+              </a:ext>
+            </a:extLst>
+          </a:blip>
+          <a:stretch>
+            <a:fillRect/>
+          </a:stretch>
+        </p:blipFill>
+        <p:spPr>
+          <a:xfrm>
+            <a:off x="6973997" y="918341"/>
+            <a:ext cx="3462007" cy="5021318"/>
+          </a:xfrm>
+          <a:prstGeom prst="rect">
+            <a:avLst/>
+          </a:prstGeom>
+        </p:spPr>
+      </p:pic>
     </p:spTree>
     <p:extLst>
       <p:ext uri="{BB962C8B-B14F-4D97-AF65-F5344CB8AC3E}">
-        <p14:creationId xmlns:p14="http://schemas.microsoft.com/office/powerpoint/2010/main" val="2126301987"/>
+        <p14:creationId xmlns:p14="http://schemas.microsoft.com/office/powerpoint/2010/main" val="3502610919"/>
       </p:ext>
     </p:extLst>
   </p:cSld>
@@ -18900,7 +21131,7 @@
 </p:sld>
 </file>
 
-<file path=ppt/slides/slide6.xml><?xml version="1.0" encoding="utf-8"?>
+<file path=ppt/slides/slide17.xml><?xml version="1.0" encoding="utf-8"?>
 <p:sld xmlns:a="http://schemas.openxmlformats.org/drawingml/2006/main" xmlns:r="http://schemas.openxmlformats.org/officeDocument/2006/relationships" xmlns:p="http://schemas.openxmlformats.org/presentationml/2006/main">
   <p:cSld>
     <p:spTree>
@@ -18917,77 +21148,12 @@
           <a:chExt cx="0" cy="0"/>
         </a:xfrm>
       </p:grpSpPr>
-      <p:pic>
-        <p:nvPicPr>
-          <p:cNvPr id="5" name="Picture 4" descr="Chart, bar chart&#10;&#10;Description automatically generated">
-            <a:extLst>
-              <a:ext uri="{FF2B5EF4-FFF2-40B4-BE49-F238E27FC236}">
-                <a16:creationId xmlns:a16="http://schemas.microsoft.com/office/drawing/2014/main" id="{5C20F29A-319C-304C-8975-55B4A2D7E67C}"/>
-              </a:ext>
-            </a:extLst>
-          </p:cNvPr>
-          <p:cNvPicPr>
-            <a:picLocks noChangeAspect="1"/>
-          </p:cNvPicPr>
-          <p:nvPr/>
-        </p:nvPicPr>
-        <p:blipFill>
-          <a:blip r:embed="rId2">
-            <a:extLst>
-              <a:ext uri="{28A0092B-C50C-407E-A947-70E740481C1C}">
-                <a14:useLocalDpi xmlns:a14="http://schemas.microsoft.com/office/drawing/2010/main" val="0"/>
-              </a:ext>
-            </a:extLst>
-          </a:blip>
-          <a:stretch>
-            <a:fillRect/>
-          </a:stretch>
-        </p:blipFill>
-        <p:spPr>
-          <a:xfrm>
-            <a:off x="2907100" y="408912"/>
-            <a:ext cx="7125421" cy="5829890"/>
-          </a:xfrm>
-          <a:prstGeom prst="rect">
-            <a:avLst/>
-          </a:prstGeom>
-        </p:spPr>
-      </p:pic>
-      <p:sp>
-        <p:nvSpPr>
-          <p:cNvPr id="4" name="Slide Number Placeholder 3">
-            <a:extLst>
-              <a:ext uri="{FF2B5EF4-FFF2-40B4-BE49-F238E27FC236}">
-                <a16:creationId xmlns:a16="http://schemas.microsoft.com/office/drawing/2014/main" id="{8C3ED890-F0A7-86EC-4435-8297D4902925}"/>
-              </a:ext>
-            </a:extLst>
-          </p:cNvPr>
-          <p:cNvSpPr>
-            <a:spLocks noGrp="1"/>
-          </p:cNvSpPr>
-          <p:nvPr>
-            <p:ph type="sldNum" sz="quarter" idx="12"/>
-          </p:nvPr>
-        </p:nvSpPr>
-        <p:spPr/>
-        <p:txBody>
-          <a:bodyPr/>
-          <a:lstStyle/>
-          <a:p>
-            <a:fld id="{C01389E6-C847-4AD0-B56D-D205B2EAB1EE}" type="slidenum">
-              <a:rPr lang="en-US" smtClean="0"/>
-              <a:t>6</a:t>
-            </a:fld>
-            <a:endParaRPr lang="en-US"/>
-          </a:p>
-        </p:txBody>
-      </p:sp>
       <p:sp>
         <p:nvSpPr>
           <p:cNvPr id="6" name="Title 1">
             <a:extLst>
               <a:ext uri="{FF2B5EF4-FFF2-40B4-BE49-F238E27FC236}">
-                <a16:creationId xmlns:a16="http://schemas.microsoft.com/office/drawing/2014/main" id="{BF7D77DB-65D9-3404-1BE4-DF757B9A5664}"/>
+                <a16:creationId xmlns:a16="http://schemas.microsoft.com/office/drawing/2014/main" id="{E4C9379F-A903-774A-9E0A-029194005C44}"/>
               </a:ext>
             </a:extLst>
           </p:cNvPr>
@@ -18998,8 +21164,8 @@
         </p:nvSpPr>
         <p:spPr>
           <a:xfrm>
-            <a:off x="3640303" y="124890"/>
-            <a:ext cx="4911393" cy="646332"/>
+            <a:off x="1" y="124890"/>
+            <a:ext cx="12192000" cy="646332"/>
           </a:xfrm>
           <a:prstGeom prst="rect">
             <a:avLst/>
@@ -19032,7 +21198,7 @@
             <a:pPr algn="ctr"/>
             <a:r>
               <a:rPr lang="en-US" sz="2800" dirty="0"/>
-              <a:t>New features</a:t>
+              <a:t>Other Kaggle Notebooks/ideas</a:t>
             </a:r>
           </a:p>
         </p:txBody>
@@ -19042,7 +21208,7 @@
           <p:cNvPr id="2" name="Date Placeholder 1">
             <a:extLst>
               <a:ext uri="{FF2B5EF4-FFF2-40B4-BE49-F238E27FC236}">
-                <a16:creationId xmlns:a16="http://schemas.microsoft.com/office/drawing/2014/main" id="{38D795B2-9B53-DC46-A9C2-F00DF8EC1C86}"/>
+                <a16:creationId xmlns:a16="http://schemas.microsoft.com/office/drawing/2014/main" id="{56B1279A-E302-4B49-B55A-50CB8E884236}"/>
               </a:ext>
             </a:extLst>
           </p:cNvPr>
@@ -19058,7 +21224,7 @@
           <a:bodyPr/>
           <a:lstStyle/>
           <a:p>
-            <a:fld id="{ADDFBA69-2883-EA40-BF51-51557F562900}" type="datetime2">
+            <a:fld id="{75173066-3E04-1849-84B4-B4EA667913AA}" type="datetime2">
               <a:rPr lang="en-US" smtClean="0"/>
               <a:t>Thursday, November 17, 2022</a:t>
             </a:fld>
@@ -19066,10 +21232,187 @@
           </a:p>
         </p:txBody>
       </p:sp>
+      <p:sp>
+        <p:nvSpPr>
+          <p:cNvPr id="3" name="Slide Number Placeholder 2">
+            <a:extLst>
+              <a:ext uri="{FF2B5EF4-FFF2-40B4-BE49-F238E27FC236}">
+                <a16:creationId xmlns:a16="http://schemas.microsoft.com/office/drawing/2014/main" id="{2ABA0B15-2591-0844-8D4D-A345A3AF2A82}"/>
+              </a:ext>
+            </a:extLst>
+          </p:cNvPr>
+          <p:cNvSpPr>
+            <a:spLocks noGrp="1"/>
+          </p:cNvSpPr>
+          <p:nvPr>
+            <p:ph type="sldNum" sz="quarter" idx="12"/>
+          </p:nvPr>
+        </p:nvSpPr>
+        <p:spPr/>
+        <p:txBody>
+          <a:bodyPr/>
+          <a:lstStyle/>
+          <a:p>
+            <a:fld id="{C01389E6-C847-4AD0-B56D-D205B2EAB1EE}" type="slidenum">
+              <a:rPr lang="en-US" smtClean="0"/>
+              <a:t>17</a:t>
+            </a:fld>
+            <a:endParaRPr lang="en-US"/>
+          </a:p>
+        </p:txBody>
+      </p:sp>
+      <p:pic>
+        <p:nvPicPr>
+          <p:cNvPr id="4" name="Imagem 3">
+            <a:extLst>
+              <a:ext uri="{FF2B5EF4-FFF2-40B4-BE49-F238E27FC236}">
+                <a16:creationId xmlns:a16="http://schemas.microsoft.com/office/drawing/2014/main" id="{CB850D6B-ABA0-267A-2CCA-EF795234E37F}"/>
+              </a:ext>
+            </a:extLst>
+          </p:cNvPr>
+          <p:cNvPicPr>
+            <a:picLocks noChangeAspect="1"/>
+          </p:cNvPicPr>
+          <p:nvPr/>
+        </p:nvPicPr>
+        <p:blipFill rotWithShape="1">
+          <a:blip r:embed="rId2"/>
+          <a:srcRect t="47786"/>
+          <a:stretch/>
+        </p:blipFill>
+        <p:spPr>
+          <a:xfrm>
+            <a:off x="6026332" y="1269539"/>
+            <a:ext cx="3271495" cy="2880144"/>
+          </a:xfrm>
+          <a:prstGeom prst="rect">
+            <a:avLst/>
+          </a:prstGeom>
+        </p:spPr>
+      </p:pic>
+      <p:pic>
+        <p:nvPicPr>
+          <p:cNvPr id="18" name="Imagem 17">
+            <a:extLst>
+              <a:ext uri="{FF2B5EF4-FFF2-40B4-BE49-F238E27FC236}">
+                <a16:creationId xmlns:a16="http://schemas.microsoft.com/office/drawing/2014/main" id="{D526706C-AC66-9B9A-9C1F-E449048417D4}"/>
+              </a:ext>
+            </a:extLst>
+          </p:cNvPr>
+          <p:cNvPicPr>
+            <a:picLocks noChangeAspect="1"/>
+          </p:cNvPicPr>
+          <p:nvPr/>
+        </p:nvPicPr>
+        <p:blipFill rotWithShape="1">
+          <a:blip r:embed="rId2"/>
+          <a:srcRect b="50140"/>
+          <a:stretch/>
+        </p:blipFill>
+        <p:spPr>
+          <a:xfrm>
+            <a:off x="2321740" y="1269539"/>
+            <a:ext cx="3425917" cy="2880144"/>
+          </a:xfrm>
+          <a:prstGeom prst="rect">
+            <a:avLst/>
+          </a:prstGeom>
+        </p:spPr>
+      </p:pic>
+      <p:pic>
+        <p:nvPicPr>
+          <p:cNvPr id="20" name="Imagem 19">
+            <a:extLst>
+              <a:ext uri="{FF2B5EF4-FFF2-40B4-BE49-F238E27FC236}">
+                <a16:creationId xmlns:a16="http://schemas.microsoft.com/office/drawing/2014/main" id="{4C3002F5-CC26-53FA-799F-3912A1BB9F5A}"/>
+              </a:ext>
+            </a:extLst>
+          </p:cNvPr>
+          <p:cNvPicPr>
+            <a:picLocks noChangeAspect="1"/>
+          </p:cNvPicPr>
+          <p:nvPr/>
+        </p:nvPicPr>
+        <p:blipFill>
+          <a:blip r:embed="rId3"/>
+          <a:stretch>
+            <a:fillRect/>
+          </a:stretch>
+        </p:blipFill>
+        <p:spPr>
+          <a:xfrm>
+            <a:off x="1100754" y="4365119"/>
+            <a:ext cx="4420479" cy="1989863"/>
+          </a:xfrm>
+          <a:prstGeom prst="rect">
+            <a:avLst/>
+          </a:prstGeom>
+        </p:spPr>
+      </p:pic>
+      <p:pic>
+        <p:nvPicPr>
+          <p:cNvPr id="22" name="Imagem 21">
+            <a:extLst>
+              <a:ext uri="{FF2B5EF4-FFF2-40B4-BE49-F238E27FC236}">
+                <a16:creationId xmlns:a16="http://schemas.microsoft.com/office/drawing/2014/main" id="{7EEA22E6-398F-74E4-837B-C17F8E8C769C}"/>
+              </a:ext>
+            </a:extLst>
+          </p:cNvPr>
+          <p:cNvPicPr>
+            <a:picLocks noChangeAspect="1"/>
+          </p:cNvPicPr>
+          <p:nvPr/>
+        </p:nvPicPr>
+        <p:blipFill>
+          <a:blip r:embed="rId4"/>
+          <a:stretch>
+            <a:fillRect/>
+          </a:stretch>
+        </p:blipFill>
+        <p:spPr>
+          <a:xfrm>
+            <a:off x="6235337" y="4359430"/>
+            <a:ext cx="4140608" cy="1995552"/>
+          </a:xfrm>
+          <a:prstGeom prst="rect">
+            <a:avLst/>
+          </a:prstGeom>
+        </p:spPr>
+      </p:pic>
+      <p:pic>
+        <p:nvPicPr>
+          <p:cNvPr id="24" name="Imagem 23">
+            <a:extLst>
+              <a:ext uri="{FF2B5EF4-FFF2-40B4-BE49-F238E27FC236}">
+                <a16:creationId xmlns:a16="http://schemas.microsoft.com/office/drawing/2014/main" id="{B4CD7D71-2BF2-DFD7-709A-EEA198AB5AC7}"/>
+              </a:ext>
+            </a:extLst>
+          </p:cNvPr>
+          <p:cNvPicPr>
+            <a:picLocks noChangeAspect="1"/>
+          </p:cNvPicPr>
+          <p:nvPr/>
+        </p:nvPicPr>
+        <p:blipFill>
+          <a:blip r:embed="rId5"/>
+          <a:stretch>
+            <a:fillRect/>
+          </a:stretch>
+        </p:blipFill>
+        <p:spPr>
+          <a:xfrm>
+            <a:off x="3796428" y="794199"/>
+            <a:ext cx="4599143" cy="370401"/>
+          </a:xfrm>
+          <a:prstGeom prst="rect">
+            <a:avLst/>
+          </a:prstGeom>
+        </p:spPr>
+      </p:pic>
     </p:spTree>
     <p:extLst>
       <p:ext uri="{BB962C8B-B14F-4D97-AF65-F5344CB8AC3E}">
-        <p14:creationId xmlns:p14="http://schemas.microsoft.com/office/powerpoint/2010/main" val="3115864589"/>
+        <p14:creationId xmlns:p14="http://schemas.microsoft.com/office/powerpoint/2010/main" val="2475165283"/>
       </p:ext>
     </p:extLst>
   </p:cSld>
@@ -19079,7 +21422,7 @@
 </p:sld>
 </file>
 
-<file path=ppt/slides/slide7.xml><?xml version="1.0" encoding="utf-8"?>
+<file path=ppt/slides/slide18.xml><?xml version="1.0" encoding="utf-8"?>
 <p:sld xmlns:a="http://schemas.openxmlformats.org/drawingml/2006/main" xmlns:r="http://schemas.openxmlformats.org/officeDocument/2006/relationships" xmlns:p="http://schemas.openxmlformats.org/presentationml/2006/main">
   <p:cSld>
     <p:spTree>
@@ -19098,39 +21441,10 @@
       </p:grpSpPr>
       <p:sp>
         <p:nvSpPr>
-          <p:cNvPr id="4" name="Slide Number Placeholder 3">
-            <a:extLst>
-              <a:ext uri="{FF2B5EF4-FFF2-40B4-BE49-F238E27FC236}">
-                <a16:creationId xmlns:a16="http://schemas.microsoft.com/office/drawing/2014/main" id="{326C3F09-2684-030A-86F2-2E497E6FC26B}"/>
-              </a:ext>
-            </a:extLst>
-          </p:cNvPr>
-          <p:cNvSpPr>
-            <a:spLocks noGrp="1"/>
-          </p:cNvSpPr>
-          <p:nvPr>
-            <p:ph type="sldNum" sz="quarter" idx="12"/>
-          </p:nvPr>
-        </p:nvSpPr>
-        <p:spPr/>
-        <p:txBody>
-          <a:bodyPr/>
-          <a:lstStyle/>
-          <a:p>
-            <a:fld id="{C01389E6-C847-4AD0-B56D-D205B2EAB1EE}" type="slidenum">
-              <a:rPr lang="en-US" smtClean="0"/>
-              <a:t>7</a:t>
-            </a:fld>
-            <a:endParaRPr lang="en-US"/>
-          </a:p>
-        </p:txBody>
-      </p:sp>
-      <p:sp>
-        <p:nvSpPr>
           <p:cNvPr id="6" name="Title 1">
             <a:extLst>
               <a:ext uri="{FF2B5EF4-FFF2-40B4-BE49-F238E27FC236}">
-                <a16:creationId xmlns:a16="http://schemas.microsoft.com/office/drawing/2014/main" id="{F1B862D1-951B-E5D5-CE81-BC3ACEC09815}"/>
+                <a16:creationId xmlns:a16="http://schemas.microsoft.com/office/drawing/2014/main" id="{E4C9379F-A903-774A-9E0A-029194005C44}"/>
               </a:ext>
             </a:extLst>
           </p:cNvPr>
@@ -19141,8 +21455,8 @@
         </p:nvSpPr>
         <p:spPr>
           <a:xfrm>
-            <a:off x="3640303" y="124890"/>
-            <a:ext cx="4911393" cy="646332"/>
+            <a:off x="1" y="124890"/>
+            <a:ext cx="12192000" cy="646332"/>
           </a:xfrm>
           <a:prstGeom prst="rect">
             <a:avLst/>
@@ -19175,52 +21489,17 @@
             <a:pPr algn="ctr"/>
             <a:r>
               <a:rPr lang="en-US" sz="2800" dirty="0"/>
-              <a:t>Pipeline</a:t>
+              <a:t>Other Kaggle Notebooks/ideas</a:t>
             </a:r>
           </a:p>
         </p:txBody>
       </p:sp>
-      <p:pic>
-        <p:nvPicPr>
-          <p:cNvPr id="10" name="Content Placeholder 9" descr="Text&#10;&#10;Description automatically generated">
-            <a:extLst>
-              <a:ext uri="{FF2B5EF4-FFF2-40B4-BE49-F238E27FC236}">
-                <a16:creationId xmlns:a16="http://schemas.microsoft.com/office/drawing/2014/main" id="{D93224EF-599C-9A45-8E0E-D45C826BF124}"/>
-              </a:ext>
-            </a:extLst>
-          </p:cNvPr>
-          <p:cNvPicPr>
-            <a:picLocks noGrp="1" noChangeAspect="1"/>
-          </p:cNvPicPr>
-          <p:nvPr>
-            <p:ph idx="1"/>
-          </p:nvPr>
-        </p:nvPicPr>
-        <p:blipFill>
-          <a:blip r:embed="rId2">
-            <a:extLst>
-              <a:ext uri="{28A0092B-C50C-407E-A947-70E740481C1C}">
-                <a14:useLocalDpi xmlns:a14="http://schemas.microsoft.com/office/drawing/2010/main" val="0"/>
-              </a:ext>
-            </a:extLst>
-          </a:blip>
-          <a:stretch>
-            <a:fillRect/>
-          </a:stretch>
-        </p:blipFill>
-        <p:spPr>
-          <a:xfrm>
-            <a:off x="3546936" y="2112963"/>
-            <a:ext cx="5890291" cy="3959225"/>
-          </a:xfrm>
-        </p:spPr>
-      </p:pic>
       <p:sp>
         <p:nvSpPr>
           <p:cNvPr id="2" name="Date Placeholder 1">
             <a:extLst>
               <a:ext uri="{FF2B5EF4-FFF2-40B4-BE49-F238E27FC236}">
-                <a16:creationId xmlns:a16="http://schemas.microsoft.com/office/drawing/2014/main" id="{B90B15FC-821F-0147-89AF-4EF9FC24B797}"/>
+                <a16:creationId xmlns:a16="http://schemas.microsoft.com/office/drawing/2014/main" id="{56B1279A-E302-4B49-B55A-50CB8E884236}"/>
               </a:ext>
             </a:extLst>
           </p:cNvPr>
@@ -19236,7 +21515,7 @@
           <a:bodyPr/>
           <a:lstStyle/>
           <a:p>
-            <a:fld id="{3DDC487E-3176-9F4B-8EBF-BC218FFC2F4F}" type="datetime2">
+            <a:fld id="{75173066-3E04-1849-84B4-B4EA667913AA}" type="datetime2">
               <a:rPr lang="en-US" smtClean="0"/>
               <a:t>Thursday, November 17, 2022</a:t>
             </a:fld>
@@ -19244,10 +21523,325 @@
           </a:p>
         </p:txBody>
       </p:sp>
+      <p:sp>
+        <p:nvSpPr>
+          <p:cNvPr id="3" name="Slide Number Placeholder 2">
+            <a:extLst>
+              <a:ext uri="{FF2B5EF4-FFF2-40B4-BE49-F238E27FC236}">
+                <a16:creationId xmlns:a16="http://schemas.microsoft.com/office/drawing/2014/main" id="{2ABA0B15-2591-0844-8D4D-A345A3AF2A82}"/>
+              </a:ext>
+            </a:extLst>
+          </p:cNvPr>
+          <p:cNvSpPr>
+            <a:spLocks noGrp="1"/>
+          </p:cNvSpPr>
+          <p:nvPr>
+            <p:ph type="sldNum" sz="quarter" idx="12"/>
+          </p:nvPr>
+        </p:nvSpPr>
+        <p:spPr/>
+        <p:txBody>
+          <a:bodyPr/>
+          <a:lstStyle/>
+          <a:p>
+            <a:fld id="{C01389E6-C847-4AD0-B56D-D205B2EAB1EE}" type="slidenum">
+              <a:rPr lang="en-US" smtClean="0"/>
+              <a:t>18</a:t>
+            </a:fld>
+            <a:endParaRPr lang="en-US"/>
+          </a:p>
+        </p:txBody>
+      </p:sp>
+      <p:pic>
+        <p:nvPicPr>
+          <p:cNvPr id="11" name="Imagem 10">
+            <a:extLst>
+              <a:ext uri="{FF2B5EF4-FFF2-40B4-BE49-F238E27FC236}">
+                <a16:creationId xmlns:a16="http://schemas.microsoft.com/office/drawing/2014/main" id="{ECCEFF4A-3E5B-DB6B-AB97-251591B390C9}"/>
+              </a:ext>
+            </a:extLst>
+          </p:cNvPr>
+          <p:cNvPicPr>
+            <a:picLocks noChangeAspect="1"/>
+          </p:cNvPicPr>
+          <p:nvPr/>
+        </p:nvPicPr>
+        <p:blipFill>
+          <a:blip r:embed="rId2"/>
+          <a:stretch>
+            <a:fillRect/>
+          </a:stretch>
+        </p:blipFill>
+        <p:spPr>
+          <a:xfrm>
+            <a:off x="101029" y="1990052"/>
+            <a:ext cx="5425239" cy="2460028"/>
+          </a:xfrm>
+          <a:prstGeom prst="rect">
+            <a:avLst/>
+          </a:prstGeom>
+        </p:spPr>
+      </p:pic>
+      <p:cxnSp>
+        <p:nvCxnSpPr>
+          <p:cNvPr id="7" name="Conexão reta 6">
+            <a:extLst>
+              <a:ext uri="{FF2B5EF4-FFF2-40B4-BE49-F238E27FC236}">
+                <a16:creationId xmlns:a16="http://schemas.microsoft.com/office/drawing/2014/main" id="{D7A2DB3D-A644-E113-9209-8F1FA792C2AB}"/>
+              </a:ext>
+            </a:extLst>
+          </p:cNvPr>
+          <p:cNvCxnSpPr>
+            <a:cxnSpLocks/>
+            <a:stCxn id="6" idx="2"/>
+          </p:cNvCxnSpPr>
+          <p:nvPr/>
+        </p:nvCxnSpPr>
+        <p:spPr>
+          <a:xfrm>
+            <a:off x="6096001" y="771222"/>
+            <a:ext cx="0" cy="6086778"/>
+          </a:xfrm>
+          <a:prstGeom prst="line">
+            <a:avLst/>
+          </a:prstGeom>
+          <a:ln w="76200"/>
+        </p:spPr>
+        <p:style>
+          <a:lnRef idx="1">
+            <a:schemeClr val="accent1"/>
+          </a:lnRef>
+          <a:fillRef idx="0">
+            <a:schemeClr val="accent1"/>
+          </a:fillRef>
+          <a:effectRef idx="0">
+            <a:schemeClr val="accent1"/>
+          </a:effectRef>
+          <a:fontRef idx="minor">
+            <a:schemeClr val="tx1"/>
+          </a:fontRef>
+        </p:style>
+      </p:cxnSp>
+      <p:pic>
+        <p:nvPicPr>
+          <p:cNvPr id="9" name="Imagem 8">
+            <a:extLst>
+              <a:ext uri="{FF2B5EF4-FFF2-40B4-BE49-F238E27FC236}">
+                <a16:creationId xmlns:a16="http://schemas.microsoft.com/office/drawing/2014/main" id="{717F7071-319F-82A7-FC25-E3AFDE539CEC}"/>
+              </a:ext>
+            </a:extLst>
+          </p:cNvPr>
+          <p:cNvPicPr>
+            <a:picLocks noChangeAspect="1"/>
+          </p:cNvPicPr>
+          <p:nvPr/>
+        </p:nvPicPr>
+        <p:blipFill>
+          <a:blip r:embed="rId3"/>
+          <a:stretch>
+            <a:fillRect/>
+          </a:stretch>
+        </p:blipFill>
+        <p:spPr>
+          <a:xfrm>
+            <a:off x="8082998" y="2566246"/>
+            <a:ext cx="2428078" cy="3642118"/>
+          </a:xfrm>
+          <a:prstGeom prst="rect">
+            <a:avLst/>
+          </a:prstGeom>
+        </p:spPr>
+      </p:pic>
+      <p:pic>
+        <p:nvPicPr>
+          <p:cNvPr id="10" name="Imagem 9">
+            <a:extLst>
+              <a:ext uri="{FF2B5EF4-FFF2-40B4-BE49-F238E27FC236}">
+                <a16:creationId xmlns:a16="http://schemas.microsoft.com/office/drawing/2014/main" id="{41154C81-F7F4-5B62-00E5-6ED73D035C8D}"/>
+              </a:ext>
+            </a:extLst>
+          </p:cNvPr>
+          <p:cNvPicPr>
+            <a:picLocks noChangeAspect="1"/>
+          </p:cNvPicPr>
+          <p:nvPr/>
+        </p:nvPicPr>
+        <p:blipFill>
+          <a:blip r:embed="rId4"/>
+          <a:stretch>
+            <a:fillRect/>
+          </a:stretch>
+        </p:blipFill>
+        <p:spPr>
+          <a:xfrm>
+            <a:off x="6839244" y="1667331"/>
+            <a:ext cx="4915586" cy="638264"/>
+          </a:xfrm>
+          <a:prstGeom prst="rect">
+            <a:avLst/>
+          </a:prstGeom>
+        </p:spPr>
+      </p:pic>
+      <p:sp>
+        <p:nvSpPr>
+          <p:cNvPr id="12" name="Retângulo 11">
+            <a:extLst>
+              <a:ext uri="{FF2B5EF4-FFF2-40B4-BE49-F238E27FC236}">
+                <a16:creationId xmlns:a16="http://schemas.microsoft.com/office/drawing/2014/main" id="{B48B1F44-46A9-087C-B2DE-17D633B7059C}"/>
+              </a:ext>
+            </a:extLst>
+          </p:cNvPr>
+          <p:cNvSpPr/>
+          <p:nvPr/>
+        </p:nvSpPr>
+        <p:spPr>
+          <a:xfrm>
+            <a:off x="8082998" y="4821767"/>
+            <a:ext cx="681102" cy="235132"/>
+          </a:xfrm>
+          <a:prstGeom prst="rect">
+            <a:avLst/>
+          </a:prstGeom>
+          <a:noFill/>
+          <a:ln w="28575"/>
+        </p:spPr>
+        <p:style>
+          <a:lnRef idx="2">
+            <a:schemeClr val="accent1">
+              <a:shade val="50000"/>
+            </a:schemeClr>
+          </a:lnRef>
+          <a:fillRef idx="1">
+            <a:schemeClr val="accent1"/>
+          </a:fillRef>
+          <a:effectRef idx="0">
+            <a:schemeClr val="accent1"/>
+          </a:effectRef>
+          <a:fontRef idx="minor">
+            <a:schemeClr val="lt1"/>
+          </a:fontRef>
+        </p:style>
+        <p:txBody>
+          <a:bodyPr rtlCol="0" anchor="ctr"/>
+          <a:lstStyle/>
+          <a:p>
+            <a:pPr algn="ctr"/>
+            <a:endParaRPr lang="pt-PT"/>
+          </a:p>
+        </p:txBody>
+      </p:sp>
+      <p:sp>
+        <p:nvSpPr>
+          <p:cNvPr id="13" name="Retângulo 12">
+            <a:extLst>
+              <a:ext uri="{FF2B5EF4-FFF2-40B4-BE49-F238E27FC236}">
+                <a16:creationId xmlns:a16="http://schemas.microsoft.com/office/drawing/2014/main" id="{5CC30402-B6CC-9476-32E7-4720E3C35E58}"/>
+              </a:ext>
+            </a:extLst>
+          </p:cNvPr>
+          <p:cNvSpPr/>
+          <p:nvPr/>
+        </p:nvSpPr>
+        <p:spPr>
+          <a:xfrm>
+            <a:off x="8082998" y="5955814"/>
+            <a:ext cx="855274" cy="235132"/>
+          </a:xfrm>
+          <a:prstGeom prst="rect">
+            <a:avLst/>
+          </a:prstGeom>
+          <a:noFill/>
+          <a:ln w="28575"/>
+        </p:spPr>
+        <p:style>
+          <a:lnRef idx="2">
+            <a:schemeClr val="accent1">
+              <a:shade val="50000"/>
+            </a:schemeClr>
+          </a:lnRef>
+          <a:fillRef idx="1">
+            <a:schemeClr val="accent1"/>
+          </a:fillRef>
+          <a:effectRef idx="0">
+            <a:schemeClr val="accent1"/>
+          </a:effectRef>
+          <a:fontRef idx="minor">
+            <a:schemeClr val="lt1"/>
+          </a:fontRef>
+        </p:style>
+        <p:txBody>
+          <a:bodyPr rtlCol="0" anchor="ctr"/>
+          <a:lstStyle/>
+          <a:p>
+            <a:pPr algn="ctr"/>
+            <a:endParaRPr lang="pt-PT"/>
+          </a:p>
+        </p:txBody>
+      </p:sp>
+      <p:pic>
+        <p:nvPicPr>
+          <p:cNvPr id="16" name="Imagem 15">
+            <a:extLst>
+              <a:ext uri="{FF2B5EF4-FFF2-40B4-BE49-F238E27FC236}">
+                <a16:creationId xmlns:a16="http://schemas.microsoft.com/office/drawing/2014/main" id="{96D81A6F-9916-24BE-48F8-6F493BFFB1F8}"/>
+              </a:ext>
+            </a:extLst>
+          </p:cNvPr>
+          <p:cNvPicPr>
+            <a:picLocks noChangeAspect="1"/>
+          </p:cNvPicPr>
+          <p:nvPr/>
+        </p:nvPicPr>
+        <p:blipFill>
+          <a:blip r:embed="rId5"/>
+          <a:stretch>
+            <a:fillRect/>
+          </a:stretch>
+        </p:blipFill>
+        <p:spPr>
+          <a:xfrm>
+            <a:off x="86963" y="1175149"/>
+            <a:ext cx="5800030" cy="353045"/>
+          </a:xfrm>
+          <a:prstGeom prst="rect">
+            <a:avLst/>
+          </a:prstGeom>
+        </p:spPr>
+      </p:pic>
+      <p:pic>
+        <p:nvPicPr>
+          <p:cNvPr id="19" name="Imagem 18">
+            <a:extLst>
+              <a:ext uri="{FF2B5EF4-FFF2-40B4-BE49-F238E27FC236}">
+                <a16:creationId xmlns:a16="http://schemas.microsoft.com/office/drawing/2014/main" id="{6DD17443-C747-BDB0-C540-1CB6BBDAB2EE}"/>
+              </a:ext>
+            </a:extLst>
+          </p:cNvPr>
+          <p:cNvPicPr>
+            <a:picLocks noChangeAspect="1"/>
+          </p:cNvPicPr>
+          <p:nvPr/>
+        </p:nvPicPr>
+        <p:blipFill>
+          <a:blip r:embed="rId6"/>
+          <a:stretch>
+            <a:fillRect/>
+          </a:stretch>
+        </p:blipFill>
+        <p:spPr>
+          <a:xfrm>
+            <a:off x="6948986" y="1169174"/>
+            <a:ext cx="3972012" cy="359020"/>
+          </a:xfrm>
+          <a:prstGeom prst="rect">
+            <a:avLst/>
+          </a:prstGeom>
+        </p:spPr>
+      </p:pic>
     </p:spTree>
     <p:extLst>
       <p:ext uri="{BB962C8B-B14F-4D97-AF65-F5344CB8AC3E}">
-        <p14:creationId xmlns:p14="http://schemas.microsoft.com/office/powerpoint/2010/main" val="400366635"/>
+        <p14:creationId xmlns:p14="http://schemas.microsoft.com/office/powerpoint/2010/main" val="910644813"/>
       </p:ext>
     </p:extLst>
   </p:cSld>
@@ -19257,7 +21851,7 @@
 </p:sld>
 </file>
 
-<file path=ppt/slides/slide8.xml><?xml version="1.0" encoding="utf-8"?>
+<file path=ppt/slides/slide19.xml><?xml version="1.0" encoding="utf-8"?>
 <p:sld xmlns:a="http://schemas.openxmlformats.org/drawingml/2006/main" xmlns:r="http://schemas.openxmlformats.org/officeDocument/2006/relationships" xmlns:p="http://schemas.openxmlformats.org/presentationml/2006/main">
   <p:cSld>
     <p:spTree>
@@ -19274,113 +21868,12 @@
           <a:chExt cx="0" cy="0"/>
         </a:xfrm>
       </p:grpSpPr>
-      <p:pic>
-        <p:nvPicPr>
-          <p:cNvPr id="5" name="Picture 4" descr="Chart&#10;&#10;Description automatically generated">
-            <a:extLst>
-              <a:ext uri="{FF2B5EF4-FFF2-40B4-BE49-F238E27FC236}">
-                <a16:creationId xmlns:a16="http://schemas.microsoft.com/office/drawing/2014/main" id="{68D157D5-1132-3545-8903-67071F290F6C}"/>
-              </a:ext>
-            </a:extLst>
-          </p:cNvPr>
-          <p:cNvPicPr>
-            <a:picLocks noChangeAspect="1"/>
-          </p:cNvPicPr>
-          <p:nvPr/>
-        </p:nvPicPr>
-        <p:blipFill>
-          <a:blip r:embed="rId2">
-            <a:extLst>
-              <a:ext uri="{28A0092B-C50C-407E-A947-70E740481C1C}">
-                <a14:useLocalDpi xmlns:a14="http://schemas.microsoft.com/office/drawing/2010/main" val="0"/>
-              </a:ext>
-            </a:extLst>
-          </a:blip>
-          <a:stretch>
-            <a:fillRect/>
-          </a:stretch>
-        </p:blipFill>
-        <p:spPr>
-          <a:xfrm>
-            <a:off x="881379" y="808390"/>
-            <a:ext cx="10591800" cy="2857500"/>
-          </a:xfrm>
-          <a:prstGeom prst="rect">
-            <a:avLst/>
-          </a:prstGeom>
-        </p:spPr>
-      </p:pic>
-      <p:pic>
-        <p:nvPicPr>
-          <p:cNvPr id="7" name="Picture 6" descr="Chart, line chart&#10;&#10;Description automatically generated">
-            <a:extLst>
-              <a:ext uri="{FF2B5EF4-FFF2-40B4-BE49-F238E27FC236}">
-                <a16:creationId xmlns:a16="http://schemas.microsoft.com/office/drawing/2014/main" id="{76416F6E-84A4-2E4F-8C77-BE5E4F0EFC86}"/>
-              </a:ext>
-            </a:extLst>
-          </p:cNvPr>
-          <p:cNvPicPr>
-            <a:picLocks noChangeAspect="1"/>
-          </p:cNvPicPr>
-          <p:nvPr/>
-        </p:nvPicPr>
-        <p:blipFill>
-          <a:blip r:embed="rId3">
-            <a:extLst>
-              <a:ext uri="{28A0092B-C50C-407E-A947-70E740481C1C}">
-                <a14:useLocalDpi xmlns:a14="http://schemas.microsoft.com/office/drawing/2010/main" val="0"/>
-              </a:ext>
-            </a:extLst>
-          </a:blip>
-          <a:stretch>
-            <a:fillRect/>
-          </a:stretch>
-        </p:blipFill>
-        <p:spPr>
-          <a:xfrm>
-            <a:off x="881379" y="3486663"/>
-            <a:ext cx="10591800" cy="2857500"/>
-          </a:xfrm>
-          <a:prstGeom prst="rect">
-            <a:avLst/>
-          </a:prstGeom>
-        </p:spPr>
-      </p:pic>
-      <p:sp>
-        <p:nvSpPr>
-          <p:cNvPr id="4" name="Slide Number Placeholder 3">
-            <a:extLst>
-              <a:ext uri="{FF2B5EF4-FFF2-40B4-BE49-F238E27FC236}">
-                <a16:creationId xmlns:a16="http://schemas.microsoft.com/office/drawing/2014/main" id="{B645C9CB-E69E-CC88-86D6-D20A89A3194E}"/>
-              </a:ext>
-            </a:extLst>
-          </p:cNvPr>
-          <p:cNvSpPr>
-            <a:spLocks noGrp="1"/>
-          </p:cNvSpPr>
-          <p:nvPr>
-            <p:ph type="sldNum" sz="quarter" idx="12"/>
-          </p:nvPr>
-        </p:nvSpPr>
-        <p:spPr/>
-        <p:txBody>
-          <a:bodyPr/>
-          <a:lstStyle/>
-          <a:p>
-            <a:fld id="{C01389E6-C847-4AD0-B56D-D205B2EAB1EE}" type="slidenum">
-              <a:rPr lang="en-US" smtClean="0"/>
-              <a:t>8</a:t>
-            </a:fld>
-            <a:endParaRPr lang="en-US"/>
-          </a:p>
-        </p:txBody>
-      </p:sp>
       <p:sp>
         <p:nvSpPr>
           <p:cNvPr id="6" name="Title 1">
             <a:extLst>
               <a:ext uri="{FF2B5EF4-FFF2-40B4-BE49-F238E27FC236}">
-                <a16:creationId xmlns:a16="http://schemas.microsoft.com/office/drawing/2014/main" id="{1B08FC8E-9DA8-B086-EC03-B48931365954}"/>
+                <a16:creationId xmlns:a16="http://schemas.microsoft.com/office/drawing/2014/main" id="{64F76075-BAF9-2041-929A-E63F7AE27B4A}"/>
               </a:ext>
             </a:extLst>
           </p:cNvPr>
@@ -19392,7 +21885,7 @@
         <p:spPr>
           <a:xfrm>
             <a:off x="3640303" y="124890"/>
-            <a:ext cx="4911393" cy="646332"/>
+            <a:ext cx="5089257" cy="646332"/>
           </a:xfrm>
           <a:prstGeom prst="rect">
             <a:avLst/>
@@ -19400,7 +21893,7 @@
         </p:spPr>
         <p:txBody>
           <a:bodyPr vert="horz" lIns="0" tIns="0" rIns="0" bIns="0" rtlCol="0" anchor="b">
-            <a:normAutofit/>
+            <a:normAutofit fontScale="92500"/>
           </a:bodyPr>
           <a:lstStyle>
             <a:lvl1pPr algn="l" defTabSz="914400" rtl="0" eaLnBrk="1" latinLnBrk="0" hangingPunct="1">
@@ -19425,7 +21918,7 @@
             <a:pPr algn="ctr"/>
             <a:r>
               <a:rPr lang="en-US" sz="2800" dirty="0"/>
-              <a:t>Lazy predict</a:t>
+              <a:t>Kaggle Submission</a:t>
             </a:r>
           </a:p>
         </p:txBody>
@@ -19435,7 +21928,7 @@
           <p:cNvPr id="2" name="Date Placeholder 1">
             <a:extLst>
               <a:ext uri="{FF2B5EF4-FFF2-40B4-BE49-F238E27FC236}">
-                <a16:creationId xmlns:a16="http://schemas.microsoft.com/office/drawing/2014/main" id="{437A296A-8C20-E34E-9A95-CA428A8EA7CF}"/>
+                <a16:creationId xmlns:a16="http://schemas.microsoft.com/office/drawing/2014/main" id="{677FABA0-AE10-9846-A990-A21A3FDC6211}"/>
               </a:ext>
             </a:extLst>
           </p:cNvPr>
@@ -19451,7 +21944,7 @@
           <a:bodyPr/>
           <a:lstStyle/>
           <a:p>
-            <a:fld id="{8C192831-34CE-6D4C-B603-F411CB170F17}" type="datetime2">
+            <a:fld id="{884D596F-4BAD-834B-8866-216E5312D909}" type="datetime2">
               <a:rPr lang="en-US" smtClean="0"/>
               <a:t>Thursday, November 17, 2022</a:t>
             </a:fld>
@@ -19459,10 +21952,105 @@
           </a:p>
         </p:txBody>
       </p:sp>
+      <p:sp>
+        <p:nvSpPr>
+          <p:cNvPr id="3" name="Slide Number Placeholder 2">
+            <a:extLst>
+              <a:ext uri="{FF2B5EF4-FFF2-40B4-BE49-F238E27FC236}">
+                <a16:creationId xmlns:a16="http://schemas.microsoft.com/office/drawing/2014/main" id="{2673C613-BE07-5745-A90E-4ED863790D2A}"/>
+              </a:ext>
+            </a:extLst>
+          </p:cNvPr>
+          <p:cNvSpPr>
+            <a:spLocks noGrp="1"/>
+          </p:cNvSpPr>
+          <p:nvPr>
+            <p:ph type="sldNum" sz="quarter" idx="12"/>
+          </p:nvPr>
+        </p:nvSpPr>
+        <p:spPr/>
+        <p:txBody>
+          <a:bodyPr/>
+          <a:lstStyle/>
+          <a:p>
+            <a:fld id="{C01389E6-C847-4AD0-B56D-D205B2EAB1EE}" type="slidenum">
+              <a:rPr lang="en-US" smtClean="0"/>
+              <a:t>19</a:t>
+            </a:fld>
+            <a:endParaRPr lang="en-US"/>
+          </a:p>
+        </p:txBody>
+      </p:sp>
+      <p:pic>
+        <p:nvPicPr>
+          <p:cNvPr id="5" name="Picture 4">
+            <a:extLst>
+              <a:ext uri="{FF2B5EF4-FFF2-40B4-BE49-F238E27FC236}">
+                <a16:creationId xmlns:a16="http://schemas.microsoft.com/office/drawing/2014/main" id="{0B272FAA-047E-EC41-972D-B45F04CD497B}"/>
+              </a:ext>
+            </a:extLst>
+          </p:cNvPr>
+          <p:cNvPicPr>
+            <a:picLocks noChangeAspect="1"/>
+          </p:cNvPicPr>
+          <p:nvPr/>
+        </p:nvPicPr>
+        <p:blipFill>
+          <a:blip r:embed="rId2">
+            <a:extLst>
+              <a:ext uri="{28A0092B-C50C-407E-A947-70E740481C1C}">
+                <a14:useLocalDpi xmlns:a14="http://schemas.microsoft.com/office/drawing/2010/main" val="0"/>
+              </a:ext>
+            </a:extLst>
+          </a:blip>
+          <a:stretch>
+            <a:fillRect/>
+          </a:stretch>
+        </p:blipFill>
+        <p:spPr>
+          <a:xfrm>
+            <a:off x="1785949" y="3339577"/>
+            <a:ext cx="8620102" cy="2937793"/>
+          </a:xfrm>
+          <a:prstGeom prst="rect">
+            <a:avLst/>
+          </a:prstGeom>
+        </p:spPr>
+      </p:pic>
+      <p:pic>
+        <p:nvPicPr>
+          <p:cNvPr id="7" name="Imagem 6">
+            <a:extLst>
+              <a:ext uri="{FF2B5EF4-FFF2-40B4-BE49-F238E27FC236}">
+                <a16:creationId xmlns:a16="http://schemas.microsoft.com/office/drawing/2014/main" id="{C51393FA-6B51-12E3-81B2-C91BD94322E6}"/>
+              </a:ext>
+            </a:extLst>
+          </p:cNvPr>
+          <p:cNvPicPr>
+            <a:picLocks noChangeAspect="1"/>
+          </p:cNvPicPr>
+          <p:nvPr/>
+        </p:nvPicPr>
+        <p:blipFill>
+          <a:blip r:embed="rId3"/>
+          <a:stretch>
+            <a:fillRect/>
+          </a:stretch>
+        </p:blipFill>
+        <p:spPr>
+          <a:xfrm>
+            <a:off x="3705233" y="903796"/>
+            <a:ext cx="4781533" cy="2427422"/>
+          </a:xfrm>
+          <a:prstGeom prst="rect">
+            <a:avLst/>
+          </a:prstGeom>
+        </p:spPr>
+      </p:pic>
     </p:spTree>
     <p:extLst>
       <p:ext uri="{BB962C8B-B14F-4D97-AF65-F5344CB8AC3E}">
-        <p14:creationId xmlns:p14="http://schemas.microsoft.com/office/powerpoint/2010/main" val="3262016136"/>
+        <p14:creationId xmlns:p14="http://schemas.microsoft.com/office/powerpoint/2010/main" val="3320284150"/>
       </p:ext>
     </p:extLst>
   </p:cSld>
@@ -19472,7 +22060,7 @@
 </p:sld>
 </file>
 
-<file path=ppt/slides/slide9.xml><?xml version="1.0" encoding="utf-8"?>
+<file path=ppt/slides/slide2.xml><?xml version="1.0" encoding="utf-8"?>
 <p:sld xmlns:a="http://schemas.openxmlformats.org/drawingml/2006/main" xmlns:r="http://schemas.openxmlformats.org/officeDocument/2006/relationships" xmlns:p="http://schemas.openxmlformats.org/presentationml/2006/main">
   <p:cSld>
     <p:bg>
@@ -19497,162 +22085,12 @@
           <a:chExt cx="0" cy="0"/>
         </a:xfrm>
       </p:grpSpPr>
-      <p:sp>
-        <p:nvSpPr>
-          <p:cNvPr id="68" name="Rectangle 67">
-            <a:extLst>
-              <a:ext uri="{FF2B5EF4-FFF2-40B4-BE49-F238E27FC236}">
-                <a16:creationId xmlns:a16="http://schemas.microsoft.com/office/drawing/2014/main" id="{BD4C0BBB-0042-4603-A226-6117F3FD5B3C}"/>
-              </a:ext>
-              <a:ext uri="{C183D7F6-B498-43B3-948B-1728B52AA6E4}">
-                <adec:decorative xmlns:adec="http://schemas.microsoft.com/office/drawing/2017/decorative" val="1"/>
-              </a:ext>
-            </a:extLst>
-          </p:cNvPr>
-          <p:cNvSpPr>
-            <a:spLocks noGrp="1" noRot="1" noChangeAspect="1" noMove="1" noResize="1" noEditPoints="1" noAdjustHandles="1" noChangeArrowheads="1" noChangeShapeType="1" noTextEdit="1"/>
-          </p:cNvSpPr>
-          <p:nvPr>
-            <p:extLst>
-              <p:ext uri="{386F3935-93C4-4BCD-93E2-E3B085C9AB24}">
-                <p16:designElem xmlns:p16="http://schemas.microsoft.com/office/powerpoint/2015/main" val="1"/>
-              </p:ext>
-            </p:extLst>
-          </p:nvPr>
-        </p:nvSpPr>
-        <p:spPr>
-          <a:xfrm rot="10800000" flipH="1">
-            <a:off x="0" y="6400799"/>
-            <a:ext cx="12192000" cy="456773"/>
-          </a:xfrm>
-          <a:prstGeom prst="rect">
-            <a:avLst/>
-          </a:prstGeom>
-          <a:gradFill>
-            <a:gsLst>
-              <a:gs pos="14000">
-                <a:schemeClr val="accent4">
-                  <a:alpha val="28000"/>
-                </a:schemeClr>
-              </a:gs>
-              <a:gs pos="100000">
-                <a:schemeClr val="accent5">
-                  <a:alpha val="85000"/>
-                </a:schemeClr>
-              </a:gs>
-            </a:gsLst>
-            <a:lin ang="6000000" scaled="0"/>
-          </a:gradFill>
-          <a:ln>
-            <a:noFill/>
-          </a:ln>
-        </p:spPr>
-        <p:style>
-          <a:lnRef idx="2">
-            <a:schemeClr val="accent1">
-              <a:shade val="50000"/>
-            </a:schemeClr>
-          </a:lnRef>
-          <a:fillRef idx="1">
-            <a:schemeClr val="accent1"/>
-          </a:fillRef>
-          <a:effectRef idx="0">
-            <a:schemeClr val="accent1"/>
-          </a:effectRef>
-          <a:fontRef idx="minor">
-            <a:schemeClr val="lt1"/>
-          </a:fontRef>
-        </p:style>
-        <p:txBody>
-          <a:bodyPr rtlCol="0" anchor="ctr"/>
-          <a:lstStyle/>
-          <a:p>
-            <a:pPr algn="ctr"/>
-            <a:endParaRPr lang="en-US"/>
-          </a:p>
-        </p:txBody>
-      </p:sp>
-      <p:sp>
-        <p:nvSpPr>
-          <p:cNvPr id="70" name="Rectangle 69">
-            <a:extLst>
-              <a:ext uri="{FF2B5EF4-FFF2-40B4-BE49-F238E27FC236}">
-                <a16:creationId xmlns:a16="http://schemas.microsoft.com/office/drawing/2014/main" id="{EC44F520-2598-460E-9F91-B02F60830CA2}"/>
-              </a:ext>
-              <a:ext uri="{C183D7F6-B498-43B3-948B-1728B52AA6E4}">
-                <adec:decorative xmlns:adec="http://schemas.microsoft.com/office/drawing/2017/decorative" val="1"/>
-              </a:ext>
-            </a:extLst>
-          </p:cNvPr>
-          <p:cNvSpPr>
-            <a:spLocks noGrp="1" noRot="1" noChangeAspect="1" noMove="1" noResize="1" noEditPoints="1" noAdjustHandles="1" noChangeArrowheads="1" noChangeShapeType="1" noTextEdit="1"/>
-          </p:cNvSpPr>
-          <p:nvPr>
-            <p:extLst>
-              <p:ext uri="{386F3935-93C4-4BCD-93E2-E3B085C9AB24}">
-                <p16:designElem xmlns:p16="http://schemas.microsoft.com/office/powerpoint/2015/main" val="1"/>
-              </p:ext>
-            </p:extLst>
-          </p:nvPr>
-        </p:nvSpPr>
-        <p:spPr>
-          <a:xfrm flipH="1">
-            <a:off x="4038600" y="6400799"/>
-            <a:ext cx="8153398" cy="456772"/>
-          </a:xfrm>
-          <a:prstGeom prst="rect">
-            <a:avLst/>
-          </a:prstGeom>
-          <a:gradFill>
-            <a:gsLst>
-              <a:gs pos="9000">
-                <a:schemeClr val="accent2">
-                  <a:lumMod val="60000"/>
-                  <a:lumOff val="40000"/>
-                  <a:alpha val="55000"/>
-                </a:schemeClr>
-              </a:gs>
-              <a:gs pos="99000">
-                <a:schemeClr val="accent2"/>
-              </a:gs>
-            </a:gsLst>
-            <a:lin ang="14400000" scaled="0"/>
-          </a:gradFill>
-          <a:ln>
-            <a:noFill/>
-          </a:ln>
-        </p:spPr>
-        <p:style>
-          <a:lnRef idx="2">
-            <a:schemeClr val="accent1">
-              <a:shade val="50000"/>
-            </a:schemeClr>
-          </a:lnRef>
-          <a:fillRef idx="1">
-            <a:schemeClr val="accent1"/>
-          </a:fillRef>
-          <a:effectRef idx="0">
-            <a:schemeClr val="accent1"/>
-          </a:effectRef>
-          <a:fontRef idx="minor">
-            <a:schemeClr val="lt1"/>
-          </a:fontRef>
-        </p:style>
-        <p:txBody>
-          <a:bodyPr rtlCol="0" anchor="ctr"/>
-          <a:lstStyle/>
-          <a:p>
-            <a:pPr algn="ctr"/>
-            <a:endParaRPr lang="en-US"/>
-          </a:p>
-        </p:txBody>
-      </p:sp>
       <p:sp useBgFill="1">
         <p:nvSpPr>
-          <p:cNvPr id="72" name="Rectangle 71">
-            <a:extLst>
-              <a:ext uri="{FF2B5EF4-FFF2-40B4-BE49-F238E27FC236}">
-                <a16:creationId xmlns:a16="http://schemas.microsoft.com/office/drawing/2014/main" id="{FBC072A9-737B-43EA-8F67-8155C25E607E}"/>
+          <p:cNvPr id="18" name="Rectangle 17">
+            <a:extLst>
+              <a:ext uri="{FF2B5EF4-FFF2-40B4-BE49-F238E27FC236}">
+                <a16:creationId xmlns:a16="http://schemas.microsoft.com/office/drawing/2014/main" id="{11D6A2A3-F101-46F7-8B6F-1C699CAFE9AD}"/>
               </a:ext>
               <a:ext uri="{C183D7F6-B498-43B3-948B-1728B52AA6E4}">
                 <adec:decorative xmlns:adec="http://schemas.microsoft.com/office/drawing/2017/decorative" val="1"/>
@@ -19723,12 +22161,47 @@
           </a:p>
         </p:txBody>
       </p:sp>
+      <p:sp>
+        <p:nvSpPr>
+          <p:cNvPr id="2" name="Title 1">
+            <a:extLst>
+              <a:ext uri="{FF2B5EF4-FFF2-40B4-BE49-F238E27FC236}">
+                <a16:creationId xmlns:a16="http://schemas.microsoft.com/office/drawing/2014/main" id="{A3FFE806-3E06-DE10-4DE6-12AB503086A0}"/>
+              </a:ext>
+            </a:extLst>
+          </p:cNvPr>
+          <p:cNvSpPr>
+            <a:spLocks noGrp="1"/>
+          </p:cNvSpPr>
+          <p:nvPr>
+            <p:ph type="title"/>
+          </p:nvPr>
+        </p:nvSpPr>
+        <p:spPr>
+          <a:xfrm>
+            <a:off x="1322684" y="407875"/>
+            <a:ext cx="4911393" cy="646332"/>
+          </a:xfrm>
+        </p:spPr>
+        <p:txBody>
+          <a:bodyPr anchor="b">
+            <a:normAutofit/>
+          </a:bodyPr>
+          <a:lstStyle/>
+          <a:p>
+            <a:r>
+              <a:rPr lang="en-US" sz="3200" dirty="0"/>
+              <a:t>The Facts</a:t>
+            </a:r>
+          </a:p>
+        </p:txBody>
+      </p:sp>
       <p:pic>
         <p:nvPicPr>
-          <p:cNvPr id="7" name="Picture 6" descr="Chart, scatter chart, bubble chart&#10;&#10;Description automatically generated">
-            <a:extLst>
-              <a:ext uri="{FF2B5EF4-FFF2-40B4-BE49-F238E27FC236}">
-                <a16:creationId xmlns:a16="http://schemas.microsoft.com/office/drawing/2014/main" id="{83AEA9F9-3A5E-6C41-B99D-D62DBF84DE91}"/>
+          <p:cNvPr id="12" name="Picture 11">
+            <a:extLst>
+              <a:ext uri="{FF2B5EF4-FFF2-40B4-BE49-F238E27FC236}">
+                <a16:creationId xmlns:a16="http://schemas.microsoft.com/office/drawing/2014/main" id="{7CF8C0CC-8F1A-F10C-AB48-975A60B4FC01}"/>
               </a:ext>
             </a:extLst>
           </p:cNvPr>
@@ -19737,103 +22210,41 @@
           </p:cNvPicPr>
           <p:nvPr/>
         </p:nvPicPr>
-        <p:blipFill rotWithShape="1">
-          <a:blip r:embed="rId2">
-            <a:extLst>
-              <a:ext uri="{28A0092B-C50C-407E-A947-70E740481C1C}">
-                <a14:useLocalDpi xmlns:a14="http://schemas.microsoft.com/office/drawing/2010/main" val="0"/>
-              </a:ext>
-            </a:extLst>
-          </a:blip>
-          <a:srcRect l="51607" r="-546"/>
-          <a:stretch/>
+        <p:blipFill>
+          <a:blip r:embed="rId2"/>
+          <a:stretch>
+            <a:fillRect/>
+          </a:stretch>
         </p:blipFill>
         <p:spPr>
-          <a:xfrm>
-            <a:off x="177633" y="1982254"/>
-            <a:ext cx="3827156" cy="2893492"/>
+          <a:xfrm rot="20894191">
+            <a:off x="7195232" y="540355"/>
+            <a:ext cx="3771638" cy="2121546"/>
           </a:xfrm>
-          <a:prstGeom prst="rect">
-            <a:avLst/>
+          <a:prstGeom prst="roundRect">
+            <a:avLst>
+              <a:gd name="adj" fmla="val 8594"/>
+            </a:avLst>
           </a:prstGeom>
-        </p:spPr>
-      </p:pic>
-      <p:pic>
-        <p:nvPicPr>
-          <p:cNvPr id="19" name="Picture 18" descr="Chart, scatter chart, bubble chart&#10;&#10;Description automatically generated">
-            <a:extLst>
-              <a:ext uri="{FF2B5EF4-FFF2-40B4-BE49-F238E27FC236}">
-                <a16:creationId xmlns:a16="http://schemas.microsoft.com/office/drawing/2014/main" id="{B593D0B5-67BA-FB4F-B5EB-FC920D7418CD}"/>
-              </a:ext>
-            </a:extLst>
-          </p:cNvPr>
-          <p:cNvPicPr>
-            <a:picLocks noChangeAspect="1"/>
-          </p:cNvPicPr>
-          <p:nvPr/>
-        </p:nvPicPr>
-        <p:blipFill rotWithShape="1">
-          <a:blip r:embed="rId2">
-            <a:extLst>
-              <a:ext uri="{28A0092B-C50C-407E-A947-70E740481C1C}">
-                <a14:useLocalDpi xmlns:a14="http://schemas.microsoft.com/office/drawing/2010/main" val="0"/>
-              </a:ext>
-            </a:extLst>
-          </a:blip>
-          <a:srcRect l="411" r="47579"/>
-          <a:stretch/>
-        </p:blipFill>
-        <p:spPr>
-          <a:xfrm>
-            <a:off x="4182422" y="2067679"/>
-            <a:ext cx="3827156" cy="2722642"/>
-          </a:xfrm>
-          <a:prstGeom prst="rect">
-            <a:avLst/>
-          </a:prstGeom>
-        </p:spPr>
-      </p:pic>
-      <p:pic>
-        <p:nvPicPr>
-          <p:cNvPr id="5" name="Picture 4" descr="Chart, line chart&#10;&#10;Description automatically generated">
-            <a:extLst>
-              <a:ext uri="{FF2B5EF4-FFF2-40B4-BE49-F238E27FC236}">
-                <a16:creationId xmlns:a16="http://schemas.microsoft.com/office/drawing/2014/main" id="{EAC12496-1B02-0744-A817-C33CBCC1878F}"/>
-              </a:ext>
-            </a:extLst>
-          </p:cNvPr>
-          <p:cNvPicPr>
-            <a:picLocks noChangeAspect="1"/>
-          </p:cNvPicPr>
-          <p:nvPr/>
-        </p:nvPicPr>
-        <p:blipFill rotWithShape="1">
-          <a:blip r:embed="rId3">
-            <a:extLst>
-              <a:ext uri="{28A0092B-C50C-407E-A947-70E740481C1C}">
-                <a14:useLocalDpi xmlns:a14="http://schemas.microsoft.com/office/drawing/2010/main" val="0"/>
-              </a:ext>
-            </a:extLst>
-          </a:blip>
-          <a:srcRect t="169"/>
-          <a:stretch/>
-        </p:blipFill>
-        <p:spPr>
-          <a:xfrm>
-            <a:off x="8187211" y="2129966"/>
-            <a:ext cx="3827156" cy="2598068"/>
-          </a:xfrm>
-          <a:prstGeom prst="rect">
-            <a:avLst/>
-          </a:prstGeom>
+          <a:solidFill>
+            <a:srgbClr val="FFFFFF">
+              <a:shade val="85000"/>
+            </a:srgbClr>
+          </a:solidFill>
+          <a:ln>
+            <a:noFill/>
+          </a:ln>
+          <a:effectLst>
+            <a:reflection blurRad="12700" stA="38000" endPos="28000" dist="5000" dir="5400000" sy="-100000" algn="bl" rotWithShape="0"/>
+          </a:effectLst>
         </p:spPr>
       </p:pic>
       <p:sp>
         <p:nvSpPr>
-          <p:cNvPr id="74" name="Rectangle 73">
-            <a:extLst>
-              <a:ext uri="{FF2B5EF4-FFF2-40B4-BE49-F238E27FC236}">
-                <a16:creationId xmlns:a16="http://schemas.microsoft.com/office/drawing/2014/main" id="{0EB06CB7-868E-4636-A33A-E193292A6F50}"/>
+          <p:cNvPr id="20" name="Rectangle 19">
+            <a:extLst>
+              <a:ext uri="{FF2B5EF4-FFF2-40B4-BE49-F238E27FC236}">
+                <a16:creationId xmlns:a16="http://schemas.microsoft.com/office/drawing/2014/main" id="{529E760E-527D-4053-A309-F2BDE12501CD}"/>
               </a:ext>
               <a:ext uri="{C183D7F6-B498-43B3-948B-1728B52AA6E4}">
                 <adec:decorative xmlns:adec="http://schemas.microsoft.com/office/drawing/2017/decorative" val="1"/>
@@ -19852,27 +22263,26 @@
           </p:nvPr>
         </p:nvSpPr>
         <p:spPr>
-          <a:xfrm rot="10800000" flipH="1">
-            <a:off x="0" y="6408741"/>
-            <a:ext cx="12192000" cy="449256"/>
+          <a:xfrm flipH="1">
+            <a:off x="-3" y="6400800"/>
+            <a:ext cx="12191999" cy="457198"/>
           </a:xfrm>
           <a:prstGeom prst="rect">
             <a:avLst/>
           </a:prstGeom>
           <a:gradFill>
             <a:gsLst>
-              <a:gs pos="14000">
-                <a:schemeClr val="accent4">
-                  <a:alpha val="28000"/>
-                </a:schemeClr>
+              <a:gs pos="0">
+                <a:schemeClr val="accent2"/>
               </a:gs>
               <a:gs pos="100000">
-                <a:schemeClr val="accent5">
+                <a:schemeClr val="accent6">
+                  <a:lumMod val="75000"/>
                   <a:alpha val="85000"/>
                 </a:schemeClr>
               </a:gs>
             </a:gsLst>
-            <a:lin ang="9000000" scaled="0"/>
+            <a:lin ang="0" scaled="0"/>
           </a:gradFill>
           <a:ln>
             <a:noFill/>
@@ -19905,10 +22315,10 @@
       </p:sp>
       <p:sp>
         <p:nvSpPr>
-          <p:cNvPr id="76" name="Rectangle 75">
-            <a:extLst>
-              <a:ext uri="{FF2B5EF4-FFF2-40B4-BE49-F238E27FC236}">
-                <a16:creationId xmlns:a16="http://schemas.microsoft.com/office/drawing/2014/main" id="{AFD90F94-5ADB-4D14-BFA5-C0815CAE6D8D}"/>
+          <p:cNvPr id="22" name="Rectangle 21">
+            <a:extLst>
+              <a:ext uri="{FF2B5EF4-FFF2-40B4-BE49-F238E27FC236}">
+                <a16:creationId xmlns:a16="http://schemas.microsoft.com/office/drawing/2014/main" id="{4153D448-4ED1-429A-A28C-8316DE7CAF7E}"/>
               </a:ext>
               <a:ext uri="{C183D7F6-B498-43B3-948B-1728B52AA6E4}">
                 <adec:decorative xmlns:adec="http://schemas.microsoft.com/office/drawing/2017/decorative" val="1"/>
@@ -19928,26 +22338,26 @@
         </p:nvSpPr>
         <p:spPr>
           <a:xfrm flipH="1">
-            <a:off x="4038600" y="6408316"/>
-            <a:ext cx="8153398" cy="449684"/>
+            <a:off x="4038600" y="6400798"/>
+            <a:ext cx="8153396" cy="448831"/>
           </a:xfrm>
           <a:prstGeom prst="rect">
             <a:avLst/>
           </a:prstGeom>
           <a:gradFill>
             <a:gsLst>
-              <a:gs pos="9000">
-                <a:schemeClr val="accent2">
-                  <a:lumMod val="60000"/>
-                  <a:lumOff val="40000"/>
-                  <a:alpha val="68000"/>
+              <a:gs pos="0">
+                <a:schemeClr val="accent5">
+                  <a:alpha val="5000"/>
                 </a:schemeClr>
               </a:gs>
               <a:gs pos="99000">
-                <a:schemeClr val="accent2"/>
+                <a:schemeClr val="accent5">
+                  <a:alpha val="72000"/>
+                </a:schemeClr>
               </a:gs>
             </a:gsLst>
-            <a:lin ang="13800000" scaled="0"/>
+            <a:lin ang="19800000" scaled="0"/>
           </a:gradFill>
           <a:ln>
             <a:noFill/>
@@ -19980,10 +22390,577 @@
       </p:sp>
       <p:sp>
         <p:nvSpPr>
-          <p:cNvPr id="17" name="Title 1">
-            <a:extLst>
-              <a:ext uri="{FF2B5EF4-FFF2-40B4-BE49-F238E27FC236}">
-                <a16:creationId xmlns:a16="http://schemas.microsoft.com/office/drawing/2014/main" id="{810A4515-F966-1F4E-A8BC-0A42D747E5C8}"/>
+          <p:cNvPr id="7" name="Slide Number Placeholder 6">
+            <a:extLst>
+              <a:ext uri="{FF2B5EF4-FFF2-40B4-BE49-F238E27FC236}">
+                <a16:creationId xmlns:a16="http://schemas.microsoft.com/office/drawing/2014/main" id="{96D5C7D3-CBD8-D524-E6BF-4C6674CB8029}"/>
+              </a:ext>
+            </a:extLst>
+          </p:cNvPr>
+          <p:cNvSpPr>
+            <a:spLocks noGrp="1"/>
+          </p:cNvSpPr>
+          <p:nvPr>
+            <p:ph type="sldNum" sz="quarter" idx="12"/>
+          </p:nvPr>
+        </p:nvSpPr>
+        <p:spPr>
+          <a:xfrm>
+            <a:off x="11669678" y="6408742"/>
+            <a:ext cx="438652" cy="448830"/>
+          </a:xfrm>
+        </p:spPr>
+        <p:txBody>
+          <a:bodyPr>
+            <a:normAutofit/>
+          </a:bodyPr>
+          <a:lstStyle/>
+          <a:p>
+            <a:pPr>
+              <a:spcAft>
+                <a:spcPts val="600"/>
+              </a:spcAft>
+            </a:pPr>
+            <a:fld id="{C01389E6-C847-4AD0-B56D-D205B2EAB1EE}" type="slidenum">
+              <a:rPr lang="en-US" smtClean="0"/>
+              <a:pPr>
+                <a:spcAft>
+                  <a:spcPts val="600"/>
+                </a:spcAft>
+              </a:pPr>
+              <a:t>2</a:t>
+            </a:fld>
+            <a:endParaRPr lang="en-US"/>
+          </a:p>
+        </p:txBody>
+      </p:sp>
+      <p:graphicFrame>
+        <p:nvGraphicFramePr>
+          <p:cNvPr id="13" name="Content Placeholder 2">
+            <a:extLst>
+              <a:ext uri="{FF2B5EF4-FFF2-40B4-BE49-F238E27FC236}">
+                <a16:creationId xmlns:a16="http://schemas.microsoft.com/office/drawing/2014/main" id="{7B52415B-EAB8-A3F7-09F7-DB17D3A055F7}"/>
+              </a:ext>
+            </a:extLst>
+          </p:cNvPr>
+          <p:cNvGraphicFramePr>
+            <a:graphicFrameLocks noGrp="1"/>
+          </p:cNvGraphicFramePr>
+          <p:nvPr>
+            <p:ph idx="1"/>
+            <p:extLst>
+              <p:ext uri="{D42A27DB-BD31-4B8C-83A1-F6EECF244321}">
+                <p14:modId xmlns:p14="http://schemas.microsoft.com/office/powerpoint/2010/main" val="3380232732"/>
+              </p:ext>
+            </p:extLst>
+          </p:nvPr>
+        </p:nvGraphicFramePr>
+        <p:xfrm>
+          <a:off x="1284018" y="1363838"/>
+          <a:ext cx="4911392" cy="3583940"/>
+        </p:xfrm>
+        <a:graphic>
+          <a:graphicData uri="http://schemas.openxmlformats.org/drawingml/2006/diagram">
+            <dgm:relIds xmlns:dgm="http://schemas.openxmlformats.org/drawingml/2006/diagram" xmlns:r="http://schemas.openxmlformats.org/officeDocument/2006/relationships" r:dm="rId3" r:lo="rId4" r:qs="rId5" r:cs="rId6"/>
+          </a:graphicData>
+        </a:graphic>
+      </p:graphicFrame>
+      <p:pic>
+        <p:nvPicPr>
+          <p:cNvPr id="14" name="Picture 13">
+            <a:extLst>
+              <a:ext uri="{FF2B5EF4-FFF2-40B4-BE49-F238E27FC236}">
+                <a16:creationId xmlns:a16="http://schemas.microsoft.com/office/drawing/2014/main" id="{2DD253DD-8330-2384-B800-F0A705B5790E}"/>
+              </a:ext>
+            </a:extLst>
+          </p:cNvPr>
+          <p:cNvPicPr>
+            <a:picLocks noChangeAspect="1"/>
+          </p:cNvPicPr>
+          <p:nvPr/>
+        </p:nvPicPr>
+        <p:blipFill>
+          <a:blip r:embed="rId8"/>
+          <a:stretch>
+            <a:fillRect/>
+          </a:stretch>
+        </p:blipFill>
+        <p:spPr>
+          <a:xfrm rot="443044">
+            <a:off x="7684796" y="3460093"/>
+            <a:ext cx="3312553" cy="2206199"/>
+          </a:xfrm>
+          <a:prstGeom prst="rect">
+            <a:avLst/>
+          </a:prstGeom>
+          <a:ln>
+            <a:noFill/>
+          </a:ln>
+          <a:effectLst>
+            <a:softEdge rad="112500"/>
+          </a:effectLst>
+        </p:spPr>
+      </p:pic>
+      <p:sp>
+        <p:nvSpPr>
+          <p:cNvPr id="19" name="TextBox 18">
+            <a:extLst>
+              <a:ext uri="{FF2B5EF4-FFF2-40B4-BE49-F238E27FC236}">
+                <a16:creationId xmlns:a16="http://schemas.microsoft.com/office/drawing/2014/main" id="{B41173E8-AD56-8ECC-52CD-CABC24E2539E}"/>
+              </a:ext>
+            </a:extLst>
+          </p:cNvPr>
+          <p:cNvSpPr txBox="1"/>
+          <p:nvPr/>
+        </p:nvSpPr>
+        <p:spPr>
+          <a:xfrm>
+            <a:off x="2096395" y="4859924"/>
+            <a:ext cx="4731540" cy="646331"/>
+          </a:xfrm>
+          <a:prstGeom prst="rect">
+            <a:avLst/>
+          </a:prstGeom>
+          <a:noFill/>
+        </p:spPr>
+        <p:txBody>
+          <a:bodyPr wrap="square">
+            <a:spAutoFit/>
+          </a:bodyPr>
+          <a:lstStyle/>
+          <a:p>
+            <a:pPr lvl="0"/>
+            <a:r>
+              <a:rPr lang="en-US" b="1" dirty="0"/>
+              <a:t>Goal:</a:t>
+            </a:r>
+            <a:r>
+              <a:rPr lang="en-US" dirty="0"/>
+              <a:t> Predict who was transported from dataset without the transported target</a:t>
+            </a:r>
+          </a:p>
+        </p:txBody>
+      </p:sp>
+      <p:pic>
+        <p:nvPicPr>
+          <p:cNvPr id="21" name="Picture 20" descr="Icon&#10;&#10;Description automatically generated">
+            <a:extLst>
+              <a:ext uri="{FF2B5EF4-FFF2-40B4-BE49-F238E27FC236}">
+                <a16:creationId xmlns:a16="http://schemas.microsoft.com/office/drawing/2014/main" id="{CEB68E4B-A9A6-EDA5-A710-E056741B1BBA}"/>
+              </a:ext>
+            </a:extLst>
+          </p:cNvPr>
+          <p:cNvPicPr>
+            <a:picLocks noChangeAspect="1"/>
+          </p:cNvPicPr>
+          <p:nvPr/>
+        </p:nvPicPr>
+        <p:blipFill>
+          <a:blip r:embed="rId9">
+            <a:extLst>
+              <a:ext uri="{28A0092B-C50C-407E-A947-70E740481C1C}">
+                <a14:useLocalDpi xmlns:a14="http://schemas.microsoft.com/office/drawing/2010/main" val="0"/>
+              </a:ext>
+            </a:extLst>
+          </a:blip>
+          <a:stretch>
+            <a:fillRect/>
+          </a:stretch>
+        </p:blipFill>
+        <p:spPr>
+          <a:xfrm>
+            <a:off x="1463870" y="4870234"/>
+            <a:ext cx="548166" cy="548166"/>
+          </a:xfrm>
+          <a:prstGeom prst="rect">
+            <a:avLst/>
+          </a:prstGeom>
+        </p:spPr>
+      </p:pic>
+      <p:sp>
+        <p:nvSpPr>
+          <p:cNvPr id="4" name="Date Placeholder 3">
+            <a:extLst>
+              <a:ext uri="{FF2B5EF4-FFF2-40B4-BE49-F238E27FC236}">
+                <a16:creationId xmlns:a16="http://schemas.microsoft.com/office/drawing/2014/main" id="{2C1C603B-71B4-B64C-BDF9-8FA3C8EF9222}"/>
+              </a:ext>
+            </a:extLst>
+          </p:cNvPr>
+          <p:cNvSpPr>
+            <a:spLocks noGrp="1"/>
+          </p:cNvSpPr>
+          <p:nvPr>
+            <p:ph type="dt" sz="half" idx="10"/>
+          </p:nvPr>
+        </p:nvSpPr>
+        <p:spPr/>
+        <p:txBody>
+          <a:bodyPr/>
+          <a:lstStyle/>
+          <a:p>
+            <a:fld id="{22C8D8D3-B20C-DC44-8387-99E41C8E8FBC}" type="datetime2">
+              <a:rPr lang="en-US" smtClean="0"/>
+              <a:t>Thursday, November 17, 2022</a:t>
+            </a:fld>
+            <a:endParaRPr lang="en-US"/>
+          </a:p>
+        </p:txBody>
+      </p:sp>
+    </p:spTree>
+    <p:extLst>
+      <p:ext uri="{BB962C8B-B14F-4D97-AF65-F5344CB8AC3E}">
+        <p14:creationId xmlns:p14="http://schemas.microsoft.com/office/powerpoint/2010/main" val="2496542540"/>
+      </p:ext>
+    </p:extLst>
+  </p:cSld>
+  <p:clrMapOvr>
+    <a:masterClrMapping/>
+  </p:clrMapOvr>
+</p:sld>
+</file>
+
+<file path=ppt/slides/slide3.xml><?xml version="1.0" encoding="utf-8"?>
+<p:sld xmlns:a="http://schemas.openxmlformats.org/drawingml/2006/main" xmlns:r="http://schemas.openxmlformats.org/officeDocument/2006/relationships" xmlns:p="http://schemas.openxmlformats.org/presentationml/2006/main">
+  <p:cSld>
+    <p:spTree>
+      <p:nvGrpSpPr>
+        <p:cNvPr id="1" name=""/>
+        <p:cNvGrpSpPr/>
+        <p:nvPr/>
+      </p:nvGrpSpPr>
+      <p:grpSpPr>
+        <a:xfrm>
+          <a:off x="0" y="0"/>
+          <a:ext cx="0" cy="0"/>
+          <a:chOff x="0" y="0"/>
+          <a:chExt cx="0" cy="0"/>
+        </a:xfrm>
+      </p:grpSpPr>
+      <p:sp>
+        <p:nvSpPr>
+          <p:cNvPr id="3" name="Content Placeholder 2">
+            <a:extLst>
+              <a:ext uri="{FF2B5EF4-FFF2-40B4-BE49-F238E27FC236}">
+                <a16:creationId xmlns:a16="http://schemas.microsoft.com/office/drawing/2014/main" id="{4E409A54-79C9-B849-9230-1F29479BE41A}"/>
+              </a:ext>
+            </a:extLst>
+          </p:cNvPr>
+          <p:cNvSpPr>
+            <a:spLocks noGrp="1"/>
+          </p:cNvSpPr>
+          <p:nvPr>
+            <p:ph idx="1"/>
+          </p:nvPr>
+        </p:nvSpPr>
+        <p:spPr>
+          <a:xfrm>
+            <a:off x="1322683" y="1449324"/>
+            <a:ext cx="10241280" cy="3959352"/>
+          </a:xfrm>
+        </p:spPr>
+        <p:txBody>
+          <a:bodyPr/>
+          <a:lstStyle/>
+          <a:p>
+            <a:r>
+              <a:rPr lang="en-PT"/>
+              <a:t>Some of t</a:t>
+            </a:r>
+            <a:r>
+              <a:rPr lang="en-GB"/>
+              <a:t>he</a:t>
+            </a:r>
+            <a:r>
+              <a:rPr lang="en-PT"/>
+              <a:t> information of t</a:t>
+            </a:r>
+            <a:r>
+              <a:rPr lang="en-GB"/>
+              <a:t>he</a:t>
+            </a:r>
+            <a:r>
+              <a:rPr lang="en-PT"/>
+              <a:t> passengers got lost</a:t>
+            </a:r>
+            <a:endParaRPr lang="en-PT" dirty="0"/>
+          </a:p>
+        </p:txBody>
+      </p:sp>
+      <p:sp>
+        <p:nvSpPr>
+          <p:cNvPr id="6" name="Slide Number Placeholder 5">
+            <a:extLst>
+              <a:ext uri="{FF2B5EF4-FFF2-40B4-BE49-F238E27FC236}">
+                <a16:creationId xmlns:a16="http://schemas.microsoft.com/office/drawing/2014/main" id="{BF5A322A-3396-48FE-3C84-503323DE7A75}"/>
+              </a:ext>
+            </a:extLst>
+          </p:cNvPr>
+          <p:cNvSpPr>
+            <a:spLocks noGrp="1"/>
+          </p:cNvSpPr>
+          <p:nvPr>
+            <p:ph type="sldNum" sz="quarter" idx="12"/>
+          </p:nvPr>
+        </p:nvSpPr>
+        <p:spPr/>
+        <p:txBody>
+          <a:bodyPr/>
+          <a:lstStyle/>
+          <a:p>
+            <a:fld id="{C01389E6-C847-4AD0-B56D-D205B2EAB1EE}" type="slidenum">
+              <a:rPr lang="en-US" smtClean="0"/>
+              <a:t>3</a:t>
+            </a:fld>
+            <a:endParaRPr lang="en-US"/>
+          </a:p>
+        </p:txBody>
+      </p:sp>
+      <p:sp>
+        <p:nvSpPr>
+          <p:cNvPr id="7" name="Title 1">
+            <a:extLst>
+              <a:ext uri="{FF2B5EF4-FFF2-40B4-BE49-F238E27FC236}">
+                <a16:creationId xmlns:a16="http://schemas.microsoft.com/office/drawing/2014/main" id="{B16EBA06-5564-A35F-2E9E-8BE2FDC003ED}"/>
+              </a:ext>
+            </a:extLst>
+          </p:cNvPr>
+          <p:cNvSpPr txBox="1">
+            <a:spLocks/>
+          </p:cNvSpPr>
+          <p:nvPr/>
+        </p:nvSpPr>
+        <p:spPr>
+          <a:xfrm>
+            <a:off x="1322683" y="407875"/>
+            <a:ext cx="9054893" cy="646332"/>
+          </a:xfrm>
+          <a:prstGeom prst="rect">
+            <a:avLst/>
+          </a:prstGeom>
+        </p:spPr>
+        <p:txBody>
+          <a:bodyPr vert="horz" lIns="0" tIns="0" rIns="0" bIns="0" rtlCol="0" anchor="b">
+            <a:normAutofit/>
+          </a:bodyPr>
+          <a:lstStyle>
+            <a:lvl1pPr algn="l" defTabSz="914400" rtl="0" eaLnBrk="1" latinLnBrk="0" hangingPunct="1">
+              <a:lnSpc>
+                <a:spcPct val="100000"/>
+              </a:lnSpc>
+              <a:spcBef>
+                <a:spcPct val="0"/>
+              </a:spcBef>
+              <a:buNone/>
+              <a:defRPr sz="3600" b="1" i="0" kern="1200" cap="all" spc="700" baseline="0">
+                <a:solidFill>
+                  <a:schemeClr val="tx1"/>
+                </a:solidFill>
+                <a:latin typeface="+mj-lt"/>
+                <a:ea typeface="+mj-ea"/>
+                <a:cs typeface="+mj-cs"/>
+              </a:defRPr>
+            </a:lvl1pPr>
+          </a:lstStyle>
+          <a:p>
+            <a:r>
+              <a:rPr lang="en-US" sz="3200"/>
+              <a:t>The Damaged Computer</a:t>
+            </a:r>
+            <a:endParaRPr lang="en-US" sz="3200" dirty="0"/>
+          </a:p>
+        </p:txBody>
+      </p:sp>
+      <p:pic>
+        <p:nvPicPr>
+          <p:cNvPr id="4" name="Picture 3" descr="Table&#10;&#10;Description automatically generated">
+            <a:extLst>
+              <a:ext uri="{FF2B5EF4-FFF2-40B4-BE49-F238E27FC236}">
+                <a16:creationId xmlns:a16="http://schemas.microsoft.com/office/drawing/2014/main" id="{A4991A2E-88C5-524E-B454-AECD5E397060}"/>
+              </a:ext>
+            </a:extLst>
+          </p:cNvPr>
+          <p:cNvPicPr>
+            <a:picLocks noChangeAspect="1"/>
+          </p:cNvPicPr>
+          <p:nvPr/>
+        </p:nvPicPr>
+        <p:blipFill>
+          <a:blip r:embed="rId2">
+            <a:extLst>
+              <a:ext uri="{28A0092B-C50C-407E-A947-70E740481C1C}">
+                <a14:useLocalDpi xmlns:a14="http://schemas.microsoft.com/office/drawing/2010/main" val="0"/>
+              </a:ext>
+            </a:extLst>
+          </a:blip>
+          <a:stretch>
+            <a:fillRect/>
+          </a:stretch>
+        </p:blipFill>
+        <p:spPr>
+          <a:xfrm>
+            <a:off x="2077391" y="1932312"/>
+            <a:ext cx="3327400" cy="3835400"/>
+          </a:xfrm>
+          <a:prstGeom prst="rect">
+            <a:avLst/>
+          </a:prstGeom>
+        </p:spPr>
+      </p:pic>
+      <p:pic>
+        <p:nvPicPr>
+          <p:cNvPr id="10" name="Picture 9">
+            <a:extLst>
+              <a:ext uri="{FF2B5EF4-FFF2-40B4-BE49-F238E27FC236}">
+                <a16:creationId xmlns:a16="http://schemas.microsoft.com/office/drawing/2014/main" id="{2128248B-020F-6146-B1A8-AFF76FFB7EA3}"/>
+              </a:ext>
+            </a:extLst>
+          </p:cNvPr>
+          <p:cNvPicPr>
+            <a:picLocks noChangeAspect="1"/>
+          </p:cNvPicPr>
+          <p:nvPr/>
+        </p:nvPicPr>
+        <p:blipFill>
+          <a:blip r:embed="rId3"/>
+          <a:stretch>
+            <a:fillRect/>
+          </a:stretch>
+        </p:blipFill>
+        <p:spPr>
+          <a:xfrm>
+            <a:off x="6159499" y="2187116"/>
+            <a:ext cx="4218077" cy="3325791"/>
+          </a:xfrm>
+          <a:prstGeom prst="rect">
+            <a:avLst/>
+          </a:prstGeom>
+        </p:spPr>
+      </p:pic>
+      <p:sp>
+        <p:nvSpPr>
+          <p:cNvPr id="2" name="Date Placeholder 1">
+            <a:extLst>
+              <a:ext uri="{FF2B5EF4-FFF2-40B4-BE49-F238E27FC236}">
+                <a16:creationId xmlns:a16="http://schemas.microsoft.com/office/drawing/2014/main" id="{F38D145A-E418-CD44-A16D-3DDCC377A3A2}"/>
+              </a:ext>
+            </a:extLst>
+          </p:cNvPr>
+          <p:cNvSpPr>
+            <a:spLocks noGrp="1"/>
+          </p:cNvSpPr>
+          <p:nvPr>
+            <p:ph type="dt" sz="half" idx="10"/>
+          </p:nvPr>
+        </p:nvSpPr>
+        <p:spPr/>
+        <p:txBody>
+          <a:bodyPr/>
+          <a:lstStyle/>
+          <a:p>
+            <a:fld id="{EECB3B43-7D2C-D541-B4CC-532CE21D4E59}" type="datetime2">
+              <a:rPr lang="en-US" smtClean="0"/>
+              <a:t>Thursday, November 17, 2022</a:t>
+            </a:fld>
+            <a:endParaRPr lang="en-US"/>
+          </a:p>
+        </p:txBody>
+      </p:sp>
+    </p:spTree>
+    <p:extLst>
+      <p:ext uri="{BB962C8B-B14F-4D97-AF65-F5344CB8AC3E}">
+        <p14:creationId xmlns:p14="http://schemas.microsoft.com/office/powerpoint/2010/main" val="1377696593"/>
+      </p:ext>
+    </p:extLst>
+  </p:cSld>
+  <p:clrMapOvr>
+    <a:masterClrMapping/>
+  </p:clrMapOvr>
+</p:sld>
+</file>
+
+<file path=ppt/slides/slide4.xml><?xml version="1.0" encoding="utf-8"?>
+<p:sld xmlns:a="http://schemas.openxmlformats.org/drawingml/2006/main" xmlns:r="http://schemas.openxmlformats.org/officeDocument/2006/relationships" xmlns:p="http://schemas.openxmlformats.org/presentationml/2006/main">
+  <p:cSld>
+    <p:spTree>
+      <p:nvGrpSpPr>
+        <p:cNvPr id="1" name=""/>
+        <p:cNvGrpSpPr/>
+        <p:nvPr/>
+      </p:nvGrpSpPr>
+      <p:grpSpPr>
+        <a:xfrm>
+          <a:off x="0" y="0"/>
+          <a:ext cx="0" cy="0"/>
+          <a:chOff x="0" y="0"/>
+          <a:chExt cx="0" cy="0"/>
+        </a:xfrm>
+      </p:grpSpPr>
+      <p:graphicFrame>
+        <p:nvGraphicFramePr>
+          <p:cNvPr id="32" name="Content Placeholder 2">
+            <a:extLst>
+              <a:ext uri="{FF2B5EF4-FFF2-40B4-BE49-F238E27FC236}">
+                <a16:creationId xmlns:a16="http://schemas.microsoft.com/office/drawing/2014/main" id="{2D23658E-5D53-93C7-E44F-5CD36ECAD113}"/>
+              </a:ext>
+            </a:extLst>
+          </p:cNvPr>
+          <p:cNvGraphicFramePr>
+            <a:graphicFrameLocks noGrp="1"/>
+          </p:cNvGraphicFramePr>
+          <p:nvPr>
+            <p:ph idx="1"/>
+            <p:extLst>
+              <p:ext uri="{D42A27DB-BD31-4B8C-83A1-F6EECF244321}">
+                <p14:modId xmlns:p14="http://schemas.microsoft.com/office/powerpoint/2010/main" val="1805286969"/>
+              </p:ext>
+            </p:extLst>
+          </p:nvPr>
+        </p:nvGraphicFramePr>
+        <p:xfrm>
+          <a:off x="203200" y="1544320"/>
+          <a:ext cx="11903456" cy="4865624"/>
+        </p:xfrm>
+        <a:graphic>
+          <a:graphicData uri="http://schemas.openxmlformats.org/drawingml/2006/diagram">
+            <dgm:relIds xmlns:dgm="http://schemas.openxmlformats.org/drawingml/2006/diagram" xmlns:r="http://schemas.openxmlformats.org/officeDocument/2006/relationships" r:dm="rId2" r:lo="rId3" r:qs="rId4" r:cs="rId5"/>
+          </a:graphicData>
+        </a:graphic>
+      </p:graphicFrame>
+      <p:sp>
+        <p:nvSpPr>
+          <p:cNvPr id="5" name="Slide Number Placeholder 4">
+            <a:extLst>
+              <a:ext uri="{FF2B5EF4-FFF2-40B4-BE49-F238E27FC236}">
+                <a16:creationId xmlns:a16="http://schemas.microsoft.com/office/drawing/2014/main" id="{297FCDE7-593F-8357-4B8D-1D43F0910C20}"/>
+              </a:ext>
+            </a:extLst>
+          </p:cNvPr>
+          <p:cNvSpPr>
+            <a:spLocks noGrp="1"/>
+          </p:cNvSpPr>
+          <p:nvPr>
+            <p:ph type="sldNum" sz="quarter" idx="12"/>
+          </p:nvPr>
+        </p:nvSpPr>
+        <p:spPr/>
+        <p:txBody>
+          <a:bodyPr/>
+          <a:lstStyle/>
+          <a:p>
+            <a:fld id="{C01389E6-C847-4AD0-B56D-D205B2EAB1EE}" type="slidenum">
+              <a:rPr lang="en-US" smtClean="0"/>
+              <a:t>4</a:t>
+            </a:fld>
+            <a:endParaRPr lang="en-US"/>
+          </a:p>
+        </p:txBody>
+      </p:sp>
+      <p:sp>
+        <p:nvSpPr>
+          <p:cNvPr id="6" name="Title 1">
+            <a:extLst>
+              <a:ext uri="{FF2B5EF4-FFF2-40B4-BE49-F238E27FC236}">
+                <a16:creationId xmlns:a16="http://schemas.microsoft.com/office/drawing/2014/main" id="{54E23F84-1823-4C33-4B03-2A8774C7E852}"/>
               </a:ext>
             </a:extLst>
           </p:cNvPr>
@@ -20028,17 +23005,17 @@
             <a:pPr algn="ctr"/>
             <a:r>
               <a:rPr lang="en-US" sz="2800" dirty="0"/>
-              <a:t>SVC</a:t>
+              <a:t>Features</a:t>
             </a:r>
           </a:p>
         </p:txBody>
       </p:sp>
       <p:sp>
         <p:nvSpPr>
-          <p:cNvPr id="6" name="Date Placeholder 5">
-            <a:extLst>
-              <a:ext uri="{FF2B5EF4-FFF2-40B4-BE49-F238E27FC236}">
-                <a16:creationId xmlns:a16="http://schemas.microsoft.com/office/drawing/2014/main" id="{36E92D1E-F8D0-3245-9574-BF1409828E31}"/>
+          <p:cNvPr id="2" name="Date Placeholder 1">
+            <a:extLst>
+              <a:ext uri="{FF2B5EF4-FFF2-40B4-BE49-F238E27FC236}">
+                <a16:creationId xmlns:a16="http://schemas.microsoft.com/office/drawing/2014/main" id="{F2E910AF-C8EF-8D47-B239-6FACEE7AE111}"/>
               </a:ext>
             </a:extLst>
           </p:cNvPr>
@@ -20054,7 +23031,7 @@
           <a:bodyPr/>
           <a:lstStyle/>
           <a:p>
-            <a:fld id="{CFA55CB0-1DB5-2643-9CC9-C841CAAFF7CE}" type="datetime2">
+            <a:fld id="{9115964E-2F02-3743-9AD0-D4ED663B2E40}" type="datetime2">
               <a:rPr lang="en-US" smtClean="0"/>
               <a:t>Thursday, November 17, 2022</a:t>
             </a:fld>
@@ -20062,12 +23039,73 @@
           </a:p>
         </p:txBody>
       </p:sp>
+    </p:spTree>
+    <p:extLst>
+      <p:ext uri="{BB962C8B-B14F-4D97-AF65-F5344CB8AC3E}">
+        <p14:creationId xmlns:p14="http://schemas.microsoft.com/office/powerpoint/2010/main" val="2014614017"/>
+      </p:ext>
+    </p:extLst>
+  </p:cSld>
+  <p:clrMapOvr>
+    <a:masterClrMapping/>
+  </p:clrMapOvr>
+</p:sld>
+</file>
+
+<file path=ppt/slides/slide5.xml><?xml version="1.0" encoding="utf-8"?>
+<p:sld xmlns:a="http://schemas.openxmlformats.org/drawingml/2006/main" xmlns:r="http://schemas.openxmlformats.org/officeDocument/2006/relationships" xmlns:p="http://schemas.openxmlformats.org/presentationml/2006/main">
+  <p:cSld>
+    <p:spTree>
+      <p:nvGrpSpPr>
+        <p:cNvPr id="1" name=""/>
+        <p:cNvGrpSpPr/>
+        <p:nvPr/>
+      </p:nvGrpSpPr>
+      <p:grpSpPr>
+        <a:xfrm>
+          <a:off x="0" y="0"/>
+          <a:ext cx="0" cy="0"/>
+          <a:chOff x="0" y="0"/>
+          <a:chExt cx="0" cy="0"/>
+        </a:xfrm>
+      </p:grpSpPr>
+      <p:graphicFrame>
+        <p:nvGraphicFramePr>
+          <p:cNvPr id="32" name="Content Placeholder 2">
+            <a:extLst>
+              <a:ext uri="{FF2B5EF4-FFF2-40B4-BE49-F238E27FC236}">
+                <a16:creationId xmlns:a16="http://schemas.microsoft.com/office/drawing/2014/main" id="{2D23658E-5D53-93C7-E44F-5CD36ECAD113}"/>
+              </a:ext>
+            </a:extLst>
+          </p:cNvPr>
+          <p:cNvGraphicFramePr>
+            <a:graphicFrameLocks noGrp="1"/>
+          </p:cNvGraphicFramePr>
+          <p:nvPr>
+            <p:ph idx="1"/>
+            <p:extLst>
+              <p:ext uri="{D42A27DB-BD31-4B8C-83A1-F6EECF244321}">
+                <p14:modId xmlns:p14="http://schemas.microsoft.com/office/powerpoint/2010/main" val="2441482802"/>
+              </p:ext>
+            </p:extLst>
+          </p:nvPr>
+        </p:nvGraphicFramePr>
+        <p:xfrm>
+          <a:off x="203200" y="1544320"/>
+          <a:ext cx="11903456" cy="4865624"/>
+        </p:xfrm>
+        <a:graphic>
+          <a:graphicData uri="http://schemas.openxmlformats.org/drawingml/2006/diagram">
+            <dgm:relIds xmlns:dgm="http://schemas.openxmlformats.org/drawingml/2006/diagram" xmlns:r="http://schemas.openxmlformats.org/officeDocument/2006/relationships" r:dm="rId2" r:lo="rId3" r:qs="rId4" r:cs="rId5"/>
+          </a:graphicData>
+        </a:graphic>
+      </p:graphicFrame>
       <p:sp>
         <p:nvSpPr>
-          <p:cNvPr id="8" name="Slide Number Placeholder 7">
-            <a:extLst>
-              <a:ext uri="{FF2B5EF4-FFF2-40B4-BE49-F238E27FC236}">
-                <a16:creationId xmlns:a16="http://schemas.microsoft.com/office/drawing/2014/main" id="{7135C965-F31D-304F-9FB7-FA99FC0E9C4D}"/>
+          <p:cNvPr id="5" name="Slide Number Placeholder 4">
+            <a:extLst>
+              <a:ext uri="{FF2B5EF4-FFF2-40B4-BE49-F238E27FC236}">
+                <a16:creationId xmlns:a16="http://schemas.microsoft.com/office/drawing/2014/main" id="{297FCDE7-593F-8357-4B8D-1D43F0910C20}"/>
               </a:ext>
             </a:extLst>
           </p:cNvPr>
@@ -20085,7 +23123,91 @@
           <a:p>
             <a:fld id="{C01389E6-C847-4AD0-B56D-D205B2EAB1EE}" type="slidenum">
               <a:rPr lang="en-US" smtClean="0"/>
-              <a:t>9</a:t>
+              <a:t>5</a:t>
+            </a:fld>
+            <a:endParaRPr lang="en-US"/>
+          </a:p>
+        </p:txBody>
+      </p:sp>
+      <p:sp>
+        <p:nvSpPr>
+          <p:cNvPr id="6" name="Title 1">
+            <a:extLst>
+              <a:ext uri="{FF2B5EF4-FFF2-40B4-BE49-F238E27FC236}">
+                <a16:creationId xmlns:a16="http://schemas.microsoft.com/office/drawing/2014/main" id="{54E23F84-1823-4C33-4B03-2A8774C7E852}"/>
+              </a:ext>
+            </a:extLst>
+          </p:cNvPr>
+          <p:cNvSpPr txBox="1">
+            <a:spLocks/>
+          </p:cNvSpPr>
+          <p:nvPr/>
+        </p:nvSpPr>
+        <p:spPr>
+          <a:xfrm>
+            <a:off x="0" y="124890"/>
+            <a:ext cx="12191999" cy="646332"/>
+          </a:xfrm>
+          <a:prstGeom prst="rect">
+            <a:avLst/>
+          </a:prstGeom>
+        </p:spPr>
+        <p:txBody>
+          <a:bodyPr vert="horz" lIns="0" tIns="0" rIns="0" bIns="0" rtlCol="0" anchor="b">
+            <a:normAutofit/>
+          </a:bodyPr>
+          <a:lstStyle>
+            <a:lvl1pPr algn="l" defTabSz="914400" rtl="0" eaLnBrk="1" latinLnBrk="0" hangingPunct="1">
+              <a:lnSpc>
+                <a:spcPct val="100000"/>
+              </a:lnSpc>
+              <a:spcBef>
+                <a:spcPct val="0"/>
+              </a:spcBef>
+              <a:buNone/>
+              <a:defRPr sz="3600" b="1" i="0" kern="1200" cap="all" spc="700" baseline="0">
+                <a:solidFill>
+                  <a:schemeClr val="tx1"/>
+                </a:solidFill>
+                <a:latin typeface="+mj-lt"/>
+                <a:ea typeface="+mj-ea"/>
+                <a:cs typeface="+mj-cs"/>
+              </a:defRPr>
+            </a:lvl1pPr>
+          </a:lstStyle>
+          <a:p>
+            <a:pPr algn="ctr"/>
+            <a:r>
+              <a:rPr lang="en-US" sz="2800" dirty="0"/>
+              <a:t>Feature engineering</a:t>
+            </a:r>
+          </a:p>
+        </p:txBody>
+      </p:sp>
+      <p:sp>
+        <p:nvSpPr>
+          <p:cNvPr id="2" name="Date Placeholder 1">
+            <a:extLst>
+              <a:ext uri="{FF2B5EF4-FFF2-40B4-BE49-F238E27FC236}">
+                <a16:creationId xmlns:a16="http://schemas.microsoft.com/office/drawing/2014/main" id="{F2E910AF-C8EF-8D47-B239-6FACEE7AE111}"/>
+              </a:ext>
+            </a:extLst>
+          </p:cNvPr>
+          <p:cNvSpPr>
+            <a:spLocks noGrp="1"/>
+          </p:cNvSpPr>
+          <p:nvPr>
+            <p:ph type="dt" sz="half" idx="10"/>
+          </p:nvPr>
+        </p:nvSpPr>
+        <p:spPr/>
+        <p:txBody>
+          <a:bodyPr/>
+          <a:lstStyle/>
+          <a:p>
+            <a:fld id="{9115964E-2F02-3743-9AD0-D4ED663B2E40}" type="datetime2">
+              <a:rPr lang="en-US" smtClean="0"/>
+              <a:t>Thursday, November 17, 2022</a:t>
             </a:fld>
             <a:endParaRPr lang="en-US"/>
           </a:p>
@@ -20094,7 +23216,830 @@
     </p:spTree>
     <p:extLst>
       <p:ext uri="{BB962C8B-B14F-4D97-AF65-F5344CB8AC3E}">
-        <p14:creationId xmlns:p14="http://schemas.microsoft.com/office/powerpoint/2010/main" val="3176021614"/>
+        <p14:creationId xmlns:p14="http://schemas.microsoft.com/office/powerpoint/2010/main" val="348920350"/>
+      </p:ext>
+    </p:extLst>
+  </p:cSld>
+  <p:clrMapOvr>
+    <a:masterClrMapping/>
+  </p:clrMapOvr>
+</p:sld>
+</file>
+
+<file path=ppt/slides/slide6.xml><?xml version="1.0" encoding="utf-8"?>
+<p:sld xmlns:a="http://schemas.openxmlformats.org/drawingml/2006/main" xmlns:r="http://schemas.openxmlformats.org/officeDocument/2006/relationships" xmlns:p="http://schemas.openxmlformats.org/presentationml/2006/main">
+  <p:cSld>
+    <p:spTree>
+      <p:nvGrpSpPr>
+        <p:cNvPr id="1" name=""/>
+        <p:cNvGrpSpPr/>
+        <p:nvPr/>
+      </p:nvGrpSpPr>
+      <p:grpSpPr>
+        <a:xfrm>
+          <a:off x="0" y="0"/>
+          <a:ext cx="0" cy="0"/>
+          <a:chOff x="0" y="0"/>
+          <a:chExt cx="0" cy="0"/>
+        </a:xfrm>
+      </p:grpSpPr>
+      <p:sp>
+        <p:nvSpPr>
+          <p:cNvPr id="4" name="Slide Number Placeholder 3">
+            <a:extLst>
+              <a:ext uri="{FF2B5EF4-FFF2-40B4-BE49-F238E27FC236}">
+                <a16:creationId xmlns:a16="http://schemas.microsoft.com/office/drawing/2014/main" id="{326C3F09-2684-030A-86F2-2E497E6FC26B}"/>
+              </a:ext>
+            </a:extLst>
+          </p:cNvPr>
+          <p:cNvSpPr>
+            <a:spLocks noGrp="1"/>
+          </p:cNvSpPr>
+          <p:nvPr>
+            <p:ph type="sldNum" sz="quarter" idx="12"/>
+          </p:nvPr>
+        </p:nvSpPr>
+        <p:spPr/>
+        <p:txBody>
+          <a:bodyPr/>
+          <a:lstStyle/>
+          <a:p>
+            <a:fld id="{C01389E6-C847-4AD0-B56D-D205B2EAB1EE}" type="slidenum">
+              <a:rPr lang="en-US" smtClean="0"/>
+              <a:t>6</a:t>
+            </a:fld>
+            <a:endParaRPr lang="en-US"/>
+          </a:p>
+        </p:txBody>
+      </p:sp>
+      <p:sp>
+        <p:nvSpPr>
+          <p:cNvPr id="6" name="Title 1">
+            <a:extLst>
+              <a:ext uri="{FF2B5EF4-FFF2-40B4-BE49-F238E27FC236}">
+                <a16:creationId xmlns:a16="http://schemas.microsoft.com/office/drawing/2014/main" id="{F1B862D1-951B-E5D5-CE81-BC3ACEC09815}"/>
+              </a:ext>
+            </a:extLst>
+          </p:cNvPr>
+          <p:cNvSpPr txBox="1">
+            <a:spLocks/>
+          </p:cNvSpPr>
+          <p:nvPr/>
+        </p:nvSpPr>
+        <p:spPr>
+          <a:xfrm>
+            <a:off x="3640303" y="124890"/>
+            <a:ext cx="4911393" cy="646332"/>
+          </a:xfrm>
+          <a:prstGeom prst="rect">
+            <a:avLst/>
+          </a:prstGeom>
+        </p:spPr>
+        <p:txBody>
+          <a:bodyPr vert="horz" lIns="0" tIns="0" rIns="0" bIns="0" rtlCol="0" anchor="b">
+            <a:normAutofit/>
+          </a:bodyPr>
+          <a:lstStyle>
+            <a:lvl1pPr algn="l" defTabSz="914400" rtl="0" eaLnBrk="1" latinLnBrk="0" hangingPunct="1">
+              <a:lnSpc>
+                <a:spcPct val="100000"/>
+              </a:lnSpc>
+              <a:spcBef>
+                <a:spcPct val="0"/>
+              </a:spcBef>
+              <a:buNone/>
+              <a:defRPr sz="3600" b="1" i="0" kern="1200" cap="all" spc="700" baseline="0">
+                <a:solidFill>
+                  <a:schemeClr val="tx1"/>
+                </a:solidFill>
+                <a:latin typeface="+mj-lt"/>
+                <a:ea typeface="+mj-ea"/>
+                <a:cs typeface="+mj-cs"/>
+              </a:defRPr>
+            </a:lvl1pPr>
+          </a:lstStyle>
+          <a:p>
+            <a:pPr algn="ctr"/>
+            <a:r>
+              <a:rPr lang="en-US" sz="2800" dirty="0"/>
+              <a:t>Pipeline</a:t>
+            </a:r>
+          </a:p>
+        </p:txBody>
+      </p:sp>
+      <p:pic>
+        <p:nvPicPr>
+          <p:cNvPr id="10" name="Content Placeholder 9" descr="Text&#10;&#10;Description automatically generated">
+            <a:extLst>
+              <a:ext uri="{FF2B5EF4-FFF2-40B4-BE49-F238E27FC236}">
+                <a16:creationId xmlns:a16="http://schemas.microsoft.com/office/drawing/2014/main" id="{D93224EF-599C-9A45-8E0E-D45C826BF124}"/>
+              </a:ext>
+            </a:extLst>
+          </p:cNvPr>
+          <p:cNvPicPr>
+            <a:picLocks noGrp="1" noChangeAspect="1"/>
+          </p:cNvPicPr>
+          <p:nvPr>
+            <p:ph idx="1"/>
+          </p:nvPr>
+        </p:nvPicPr>
+        <p:blipFill>
+          <a:blip r:embed="rId2">
+            <a:extLst>
+              <a:ext uri="{28A0092B-C50C-407E-A947-70E740481C1C}">
+                <a14:useLocalDpi xmlns:a14="http://schemas.microsoft.com/office/drawing/2010/main" val="0"/>
+              </a:ext>
+            </a:extLst>
+          </a:blip>
+          <a:stretch>
+            <a:fillRect/>
+          </a:stretch>
+        </p:blipFill>
+        <p:spPr>
+          <a:xfrm>
+            <a:off x="3150853" y="1449387"/>
+            <a:ext cx="5890291" cy="3959225"/>
+          </a:xfrm>
+        </p:spPr>
+      </p:pic>
+      <p:sp>
+        <p:nvSpPr>
+          <p:cNvPr id="2" name="Date Placeholder 1">
+            <a:extLst>
+              <a:ext uri="{FF2B5EF4-FFF2-40B4-BE49-F238E27FC236}">
+                <a16:creationId xmlns:a16="http://schemas.microsoft.com/office/drawing/2014/main" id="{B90B15FC-821F-0147-89AF-4EF9FC24B797}"/>
+              </a:ext>
+            </a:extLst>
+          </p:cNvPr>
+          <p:cNvSpPr>
+            <a:spLocks noGrp="1"/>
+          </p:cNvSpPr>
+          <p:nvPr>
+            <p:ph type="dt" sz="half" idx="10"/>
+          </p:nvPr>
+        </p:nvSpPr>
+        <p:spPr/>
+        <p:txBody>
+          <a:bodyPr/>
+          <a:lstStyle/>
+          <a:p>
+            <a:fld id="{3DDC487E-3176-9F4B-8EBF-BC218FFC2F4F}" type="datetime2">
+              <a:rPr lang="en-US" smtClean="0"/>
+              <a:t>Thursday, November 17, 2022</a:t>
+            </a:fld>
+            <a:endParaRPr lang="en-US"/>
+          </a:p>
+        </p:txBody>
+      </p:sp>
+    </p:spTree>
+    <p:extLst>
+      <p:ext uri="{BB962C8B-B14F-4D97-AF65-F5344CB8AC3E}">
+        <p14:creationId xmlns:p14="http://schemas.microsoft.com/office/powerpoint/2010/main" val="400366635"/>
+      </p:ext>
+    </p:extLst>
+  </p:cSld>
+  <p:clrMapOvr>
+    <a:masterClrMapping/>
+  </p:clrMapOvr>
+</p:sld>
+</file>
+
+<file path=ppt/slides/slide7.xml><?xml version="1.0" encoding="utf-8"?>
+<p:sld xmlns:a="http://schemas.openxmlformats.org/drawingml/2006/main" xmlns:r="http://schemas.openxmlformats.org/officeDocument/2006/relationships" xmlns:p="http://schemas.openxmlformats.org/presentationml/2006/main">
+  <p:cSld>
+    <p:spTree>
+      <p:nvGrpSpPr>
+        <p:cNvPr id="1" name=""/>
+        <p:cNvGrpSpPr/>
+        <p:nvPr/>
+      </p:nvGrpSpPr>
+      <p:grpSpPr>
+        <a:xfrm>
+          <a:off x="0" y="0"/>
+          <a:ext cx="0" cy="0"/>
+          <a:chOff x="0" y="0"/>
+          <a:chExt cx="0" cy="0"/>
+        </a:xfrm>
+      </p:grpSpPr>
+      <p:pic>
+        <p:nvPicPr>
+          <p:cNvPr id="11" name="Picture 10" descr="Chart&#10;&#10;Description automatically generated">
+            <a:extLst>
+              <a:ext uri="{FF2B5EF4-FFF2-40B4-BE49-F238E27FC236}">
+                <a16:creationId xmlns:a16="http://schemas.microsoft.com/office/drawing/2014/main" id="{44A78AF6-D75F-3441-856A-8B9C81E88890}"/>
+              </a:ext>
+            </a:extLst>
+          </p:cNvPr>
+          <p:cNvPicPr>
+            <a:picLocks noChangeAspect="1"/>
+          </p:cNvPicPr>
+          <p:nvPr/>
+        </p:nvPicPr>
+        <p:blipFill>
+          <a:blip r:embed="rId2">
+            <a:extLst>
+              <a:ext uri="{28A0092B-C50C-407E-A947-70E740481C1C}">
+                <a14:useLocalDpi xmlns:a14="http://schemas.microsoft.com/office/drawing/2010/main" val="0"/>
+              </a:ext>
+            </a:extLst>
+          </a:blip>
+          <a:stretch>
+            <a:fillRect/>
+          </a:stretch>
+        </p:blipFill>
+        <p:spPr>
+          <a:xfrm>
+            <a:off x="94075" y="1112448"/>
+            <a:ext cx="7357805" cy="2213549"/>
+          </a:xfrm>
+          <a:prstGeom prst="rect">
+            <a:avLst/>
+          </a:prstGeom>
+        </p:spPr>
+      </p:pic>
+      <p:pic>
+        <p:nvPicPr>
+          <p:cNvPr id="13" name="Picture 12" descr="Graphical user interface, text, application&#10;&#10;Description automatically generated">
+            <a:extLst>
+              <a:ext uri="{FF2B5EF4-FFF2-40B4-BE49-F238E27FC236}">
+                <a16:creationId xmlns:a16="http://schemas.microsoft.com/office/drawing/2014/main" id="{9DE26800-EB02-2D4A-B815-5CC9985BD2D6}"/>
+              </a:ext>
+            </a:extLst>
+          </p:cNvPr>
+          <p:cNvPicPr>
+            <a:picLocks noChangeAspect="1"/>
+          </p:cNvPicPr>
+          <p:nvPr/>
+        </p:nvPicPr>
+        <p:blipFill>
+          <a:blip r:embed="rId3">
+            <a:extLst>
+              <a:ext uri="{28A0092B-C50C-407E-A947-70E740481C1C}">
+                <a14:useLocalDpi xmlns:a14="http://schemas.microsoft.com/office/drawing/2010/main" val="0"/>
+              </a:ext>
+            </a:extLst>
+          </a:blip>
+          <a:stretch>
+            <a:fillRect/>
+          </a:stretch>
+        </p:blipFill>
+        <p:spPr>
+          <a:xfrm>
+            <a:off x="94075" y="3501162"/>
+            <a:ext cx="7357805" cy="2213549"/>
+          </a:xfrm>
+          <a:prstGeom prst="rect">
+            <a:avLst/>
+          </a:prstGeom>
+        </p:spPr>
+      </p:pic>
+      <p:sp>
+        <p:nvSpPr>
+          <p:cNvPr id="4" name="Slide Number Placeholder 3">
+            <a:extLst>
+              <a:ext uri="{FF2B5EF4-FFF2-40B4-BE49-F238E27FC236}">
+                <a16:creationId xmlns:a16="http://schemas.microsoft.com/office/drawing/2014/main" id="{2DDFA58D-5C3F-15DA-B82D-DAD924357583}"/>
+              </a:ext>
+            </a:extLst>
+          </p:cNvPr>
+          <p:cNvSpPr>
+            <a:spLocks noGrp="1"/>
+          </p:cNvSpPr>
+          <p:nvPr>
+            <p:ph type="sldNum" sz="quarter" idx="12"/>
+          </p:nvPr>
+        </p:nvSpPr>
+        <p:spPr/>
+        <p:txBody>
+          <a:bodyPr/>
+          <a:lstStyle/>
+          <a:p>
+            <a:fld id="{C01389E6-C847-4AD0-B56D-D205B2EAB1EE}" type="slidenum">
+              <a:rPr lang="en-US" smtClean="0"/>
+              <a:t>7</a:t>
+            </a:fld>
+            <a:endParaRPr lang="en-US"/>
+          </a:p>
+        </p:txBody>
+      </p:sp>
+      <p:pic>
+        <p:nvPicPr>
+          <p:cNvPr id="9" name="Picture 8" descr="Chart, bar chart&#10;&#10;Description automatically generated">
+            <a:extLst>
+              <a:ext uri="{FF2B5EF4-FFF2-40B4-BE49-F238E27FC236}">
+                <a16:creationId xmlns:a16="http://schemas.microsoft.com/office/drawing/2014/main" id="{53216E97-8E99-48B2-F798-E3825B38E0DA}"/>
+              </a:ext>
+            </a:extLst>
+          </p:cNvPr>
+          <p:cNvPicPr>
+            <a:picLocks noChangeAspect="1"/>
+          </p:cNvPicPr>
+          <p:nvPr/>
+        </p:nvPicPr>
+        <p:blipFill>
+          <a:blip r:embed="rId4">
+            <a:extLst>
+              <a:ext uri="{28A0092B-C50C-407E-A947-70E740481C1C}">
+                <a14:useLocalDpi xmlns:a14="http://schemas.microsoft.com/office/drawing/2010/main" val="0"/>
+              </a:ext>
+            </a:extLst>
+          </a:blip>
+          <a:stretch>
+            <a:fillRect/>
+          </a:stretch>
+        </p:blipFill>
+        <p:spPr>
+          <a:xfrm>
+            <a:off x="7748062" y="1352007"/>
+            <a:ext cx="4358594" cy="4298310"/>
+          </a:xfrm>
+          <a:prstGeom prst="rect">
+            <a:avLst/>
+          </a:prstGeom>
+        </p:spPr>
+      </p:pic>
+      <p:sp>
+        <p:nvSpPr>
+          <p:cNvPr id="12" name="Title 1">
+            <a:extLst>
+              <a:ext uri="{FF2B5EF4-FFF2-40B4-BE49-F238E27FC236}">
+                <a16:creationId xmlns:a16="http://schemas.microsoft.com/office/drawing/2014/main" id="{FF9A5B6B-BC15-C614-8E29-AB7C9D507FC4}"/>
+              </a:ext>
+            </a:extLst>
+          </p:cNvPr>
+          <p:cNvSpPr txBox="1">
+            <a:spLocks/>
+          </p:cNvSpPr>
+          <p:nvPr/>
+        </p:nvSpPr>
+        <p:spPr>
+          <a:xfrm>
+            <a:off x="3640303" y="124890"/>
+            <a:ext cx="4911393" cy="646332"/>
+          </a:xfrm>
+          <a:prstGeom prst="rect">
+            <a:avLst/>
+          </a:prstGeom>
+        </p:spPr>
+        <p:txBody>
+          <a:bodyPr vert="horz" lIns="0" tIns="0" rIns="0" bIns="0" rtlCol="0" anchor="b">
+            <a:normAutofit/>
+          </a:bodyPr>
+          <a:lstStyle>
+            <a:lvl1pPr algn="l" defTabSz="914400" rtl="0" eaLnBrk="1" latinLnBrk="0" hangingPunct="1">
+              <a:lnSpc>
+                <a:spcPct val="100000"/>
+              </a:lnSpc>
+              <a:spcBef>
+                <a:spcPct val="0"/>
+              </a:spcBef>
+              <a:buNone/>
+              <a:defRPr sz="3600" b="1" i="0" kern="1200" cap="all" spc="700" baseline="0">
+                <a:solidFill>
+                  <a:schemeClr val="tx1"/>
+                </a:solidFill>
+                <a:latin typeface="+mj-lt"/>
+                <a:ea typeface="+mj-ea"/>
+                <a:cs typeface="+mj-cs"/>
+              </a:defRPr>
+            </a:lvl1pPr>
+          </a:lstStyle>
+          <a:p>
+            <a:pPr algn="ctr"/>
+            <a:r>
+              <a:rPr lang="en-US" sz="2800" dirty="0"/>
+              <a:t>Features Graphs</a:t>
+            </a:r>
+          </a:p>
+        </p:txBody>
+      </p:sp>
+      <p:sp>
+        <p:nvSpPr>
+          <p:cNvPr id="2" name="Date Placeholder 1">
+            <a:extLst>
+              <a:ext uri="{FF2B5EF4-FFF2-40B4-BE49-F238E27FC236}">
+                <a16:creationId xmlns:a16="http://schemas.microsoft.com/office/drawing/2014/main" id="{58C13BA5-BC2E-564D-BEC1-78F25FC309AE}"/>
+              </a:ext>
+            </a:extLst>
+          </p:cNvPr>
+          <p:cNvSpPr>
+            <a:spLocks noGrp="1"/>
+          </p:cNvSpPr>
+          <p:nvPr>
+            <p:ph type="dt" sz="half" idx="10"/>
+          </p:nvPr>
+        </p:nvSpPr>
+        <p:spPr/>
+        <p:txBody>
+          <a:bodyPr/>
+          <a:lstStyle/>
+          <a:p>
+            <a:fld id="{2BC653E2-3771-624B-ACAF-1BBD21EA7C7A}" type="datetime2">
+              <a:rPr lang="en-US" smtClean="0"/>
+              <a:t>Thursday, November 17, 2022</a:t>
+            </a:fld>
+            <a:endParaRPr lang="en-US"/>
+          </a:p>
+        </p:txBody>
+      </p:sp>
+    </p:spTree>
+    <p:extLst>
+      <p:ext uri="{BB962C8B-B14F-4D97-AF65-F5344CB8AC3E}">
+        <p14:creationId xmlns:p14="http://schemas.microsoft.com/office/powerpoint/2010/main" val="2126301987"/>
+      </p:ext>
+    </p:extLst>
+  </p:cSld>
+  <p:clrMapOvr>
+    <a:masterClrMapping/>
+  </p:clrMapOvr>
+</p:sld>
+</file>
+
+<file path=ppt/slides/slide8.xml><?xml version="1.0" encoding="utf-8"?>
+<p:sld xmlns:a="http://schemas.openxmlformats.org/drawingml/2006/main" xmlns:r="http://schemas.openxmlformats.org/officeDocument/2006/relationships" xmlns:p="http://schemas.openxmlformats.org/presentationml/2006/main">
+  <p:cSld>
+    <p:spTree>
+      <p:nvGrpSpPr>
+        <p:cNvPr id="1" name=""/>
+        <p:cNvGrpSpPr/>
+        <p:nvPr/>
+      </p:nvGrpSpPr>
+      <p:grpSpPr>
+        <a:xfrm>
+          <a:off x="0" y="0"/>
+          <a:ext cx="0" cy="0"/>
+          <a:chOff x="0" y="0"/>
+          <a:chExt cx="0" cy="0"/>
+        </a:xfrm>
+      </p:grpSpPr>
+      <p:pic>
+        <p:nvPicPr>
+          <p:cNvPr id="5" name="Picture 4" descr="Chart, bar chart&#10;&#10;Description automatically generated">
+            <a:extLst>
+              <a:ext uri="{FF2B5EF4-FFF2-40B4-BE49-F238E27FC236}">
+                <a16:creationId xmlns:a16="http://schemas.microsoft.com/office/drawing/2014/main" id="{5C20F29A-319C-304C-8975-55B4A2D7E67C}"/>
+              </a:ext>
+            </a:extLst>
+          </p:cNvPr>
+          <p:cNvPicPr>
+            <a:picLocks noChangeAspect="1"/>
+          </p:cNvPicPr>
+          <p:nvPr/>
+        </p:nvPicPr>
+        <p:blipFill>
+          <a:blip r:embed="rId2">
+            <a:extLst>
+              <a:ext uri="{28A0092B-C50C-407E-A947-70E740481C1C}">
+                <a14:useLocalDpi xmlns:a14="http://schemas.microsoft.com/office/drawing/2010/main" val="0"/>
+              </a:ext>
+            </a:extLst>
+          </a:blip>
+          <a:stretch>
+            <a:fillRect/>
+          </a:stretch>
+        </p:blipFill>
+        <p:spPr>
+          <a:xfrm>
+            <a:off x="2907100" y="408912"/>
+            <a:ext cx="7125421" cy="5829890"/>
+          </a:xfrm>
+          <a:prstGeom prst="rect">
+            <a:avLst/>
+          </a:prstGeom>
+        </p:spPr>
+      </p:pic>
+      <p:sp>
+        <p:nvSpPr>
+          <p:cNvPr id="4" name="Slide Number Placeholder 3">
+            <a:extLst>
+              <a:ext uri="{FF2B5EF4-FFF2-40B4-BE49-F238E27FC236}">
+                <a16:creationId xmlns:a16="http://schemas.microsoft.com/office/drawing/2014/main" id="{8C3ED890-F0A7-86EC-4435-8297D4902925}"/>
+              </a:ext>
+            </a:extLst>
+          </p:cNvPr>
+          <p:cNvSpPr>
+            <a:spLocks noGrp="1"/>
+          </p:cNvSpPr>
+          <p:nvPr>
+            <p:ph type="sldNum" sz="quarter" idx="12"/>
+          </p:nvPr>
+        </p:nvSpPr>
+        <p:spPr/>
+        <p:txBody>
+          <a:bodyPr/>
+          <a:lstStyle/>
+          <a:p>
+            <a:fld id="{C01389E6-C847-4AD0-B56D-D205B2EAB1EE}" type="slidenum">
+              <a:rPr lang="en-US" smtClean="0"/>
+              <a:t>8</a:t>
+            </a:fld>
+            <a:endParaRPr lang="en-US"/>
+          </a:p>
+        </p:txBody>
+      </p:sp>
+      <p:sp>
+        <p:nvSpPr>
+          <p:cNvPr id="6" name="Title 1">
+            <a:extLst>
+              <a:ext uri="{FF2B5EF4-FFF2-40B4-BE49-F238E27FC236}">
+                <a16:creationId xmlns:a16="http://schemas.microsoft.com/office/drawing/2014/main" id="{BF7D77DB-65D9-3404-1BE4-DF757B9A5664}"/>
+              </a:ext>
+            </a:extLst>
+          </p:cNvPr>
+          <p:cNvSpPr txBox="1">
+            <a:spLocks/>
+          </p:cNvSpPr>
+          <p:nvPr/>
+        </p:nvSpPr>
+        <p:spPr>
+          <a:xfrm>
+            <a:off x="3640303" y="124890"/>
+            <a:ext cx="4911393" cy="646332"/>
+          </a:xfrm>
+          <a:prstGeom prst="rect">
+            <a:avLst/>
+          </a:prstGeom>
+        </p:spPr>
+        <p:txBody>
+          <a:bodyPr vert="horz" lIns="0" tIns="0" rIns="0" bIns="0" rtlCol="0" anchor="b">
+            <a:normAutofit/>
+          </a:bodyPr>
+          <a:lstStyle>
+            <a:lvl1pPr algn="l" defTabSz="914400" rtl="0" eaLnBrk="1" latinLnBrk="0" hangingPunct="1">
+              <a:lnSpc>
+                <a:spcPct val="100000"/>
+              </a:lnSpc>
+              <a:spcBef>
+                <a:spcPct val="0"/>
+              </a:spcBef>
+              <a:buNone/>
+              <a:defRPr sz="3600" b="1" i="0" kern="1200" cap="all" spc="700" baseline="0">
+                <a:solidFill>
+                  <a:schemeClr val="tx1"/>
+                </a:solidFill>
+                <a:latin typeface="+mj-lt"/>
+                <a:ea typeface="+mj-ea"/>
+                <a:cs typeface="+mj-cs"/>
+              </a:defRPr>
+            </a:lvl1pPr>
+          </a:lstStyle>
+          <a:p>
+            <a:pPr algn="ctr"/>
+            <a:r>
+              <a:rPr lang="en-US" sz="2800" dirty="0"/>
+              <a:t>New features</a:t>
+            </a:r>
+          </a:p>
+        </p:txBody>
+      </p:sp>
+      <p:sp>
+        <p:nvSpPr>
+          <p:cNvPr id="2" name="Date Placeholder 1">
+            <a:extLst>
+              <a:ext uri="{FF2B5EF4-FFF2-40B4-BE49-F238E27FC236}">
+                <a16:creationId xmlns:a16="http://schemas.microsoft.com/office/drawing/2014/main" id="{38D795B2-9B53-DC46-A9C2-F00DF8EC1C86}"/>
+              </a:ext>
+            </a:extLst>
+          </p:cNvPr>
+          <p:cNvSpPr>
+            <a:spLocks noGrp="1"/>
+          </p:cNvSpPr>
+          <p:nvPr>
+            <p:ph type="dt" sz="half" idx="10"/>
+          </p:nvPr>
+        </p:nvSpPr>
+        <p:spPr/>
+        <p:txBody>
+          <a:bodyPr/>
+          <a:lstStyle/>
+          <a:p>
+            <a:fld id="{ADDFBA69-2883-EA40-BF51-51557F562900}" type="datetime2">
+              <a:rPr lang="en-US" smtClean="0"/>
+              <a:t>Thursday, November 17, 2022</a:t>
+            </a:fld>
+            <a:endParaRPr lang="en-US"/>
+          </a:p>
+        </p:txBody>
+      </p:sp>
+    </p:spTree>
+    <p:extLst>
+      <p:ext uri="{BB962C8B-B14F-4D97-AF65-F5344CB8AC3E}">
+        <p14:creationId xmlns:p14="http://schemas.microsoft.com/office/powerpoint/2010/main" val="3115864589"/>
+      </p:ext>
+    </p:extLst>
+  </p:cSld>
+  <p:clrMapOvr>
+    <a:masterClrMapping/>
+  </p:clrMapOvr>
+</p:sld>
+</file>
+
+<file path=ppt/slides/slide9.xml><?xml version="1.0" encoding="utf-8"?>
+<p:sld xmlns:a="http://schemas.openxmlformats.org/drawingml/2006/main" xmlns:r="http://schemas.openxmlformats.org/officeDocument/2006/relationships" xmlns:p="http://schemas.openxmlformats.org/presentationml/2006/main">
+  <p:cSld>
+    <p:spTree>
+      <p:nvGrpSpPr>
+        <p:cNvPr id="1" name=""/>
+        <p:cNvGrpSpPr/>
+        <p:nvPr/>
+      </p:nvGrpSpPr>
+      <p:grpSpPr>
+        <a:xfrm>
+          <a:off x="0" y="0"/>
+          <a:ext cx="0" cy="0"/>
+          <a:chOff x="0" y="0"/>
+          <a:chExt cx="0" cy="0"/>
+        </a:xfrm>
+      </p:grpSpPr>
+      <p:pic>
+        <p:nvPicPr>
+          <p:cNvPr id="5" name="Picture 4" descr="Chart&#10;&#10;Description automatically generated">
+            <a:extLst>
+              <a:ext uri="{FF2B5EF4-FFF2-40B4-BE49-F238E27FC236}">
+                <a16:creationId xmlns:a16="http://schemas.microsoft.com/office/drawing/2014/main" id="{68D157D5-1132-3545-8903-67071F290F6C}"/>
+              </a:ext>
+            </a:extLst>
+          </p:cNvPr>
+          <p:cNvPicPr>
+            <a:picLocks noChangeAspect="1"/>
+          </p:cNvPicPr>
+          <p:nvPr/>
+        </p:nvPicPr>
+        <p:blipFill>
+          <a:blip r:embed="rId2">
+            <a:extLst>
+              <a:ext uri="{28A0092B-C50C-407E-A947-70E740481C1C}">
+                <a14:useLocalDpi xmlns:a14="http://schemas.microsoft.com/office/drawing/2010/main" val="0"/>
+              </a:ext>
+            </a:extLst>
+          </a:blip>
+          <a:stretch>
+            <a:fillRect/>
+          </a:stretch>
+        </p:blipFill>
+        <p:spPr>
+          <a:xfrm>
+            <a:off x="881379" y="808390"/>
+            <a:ext cx="10591800" cy="2857500"/>
+          </a:xfrm>
+          <a:prstGeom prst="rect">
+            <a:avLst/>
+          </a:prstGeom>
+        </p:spPr>
+      </p:pic>
+      <p:pic>
+        <p:nvPicPr>
+          <p:cNvPr id="7" name="Picture 6" descr="Chart, line chart&#10;&#10;Description automatically generated">
+            <a:extLst>
+              <a:ext uri="{FF2B5EF4-FFF2-40B4-BE49-F238E27FC236}">
+                <a16:creationId xmlns:a16="http://schemas.microsoft.com/office/drawing/2014/main" id="{76416F6E-84A4-2E4F-8C77-BE5E4F0EFC86}"/>
+              </a:ext>
+            </a:extLst>
+          </p:cNvPr>
+          <p:cNvPicPr>
+            <a:picLocks noChangeAspect="1"/>
+          </p:cNvPicPr>
+          <p:nvPr/>
+        </p:nvPicPr>
+        <p:blipFill>
+          <a:blip r:embed="rId3">
+            <a:extLst>
+              <a:ext uri="{28A0092B-C50C-407E-A947-70E740481C1C}">
+                <a14:useLocalDpi xmlns:a14="http://schemas.microsoft.com/office/drawing/2010/main" val="0"/>
+              </a:ext>
+            </a:extLst>
+          </a:blip>
+          <a:stretch>
+            <a:fillRect/>
+          </a:stretch>
+        </p:blipFill>
+        <p:spPr>
+          <a:xfrm>
+            <a:off x="881379" y="3486663"/>
+            <a:ext cx="10591800" cy="2857500"/>
+          </a:xfrm>
+          <a:prstGeom prst="rect">
+            <a:avLst/>
+          </a:prstGeom>
+        </p:spPr>
+      </p:pic>
+      <p:sp>
+        <p:nvSpPr>
+          <p:cNvPr id="4" name="Slide Number Placeholder 3">
+            <a:extLst>
+              <a:ext uri="{FF2B5EF4-FFF2-40B4-BE49-F238E27FC236}">
+                <a16:creationId xmlns:a16="http://schemas.microsoft.com/office/drawing/2014/main" id="{B645C9CB-E69E-CC88-86D6-D20A89A3194E}"/>
+              </a:ext>
+            </a:extLst>
+          </p:cNvPr>
+          <p:cNvSpPr>
+            <a:spLocks noGrp="1"/>
+          </p:cNvSpPr>
+          <p:nvPr>
+            <p:ph type="sldNum" sz="quarter" idx="12"/>
+          </p:nvPr>
+        </p:nvSpPr>
+        <p:spPr/>
+        <p:txBody>
+          <a:bodyPr/>
+          <a:lstStyle/>
+          <a:p>
+            <a:fld id="{C01389E6-C847-4AD0-B56D-D205B2EAB1EE}" type="slidenum">
+              <a:rPr lang="en-US" smtClean="0"/>
+              <a:t>9</a:t>
+            </a:fld>
+            <a:endParaRPr lang="en-US"/>
+          </a:p>
+        </p:txBody>
+      </p:sp>
+      <p:sp>
+        <p:nvSpPr>
+          <p:cNvPr id="6" name="Title 1">
+            <a:extLst>
+              <a:ext uri="{FF2B5EF4-FFF2-40B4-BE49-F238E27FC236}">
+                <a16:creationId xmlns:a16="http://schemas.microsoft.com/office/drawing/2014/main" id="{1B08FC8E-9DA8-B086-EC03-B48931365954}"/>
+              </a:ext>
+            </a:extLst>
+          </p:cNvPr>
+          <p:cNvSpPr txBox="1">
+            <a:spLocks/>
+          </p:cNvSpPr>
+          <p:nvPr/>
+        </p:nvSpPr>
+        <p:spPr>
+          <a:xfrm>
+            <a:off x="3640303" y="124890"/>
+            <a:ext cx="4911393" cy="646332"/>
+          </a:xfrm>
+          <a:prstGeom prst="rect">
+            <a:avLst/>
+          </a:prstGeom>
+        </p:spPr>
+        <p:txBody>
+          <a:bodyPr vert="horz" lIns="0" tIns="0" rIns="0" bIns="0" rtlCol="0" anchor="b">
+            <a:normAutofit/>
+          </a:bodyPr>
+          <a:lstStyle>
+            <a:lvl1pPr algn="l" defTabSz="914400" rtl="0" eaLnBrk="1" latinLnBrk="0" hangingPunct="1">
+              <a:lnSpc>
+                <a:spcPct val="100000"/>
+              </a:lnSpc>
+              <a:spcBef>
+                <a:spcPct val="0"/>
+              </a:spcBef>
+              <a:buNone/>
+              <a:defRPr sz="3600" b="1" i="0" kern="1200" cap="all" spc="700" baseline="0">
+                <a:solidFill>
+                  <a:schemeClr val="tx1"/>
+                </a:solidFill>
+                <a:latin typeface="+mj-lt"/>
+                <a:ea typeface="+mj-ea"/>
+                <a:cs typeface="+mj-cs"/>
+              </a:defRPr>
+            </a:lvl1pPr>
+          </a:lstStyle>
+          <a:p>
+            <a:pPr algn="ctr"/>
+            <a:r>
+              <a:rPr lang="en-US" sz="2800" dirty="0"/>
+              <a:t>Lazy predict</a:t>
+            </a:r>
+          </a:p>
+        </p:txBody>
+      </p:sp>
+      <p:sp>
+        <p:nvSpPr>
+          <p:cNvPr id="2" name="Date Placeholder 1">
+            <a:extLst>
+              <a:ext uri="{FF2B5EF4-FFF2-40B4-BE49-F238E27FC236}">
+                <a16:creationId xmlns:a16="http://schemas.microsoft.com/office/drawing/2014/main" id="{437A296A-8C20-E34E-9A95-CA428A8EA7CF}"/>
+              </a:ext>
+            </a:extLst>
+          </p:cNvPr>
+          <p:cNvSpPr>
+            <a:spLocks noGrp="1"/>
+          </p:cNvSpPr>
+          <p:nvPr>
+            <p:ph type="dt" sz="half" idx="10"/>
+          </p:nvPr>
+        </p:nvSpPr>
+        <p:spPr/>
+        <p:txBody>
+          <a:bodyPr/>
+          <a:lstStyle/>
+          <a:p>
+            <a:fld id="{8C192831-34CE-6D4C-B603-F411CB170F17}" type="datetime2">
+              <a:rPr lang="en-US" smtClean="0"/>
+              <a:t>Thursday, November 17, 2022</a:t>
+            </a:fld>
+            <a:endParaRPr lang="en-US"/>
+          </a:p>
+        </p:txBody>
+      </p:sp>
+    </p:spTree>
+    <p:extLst>
+      <p:ext uri="{BB962C8B-B14F-4D97-AF65-F5344CB8AC3E}">
+        <p14:creationId xmlns:p14="http://schemas.microsoft.com/office/powerpoint/2010/main" val="3262016136"/>
       </p:ext>
     </p:extLst>
   </p:cSld>

--- a/Slides/Slides.pptx
+++ b/Slides/Slides.pptx
@@ -6,7 +6,7 @@
     <p:sldMasterId id="2147483750" r:id="rId2"/>
   </p:sldMasterIdLst>
   <p:notesMasterIdLst>
-    <p:notesMasterId r:id="rId22"/>
+    <p:notesMasterId r:id="rId23"/>
   </p:notesMasterIdLst>
   <p:sldIdLst>
     <p:sldId id="506" r:id="rId3"/>
@@ -20,7 +20,7 @@
     <p:sldId id="263" r:id="rId11"/>
     <p:sldId id="264" r:id="rId12"/>
     <p:sldId id="265" r:id="rId13"/>
-    <p:sldId id="266" r:id="rId14"/>
+    <p:sldId id="512" r:id="rId14"/>
     <p:sldId id="267" r:id="rId15"/>
     <p:sldId id="507" r:id="rId16"/>
     <p:sldId id="269" r:id="rId17"/>
@@ -28,6 +28,7 @@
     <p:sldId id="510" r:id="rId19"/>
     <p:sldId id="511" r:id="rId20"/>
     <p:sldId id="270" r:id="rId21"/>
+    <p:sldId id="513" r:id="rId22"/>
   </p:sldIdLst>
   <p:sldSz cx="12192000" cy="6858000"/>
   <p:notesSz cx="6858000" cy="9144000"/>
@@ -2514,6 +2515,788 @@
     <dgm:fillClrLst meth="repeat">
       <a:schemeClr val="accent1">
         <a:tint val="60000"/>
+      </a:schemeClr>
+    </dgm:fillClrLst>
+    <dgm:linClrLst meth="repeat">
+      <a:schemeClr val="lt1"/>
+    </dgm:linClrLst>
+    <dgm:effectClrLst/>
+    <dgm:txLinClrLst/>
+    <dgm:txFillClrLst meth="repeat">
+      <a:schemeClr val="dk1"/>
+    </dgm:txFillClrLst>
+    <dgm:txEffectClrLst/>
+  </dgm:styleLbl>
+  <dgm:styleLbl name="revTx">
+    <dgm:fillClrLst meth="repeat">
+      <a:schemeClr val="lt1">
+        <a:alpha val="0"/>
+      </a:schemeClr>
+    </dgm:fillClrLst>
+    <dgm:linClrLst meth="repeat">
+      <a:schemeClr val="dk1">
+        <a:alpha val="0"/>
+      </a:schemeClr>
+    </dgm:linClrLst>
+    <dgm:effectClrLst/>
+    <dgm:txLinClrLst/>
+    <dgm:txFillClrLst meth="repeat">
+      <a:schemeClr val="tx1"/>
+    </dgm:txFillClrLst>
+    <dgm:txEffectClrLst/>
+  </dgm:styleLbl>
+</dgm:colorsDef>
+</file>
+
+<file path=ppt/diagrams/colors4.xml><?xml version="1.0" encoding="utf-8"?>
+<dgm:colorsDef xmlns:dgm="http://schemas.openxmlformats.org/drawingml/2006/diagram" xmlns:a="http://schemas.openxmlformats.org/drawingml/2006/main" uniqueId="urn:microsoft.com/office/officeart/2005/8/colors/colorful2">
+  <dgm:title val=""/>
+  <dgm:desc val=""/>
+  <dgm:catLst>
+    <dgm:cat type="colorful" pri="10200"/>
+  </dgm:catLst>
+  <dgm:styleLbl name="node0">
+    <dgm:fillClrLst meth="repeat">
+      <a:schemeClr val="accent1"/>
+    </dgm:fillClrLst>
+    <dgm:linClrLst meth="repeat">
+      <a:schemeClr val="lt1"/>
+    </dgm:linClrLst>
+    <dgm:effectClrLst/>
+    <dgm:txLinClrLst/>
+    <dgm:txFillClrLst/>
+    <dgm:txEffectClrLst/>
+  </dgm:styleLbl>
+  <dgm:styleLbl name="node1">
+    <dgm:fillClrLst>
+      <a:schemeClr val="accent2"/>
+      <a:schemeClr val="accent3"/>
+    </dgm:fillClrLst>
+    <dgm:linClrLst meth="repeat">
+      <a:schemeClr val="lt1"/>
+    </dgm:linClrLst>
+    <dgm:effectClrLst/>
+    <dgm:txLinClrLst/>
+    <dgm:txFillClrLst/>
+    <dgm:txEffectClrLst/>
+  </dgm:styleLbl>
+  <dgm:styleLbl name="alignNode1">
+    <dgm:fillClrLst>
+      <a:schemeClr val="accent2"/>
+      <a:schemeClr val="accent3"/>
+    </dgm:fillClrLst>
+    <dgm:linClrLst>
+      <a:schemeClr val="accent2"/>
+      <a:schemeClr val="accent3"/>
+    </dgm:linClrLst>
+    <dgm:effectClrLst/>
+    <dgm:txLinClrLst/>
+    <dgm:txFillClrLst/>
+    <dgm:txEffectClrLst/>
+  </dgm:styleLbl>
+  <dgm:styleLbl name="lnNode1">
+    <dgm:fillClrLst>
+      <a:schemeClr val="accent2"/>
+      <a:schemeClr val="accent3"/>
+    </dgm:fillClrLst>
+    <dgm:linClrLst meth="repeat">
+      <a:schemeClr val="lt1"/>
+    </dgm:linClrLst>
+    <dgm:effectClrLst/>
+    <dgm:txLinClrLst/>
+    <dgm:txFillClrLst/>
+    <dgm:txEffectClrLst/>
+  </dgm:styleLbl>
+  <dgm:styleLbl name="vennNode1">
+    <dgm:fillClrLst>
+      <a:schemeClr val="accent2">
+        <a:alpha val="50000"/>
+      </a:schemeClr>
+      <a:schemeClr val="accent3">
+        <a:alpha val="50000"/>
+      </a:schemeClr>
+    </dgm:fillClrLst>
+    <dgm:linClrLst meth="repeat">
+      <a:schemeClr val="lt1"/>
+    </dgm:linClrLst>
+    <dgm:effectClrLst/>
+    <dgm:txLinClrLst/>
+    <dgm:txFillClrLst/>
+    <dgm:txEffectClrLst/>
+  </dgm:styleLbl>
+  <dgm:styleLbl name="node2">
+    <dgm:fillClrLst>
+      <a:schemeClr val="accent3"/>
+    </dgm:fillClrLst>
+    <dgm:linClrLst meth="repeat">
+      <a:schemeClr val="lt1"/>
+    </dgm:linClrLst>
+    <dgm:effectClrLst/>
+    <dgm:txLinClrLst/>
+    <dgm:txFillClrLst/>
+    <dgm:txEffectClrLst/>
+  </dgm:styleLbl>
+  <dgm:styleLbl name="node3">
+    <dgm:fillClrLst>
+      <a:schemeClr val="accent4"/>
+    </dgm:fillClrLst>
+    <dgm:linClrLst meth="repeat">
+      <a:schemeClr val="lt1"/>
+    </dgm:linClrLst>
+    <dgm:effectClrLst/>
+    <dgm:txLinClrLst/>
+    <dgm:txFillClrLst/>
+    <dgm:txEffectClrLst/>
+  </dgm:styleLbl>
+  <dgm:styleLbl name="node4">
+    <dgm:fillClrLst>
+      <a:schemeClr val="accent5"/>
+    </dgm:fillClrLst>
+    <dgm:linClrLst meth="repeat">
+      <a:schemeClr val="lt1"/>
+    </dgm:linClrLst>
+    <dgm:effectClrLst/>
+    <dgm:txLinClrLst/>
+    <dgm:txFillClrLst/>
+    <dgm:txEffectClrLst/>
+  </dgm:styleLbl>
+  <dgm:styleLbl name="fgImgPlace1">
+    <dgm:fillClrLst>
+      <a:schemeClr val="accent2">
+        <a:tint val="50000"/>
+      </a:schemeClr>
+      <a:schemeClr val="accent3">
+        <a:tint val="50000"/>
+      </a:schemeClr>
+    </dgm:fillClrLst>
+    <dgm:linClrLst meth="repeat">
+      <a:schemeClr val="lt1"/>
+    </dgm:linClrLst>
+    <dgm:effectClrLst/>
+    <dgm:txLinClrLst/>
+    <dgm:txFillClrLst meth="repeat">
+      <a:schemeClr val="lt1"/>
+    </dgm:txFillClrLst>
+    <dgm:txEffectClrLst/>
+  </dgm:styleLbl>
+  <dgm:styleLbl name="alignImgPlace1">
+    <dgm:fillClrLst>
+      <a:schemeClr val="accent2">
+        <a:tint val="50000"/>
+      </a:schemeClr>
+      <a:schemeClr val="accent3">
+        <a:tint val="20000"/>
+      </a:schemeClr>
+    </dgm:fillClrLst>
+    <dgm:linClrLst meth="repeat">
+      <a:schemeClr val="lt1"/>
+    </dgm:linClrLst>
+    <dgm:effectClrLst/>
+    <dgm:txLinClrLst/>
+    <dgm:txFillClrLst meth="repeat">
+      <a:schemeClr val="lt1"/>
+    </dgm:txFillClrLst>
+    <dgm:txEffectClrLst/>
+  </dgm:styleLbl>
+  <dgm:styleLbl name="bgImgPlace1">
+    <dgm:fillClrLst>
+      <a:schemeClr val="accent2">
+        <a:tint val="50000"/>
+      </a:schemeClr>
+      <a:schemeClr val="accent3">
+        <a:tint val="20000"/>
+      </a:schemeClr>
+    </dgm:fillClrLst>
+    <dgm:linClrLst meth="repeat">
+      <a:schemeClr val="lt1"/>
+    </dgm:linClrLst>
+    <dgm:effectClrLst/>
+    <dgm:txLinClrLst/>
+    <dgm:txFillClrLst meth="repeat">
+      <a:schemeClr val="lt1"/>
+    </dgm:txFillClrLst>
+    <dgm:txEffectClrLst/>
+  </dgm:styleLbl>
+  <dgm:styleLbl name="sibTrans2D1">
+    <dgm:fillClrLst>
+      <a:schemeClr val="accent2"/>
+      <a:schemeClr val="accent3"/>
+    </dgm:fillClrLst>
+    <dgm:linClrLst meth="repeat">
+      <a:schemeClr val="lt1"/>
+    </dgm:linClrLst>
+    <dgm:effectClrLst/>
+    <dgm:txLinClrLst/>
+    <dgm:txFillClrLst/>
+    <dgm:txEffectClrLst/>
+  </dgm:styleLbl>
+  <dgm:styleLbl name="fgSibTrans2D1">
+    <dgm:fillClrLst>
+      <a:schemeClr val="accent2"/>
+      <a:schemeClr val="accent3"/>
+    </dgm:fillClrLst>
+    <dgm:linClrLst meth="repeat">
+      <a:schemeClr val="lt1"/>
+    </dgm:linClrLst>
+    <dgm:effectClrLst/>
+    <dgm:txLinClrLst/>
+    <dgm:txFillClrLst meth="repeat">
+      <a:schemeClr val="lt1"/>
+    </dgm:txFillClrLst>
+    <dgm:txEffectClrLst/>
+  </dgm:styleLbl>
+  <dgm:styleLbl name="bgSibTrans2D1">
+    <dgm:fillClrLst>
+      <a:schemeClr val="accent2"/>
+      <a:schemeClr val="accent3"/>
+    </dgm:fillClrLst>
+    <dgm:linClrLst meth="repeat">
+      <a:schemeClr val="lt1"/>
+    </dgm:linClrLst>
+    <dgm:effectClrLst/>
+    <dgm:txLinClrLst/>
+    <dgm:txFillClrLst meth="repeat">
+      <a:schemeClr val="lt1"/>
+    </dgm:txFillClrLst>
+    <dgm:txEffectClrLst/>
+  </dgm:styleLbl>
+  <dgm:styleLbl name="sibTrans1D1">
+    <dgm:fillClrLst/>
+    <dgm:linClrLst>
+      <a:schemeClr val="accent2"/>
+      <a:schemeClr val="accent3"/>
+    </dgm:linClrLst>
+    <dgm:effectClrLst/>
+    <dgm:txLinClrLst/>
+    <dgm:txFillClrLst meth="repeat">
+      <a:schemeClr val="tx1"/>
+    </dgm:txFillClrLst>
+    <dgm:txEffectClrLst/>
+  </dgm:styleLbl>
+  <dgm:styleLbl name="callout">
+    <dgm:fillClrLst meth="repeat">
+      <a:schemeClr val="accent2"/>
+    </dgm:fillClrLst>
+    <dgm:linClrLst meth="repeat">
+      <a:schemeClr val="accent2">
+        <a:tint val="50000"/>
+      </a:schemeClr>
+    </dgm:linClrLst>
+    <dgm:effectClrLst/>
+    <dgm:txLinClrLst/>
+    <dgm:txFillClrLst meth="repeat">
+      <a:schemeClr val="tx1"/>
+    </dgm:txFillClrLst>
+    <dgm:txEffectClrLst/>
+  </dgm:styleLbl>
+  <dgm:styleLbl name="asst0">
+    <dgm:fillClrLst meth="repeat">
+      <a:schemeClr val="accent2"/>
+    </dgm:fillClrLst>
+    <dgm:linClrLst meth="repeat">
+      <a:schemeClr val="lt1">
+        <a:shade val="80000"/>
+      </a:schemeClr>
+    </dgm:linClrLst>
+    <dgm:effectClrLst/>
+    <dgm:txLinClrLst/>
+    <dgm:txFillClrLst/>
+    <dgm:txEffectClrLst/>
+  </dgm:styleLbl>
+  <dgm:styleLbl name="asst1">
+    <dgm:fillClrLst meth="repeat">
+      <a:schemeClr val="accent3"/>
+    </dgm:fillClrLst>
+    <dgm:linClrLst meth="repeat">
+      <a:schemeClr val="lt1">
+        <a:shade val="80000"/>
+      </a:schemeClr>
+    </dgm:linClrLst>
+    <dgm:effectClrLst/>
+    <dgm:txLinClrLst/>
+    <dgm:txFillClrLst/>
+    <dgm:txEffectClrLst/>
+  </dgm:styleLbl>
+  <dgm:styleLbl name="asst2">
+    <dgm:fillClrLst>
+      <a:schemeClr val="accent4"/>
+    </dgm:fillClrLst>
+    <dgm:linClrLst meth="repeat">
+      <a:schemeClr val="lt1"/>
+    </dgm:linClrLst>
+    <dgm:effectClrLst/>
+    <dgm:txLinClrLst/>
+    <dgm:txFillClrLst/>
+    <dgm:txEffectClrLst/>
+  </dgm:styleLbl>
+  <dgm:styleLbl name="asst3">
+    <dgm:fillClrLst>
+      <a:schemeClr val="accent5"/>
+    </dgm:fillClrLst>
+    <dgm:linClrLst meth="repeat">
+      <a:schemeClr val="lt1"/>
+    </dgm:linClrLst>
+    <dgm:effectClrLst/>
+    <dgm:txLinClrLst/>
+    <dgm:txFillClrLst/>
+    <dgm:txEffectClrLst/>
+  </dgm:styleLbl>
+  <dgm:styleLbl name="asst4">
+    <dgm:fillClrLst>
+      <a:schemeClr val="accent6"/>
+    </dgm:fillClrLst>
+    <dgm:linClrLst meth="repeat">
+      <a:schemeClr val="lt1"/>
+    </dgm:linClrLst>
+    <dgm:effectClrLst/>
+    <dgm:txLinClrLst/>
+    <dgm:txFillClrLst/>
+    <dgm:txEffectClrLst/>
+  </dgm:styleLbl>
+  <dgm:styleLbl name="parChTrans2D1">
+    <dgm:fillClrLst meth="repeat">
+      <a:schemeClr val="accent2"/>
+    </dgm:fillClrLst>
+    <dgm:linClrLst meth="repeat">
+      <a:schemeClr val="lt1"/>
+    </dgm:linClrLst>
+    <dgm:effectClrLst/>
+    <dgm:txLinClrLst/>
+    <dgm:txFillClrLst meth="repeat">
+      <a:schemeClr val="lt1"/>
+    </dgm:txFillClrLst>
+    <dgm:txEffectClrLst/>
+  </dgm:styleLbl>
+  <dgm:styleLbl name="parChTrans2D2">
+    <dgm:fillClrLst meth="repeat">
+      <a:schemeClr val="accent3"/>
+    </dgm:fillClrLst>
+    <dgm:linClrLst meth="repeat">
+      <a:schemeClr val="lt1"/>
+    </dgm:linClrLst>
+    <dgm:effectClrLst/>
+    <dgm:txLinClrLst/>
+    <dgm:txFillClrLst/>
+    <dgm:txEffectClrLst/>
+  </dgm:styleLbl>
+  <dgm:styleLbl name="parChTrans2D3">
+    <dgm:fillClrLst meth="repeat">
+      <a:schemeClr val="accent4"/>
+    </dgm:fillClrLst>
+    <dgm:linClrLst meth="repeat">
+      <a:schemeClr val="lt1"/>
+    </dgm:linClrLst>
+    <dgm:effectClrLst/>
+    <dgm:txLinClrLst/>
+    <dgm:txFillClrLst/>
+    <dgm:txEffectClrLst/>
+  </dgm:styleLbl>
+  <dgm:styleLbl name="parChTrans2D4">
+    <dgm:fillClrLst meth="repeat">
+      <a:schemeClr val="accent5"/>
+    </dgm:fillClrLst>
+    <dgm:linClrLst meth="repeat">
+      <a:schemeClr val="lt1"/>
+    </dgm:linClrLst>
+    <dgm:effectClrLst/>
+    <dgm:txLinClrLst/>
+    <dgm:txFillClrLst meth="repeat">
+      <a:schemeClr val="lt1"/>
+    </dgm:txFillClrLst>
+    <dgm:txEffectClrLst/>
+  </dgm:styleLbl>
+  <dgm:styleLbl name="parChTrans1D1">
+    <dgm:fillClrLst meth="repeat">
+      <a:schemeClr val="accent2"/>
+    </dgm:fillClrLst>
+    <dgm:linClrLst meth="repeat">
+      <a:schemeClr val="accent2"/>
+    </dgm:linClrLst>
+    <dgm:effectClrLst/>
+    <dgm:txLinClrLst/>
+    <dgm:txFillClrLst meth="repeat">
+      <a:schemeClr val="tx1"/>
+    </dgm:txFillClrLst>
+    <dgm:txEffectClrLst/>
+  </dgm:styleLbl>
+  <dgm:styleLbl name="parChTrans1D2">
+    <dgm:fillClrLst meth="repeat">
+      <a:schemeClr val="accent2">
+        <a:tint val="90000"/>
+      </a:schemeClr>
+    </dgm:fillClrLst>
+    <dgm:linClrLst meth="repeat">
+      <a:schemeClr val="accent3"/>
+    </dgm:linClrLst>
+    <dgm:effectClrLst/>
+    <dgm:txLinClrLst/>
+    <dgm:txFillClrLst meth="repeat">
+      <a:schemeClr val="tx1"/>
+    </dgm:txFillClrLst>
+    <dgm:txEffectClrLst/>
+  </dgm:styleLbl>
+  <dgm:styleLbl name="parChTrans1D3">
+    <dgm:fillClrLst meth="repeat">
+      <a:schemeClr val="accent2">
+        <a:tint val="70000"/>
+      </a:schemeClr>
+    </dgm:fillClrLst>
+    <dgm:linClrLst meth="repeat">
+      <a:schemeClr val="accent4"/>
+    </dgm:linClrLst>
+    <dgm:effectClrLst/>
+    <dgm:txLinClrLst/>
+    <dgm:txFillClrLst meth="repeat">
+      <a:schemeClr val="tx1"/>
+    </dgm:txFillClrLst>
+    <dgm:txEffectClrLst/>
+  </dgm:styleLbl>
+  <dgm:styleLbl name="parChTrans1D4">
+    <dgm:fillClrLst meth="repeat">
+      <a:schemeClr val="accent2">
+        <a:tint val="50000"/>
+      </a:schemeClr>
+    </dgm:fillClrLst>
+    <dgm:linClrLst meth="repeat">
+      <a:schemeClr val="accent5"/>
+    </dgm:linClrLst>
+    <dgm:effectClrLst/>
+    <dgm:txLinClrLst/>
+    <dgm:txFillClrLst meth="repeat">
+      <a:schemeClr val="tx1"/>
+    </dgm:txFillClrLst>
+    <dgm:txEffectClrLst/>
+  </dgm:styleLbl>
+  <dgm:styleLbl name="fgAcc1">
+    <dgm:fillClrLst meth="repeat">
+      <a:schemeClr val="lt1">
+        <a:alpha val="90000"/>
+      </a:schemeClr>
+    </dgm:fillClrLst>
+    <dgm:linClrLst>
+      <a:schemeClr val="accent2"/>
+      <a:schemeClr val="accent3"/>
+    </dgm:linClrLst>
+    <dgm:effectClrLst/>
+    <dgm:txLinClrLst/>
+    <dgm:txFillClrLst meth="repeat">
+      <a:schemeClr val="dk1"/>
+    </dgm:txFillClrLst>
+    <dgm:txEffectClrLst/>
+  </dgm:styleLbl>
+  <dgm:styleLbl name="conFgAcc1">
+    <dgm:fillClrLst meth="repeat">
+      <a:schemeClr val="lt1">
+        <a:alpha val="90000"/>
+      </a:schemeClr>
+    </dgm:fillClrLst>
+    <dgm:linClrLst>
+      <a:schemeClr val="accent2"/>
+      <a:schemeClr val="accent3"/>
+    </dgm:linClrLst>
+    <dgm:effectClrLst/>
+    <dgm:txLinClrLst/>
+    <dgm:txFillClrLst meth="repeat">
+      <a:schemeClr val="dk1"/>
+    </dgm:txFillClrLst>
+    <dgm:txEffectClrLst/>
+  </dgm:styleLbl>
+  <dgm:styleLbl name="alignAcc1">
+    <dgm:fillClrLst meth="repeat">
+      <a:schemeClr val="lt1">
+        <a:alpha val="90000"/>
+      </a:schemeClr>
+    </dgm:fillClrLst>
+    <dgm:linClrLst>
+      <a:schemeClr val="accent2"/>
+      <a:schemeClr val="accent3"/>
+    </dgm:linClrLst>
+    <dgm:effectClrLst/>
+    <dgm:txLinClrLst/>
+    <dgm:txFillClrLst meth="repeat">
+      <a:schemeClr val="dk1"/>
+    </dgm:txFillClrLst>
+    <dgm:txEffectClrLst/>
+  </dgm:styleLbl>
+  <dgm:styleLbl name="trAlignAcc1">
+    <dgm:fillClrLst meth="repeat">
+      <a:schemeClr val="lt1">
+        <a:alpha val="40000"/>
+      </a:schemeClr>
+    </dgm:fillClrLst>
+    <dgm:linClrLst meth="repeat">
+      <a:schemeClr val="accent2"/>
+    </dgm:linClrLst>
+    <dgm:effectClrLst/>
+    <dgm:txLinClrLst/>
+    <dgm:txFillClrLst meth="repeat">
+      <a:schemeClr val="dk1"/>
+    </dgm:txFillClrLst>
+    <dgm:txEffectClrLst/>
+  </dgm:styleLbl>
+  <dgm:styleLbl name="bgAcc1">
+    <dgm:fillClrLst meth="repeat">
+      <a:schemeClr val="lt1">
+        <a:alpha val="90000"/>
+      </a:schemeClr>
+    </dgm:fillClrLst>
+    <dgm:linClrLst>
+      <a:schemeClr val="accent2"/>
+      <a:schemeClr val="accent3"/>
+    </dgm:linClrLst>
+    <dgm:effectClrLst/>
+    <dgm:txLinClrLst/>
+    <dgm:txFillClrLst meth="repeat">
+      <a:schemeClr val="dk1"/>
+    </dgm:txFillClrLst>
+    <dgm:txEffectClrLst/>
+  </dgm:styleLbl>
+  <dgm:styleLbl name="solidFgAcc1">
+    <dgm:fillClrLst meth="repeat">
+      <a:schemeClr val="lt1"/>
+    </dgm:fillClrLst>
+    <dgm:linClrLst>
+      <a:schemeClr val="accent2"/>
+      <a:schemeClr val="accent3"/>
+    </dgm:linClrLst>
+    <dgm:effectClrLst/>
+    <dgm:txLinClrLst/>
+    <dgm:txFillClrLst meth="repeat">
+      <a:schemeClr val="dk1"/>
+    </dgm:txFillClrLst>
+    <dgm:txEffectClrLst/>
+  </dgm:styleLbl>
+  <dgm:styleLbl name="solidAlignAcc1">
+    <dgm:fillClrLst meth="repeat">
+      <a:schemeClr val="lt1"/>
+    </dgm:fillClrLst>
+    <dgm:linClrLst>
+      <a:schemeClr val="accent2"/>
+      <a:schemeClr val="accent3"/>
+    </dgm:linClrLst>
+    <dgm:effectClrLst/>
+    <dgm:txLinClrLst/>
+    <dgm:txFillClrLst meth="repeat">
+      <a:schemeClr val="dk1"/>
+    </dgm:txFillClrLst>
+    <dgm:txEffectClrLst/>
+  </dgm:styleLbl>
+  <dgm:styleLbl name="solidBgAcc1">
+    <dgm:fillClrLst meth="repeat">
+      <a:schemeClr val="lt1"/>
+    </dgm:fillClrLst>
+    <dgm:linClrLst>
+      <a:schemeClr val="accent2"/>
+      <a:schemeClr val="accent3"/>
+    </dgm:linClrLst>
+    <dgm:effectClrLst/>
+    <dgm:txLinClrLst/>
+    <dgm:txFillClrLst meth="repeat">
+      <a:schemeClr val="dk1"/>
+    </dgm:txFillClrLst>
+    <dgm:txEffectClrLst/>
+  </dgm:styleLbl>
+  <dgm:styleLbl name="fgAccFollowNode1">
+    <dgm:fillClrLst>
+      <a:schemeClr val="accent2">
+        <a:tint val="40000"/>
+        <a:alpha val="90000"/>
+      </a:schemeClr>
+      <a:schemeClr val="accent3">
+        <a:tint val="40000"/>
+        <a:alpha val="90000"/>
+      </a:schemeClr>
+    </dgm:fillClrLst>
+    <dgm:linClrLst>
+      <a:schemeClr val="accent2">
+        <a:tint val="40000"/>
+        <a:alpha val="90000"/>
+      </a:schemeClr>
+      <a:schemeClr val="accent3">
+        <a:tint val="40000"/>
+        <a:alpha val="90000"/>
+      </a:schemeClr>
+    </dgm:linClrLst>
+    <dgm:effectClrLst/>
+    <dgm:txLinClrLst/>
+    <dgm:txFillClrLst meth="repeat">
+      <a:schemeClr val="dk1"/>
+    </dgm:txFillClrLst>
+    <dgm:txEffectClrLst/>
+  </dgm:styleLbl>
+  <dgm:styleLbl name="alignAccFollowNode1">
+    <dgm:fillClrLst>
+      <a:schemeClr val="accent2">
+        <a:tint val="40000"/>
+        <a:alpha val="90000"/>
+      </a:schemeClr>
+      <a:schemeClr val="accent3">
+        <a:tint val="40000"/>
+        <a:alpha val="90000"/>
+      </a:schemeClr>
+    </dgm:fillClrLst>
+    <dgm:linClrLst>
+      <a:schemeClr val="accent2">
+        <a:tint val="40000"/>
+        <a:alpha val="90000"/>
+      </a:schemeClr>
+      <a:schemeClr val="accent3">
+        <a:tint val="40000"/>
+        <a:alpha val="90000"/>
+      </a:schemeClr>
+    </dgm:linClrLst>
+    <dgm:effectClrLst/>
+    <dgm:txLinClrLst/>
+    <dgm:txFillClrLst meth="repeat">
+      <a:schemeClr val="dk1"/>
+    </dgm:txFillClrLst>
+    <dgm:txEffectClrLst/>
+  </dgm:styleLbl>
+  <dgm:styleLbl name="bgAccFollowNode1">
+    <dgm:fillClrLst>
+      <a:schemeClr val="accent2">
+        <a:tint val="40000"/>
+        <a:alpha val="90000"/>
+      </a:schemeClr>
+      <a:schemeClr val="accent3">
+        <a:tint val="40000"/>
+        <a:alpha val="90000"/>
+      </a:schemeClr>
+    </dgm:fillClrLst>
+    <dgm:linClrLst>
+      <a:schemeClr val="accent2">
+        <a:tint val="40000"/>
+        <a:alpha val="90000"/>
+      </a:schemeClr>
+      <a:schemeClr val="accent3">
+        <a:tint val="40000"/>
+        <a:alpha val="90000"/>
+      </a:schemeClr>
+    </dgm:linClrLst>
+    <dgm:effectClrLst/>
+    <dgm:txLinClrLst/>
+    <dgm:txFillClrLst meth="repeat">
+      <a:schemeClr val="dk1"/>
+    </dgm:txFillClrLst>
+    <dgm:txEffectClrLst/>
+  </dgm:styleLbl>
+  <dgm:styleLbl name="fgAcc0">
+    <dgm:fillClrLst meth="repeat">
+      <a:schemeClr val="lt1">
+        <a:alpha val="90000"/>
+      </a:schemeClr>
+    </dgm:fillClrLst>
+    <dgm:linClrLst>
+      <a:schemeClr val="accent1"/>
+    </dgm:linClrLst>
+    <dgm:effectClrLst/>
+    <dgm:txLinClrLst/>
+    <dgm:txFillClrLst meth="repeat">
+      <a:schemeClr val="dk1"/>
+    </dgm:txFillClrLst>
+    <dgm:txEffectClrLst/>
+  </dgm:styleLbl>
+  <dgm:styleLbl name="fgAcc2">
+    <dgm:fillClrLst meth="repeat">
+      <a:schemeClr val="lt1">
+        <a:alpha val="90000"/>
+      </a:schemeClr>
+    </dgm:fillClrLst>
+    <dgm:linClrLst>
+      <a:schemeClr val="accent3"/>
+    </dgm:linClrLst>
+    <dgm:effectClrLst/>
+    <dgm:txLinClrLst/>
+    <dgm:txFillClrLst meth="repeat">
+      <a:schemeClr val="dk1"/>
+    </dgm:txFillClrLst>
+    <dgm:txEffectClrLst/>
+  </dgm:styleLbl>
+  <dgm:styleLbl name="fgAcc3">
+    <dgm:fillClrLst meth="repeat">
+      <a:schemeClr val="lt1">
+        <a:alpha val="90000"/>
+      </a:schemeClr>
+    </dgm:fillClrLst>
+    <dgm:linClrLst>
+      <a:schemeClr val="accent4"/>
+    </dgm:linClrLst>
+    <dgm:effectClrLst/>
+    <dgm:txLinClrLst/>
+    <dgm:txFillClrLst meth="repeat">
+      <a:schemeClr val="dk1"/>
+    </dgm:txFillClrLst>
+    <dgm:txEffectClrLst/>
+  </dgm:styleLbl>
+  <dgm:styleLbl name="fgAcc4">
+    <dgm:fillClrLst meth="repeat">
+      <a:schemeClr val="lt1">
+        <a:alpha val="90000"/>
+      </a:schemeClr>
+    </dgm:fillClrLst>
+    <dgm:linClrLst>
+      <a:schemeClr val="accent5"/>
+    </dgm:linClrLst>
+    <dgm:effectClrLst/>
+    <dgm:txLinClrLst/>
+    <dgm:txFillClrLst meth="repeat">
+      <a:schemeClr val="dk1"/>
+    </dgm:txFillClrLst>
+    <dgm:txEffectClrLst/>
+  </dgm:styleLbl>
+  <dgm:styleLbl name="bgShp">
+    <dgm:fillClrLst meth="repeat">
+      <a:schemeClr val="accent2">
+        <a:tint val="40000"/>
+      </a:schemeClr>
+    </dgm:fillClrLst>
+    <dgm:linClrLst meth="repeat">
+      <a:schemeClr val="dk1"/>
+    </dgm:linClrLst>
+    <dgm:effectClrLst/>
+    <dgm:txLinClrLst/>
+    <dgm:txFillClrLst meth="repeat">
+      <a:schemeClr val="dk1"/>
+    </dgm:txFillClrLst>
+    <dgm:txEffectClrLst/>
+  </dgm:styleLbl>
+  <dgm:styleLbl name="dkBgShp">
+    <dgm:fillClrLst meth="repeat">
+      <a:schemeClr val="accent2">
+        <a:shade val="90000"/>
+      </a:schemeClr>
+    </dgm:fillClrLst>
+    <dgm:linClrLst meth="repeat">
+      <a:schemeClr val="dk1"/>
+    </dgm:linClrLst>
+    <dgm:effectClrLst/>
+    <dgm:txLinClrLst/>
+    <dgm:txFillClrLst meth="repeat">
+      <a:schemeClr val="lt1"/>
+    </dgm:txFillClrLst>
+    <dgm:txEffectClrLst/>
+  </dgm:styleLbl>
+  <dgm:styleLbl name="trBgShp">
+    <dgm:fillClrLst meth="repeat">
+      <a:schemeClr val="accent2">
+        <a:tint val="50000"/>
+        <a:alpha val="40000"/>
+      </a:schemeClr>
+    </dgm:fillClrLst>
+    <dgm:linClrLst meth="repeat">
+      <a:schemeClr val="accent2"/>
+    </dgm:linClrLst>
+    <dgm:effectClrLst/>
+    <dgm:txLinClrLst/>
+    <dgm:txFillClrLst meth="repeat">
+      <a:schemeClr val="lt1"/>
+    </dgm:txFillClrLst>
+    <dgm:txEffectClrLst/>
+  </dgm:styleLbl>
+  <dgm:styleLbl name="fgShp">
+    <dgm:fillClrLst meth="repeat">
+      <a:schemeClr val="accent2">
+        <a:tint val="40000"/>
       </a:schemeClr>
     </dgm:fillClrLst>
     <dgm:linClrLst meth="repeat">
@@ -3474,11 +4257,11 @@
     <dgm:cxn modelId="{BF38902D-27B4-4351-BB22-61686028A40A}" type="presOf" srcId="{C116744B-FD85-443E-9D24-3BA14083E22D}" destId="{DDBE13C7-F11A-404B-BE5C-F11DE912E8C5}" srcOrd="0" destOrd="0" presId="urn:microsoft.com/office/officeart/2005/8/layout/default"/>
     <dgm:cxn modelId="{042E4B36-2238-47D6-B4BA-1A9B8C5BD804}" type="presOf" srcId="{76B9B68F-0549-4AEF-9619-606E8D914F7D}" destId="{FB9F16AF-E345-46AA-B224-631B959D8E18}" srcOrd="0" destOrd="0" presId="urn:microsoft.com/office/officeart/2005/8/layout/default"/>
     <dgm:cxn modelId="{53518A37-9D6C-4F13-B8D4-FBF0BA2124A4}" srcId="{C62A61A2-837A-4080-93A0-9A5A2FE012CD}" destId="{AFE837E3-7B8E-4B6A-8315-B9398B5C0593}" srcOrd="3" destOrd="0" parTransId="{7227BD12-1CED-469C-86CE-4C0474532DE4}" sibTransId="{104A2456-860B-4506-B0A1-C8ADCCEC7F1F}"/>
-    <dgm:cxn modelId="{3676C75D-BC53-43C6-B925-3435373C5FD3}" srcId="{C62A61A2-837A-4080-93A0-9A5A2FE012CD}" destId="{9FB3ADFB-ECB9-472A-B414-2ABBB7A9166A}" srcOrd="7" destOrd="0" parTransId="{CD72B4F6-6FFF-4BBA-826E-B332896D0A87}" sibTransId="{F27F4ED6-08E5-4610-B924-162EDA639B66}"/>
     <dgm:cxn modelId="{F5875A4E-15B6-4B6E-AB19-FD03D300109A}" srcId="{C62A61A2-837A-4080-93A0-9A5A2FE012CD}" destId="{20240518-4AEC-4F5F-BC97-18D0E0274A67}" srcOrd="4" destOrd="0" parTransId="{5BDD40AC-A251-475C-9CC2-1E3AC67B78D5}" sibTransId="{346DF8F2-A5FF-41B0-85FC-B985D9D15CC0}"/>
-    <dgm:cxn modelId="{FFCB0F76-3019-4458-A415-C32679C70829}" srcId="{C62A61A2-837A-4080-93A0-9A5A2FE012CD}" destId="{9AFA4A0E-FE4F-472A-9B28-32AC6FE74BE2}" srcOrd="5" destOrd="0" parTransId="{FDE7556F-90FC-403C-AB8F-BC9ADC8C8195}" sibTransId="{A62277E8-7F9F-46A0-954C-96F1C9FC1B45}"/>
     <dgm:cxn modelId="{16425656-28B0-4DBA-90D3-2003DFB036B0}" type="presOf" srcId="{64D4BEEE-E22F-4413-A379-E7211E1155C9}" destId="{601F7ABD-C40B-4CB5-B2FA-FEE5483F840D}" srcOrd="0" destOrd="0" presId="urn:microsoft.com/office/officeart/2005/8/layout/default"/>
     <dgm:cxn modelId="{7BD03D58-2F3B-4793-8F14-59FFC9EB5D36}" srcId="{C62A61A2-837A-4080-93A0-9A5A2FE012CD}" destId="{76B9B68F-0549-4AEF-9619-606E8D914F7D}" srcOrd="9" destOrd="0" parTransId="{9AF76683-13B3-4EFE-9F9E-867AF8091D18}" sibTransId="{86900047-999E-42CC-8A21-6B8CFA4FE516}"/>
+    <dgm:cxn modelId="{3676C75D-BC53-43C6-B925-3435373C5FD3}" srcId="{C62A61A2-837A-4080-93A0-9A5A2FE012CD}" destId="{9FB3ADFB-ECB9-472A-B414-2ABBB7A9166A}" srcOrd="7" destOrd="0" parTransId="{CD72B4F6-6FFF-4BBA-826E-B332896D0A87}" sibTransId="{F27F4ED6-08E5-4610-B924-162EDA639B66}"/>
+    <dgm:cxn modelId="{FFCB0F76-3019-4458-A415-C32679C70829}" srcId="{C62A61A2-837A-4080-93A0-9A5A2FE012CD}" destId="{9AFA4A0E-FE4F-472A-9B28-32AC6FE74BE2}" srcOrd="5" destOrd="0" parTransId="{FDE7556F-90FC-403C-AB8F-BC9ADC8C8195}" sibTransId="{A62277E8-7F9F-46A0-954C-96F1C9FC1B45}"/>
     <dgm:cxn modelId="{2AE3E490-5C33-4271-A203-8409FDF350C9}" type="presOf" srcId="{20240518-4AEC-4F5F-BC97-18D0E0274A67}" destId="{DC4089AD-1186-482C-953E-08F913185807}" srcOrd="0" destOrd="0" presId="urn:microsoft.com/office/officeart/2005/8/layout/default"/>
     <dgm:cxn modelId="{3AAF44AD-5286-4B7D-A4CF-20E859AB4D3E}" srcId="{C62A61A2-837A-4080-93A0-9A5A2FE012CD}" destId="{A6F9F4B9-0F0D-4D04-805C-A42281E6A282}" srcOrd="6" destOrd="0" parTransId="{D0395ABD-13A7-44E6-9FAA-6EA3224425AC}" sibTransId="{BB611CED-F64B-4E23-82D8-1849BB1EF29E}"/>
     <dgm:cxn modelId="{669728B3-ED8E-4F2B-82F3-E1BA37767FBA}" type="presOf" srcId="{A6F9F4B9-0F0D-4D04-805C-A42281E6A282}" destId="{13C4F7FB-9C7F-4119-B484-22835F79A1E1}" srcOrd="0" destOrd="0" presId="urn:microsoft.com/office/officeart/2005/8/layout/default"/>
@@ -3941,8 +4724,8 @@
     <dgm:cxn modelId="{BF38902D-27B4-4351-BB22-61686028A40A}" type="presOf" srcId="{C116744B-FD85-443E-9D24-3BA14083E22D}" destId="{DDBE13C7-F11A-404B-BE5C-F11DE912E8C5}" srcOrd="0" destOrd="0" presId="urn:microsoft.com/office/officeart/2005/8/layout/default"/>
     <dgm:cxn modelId="{4BD65534-5E8A-478B-A76A-B83950613B07}" type="presOf" srcId="{28A7D775-3978-47B4-AA2D-1EBFBCF5CD84}" destId="{D9746E90-D4C1-45A3-B60C-6CD23ABB65B4}" srcOrd="0" destOrd="0" presId="urn:microsoft.com/office/officeart/2005/8/layout/default"/>
     <dgm:cxn modelId="{53518A37-9D6C-4F13-B8D4-FBF0BA2124A4}" srcId="{C62A61A2-837A-4080-93A0-9A5A2FE012CD}" destId="{AFE837E3-7B8E-4B6A-8315-B9398B5C0593}" srcOrd="1" destOrd="0" parTransId="{7227BD12-1CED-469C-86CE-4C0474532DE4}" sibTransId="{104A2456-860B-4506-B0A1-C8ADCCEC7F1F}"/>
+    <dgm:cxn modelId="{16425656-28B0-4DBA-90D3-2003DFB036B0}" type="presOf" srcId="{64D4BEEE-E22F-4413-A379-E7211E1155C9}" destId="{601F7ABD-C40B-4CB5-B2FA-FEE5483F840D}" srcOrd="0" destOrd="0" presId="urn:microsoft.com/office/officeart/2005/8/layout/default"/>
     <dgm:cxn modelId="{FFCB0F76-3019-4458-A415-C32679C70829}" srcId="{C62A61A2-837A-4080-93A0-9A5A2FE012CD}" destId="{9AFA4A0E-FE4F-472A-9B28-32AC6FE74BE2}" srcOrd="2" destOrd="0" parTransId="{FDE7556F-90FC-403C-AB8F-BC9ADC8C8195}" sibTransId="{A62277E8-7F9F-46A0-954C-96F1C9FC1B45}"/>
-    <dgm:cxn modelId="{16425656-28B0-4DBA-90D3-2003DFB036B0}" type="presOf" srcId="{64D4BEEE-E22F-4413-A379-E7211E1155C9}" destId="{601F7ABD-C40B-4CB5-B2FA-FEE5483F840D}" srcOrd="0" destOrd="0" presId="urn:microsoft.com/office/officeart/2005/8/layout/default"/>
     <dgm:cxn modelId="{E83A2DC7-C052-46D0-B6FC-EF514F51030F}" type="presOf" srcId="{C62A61A2-837A-4080-93A0-9A5A2FE012CD}" destId="{6AF42F5E-4A05-47A8-9F29-2F8E09820BBC}" srcOrd="0" destOrd="0" presId="urn:microsoft.com/office/officeart/2005/8/layout/default"/>
     <dgm:cxn modelId="{95FCE2DC-72ED-4369-B90F-F59B2F77B37C}" type="presOf" srcId="{9AFA4A0E-FE4F-472A-9B28-32AC6FE74BE2}" destId="{92B18CB0-6F04-44DD-B9D1-44A1882082A8}" srcOrd="0" destOrd="0" presId="urn:microsoft.com/office/officeart/2005/8/layout/default"/>
     <dgm:cxn modelId="{524EEAAB-1B3E-44C9-9CD2-958C86EEBA1C}" type="presParOf" srcId="{6AF42F5E-4A05-47A8-9F29-2F8E09820BBC}" destId="{DDBE13C7-F11A-404B-BE5C-F11DE912E8C5}" srcOrd="0" destOrd="0" presId="urn:microsoft.com/office/officeart/2005/8/layout/default"/>
@@ -3954,6 +4737,334 @@
     <dgm:cxn modelId="{554337D1-9F67-4835-9E0D-DF25EDF9DD5E}" type="presParOf" srcId="{6AF42F5E-4A05-47A8-9F29-2F8E09820BBC}" destId="{D9746E90-D4C1-45A3-B60C-6CD23ABB65B4}" srcOrd="6" destOrd="0" presId="urn:microsoft.com/office/officeart/2005/8/layout/default"/>
     <dgm:cxn modelId="{282E6C8F-E07F-4700-AC5D-517AFAAEB3D4}" type="presParOf" srcId="{6AF42F5E-4A05-47A8-9F29-2F8E09820BBC}" destId="{863C80FF-FC3A-4321-8407-CC9232E8B23A}" srcOrd="7" destOrd="0" presId="urn:microsoft.com/office/officeart/2005/8/layout/default"/>
     <dgm:cxn modelId="{BDFD8772-EC62-40D1-83BC-7A43137A5042}" type="presParOf" srcId="{6AF42F5E-4A05-47A8-9F29-2F8E09820BBC}" destId="{601F7ABD-C40B-4CB5-B2FA-FEE5483F840D}" srcOrd="8" destOrd="0" presId="urn:microsoft.com/office/officeart/2005/8/layout/default"/>
+  </dgm:cxnLst>
+  <dgm:bg/>
+  <dgm:whole/>
+  <dgm:extLst>
+    <a:ext uri="http://schemas.microsoft.com/office/drawing/2008/diagram">
+      <dsp:dataModelExt xmlns:dsp="http://schemas.microsoft.com/office/drawing/2008/diagram" relId="rId6" minVer="http://schemas.openxmlformats.org/drawingml/2006/diagram"/>
+    </a:ext>
+  </dgm:extLst>
+</dgm:dataModel>
+</file>
+
+<file path=ppt/diagrams/data4.xml><?xml version="1.0" encoding="utf-8"?>
+<dgm:dataModel xmlns:dgm="http://schemas.openxmlformats.org/drawingml/2006/diagram" xmlns:a="http://schemas.openxmlformats.org/drawingml/2006/main">
+  <dgm:ptLst>
+    <dgm:pt modelId="{B3194587-7247-4051-9F2E-CF420B46A043}" type="doc">
+      <dgm:prSet loTypeId="urn:microsoft.com/office/officeart/2008/layout/LinedList" loCatId="list" qsTypeId="urn:microsoft.com/office/officeart/2005/8/quickstyle/simple1" qsCatId="simple" csTypeId="urn:microsoft.com/office/officeart/2005/8/colors/colorful2" csCatId="colorful" phldr="1"/>
+      <dgm:spPr/>
+      <dgm:t>
+        <a:bodyPr/>
+        <a:lstStyle/>
+        <a:p>
+          <a:endParaRPr lang="en-US"/>
+        </a:p>
+      </dgm:t>
+    </dgm:pt>
+    <dgm:pt modelId="{074A3111-B69A-4EE4-9088-EA328A3D814B}">
+      <dgm:prSet/>
+      <dgm:spPr/>
+      <dgm:t>
+        <a:bodyPr/>
+        <a:lstStyle/>
+        <a:p>
+          <a:r>
+            <a:rPr lang="en-US" dirty="0"/>
+            <a:t>+ Feature engineering</a:t>
+          </a:r>
+        </a:p>
+      </dgm:t>
+    </dgm:pt>
+    <dgm:pt modelId="{26B98CDB-40B5-481C-80D2-36C8D43C3A14}" type="parTrans" cxnId="{109F42FA-E10C-4C86-A235-7A117D343973}">
+      <dgm:prSet/>
+      <dgm:spPr/>
+      <dgm:t>
+        <a:bodyPr/>
+        <a:lstStyle/>
+        <a:p>
+          <a:endParaRPr lang="en-US"/>
+        </a:p>
+      </dgm:t>
+    </dgm:pt>
+    <dgm:pt modelId="{C74A5E62-1E9A-4338-911E-2D98546128AC}" type="sibTrans" cxnId="{109F42FA-E10C-4C86-A235-7A117D343973}">
+      <dgm:prSet/>
+      <dgm:spPr/>
+      <dgm:t>
+        <a:bodyPr/>
+        <a:lstStyle/>
+        <a:p>
+          <a:endParaRPr lang="en-US"/>
+        </a:p>
+      </dgm:t>
+    </dgm:pt>
+    <dgm:pt modelId="{E6BAC6D4-BE4E-4A7F-9B8F-8086C0D5A284}">
+      <dgm:prSet/>
+      <dgm:spPr/>
+      <dgm:t>
+        <a:bodyPr/>
+        <a:lstStyle/>
+        <a:p>
+          <a:r>
+            <a:rPr lang="en-US" dirty="0"/>
+            <a:t>- Lazy Predict</a:t>
+          </a:r>
+        </a:p>
+      </dgm:t>
+    </dgm:pt>
+    <dgm:pt modelId="{7B6C1FDB-3FA8-42F7-9D07-3C68FC6FFC18}" type="parTrans" cxnId="{AEC88BAD-3EF1-4E14-BFFF-EB6443CD8BAD}">
+      <dgm:prSet/>
+      <dgm:spPr/>
+      <dgm:t>
+        <a:bodyPr/>
+        <a:lstStyle/>
+        <a:p>
+          <a:endParaRPr lang="en-US"/>
+        </a:p>
+      </dgm:t>
+    </dgm:pt>
+    <dgm:pt modelId="{88C2A2B4-F3AB-444A-AA65-801A96670B55}" type="sibTrans" cxnId="{AEC88BAD-3EF1-4E14-BFFF-EB6443CD8BAD}">
+      <dgm:prSet/>
+      <dgm:spPr/>
+      <dgm:t>
+        <a:bodyPr/>
+        <a:lstStyle/>
+        <a:p>
+          <a:endParaRPr lang="en-US"/>
+        </a:p>
+      </dgm:t>
+    </dgm:pt>
+    <dgm:pt modelId="{C3D5B1D9-4C2F-42CB-B394-8CD59FA470F5}">
+      <dgm:prSet/>
+      <dgm:spPr/>
+      <dgm:t>
+        <a:bodyPr/>
+        <a:lstStyle/>
+        <a:p>
+          <a:r>
+            <a:rPr lang="en-US" dirty="0"/>
+            <a:t>+Hyper parameter search</a:t>
+          </a:r>
+        </a:p>
+      </dgm:t>
+    </dgm:pt>
+    <dgm:pt modelId="{A2EDC22C-C0DC-4618-BCB2-D29D7353B7E9}" type="parTrans" cxnId="{9D7C6DA2-5B29-4750-8444-61B976EE2339}">
+      <dgm:prSet/>
+      <dgm:spPr/>
+      <dgm:t>
+        <a:bodyPr/>
+        <a:lstStyle/>
+        <a:p>
+          <a:endParaRPr lang="en-US"/>
+        </a:p>
+      </dgm:t>
+    </dgm:pt>
+    <dgm:pt modelId="{C05F99A3-E485-4E5A-8CBD-377378468BD0}" type="sibTrans" cxnId="{9D7C6DA2-5B29-4750-8444-61B976EE2339}">
+      <dgm:prSet/>
+      <dgm:spPr/>
+      <dgm:t>
+        <a:bodyPr/>
+        <a:lstStyle/>
+        <a:p>
+          <a:endParaRPr lang="en-US"/>
+        </a:p>
+      </dgm:t>
+    </dgm:pt>
+    <dgm:pt modelId="{A9056769-BADC-B543-BF7A-0FBF5F60C0C5}">
+      <dgm:prSet/>
+      <dgm:spPr/>
+      <dgm:t>
+        <a:bodyPr/>
+        <a:lstStyle/>
+        <a:p>
+          <a:r>
+            <a:rPr lang="en-US" dirty="0"/>
+            <a:t>The top 7% was a boost of motivation</a:t>
+          </a:r>
+        </a:p>
+      </dgm:t>
+    </dgm:pt>
+    <dgm:pt modelId="{570E5073-69D8-364A-ACAA-02B03F93064D}" type="parTrans" cxnId="{EBB0A133-2E99-E546-A33E-0E369A322F57}">
+      <dgm:prSet/>
+      <dgm:spPr/>
+      <dgm:t>
+        <a:bodyPr/>
+        <a:lstStyle/>
+        <a:p>
+          <a:endParaRPr lang="en-GB"/>
+        </a:p>
+      </dgm:t>
+    </dgm:pt>
+    <dgm:pt modelId="{A4EDE337-A017-E04A-BC82-493564116706}" type="sibTrans" cxnId="{EBB0A133-2E99-E546-A33E-0E369A322F57}">
+      <dgm:prSet/>
+      <dgm:spPr/>
+      <dgm:t>
+        <a:bodyPr/>
+        <a:lstStyle/>
+        <a:p>
+          <a:endParaRPr lang="en-GB"/>
+        </a:p>
+      </dgm:t>
+    </dgm:pt>
+    <dgm:pt modelId="{21DA678F-7D12-F84F-821B-F55F6C3A3B49}">
+      <dgm:prSet/>
+      <dgm:spPr/>
+      <dgm:t>
+        <a:bodyPr/>
+        <a:lstStyle/>
+        <a:p>
+          <a:r>
+            <a:rPr lang="en-US" dirty="0"/>
+            <a:t>Pipelines and not so clean data, with extra information encoded in the initial features was interesting.</a:t>
+          </a:r>
+        </a:p>
+      </dgm:t>
+    </dgm:pt>
+    <dgm:pt modelId="{4C957374-8E02-044D-AB25-C7A8997B87E0}" type="parTrans" cxnId="{42270739-D0F3-F94F-9A8E-50CCF2EECBF5}">
+      <dgm:prSet/>
+      <dgm:spPr/>
+      <dgm:t>
+        <a:bodyPr/>
+        <a:lstStyle/>
+        <a:p>
+          <a:endParaRPr lang="en-GB"/>
+        </a:p>
+      </dgm:t>
+    </dgm:pt>
+    <dgm:pt modelId="{B263FB8C-046A-9D48-928B-AA7070E7A873}" type="sibTrans" cxnId="{42270739-D0F3-F94F-9A8E-50CCF2EECBF5}">
+      <dgm:prSet/>
+      <dgm:spPr/>
+      <dgm:t>
+        <a:bodyPr/>
+        <a:lstStyle/>
+        <a:p>
+          <a:endParaRPr lang="en-GB"/>
+        </a:p>
+      </dgm:t>
+    </dgm:pt>
+    <dgm:pt modelId="{BB58F1F5-7892-FE41-ADC1-67D89E4FCBCD}" type="pres">
+      <dgm:prSet presAssocID="{B3194587-7247-4051-9F2E-CF420B46A043}" presName="vert0" presStyleCnt="0">
+        <dgm:presLayoutVars>
+          <dgm:dir/>
+          <dgm:animOne val="branch"/>
+          <dgm:animLvl val="lvl"/>
+        </dgm:presLayoutVars>
+      </dgm:prSet>
+      <dgm:spPr/>
+    </dgm:pt>
+    <dgm:pt modelId="{43949194-93C3-AB43-AACF-58F163D77AB6}" type="pres">
+      <dgm:prSet presAssocID="{21DA678F-7D12-F84F-821B-F55F6C3A3B49}" presName="thickLine" presStyleLbl="alignNode1" presStyleIdx="0" presStyleCnt="5"/>
+      <dgm:spPr/>
+    </dgm:pt>
+    <dgm:pt modelId="{B92CD67B-A1C8-044F-9AA5-73E269FDC20E}" type="pres">
+      <dgm:prSet presAssocID="{21DA678F-7D12-F84F-821B-F55F6C3A3B49}" presName="horz1" presStyleCnt="0"/>
+      <dgm:spPr/>
+    </dgm:pt>
+    <dgm:pt modelId="{19FDD4EC-3897-AF44-9353-37AB905407F8}" type="pres">
+      <dgm:prSet presAssocID="{21DA678F-7D12-F84F-821B-F55F6C3A3B49}" presName="tx1" presStyleLbl="revTx" presStyleIdx="0" presStyleCnt="5"/>
+      <dgm:spPr/>
+    </dgm:pt>
+    <dgm:pt modelId="{833C50A3-0CD9-5C4A-949D-B04FC2E6747D}" type="pres">
+      <dgm:prSet presAssocID="{21DA678F-7D12-F84F-821B-F55F6C3A3B49}" presName="vert1" presStyleCnt="0"/>
+      <dgm:spPr/>
+    </dgm:pt>
+    <dgm:pt modelId="{06FC781C-0F42-A84C-80B3-0E063DDF0DFF}" type="pres">
+      <dgm:prSet presAssocID="{074A3111-B69A-4EE4-9088-EA328A3D814B}" presName="thickLine" presStyleLbl="alignNode1" presStyleIdx="1" presStyleCnt="5"/>
+      <dgm:spPr/>
+    </dgm:pt>
+    <dgm:pt modelId="{661C770D-5E28-604C-B7DB-F878429FA534}" type="pres">
+      <dgm:prSet presAssocID="{074A3111-B69A-4EE4-9088-EA328A3D814B}" presName="horz1" presStyleCnt="0"/>
+      <dgm:spPr/>
+    </dgm:pt>
+    <dgm:pt modelId="{9B1B54FE-4ADB-574F-93BA-BBDAD57F0458}" type="pres">
+      <dgm:prSet presAssocID="{074A3111-B69A-4EE4-9088-EA328A3D814B}" presName="tx1" presStyleLbl="revTx" presStyleIdx="1" presStyleCnt="5"/>
+      <dgm:spPr/>
+    </dgm:pt>
+    <dgm:pt modelId="{892AB0F6-5422-5745-827F-4F2D7EBC6D13}" type="pres">
+      <dgm:prSet presAssocID="{074A3111-B69A-4EE4-9088-EA328A3D814B}" presName="vert1" presStyleCnt="0"/>
+      <dgm:spPr/>
+    </dgm:pt>
+    <dgm:pt modelId="{15C7490C-7390-1541-918E-A378EE754C01}" type="pres">
+      <dgm:prSet presAssocID="{E6BAC6D4-BE4E-4A7F-9B8F-8086C0D5A284}" presName="thickLine" presStyleLbl="alignNode1" presStyleIdx="2" presStyleCnt="5"/>
+      <dgm:spPr/>
+    </dgm:pt>
+    <dgm:pt modelId="{39A76B15-5243-BC43-88D6-E9FDB151A0DC}" type="pres">
+      <dgm:prSet presAssocID="{E6BAC6D4-BE4E-4A7F-9B8F-8086C0D5A284}" presName="horz1" presStyleCnt="0"/>
+      <dgm:spPr/>
+    </dgm:pt>
+    <dgm:pt modelId="{7B27B321-2B1B-A94F-A5DC-C7C3131CF733}" type="pres">
+      <dgm:prSet presAssocID="{E6BAC6D4-BE4E-4A7F-9B8F-8086C0D5A284}" presName="tx1" presStyleLbl="revTx" presStyleIdx="2" presStyleCnt="5"/>
+      <dgm:spPr/>
+    </dgm:pt>
+    <dgm:pt modelId="{5BCEEFE9-3EC1-D54C-99DB-24AE510287F5}" type="pres">
+      <dgm:prSet presAssocID="{E6BAC6D4-BE4E-4A7F-9B8F-8086C0D5A284}" presName="vert1" presStyleCnt="0"/>
+      <dgm:spPr/>
+    </dgm:pt>
+    <dgm:pt modelId="{B51006CE-222F-034F-AD05-4A0D5966EF98}" type="pres">
+      <dgm:prSet presAssocID="{C3D5B1D9-4C2F-42CB-B394-8CD59FA470F5}" presName="thickLine" presStyleLbl="alignNode1" presStyleIdx="3" presStyleCnt="5"/>
+      <dgm:spPr/>
+    </dgm:pt>
+    <dgm:pt modelId="{64D9ECC1-A725-EA40-953E-655C9FEBD894}" type="pres">
+      <dgm:prSet presAssocID="{C3D5B1D9-4C2F-42CB-B394-8CD59FA470F5}" presName="horz1" presStyleCnt="0"/>
+      <dgm:spPr/>
+    </dgm:pt>
+    <dgm:pt modelId="{07A26D49-97D8-334B-9F9F-903B54356DA8}" type="pres">
+      <dgm:prSet presAssocID="{C3D5B1D9-4C2F-42CB-B394-8CD59FA470F5}" presName="tx1" presStyleLbl="revTx" presStyleIdx="3" presStyleCnt="5"/>
+      <dgm:spPr/>
+    </dgm:pt>
+    <dgm:pt modelId="{EA078761-F5CE-7940-88AF-401455B3C538}" type="pres">
+      <dgm:prSet presAssocID="{C3D5B1D9-4C2F-42CB-B394-8CD59FA470F5}" presName="vert1" presStyleCnt="0"/>
+      <dgm:spPr/>
+    </dgm:pt>
+    <dgm:pt modelId="{99354682-9297-CD4C-8FAF-AC31523FEE3B}" type="pres">
+      <dgm:prSet presAssocID="{A9056769-BADC-B543-BF7A-0FBF5F60C0C5}" presName="thickLine" presStyleLbl="alignNode1" presStyleIdx="4" presStyleCnt="5"/>
+      <dgm:spPr/>
+    </dgm:pt>
+    <dgm:pt modelId="{9CA9981E-CC64-7541-B6E1-82F6AACFCEC0}" type="pres">
+      <dgm:prSet presAssocID="{A9056769-BADC-B543-BF7A-0FBF5F60C0C5}" presName="horz1" presStyleCnt="0"/>
+      <dgm:spPr/>
+    </dgm:pt>
+    <dgm:pt modelId="{33C0E0E9-F405-2449-B466-D7FFBEC837A7}" type="pres">
+      <dgm:prSet presAssocID="{A9056769-BADC-B543-BF7A-0FBF5F60C0C5}" presName="tx1" presStyleLbl="revTx" presStyleIdx="4" presStyleCnt="5"/>
+      <dgm:spPr/>
+    </dgm:pt>
+    <dgm:pt modelId="{87691D5B-7C0A-A940-B38F-7B61F95B54C5}" type="pres">
+      <dgm:prSet presAssocID="{A9056769-BADC-B543-BF7A-0FBF5F60C0C5}" presName="vert1" presStyleCnt="0"/>
+      <dgm:spPr/>
+    </dgm:pt>
+  </dgm:ptLst>
+  <dgm:cxnLst>
+    <dgm:cxn modelId="{D1A3D713-F457-6840-BD6B-86FA5478A124}" type="presOf" srcId="{074A3111-B69A-4EE4-9088-EA328A3D814B}" destId="{9B1B54FE-4ADB-574F-93BA-BBDAD57F0458}" srcOrd="0" destOrd="0" presId="urn:microsoft.com/office/officeart/2008/layout/LinedList"/>
+    <dgm:cxn modelId="{EBB0A133-2E99-E546-A33E-0E369A322F57}" srcId="{B3194587-7247-4051-9F2E-CF420B46A043}" destId="{A9056769-BADC-B543-BF7A-0FBF5F60C0C5}" srcOrd="4" destOrd="0" parTransId="{570E5073-69D8-364A-ACAA-02B03F93064D}" sibTransId="{A4EDE337-A017-E04A-BC82-493564116706}"/>
+    <dgm:cxn modelId="{42270739-D0F3-F94F-9A8E-50CCF2EECBF5}" srcId="{B3194587-7247-4051-9F2E-CF420B46A043}" destId="{21DA678F-7D12-F84F-821B-F55F6C3A3B49}" srcOrd="0" destOrd="0" parTransId="{4C957374-8E02-044D-AB25-C7A8997B87E0}" sibTransId="{B263FB8C-046A-9D48-928B-AA7070E7A873}"/>
+    <dgm:cxn modelId="{BAABB56C-DBA9-B141-AF07-705118788CC3}" type="presOf" srcId="{E6BAC6D4-BE4E-4A7F-9B8F-8086C0D5A284}" destId="{7B27B321-2B1B-A94F-A5DC-C7C3131CF733}" srcOrd="0" destOrd="0" presId="urn:microsoft.com/office/officeart/2008/layout/LinedList"/>
+    <dgm:cxn modelId="{AC62347E-B92C-284B-A2BA-7D3AC1D823EE}" type="presOf" srcId="{A9056769-BADC-B543-BF7A-0FBF5F60C0C5}" destId="{33C0E0E9-F405-2449-B466-D7FFBEC837A7}" srcOrd="0" destOrd="0" presId="urn:microsoft.com/office/officeart/2008/layout/LinedList"/>
+    <dgm:cxn modelId="{E52E5D81-2544-6349-9758-475FA21B41A0}" type="presOf" srcId="{21DA678F-7D12-F84F-821B-F55F6C3A3B49}" destId="{19FDD4EC-3897-AF44-9353-37AB905407F8}" srcOrd="0" destOrd="0" presId="urn:microsoft.com/office/officeart/2008/layout/LinedList"/>
+    <dgm:cxn modelId="{44CF5A9E-14E1-5744-BF2F-AAD503559D4B}" type="presOf" srcId="{B3194587-7247-4051-9F2E-CF420B46A043}" destId="{BB58F1F5-7892-FE41-ADC1-67D89E4FCBCD}" srcOrd="0" destOrd="0" presId="urn:microsoft.com/office/officeart/2008/layout/LinedList"/>
+    <dgm:cxn modelId="{9D7C6DA2-5B29-4750-8444-61B976EE2339}" srcId="{B3194587-7247-4051-9F2E-CF420B46A043}" destId="{C3D5B1D9-4C2F-42CB-B394-8CD59FA470F5}" srcOrd="3" destOrd="0" parTransId="{A2EDC22C-C0DC-4618-BCB2-D29D7353B7E9}" sibTransId="{C05F99A3-E485-4E5A-8CBD-377378468BD0}"/>
+    <dgm:cxn modelId="{AEC88BAD-3EF1-4E14-BFFF-EB6443CD8BAD}" srcId="{B3194587-7247-4051-9F2E-CF420B46A043}" destId="{E6BAC6D4-BE4E-4A7F-9B8F-8086C0D5A284}" srcOrd="2" destOrd="0" parTransId="{7B6C1FDB-3FA8-42F7-9D07-3C68FC6FFC18}" sibTransId="{88C2A2B4-F3AB-444A-AA65-801A96670B55}"/>
+    <dgm:cxn modelId="{75A495AD-9E3D-084C-B69C-1A3CB2CCC62C}" type="presOf" srcId="{C3D5B1D9-4C2F-42CB-B394-8CD59FA470F5}" destId="{07A26D49-97D8-334B-9F9F-903B54356DA8}" srcOrd="0" destOrd="0" presId="urn:microsoft.com/office/officeart/2008/layout/LinedList"/>
+    <dgm:cxn modelId="{109F42FA-E10C-4C86-A235-7A117D343973}" srcId="{B3194587-7247-4051-9F2E-CF420B46A043}" destId="{074A3111-B69A-4EE4-9088-EA328A3D814B}" srcOrd="1" destOrd="0" parTransId="{26B98CDB-40B5-481C-80D2-36C8D43C3A14}" sibTransId="{C74A5E62-1E9A-4338-911E-2D98546128AC}"/>
+    <dgm:cxn modelId="{DD1F2EC8-429B-9547-ACDA-2C9161D2AA8C}" type="presParOf" srcId="{BB58F1F5-7892-FE41-ADC1-67D89E4FCBCD}" destId="{43949194-93C3-AB43-AACF-58F163D77AB6}" srcOrd="0" destOrd="0" presId="urn:microsoft.com/office/officeart/2008/layout/LinedList"/>
+    <dgm:cxn modelId="{F59ED176-9FDE-3D42-8719-3EE0FBA0503E}" type="presParOf" srcId="{BB58F1F5-7892-FE41-ADC1-67D89E4FCBCD}" destId="{B92CD67B-A1C8-044F-9AA5-73E269FDC20E}" srcOrd="1" destOrd="0" presId="urn:microsoft.com/office/officeart/2008/layout/LinedList"/>
+    <dgm:cxn modelId="{72DE0A7B-F756-DD49-99A3-B72D061B767F}" type="presParOf" srcId="{B92CD67B-A1C8-044F-9AA5-73E269FDC20E}" destId="{19FDD4EC-3897-AF44-9353-37AB905407F8}" srcOrd="0" destOrd="0" presId="urn:microsoft.com/office/officeart/2008/layout/LinedList"/>
+    <dgm:cxn modelId="{3D3D7842-1D85-2141-84C3-530BC3B79A3E}" type="presParOf" srcId="{B92CD67B-A1C8-044F-9AA5-73E269FDC20E}" destId="{833C50A3-0CD9-5C4A-949D-B04FC2E6747D}" srcOrd="1" destOrd="0" presId="urn:microsoft.com/office/officeart/2008/layout/LinedList"/>
+    <dgm:cxn modelId="{C8E52546-7622-5D44-9AE8-8FC78AC85A45}" type="presParOf" srcId="{BB58F1F5-7892-FE41-ADC1-67D89E4FCBCD}" destId="{06FC781C-0F42-A84C-80B3-0E063DDF0DFF}" srcOrd="2" destOrd="0" presId="urn:microsoft.com/office/officeart/2008/layout/LinedList"/>
+    <dgm:cxn modelId="{9E79C7BE-C12E-434E-9C75-A5D3FA4A698B}" type="presParOf" srcId="{BB58F1F5-7892-FE41-ADC1-67D89E4FCBCD}" destId="{661C770D-5E28-604C-B7DB-F878429FA534}" srcOrd="3" destOrd="0" presId="urn:microsoft.com/office/officeart/2008/layout/LinedList"/>
+    <dgm:cxn modelId="{BAE6494C-D95D-CA49-A475-16331C466FD1}" type="presParOf" srcId="{661C770D-5E28-604C-B7DB-F878429FA534}" destId="{9B1B54FE-4ADB-574F-93BA-BBDAD57F0458}" srcOrd="0" destOrd="0" presId="urn:microsoft.com/office/officeart/2008/layout/LinedList"/>
+    <dgm:cxn modelId="{E58AA5CE-2C4F-A243-A274-8E89B0812BD9}" type="presParOf" srcId="{661C770D-5E28-604C-B7DB-F878429FA534}" destId="{892AB0F6-5422-5745-827F-4F2D7EBC6D13}" srcOrd="1" destOrd="0" presId="urn:microsoft.com/office/officeart/2008/layout/LinedList"/>
+    <dgm:cxn modelId="{1DD130D2-8DCA-DD4D-AC90-A934F797F52D}" type="presParOf" srcId="{BB58F1F5-7892-FE41-ADC1-67D89E4FCBCD}" destId="{15C7490C-7390-1541-918E-A378EE754C01}" srcOrd="4" destOrd="0" presId="urn:microsoft.com/office/officeart/2008/layout/LinedList"/>
+    <dgm:cxn modelId="{BCA8D7C8-D845-EE49-8552-7C2CFDAA63E3}" type="presParOf" srcId="{BB58F1F5-7892-FE41-ADC1-67D89E4FCBCD}" destId="{39A76B15-5243-BC43-88D6-E9FDB151A0DC}" srcOrd="5" destOrd="0" presId="urn:microsoft.com/office/officeart/2008/layout/LinedList"/>
+    <dgm:cxn modelId="{A3F367B5-207B-9343-B3A9-543709122503}" type="presParOf" srcId="{39A76B15-5243-BC43-88D6-E9FDB151A0DC}" destId="{7B27B321-2B1B-A94F-A5DC-C7C3131CF733}" srcOrd="0" destOrd="0" presId="urn:microsoft.com/office/officeart/2008/layout/LinedList"/>
+    <dgm:cxn modelId="{89B12AD2-2225-A549-9EEC-FC8328C6D34F}" type="presParOf" srcId="{39A76B15-5243-BC43-88D6-E9FDB151A0DC}" destId="{5BCEEFE9-3EC1-D54C-99DB-24AE510287F5}" srcOrd="1" destOrd="0" presId="urn:microsoft.com/office/officeart/2008/layout/LinedList"/>
+    <dgm:cxn modelId="{36DC0059-3BC9-A844-BAD1-A84FAC6BEC8D}" type="presParOf" srcId="{BB58F1F5-7892-FE41-ADC1-67D89E4FCBCD}" destId="{B51006CE-222F-034F-AD05-4A0D5966EF98}" srcOrd="6" destOrd="0" presId="urn:microsoft.com/office/officeart/2008/layout/LinedList"/>
+    <dgm:cxn modelId="{44575927-D55E-294A-9E75-3846BF26DA49}" type="presParOf" srcId="{BB58F1F5-7892-FE41-ADC1-67D89E4FCBCD}" destId="{64D9ECC1-A725-EA40-953E-655C9FEBD894}" srcOrd="7" destOrd="0" presId="urn:microsoft.com/office/officeart/2008/layout/LinedList"/>
+    <dgm:cxn modelId="{8E52C2B1-DC7C-8049-BB3F-D75E994AB4AB}" type="presParOf" srcId="{64D9ECC1-A725-EA40-953E-655C9FEBD894}" destId="{07A26D49-97D8-334B-9F9F-903B54356DA8}" srcOrd="0" destOrd="0" presId="urn:microsoft.com/office/officeart/2008/layout/LinedList"/>
+    <dgm:cxn modelId="{F9A62C64-9FD5-3D48-877D-68314487D891}" type="presParOf" srcId="{64D9ECC1-A725-EA40-953E-655C9FEBD894}" destId="{EA078761-F5CE-7940-88AF-401455B3C538}" srcOrd="1" destOrd="0" presId="urn:microsoft.com/office/officeart/2008/layout/LinedList"/>
+    <dgm:cxn modelId="{C42FF4A4-F166-404A-883B-7DBC786CD079}" type="presParOf" srcId="{BB58F1F5-7892-FE41-ADC1-67D89E4FCBCD}" destId="{99354682-9297-CD4C-8FAF-AC31523FEE3B}" srcOrd="8" destOrd="0" presId="urn:microsoft.com/office/officeart/2008/layout/LinedList"/>
+    <dgm:cxn modelId="{805217B9-188C-974E-9820-4EC1471A1F74}" type="presParOf" srcId="{BB58F1F5-7892-FE41-ADC1-67D89E4FCBCD}" destId="{9CA9981E-CC64-7541-B6E1-82F6AACFCEC0}" srcOrd="9" destOrd="0" presId="urn:microsoft.com/office/officeart/2008/layout/LinedList"/>
+    <dgm:cxn modelId="{49D07DAC-02DC-B94B-801A-D88218B70E03}" type="presParOf" srcId="{9CA9981E-CC64-7541-B6E1-82F6AACFCEC0}" destId="{33C0E0E9-F405-2449-B466-D7FFBEC837A7}" srcOrd="0" destOrd="0" presId="urn:microsoft.com/office/officeart/2008/layout/LinedList"/>
+    <dgm:cxn modelId="{F34A102E-7065-DE4F-A158-5635D2DB69CB}" type="presParOf" srcId="{9CA9981E-CC64-7541-B6E1-82F6AACFCEC0}" destId="{87691D5B-7C0A-A940-B38F-7B61F95B54C5}" srcOrd="1" destOrd="0" presId="urn:microsoft.com/office/officeart/2008/layout/LinedList"/>
   </dgm:cxnLst>
   <dgm:bg/>
   <dgm:whole/>
@@ -6179,6 +7290,568 @@
 </dsp:drawing>
 </file>
 
+<file path=ppt/diagrams/drawing4.xml><?xml version="1.0" encoding="utf-8"?>
+<dsp:drawing xmlns:dgm="http://schemas.openxmlformats.org/drawingml/2006/diagram" xmlns:dsp="http://schemas.microsoft.com/office/drawing/2008/diagram" xmlns:a="http://schemas.openxmlformats.org/drawingml/2006/main">
+  <dsp:spTree>
+    <dsp:nvGrpSpPr>
+      <dsp:cNvPr id="0" name=""/>
+      <dsp:cNvGrpSpPr/>
+    </dsp:nvGrpSpPr>
+    <dsp:grpSpPr/>
+    <dsp:sp modelId="{43949194-93C3-AB43-AACF-58F163D77AB6}">
+      <dsp:nvSpPr>
+        <dsp:cNvPr id="0" name=""/>
+        <dsp:cNvSpPr/>
+      </dsp:nvSpPr>
+      <dsp:spPr>
+        <a:xfrm>
+          <a:off x="0" y="725"/>
+          <a:ext cx="7240146" cy="0"/>
+        </a:xfrm>
+        <a:prstGeom prst="line">
+          <a:avLst/>
+        </a:prstGeom>
+        <a:solidFill>
+          <a:schemeClr val="accent2">
+            <a:hueOff val="0"/>
+            <a:satOff val="0"/>
+            <a:lumOff val="0"/>
+            <a:alphaOff val="0"/>
+          </a:schemeClr>
+        </a:solidFill>
+        <a:ln w="12700" cap="flat" cmpd="sng" algn="ctr">
+          <a:solidFill>
+            <a:schemeClr val="accent2">
+              <a:hueOff val="0"/>
+              <a:satOff val="0"/>
+              <a:lumOff val="0"/>
+              <a:alphaOff val="0"/>
+            </a:schemeClr>
+          </a:solidFill>
+          <a:prstDash val="solid"/>
+          <a:miter lim="800000"/>
+        </a:ln>
+        <a:effectLst/>
+      </dsp:spPr>
+      <dsp:style>
+        <a:lnRef idx="2">
+          <a:scrgbClr r="0" g="0" b="0"/>
+        </a:lnRef>
+        <a:fillRef idx="1">
+          <a:scrgbClr r="0" g="0" b="0"/>
+        </a:fillRef>
+        <a:effectRef idx="0">
+          <a:scrgbClr r="0" g="0" b="0"/>
+        </a:effectRef>
+        <a:fontRef idx="minor">
+          <a:schemeClr val="lt1"/>
+        </a:fontRef>
+      </dsp:style>
+    </dsp:sp>
+    <dsp:sp modelId="{19FDD4EC-3897-AF44-9353-37AB905407F8}">
+      <dsp:nvSpPr>
+        <dsp:cNvPr id="0" name=""/>
+        <dsp:cNvSpPr/>
+      </dsp:nvSpPr>
+      <dsp:spPr>
+        <a:xfrm>
+          <a:off x="0" y="725"/>
+          <a:ext cx="7240146" cy="1188429"/>
+        </a:xfrm>
+        <a:prstGeom prst="rect">
+          <a:avLst/>
+        </a:prstGeom>
+        <a:noFill/>
+        <a:ln>
+          <a:noFill/>
+        </a:ln>
+        <a:effectLst/>
+      </dsp:spPr>
+      <dsp:style>
+        <a:lnRef idx="0">
+          <a:scrgbClr r="0" g="0" b="0"/>
+        </a:lnRef>
+        <a:fillRef idx="0">
+          <a:scrgbClr r="0" g="0" b="0"/>
+        </a:fillRef>
+        <a:effectRef idx="0">
+          <a:scrgbClr r="0" g="0" b="0"/>
+        </a:effectRef>
+        <a:fontRef idx="minor"/>
+      </dsp:style>
+      <dsp:txBody>
+        <a:bodyPr spcFirstLastPara="0" vert="horz" wrap="square" lIns="91440" tIns="91440" rIns="91440" bIns="91440" numCol="1" spcCol="1270" anchor="t" anchorCtr="0">
+          <a:noAutofit/>
+        </a:bodyPr>
+        <a:lstStyle/>
+        <a:p>
+          <a:pPr marL="0" lvl="0" indent="0" algn="l" defTabSz="1066800">
+            <a:lnSpc>
+              <a:spcPct val="90000"/>
+            </a:lnSpc>
+            <a:spcBef>
+              <a:spcPct val="0"/>
+            </a:spcBef>
+            <a:spcAft>
+              <a:spcPct val="35000"/>
+            </a:spcAft>
+            <a:buNone/>
+          </a:pPr>
+          <a:r>
+            <a:rPr lang="en-US" sz="2400" kern="1200" dirty="0"/>
+            <a:t>Pipelines and not so clean data, with extra information encoded in the initial features was interesting.</a:t>
+          </a:r>
+        </a:p>
+      </dsp:txBody>
+      <dsp:txXfrm>
+        <a:off x="0" y="725"/>
+        <a:ext cx="7240146" cy="1188429"/>
+      </dsp:txXfrm>
+    </dsp:sp>
+    <dsp:sp modelId="{06FC781C-0F42-A84C-80B3-0E063DDF0DFF}">
+      <dsp:nvSpPr>
+        <dsp:cNvPr id="0" name=""/>
+        <dsp:cNvSpPr/>
+      </dsp:nvSpPr>
+      <dsp:spPr>
+        <a:xfrm>
+          <a:off x="0" y="1189155"/>
+          <a:ext cx="7240146" cy="0"/>
+        </a:xfrm>
+        <a:prstGeom prst="line">
+          <a:avLst/>
+        </a:prstGeom>
+        <a:solidFill>
+          <a:schemeClr val="accent2">
+            <a:hueOff val="287826"/>
+            <a:satOff val="-1981"/>
+            <a:lumOff val="9265"/>
+            <a:alphaOff val="0"/>
+          </a:schemeClr>
+        </a:solidFill>
+        <a:ln w="12700" cap="flat" cmpd="sng" algn="ctr">
+          <a:solidFill>
+            <a:schemeClr val="accent2">
+              <a:hueOff val="287826"/>
+              <a:satOff val="-1981"/>
+              <a:lumOff val="9265"/>
+              <a:alphaOff val="0"/>
+            </a:schemeClr>
+          </a:solidFill>
+          <a:prstDash val="solid"/>
+          <a:miter lim="800000"/>
+        </a:ln>
+        <a:effectLst/>
+      </dsp:spPr>
+      <dsp:style>
+        <a:lnRef idx="2">
+          <a:scrgbClr r="0" g="0" b="0"/>
+        </a:lnRef>
+        <a:fillRef idx="1">
+          <a:scrgbClr r="0" g="0" b="0"/>
+        </a:fillRef>
+        <a:effectRef idx="0">
+          <a:scrgbClr r="0" g="0" b="0"/>
+        </a:effectRef>
+        <a:fontRef idx="minor">
+          <a:schemeClr val="lt1"/>
+        </a:fontRef>
+      </dsp:style>
+    </dsp:sp>
+    <dsp:sp modelId="{9B1B54FE-4ADB-574F-93BA-BBDAD57F0458}">
+      <dsp:nvSpPr>
+        <dsp:cNvPr id="0" name=""/>
+        <dsp:cNvSpPr/>
+      </dsp:nvSpPr>
+      <dsp:spPr>
+        <a:xfrm>
+          <a:off x="0" y="1189155"/>
+          <a:ext cx="7240146" cy="1188429"/>
+        </a:xfrm>
+        <a:prstGeom prst="rect">
+          <a:avLst/>
+        </a:prstGeom>
+        <a:noFill/>
+        <a:ln>
+          <a:noFill/>
+        </a:ln>
+        <a:effectLst/>
+      </dsp:spPr>
+      <dsp:style>
+        <a:lnRef idx="0">
+          <a:scrgbClr r="0" g="0" b="0"/>
+        </a:lnRef>
+        <a:fillRef idx="0">
+          <a:scrgbClr r="0" g="0" b="0"/>
+        </a:fillRef>
+        <a:effectRef idx="0">
+          <a:scrgbClr r="0" g="0" b="0"/>
+        </a:effectRef>
+        <a:fontRef idx="minor"/>
+      </dsp:style>
+      <dsp:txBody>
+        <a:bodyPr spcFirstLastPara="0" vert="horz" wrap="square" lIns="91440" tIns="91440" rIns="91440" bIns="91440" numCol="1" spcCol="1270" anchor="t" anchorCtr="0">
+          <a:noAutofit/>
+        </a:bodyPr>
+        <a:lstStyle/>
+        <a:p>
+          <a:pPr marL="0" lvl="0" indent="0" algn="l" defTabSz="1066800">
+            <a:lnSpc>
+              <a:spcPct val="90000"/>
+            </a:lnSpc>
+            <a:spcBef>
+              <a:spcPct val="0"/>
+            </a:spcBef>
+            <a:spcAft>
+              <a:spcPct val="35000"/>
+            </a:spcAft>
+            <a:buNone/>
+          </a:pPr>
+          <a:r>
+            <a:rPr lang="en-US" sz="2400" kern="1200" dirty="0"/>
+            <a:t>+ Feature engineering</a:t>
+          </a:r>
+        </a:p>
+      </dsp:txBody>
+      <dsp:txXfrm>
+        <a:off x="0" y="1189155"/>
+        <a:ext cx="7240146" cy="1188429"/>
+      </dsp:txXfrm>
+    </dsp:sp>
+    <dsp:sp modelId="{15C7490C-7390-1541-918E-A378EE754C01}">
+      <dsp:nvSpPr>
+        <dsp:cNvPr id="0" name=""/>
+        <dsp:cNvSpPr/>
+      </dsp:nvSpPr>
+      <dsp:spPr>
+        <a:xfrm>
+          <a:off x="0" y="2377585"/>
+          <a:ext cx="7240146" cy="0"/>
+        </a:xfrm>
+        <a:prstGeom prst="line">
+          <a:avLst/>
+        </a:prstGeom>
+        <a:solidFill>
+          <a:schemeClr val="accent2">
+            <a:hueOff val="575652"/>
+            <a:satOff val="-3962"/>
+            <a:lumOff val="18530"/>
+            <a:alphaOff val="0"/>
+          </a:schemeClr>
+        </a:solidFill>
+        <a:ln w="12700" cap="flat" cmpd="sng" algn="ctr">
+          <a:solidFill>
+            <a:schemeClr val="accent2">
+              <a:hueOff val="575652"/>
+              <a:satOff val="-3962"/>
+              <a:lumOff val="18530"/>
+              <a:alphaOff val="0"/>
+            </a:schemeClr>
+          </a:solidFill>
+          <a:prstDash val="solid"/>
+          <a:miter lim="800000"/>
+        </a:ln>
+        <a:effectLst/>
+      </dsp:spPr>
+      <dsp:style>
+        <a:lnRef idx="2">
+          <a:scrgbClr r="0" g="0" b="0"/>
+        </a:lnRef>
+        <a:fillRef idx="1">
+          <a:scrgbClr r="0" g="0" b="0"/>
+        </a:fillRef>
+        <a:effectRef idx="0">
+          <a:scrgbClr r="0" g="0" b="0"/>
+        </a:effectRef>
+        <a:fontRef idx="minor">
+          <a:schemeClr val="lt1"/>
+        </a:fontRef>
+      </dsp:style>
+    </dsp:sp>
+    <dsp:sp modelId="{7B27B321-2B1B-A94F-A5DC-C7C3131CF733}">
+      <dsp:nvSpPr>
+        <dsp:cNvPr id="0" name=""/>
+        <dsp:cNvSpPr/>
+      </dsp:nvSpPr>
+      <dsp:spPr>
+        <a:xfrm>
+          <a:off x="0" y="2377585"/>
+          <a:ext cx="7240146" cy="1188429"/>
+        </a:xfrm>
+        <a:prstGeom prst="rect">
+          <a:avLst/>
+        </a:prstGeom>
+        <a:noFill/>
+        <a:ln>
+          <a:noFill/>
+        </a:ln>
+        <a:effectLst/>
+      </dsp:spPr>
+      <dsp:style>
+        <a:lnRef idx="0">
+          <a:scrgbClr r="0" g="0" b="0"/>
+        </a:lnRef>
+        <a:fillRef idx="0">
+          <a:scrgbClr r="0" g="0" b="0"/>
+        </a:fillRef>
+        <a:effectRef idx="0">
+          <a:scrgbClr r="0" g="0" b="0"/>
+        </a:effectRef>
+        <a:fontRef idx="minor"/>
+      </dsp:style>
+      <dsp:txBody>
+        <a:bodyPr spcFirstLastPara="0" vert="horz" wrap="square" lIns="91440" tIns="91440" rIns="91440" bIns="91440" numCol="1" spcCol="1270" anchor="t" anchorCtr="0">
+          <a:noAutofit/>
+        </a:bodyPr>
+        <a:lstStyle/>
+        <a:p>
+          <a:pPr marL="0" lvl="0" indent="0" algn="l" defTabSz="1066800">
+            <a:lnSpc>
+              <a:spcPct val="90000"/>
+            </a:lnSpc>
+            <a:spcBef>
+              <a:spcPct val="0"/>
+            </a:spcBef>
+            <a:spcAft>
+              <a:spcPct val="35000"/>
+            </a:spcAft>
+            <a:buNone/>
+          </a:pPr>
+          <a:r>
+            <a:rPr lang="en-US" sz="2400" kern="1200" dirty="0"/>
+            <a:t>- Lazy Predict</a:t>
+          </a:r>
+        </a:p>
+      </dsp:txBody>
+      <dsp:txXfrm>
+        <a:off x="0" y="2377585"/>
+        <a:ext cx="7240146" cy="1188429"/>
+      </dsp:txXfrm>
+    </dsp:sp>
+    <dsp:sp modelId="{B51006CE-222F-034F-AD05-4A0D5966EF98}">
+      <dsp:nvSpPr>
+        <dsp:cNvPr id="0" name=""/>
+        <dsp:cNvSpPr/>
+      </dsp:nvSpPr>
+      <dsp:spPr>
+        <a:xfrm>
+          <a:off x="0" y="3566014"/>
+          <a:ext cx="7240146" cy="0"/>
+        </a:xfrm>
+        <a:prstGeom prst="line">
+          <a:avLst/>
+        </a:prstGeom>
+        <a:solidFill>
+          <a:schemeClr val="accent2">
+            <a:hueOff val="863477"/>
+            <a:satOff val="-5943"/>
+            <a:lumOff val="27794"/>
+            <a:alphaOff val="0"/>
+          </a:schemeClr>
+        </a:solidFill>
+        <a:ln w="12700" cap="flat" cmpd="sng" algn="ctr">
+          <a:solidFill>
+            <a:schemeClr val="accent2">
+              <a:hueOff val="863477"/>
+              <a:satOff val="-5943"/>
+              <a:lumOff val="27794"/>
+              <a:alphaOff val="0"/>
+            </a:schemeClr>
+          </a:solidFill>
+          <a:prstDash val="solid"/>
+          <a:miter lim="800000"/>
+        </a:ln>
+        <a:effectLst/>
+      </dsp:spPr>
+      <dsp:style>
+        <a:lnRef idx="2">
+          <a:scrgbClr r="0" g="0" b="0"/>
+        </a:lnRef>
+        <a:fillRef idx="1">
+          <a:scrgbClr r="0" g="0" b="0"/>
+        </a:fillRef>
+        <a:effectRef idx="0">
+          <a:scrgbClr r="0" g="0" b="0"/>
+        </a:effectRef>
+        <a:fontRef idx="minor">
+          <a:schemeClr val="lt1"/>
+        </a:fontRef>
+      </dsp:style>
+    </dsp:sp>
+    <dsp:sp modelId="{07A26D49-97D8-334B-9F9F-903B54356DA8}">
+      <dsp:nvSpPr>
+        <dsp:cNvPr id="0" name=""/>
+        <dsp:cNvSpPr/>
+      </dsp:nvSpPr>
+      <dsp:spPr>
+        <a:xfrm>
+          <a:off x="0" y="3566014"/>
+          <a:ext cx="7240146" cy="1188429"/>
+        </a:xfrm>
+        <a:prstGeom prst="rect">
+          <a:avLst/>
+        </a:prstGeom>
+        <a:noFill/>
+        <a:ln>
+          <a:noFill/>
+        </a:ln>
+        <a:effectLst/>
+      </dsp:spPr>
+      <dsp:style>
+        <a:lnRef idx="0">
+          <a:scrgbClr r="0" g="0" b="0"/>
+        </a:lnRef>
+        <a:fillRef idx="0">
+          <a:scrgbClr r="0" g="0" b="0"/>
+        </a:fillRef>
+        <a:effectRef idx="0">
+          <a:scrgbClr r="0" g="0" b="0"/>
+        </a:effectRef>
+        <a:fontRef idx="minor"/>
+      </dsp:style>
+      <dsp:txBody>
+        <a:bodyPr spcFirstLastPara="0" vert="horz" wrap="square" lIns="91440" tIns="91440" rIns="91440" bIns="91440" numCol="1" spcCol="1270" anchor="t" anchorCtr="0">
+          <a:noAutofit/>
+        </a:bodyPr>
+        <a:lstStyle/>
+        <a:p>
+          <a:pPr marL="0" lvl="0" indent="0" algn="l" defTabSz="1066800">
+            <a:lnSpc>
+              <a:spcPct val="90000"/>
+            </a:lnSpc>
+            <a:spcBef>
+              <a:spcPct val="0"/>
+            </a:spcBef>
+            <a:spcAft>
+              <a:spcPct val="35000"/>
+            </a:spcAft>
+            <a:buNone/>
+          </a:pPr>
+          <a:r>
+            <a:rPr lang="en-US" sz="2400" kern="1200" dirty="0"/>
+            <a:t>+Hyper parameter search</a:t>
+          </a:r>
+        </a:p>
+      </dsp:txBody>
+      <dsp:txXfrm>
+        <a:off x="0" y="3566014"/>
+        <a:ext cx="7240146" cy="1188429"/>
+      </dsp:txXfrm>
+    </dsp:sp>
+    <dsp:sp modelId="{99354682-9297-CD4C-8FAF-AC31523FEE3B}">
+      <dsp:nvSpPr>
+        <dsp:cNvPr id="0" name=""/>
+        <dsp:cNvSpPr/>
+      </dsp:nvSpPr>
+      <dsp:spPr>
+        <a:xfrm>
+          <a:off x="0" y="4754444"/>
+          <a:ext cx="7240146" cy="0"/>
+        </a:xfrm>
+        <a:prstGeom prst="line">
+          <a:avLst/>
+        </a:prstGeom>
+        <a:solidFill>
+          <a:schemeClr val="accent2">
+            <a:hueOff val="1151303"/>
+            <a:satOff val="-7924"/>
+            <a:lumOff val="37059"/>
+            <a:alphaOff val="0"/>
+          </a:schemeClr>
+        </a:solidFill>
+        <a:ln w="12700" cap="flat" cmpd="sng" algn="ctr">
+          <a:solidFill>
+            <a:schemeClr val="accent2">
+              <a:hueOff val="1151303"/>
+              <a:satOff val="-7924"/>
+              <a:lumOff val="37059"/>
+              <a:alphaOff val="0"/>
+            </a:schemeClr>
+          </a:solidFill>
+          <a:prstDash val="solid"/>
+          <a:miter lim="800000"/>
+        </a:ln>
+        <a:effectLst/>
+      </dsp:spPr>
+      <dsp:style>
+        <a:lnRef idx="2">
+          <a:scrgbClr r="0" g="0" b="0"/>
+        </a:lnRef>
+        <a:fillRef idx="1">
+          <a:scrgbClr r="0" g="0" b="0"/>
+        </a:fillRef>
+        <a:effectRef idx="0">
+          <a:scrgbClr r="0" g="0" b="0"/>
+        </a:effectRef>
+        <a:fontRef idx="minor">
+          <a:schemeClr val="lt1"/>
+        </a:fontRef>
+      </dsp:style>
+    </dsp:sp>
+    <dsp:sp modelId="{33C0E0E9-F405-2449-B466-D7FFBEC837A7}">
+      <dsp:nvSpPr>
+        <dsp:cNvPr id="0" name=""/>
+        <dsp:cNvSpPr/>
+      </dsp:nvSpPr>
+      <dsp:spPr>
+        <a:xfrm>
+          <a:off x="0" y="4754444"/>
+          <a:ext cx="7240146" cy="1188429"/>
+        </a:xfrm>
+        <a:prstGeom prst="rect">
+          <a:avLst/>
+        </a:prstGeom>
+        <a:noFill/>
+        <a:ln>
+          <a:noFill/>
+        </a:ln>
+        <a:effectLst/>
+      </dsp:spPr>
+      <dsp:style>
+        <a:lnRef idx="0">
+          <a:scrgbClr r="0" g="0" b="0"/>
+        </a:lnRef>
+        <a:fillRef idx="0">
+          <a:scrgbClr r="0" g="0" b="0"/>
+        </a:fillRef>
+        <a:effectRef idx="0">
+          <a:scrgbClr r="0" g="0" b="0"/>
+        </a:effectRef>
+        <a:fontRef idx="minor"/>
+      </dsp:style>
+      <dsp:txBody>
+        <a:bodyPr spcFirstLastPara="0" vert="horz" wrap="square" lIns="91440" tIns="91440" rIns="91440" bIns="91440" numCol="1" spcCol="1270" anchor="t" anchorCtr="0">
+          <a:noAutofit/>
+        </a:bodyPr>
+        <a:lstStyle/>
+        <a:p>
+          <a:pPr marL="0" lvl="0" indent="0" algn="l" defTabSz="1066800">
+            <a:lnSpc>
+              <a:spcPct val="90000"/>
+            </a:lnSpc>
+            <a:spcBef>
+              <a:spcPct val="0"/>
+            </a:spcBef>
+            <a:spcAft>
+              <a:spcPct val="35000"/>
+            </a:spcAft>
+            <a:buNone/>
+          </a:pPr>
+          <a:r>
+            <a:rPr lang="en-US" sz="2400" kern="1200" dirty="0"/>
+            <a:t>The top 7% was a boost of motivation</a:t>
+          </a:r>
+        </a:p>
+      </dsp:txBody>
+      <dsp:txXfrm>
+        <a:off x="0" y="4754444"/>
+        <a:ext cx="7240146" cy="1188429"/>
+      </dsp:txXfrm>
+    </dsp:sp>
+  </dsp:spTree>
+</dsp:drawing>
+</file>
+
 <file path=ppt/diagrams/layout1.xml><?xml version="1.0" encoding="utf-8"?>
 <dgm:layoutDef xmlns:dgm="http://schemas.openxmlformats.org/drawingml/2006/diagram" xmlns:a="http://schemas.openxmlformats.org/drawingml/2006/main" uniqueId="urn:microsoft.com/office/officeart/2008/layout/LinedList">
   <dgm:title val=""/>
@@ -6939,6 +8612,472 @@
 </dgm:layoutDef>
 </file>
 
+<file path=ppt/diagrams/layout4.xml><?xml version="1.0" encoding="utf-8"?>
+<dgm:layoutDef xmlns:dgm="http://schemas.openxmlformats.org/drawingml/2006/diagram" xmlns:a="http://schemas.openxmlformats.org/drawingml/2006/main" uniqueId="urn:microsoft.com/office/officeart/2008/layout/LinedList">
+  <dgm:title val=""/>
+  <dgm:desc val=""/>
+  <dgm:catLst>
+    <dgm:cat type="hierarchy" pri="8000"/>
+    <dgm:cat type="list" pri="2500"/>
+  </dgm:catLst>
+  <dgm:sampData>
+    <dgm:dataModel>
+      <dgm:ptLst>
+        <dgm:pt modelId="0" type="doc"/>
+        <dgm:pt modelId="1">
+          <dgm:prSet phldr="1"/>
+        </dgm:pt>
+        <dgm:pt modelId="11">
+          <dgm:prSet phldr="1"/>
+        </dgm:pt>
+        <dgm:pt modelId="12">
+          <dgm:prSet phldr="1"/>
+        </dgm:pt>
+        <dgm:pt modelId="13">
+          <dgm:prSet phldr="1"/>
+        </dgm:pt>
+      </dgm:ptLst>
+      <dgm:cxnLst>
+        <dgm:cxn modelId="2" srcId="0" destId="1" srcOrd="0" destOrd="0"/>
+        <dgm:cxn modelId="3" srcId="1" destId="11" srcOrd="0" destOrd="0"/>
+        <dgm:cxn modelId="4" srcId="1" destId="12" srcOrd="1" destOrd="0"/>
+        <dgm:cxn modelId="5" srcId="1" destId="13" srcOrd="2" destOrd="0"/>
+      </dgm:cxnLst>
+      <dgm:bg/>
+      <dgm:whole/>
+    </dgm:dataModel>
+  </dgm:sampData>
+  <dgm:styleData>
+    <dgm:dataModel>
+      <dgm:ptLst>
+        <dgm:pt modelId="0" type="doc"/>
+        <dgm:pt modelId="1">
+          <dgm:prSet phldr="1"/>
+        </dgm:pt>
+        <dgm:pt modelId="11">
+          <dgm:prSet phldr="1"/>
+        </dgm:pt>
+        <dgm:pt modelId="12">
+          <dgm:prSet phldr="1"/>
+        </dgm:pt>
+      </dgm:ptLst>
+      <dgm:cxnLst>
+        <dgm:cxn modelId="2" srcId="0" destId="1" srcOrd="0" destOrd="0"/>
+        <dgm:cxn modelId="3" srcId="1" destId="11" srcOrd="0" destOrd="0"/>
+        <dgm:cxn modelId="4" srcId="1" destId="12" srcOrd="1" destOrd="0"/>
+      </dgm:cxnLst>
+      <dgm:bg/>
+      <dgm:whole/>
+    </dgm:dataModel>
+  </dgm:styleData>
+  <dgm:clrData>
+    <dgm:dataModel>
+      <dgm:ptLst>
+        <dgm:pt modelId="0" type="doc"/>
+        <dgm:pt modelId="1">
+          <dgm:prSet phldr="1"/>
+        </dgm:pt>
+        <dgm:pt modelId="11">
+          <dgm:prSet phldr="1"/>
+        </dgm:pt>
+        <dgm:pt modelId="12">
+          <dgm:prSet phldr="1"/>
+        </dgm:pt>
+      </dgm:ptLst>
+      <dgm:cxnLst>
+        <dgm:cxn modelId="2" srcId="0" destId="1" srcOrd="0" destOrd="0"/>
+        <dgm:cxn modelId="3" srcId="1" destId="11" srcOrd="0" destOrd="0"/>
+        <dgm:cxn modelId="4" srcId="1" destId="12" srcOrd="1" destOrd="0"/>
+      </dgm:cxnLst>
+      <dgm:bg/>
+      <dgm:whole/>
+    </dgm:dataModel>
+  </dgm:clrData>
+  <dgm:layoutNode name="vert0">
+    <dgm:varLst>
+      <dgm:dir/>
+      <dgm:animOne val="branch"/>
+      <dgm:animLvl val="lvl"/>
+    </dgm:varLst>
+    <dgm:choose name="Name0">
+      <dgm:if name="Name1" func="var" arg="dir" op="equ" val="norm">
+        <dgm:alg type="lin">
+          <dgm:param type="linDir" val="fromT"/>
+          <dgm:param type="nodeHorzAlign" val="l"/>
+        </dgm:alg>
+      </dgm:if>
+      <dgm:else name="Name2">
+        <dgm:alg type="lin">
+          <dgm:param type="linDir" val="fromT"/>
+          <dgm:param type="nodeHorzAlign" val="r"/>
+        </dgm:alg>
+      </dgm:else>
+    </dgm:choose>
+    <dgm:shape xmlns:r="http://schemas.openxmlformats.org/officeDocument/2006/relationships" r:blip="">
+      <dgm:adjLst/>
+    </dgm:shape>
+    <dgm:presOf/>
+    <dgm:constrLst>
+      <dgm:constr type="w" for="ch" forName="horz1" refType="w"/>
+      <dgm:constr type="h" for="ch" forName="horz1" refType="h"/>
+      <dgm:constr type="h" for="des" forName="vert1" refType="h"/>
+      <dgm:constr type="h" for="des" forName="tx1" refType="h"/>
+      <dgm:constr type="h" for="des" forName="horz2" refType="h"/>
+      <dgm:constr type="h" for="des" forName="vert2" refType="h"/>
+      <dgm:constr type="h" for="des" forName="horz3" refType="h"/>
+      <dgm:constr type="h" for="des" forName="vert3" refType="h"/>
+      <dgm:constr type="h" for="des" forName="horz4" refType="h"/>
+      <dgm:constr type="h" for="des" ptType="node" refType="h"/>
+      <dgm:constr type="primFontSz" for="des" forName="tx1" op="equ" val="65"/>
+      <dgm:constr type="primFontSz" for="des" forName="tx2" op="equ" val="65"/>
+      <dgm:constr type="primFontSz" for="des" forName="tx3" op="equ" val="65"/>
+      <dgm:constr type="primFontSz" for="des" forName="tx4" op="equ" val="65"/>
+      <dgm:constr type="w" for="des" forName="thickLine" refType="w"/>
+      <dgm:constr type="h" for="des" forName="thickLine"/>
+      <dgm:constr type="h" for="des" forName="thinLine1"/>
+      <dgm:constr type="h" for="des" forName="thinLine2b"/>
+      <dgm:constr type="h" for="des" forName="thinLine3"/>
+      <dgm:constr type="h" for="des" forName="vertSpace2a" refType="h" fact="0.05"/>
+      <dgm:constr type="h" for="des" forName="vertSpace2b" refType="h" refFor="des" refForName="vertSpace2a"/>
+    </dgm:constrLst>
+    <dgm:forEach name="Name3" axis="ch" ptType="node">
+      <dgm:layoutNode name="thickLine" styleLbl="alignNode1">
+        <dgm:alg type="sp"/>
+        <dgm:shape xmlns:r="http://schemas.openxmlformats.org/officeDocument/2006/relationships" type="line" r:blip="">
+          <dgm:adjLst/>
+        </dgm:shape>
+        <dgm:presOf/>
+      </dgm:layoutNode>
+      <dgm:layoutNode name="horz1">
+        <dgm:choose name="Name4">
+          <dgm:if name="Name5" func="var" arg="dir" op="equ" val="norm">
+            <dgm:alg type="lin">
+              <dgm:param type="linDir" val="fromL"/>
+              <dgm:param type="nodeVertAlign" val="t"/>
+            </dgm:alg>
+          </dgm:if>
+          <dgm:else name="Name6">
+            <dgm:alg type="lin">
+              <dgm:param type="linDir" val="fromR"/>
+              <dgm:param type="nodeVertAlign" val="t"/>
+            </dgm:alg>
+          </dgm:else>
+        </dgm:choose>
+        <dgm:shape xmlns:r="http://schemas.openxmlformats.org/officeDocument/2006/relationships" r:blip="">
+          <dgm:adjLst/>
+        </dgm:shape>
+        <dgm:presOf/>
+        <dgm:choose name="Name7">
+          <dgm:if name="Name8" axis="root des" func="maxDepth" op="equ" val="1">
+            <dgm:constrLst>
+              <dgm:constr type="w" for="ch" forName="tx1" refType="w"/>
+            </dgm:constrLst>
+          </dgm:if>
+          <dgm:if name="Name9" axis="root des" func="maxDepth" op="equ" val="2">
+            <dgm:constrLst>
+              <dgm:constr type="w" for="ch" forName="tx1" refType="w" fact="0.2"/>
+              <dgm:constr type="w" for="des" forName="tx2" refType="w" fact="0.785"/>
+              <dgm:constr type="w" for="des" forName="horzSpace2" refType="w" fact="0.015"/>
+              <dgm:constr type="w" for="des" forName="thinLine2b" refType="w" fact="0.8"/>
+            </dgm:constrLst>
+          </dgm:if>
+          <dgm:if name="Name10" axis="root des" func="maxDepth" op="equ" val="3">
+            <dgm:constrLst>
+              <dgm:constr type="w" for="ch" forName="tx1" refType="w" fact="0.2"/>
+              <dgm:constr type="w" for="des" forName="tx2" refType="w" fact="0.385"/>
+              <dgm:constr type="w" for="des" forName="tx3" refType="w" fact="0.385"/>
+              <dgm:constr type="w" for="des" forName="horzSpace2" refType="w" fact="0.015"/>
+              <dgm:constr type="w" for="des" forName="horzSpace3" refType="w" fact="0.015"/>
+              <dgm:constr type="w" for="des" forName="thinLine2b" refType="w" fact="0.8"/>
+              <dgm:constr type="w" for="des" forName="thinLine3" refType="w" fact="0.385"/>
+            </dgm:constrLst>
+          </dgm:if>
+          <dgm:if name="Name11" axis="root des" func="maxDepth" op="gte" val="4">
+            <dgm:constrLst>
+              <dgm:constr type="w" for="ch" forName="tx1" refType="w" fact="0.2"/>
+              <dgm:constr type="w" for="des" forName="tx2" refType="w" fact="0.2516"/>
+              <dgm:constr type="w" for="des" forName="tx3" refType="w" fact="0.2516"/>
+              <dgm:constr type="w" for="des" forName="tx4" refType="w" fact="0.2516"/>
+              <dgm:constr type="w" for="des" forName="horzSpace2" refType="w" fact="0.015"/>
+              <dgm:constr type="w" for="des" forName="horzSpace3" refType="w" fact="0.015"/>
+              <dgm:constr type="w" for="des" forName="horzSpace4" refType="w" fact="0.015"/>
+              <dgm:constr type="w" for="des" forName="thinLine2b" refType="w" fact="0.8"/>
+              <dgm:constr type="w" for="des" forName="thinLine3" refType="w" fact="0.5332"/>
+            </dgm:constrLst>
+          </dgm:if>
+          <dgm:else name="Name12"/>
+        </dgm:choose>
+        <dgm:layoutNode name="tx1" styleLbl="revTx">
+          <dgm:alg type="tx">
+            <dgm:param type="parTxLTRAlign" val="l"/>
+            <dgm:param type="parTxRTLAlign" val="r"/>
+            <dgm:param type="txAnchorVert" val="t"/>
+          </dgm:alg>
+          <dgm:shape xmlns:r="http://schemas.openxmlformats.org/officeDocument/2006/relationships" type="rect" r:blip="">
+            <dgm:adjLst/>
+          </dgm:shape>
+          <dgm:presOf axis="self"/>
+          <dgm:constrLst>
+            <dgm:constr type="tMarg" refType="primFontSz" fact="0.3"/>
+            <dgm:constr type="bMarg" refType="primFontSz" fact="0.3"/>
+            <dgm:constr type="lMarg" refType="primFontSz" fact="0.3"/>
+            <dgm:constr type="rMarg" refType="primFontSz" fact="0.3"/>
+          </dgm:constrLst>
+          <dgm:ruleLst>
+            <dgm:rule type="primFontSz" val="5" fact="NaN" max="NaN"/>
+          </dgm:ruleLst>
+        </dgm:layoutNode>
+        <dgm:layoutNode name="vert1">
+          <dgm:choose name="Name13">
+            <dgm:if name="Name14" func="var" arg="dir" op="equ" val="norm">
+              <dgm:alg type="lin">
+                <dgm:param type="linDir" val="fromT"/>
+                <dgm:param type="nodeHorzAlign" val="l"/>
+              </dgm:alg>
+            </dgm:if>
+            <dgm:else name="Name15">
+              <dgm:alg type="lin">
+                <dgm:param type="linDir" val="fromT"/>
+                <dgm:param type="nodeHorzAlign" val="r"/>
+              </dgm:alg>
+            </dgm:else>
+          </dgm:choose>
+          <dgm:shape xmlns:r="http://schemas.openxmlformats.org/officeDocument/2006/relationships" r:blip="">
+            <dgm:adjLst/>
+          </dgm:shape>
+          <dgm:presOf/>
+          <dgm:forEach name="Name16" axis="ch" ptType="node">
+            <dgm:choose name="Name17">
+              <dgm:if name="Name18" axis="self" ptType="node" func="pos" op="equ" val="1">
+                <dgm:layoutNode name="vertSpace2a">
+                  <dgm:alg type="sp"/>
+                  <dgm:shape xmlns:r="http://schemas.openxmlformats.org/officeDocument/2006/relationships" r:blip="">
+                    <dgm:adjLst/>
+                  </dgm:shape>
+                  <dgm:presOf/>
+                </dgm:layoutNode>
+              </dgm:if>
+              <dgm:else name="Name19"/>
+            </dgm:choose>
+            <dgm:layoutNode name="horz2">
+              <dgm:choose name="Name20">
+                <dgm:if name="Name21" func="var" arg="dir" op="equ" val="norm">
+                  <dgm:alg type="lin">
+                    <dgm:param type="linDir" val="fromL"/>
+                    <dgm:param type="nodeVertAlign" val="t"/>
+                  </dgm:alg>
+                </dgm:if>
+                <dgm:else name="Name22">
+                  <dgm:alg type="lin">
+                    <dgm:param type="linDir" val="fromR"/>
+                    <dgm:param type="nodeVertAlign" val="t"/>
+                  </dgm:alg>
+                </dgm:else>
+              </dgm:choose>
+              <dgm:shape xmlns:r="http://schemas.openxmlformats.org/officeDocument/2006/relationships" r:blip="">
+                <dgm:adjLst/>
+              </dgm:shape>
+              <dgm:presOf/>
+              <dgm:layoutNode name="horzSpace2">
+                <dgm:alg type="sp"/>
+                <dgm:shape xmlns:r="http://schemas.openxmlformats.org/officeDocument/2006/relationships" r:blip="">
+                  <dgm:adjLst/>
+                </dgm:shape>
+                <dgm:presOf/>
+              </dgm:layoutNode>
+              <dgm:layoutNode name="tx2" styleLbl="revTx">
+                <dgm:alg type="tx">
+                  <dgm:param type="parTxLTRAlign" val="l"/>
+                  <dgm:param type="parTxRTLAlign" val="r"/>
+                  <dgm:param type="txAnchorVert" val="t"/>
+                </dgm:alg>
+                <dgm:shape xmlns:r="http://schemas.openxmlformats.org/officeDocument/2006/relationships" type="rect" r:blip="">
+                  <dgm:adjLst/>
+                </dgm:shape>
+                <dgm:presOf axis="self"/>
+                <dgm:constrLst>
+                  <dgm:constr type="tMarg" refType="primFontSz" fact="0.3"/>
+                  <dgm:constr type="bMarg" refType="primFontSz" fact="0.3"/>
+                  <dgm:constr type="lMarg" refType="primFontSz" fact="0.3"/>
+                  <dgm:constr type="rMarg" refType="primFontSz" fact="0.3"/>
+                </dgm:constrLst>
+                <dgm:ruleLst>
+                  <dgm:rule type="primFontSz" val="5" fact="NaN" max="NaN"/>
+                </dgm:ruleLst>
+              </dgm:layoutNode>
+              <dgm:layoutNode name="vert2">
+                <dgm:choose name="Name23">
+                  <dgm:if name="Name24" func="var" arg="dir" op="equ" val="norm">
+                    <dgm:alg type="lin">
+                      <dgm:param type="linDir" val="fromT"/>
+                      <dgm:param type="nodeHorzAlign" val="l"/>
+                    </dgm:alg>
+                  </dgm:if>
+                  <dgm:else name="Name25">
+                    <dgm:alg type="lin">
+                      <dgm:param type="linDir" val="fromT"/>
+                      <dgm:param type="nodeHorzAlign" val="r"/>
+                    </dgm:alg>
+                  </dgm:else>
+                </dgm:choose>
+                <dgm:shape xmlns:r="http://schemas.openxmlformats.org/officeDocument/2006/relationships" r:blip="">
+                  <dgm:adjLst/>
+                </dgm:shape>
+                <dgm:presOf/>
+                <dgm:forEach name="Name26" axis="ch" ptType="node">
+                  <dgm:layoutNode name="horz3">
+                    <dgm:choose name="Name27">
+                      <dgm:if name="Name28" func="var" arg="dir" op="equ" val="norm">
+                        <dgm:alg type="lin">
+                          <dgm:param type="linDir" val="fromL"/>
+                          <dgm:param type="nodeVertAlign" val="t"/>
+                        </dgm:alg>
+                      </dgm:if>
+                      <dgm:else name="Name29">
+                        <dgm:alg type="lin">
+                          <dgm:param type="linDir" val="fromR"/>
+                          <dgm:param type="nodeVertAlign" val="t"/>
+                        </dgm:alg>
+                      </dgm:else>
+                    </dgm:choose>
+                    <dgm:shape xmlns:r="http://schemas.openxmlformats.org/officeDocument/2006/relationships" r:blip="">
+                      <dgm:adjLst/>
+                    </dgm:shape>
+                    <dgm:presOf/>
+                    <dgm:layoutNode name="horzSpace3">
+                      <dgm:alg type="sp"/>
+                      <dgm:shape xmlns:r="http://schemas.openxmlformats.org/officeDocument/2006/relationships" r:blip="">
+                        <dgm:adjLst/>
+                      </dgm:shape>
+                      <dgm:presOf/>
+                    </dgm:layoutNode>
+                    <dgm:layoutNode name="tx3" styleLbl="revTx">
+                      <dgm:alg type="tx">
+                        <dgm:param type="parTxLTRAlign" val="l"/>
+                        <dgm:param type="parTxRTLAlign" val="r"/>
+                        <dgm:param type="txAnchorVert" val="t"/>
+                      </dgm:alg>
+                      <dgm:shape xmlns:r="http://schemas.openxmlformats.org/officeDocument/2006/relationships" type="rect" r:blip="">
+                        <dgm:adjLst/>
+                      </dgm:shape>
+                      <dgm:presOf axis="self"/>
+                      <dgm:constrLst>
+                        <dgm:constr type="tMarg" refType="primFontSz" fact="0.3"/>
+                        <dgm:constr type="bMarg" refType="primFontSz" fact="0.3"/>
+                        <dgm:constr type="lMarg" refType="primFontSz" fact="0.3"/>
+                        <dgm:constr type="rMarg" refType="primFontSz" fact="0.3"/>
+                      </dgm:constrLst>
+                      <dgm:ruleLst>
+                        <dgm:rule type="primFontSz" val="5" fact="NaN" max="NaN"/>
+                      </dgm:ruleLst>
+                    </dgm:layoutNode>
+                    <dgm:layoutNode name="vert3">
+                      <dgm:choose name="Name30">
+                        <dgm:if name="Name31" func="var" arg="dir" op="equ" val="norm">
+                          <dgm:alg type="lin">
+                            <dgm:param type="linDir" val="fromT"/>
+                            <dgm:param type="nodeHorzAlign" val="l"/>
+                          </dgm:alg>
+                        </dgm:if>
+                        <dgm:else name="Name32">
+                          <dgm:alg type="lin">
+                            <dgm:param type="linDir" val="fromT"/>
+                            <dgm:param type="nodeHorzAlign" val="r"/>
+                          </dgm:alg>
+                        </dgm:else>
+                      </dgm:choose>
+                      <dgm:shape xmlns:r="http://schemas.openxmlformats.org/officeDocument/2006/relationships" r:blip="">
+                        <dgm:adjLst/>
+                      </dgm:shape>
+                      <dgm:presOf/>
+                      <dgm:forEach name="Name33" axis="ch" ptType="node">
+                        <dgm:layoutNode name="horz4">
+                          <dgm:choose name="Name34">
+                            <dgm:if name="Name35" func="var" arg="dir" op="equ" val="norm">
+                              <dgm:alg type="lin">
+                                <dgm:param type="linDir" val="fromL"/>
+                                <dgm:param type="nodeVertAlign" val="t"/>
+                              </dgm:alg>
+                            </dgm:if>
+                            <dgm:else name="Name36">
+                              <dgm:alg type="lin">
+                                <dgm:param type="linDir" val="fromR"/>
+                                <dgm:param type="nodeVertAlign" val="t"/>
+                              </dgm:alg>
+                            </dgm:else>
+                          </dgm:choose>
+                          <dgm:shape xmlns:r="http://schemas.openxmlformats.org/officeDocument/2006/relationships" r:blip="">
+                            <dgm:adjLst/>
+                          </dgm:shape>
+                          <dgm:presOf/>
+                          <dgm:layoutNode name="horzSpace4">
+                            <dgm:alg type="sp"/>
+                            <dgm:shape xmlns:r="http://schemas.openxmlformats.org/officeDocument/2006/relationships" r:blip="">
+                              <dgm:adjLst/>
+                            </dgm:shape>
+                            <dgm:presOf/>
+                          </dgm:layoutNode>
+                          <dgm:layoutNode name="tx4" styleLbl="revTx">
+                            <dgm:varLst>
+                              <dgm:bulletEnabled val="1"/>
+                            </dgm:varLst>
+                            <dgm:alg type="tx">
+                              <dgm:param type="parTxLTRAlign" val="l"/>
+                              <dgm:param type="parTxRTLAlign" val="r"/>
+                              <dgm:param type="txAnchorVert" val="t"/>
+                            </dgm:alg>
+                            <dgm:shape xmlns:r="http://schemas.openxmlformats.org/officeDocument/2006/relationships" type="rect" r:blip="">
+                              <dgm:adjLst/>
+                            </dgm:shape>
+                            <dgm:presOf axis="desOrSelf" ptType="node"/>
+                            <dgm:constrLst>
+                              <dgm:constr type="tMarg" refType="primFontSz" fact="0.3"/>
+                              <dgm:constr type="bMarg" refType="primFontSz" fact="0.3"/>
+                              <dgm:constr type="lMarg" refType="primFontSz" fact="0.3"/>
+                              <dgm:constr type="rMarg" refType="primFontSz" fact="0.3"/>
+                            </dgm:constrLst>
+                            <dgm:ruleLst>
+                              <dgm:rule type="primFontSz" val="5" fact="NaN" max="NaN"/>
+                            </dgm:ruleLst>
+                          </dgm:layoutNode>
+                        </dgm:layoutNode>
+                      </dgm:forEach>
+                    </dgm:layoutNode>
+                  </dgm:layoutNode>
+                  <dgm:forEach name="Name37" axis="followSib" ptType="sibTrans" cnt="1">
+                    <dgm:layoutNode name="thinLine3" styleLbl="callout">
+                      <dgm:alg type="sp"/>
+                      <dgm:shape xmlns:r="http://schemas.openxmlformats.org/officeDocument/2006/relationships" type="line" r:blip="">
+                        <dgm:adjLst/>
+                      </dgm:shape>
+                      <dgm:presOf/>
+                    </dgm:layoutNode>
+                  </dgm:forEach>
+                </dgm:forEach>
+              </dgm:layoutNode>
+            </dgm:layoutNode>
+            <dgm:layoutNode name="thinLine2b" styleLbl="callout">
+              <dgm:alg type="sp"/>
+              <dgm:shape xmlns:r="http://schemas.openxmlformats.org/officeDocument/2006/relationships" type="line" r:blip="">
+                <dgm:adjLst/>
+              </dgm:shape>
+              <dgm:presOf/>
+            </dgm:layoutNode>
+            <dgm:layoutNode name="vertSpace2b">
+              <dgm:alg type="sp"/>
+              <dgm:shape xmlns:r="http://schemas.openxmlformats.org/officeDocument/2006/relationships" r:blip="">
+                <dgm:adjLst/>
+              </dgm:shape>
+              <dgm:presOf/>
+            </dgm:layoutNode>
+          </dgm:forEach>
+        </dgm:layoutNode>
+      </dgm:layoutNode>
+    </dgm:forEach>
+  </dgm:layoutNode>
+</dgm:layoutDef>
+</file>
+
 <file path=ppt/diagrams/quickStyle1.xml><?xml version="1.0" encoding="utf-8"?>
 <dgm:styleDef xmlns:dgm="http://schemas.openxmlformats.org/drawingml/2006/diagram" xmlns:a="http://schemas.openxmlformats.org/drawingml/2006/main" uniqueId="urn:microsoft.com/office/officeart/2005/8/quickstyle/simple5">
   <dgm:title val=""/>
@@ -9008,6 +11147,1040 @@
 </file>
 
 <file path=ppt/diagrams/quickStyle3.xml><?xml version="1.0" encoding="utf-8"?>
+<dgm:styleDef xmlns:dgm="http://schemas.openxmlformats.org/drawingml/2006/diagram" xmlns:a="http://schemas.openxmlformats.org/drawingml/2006/main" uniqueId="urn:microsoft.com/office/officeart/2005/8/quickstyle/simple1">
+  <dgm:title val=""/>
+  <dgm:desc val=""/>
+  <dgm:catLst>
+    <dgm:cat type="simple" pri="10100"/>
+  </dgm:catLst>
+  <dgm:scene3d>
+    <a:camera prst="orthographicFront"/>
+    <a:lightRig rig="threePt" dir="t"/>
+  </dgm:scene3d>
+  <dgm:styleLbl name="node0">
+    <dgm:scene3d>
+      <a:camera prst="orthographicFront"/>
+      <a:lightRig rig="threePt" dir="t"/>
+    </dgm:scene3d>
+    <dgm:sp3d/>
+    <dgm:txPr/>
+    <dgm:style>
+      <a:lnRef idx="2">
+        <a:scrgbClr r="0" g="0" b="0"/>
+      </a:lnRef>
+      <a:fillRef idx="1">
+        <a:scrgbClr r="0" g="0" b="0"/>
+      </a:fillRef>
+      <a:effectRef idx="0">
+        <a:scrgbClr r="0" g="0" b="0"/>
+      </a:effectRef>
+      <a:fontRef idx="minor">
+        <a:schemeClr val="lt1"/>
+      </a:fontRef>
+    </dgm:style>
+  </dgm:styleLbl>
+  <dgm:styleLbl name="lnNode1">
+    <dgm:scene3d>
+      <a:camera prst="orthographicFront"/>
+      <a:lightRig rig="threePt" dir="t"/>
+    </dgm:scene3d>
+    <dgm:sp3d/>
+    <dgm:txPr/>
+    <dgm:style>
+      <a:lnRef idx="2">
+        <a:scrgbClr r="0" g="0" b="0"/>
+      </a:lnRef>
+      <a:fillRef idx="1">
+        <a:scrgbClr r="0" g="0" b="0"/>
+      </a:fillRef>
+      <a:effectRef idx="0">
+        <a:scrgbClr r="0" g="0" b="0"/>
+      </a:effectRef>
+      <a:fontRef idx="minor">
+        <a:schemeClr val="lt1"/>
+      </a:fontRef>
+    </dgm:style>
+  </dgm:styleLbl>
+  <dgm:styleLbl name="vennNode1">
+    <dgm:scene3d>
+      <a:camera prst="orthographicFront"/>
+      <a:lightRig rig="threePt" dir="t"/>
+    </dgm:scene3d>
+    <dgm:sp3d/>
+    <dgm:txPr/>
+    <dgm:style>
+      <a:lnRef idx="2">
+        <a:scrgbClr r="0" g="0" b="0"/>
+      </a:lnRef>
+      <a:fillRef idx="1">
+        <a:scrgbClr r="0" g="0" b="0"/>
+      </a:fillRef>
+      <a:effectRef idx="0">
+        <a:scrgbClr r="0" g="0" b="0"/>
+      </a:effectRef>
+      <a:fontRef idx="minor">
+        <a:schemeClr val="tx1"/>
+      </a:fontRef>
+    </dgm:style>
+  </dgm:styleLbl>
+  <dgm:styleLbl name="alignNode1">
+    <dgm:scene3d>
+      <a:camera prst="orthographicFront"/>
+      <a:lightRig rig="threePt" dir="t"/>
+    </dgm:scene3d>
+    <dgm:sp3d/>
+    <dgm:txPr/>
+    <dgm:style>
+      <a:lnRef idx="2">
+        <a:scrgbClr r="0" g="0" b="0"/>
+      </a:lnRef>
+      <a:fillRef idx="1">
+        <a:scrgbClr r="0" g="0" b="0"/>
+      </a:fillRef>
+      <a:effectRef idx="0">
+        <a:scrgbClr r="0" g="0" b="0"/>
+      </a:effectRef>
+      <a:fontRef idx="minor">
+        <a:schemeClr val="lt1"/>
+      </a:fontRef>
+    </dgm:style>
+  </dgm:styleLbl>
+  <dgm:styleLbl name="node1">
+    <dgm:scene3d>
+      <a:camera prst="orthographicFront"/>
+      <a:lightRig rig="threePt" dir="t"/>
+    </dgm:scene3d>
+    <dgm:sp3d/>
+    <dgm:txPr/>
+    <dgm:style>
+      <a:lnRef idx="2">
+        <a:scrgbClr r="0" g="0" b="0"/>
+      </a:lnRef>
+      <a:fillRef idx="1">
+        <a:scrgbClr r="0" g="0" b="0"/>
+      </a:fillRef>
+      <a:effectRef idx="0">
+        <a:scrgbClr r="0" g="0" b="0"/>
+      </a:effectRef>
+      <a:fontRef idx="minor">
+        <a:schemeClr val="lt1"/>
+      </a:fontRef>
+    </dgm:style>
+  </dgm:styleLbl>
+  <dgm:styleLbl name="node2">
+    <dgm:scene3d>
+      <a:camera prst="orthographicFront"/>
+      <a:lightRig rig="threePt" dir="t"/>
+    </dgm:scene3d>
+    <dgm:sp3d/>
+    <dgm:txPr/>
+    <dgm:style>
+      <a:lnRef idx="2">
+        <a:scrgbClr r="0" g="0" b="0"/>
+      </a:lnRef>
+      <a:fillRef idx="1">
+        <a:scrgbClr r="0" g="0" b="0"/>
+      </a:fillRef>
+      <a:effectRef idx="0">
+        <a:scrgbClr r="0" g="0" b="0"/>
+      </a:effectRef>
+      <a:fontRef idx="minor">
+        <a:schemeClr val="lt1"/>
+      </a:fontRef>
+    </dgm:style>
+  </dgm:styleLbl>
+  <dgm:styleLbl name="node3">
+    <dgm:scene3d>
+      <a:camera prst="orthographicFront"/>
+      <a:lightRig rig="threePt" dir="t"/>
+    </dgm:scene3d>
+    <dgm:sp3d/>
+    <dgm:txPr/>
+    <dgm:style>
+      <a:lnRef idx="2">
+        <a:scrgbClr r="0" g="0" b="0"/>
+      </a:lnRef>
+      <a:fillRef idx="1">
+        <a:scrgbClr r="0" g="0" b="0"/>
+      </a:fillRef>
+      <a:effectRef idx="0">
+        <a:scrgbClr r="0" g="0" b="0"/>
+      </a:effectRef>
+      <a:fontRef idx="minor">
+        <a:schemeClr val="lt1"/>
+      </a:fontRef>
+    </dgm:style>
+  </dgm:styleLbl>
+  <dgm:styleLbl name="node4">
+    <dgm:scene3d>
+      <a:camera prst="orthographicFront"/>
+      <a:lightRig rig="threePt" dir="t"/>
+    </dgm:scene3d>
+    <dgm:sp3d/>
+    <dgm:txPr/>
+    <dgm:style>
+      <a:lnRef idx="2">
+        <a:scrgbClr r="0" g="0" b="0"/>
+      </a:lnRef>
+      <a:fillRef idx="1">
+        <a:scrgbClr r="0" g="0" b="0"/>
+      </a:fillRef>
+      <a:effectRef idx="0">
+        <a:scrgbClr r="0" g="0" b="0"/>
+      </a:effectRef>
+      <a:fontRef idx="minor">
+        <a:schemeClr val="lt1"/>
+      </a:fontRef>
+    </dgm:style>
+  </dgm:styleLbl>
+  <dgm:styleLbl name="fgImgPlace1">
+    <dgm:scene3d>
+      <a:camera prst="orthographicFront"/>
+      <a:lightRig rig="threePt" dir="t"/>
+    </dgm:scene3d>
+    <dgm:sp3d/>
+    <dgm:txPr/>
+    <dgm:style>
+      <a:lnRef idx="2">
+        <a:scrgbClr r="0" g="0" b="0"/>
+      </a:lnRef>
+      <a:fillRef idx="1">
+        <a:scrgbClr r="0" g="0" b="0"/>
+      </a:fillRef>
+      <a:effectRef idx="0">
+        <a:scrgbClr r="0" g="0" b="0"/>
+      </a:effectRef>
+      <a:fontRef idx="minor"/>
+    </dgm:style>
+  </dgm:styleLbl>
+  <dgm:styleLbl name="alignImgPlace1">
+    <dgm:scene3d>
+      <a:camera prst="orthographicFront"/>
+      <a:lightRig rig="threePt" dir="t"/>
+    </dgm:scene3d>
+    <dgm:sp3d/>
+    <dgm:txPr/>
+    <dgm:style>
+      <a:lnRef idx="2">
+        <a:scrgbClr r="0" g="0" b="0"/>
+      </a:lnRef>
+      <a:fillRef idx="1">
+        <a:scrgbClr r="0" g="0" b="0"/>
+      </a:fillRef>
+      <a:effectRef idx="0">
+        <a:scrgbClr r="0" g="0" b="0"/>
+      </a:effectRef>
+      <a:fontRef idx="minor"/>
+    </dgm:style>
+  </dgm:styleLbl>
+  <dgm:styleLbl name="bgImgPlace1">
+    <dgm:scene3d>
+      <a:camera prst="orthographicFront"/>
+      <a:lightRig rig="threePt" dir="t"/>
+    </dgm:scene3d>
+    <dgm:sp3d/>
+    <dgm:txPr/>
+    <dgm:style>
+      <a:lnRef idx="2">
+        <a:scrgbClr r="0" g="0" b="0"/>
+      </a:lnRef>
+      <a:fillRef idx="1">
+        <a:scrgbClr r="0" g="0" b="0"/>
+      </a:fillRef>
+      <a:effectRef idx="0">
+        <a:scrgbClr r="0" g="0" b="0"/>
+      </a:effectRef>
+      <a:fontRef idx="minor"/>
+    </dgm:style>
+  </dgm:styleLbl>
+  <dgm:styleLbl name="sibTrans2D1">
+    <dgm:scene3d>
+      <a:camera prst="orthographicFront"/>
+      <a:lightRig rig="threePt" dir="t"/>
+    </dgm:scene3d>
+    <dgm:sp3d/>
+    <dgm:txPr/>
+    <dgm:style>
+      <a:lnRef idx="0">
+        <a:scrgbClr r="0" g="0" b="0"/>
+      </a:lnRef>
+      <a:fillRef idx="1">
+        <a:scrgbClr r="0" g="0" b="0"/>
+      </a:fillRef>
+      <a:effectRef idx="0">
+        <a:scrgbClr r="0" g="0" b="0"/>
+      </a:effectRef>
+      <a:fontRef idx="minor">
+        <a:schemeClr val="lt1"/>
+      </a:fontRef>
+    </dgm:style>
+  </dgm:styleLbl>
+  <dgm:styleLbl name="fgSibTrans2D1">
+    <dgm:scene3d>
+      <a:camera prst="orthographicFront"/>
+      <a:lightRig rig="threePt" dir="t"/>
+    </dgm:scene3d>
+    <dgm:sp3d/>
+    <dgm:txPr/>
+    <dgm:style>
+      <a:lnRef idx="0">
+        <a:scrgbClr r="0" g="0" b="0"/>
+      </a:lnRef>
+      <a:fillRef idx="1">
+        <a:scrgbClr r="0" g="0" b="0"/>
+      </a:fillRef>
+      <a:effectRef idx="0">
+        <a:scrgbClr r="0" g="0" b="0"/>
+      </a:effectRef>
+      <a:fontRef idx="minor">
+        <a:schemeClr val="lt1"/>
+      </a:fontRef>
+    </dgm:style>
+  </dgm:styleLbl>
+  <dgm:styleLbl name="bgSibTrans2D1">
+    <dgm:scene3d>
+      <a:camera prst="orthographicFront"/>
+      <a:lightRig rig="threePt" dir="t"/>
+    </dgm:scene3d>
+    <dgm:sp3d/>
+    <dgm:txPr/>
+    <dgm:style>
+      <a:lnRef idx="0">
+        <a:scrgbClr r="0" g="0" b="0"/>
+      </a:lnRef>
+      <a:fillRef idx="1">
+        <a:scrgbClr r="0" g="0" b="0"/>
+      </a:fillRef>
+      <a:effectRef idx="0">
+        <a:scrgbClr r="0" g="0" b="0"/>
+      </a:effectRef>
+      <a:fontRef idx="minor">
+        <a:schemeClr val="lt1"/>
+      </a:fontRef>
+    </dgm:style>
+  </dgm:styleLbl>
+  <dgm:styleLbl name="sibTrans1D1">
+    <dgm:scene3d>
+      <a:camera prst="orthographicFront"/>
+      <a:lightRig rig="threePt" dir="t"/>
+    </dgm:scene3d>
+    <dgm:sp3d/>
+    <dgm:txPr/>
+    <dgm:style>
+      <a:lnRef idx="1">
+        <a:scrgbClr r="0" g="0" b="0"/>
+      </a:lnRef>
+      <a:fillRef idx="0">
+        <a:scrgbClr r="0" g="0" b="0"/>
+      </a:fillRef>
+      <a:effectRef idx="0">
+        <a:scrgbClr r="0" g="0" b="0"/>
+      </a:effectRef>
+      <a:fontRef idx="minor"/>
+    </dgm:style>
+  </dgm:styleLbl>
+  <dgm:styleLbl name="callout">
+    <dgm:scene3d>
+      <a:camera prst="orthographicFront"/>
+      <a:lightRig rig="threePt" dir="t"/>
+    </dgm:scene3d>
+    <dgm:sp3d/>
+    <dgm:txPr/>
+    <dgm:style>
+      <a:lnRef idx="2">
+        <a:scrgbClr r="0" g="0" b="0"/>
+      </a:lnRef>
+      <a:fillRef idx="1">
+        <a:scrgbClr r="0" g="0" b="0"/>
+      </a:fillRef>
+      <a:effectRef idx="0">
+        <a:scrgbClr r="0" g="0" b="0"/>
+      </a:effectRef>
+      <a:fontRef idx="minor"/>
+    </dgm:style>
+  </dgm:styleLbl>
+  <dgm:styleLbl name="asst0">
+    <dgm:scene3d>
+      <a:camera prst="orthographicFront"/>
+      <a:lightRig rig="threePt" dir="t"/>
+    </dgm:scene3d>
+    <dgm:sp3d/>
+    <dgm:txPr/>
+    <dgm:style>
+      <a:lnRef idx="2">
+        <a:scrgbClr r="0" g="0" b="0"/>
+      </a:lnRef>
+      <a:fillRef idx="1">
+        <a:scrgbClr r="0" g="0" b="0"/>
+      </a:fillRef>
+      <a:effectRef idx="0">
+        <a:scrgbClr r="0" g="0" b="0"/>
+      </a:effectRef>
+      <a:fontRef idx="minor">
+        <a:schemeClr val="lt1"/>
+      </a:fontRef>
+    </dgm:style>
+  </dgm:styleLbl>
+  <dgm:styleLbl name="asst1">
+    <dgm:scene3d>
+      <a:camera prst="orthographicFront"/>
+      <a:lightRig rig="threePt" dir="t"/>
+    </dgm:scene3d>
+    <dgm:sp3d/>
+    <dgm:txPr/>
+    <dgm:style>
+      <a:lnRef idx="2">
+        <a:scrgbClr r="0" g="0" b="0"/>
+      </a:lnRef>
+      <a:fillRef idx="1">
+        <a:scrgbClr r="0" g="0" b="0"/>
+      </a:fillRef>
+      <a:effectRef idx="0">
+        <a:scrgbClr r="0" g="0" b="0"/>
+      </a:effectRef>
+      <a:fontRef idx="minor">
+        <a:schemeClr val="lt1"/>
+      </a:fontRef>
+    </dgm:style>
+  </dgm:styleLbl>
+  <dgm:styleLbl name="asst2">
+    <dgm:scene3d>
+      <a:camera prst="orthographicFront"/>
+      <a:lightRig rig="threePt" dir="t"/>
+    </dgm:scene3d>
+    <dgm:sp3d/>
+    <dgm:txPr/>
+    <dgm:style>
+      <a:lnRef idx="2">
+        <a:scrgbClr r="0" g="0" b="0"/>
+      </a:lnRef>
+      <a:fillRef idx="1">
+        <a:scrgbClr r="0" g="0" b="0"/>
+      </a:fillRef>
+      <a:effectRef idx="0">
+        <a:scrgbClr r="0" g="0" b="0"/>
+      </a:effectRef>
+      <a:fontRef idx="minor">
+        <a:schemeClr val="lt1"/>
+      </a:fontRef>
+    </dgm:style>
+  </dgm:styleLbl>
+  <dgm:styleLbl name="asst3">
+    <dgm:scene3d>
+      <a:camera prst="orthographicFront"/>
+      <a:lightRig rig="threePt" dir="t"/>
+    </dgm:scene3d>
+    <dgm:sp3d/>
+    <dgm:txPr/>
+    <dgm:style>
+      <a:lnRef idx="2">
+        <a:scrgbClr r="0" g="0" b="0"/>
+      </a:lnRef>
+      <a:fillRef idx="1">
+        <a:scrgbClr r="0" g="0" b="0"/>
+      </a:fillRef>
+      <a:effectRef idx="0">
+        <a:scrgbClr r="0" g="0" b="0"/>
+      </a:effectRef>
+      <a:fontRef idx="minor">
+        <a:schemeClr val="lt1"/>
+      </a:fontRef>
+    </dgm:style>
+  </dgm:styleLbl>
+  <dgm:styleLbl name="asst4">
+    <dgm:scene3d>
+      <a:camera prst="orthographicFront"/>
+      <a:lightRig rig="threePt" dir="t"/>
+    </dgm:scene3d>
+    <dgm:sp3d/>
+    <dgm:txPr/>
+    <dgm:style>
+      <a:lnRef idx="2">
+        <a:scrgbClr r="0" g="0" b="0"/>
+      </a:lnRef>
+      <a:fillRef idx="1">
+        <a:scrgbClr r="0" g="0" b="0"/>
+      </a:fillRef>
+      <a:effectRef idx="0">
+        <a:scrgbClr r="0" g="0" b="0"/>
+      </a:effectRef>
+      <a:fontRef idx="minor">
+        <a:schemeClr val="lt1"/>
+      </a:fontRef>
+    </dgm:style>
+  </dgm:styleLbl>
+  <dgm:styleLbl name="parChTrans2D1">
+    <dgm:scene3d>
+      <a:camera prst="orthographicFront"/>
+      <a:lightRig rig="threePt" dir="t"/>
+    </dgm:scene3d>
+    <dgm:sp3d/>
+    <dgm:txPr/>
+    <dgm:style>
+      <a:lnRef idx="2">
+        <a:scrgbClr r="0" g="0" b="0"/>
+      </a:lnRef>
+      <a:fillRef idx="1">
+        <a:scrgbClr r="0" g="0" b="0"/>
+      </a:fillRef>
+      <a:effectRef idx="0">
+        <a:scrgbClr r="0" g="0" b="0"/>
+      </a:effectRef>
+      <a:fontRef idx="minor">
+        <a:schemeClr val="lt1"/>
+      </a:fontRef>
+    </dgm:style>
+  </dgm:styleLbl>
+  <dgm:styleLbl name="parChTrans2D2">
+    <dgm:scene3d>
+      <a:camera prst="orthographicFront"/>
+      <a:lightRig rig="threePt" dir="t"/>
+    </dgm:scene3d>
+    <dgm:sp3d/>
+    <dgm:txPr/>
+    <dgm:style>
+      <a:lnRef idx="2">
+        <a:scrgbClr r="0" g="0" b="0"/>
+      </a:lnRef>
+      <a:fillRef idx="1">
+        <a:scrgbClr r="0" g="0" b="0"/>
+      </a:fillRef>
+      <a:effectRef idx="0">
+        <a:scrgbClr r="0" g="0" b="0"/>
+      </a:effectRef>
+      <a:fontRef idx="minor">
+        <a:schemeClr val="lt1"/>
+      </a:fontRef>
+    </dgm:style>
+  </dgm:styleLbl>
+  <dgm:styleLbl name="parChTrans2D3">
+    <dgm:scene3d>
+      <a:camera prst="orthographicFront"/>
+      <a:lightRig rig="threePt" dir="t"/>
+    </dgm:scene3d>
+    <dgm:sp3d/>
+    <dgm:txPr/>
+    <dgm:style>
+      <a:lnRef idx="2">
+        <a:scrgbClr r="0" g="0" b="0"/>
+      </a:lnRef>
+      <a:fillRef idx="1">
+        <a:scrgbClr r="0" g="0" b="0"/>
+      </a:fillRef>
+      <a:effectRef idx="0">
+        <a:scrgbClr r="0" g="0" b="0"/>
+      </a:effectRef>
+      <a:fontRef idx="minor">
+        <a:schemeClr val="lt1"/>
+      </a:fontRef>
+    </dgm:style>
+  </dgm:styleLbl>
+  <dgm:styleLbl name="parChTrans2D4">
+    <dgm:scene3d>
+      <a:camera prst="orthographicFront"/>
+      <a:lightRig rig="threePt" dir="t"/>
+    </dgm:scene3d>
+    <dgm:sp3d/>
+    <dgm:txPr/>
+    <dgm:style>
+      <a:lnRef idx="2">
+        <a:scrgbClr r="0" g="0" b="0"/>
+      </a:lnRef>
+      <a:fillRef idx="1">
+        <a:scrgbClr r="0" g="0" b="0"/>
+      </a:fillRef>
+      <a:effectRef idx="0">
+        <a:scrgbClr r="0" g="0" b="0"/>
+      </a:effectRef>
+      <a:fontRef idx="minor">
+        <a:schemeClr val="lt1"/>
+      </a:fontRef>
+    </dgm:style>
+  </dgm:styleLbl>
+  <dgm:styleLbl name="parChTrans1D1">
+    <dgm:scene3d>
+      <a:camera prst="orthographicFront"/>
+      <a:lightRig rig="threePt" dir="t"/>
+    </dgm:scene3d>
+    <dgm:sp3d/>
+    <dgm:txPr/>
+    <dgm:style>
+      <a:lnRef idx="2">
+        <a:scrgbClr r="0" g="0" b="0"/>
+      </a:lnRef>
+      <a:fillRef idx="0">
+        <a:scrgbClr r="0" g="0" b="0"/>
+      </a:fillRef>
+      <a:effectRef idx="0">
+        <a:scrgbClr r="0" g="0" b="0"/>
+      </a:effectRef>
+      <a:fontRef idx="minor"/>
+    </dgm:style>
+  </dgm:styleLbl>
+  <dgm:styleLbl name="parChTrans1D2">
+    <dgm:scene3d>
+      <a:camera prst="orthographicFront"/>
+      <a:lightRig rig="threePt" dir="t"/>
+    </dgm:scene3d>
+    <dgm:sp3d/>
+    <dgm:txPr/>
+    <dgm:style>
+      <a:lnRef idx="2">
+        <a:scrgbClr r="0" g="0" b="0"/>
+      </a:lnRef>
+      <a:fillRef idx="0">
+        <a:scrgbClr r="0" g="0" b="0"/>
+      </a:fillRef>
+      <a:effectRef idx="0">
+        <a:scrgbClr r="0" g="0" b="0"/>
+      </a:effectRef>
+      <a:fontRef idx="minor"/>
+    </dgm:style>
+  </dgm:styleLbl>
+  <dgm:styleLbl name="parChTrans1D3">
+    <dgm:scene3d>
+      <a:camera prst="orthographicFront"/>
+      <a:lightRig rig="threePt" dir="t"/>
+    </dgm:scene3d>
+    <dgm:sp3d/>
+    <dgm:txPr/>
+    <dgm:style>
+      <a:lnRef idx="2">
+        <a:scrgbClr r="0" g="0" b="0"/>
+      </a:lnRef>
+      <a:fillRef idx="0">
+        <a:scrgbClr r="0" g="0" b="0"/>
+      </a:fillRef>
+      <a:effectRef idx="0">
+        <a:scrgbClr r="0" g="0" b="0"/>
+      </a:effectRef>
+      <a:fontRef idx="minor"/>
+    </dgm:style>
+  </dgm:styleLbl>
+  <dgm:styleLbl name="parChTrans1D4">
+    <dgm:scene3d>
+      <a:camera prst="orthographicFront"/>
+      <a:lightRig rig="threePt" dir="t"/>
+    </dgm:scene3d>
+    <dgm:sp3d/>
+    <dgm:txPr/>
+    <dgm:style>
+      <a:lnRef idx="2">
+        <a:scrgbClr r="0" g="0" b="0"/>
+      </a:lnRef>
+      <a:fillRef idx="0">
+        <a:scrgbClr r="0" g="0" b="0"/>
+      </a:fillRef>
+      <a:effectRef idx="0">
+        <a:scrgbClr r="0" g="0" b="0"/>
+      </a:effectRef>
+      <a:fontRef idx="minor"/>
+    </dgm:style>
+  </dgm:styleLbl>
+  <dgm:styleLbl name="fgAcc1">
+    <dgm:scene3d>
+      <a:camera prst="orthographicFront"/>
+      <a:lightRig rig="threePt" dir="t"/>
+    </dgm:scene3d>
+    <dgm:sp3d/>
+    <dgm:txPr/>
+    <dgm:style>
+      <a:lnRef idx="2">
+        <a:scrgbClr r="0" g="0" b="0"/>
+      </a:lnRef>
+      <a:fillRef idx="1">
+        <a:scrgbClr r="0" g="0" b="0"/>
+      </a:fillRef>
+      <a:effectRef idx="0">
+        <a:scrgbClr r="0" g="0" b="0"/>
+      </a:effectRef>
+      <a:fontRef idx="minor"/>
+    </dgm:style>
+  </dgm:styleLbl>
+  <dgm:styleLbl name="conFgAcc1">
+    <dgm:scene3d>
+      <a:camera prst="orthographicFront"/>
+      <a:lightRig rig="threePt" dir="t"/>
+    </dgm:scene3d>
+    <dgm:sp3d/>
+    <dgm:txPr/>
+    <dgm:style>
+      <a:lnRef idx="2">
+        <a:scrgbClr r="0" g="0" b="0"/>
+      </a:lnRef>
+      <a:fillRef idx="1">
+        <a:scrgbClr r="0" g="0" b="0"/>
+      </a:fillRef>
+      <a:effectRef idx="0">
+        <a:scrgbClr r="0" g="0" b="0"/>
+      </a:effectRef>
+      <a:fontRef idx="minor"/>
+    </dgm:style>
+  </dgm:styleLbl>
+  <dgm:styleLbl name="alignAcc1">
+    <dgm:scene3d>
+      <a:camera prst="orthographicFront"/>
+      <a:lightRig rig="threePt" dir="t"/>
+    </dgm:scene3d>
+    <dgm:sp3d/>
+    <dgm:txPr/>
+    <dgm:style>
+      <a:lnRef idx="2">
+        <a:scrgbClr r="0" g="0" b="0"/>
+      </a:lnRef>
+      <a:fillRef idx="1">
+        <a:scrgbClr r="0" g="0" b="0"/>
+      </a:fillRef>
+      <a:effectRef idx="0">
+        <a:scrgbClr r="0" g="0" b="0"/>
+      </a:effectRef>
+      <a:fontRef idx="minor"/>
+    </dgm:style>
+  </dgm:styleLbl>
+  <dgm:styleLbl name="trAlignAcc1">
+    <dgm:scene3d>
+      <a:camera prst="orthographicFront"/>
+      <a:lightRig rig="threePt" dir="t"/>
+    </dgm:scene3d>
+    <dgm:sp3d/>
+    <dgm:txPr/>
+    <dgm:style>
+      <a:lnRef idx="1">
+        <a:scrgbClr r="0" g="0" b="0"/>
+      </a:lnRef>
+      <a:fillRef idx="1">
+        <a:scrgbClr r="0" g="0" b="0"/>
+      </a:fillRef>
+      <a:effectRef idx="0">
+        <a:scrgbClr r="0" g="0" b="0"/>
+      </a:effectRef>
+      <a:fontRef idx="minor"/>
+    </dgm:style>
+  </dgm:styleLbl>
+  <dgm:styleLbl name="bgAcc1">
+    <dgm:scene3d>
+      <a:camera prst="orthographicFront"/>
+      <a:lightRig rig="threePt" dir="t"/>
+    </dgm:scene3d>
+    <dgm:sp3d/>
+    <dgm:txPr/>
+    <dgm:style>
+      <a:lnRef idx="2">
+        <a:scrgbClr r="0" g="0" b="0"/>
+      </a:lnRef>
+      <a:fillRef idx="1">
+        <a:scrgbClr r="0" g="0" b="0"/>
+      </a:fillRef>
+      <a:effectRef idx="0">
+        <a:scrgbClr r="0" g="0" b="0"/>
+      </a:effectRef>
+      <a:fontRef idx="minor"/>
+    </dgm:style>
+  </dgm:styleLbl>
+  <dgm:styleLbl name="solidFgAcc1">
+    <dgm:scene3d>
+      <a:camera prst="orthographicFront"/>
+      <a:lightRig rig="threePt" dir="t"/>
+    </dgm:scene3d>
+    <dgm:sp3d/>
+    <dgm:txPr/>
+    <dgm:style>
+      <a:lnRef idx="2">
+        <a:scrgbClr r="0" g="0" b="0"/>
+      </a:lnRef>
+      <a:fillRef idx="1">
+        <a:scrgbClr r="0" g="0" b="0"/>
+      </a:fillRef>
+      <a:effectRef idx="0">
+        <a:scrgbClr r="0" g="0" b="0"/>
+      </a:effectRef>
+      <a:fontRef idx="minor"/>
+    </dgm:style>
+  </dgm:styleLbl>
+  <dgm:styleLbl name="solidAlignAcc1">
+    <dgm:scene3d>
+      <a:camera prst="orthographicFront"/>
+      <a:lightRig rig="threePt" dir="t"/>
+    </dgm:scene3d>
+    <dgm:sp3d/>
+    <dgm:txPr/>
+    <dgm:style>
+      <a:lnRef idx="2">
+        <a:scrgbClr r="0" g="0" b="0"/>
+      </a:lnRef>
+      <a:fillRef idx="1">
+        <a:scrgbClr r="0" g="0" b="0"/>
+      </a:fillRef>
+      <a:effectRef idx="0">
+        <a:scrgbClr r="0" g="0" b="0"/>
+      </a:effectRef>
+      <a:fontRef idx="minor"/>
+    </dgm:style>
+  </dgm:styleLbl>
+  <dgm:styleLbl name="solidBgAcc1">
+    <dgm:scene3d>
+      <a:camera prst="orthographicFront"/>
+      <a:lightRig rig="threePt" dir="t"/>
+    </dgm:scene3d>
+    <dgm:sp3d/>
+    <dgm:txPr/>
+    <dgm:style>
+      <a:lnRef idx="2">
+        <a:scrgbClr r="0" g="0" b="0"/>
+      </a:lnRef>
+      <a:fillRef idx="1">
+        <a:scrgbClr r="0" g="0" b="0"/>
+      </a:fillRef>
+      <a:effectRef idx="0">
+        <a:scrgbClr r="0" g="0" b="0"/>
+      </a:effectRef>
+      <a:fontRef idx="minor"/>
+    </dgm:style>
+  </dgm:styleLbl>
+  <dgm:styleLbl name="fgAccFollowNode1">
+    <dgm:scene3d>
+      <a:camera prst="orthographicFront"/>
+      <a:lightRig rig="threePt" dir="t"/>
+    </dgm:scene3d>
+    <dgm:sp3d/>
+    <dgm:txPr/>
+    <dgm:style>
+      <a:lnRef idx="2">
+        <a:scrgbClr r="0" g="0" b="0"/>
+      </a:lnRef>
+      <a:fillRef idx="1">
+        <a:scrgbClr r="0" g="0" b="0"/>
+      </a:fillRef>
+      <a:effectRef idx="0">
+        <a:scrgbClr r="0" g="0" b="0"/>
+      </a:effectRef>
+      <a:fontRef idx="minor"/>
+    </dgm:style>
+  </dgm:styleLbl>
+  <dgm:styleLbl name="alignAccFollowNode1">
+    <dgm:scene3d>
+      <a:camera prst="orthographicFront"/>
+      <a:lightRig rig="threePt" dir="t"/>
+    </dgm:scene3d>
+    <dgm:sp3d/>
+    <dgm:txPr/>
+    <dgm:style>
+      <a:lnRef idx="2">
+        <a:scrgbClr r="0" g="0" b="0"/>
+      </a:lnRef>
+      <a:fillRef idx="1">
+        <a:scrgbClr r="0" g="0" b="0"/>
+      </a:fillRef>
+      <a:effectRef idx="0">
+        <a:scrgbClr r="0" g="0" b="0"/>
+      </a:effectRef>
+      <a:fontRef idx="minor"/>
+    </dgm:style>
+  </dgm:styleLbl>
+  <dgm:styleLbl name="bgAccFollowNode1">
+    <dgm:scene3d>
+      <a:camera prst="orthographicFront"/>
+      <a:lightRig rig="threePt" dir="t"/>
+    </dgm:scene3d>
+    <dgm:sp3d/>
+    <dgm:txPr/>
+    <dgm:style>
+      <a:lnRef idx="2">
+        <a:scrgbClr r="0" g="0" b="0"/>
+      </a:lnRef>
+      <a:fillRef idx="1">
+        <a:scrgbClr r="0" g="0" b="0"/>
+      </a:fillRef>
+      <a:effectRef idx="0">
+        <a:scrgbClr r="0" g="0" b="0"/>
+      </a:effectRef>
+      <a:fontRef idx="minor"/>
+    </dgm:style>
+  </dgm:styleLbl>
+  <dgm:styleLbl name="fgAcc0">
+    <dgm:scene3d>
+      <a:camera prst="orthographicFront"/>
+      <a:lightRig rig="threePt" dir="t"/>
+    </dgm:scene3d>
+    <dgm:sp3d/>
+    <dgm:txPr/>
+    <dgm:style>
+      <a:lnRef idx="2">
+        <a:scrgbClr r="0" g="0" b="0"/>
+      </a:lnRef>
+      <a:fillRef idx="1">
+        <a:scrgbClr r="0" g="0" b="0"/>
+      </a:fillRef>
+      <a:effectRef idx="0">
+        <a:scrgbClr r="0" g="0" b="0"/>
+      </a:effectRef>
+      <a:fontRef idx="minor"/>
+    </dgm:style>
+  </dgm:styleLbl>
+  <dgm:styleLbl name="fgAcc2">
+    <dgm:scene3d>
+      <a:camera prst="orthographicFront"/>
+      <a:lightRig rig="threePt" dir="t"/>
+    </dgm:scene3d>
+    <dgm:sp3d/>
+    <dgm:txPr/>
+    <dgm:style>
+      <a:lnRef idx="2">
+        <a:scrgbClr r="0" g="0" b="0"/>
+      </a:lnRef>
+      <a:fillRef idx="1">
+        <a:scrgbClr r="0" g="0" b="0"/>
+      </a:fillRef>
+      <a:effectRef idx="0">
+        <a:scrgbClr r="0" g="0" b="0"/>
+      </a:effectRef>
+      <a:fontRef idx="minor"/>
+    </dgm:style>
+  </dgm:styleLbl>
+  <dgm:styleLbl name="fgAcc3">
+    <dgm:scene3d>
+      <a:camera prst="orthographicFront"/>
+      <a:lightRig rig="threePt" dir="t"/>
+    </dgm:scene3d>
+    <dgm:sp3d/>
+    <dgm:txPr/>
+    <dgm:style>
+      <a:lnRef idx="2">
+        <a:scrgbClr r="0" g="0" b="0"/>
+      </a:lnRef>
+      <a:fillRef idx="1">
+        <a:scrgbClr r="0" g="0" b="0"/>
+      </a:fillRef>
+      <a:effectRef idx="0">
+        <a:scrgbClr r="0" g="0" b="0"/>
+      </a:effectRef>
+      <a:fontRef idx="minor"/>
+    </dgm:style>
+  </dgm:styleLbl>
+  <dgm:styleLbl name="fgAcc4">
+    <dgm:scene3d>
+      <a:camera prst="orthographicFront"/>
+      <a:lightRig rig="threePt" dir="t"/>
+    </dgm:scene3d>
+    <dgm:sp3d/>
+    <dgm:txPr/>
+    <dgm:style>
+      <a:lnRef idx="2">
+        <a:scrgbClr r="0" g="0" b="0"/>
+      </a:lnRef>
+      <a:fillRef idx="1">
+        <a:scrgbClr r="0" g="0" b="0"/>
+      </a:fillRef>
+      <a:effectRef idx="0">
+        <a:scrgbClr r="0" g="0" b="0"/>
+      </a:effectRef>
+      <a:fontRef idx="minor"/>
+    </dgm:style>
+  </dgm:styleLbl>
+  <dgm:styleLbl name="bgShp">
+    <dgm:scene3d>
+      <a:camera prst="orthographicFront"/>
+      <a:lightRig rig="threePt" dir="t"/>
+    </dgm:scene3d>
+    <dgm:sp3d/>
+    <dgm:txPr/>
+    <dgm:style>
+      <a:lnRef idx="0">
+        <a:scrgbClr r="0" g="0" b="0"/>
+      </a:lnRef>
+      <a:fillRef idx="1">
+        <a:scrgbClr r="0" g="0" b="0"/>
+      </a:fillRef>
+      <a:effectRef idx="0">
+        <a:scrgbClr r="0" g="0" b="0"/>
+      </a:effectRef>
+      <a:fontRef idx="minor"/>
+    </dgm:style>
+  </dgm:styleLbl>
+  <dgm:styleLbl name="dkBgShp">
+    <dgm:scene3d>
+      <a:camera prst="orthographicFront"/>
+      <a:lightRig rig="threePt" dir="t"/>
+    </dgm:scene3d>
+    <dgm:sp3d/>
+    <dgm:txPr/>
+    <dgm:style>
+      <a:lnRef idx="0">
+        <a:scrgbClr r="0" g="0" b="0"/>
+      </a:lnRef>
+      <a:fillRef idx="1">
+        <a:scrgbClr r="0" g="0" b="0"/>
+      </a:fillRef>
+      <a:effectRef idx="0">
+        <a:scrgbClr r="0" g="0" b="0"/>
+      </a:effectRef>
+      <a:fontRef idx="minor"/>
+    </dgm:style>
+  </dgm:styleLbl>
+  <dgm:styleLbl name="trBgShp">
+    <dgm:scene3d>
+      <a:camera prst="orthographicFront"/>
+      <a:lightRig rig="threePt" dir="t"/>
+    </dgm:scene3d>
+    <dgm:sp3d/>
+    <dgm:txPr/>
+    <dgm:style>
+      <a:lnRef idx="0">
+        <a:scrgbClr r="0" g="0" b="0"/>
+      </a:lnRef>
+      <a:fillRef idx="1">
+        <a:scrgbClr r="0" g="0" b="0"/>
+      </a:fillRef>
+      <a:effectRef idx="0">
+        <a:scrgbClr r="0" g="0" b="0"/>
+      </a:effectRef>
+      <a:fontRef idx="minor"/>
+    </dgm:style>
+  </dgm:styleLbl>
+  <dgm:styleLbl name="fgShp">
+    <dgm:scene3d>
+      <a:camera prst="orthographicFront"/>
+      <a:lightRig rig="threePt" dir="t"/>
+    </dgm:scene3d>
+    <dgm:sp3d/>
+    <dgm:txPr/>
+    <dgm:style>
+      <a:lnRef idx="2">
+        <a:scrgbClr r="0" g="0" b="0"/>
+      </a:lnRef>
+      <a:fillRef idx="1">
+        <a:scrgbClr r="0" g="0" b="0"/>
+      </a:fillRef>
+      <a:effectRef idx="0">
+        <a:scrgbClr r="0" g="0" b="0"/>
+      </a:effectRef>
+      <a:fontRef idx="minor"/>
+    </dgm:style>
+  </dgm:styleLbl>
+  <dgm:styleLbl name="revTx">
+    <dgm:scene3d>
+      <a:camera prst="orthographicFront"/>
+      <a:lightRig rig="threePt" dir="t"/>
+    </dgm:scene3d>
+    <dgm:sp3d/>
+    <dgm:txPr/>
+    <dgm:style>
+      <a:lnRef idx="0">
+        <a:scrgbClr r="0" g="0" b="0"/>
+      </a:lnRef>
+      <a:fillRef idx="0">
+        <a:scrgbClr r="0" g="0" b="0"/>
+      </a:fillRef>
+      <a:effectRef idx="0">
+        <a:scrgbClr r="0" g="0" b="0"/>
+      </a:effectRef>
+      <a:fontRef idx="minor"/>
+    </dgm:style>
+  </dgm:styleLbl>
+</dgm:styleDef>
+</file>
+
+<file path=ppt/diagrams/quickStyle4.xml><?xml version="1.0" encoding="utf-8"?>
 <dgm:styleDef xmlns:dgm="http://schemas.openxmlformats.org/drawingml/2006/diagram" xmlns:a="http://schemas.openxmlformats.org/drawingml/2006/main" uniqueId="urn:microsoft.com/office/officeart/2005/8/quickstyle/simple1">
   <dgm:title val=""/>
   <dgm:desc val=""/>
@@ -10123,7 +13296,7 @@
           <a:p>
             <a:fld id="{33CD2AB9-B06D-411F-A861-6EE94F8458A4}" type="datetimeFigureOut">
               <a:rPr lang="en-US" smtClean="0"/>
-              <a:t>11/17/2022</a:t>
+              <a:t>11/17/22</a:t>
             </a:fld>
             <a:endParaRPr lang="en-US"/>
           </a:p>
@@ -10281,7 +13454,7 @@
           <a:p>
             <a:fld id="{3D6072FC-2456-484E-89FC-DEC8F2A9D837}" type="slidenum">
               <a:rPr lang="en-US" smtClean="0"/>
-              <a:t>‹nº›</a:t>
+              <a:t>‹#›</a:t>
             </a:fld>
             <a:endParaRPr lang="en-US"/>
           </a:p>
@@ -10746,7 +13919,7 @@
           <a:p>
             <a:fld id="{C01389E6-C847-4AD0-B56D-D205B2EAB1EE}" type="slidenum">
               <a:rPr lang="en-US" smtClean="0"/>
-              <a:t>‹nº›</a:t>
+              <a:t>‹#›</a:t>
             </a:fld>
             <a:endParaRPr lang="en-US"/>
           </a:p>
@@ -10944,7 +14117,7 @@
           <a:p>
             <a:fld id="{C01389E6-C847-4AD0-B56D-D205B2EAB1EE}" type="slidenum">
               <a:rPr lang="en-US" smtClean="0"/>
-              <a:t>‹nº›</a:t>
+              <a:t>‹#›</a:t>
             </a:fld>
             <a:endParaRPr lang="en-US"/>
           </a:p>
@@ -11154,7 +14327,7 @@
           <a:p>
             <a:fld id="{C01389E6-C847-4AD0-B56D-D205B2EAB1EE}" type="slidenum">
               <a:rPr lang="en-US" smtClean="0"/>
-              <a:t>‹nº›</a:t>
+              <a:t>‹#›</a:t>
             </a:fld>
             <a:endParaRPr lang="en-US"/>
           </a:p>
@@ -11376,7 +14549,7 @@
           <a:p>
             <a:fld id="{F825894E-25C4-4742-A1B0-897E952C1911}" type="slidenum">
               <a:rPr lang="pt-PT" smtClean="0"/>
-              <a:t>‹nº›</a:t>
+              <a:t>‹#›</a:t>
             </a:fld>
             <a:endParaRPr lang="pt-PT"/>
           </a:p>
@@ -11576,7 +14749,7 @@
           <a:p>
             <a:fld id="{F825894E-25C4-4742-A1B0-897E952C1911}" type="slidenum">
               <a:rPr lang="pt-PT" smtClean="0"/>
-              <a:t>‹nº›</a:t>
+              <a:t>‹#›</a:t>
             </a:fld>
             <a:endParaRPr lang="pt-PT"/>
           </a:p>
@@ -11852,7 +15025,7 @@
           <a:p>
             <a:fld id="{F825894E-25C4-4742-A1B0-897E952C1911}" type="slidenum">
               <a:rPr lang="pt-PT" smtClean="0"/>
-              <a:t>‹nº›</a:t>
+              <a:t>‹#›</a:t>
             </a:fld>
             <a:endParaRPr lang="pt-PT"/>
           </a:p>
@@ -12120,7 +15293,7 @@
           <a:p>
             <a:fld id="{F825894E-25C4-4742-A1B0-897E952C1911}" type="slidenum">
               <a:rPr lang="pt-PT" smtClean="0"/>
-              <a:t>‹nº›</a:t>
+              <a:t>‹#›</a:t>
             </a:fld>
             <a:endParaRPr lang="pt-PT"/>
           </a:p>
@@ -12535,7 +15708,7 @@
           <a:p>
             <a:fld id="{F825894E-25C4-4742-A1B0-897E952C1911}" type="slidenum">
               <a:rPr lang="pt-PT" smtClean="0"/>
-              <a:t>‹nº›</a:t>
+              <a:t>‹#›</a:t>
             </a:fld>
             <a:endParaRPr lang="pt-PT"/>
           </a:p>
@@ -12677,7 +15850,7 @@
           <a:p>
             <a:fld id="{F825894E-25C4-4742-A1B0-897E952C1911}" type="slidenum">
               <a:rPr lang="pt-PT" smtClean="0"/>
-              <a:t>‹nº›</a:t>
+              <a:t>‹#›</a:t>
             </a:fld>
             <a:endParaRPr lang="pt-PT"/>
           </a:p>
@@ -12790,7 +15963,7 @@
           <a:p>
             <a:fld id="{F825894E-25C4-4742-A1B0-897E952C1911}" type="slidenum">
               <a:rPr lang="pt-PT" smtClean="0"/>
-              <a:t>‹nº›</a:t>
+              <a:t>‹#›</a:t>
             </a:fld>
             <a:endParaRPr lang="pt-PT"/>
           </a:p>
@@ -13103,7 +16276,7 @@
           <a:p>
             <a:fld id="{F825894E-25C4-4742-A1B0-897E952C1911}" type="slidenum">
               <a:rPr lang="pt-PT" smtClean="0"/>
-              <a:t>‹nº›</a:t>
+              <a:t>‹#›</a:t>
             </a:fld>
             <a:endParaRPr lang="pt-PT"/>
           </a:p>
@@ -13302,7 +16475,7 @@
           <a:p>
             <a:fld id="{C01389E6-C847-4AD0-B56D-D205B2EAB1EE}" type="slidenum">
               <a:rPr lang="en-US" smtClean="0"/>
-              <a:t>‹nº›</a:t>
+              <a:t>‹#›</a:t>
             </a:fld>
             <a:endParaRPr lang="en-US"/>
           </a:p>
@@ -13591,7 +16764,7 @@
           <a:p>
             <a:fld id="{F825894E-25C4-4742-A1B0-897E952C1911}" type="slidenum">
               <a:rPr lang="pt-PT" smtClean="0"/>
-              <a:t>‹nº›</a:t>
+              <a:t>‹#›</a:t>
             </a:fld>
             <a:endParaRPr lang="pt-PT"/>
           </a:p>
@@ -13791,7 +16964,7 @@
           <a:p>
             <a:fld id="{F825894E-25C4-4742-A1B0-897E952C1911}" type="slidenum">
               <a:rPr lang="pt-PT" smtClean="0"/>
-              <a:t>‹nº›</a:t>
+              <a:t>‹#›</a:t>
             </a:fld>
             <a:endParaRPr lang="pt-PT"/>
           </a:p>
@@ -14001,7 +17174,7 @@
           <a:p>
             <a:fld id="{F825894E-25C4-4742-A1B0-897E952C1911}" type="slidenum">
               <a:rPr lang="pt-PT" smtClean="0"/>
-              <a:t>‹nº›</a:t>
+              <a:t>‹#›</a:t>
             </a:fld>
             <a:endParaRPr lang="pt-PT"/>
           </a:p>
@@ -14282,7 +17455,7 @@
           <a:p>
             <a:fld id="{C01389E6-C847-4AD0-B56D-D205B2EAB1EE}" type="slidenum">
               <a:rPr lang="en-US" smtClean="0"/>
-              <a:t>‹nº›</a:t>
+              <a:t>‹#›</a:t>
             </a:fld>
             <a:endParaRPr lang="en-US"/>
           </a:p>
@@ -14550,7 +17723,7 @@
           <a:p>
             <a:fld id="{C01389E6-C847-4AD0-B56D-D205B2EAB1EE}" type="slidenum">
               <a:rPr lang="en-US" smtClean="0"/>
-              <a:t>‹nº›</a:t>
+              <a:t>‹#›</a:t>
             </a:fld>
             <a:endParaRPr lang="en-US"/>
           </a:p>
@@ -14931,7 +18104,7 @@
           <a:p>
             <a:fld id="{C01389E6-C847-4AD0-B56D-D205B2EAB1EE}" type="slidenum">
               <a:rPr lang="en-US" smtClean="0"/>
-              <a:t>‹nº›</a:t>
+              <a:t>‹#›</a:t>
             </a:fld>
             <a:endParaRPr lang="en-US"/>
           </a:p>
@@ -15101,7 +18274,7 @@
           <a:p>
             <a:fld id="{C01389E6-C847-4AD0-B56D-D205B2EAB1EE}" type="slidenum">
               <a:rPr lang="en-US" smtClean="0"/>
-              <a:t>‹nº›</a:t>
+              <a:t>‹#›</a:t>
             </a:fld>
             <a:endParaRPr lang="en-US"/>
           </a:p>
@@ -15214,7 +18387,7 @@
           <a:p>
             <a:fld id="{C01389E6-C847-4AD0-B56D-D205B2EAB1EE}" type="slidenum">
               <a:rPr lang="en-US" smtClean="0"/>
-              <a:t>‹nº›</a:t>
+              <a:t>‹#›</a:t>
             </a:fld>
             <a:endParaRPr lang="en-US"/>
           </a:p>
@@ -15531,7 +18704,7 @@
           <a:p>
             <a:fld id="{C01389E6-C847-4AD0-B56D-D205B2EAB1EE}" type="slidenum">
               <a:rPr lang="en-US" smtClean="0"/>
-              <a:t>‹nº›</a:t>
+              <a:t>‹#›</a:t>
             </a:fld>
             <a:endParaRPr lang="en-US"/>
           </a:p>
@@ -15823,7 +18996,7 @@
           <a:p>
             <a:fld id="{C01389E6-C847-4AD0-B56D-D205B2EAB1EE}" type="slidenum">
               <a:rPr lang="en-US" smtClean="0"/>
-              <a:t>‹nº›</a:t>
+              <a:t>‹#›</a:t>
             </a:fld>
             <a:endParaRPr lang="en-US"/>
           </a:p>
@@ -16225,7 +19398,7 @@
             <a:fld id="{C01389E6-C847-4AD0-B56D-D205B2EAB1EE}" type="slidenum">
               <a:rPr lang="en-US" smtClean="0"/>
               <a:pPr/>
-              <a:t>‹nº›</a:t>
+              <a:t>‹#›</a:t>
             </a:fld>
             <a:endParaRPr lang="en-US" sz="800" dirty="0"/>
           </a:p>
@@ -16796,7 +19969,7 @@
           <a:p>
             <a:fld id="{F825894E-25C4-4742-A1B0-897E952C1911}" type="slidenum">
               <a:rPr lang="pt-PT" smtClean="0"/>
-              <a:t>‹nº›</a:t>
+              <a:t>‹#›</a:t>
             </a:fld>
             <a:endParaRPr lang="pt-PT"/>
           </a:p>
@@ -19050,12 +22223,162 @@
           <a:chExt cx="0" cy="0"/>
         </a:xfrm>
       </p:grpSpPr>
+      <p:sp>
+        <p:nvSpPr>
+          <p:cNvPr id="48" name="Rectangle 47">
+            <a:extLst>
+              <a:ext uri="{FF2B5EF4-FFF2-40B4-BE49-F238E27FC236}">
+                <a16:creationId xmlns:a16="http://schemas.microsoft.com/office/drawing/2014/main" id="{BD4C0BBB-0042-4603-A226-6117F3FD5B3C}"/>
+              </a:ext>
+              <a:ext uri="{C183D7F6-B498-43B3-948B-1728B52AA6E4}">
+                <adec:decorative xmlns:adec="http://schemas.microsoft.com/office/drawing/2017/decorative" val="1"/>
+              </a:ext>
+            </a:extLst>
+          </p:cNvPr>
+          <p:cNvSpPr>
+            <a:spLocks noGrp="1" noRot="1" noChangeAspect="1" noMove="1" noResize="1" noEditPoints="1" noAdjustHandles="1" noChangeArrowheads="1" noChangeShapeType="1" noTextEdit="1"/>
+          </p:cNvSpPr>
+          <p:nvPr>
+            <p:extLst>
+              <p:ext uri="{386F3935-93C4-4BCD-93E2-E3B085C9AB24}">
+                <p16:designElem xmlns:p16="http://schemas.microsoft.com/office/powerpoint/2015/main" val="1"/>
+              </p:ext>
+            </p:extLst>
+          </p:nvPr>
+        </p:nvSpPr>
+        <p:spPr>
+          <a:xfrm rot="10800000" flipH="1">
+            <a:off x="0" y="6400799"/>
+            <a:ext cx="12192000" cy="456773"/>
+          </a:xfrm>
+          <a:prstGeom prst="rect">
+            <a:avLst/>
+          </a:prstGeom>
+          <a:gradFill>
+            <a:gsLst>
+              <a:gs pos="14000">
+                <a:schemeClr val="accent4">
+                  <a:alpha val="28000"/>
+                </a:schemeClr>
+              </a:gs>
+              <a:gs pos="100000">
+                <a:schemeClr val="accent5">
+                  <a:alpha val="85000"/>
+                </a:schemeClr>
+              </a:gs>
+            </a:gsLst>
+            <a:lin ang="6000000" scaled="0"/>
+          </a:gradFill>
+          <a:ln>
+            <a:noFill/>
+          </a:ln>
+        </p:spPr>
+        <p:style>
+          <a:lnRef idx="2">
+            <a:schemeClr val="accent1">
+              <a:shade val="50000"/>
+            </a:schemeClr>
+          </a:lnRef>
+          <a:fillRef idx="1">
+            <a:schemeClr val="accent1"/>
+          </a:fillRef>
+          <a:effectRef idx="0">
+            <a:schemeClr val="accent1"/>
+          </a:effectRef>
+          <a:fontRef idx="minor">
+            <a:schemeClr val="lt1"/>
+          </a:fontRef>
+        </p:style>
+        <p:txBody>
+          <a:bodyPr rtlCol="0" anchor="ctr"/>
+          <a:lstStyle/>
+          <a:p>
+            <a:pPr algn="ctr"/>
+            <a:endParaRPr lang="en-US"/>
+          </a:p>
+        </p:txBody>
+      </p:sp>
+      <p:sp>
+        <p:nvSpPr>
+          <p:cNvPr id="50" name="Rectangle 49">
+            <a:extLst>
+              <a:ext uri="{FF2B5EF4-FFF2-40B4-BE49-F238E27FC236}">
+                <a16:creationId xmlns:a16="http://schemas.microsoft.com/office/drawing/2014/main" id="{EC44F520-2598-460E-9F91-B02F60830CA2}"/>
+              </a:ext>
+              <a:ext uri="{C183D7F6-B498-43B3-948B-1728B52AA6E4}">
+                <adec:decorative xmlns:adec="http://schemas.microsoft.com/office/drawing/2017/decorative" val="1"/>
+              </a:ext>
+            </a:extLst>
+          </p:cNvPr>
+          <p:cNvSpPr>
+            <a:spLocks noGrp="1" noRot="1" noChangeAspect="1" noMove="1" noResize="1" noEditPoints="1" noAdjustHandles="1" noChangeArrowheads="1" noChangeShapeType="1" noTextEdit="1"/>
+          </p:cNvSpPr>
+          <p:nvPr>
+            <p:extLst>
+              <p:ext uri="{386F3935-93C4-4BCD-93E2-E3B085C9AB24}">
+                <p16:designElem xmlns:p16="http://schemas.microsoft.com/office/powerpoint/2015/main" val="1"/>
+              </p:ext>
+            </p:extLst>
+          </p:nvPr>
+        </p:nvSpPr>
+        <p:spPr>
+          <a:xfrm flipH="1">
+            <a:off x="4038600" y="6400799"/>
+            <a:ext cx="8153398" cy="456772"/>
+          </a:xfrm>
+          <a:prstGeom prst="rect">
+            <a:avLst/>
+          </a:prstGeom>
+          <a:gradFill>
+            <a:gsLst>
+              <a:gs pos="9000">
+                <a:schemeClr val="accent2">
+                  <a:lumMod val="60000"/>
+                  <a:lumOff val="40000"/>
+                  <a:alpha val="55000"/>
+                </a:schemeClr>
+              </a:gs>
+              <a:gs pos="99000">
+                <a:schemeClr val="accent2"/>
+              </a:gs>
+            </a:gsLst>
+            <a:lin ang="14400000" scaled="0"/>
+          </a:gradFill>
+          <a:ln>
+            <a:noFill/>
+          </a:ln>
+        </p:spPr>
+        <p:style>
+          <a:lnRef idx="2">
+            <a:schemeClr val="accent1">
+              <a:shade val="50000"/>
+            </a:schemeClr>
+          </a:lnRef>
+          <a:fillRef idx="1">
+            <a:schemeClr val="accent1"/>
+          </a:fillRef>
+          <a:effectRef idx="0">
+            <a:schemeClr val="accent1"/>
+          </a:effectRef>
+          <a:fontRef idx="minor">
+            <a:schemeClr val="lt1"/>
+          </a:fontRef>
+        </p:style>
+        <p:txBody>
+          <a:bodyPr rtlCol="0" anchor="ctr"/>
+          <a:lstStyle/>
+          <a:p>
+            <a:pPr algn="ctr"/>
+            <a:endParaRPr lang="en-US"/>
+          </a:p>
+        </p:txBody>
+      </p:sp>
       <p:sp useBgFill="1">
         <p:nvSpPr>
-          <p:cNvPr id="51" name="Rectangle 50">
+          <p:cNvPr id="52" name="Rectangle 51">
             <a:extLst>
               <a:ext uri="{FF2B5EF4-FFF2-40B4-BE49-F238E27FC236}">
-                <a16:creationId xmlns:a16="http://schemas.microsoft.com/office/drawing/2014/main" id="{3BBD5505-E50C-4C8C-B29A-6E8BC40759BB}"/>
+                <a16:creationId xmlns:a16="http://schemas.microsoft.com/office/drawing/2014/main" id="{487FDDCF-C300-4618-BBC4-568DDFD9E6C0}"/>
               </a:ext>
               <a:ext uri="{C183D7F6-B498-43B3-948B-1728B52AA6E4}">
                 <adec:decorative xmlns:adec="http://schemas.microsoft.com/office/drawing/2017/decorative" val="1"/>
@@ -19126,117 +22449,12 @@
           </a:p>
         </p:txBody>
       </p:sp>
-      <p:pic>
-        <p:nvPicPr>
-          <p:cNvPr id="5" name="Picture 4" descr="Chart, treemap chart&#10;&#10;Description automatically generated">
-            <a:extLst>
-              <a:ext uri="{FF2B5EF4-FFF2-40B4-BE49-F238E27FC236}">
-                <a16:creationId xmlns:a16="http://schemas.microsoft.com/office/drawing/2014/main" id="{4C877E22-14AB-9749-AF19-C9EFE5FA94C9}"/>
-              </a:ext>
-            </a:extLst>
-          </p:cNvPr>
-          <p:cNvPicPr>
-            <a:picLocks noChangeAspect="1"/>
-          </p:cNvPicPr>
-          <p:nvPr/>
-        </p:nvPicPr>
-        <p:blipFill rotWithShape="1">
-          <a:blip r:embed="rId2">
-            <a:extLst>
-              <a:ext uri="{28A0092B-C50C-407E-A947-70E740481C1C}">
-                <a14:useLocalDpi xmlns:a14="http://schemas.microsoft.com/office/drawing/2010/main" val="0"/>
-              </a:ext>
-            </a:extLst>
-          </a:blip>
-          <a:srcRect l="-403" r="537"/>
-          <a:stretch/>
-        </p:blipFill>
-        <p:spPr>
-          <a:xfrm>
-            <a:off x="45720" y="2015144"/>
-            <a:ext cx="4168140" cy="2827713"/>
-          </a:xfrm>
-          <a:prstGeom prst="rect">
-            <a:avLst/>
-          </a:prstGeom>
-        </p:spPr>
-      </p:pic>
-      <p:pic>
-        <p:nvPicPr>
-          <p:cNvPr id="9" name="Picture 8" descr="Chart, line chart&#10;&#10;Description automatically generated">
-            <a:extLst>
-              <a:ext uri="{FF2B5EF4-FFF2-40B4-BE49-F238E27FC236}">
-                <a16:creationId xmlns:a16="http://schemas.microsoft.com/office/drawing/2014/main" id="{0683D87D-A441-2741-89D8-ADE26C4DF51B}"/>
-              </a:ext>
-            </a:extLst>
-          </p:cNvPr>
-          <p:cNvPicPr>
-            <a:picLocks noChangeAspect="1"/>
-          </p:cNvPicPr>
-          <p:nvPr/>
-        </p:nvPicPr>
-        <p:blipFill rotWithShape="1">
-          <a:blip r:embed="rId3">
-            <a:extLst>
-              <a:ext uri="{28A0092B-C50C-407E-A947-70E740481C1C}">
-                <a14:useLocalDpi xmlns:a14="http://schemas.microsoft.com/office/drawing/2010/main" val="0"/>
-              </a:ext>
-            </a:extLst>
-          </a:blip>
-          <a:srcRect l="496" r="672"/>
-          <a:stretch/>
-        </p:blipFill>
-        <p:spPr>
-          <a:xfrm>
-            <a:off x="4259580" y="2015144"/>
-            <a:ext cx="3726180" cy="2827713"/>
-          </a:xfrm>
-          <a:prstGeom prst="rect">
-            <a:avLst/>
-          </a:prstGeom>
-        </p:spPr>
-      </p:pic>
-      <p:pic>
-        <p:nvPicPr>
-          <p:cNvPr id="7" name="Picture 6" descr="Chart, line chart&#10;&#10;Description automatically generated">
-            <a:extLst>
-              <a:ext uri="{FF2B5EF4-FFF2-40B4-BE49-F238E27FC236}">
-                <a16:creationId xmlns:a16="http://schemas.microsoft.com/office/drawing/2014/main" id="{048BAA66-AAE1-0A44-A8F9-A1EB9C12A68B}"/>
-              </a:ext>
-            </a:extLst>
-          </p:cNvPr>
-          <p:cNvPicPr>
-            <a:picLocks noChangeAspect="1"/>
-          </p:cNvPicPr>
-          <p:nvPr/>
-        </p:nvPicPr>
-        <p:blipFill rotWithShape="1">
-          <a:blip r:embed="rId4">
-            <a:extLst>
-              <a:ext uri="{28A0092B-C50C-407E-A947-70E740481C1C}">
-                <a14:useLocalDpi xmlns:a14="http://schemas.microsoft.com/office/drawing/2010/main" val="0"/>
-              </a:ext>
-            </a:extLst>
-          </a:blip>
-          <a:srcRect l="634" r="50"/>
-          <a:stretch/>
-        </p:blipFill>
-        <p:spPr>
-          <a:xfrm>
-            <a:off x="8031480" y="2015144"/>
-            <a:ext cx="4114800" cy="2827713"/>
-          </a:xfrm>
-          <a:prstGeom prst="rect">
-            <a:avLst/>
-          </a:prstGeom>
-        </p:spPr>
-      </p:pic>
       <p:sp>
         <p:nvSpPr>
-          <p:cNvPr id="53" name="Rectangle 52">
+          <p:cNvPr id="54" name="Rectangle 53">
             <a:extLst>
               <a:ext uri="{FF2B5EF4-FFF2-40B4-BE49-F238E27FC236}">
-                <a16:creationId xmlns:a16="http://schemas.microsoft.com/office/drawing/2014/main" id="{658E942F-99B3-4B03-9483-257868F33C82}"/>
+                <a16:creationId xmlns:a16="http://schemas.microsoft.com/office/drawing/2014/main" id="{CB1FF4D1-D3A2-46A1-A1DB-84C4A92F68D6}"/>
               </a:ext>
               <a:ext uri="{C183D7F6-B498-43B3-948B-1728B52AA6E4}">
                 <adec:decorative xmlns:adec="http://schemas.microsoft.com/office/drawing/2017/decorative" val="1"/>
@@ -19255,25 +22473,27 @@
           </p:nvPr>
         </p:nvSpPr>
         <p:spPr>
-          <a:xfrm flipH="1">
-            <a:off x="-3" y="6400798"/>
-            <a:ext cx="12191999" cy="457198"/>
+          <a:xfrm rot="10800000" flipH="1">
+            <a:off x="0" y="6408741"/>
+            <a:ext cx="12192000" cy="449256"/>
           </a:xfrm>
           <a:prstGeom prst="rect">
             <a:avLst/>
           </a:prstGeom>
           <a:gradFill>
             <a:gsLst>
-              <a:gs pos="36000">
-                <a:schemeClr val="accent6">
-                  <a:lumMod val="75000"/>
+              <a:gs pos="14000">
+                <a:schemeClr val="accent4">
+                  <a:alpha val="28000"/>
                 </a:schemeClr>
               </a:gs>
               <a:gs pos="100000">
-                <a:schemeClr val="accent6"/>
+                <a:schemeClr val="accent5">
+                  <a:alpha val="85000"/>
+                </a:schemeClr>
               </a:gs>
             </a:gsLst>
-            <a:lin ang="0" scaled="0"/>
+            <a:lin ang="9000000" scaled="0"/>
           </a:gradFill>
           <a:ln>
             <a:noFill/>
@@ -19306,10 +22526,10 @@
       </p:sp>
       <p:sp>
         <p:nvSpPr>
-          <p:cNvPr id="55" name="Rectangle 54">
+          <p:cNvPr id="56" name="Rectangle 55">
             <a:extLst>
               <a:ext uri="{FF2B5EF4-FFF2-40B4-BE49-F238E27FC236}">
-                <a16:creationId xmlns:a16="http://schemas.microsoft.com/office/drawing/2014/main" id="{4C5F2208-8069-4052-9996-5399372CDD2B}"/>
+                <a16:creationId xmlns:a16="http://schemas.microsoft.com/office/drawing/2014/main" id="{BA6CC515-2CA9-4522-924F-81F6F25FF8DB}"/>
               </a:ext>
               <a:ext uri="{C183D7F6-B498-43B3-948B-1728B52AA6E4}">
                 <adec:decorative xmlns:adec="http://schemas.microsoft.com/office/drawing/2017/decorative" val="1"/>
@@ -19329,24 +22549,26 @@
         </p:nvSpPr>
         <p:spPr>
           <a:xfrm flipH="1">
-            <a:off x="3681454" y="6400798"/>
-            <a:ext cx="8510542" cy="465570"/>
+            <a:off x="4038600" y="6408316"/>
+            <a:ext cx="8153398" cy="449684"/>
           </a:xfrm>
           <a:prstGeom prst="rect">
             <a:avLst/>
           </a:prstGeom>
           <a:gradFill>
             <a:gsLst>
-              <a:gs pos="0">
-                <a:schemeClr val="accent5">
-                  <a:alpha val="57000"/>
+              <a:gs pos="9000">
+                <a:schemeClr val="accent2">
+                  <a:lumMod val="60000"/>
+                  <a:lumOff val="40000"/>
+                  <a:alpha val="68000"/>
                 </a:schemeClr>
               </a:gs>
-              <a:gs pos="100000">
+              <a:gs pos="99000">
                 <a:schemeClr val="accent2"/>
               </a:gs>
             </a:gsLst>
-            <a:lin ang="11400000" scaled="0"/>
+            <a:lin ang="13800000" scaled="0"/>
           </a:gradFill>
           <a:ln>
             <a:noFill/>
@@ -19382,7 +22604,7 @@
           <p:cNvPr id="18" name="Title 1">
             <a:extLst>
               <a:ext uri="{FF2B5EF4-FFF2-40B4-BE49-F238E27FC236}">
-                <a16:creationId xmlns:a16="http://schemas.microsoft.com/office/drawing/2014/main" id="{D60F1E35-E938-D149-A031-BAA070880167}"/>
+                <a16:creationId xmlns:a16="http://schemas.microsoft.com/office/drawing/2014/main" id="{BA4880DB-79C7-8648-A0CE-86B48F5D3ADF}"/>
               </a:ext>
             </a:extLst>
           </p:cNvPr>
@@ -19427,7 +22649,7 @@
             <a:pPr algn="ctr"/>
             <a:r>
               <a:rPr lang="en-US" sz="2800" dirty="0" err="1"/>
-              <a:t>XGBoost</a:t>
+              <a:t>XGboost</a:t>
             </a:r>
             <a:endParaRPr lang="en-US" sz="2800" dirty="0"/>
           </a:p>
@@ -19435,10 +22657,10 @@
       </p:sp>
       <p:sp>
         <p:nvSpPr>
-          <p:cNvPr id="6" name="Date Placeholder 5">
+          <p:cNvPr id="5" name="Date Placeholder 4">
             <a:extLst>
               <a:ext uri="{FF2B5EF4-FFF2-40B4-BE49-F238E27FC236}">
-                <a16:creationId xmlns:a16="http://schemas.microsoft.com/office/drawing/2014/main" id="{B7CC9877-0056-A64A-B3B6-32EBA5C1FF6F}"/>
+                <a16:creationId xmlns:a16="http://schemas.microsoft.com/office/drawing/2014/main" id="{A3EF93A5-4C17-6A45-8FC5-6B3F7B062A77}"/>
               </a:ext>
             </a:extLst>
           </p:cNvPr>
@@ -19454,7 +22676,7 @@
           <a:bodyPr/>
           <a:lstStyle/>
           <a:p>
-            <a:fld id="{904BDE25-EACE-B941-92D1-969886DB3A92}" type="datetime2">
+            <a:fld id="{0A72D659-3C0B-6B41-9587-4FFB5068822D}" type="datetime2">
               <a:rPr lang="en-US" smtClean="0"/>
               <a:t>Thursday, November 17, 2022</a:t>
             </a:fld>
@@ -19464,10 +22686,10 @@
       </p:sp>
       <p:sp>
         <p:nvSpPr>
-          <p:cNvPr id="8" name="Slide Number Placeholder 7">
+          <p:cNvPr id="6" name="Slide Number Placeholder 5">
             <a:extLst>
               <a:ext uri="{FF2B5EF4-FFF2-40B4-BE49-F238E27FC236}">
-                <a16:creationId xmlns:a16="http://schemas.microsoft.com/office/drawing/2014/main" id="{D03BD75B-7BDC-9C4B-BB47-40E070E25BE7}"/>
+                <a16:creationId xmlns:a16="http://schemas.microsoft.com/office/drawing/2014/main" id="{87E204A3-B1B9-AA48-A9DD-4AB610A0AC5A}"/>
               </a:ext>
             </a:extLst>
           </p:cNvPr>
@@ -19491,10 +22713,115 @@
           </a:p>
         </p:txBody>
       </p:sp>
+      <p:pic>
+        <p:nvPicPr>
+          <p:cNvPr id="12" name="Picture 11" descr="Chart, treemap chart&#10;&#10;Description automatically generated">
+            <a:extLst>
+              <a:ext uri="{FF2B5EF4-FFF2-40B4-BE49-F238E27FC236}">
+                <a16:creationId xmlns:a16="http://schemas.microsoft.com/office/drawing/2014/main" id="{F3C4EC05-DCB3-B147-AF22-7EC94B375C71}"/>
+              </a:ext>
+            </a:extLst>
+          </p:cNvPr>
+          <p:cNvPicPr>
+            <a:picLocks noChangeAspect="1"/>
+          </p:cNvPicPr>
+          <p:nvPr/>
+        </p:nvPicPr>
+        <p:blipFill rotWithShape="1">
+          <a:blip r:embed="rId2">
+            <a:extLst>
+              <a:ext uri="{28A0092B-C50C-407E-A947-70E740481C1C}">
+                <a14:useLocalDpi xmlns:a14="http://schemas.microsoft.com/office/drawing/2010/main" val="0"/>
+              </a:ext>
+            </a:extLst>
+          </a:blip>
+          <a:srcRect l="-403" r="537"/>
+          <a:stretch/>
+        </p:blipFill>
+        <p:spPr>
+          <a:xfrm>
+            <a:off x="45720" y="2015144"/>
+            <a:ext cx="4168140" cy="2827713"/>
+          </a:xfrm>
+          <a:prstGeom prst="rect">
+            <a:avLst/>
+          </a:prstGeom>
+        </p:spPr>
+      </p:pic>
+      <p:pic>
+        <p:nvPicPr>
+          <p:cNvPr id="13" name="Picture 12" descr="Chart, line chart&#10;&#10;Description automatically generated">
+            <a:extLst>
+              <a:ext uri="{FF2B5EF4-FFF2-40B4-BE49-F238E27FC236}">
+                <a16:creationId xmlns:a16="http://schemas.microsoft.com/office/drawing/2014/main" id="{39CE6A29-70E7-E84F-8745-63DF847B8CE8}"/>
+              </a:ext>
+            </a:extLst>
+          </p:cNvPr>
+          <p:cNvPicPr>
+            <a:picLocks noChangeAspect="1"/>
+          </p:cNvPicPr>
+          <p:nvPr/>
+        </p:nvPicPr>
+        <p:blipFill rotWithShape="1">
+          <a:blip r:embed="rId3">
+            <a:extLst>
+              <a:ext uri="{28A0092B-C50C-407E-A947-70E740481C1C}">
+                <a14:useLocalDpi xmlns:a14="http://schemas.microsoft.com/office/drawing/2010/main" val="0"/>
+              </a:ext>
+            </a:extLst>
+          </a:blip>
+          <a:srcRect l="496" r="672"/>
+          <a:stretch/>
+        </p:blipFill>
+        <p:spPr>
+          <a:xfrm>
+            <a:off x="4259580" y="2015144"/>
+            <a:ext cx="3726180" cy="2827713"/>
+          </a:xfrm>
+          <a:prstGeom prst="rect">
+            <a:avLst/>
+          </a:prstGeom>
+        </p:spPr>
+      </p:pic>
+      <p:pic>
+        <p:nvPicPr>
+          <p:cNvPr id="14" name="Picture 13" descr="Chart, line chart&#10;&#10;Description automatically generated">
+            <a:extLst>
+              <a:ext uri="{FF2B5EF4-FFF2-40B4-BE49-F238E27FC236}">
+                <a16:creationId xmlns:a16="http://schemas.microsoft.com/office/drawing/2014/main" id="{FBA8EB4E-0E2A-1F4A-8E2E-2A9CB38E5CE0}"/>
+              </a:ext>
+            </a:extLst>
+          </p:cNvPr>
+          <p:cNvPicPr>
+            <a:picLocks noChangeAspect="1"/>
+          </p:cNvPicPr>
+          <p:nvPr/>
+        </p:nvPicPr>
+        <p:blipFill rotWithShape="1">
+          <a:blip r:embed="rId4">
+            <a:extLst>
+              <a:ext uri="{28A0092B-C50C-407E-A947-70E740481C1C}">
+                <a14:useLocalDpi xmlns:a14="http://schemas.microsoft.com/office/drawing/2010/main" val="0"/>
+              </a:ext>
+            </a:extLst>
+          </a:blip>
+          <a:srcRect l="634" r="50"/>
+          <a:stretch/>
+        </p:blipFill>
+        <p:spPr>
+          <a:xfrm>
+            <a:off x="8031480" y="2015144"/>
+            <a:ext cx="4114800" cy="2827713"/>
+          </a:xfrm>
+          <a:prstGeom prst="rect">
+            <a:avLst/>
+          </a:prstGeom>
+        </p:spPr>
+      </p:pic>
     </p:spTree>
     <p:extLst>
       <p:ext uri="{BB962C8B-B14F-4D97-AF65-F5344CB8AC3E}">
-        <p14:creationId xmlns:p14="http://schemas.microsoft.com/office/powerpoint/2010/main" val="2931478486"/>
+        <p14:creationId xmlns:p14="http://schemas.microsoft.com/office/powerpoint/2010/main" val="1693597454"/>
       </p:ext>
     </p:extLst>
   </p:cSld>
@@ -22610,6 +25937,694 @@
     <p:extLst>
       <p:ext uri="{BB962C8B-B14F-4D97-AF65-F5344CB8AC3E}">
         <p14:creationId xmlns:p14="http://schemas.microsoft.com/office/powerpoint/2010/main" val="2496542540"/>
+      </p:ext>
+    </p:extLst>
+  </p:cSld>
+  <p:clrMapOvr>
+    <a:masterClrMapping/>
+  </p:clrMapOvr>
+</p:sld>
+</file>
+
+<file path=ppt/slides/slide20.xml><?xml version="1.0" encoding="utf-8"?>
+<p:sld xmlns:a="http://schemas.openxmlformats.org/drawingml/2006/main" xmlns:r="http://schemas.openxmlformats.org/officeDocument/2006/relationships" xmlns:p="http://schemas.openxmlformats.org/presentationml/2006/main">
+  <p:cSld>
+    <p:bg>
+      <p:bgPr>
+        <a:solidFill>
+          <a:schemeClr val="bg1"/>
+        </a:solidFill>
+        <a:effectLst/>
+      </p:bgPr>
+    </p:bg>
+    <p:spTree>
+      <p:nvGrpSpPr>
+        <p:cNvPr id="1" name=""/>
+        <p:cNvGrpSpPr/>
+        <p:nvPr/>
+      </p:nvGrpSpPr>
+      <p:grpSpPr>
+        <a:xfrm>
+          <a:off x="0" y="0"/>
+          <a:ext cx="0" cy="0"/>
+          <a:chOff x="0" y="0"/>
+          <a:chExt cx="0" cy="0"/>
+        </a:xfrm>
+      </p:grpSpPr>
+      <p:sp useBgFill="1">
+        <p:nvSpPr>
+          <p:cNvPr id="28" name="Rectangle 27">
+            <a:extLst>
+              <a:ext uri="{FF2B5EF4-FFF2-40B4-BE49-F238E27FC236}">
+                <a16:creationId xmlns:a16="http://schemas.microsoft.com/office/drawing/2014/main" id="{040BF4A1-714C-419E-A19F-578DE93BE02F}"/>
+              </a:ext>
+              <a:ext uri="{C183D7F6-B498-43B3-948B-1728B52AA6E4}">
+                <adec:decorative xmlns:adec="http://schemas.microsoft.com/office/drawing/2017/decorative" val="1"/>
+              </a:ext>
+            </a:extLst>
+          </p:cNvPr>
+          <p:cNvSpPr>
+            <a:spLocks noGrp="1" noRot="1" noChangeAspect="1" noMove="1" noResize="1" noEditPoints="1" noAdjustHandles="1" noChangeArrowheads="1" noChangeShapeType="1" noTextEdit="1"/>
+          </p:cNvSpPr>
+          <p:nvPr>
+            <p:extLst>
+              <p:ext uri="{386F3935-93C4-4BCD-93E2-E3B085C9AB24}">
+                <p16:designElem xmlns:p16="http://schemas.microsoft.com/office/powerpoint/2015/main" val="1"/>
+              </p:ext>
+            </p:extLst>
+          </p:nvPr>
+        </p:nvSpPr>
+        <p:spPr>
+          <a:xfrm>
+            <a:off x="0" y="0"/>
+            <a:ext cx="12192000" cy="6858000"/>
+          </a:xfrm>
+          <a:prstGeom prst="rect">
+            <a:avLst/>
+          </a:prstGeom>
+          <a:ln w="12700" cap="flat" cmpd="sng" algn="ctr">
+            <a:noFill/>
+            <a:prstDash val="solid"/>
+            <a:miter lim="800000"/>
+          </a:ln>
+          <a:effectLst/>
+          <a:extLst>
+            <a:ext uri="{91240B29-F687-4F45-9708-019B960494DF}">
+              <a14:hiddenLine xmlns:a14="http://schemas.microsoft.com/office/drawing/2010/main" w="12700" cap="flat" cmpd="sng" algn="ctr">
+                <a:solidFill>
+                  <a:schemeClr val="accent1">
+                    <a:shade val="50000"/>
+                  </a:schemeClr>
+                </a:solidFill>
+                <a:prstDash val="solid"/>
+                <a:miter lim="800000"/>
+              </a14:hiddenLine>
+            </a:ext>
+          </a:extLst>
+        </p:spPr>
+        <p:style>
+          <a:lnRef idx="2">
+            <a:schemeClr val="accent1">
+              <a:shade val="50000"/>
+            </a:schemeClr>
+          </a:lnRef>
+          <a:fillRef idx="1">
+            <a:schemeClr val="accent1"/>
+          </a:fillRef>
+          <a:effectRef idx="0">
+            <a:schemeClr val="accent1"/>
+          </a:effectRef>
+          <a:fontRef idx="minor">
+            <a:schemeClr val="lt1"/>
+          </a:fontRef>
+        </p:style>
+        <p:txBody>
+          <a:bodyPr rtlCol="0" anchor="ctr"/>
+          <a:lstStyle/>
+          <a:p>
+            <a:pPr algn="ctr"/>
+            <a:endParaRPr lang="en-US"/>
+          </a:p>
+        </p:txBody>
+      </p:sp>
+      <p:sp>
+        <p:nvSpPr>
+          <p:cNvPr id="30" name="Rectangle 29">
+            <a:extLst>
+              <a:ext uri="{FF2B5EF4-FFF2-40B4-BE49-F238E27FC236}">
+                <a16:creationId xmlns:a16="http://schemas.microsoft.com/office/drawing/2014/main" id="{2F91A9BD-D57F-4941-931F-40597AB37017}"/>
+              </a:ext>
+              <a:ext uri="{C183D7F6-B498-43B3-948B-1728B52AA6E4}">
+                <adec:decorative xmlns:adec="http://schemas.microsoft.com/office/drawing/2017/decorative" val="1"/>
+              </a:ext>
+            </a:extLst>
+          </p:cNvPr>
+          <p:cNvSpPr>
+            <a:spLocks noGrp="1" noRot="1" noChangeAspect="1" noMove="1" noResize="1" noEditPoints="1" noAdjustHandles="1" noChangeArrowheads="1" noChangeShapeType="1" noTextEdit="1"/>
+          </p:cNvSpPr>
+          <p:nvPr>
+            <p:extLst>
+              <p:ext uri="{386F3935-93C4-4BCD-93E2-E3B085C9AB24}">
+                <p16:designElem xmlns:p16="http://schemas.microsoft.com/office/powerpoint/2015/main" val="1"/>
+              </p:ext>
+            </p:extLst>
+          </p:nvPr>
+        </p:nvSpPr>
+        <p:spPr>
+          <a:xfrm rot="16200000" flipH="1">
+            <a:off x="-1409317" y="1410082"/>
+            <a:ext cx="6858000" cy="4037835"/>
+          </a:xfrm>
+          <a:prstGeom prst="rect">
+            <a:avLst/>
+          </a:prstGeom>
+          <a:gradFill>
+            <a:gsLst>
+              <a:gs pos="8000">
+                <a:schemeClr val="accent6"/>
+              </a:gs>
+              <a:gs pos="100000">
+                <a:schemeClr val="accent5">
+                  <a:alpha val="89000"/>
+                </a:schemeClr>
+              </a:gs>
+            </a:gsLst>
+            <a:lin ang="3000000" scaled="0"/>
+          </a:gradFill>
+          <a:ln>
+            <a:noFill/>
+          </a:ln>
+        </p:spPr>
+        <p:style>
+          <a:lnRef idx="2">
+            <a:schemeClr val="accent1">
+              <a:shade val="50000"/>
+            </a:schemeClr>
+          </a:lnRef>
+          <a:fillRef idx="1">
+            <a:schemeClr val="accent1"/>
+          </a:fillRef>
+          <a:effectRef idx="0">
+            <a:schemeClr val="accent1"/>
+          </a:effectRef>
+          <a:fontRef idx="minor">
+            <a:schemeClr val="lt1"/>
+          </a:fontRef>
+        </p:style>
+        <p:txBody>
+          <a:bodyPr rtlCol="0" anchor="ctr"/>
+          <a:lstStyle/>
+          <a:p>
+            <a:pPr algn="ctr"/>
+            <a:endParaRPr lang="en-US"/>
+          </a:p>
+        </p:txBody>
+      </p:sp>
+      <p:sp>
+        <p:nvSpPr>
+          <p:cNvPr id="32" name="Rectangle 31">
+            <a:extLst>
+              <a:ext uri="{FF2B5EF4-FFF2-40B4-BE49-F238E27FC236}">
+                <a16:creationId xmlns:a16="http://schemas.microsoft.com/office/drawing/2014/main" id="{C54DB264-9467-4730-B9E9-C9A97DD66920}"/>
+              </a:ext>
+              <a:ext uri="{C183D7F6-B498-43B3-948B-1728B52AA6E4}">
+                <adec:decorative xmlns:adec="http://schemas.microsoft.com/office/drawing/2017/decorative" val="1"/>
+              </a:ext>
+            </a:extLst>
+          </p:cNvPr>
+          <p:cNvSpPr>
+            <a:spLocks noGrp="1" noRot="1" noChangeAspect="1" noMove="1" noResize="1" noEditPoints="1" noAdjustHandles="1" noChangeArrowheads="1" noChangeShapeType="1" noTextEdit="1"/>
+          </p:cNvSpPr>
+          <p:nvPr>
+            <p:extLst>
+              <p:ext uri="{386F3935-93C4-4BCD-93E2-E3B085C9AB24}">
+                <p16:designElem xmlns:p16="http://schemas.microsoft.com/office/powerpoint/2015/main" val="1"/>
+              </p:ext>
+            </p:extLst>
+          </p:nvPr>
+        </p:nvSpPr>
+        <p:spPr>
+          <a:xfrm rot="16200000" flipH="1">
+            <a:off x="790128" y="3609527"/>
+            <a:ext cx="2458347" cy="4038601"/>
+          </a:xfrm>
+          <a:prstGeom prst="rect">
+            <a:avLst/>
+          </a:prstGeom>
+          <a:gradFill>
+            <a:gsLst>
+              <a:gs pos="0">
+                <a:schemeClr val="accent5">
+                  <a:lumMod val="60000"/>
+                  <a:lumOff val="40000"/>
+                  <a:alpha val="0"/>
+                </a:schemeClr>
+              </a:gs>
+              <a:gs pos="99000">
+                <a:schemeClr val="accent2"/>
+              </a:gs>
+            </a:gsLst>
+            <a:lin ang="3600000" scaled="0"/>
+          </a:gradFill>
+          <a:ln>
+            <a:noFill/>
+          </a:ln>
+        </p:spPr>
+        <p:style>
+          <a:lnRef idx="2">
+            <a:schemeClr val="accent1">
+              <a:shade val="50000"/>
+            </a:schemeClr>
+          </a:lnRef>
+          <a:fillRef idx="1">
+            <a:schemeClr val="accent1"/>
+          </a:fillRef>
+          <a:effectRef idx="0">
+            <a:schemeClr val="accent1"/>
+          </a:effectRef>
+          <a:fontRef idx="minor">
+            <a:schemeClr val="lt1"/>
+          </a:fontRef>
+        </p:style>
+        <p:txBody>
+          <a:bodyPr rtlCol="0" anchor="ctr"/>
+          <a:lstStyle/>
+          <a:p>
+            <a:pPr algn="ctr"/>
+            <a:endParaRPr lang="en-US"/>
+          </a:p>
+        </p:txBody>
+      </p:sp>
+      <p:sp>
+        <p:nvSpPr>
+          <p:cNvPr id="34" name="Freeform: Shape 33">
+            <a:extLst>
+              <a:ext uri="{FF2B5EF4-FFF2-40B4-BE49-F238E27FC236}">
+                <a16:creationId xmlns:a16="http://schemas.microsoft.com/office/drawing/2014/main" id="{BB097F88-2120-47B4-B891-5B28F66BBD4A}"/>
+              </a:ext>
+              <a:ext uri="{C183D7F6-B498-43B3-948B-1728B52AA6E4}">
+                <adec:decorative xmlns:adec="http://schemas.microsoft.com/office/drawing/2017/decorative" val="1"/>
+              </a:ext>
+            </a:extLst>
+          </p:cNvPr>
+          <p:cNvSpPr>
+            <a:spLocks noGrp="1" noRot="1" noChangeAspect="1" noMove="1" noResize="1" noEditPoints="1" noAdjustHandles="1" noChangeArrowheads="1" noChangeShapeType="1" noTextEdit="1"/>
+          </p:cNvSpPr>
+          <p:nvPr>
+            <p:extLst>
+              <p:ext uri="{386F3935-93C4-4BCD-93E2-E3B085C9AB24}">
+                <p16:designElem xmlns:p16="http://schemas.microsoft.com/office/powerpoint/2015/main" val="1"/>
+              </p:ext>
+            </p:extLst>
+          </p:nvPr>
+        </p:nvSpPr>
+        <p:spPr>
+          <a:xfrm rot="20635413">
+            <a:off x="-364227" y="1757079"/>
+            <a:ext cx="3900088" cy="4178958"/>
+          </a:xfrm>
+          <a:custGeom>
+            <a:avLst/>
+            <a:gdLst>
+              <a:gd name="connsiteX0" fmla="*/ 2431956 w 3900088"/>
+              <a:gd name="connsiteY0" fmla="*/ 93939 h 4178958"/>
+              <a:gd name="connsiteX1" fmla="*/ 3900088 w 3900088"/>
+              <a:gd name="connsiteY1" fmla="*/ 2089479 h 4178958"/>
+              <a:gd name="connsiteX2" fmla="*/ 1810609 w 3900088"/>
+              <a:gd name="connsiteY2" fmla="*/ 4178958 h 4178958"/>
+              <a:gd name="connsiteX3" fmla="*/ 77980 w 3900088"/>
+              <a:gd name="connsiteY3" fmla="*/ 3257727 h 4178958"/>
+              <a:gd name="connsiteX4" fmla="*/ 0 w 3900088"/>
+              <a:gd name="connsiteY4" fmla="*/ 3129367 h 4178958"/>
+              <a:gd name="connsiteX5" fmla="*/ 831517 w 3900088"/>
+              <a:gd name="connsiteY5" fmla="*/ 244059 h 4178958"/>
+              <a:gd name="connsiteX6" fmla="*/ 997290 w 3900088"/>
+              <a:gd name="connsiteY6" fmla="*/ 164202 h 4178958"/>
+              <a:gd name="connsiteX7" fmla="*/ 1810609 w 3900088"/>
+              <a:gd name="connsiteY7" fmla="*/ 0 h 4178958"/>
+              <a:gd name="connsiteX8" fmla="*/ 2431956 w 3900088"/>
+              <a:gd name="connsiteY8" fmla="*/ 93939 h 4178958"/>
+            </a:gdLst>
+            <a:ahLst/>
+            <a:cxnLst>
+              <a:cxn ang="0">
+                <a:pos x="connsiteX0" y="connsiteY0"/>
+              </a:cxn>
+              <a:cxn ang="0">
+                <a:pos x="connsiteX1" y="connsiteY1"/>
+              </a:cxn>
+              <a:cxn ang="0">
+                <a:pos x="connsiteX2" y="connsiteY2"/>
+              </a:cxn>
+              <a:cxn ang="0">
+                <a:pos x="connsiteX3" y="connsiteY3"/>
+              </a:cxn>
+              <a:cxn ang="0">
+                <a:pos x="connsiteX4" y="connsiteY4"/>
+              </a:cxn>
+              <a:cxn ang="0">
+                <a:pos x="connsiteX5" y="connsiteY5"/>
+              </a:cxn>
+              <a:cxn ang="0">
+                <a:pos x="connsiteX6" y="connsiteY6"/>
+              </a:cxn>
+              <a:cxn ang="0">
+                <a:pos x="connsiteX7" y="connsiteY7"/>
+              </a:cxn>
+              <a:cxn ang="0">
+                <a:pos x="connsiteX8" y="connsiteY8"/>
+              </a:cxn>
+            </a:cxnLst>
+            <a:rect l="l" t="t" r="r" b="b"/>
+            <a:pathLst>
+              <a:path w="3900088" h="4178958">
+                <a:moveTo>
+                  <a:pt x="2431956" y="93939"/>
+                </a:moveTo>
+                <a:cubicBezTo>
+                  <a:pt x="3282517" y="358491"/>
+                  <a:pt x="3900088" y="1151865"/>
+                  <a:pt x="3900088" y="2089479"/>
+                </a:cubicBezTo>
+                <a:cubicBezTo>
+                  <a:pt x="3900088" y="3243466"/>
+                  <a:pt x="2964596" y="4178958"/>
+                  <a:pt x="1810609" y="4178958"/>
+                </a:cubicBezTo>
+                <a:cubicBezTo>
+                  <a:pt x="1089367" y="4178958"/>
+                  <a:pt x="453475" y="3813531"/>
+                  <a:pt x="77980" y="3257727"/>
+                </a:cubicBezTo>
+                <a:lnTo>
+                  <a:pt x="0" y="3129367"/>
+                </a:lnTo>
+                <a:lnTo>
+                  <a:pt x="831517" y="244059"/>
+                </a:lnTo>
+                <a:lnTo>
+                  <a:pt x="997290" y="164202"/>
+                </a:lnTo>
+                <a:cubicBezTo>
+                  <a:pt x="1247271" y="58468"/>
+                  <a:pt x="1522112" y="0"/>
+                  <a:pt x="1810609" y="0"/>
+                </a:cubicBezTo>
+                <a:cubicBezTo>
+                  <a:pt x="2026982" y="0"/>
+                  <a:pt x="2235673" y="32888"/>
+                  <a:pt x="2431956" y="93939"/>
+                </a:cubicBezTo>
+                <a:close/>
+              </a:path>
+            </a:pathLst>
+          </a:custGeom>
+          <a:gradFill>
+            <a:gsLst>
+              <a:gs pos="36000">
+                <a:schemeClr val="accent6">
+                  <a:lumMod val="60000"/>
+                  <a:lumOff val="40000"/>
+                  <a:alpha val="6000"/>
+                </a:schemeClr>
+              </a:gs>
+              <a:gs pos="100000">
+                <a:schemeClr val="accent6">
+                  <a:alpha val="26000"/>
+                </a:schemeClr>
+              </a:gs>
+            </a:gsLst>
+            <a:lin ang="1800000" scaled="0"/>
+          </a:gradFill>
+          <a:ln>
+            <a:noFill/>
+          </a:ln>
+        </p:spPr>
+        <p:style>
+          <a:lnRef idx="2">
+            <a:schemeClr val="accent1">
+              <a:shade val="50000"/>
+            </a:schemeClr>
+          </a:lnRef>
+          <a:fillRef idx="1">
+            <a:schemeClr val="accent1"/>
+          </a:fillRef>
+          <a:effectRef idx="0">
+            <a:schemeClr val="accent1"/>
+          </a:effectRef>
+          <a:fontRef idx="minor">
+            <a:schemeClr val="lt1"/>
+          </a:fontRef>
+        </p:style>
+        <p:txBody>
+          <a:bodyPr wrap="square" rtlCol="0" anchor="ctr">
+            <a:noAutofit/>
+          </a:bodyPr>
+          <a:lstStyle/>
+          <a:p>
+            <a:pPr algn="ctr"/>
+            <a:endParaRPr lang="en-US" dirty="0"/>
+          </a:p>
+        </p:txBody>
+      </p:sp>
+      <p:sp>
+        <p:nvSpPr>
+          <p:cNvPr id="36" name="Rectangle 35">
+            <a:extLst>
+              <a:ext uri="{FF2B5EF4-FFF2-40B4-BE49-F238E27FC236}">
+                <a16:creationId xmlns:a16="http://schemas.microsoft.com/office/drawing/2014/main" id="{BF9338F5-05AB-4DC5-BD1C-1A9F26C38A7A}"/>
+              </a:ext>
+              <a:ext uri="{C183D7F6-B498-43B3-948B-1728B52AA6E4}">
+                <adec:decorative xmlns:adec="http://schemas.microsoft.com/office/drawing/2017/decorative" val="1"/>
+              </a:ext>
+            </a:extLst>
+          </p:cNvPr>
+          <p:cNvSpPr>
+            <a:spLocks noGrp="1" noRot="1" noChangeAspect="1" noMove="1" noResize="1" noEditPoints="1" noAdjustHandles="1" noChangeArrowheads="1" noChangeShapeType="1" noTextEdit="1"/>
+          </p:cNvSpPr>
+          <p:nvPr>
+            <p:extLst>
+              <p:ext uri="{386F3935-93C4-4BCD-93E2-E3B085C9AB24}">
+                <p16:designElem xmlns:p16="http://schemas.microsoft.com/office/powerpoint/2015/main" val="1"/>
+              </p:ext>
+            </p:extLst>
+          </p:nvPr>
+        </p:nvSpPr>
+        <p:spPr>
+          <a:xfrm rot="5400000" flipH="1">
+            <a:off x="50099" y="411154"/>
+            <a:ext cx="4395601" cy="3581400"/>
+          </a:xfrm>
+          <a:prstGeom prst="rect">
+            <a:avLst/>
+          </a:prstGeom>
+          <a:gradFill>
+            <a:gsLst>
+              <a:gs pos="0">
+                <a:schemeClr val="accent5">
+                  <a:alpha val="29000"/>
+                </a:schemeClr>
+              </a:gs>
+              <a:gs pos="100000">
+                <a:schemeClr val="accent4">
+                  <a:alpha val="0"/>
+                </a:schemeClr>
+              </a:gs>
+            </a:gsLst>
+            <a:lin ang="6600000" scaled="0"/>
+          </a:gradFill>
+          <a:ln>
+            <a:noFill/>
+          </a:ln>
+        </p:spPr>
+        <p:style>
+          <a:lnRef idx="2">
+            <a:schemeClr val="accent1">
+              <a:shade val="50000"/>
+            </a:schemeClr>
+          </a:lnRef>
+          <a:fillRef idx="1">
+            <a:schemeClr val="accent1"/>
+          </a:fillRef>
+          <a:effectRef idx="0">
+            <a:schemeClr val="accent1"/>
+          </a:effectRef>
+          <a:fontRef idx="minor">
+            <a:schemeClr val="lt1"/>
+          </a:fontRef>
+        </p:style>
+        <p:txBody>
+          <a:bodyPr rtlCol="0" anchor="ctr"/>
+          <a:lstStyle/>
+          <a:p>
+            <a:pPr algn="ctr"/>
+            <a:endParaRPr lang="en-US"/>
+          </a:p>
+        </p:txBody>
+      </p:sp>
+      <p:sp>
+        <p:nvSpPr>
+          <p:cNvPr id="8" name="Title 7">
+            <a:extLst>
+              <a:ext uri="{FF2B5EF4-FFF2-40B4-BE49-F238E27FC236}">
+                <a16:creationId xmlns:a16="http://schemas.microsoft.com/office/drawing/2014/main" id="{F8A3D919-0D96-9948-9654-C904CFC63E01}"/>
+              </a:ext>
+            </a:extLst>
+          </p:cNvPr>
+          <p:cNvSpPr>
+            <a:spLocks noGrp="1"/>
+          </p:cNvSpPr>
+          <p:nvPr>
+            <p:ph type="title"/>
+          </p:nvPr>
+        </p:nvSpPr>
+        <p:spPr>
+          <a:xfrm>
+            <a:off x="457200" y="868280"/>
+            <a:ext cx="3390645" cy="3363597"/>
+          </a:xfrm>
+        </p:spPr>
+        <p:txBody>
+          <a:bodyPr>
+            <a:normAutofit/>
+          </a:bodyPr>
+          <a:lstStyle/>
+          <a:p>
+            <a:pPr algn="r"/>
+            <a:r>
+              <a:rPr lang="en-PT" sz="2500">
+                <a:solidFill>
+                  <a:schemeClr val="bg1"/>
+                </a:solidFill>
+              </a:rPr>
+              <a:t>Conclusions</a:t>
+            </a:r>
+          </a:p>
+        </p:txBody>
+      </p:sp>
+      <p:sp>
+        <p:nvSpPr>
+          <p:cNvPr id="4" name="Date Placeholder 3">
+            <a:extLst>
+              <a:ext uri="{FF2B5EF4-FFF2-40B4-BE49-F238E27FC236}">
+                <a16:creationId xmlns:a16="http://schemas.microsoft.com/office/drawing/2014/main" id="{C12A09CD-23D2-9948-A85C-D6D1B8447E54}"/>
+              </a:ext>
+            </a:extLst>
+          </p:cNvPr>
+          <p:cNvSpPr>
+            <a:spLocks noGrp="1"/>
+          </p:cNvSpPr>
+          <p:nvPr>
+            <p:ph type="dt" sz="half" idx="10"/>
+          </p:nvPr>
+        </p:nvSpPr>
+        <p:spPr>
+          <a:xfrm>
+            <a:off x="7910111" y="6409170"/>
+            <a:ext cx="3702392" cy="448830"/>
+          </a:xfrm>
+        </p:spPr>
+        <p:txBody>
+          <a:bodyPr>
+            <a:normAutofit/>
+          </a:bodyPr>
+          <a:lstStyle/>
+          <a:p>
+            <a:pPr>
+              <a:spcAft>
+                <a:spcPts val="600"/>
+              </a:spcAft>
+            </a:pPr>
+            <a:fld id="{8D9F6D0D-41DB-8B46-BCC5-A1A5F5D054DD}" type="datetime2">
+              <a:rPr lang="en-US">
+                <a:solidFill>
+                  <a:schemeClr val="tx1"/>
+                </a:solidFill>
+              </a:rPr>
+              <a:pPr>
+                <a:spcAft>
+                  <a:spcPts val="600"/>
+                </a:spcAft>
+              </a:pPr>
+              <a:t>Thursday, November 17, 2022</a:t>
+            </a:fld>
+            <a:endParaRPr lang="en-US">
+              <a:solidFill>
+                <a:schemeClr val="tx1"/>
+              </a:solidFill>
+            </a:endParaRPr>
+          </a:p>
+        </p:txBody>
+      </p:sp>
+      <p:sp>
+        <p:nvSpPr>
+          <p:cNvPr id="5" name="Slide Number Placeholder 4">
+            <a:extLst>
+              <a:ext uri="{FF2B5EF4-FFF2-40B4-BE49-F238E27FC236}">
+                <a16:creationId xmlns:a16="http://schemas.microsoft.com/office/drawing/2014/main" id="{C3106DBD-1974-6744-8DDA-40FAB1DAA7BC}"/>
+              </a:ext>
+            </a:extLst>
+          </p:cNvPr>
+          <p:cNvSpPr>
+            <a:spLocks noGrp="1"/>
+          </p:cNvSpPr>
+          <p:nvPr>
+            <p:ph type="sldNum" sz="quarter" idx="12"/>
+          </p:nvPr>
+        </p:nvSpPr>
+        <p:spPr>
+          <a:xfrm>
+            <a:off x="11669678" y="6408742"/>
+            <a:ext cx="438652" cy="448830"/>
+          </a:xfrm>
+        </p:spPr>
+        <p:txBody>
+          <a:bodyPr>
+            <a:normAutofit/>
+          </a:bodyPr>
+          <a:lstStyle/>
+          <a:p>
+            <a:pPr>
+              <a:spcAft>
+                <a:spcPts val="600"/>
+              </a:spcAft>
+            </a:pPr>
+            <a:fld id="{C01389E6-C847-4AD0-B56D-D205B2EAB1EE}" type="slidenum">
+              <a:rPr lang="en-US">
+                <a:solidFill>
+                  <a:schemeClr val="tx1"/>
+                </a:solidFill>
+              </a:rPr>
+              <a:pPr>
+                <a:spcAft>
+                  <a:spcPts val="600"/>
+                </a:spcAft>
+              </a:pPr>
+              <a:t>20</a:t>
+            </a:fld>
+            <a:endParaRPr lang="en-US">
+              <a:solidFill>
+                <a:schemeClr val="tx1"/>
+              </a:solidFill>
+            </a:endParaRPr>
+          </a:p>
+        </p:txBody>
+      </p:sp>
+      <p:graphicFrame>
+        <p:nvGraphicFramePr>
+          <p:cNvPr id="24" name="Content Placeholder 8">
+            <a:extLst>
+              <a:ext uri="{FF2B5EF4-FFF2-40B4-BE49-F238E27FC236}">
+                <a16:creationId xmlns:a16="http://schemas.microsoft.com/office/drawing/2014/main" id="{85D6C48C-6B16-AD24-FFCB-5E95FD370063}"/>
+              </a:ext>
+            </a:extLst>
+          </p:cNvPr>
+          <p:cNvGraphicFramePr>
+            <a:graphicFrameLocks noGrp="1"/>
+          </p:cNvGraphicFramePr>
+          <p:nvPr>
+            <p:ph idx="1"/>
+            <p:extLst>
+              <p:ext uri="{D42A27DB-BD31-4B8C-83A1-F6EECF244321}">
+                <p14:modId xmlns:p14="http://schemas.microsoft.com/office/powerpoint/2010/main" val="1765197136"/>
+              </p:ext>
+            </p:extLst>
+          </p:nvPr>
+        </p:nvGraphicFramePr>
+        <p:xfrm>
+          <a:off x="4494654" y="457200"/>
+          <a:ext cx="7240146" cy="5943600"/>
+        </p:xfrm>
+        <a:graphic>
+          <a:graphicData uri="http://schemas.openxmlformats.org/drawingml/2006/diagram">
+            <dgm:relIds xmlns:dgm="http://schemas.openxmlformats.org/drawingml/2006/diagram" xmlns:r="http://schemas.openxmlformats.org/officeDocument/2006/relationships" r:dm="rId2" r:lo="rId3" r:qs="rId4" r:cs="rId5"/>
+          </a:graphicData>
+        </a:graphic>
+      </p:graphicFrame>
+    </p:spTree>
+    <p:extLst>
+      <p:ext uri="{BB962C8B-B14F-4D97-AF65-F5344CB8AC3E}">
+        <p14:creationId xmlns:p14="http://schemas.microsoft.com/office/powerpoint/2010/main" val="1364011182"/>
       </p:ext>
     </p:extLst>
   </p:cSld>

--- a/Slides/Slides.pptx
+++ b/Slides/Slides.pptx
@@ -3348,12 +3348,13 @@
       <dgm:prSet/>
       <dgm:spPr/>
       <dgm:t>
-        <a:bodyPr/>
+        <a:bodyPr anchor="ctr"/>
         <a:lstStyle/>
         <a:p>
+          <a:pPr algn="just"/>
           <a:r>
             <a:rPr lang="en-US" dirty="0"/>
-            <a:t>The Titanic Spaceship suffered a space anomaly disaster</a:t>
+            <a:t>The Titanic Spaceship suffered a space anomaly disaster.</a:t>
           </a:r>
         </a:p>
       </dgm:t>
@@ -3384,32 +3385,25 @@
       <dgm:prSet/>
       <dgm:spPr/>
       <dgm:t>
-        <a:bodyPr/>
+        <a:bodyPr anchor="ctr"/>
         <a:lstStyle/>
         <a:p>
+          <a:pPr algn="just"/>
           <a:r>
             <a:rPr lang="en-US" dirty="0"/>
             <a:t>We were able to recover the damage computer </a:t>
           </a:r>
           <a:r>
-            <a:rPr lang="pt-PT" dirty="0" err="1"/>
-            <a:t>from</a:t>
-          </a:r>
-          <a:r>
             <a:rPr lang="pt-PT" dirty="0"/>
-            <a:t> </a:t>
-          </a:r>
-          <a:r>
-            <a:rPr lang="pt-PT" dirty="0" err="1"/>
-            <a:t>the</a:t>
-          </a:r>
-          <a:r>
-            <a:rPr lang="pt-PT" dirty="0"/>
-            <a:t> </a:t>
+            <a:t>from the </a:t>
           </a:r>
           <a:r>
             <a:rPr lang="pt-PT" dirty="0" err="1"/>
             <a:t>ship</a:t>
+          </a:r>
+          <a:r>
+            <a:rPr lang="pt-PT" dirty="0"/>
+            <a:t>.</a:t>
           </a:r>
           <a:endParaRPr lang="en-US" dirty="0"/>
         </a:p>
@@ -3441,12 +3435,13 @@
       <dgm:prSet/>
       <dgm:spPr/>
       <dgm:t>
-        <a:bodyPr/>
+        <a:bodyPr anchor="ctr"/>
         <a:lstStyle/>
         <a:p>
+          <a:pPr algn="just"/>
           <a:r>
             <a:rPr lang="en-US" dirty="0"/>
-            <a:t>Almost half of the passengers were transported to an alternative dimension</a:t>
+            <a:t>Almost half of the passengers were transported to an alternative dimension.</a:t>
           </a:r>
         </a:p>
       </dgm:t>
@@ -4257,11 +4252,11 @@
     <dgm:cxn modelId="{BF38902D-27B4-4351-BB22-61686028A40A}" type="presOf" srcId="{C116744B-FD85-443E-9D24-3BA14083E22D}" destId="{DDBE13C7-F11A-404B-BE5C-F11DE912E8C5}" srcOrd="0" destOrd="0" presId="urn:microsoft.com/office/officeart/2005/8/layout/default"/>
     <dgm:cxn modelId="{042E4B36-2238-47D6-B4BA-1A9B8C5BD804}" type="presOf" srcId="{76B9B68F-0549-4AEF-9619-606E8D914F7D}" destId="{FB9F16AF-E345-46AA-B224-631B959D8E18}" srcOrd="0" destOrd="0" presId="urn:microsoft.com/office/officeart/2005/8/layout/default"/>
     <dgm:cxn modelId="{53518A37-9D6C-4F13-B8D4-FBF0BA2124A4}" srcId="{C62A61A2-837A-4080-93A0-9A5A2FE012CD}" destId="{AFE837E3-7B8E-4B6A-8315-B9398B5C0593}" srcOrd="3" destOrd="0" parTransId="{7227BD12-1CED-469C-86CE-4C0474532DE4}" sibTransId="{104A2456-860B-4506-B0A1-C8ADCCEC7F1F}"/>
+    <dgm:cxn modelId="{3676C75D-BC53-43C6-B925-3435373C5FD3}" srcId="{C62A61A2-837A-4080-93A0-9A5A2FE012CD}" destId="{9FB3ADFB-ECB9-472A-B414-2ABBB7A9166A}" srcOrd="7" destOrd="0" parTransId="{CD72B4F6-6FFF-4BBA-826E-B332896D0A87}" sibTransId="{F27F4ED6-08E5-4610-B924-162EDA639B66}"/>
     <dgm:cxn modelId="{F5875A4E-15B6-4B6E-AB19-FD03D300109A}" srcId="{C62A61A2-837A-4080-93A0-9A5A2FE012CD}" destId="{20240518-4AEC-4F5F-BC97-18D0E0274A67}" srcOrd="4" destOrd="0" parTransId="{5BDD40AC-A251-475C-9CC2-1E3AC67B78D5}" sibTransId="{346DF8F2-A5FF-41B0-85FC-B985D9D15CC0}"/>
+    <dgm:cxn modelId="{FFCB0F76-3019-4458-A415-C32679C70829}" srcId="{C62A61A2-837A-4080-93A0-9A5A2FE012CD}" destId="{9AFA4A0E-FE4F-472A-9B28-32AC6FE74BE2}" srcOrd="5" destOrd="0" parTransId="{FDE7556F-90FC-403C-AB8F-BC9ADC8C8195}" sibTransId="{A62277E8-7F9F-46A0-954C-96F1C9FC1B45}"/>
     <dgm:cxn modelId="{16425656-28B0-4DBA-90D3-2003DFB036B0}" type="presOf" srcId="{64D4BEEE-E22F-4413-A379-E7211E1155C9}" destId="{601F7ABD-C40B-4CB5-B2FA-FEE5483F840D}" srcOrd="0" destOrd="0" presId="urn:microsoft.com/office/officeart/2005/8/layout/default"/>
     <dgm:cxn modelId="{7BD03D58-2F3B-4793-8F14-59FFC9EB5D36}" srcId="{C62A61A2-837A-4080-93A0-9A5A2FE012CD}" destId="{76B9B68F-0549-4AEF-9619-606E8D914F7D}" srcOrd="9" destOrd="0" parTransId="{9AF76683-13B3-4EFE-9F9E-867AF8091D18}" sibTransId="{86900047-999E-42CC-8A21-6B8CFA4FE516}"/>
-    <dgm:cxn modelId="{3676C75D-BC53-43C6-B925-3435373C5FD3}" srcId="{C62A61A2-837A-4080-93A0-9A5A2FE012CD}" destId="{9FB3ADFB-ECB9-472A-B414-2ABBB7A9166A}" srcOrd="7" destOrd="0" parTransId="{CD72B4F6-6FFF-4BBA-826E-B332896D0A87}" sibTransId="{F27F4ED6-08E5-4610-B924-162EDA639B66}"/>
-    <dgm:cxn modelId="{FFCB0F76-3019-4458-A415-C32679C70829}" srcId="{C62A61A2-837A-4080-93A0-9A5A2FE012CD}" destId="{9AFA4A0E-FE4F-472A-9B28-32AC6FE74BE2}" srcOrd="5" destOrd="0" parTransId="{FDE7556F-90FC-403C-AB8F-BC9ADC8C8195}" sibTransId="{A62277E8-7F9F-46A0-954C-96F1C9FC1B45}"/>
     <dgm:cxn modelId="{2AE3E490-5C33-4271-A203-8409FDF350C9}" type="presOf" srcId="{20240518-4AEC-4F5F-BC97-18D0E0274A67}" destId="{DC4089AD-1186-482C-953E-08F913185807}" srcOrd="0" destOrd="0" presId="urn:microsoft.com/office/officeart/2005/8/layout/default"/>
     <dgm:cxn modelId="{3AAF44AD-5286-4B7D-A4CF-20E859AB4D3E}" srcId="{C62A61A2-837A-4080-93A0-9A5A2FE012CD}" destId="{A6F9F4B9-0F0D-4D04-805C-A42281E6A282}" srcOrd="6" destOrd="0" parTransId="{D0395ABD-13A7-44E6-9FAA-6EA3224425AC}" sibTransId="{BB611CED-F64B-4E23-82D8-1849BB1EF29E}"/>
     <dgm:cxn modelId="{669728B3-ED8E-4F2B-82F3-E1BA37767FBA}" type="presOf" srcId="{A6F9F4B9-0F0D-4D04-805C-A42281E6A282}" destId="{13C4F7FB-9C7F-4119-B484-22835F79A1E1}" srcOrd="0" destOrd="0" presId="urn:microsoft.com/office/officeart/2005/8/layout/default"/>
@@ -4724,8 +4719,8 @@
     <dgm:cxn modelId="{BF38902D-27B4-4351-BB22-61686028A40A}" type="presOf" srcId="{C116744B-FD85-443E-9D24-3BA14083E22D}" destId="{DDBE13C7-F11A-404B-BE5C-F11DE912E8C5}" srcOrd="0" destOrd="0" presId="urn:microsoft.com/office/officeart/2005/8/layout/default"/>
     <dgm:cxn modelId="{4BD65534-5E8A-478B-A76A-B83950613B07}" type="presOf" srcId="{28A7D775-3978-47B4-AA2D-1EBFBCF5CD84}" destId="{D9746E90-D4C1-45A3-B60C-6CD23ABB65B4}" srcOrd="0" destOrd="0" presId="urn:microsoft.com/office/officeart/2005/8/layout/default"/>
     <dgm:cxn modelId="{53518A37-9D6C-4F13-B8D4-FBF0BA2124A4}" srcId="{C62A61A2-837A-4080-93A0-9A5A2FE012CD}" destId="{AFE837E3-7B8E-4B6A-8315-B9398B5C0593}" srcOrd="1" destOrd="0" parTransId="{7227BD12-1CED-469C-86CE-4C0474532DE4}" sibTransId="{104A2456-860B-4506-B0A1-C8ADCCEC7F1F}"/>
+    <dgm:cxn modelId="{FFCB0F76-3019-4458-A415-C32679C70829}" srcId="{C62A61A2-837A-4080-93A0-9A5A2FE012CD}" destId="{9AFA4A0E-FE4F-472A-9B28-32AC6FE74BE2}" srcOrd="2" destOrd="0" parTransId="{FDE7556F-90FC-403C-AB8F-BC9ADC8C8195}" sibTransId="{A62277E8-7F9F-46A0-954C-96F1C9FC1B45}"/>
     <dgm:cxn modelId="{16425656-28B0-4DBA-90D3-2003DFB036B0}" type="presOf" srcId="{64D4BEEE-E22F-4413-A379-E7211E1155C9}" destId="{601F7ABD-C40B-4CB5-B2FA-FEE5483F840D}" srcOrd="0" destOrd="0" presId="urn:microsoft.com/office/officeart/2005/8/layout/default"/>
-    <dgm:cxn modelId="{FFCB0F76-3019-4458-A415-C32679C70829}" srcId="{C62A61A2-837A-4080-93A0-9A5A2FE012CD}" destId="{9AFA4A0E-FE4F-472A-9B28-32AC6FE74BE2}" srcOrd="2" destOrd="0" parTransId="{FDE7556F-90FC-403C-AB8F-BC9ADC8C8195}" sibTransId="{A62277E8-7F9F-46A0-954C-96F1C9FC1B45}"/>
     <dgm:cxn modelId="{E83A2DC7-C052-46D0-B6FC-EF514F51030F}" type="presOf" srcId="{C62A61A2-837A-4080-93A0-9A5A2FE012CD}" destId="{6AF42F5E-4A05-47A8-9F29-2F8E09820BBC}" srcOrd="0" destOrd="0" presId="urn:microsoft.com/office/officeart/2005/8/layout/default"/>
     <dgm:cxn modelId="{95FCE2DC-72ED-4369-B90F-F59B2F77B37C}" type="presOf" srcId="{9AFA4A0E-FE4F-472A-9B28-32AC6FE74BE2}" destId="{92B18CB0-6F04-44DD-B9D1-44A1882082A8}" srcOrd="0" destOrd="0" presId="urn:microsoft.com/office/officeart/2005/8/layout/default"/>
     <dgm:cxn modelId="{524EEAAB-1B3E-44C9-9CD2-958C86EEBA1C}" type="presParOf" srcId="{6AF42F5E-4A05-47A8-9F29-2F8E09820BBC}" destId="{DDBE13C7-F11A-404B-BE5C-F11DE912E8C5}" srcOrd="0" destOrd="0" presId="urn:microsoft.com/office/officeart/2005/8/layout/default"/>
@@ -4766,7 +4761,7 @@
       <dgm:prSet/>
       <dgm:spPr/>
       <dgm:t>
-        <a:bodyPr/>
+        <a:bodyPr anchor="ctr"/>
         <a:lstStyle/>
         <a:p>
           <a:r>
@@ -4802,7 +4797,7 @@
       <dgm:prSet/>
       <dgm:spPr/>
       <dgm:t>
-        <a:bodyPr/>
+        <a:bodyPr anchor="ctr"/>
         <a:lstStyle/>
         <a:p>
           <a:r>
@@ -4838,7 +4833,7 @@
       <dgm:prSet/>
       <dgm:spPr/>
       <dgm:t>
-        <a:bodyPr/>
+        <a:bodyPr anchor="ctr"/>
         <a:lstStyle/>
         <a:p>
           <a:r>
@@ -4874,7 +4869,7 @@
       <dgm:prSet/>
       <dgm:spPr/>
       <dgm:t>
-        <a:bodyPr/>
+        <a:bodyPr anchor="ctr"/>
         <a:lstStyle/>
         <a:p>
           <a:r>
@@ -4913,6 +4908,7 @@
         <a:bodyPr/>
         <a:lstStyle/>
         <a:p>
+          <a:pPr algn="just"/>
           <a:r>
             <a:rPr lang="en-US" dirty="0"/>
             <a:t>Pipelines and not so clean data, with extra information encoded in the initial features was interesting.</a:t>
@@ -5202,12 +5198,12 @@
         <a:fontRef idx="minor"/>
       </dsp:style>
       <dsp:txBody>
-        <a:bodyPr spcFirstLastPara="0" vert="horz" wrap="square" lIns="76200" tIns="76200" rIns="76200" bIns="76200" numCol="1" spcCol="1270" anchor="t" anchorCtr="0">
+        <a:bodyPr spcFirstLastPara="0" vert="horz" wrap="square" lIns="76200" tIns="76200" rIns="76200" bIns="76200" numCol="1" spcCol="1270" anchor="ctr" anchorCtr="0">
           <a:noAutofit/>
         </a:bodyPr>
         <a:lstStyle/>
         <a:p>
-          <a:pPr marL="0" lvl="0" indent="0" algn="l" defTabSz="889000">
+          <a:pPr marL="0" lvl="0" indent="0" algn="just" defTabSz="889000">
             <a:lnSpc>
               <a:spcPct val="90000"/>
             </a:lnSpc>
@@ -5221,7 +5217,7 @@
           </a:pPr>
           <a:r>
             <a:rPr lang="en-US" sz="2000" kern="1200" dirty="0"/>
-            <a:t>The Titanic Spaceship suffered a space anomaly disaster</a:t>
+            <a:t>The Titanic Spaceship suffered a space anomaly disaster.</a:t>
           </a:r>
         </a:p>
       </dsp:txBody>
@@ -5348,12 +5344,12 @@
         <a:fontRef idx="minor"/>
       </dsp:style>
       <dsp:txBody>
-        <a:bodyPr spcFirstLastPara="0" vert="horz" wrap="square" lIns="76200" tIns="76200" rIns="76200" bIns="76200" numCol="1" spcCol="1270" anchor="t" anchorCtr="0">
+        <a:bodyPr spcFirstLastPara="0" vert="horz" wrap="square" lIns="76200" tIns="76200" rIns="76200" bIns="76200" numCol="1" spcCol="1270" anchor="ctr" anchorCtr="0">
           <a:noAutofit/>
         </a:bodyPr>
         <a:lstStyle/>
         <a:p>
-          <a:pPr marL="0" lvl="0" indent="0" algn="l" defTabSz="889000">
+          <a:pPr marL="0" lvl="0" indent="0" algn="just" defTabSz="889000">
             <a:lnSpc>
               <a:spcPct val="90000"/>
             </a:lnSpc>
@@ -5370,24 +5366,16 @@
             <a:t>We were able to recover the damage computer </a:t>
           </a:r>
           <a:r>
-            <a:rPr lang="pt-PT" sz="2000" kern="1200" dirty="0" err="1"/>
-            <a:t>from</a:t>
-          </a:r>
-          <a:r>
             <a:rPr lang="pt-PT" sz="2000" kern="1200" dirty="0"/>
-            <a:t> </a:t>
-          </a:r>
-          <a:r>
-            <a:rPr lang="pt-PT" sz="2000" kern="1200" dirty="0" err="1"/>
-            <a:t>the</a:t>
-          </a:r>
-          <a:r>
-            <a:rPr lang="pt-PT" sz="2000" kern="1200" dirty="0"/>
-            <a:t> </a:t>
+            <a:t>from the </a:t>
           </a:r>
           <a:r>
             <a:rPr lang="pt-PT" sz="2000" kern="1200" dirty="0" err="1"/>
             <a:t>ship</a:t>
+          </a:r>
+          <a:r>
+            <a:rPr lang="pt-PT" sz="2000" kern="1200" dirty="0"/>
+            <a:t>.</a:t>
           </a:r>
           <a:endParaRPr lang="en-US" sz="2000" kern="1200" dirty="0"/>
         </a:p>
@@ -5515,12 +5503,12 @@
         <a:fontRef idx="minor"/>
       </dsp:style>
       <dsp:txBody>
-        <a:bodyPr spcFirstLastPara="0" vert="horz" wrap="square" lIns="76200" tIns="76200" rIns="76200" bIns="76200" numCol="1" spcCol="1270" anchor="t" anchorCtr="0">
+        <a:bodyPr spcFirstLastPara="0" vert="horz" wrap="square" lIns="76200" tIns="76200" rIns="76200" bIns="76200" numCol="1" spcCol="1270" anchor="ctr" anchorCtr="0">
           <a:noAutofit/>
         </a:bodyPr>
         <a:lstStyle/>
         <a:p>
-          <a:pPr marL="0" lvl="0" indent="0" algn="l" defTabSz="889000">
+          <a:pPr marL="0" lvl="0" indent="0" algn="just" defTabSz="889000">
             <a:lnSpc>
               <a:spcPct val="90000"/>
             </a:lnSpc>
@@ -5534,7 +5522,7 @@
           </a:pPr>
           <a:r>
             <a:rPr lang="en-US" sz="2000" kern="1200" dirty="0"/>
-            <a:t>Almost half of the passengers were transported to an alternative dimension</a:t>
+            <a:t>Almost half of the passengers were transported to an alternative dimension.</a:t>
           </a:r>
         </a:p>
       </dsp:txBody>
@@ -7385,7 +7373,7 @@
         </a:bodyPr>
         <a:lstStyle/>
         <a:p>
-          <a:pPr marL="0" lvl="0" indent="0" algn="l" defTabSz="1066800">
+          <a:pPr marL="0" lvl="0" indent="0" algn="just" defTabSz="1066800">
             <a:lnSpc>
               <a:spcPct val="90000"/>
             </a:lnSpc>
@@ -7490,7 +7478,7 @@
         <a:fontRef idx="minor"/>
       </dsp:style>
       <dsp:txBody>
-        <a:bodyPr spcFirstLastPara="0" vert="horz" wrap="square" lIns="91440" tIns="91440" rIns="91440" bIns="91440" numCol="1" spcCol="1270" anchor="t" anchorCtr="0">
+        <a:bodyPr spcFirstLastPara="0" vert="horz" wrap="square" lIns="91440" tIns="91440" rIns="91440" bIns="91440" numCol="1" spcCol="1270" anchor="ctr" anchorCtr="0">
           <a:noAutofit/>
         </a:bodyPr>
         <a:lstStyle/>
@@ -7600,7 +7588,7 @@
         <a:fontRef idx="minor"/>
       </dsp:style>
       <dsp:txBody>
-        <a:bodyPr spcFirstLastPara="0" vert="horz" wrap="square" lIns="91440" tIns="91440" rIns="91440" bIns="91440" numCol="1" spcCol="1270" anchor="t" anchorCtr="0">
+        <a:bodyPr spcFirstLastPara="0" vert="horz" wrap="square" lIns="91440" tIns="91440" rIns="91440" bIns="91440" numCol="1" spcCol="1270" anchor="ctr" anchorCtr="0">
           <a:noAutofit/>
         </a:bodyPr>
         <a:lstStyle/>
@@ -7710,7 +7698,7 @@
         <a:fontRef idx="minor"/>
       </dsp:style>
       <dsp:txBody>
-        <a:bodyPr spcFirstLastPara="0" vert="horz" wrap="square" lIns="91440" tIns="91440" rIns="91440" bIns="91440" numCol="1" spcCol="1270" anchor="t" anchorCtr="0">
+        <a:bodyPr spcFirstLastPara="0" vert="horz" wrap="square" lIns="91440" tIns="91440" rIns="91440" bIns="91440" numCol="1" spcCol="1270" anchor="ctr" anchorCtr="0">
           <a:noAutofit/>
         </a:bodyPr>
         <a:lstStyle/>
@@ -7820,7 +7808,7 @@
         <a:fontRef idx="minor"/>
       </dsp:style>
       <dsp:txBody>
-        <a:bodyPr spcFirstLastPara="0" vert="horz" wrap="square" lIns="91440" tIns="91440" rIns="91440" bIns="91440" numCol="1" spcCol="1270" anchor="t" anchorCtr="0">
+        <a:bodyPr spcFirstLastPara="0" vert="horz" wrap="square" lIns="91440" tIns="91440" rIns="91440" bIns="91440" numCol="1" spcCol="1270" anchor="ctr" anchorCtr="0">
           <a:noAutofit/>
         </a:bodyPr>
         <a:lstStyle/>
@@ -13296,7 +13284,7 @@
           <a:p>
             <a:fld id="{33CD2AB9-B06D-411F-A861-6EE94F8458A4}" type="datetimeFigureOut">
               <a:rPr lang="en-US" smtClean="0"/>
-              <a:t>11/17/22</a:t>
+              <a:t>11/17/2022</a:t>
             </a:fld>
             <a:endParaRPr lang="en-US"/>
           </a:p>
@@ -13454,7 +13442,7 @@
           <a:p>
             <a:fld id="{3D6072FC-2456-484E-89FC-DEC8F2A9D837}" type="slidenum">
               <a:rPr lang="en-US" smtClean="0"/>
-              <a:t>‹#›</a:t>
+              <a:t>‹nº›</a:t>
             </a:fld>
             <a:endParaRPr lang="en-US"/>
           </a:p>
@@ -13919,7 +13907,7 @@
           <a:p>
             <a:fld id="{C01389E6-C847-4AD0-B56D-D205B2EAB1EE}" type="slidenum">
               <a:rPr lang="en-US" smtClean="0"/>
-              <a:t>‹#›</a:t>
+              <a:t>‹nº›</a:t>
             </a:fld>
             <a:endParaRPr lang="en-US"/>
           </a:p>
@@ -14117,7 +14105,7 @@
           <a:p>
             <a:fld id="{C01389E6-C847-4AD0-B56D-D205B2EAB1EE}" type="slidenum">
               <a:rPr lang="en-US" smtClean="0"/>
-              <a:t>‹#›</a:t>
+              <a:t>‹nº›</a:t>
             </a:fld>
             <a:endParaRPr lang="en-US"/>
           </a:p>
@@ -14327,7 +14315,7 @@
           <a:p>
             <a:fld id="{C01389E6-C847-4AD0-B56D-D205B2EAB1EE}" type="slidenum">
               <a:rPr lang="en-US" smtClean="0"/>
-              <a:t>‹#›</a:t>
+              <a:t>‹nº›</a:t>
             </a:fld>
             <a:endParaRPr lang="en-US"/>
           </a:p>
@@ -14549,7 +14537,7 @@
           <a:p>
             <a:fld id="{F825894E-25C4-4742-A1B0-897E952C1911}" type="slidenum">
               <a:rPr lang="pt-PT" smtClean="0"/>
-              <a:t>‹#›</a:t>
+              <a:t>‹nº›</a:t>
             </a:fld>
             <a:endParaRPr lang="pt-PT"/>
           </a:p>
@@ -14749,7 +14737,7 @@
           <a:p>
             <a:fld id="{F825894E-25C4-4742-A1B0-897E952C1911}" type="slidenum">
               <a:rPr lang="pt-PT" smtClean="0"/>
-              <a:t>‹#›</a:t>
+              <a:t>‹nº›</a:t>
             </a:fld>
             <a:endParaRPr lang="pt-PT"/>
           </a:p>
@@ -15025,7 +15013,7 @@
           <a:p>
             <a:fld id="{F825894E-25C4-4742-A1B0-897E952C1911}" type="slidenum">
               <a:rPr lang="pt-PT" smtClean="0"/>
-              <a:t>‹#›</a:t>
+              <a:t>‹nº›</a:t>
             </a:fld>
             <a:endParaRPr lang="pt-PT"/>
           </a:p>
@@ -15293,7 +15281,7 @@
           <a:p>
             <a:fld id="{F825894E-25C4-4742-A1B0-897E952C1911}" type="slidenum">
               <a:rPr lang="pt-PT" smtClean="0"/>
-              <a:t>‹#›</a:t>
+              <a:t>‹nº›</a:t>
             </a:fld>
             <a:endParaRPr lang="pt-PT"/>
           </a:p>
@@ -15708,7 +15696,7 @@
           <a:p>
             <a:fld id="{F825894E-25C4-4742-A1B0-897E952C1911}" type="slidenum">
               <a:rPr lang="pt-PT" smtClean="0"/>
-              <a:t>‹#›</a:t>
+              <a:t>‹nº›</a:t>
             </a:fld>
             <a:endParaRPr lang="pt-PT"/>
           </a:p>
@@ -15850,7 +15838,7 @@
           <a:p>
             <a:fld id="{F825894E-25C4-4742-A1B0-897E952C1911}" type="slidenum">
               <a:rPr lang="pt-PT" smtClean="0"/>
-              <a:t>‹#›</a:t>
+              <a:t>‹nº›</a:t>
             </a:fld>
             <a:endParaRPr lang="pt-PT"/>
           </a:p>
@@ -15963,7 +15951,7 @@
           <a:p>
             <a:fld id="{F825894E-25C4-4742-A1B0-897E952C1911}" type="slidenum">
               <a:rPr lang="pt-PT" smtClean="0"/>
-              <a:t>‹#›</a:t>
+              <a:t>‹nº›</a:t>
             </a:fld>
             <a:endParaRPr lang="pt-PT"/>
           </a:p>
@@ -16276,7 +16264,7 @@
           <a:p>
             <a:fld id="{F825894E-25C4-4742-A1B0-897E952C1911}" type="slidenum">
               <a:rPr lang="pt-PT" smtClean="0"/>
-              <a:t>‹#›</a:t>
+              <a:t>‹nº›</a:t>
             </a:fld>
             <a:endParaRPr lang="pt-PT"/>
           </a:p>
@@ -16475,7 +16463,7 @@
           <a:p>
             <a:fld id="{C01389E6-C847-4AD0-B56D-D205B2EAB1EE}" type="slidenum">
               <a:rPr lang="en-US" smtClean="0"/>
-              <a:t>‹#›</a:t>
+              <a:t>‹nº›</a:t>
             </a:fld>
             <a:endParaRPr lang="en-US"/>
           </a:p>
@@ -16764,7 +16752,7 @@
           <a:p>
             <a:fld id="{F825894E-25C4-4742-A1B0-897E952C1911}" type="slidenum">
               <a:rPr lang="pt-PT" smtClean="0"/>
-              <a:t>‹#›</a:t>
+              <a:t>‹nº›</a:t>
             </a:fld>
             <a:endParaRPr lang="pt-PT"/>
           </a:p>
@@ -16964,7 +16952,7 @@
           <a:p>
             <a:fld id="{F825894E-25C4-4742-A1B0-897E952C1911}" type="slidenum">
               <a:rPr lang="pt-PT" smtClean="0"/>
-              <a:t>‹#›</a:t>
+              <a:t>‹nº›</a:t>
             </a:fld>
             <a:endParaRPr lang="pt-PT"/>
           </a:p>
@@ -17174,7 +17162,7 @@
           <a:p>
             <a:fld id="{F825894E-25C4-4742-A1B0-897E952C1911}" type="slidenum">
               <a:rPr lang="pt-PT" smtClean="0"/>
-              <a:t>‹#›</a:t>
+              <a:t>‹nº›</a:t>
             </a:fld>
             <a:endParaRPr lang="pt-PT"/>
           </a:p>
@@ -17455,7 +17443,7 @@
           <a:p>
             <a:fld id="{C01389E6-C847-4AD0-B56D-D205B2EAB1EE}" type="slidenum">
               <a:rPr lang="en-US" smtClean="0"/>
-              <a:t>‹#›</a:t>
+              <a:t>‹nº›</a:t>
             </a:fld>
             <a:endParaRPr lang="en-US"/>
           </a:p>
@@ -17723,7 +17711,7 @@
           <a:p>
             <a:fld id="{C01389E6-C847-4AD0-B56D-D205B2EAB1EE}" type="slidenum">
               <a:rPr lang="en-US" smtClean="0"/>
-              <a:t>‹#›</a:t>
+              <a:t>‹nº›</a:t>
             </a:fld>
             <a:endParaRPr lang="en-US"/>
           </a:p>
@@ -18104,7 +18092,7 @@
           <a:p>
             <a:fld id="{C01389E6-C847-4AD0-B56D-D205B2EAB1EE}" type="slidenum">
               <a:rPr lang="en-US" smtClean="0"/>
-              <a:t>‹#›</a:t>
+              <a:t>‹nº›</a:t>
             </a:fld>
             <a:endParaRPr lang="en-US"/>
           </a:p>
@@ -18274,7 +18262,7 @@
           <a:p>
             <a:fld id="{C01389E6-C847-4AD0-B56D-D205B2EAB1EE}" type="slidenum">
               <a:rPr lang="en-US" smtClean="0"/>
-              <a:t>‹#›</a:t>
+              <a:t>‹nº›</a:t>
             </a:fld>
             <a:endParaRPr lang="en-US"/>
           </a:p>
@@ -18387,7 +18375,7 @@
           <a:p>
             <a:fld id="{C01389E6-C847-4AD0-B56D-D205B2EAB1EE}" type="slidenum">
               <a:rPr lang="en-US" smtClean="0"/>
-              <a:t>‹#›</a:t>
+              <a:t>‹nº›</a:t>
             </a:fld>
             <a:endParaRPr lang="en-US"/>
           </a:p>
@@ -18704,7 +18692,7 @@
           <a:p>
             <a:fld id="{C01389E6-C847-4AD0-B56D-D205B2EAB1EE}" type="slidenum">
               <a:rPr lang="en-US" smtClean="0"/>
-              <a:t>‹#›</a:t>
+              <a:t>‹nº›</a:t>
             </a:fld>
             <a:endParaRPr lang="en-US"/>
           </a:p>
@@ -18996,7 +18984,7 @@
           <a:p>
             <a:fld id="{C01389E6-C847-4AD0-B56D-D205B2EAB1EE}" type="slidenum">
               <a:rPr lang="en-US" smtClean="0"/>
-              <a:t>‹#›</a:t>
+              <a:t>‹nº›</a:t>
             </a:fld>
             <a:endParaRPr lang="en-US"/>
           </a:p>
@@ -19398,7 +19386,7 @@
             <a:fld id="{C01389E6-C847-4AD0-B56D-D205B2EAB1EE}" type="slidenum">
               <a:rPr lang="en-US" smtClean="0"/>
               <a:pPr/>
-              <a:t>‹#›</a:t>
+              <a:t>‹nº›</a:t>
             </a:fld>
             <a:endParaRPr lang="en-US" sz="800" dirty="0"/>
           </a:p>
@@ -19969,7 +19957,7 @@
           <a:p>
             <a:fld id="{F825894E-25C4-4742-A1B0-897E952C1911}" type="slidenum">
               <a:rPr lang="pt-PT" smtClean="0"/>
-              <a:t>‹#›</a:t>
+              <a:t>‹nº›</a:t>
             </a:fld>
             <a:endParaRPr lang="pt-PT"/>
           </a:p>
@@ -25777,7 +25765,7 @@
             <p:ph idx="1"/>
             <p:extLst>
               <p:ext uri="{D42A27DB-BD31-4B8C-83A1-F6EECF244321}">
-                <p14:modId xmlns:p14="http://schemas.microsoft.com/office/powerpoint/2010/main" val="3380232732"/>
+                <p14:modId xmlns:p14="http://schemas.microsoft.com/office/powerpoint/2010/main" val="2514592294"/>
               </p:ext>
             </p:extLst>
           </p:nvPr>
@@ -26606,7 +26594,7 @@
             <p:ph idx="1"/>
             <p:extLst>
               <p:ext uri="{D42A27DB-BD31-4B8C-83A1-F6EECF244321}">
-                <p14:modId xmlns:p14="http://schemas.microsoft.com/office/powerpoint/2010/main" val="1765197136"/>
+                <p14:modId xmlns:p14="http://schemas.microsoft.com/office/powerpoint/2010/main" val="993092764"/>
               </p:ext>
             </p:extLst>
           </p:nvPr>

--- a/Slides/Slides.pptx
+++ b/Slides/Slides.pptx
@@ -13284,7 +13284,7 @@
           <a:p>
             <a:fld id="{33CD2AB9-B06D-411F-A861-6EE94F8458A4}" type="datetimeFigureOut">
               <a:rPr lang="en-US" smtClean="0"/>
-              <a:t>11/17/2022</a:t>
+              <a:t>11/18/2022</a:t>
             </a:fld>
             <a:endParaRPr lang="en-US"/>
           </a:p>
@@ -13853,7 +13853,7 @@
           <a:p>
             <a:fld id="{E4F8F7B3-C2FA-D64E-9EBC-4D00525D87BB}" type="datetime2">
               <a:rPr lang="en-US" smtClean="0"/>
-              <a:t>Thursday, November 17, 2022</a:t>
+              <a:t>Friday, November 18, 2022</a:t>
             </a:fld>
             <a:endParaRPr lang="en-US"/>
           </a:p>
@@ -14051,7 +14051,7 @@
           <a:p>
             <a:fld id="{8CB2AF6D-B813-0B45-841F-09ECEBBA923E}" type="datetime2">
               <a:rPr lang="en-US" smtClean="0"/>
-              <a:t>Thursday, November 17, 2022</a:t>
+              <a:t>Friday, November 18, 2022</a:t>
             </a:fld>
             <a:endParaRPr lang="en-US"/>
           </a:p>
@@ -14261,7 +14261,7 @@
           <a:p>
             <a:fld id="{D65D166E-714C-6C48-96FB-CC8C8D91354D}" type="datetime2">
               <a:rPr lang="en-US" smtClean="0"/>
-              <a:t>Thursday, November 17, 2022</a:t>
+              <a:t>Friday, November 18, 2022</a:t>
             </a:fld>
             <a:endParaRPr lang="en-US"/>
           </a:p>
@@ -14483,7 +14483,7 @@
           <a:p>
             <a:fld id="{BB9F2437-DC0D-034B-B949-062BA40B9E6C}" type="datetime2">
               <a:rPr lang="en-US" smtClean="0"/>
-              <a:t>Thursday, November 17, 2022</a:t>
+              <a:t>Friday, November 18, 2022</a:t>
             </a:fld>
             <a:endParaRPr lang="pt-PT"/>
           </a:p>
@@ -14683,7 +14683,7 @@
           <a:p>
             <a:fld id="{ACAC08C0-A5F9-9843-99A8-B7F08CC17FBE}" type="datetime2">
               <a:rPr lang="en-US" smtClean="0"/>
-              <a:t>Thursday, November 17, 2022</a:t>
+              <a:t>Friday, November 18, 2022</a:t>
             </a:fld>
             <a:endParaRPr lang="pt-PT"/>
           </a:p>
@@ -14959,7 +14959,7 @@
           <a:p>
             <a:fld id="{879A4216-B6DD-D845-8450-E920748EFA19}" type="datetime2">
               <a:rPr lang="en-US" smtClean="0"/>
-              <a:t>Thursday, November 17, 2022</a:t>
+              <a:t>Friday, November 18, 2022</a:t>
             </a:fld>
             <a:endParaRPr lang="pt-PT"/>
           </a:p>
@@ -15227,7 +15227,7 @@
           <a:p>
             <a:fld id="{879DC887-A718-6D42-8169-97F08E49A78C}" type="datetime2">
               <a:rPr lang="en-US" smtClean="0"/>
-              <a:t>Thursday, November 17, 2022</a:t>
+              <a:t>Friday, November 18, 2022</a:t>
             </a:fld>
             <a:endParaRPr lang="pt-PT"/>
           </a:p>
@@ -15642,7 +15642,7 @@
           <a:p>
             <a:fld id="{979BF268-701D-734D-AA58-A4E045E62380}" type="datetime2">
               <a:rPr lang="en-US" smtClean="0"/>
-              <a:t>Thursday, November 17, 2022</a:t>
+              <a:t>Friday, November 18, 2022</a:t>
             </a:fld>
             <a:endParaRPr lang="pt-PT"/>
           </a:p>
@@ -15784,7 +15784,7 @@
           <a:p>
             <a:fld id="{9CE5F134-449B-D74A-9B7F-89D95BC1B483}" type="datetime2">
               <a:rPr lang="en-US" smtClean="0"/>
-              <a:t>Thursday, November 17, 2022</a:t>
+              <a:t>Friday, November 18, 2022</a:t>
             </a:fld>
             <a:endParaRPr lang="pt-PT"/>
           </a:p>
@@ -15897,7 +15897,7 @@
           <a:p>
             <a:fld id="{08FE6882-F489-B440-9383-44C05EE70BFC}" type="datetime2">
               <a:rPr lang="en-US" smtClean="0"/>
-              <a:t>Thursday, November 17, 2022</a:t>
+              <a:t>Friday, November 18, 2022</a:t>
             </a:fld>
             <a:endParaRPr lang="pt-PT"/>
           </a:p>
@@ -16210,7 +16210,7 @@
           <a:p>
             <a:fld id="{EA9901D4-BF66-684F-94DD-F14C46BD20D4}" type="datetime2">
               <a:rPr lang="en-US" smtClean="0"/>
-              <a:t>Thursday, November 17, 2022</a:t>
+              <a:t>Friday, November 18, 2022</a:t>
             </a:fld>
             <a:endParaRPr lang="pt-PT"/>
           </a:p>
@@ -16409,7 +16409,7 @@
           <a:p>
             <a:fld id="{8D9F6D0D-41DB-8B46-BCC5-A1A5F5D054DD}" type="datetime2">
               <a:rPr lang="en-US" smtClean="0"/>
-              <a:t>Thursday, November 17, 2022</a:t>
+              <a:t>Friday, November 18, 2022</a:t>
             </a:fld>
             <a:endParaRPr lang="en-US"/>
           </a:p>
@@ -16698,7 +16698,7 @@
           <a:p>
             <a:fld id="{C1B18842-6612-3E44-88F4-26B08E01D4A1}" type="datetime2">
               <a:rPr lang="en-US" smtClean="0"/>
-              <a:t>Thursday, November 17, 2022</a:t>
+              <a:t>Friday, November 18, 2022</a:t>
             </a:fld>
             <a:endParaRPr lang="pt-PT"/>
           </a:p>
@@ -16898,7 +16898,7 @@
           <a:p>
             <a:fld id="{95B6CAAF-784F-4E47-9CC9-1082C2BF0C5C}" type="datetime2">
               <a:rPr lang="en-US" smtClean="0"/>
-              <a:t>Thursday, November 17, 2022</a:t>
+              <a:t>Friday, November 18, 2022</a:t>
             </a:fld>
             <a:endParaRPr lang="pt-PT"/>
           </a:p>
@@ -17108,7 +17108,7 @@
           <a:p>
             <a:fld id="{E0F27EBF-3F4E-D940-8A26-FA2850881C70}" type="datetime2">
               <a:rPr lang="en-US" smtClean="0"/>
-              <a:t>Thursday, November 17, 2022</a:t>
+              <a:t>Friday, November 18, 2022</a:t>
             </a:fld>
             <a:endParaRPr lang="pt-PT"/>
           </a:p>
@@ -17389,7 +17389,7 @@
           <a:p>
             <a:fld id="{37270977-8F9E-E44A-AE78-29F7C254D9F6}" type="datetime2">
               <a:rPr lang="en-US" smtClean="0"/>
-              <a:t>Thursday, November 17, 2022</a:t>
+              <a:t>Friday, November 18, 2022</a:t>
             </a:fld>
             <a:endParaRPr lang="en-US"/>
           </a:p>
@@ -17657,7 +17657,7 @@
           <a:p>
             <a:fld id="{45BFE103-D8A9-CD4D-92FE-6051F570C19C}" type="datetime2">
               <a:rPr lang="en-US" smtClean="0"/>
-              <a:t>Thursday, November 17, 2022</a:t>
+              <a:t>Friday, November 18, 2022</a:t>
             </a:fld>
             <a:endParaRPr lang="en-US"/>
           </a:p>
@@ -18038,7 +18038,7 @@
           <a:p>
             <a:fld id="{67D249A7-946F-C442-A460-68D02469A4E2}" type="datetime2">
               <a:rPr lang="en-US" smtClean="0"/>
-              <a:t>Thursday, November 17, 2022</a:t>
+              <a:t>Friday, November 18, 2022</a:t>
             </a:fld>
             <a:endParaRPr lang="en-US"/>
           </a:p>
@@ -18208,7 +18208,7 @@
           <a:p>
             <a:fld id="{4DEDBC02-CE6B-8142-8C62-7C22C52E8700}" type="datetime2">
               <a:rPr lang="en-US" smtClean="0"/>
-              <a:t>Thursday, November 17, 2022</a:t>
+              <a:t>Friday, November 18, 2022</a:t>
             </a:fld>
             <a:endParaRPr lang="en-US"/>
           </a:p>
@@ -18321,7 +18321,7 @@
           <a:p>
             <a:fld id="{AFFD3AFD-5E97-4047-B4D5-3DA59CD2B5F5}" type="datetime2">
               <a:rPr lang="en-US" smtClean="0"/>
-              <a:t>Thursday, November 17, 2022</a:t>
+              <a:t>Friday, November 18, 2022</a:t>
             </a:fld>
             <a:endParaRPr lang="en-US"/>
           </a:p>
@@ -18638,7 +18638,7 @@
           <a:p>
             <a:fld id="{147137B2-3096-F84E-98EC-C92EAB32F167}" type="datetime2">
               <a:rPr lang="en-US" smtClean="0"/>
-              <a:t>Thursday, November 17, 2022</a:t>
+              <a:t>Friday, November 18, 2022</a:t>
             </a:fld>
             <a:endParaRPr lang="en-US"/>
           </a:p>
@@ -18930,7 +18930,7 @@
           <a:p>
             <a:fld id="{899AA7A0-9657-A547-B567-B46771B08BC1}" type="datetime2">
               <a:rPr lang="en-US" smtClean="0"/>
-              <a:t>Thursday, November 17, 2022</a:t>
+              <a:t>Friday, November 18, 2022</a:t>
             </a:fld>
             <a:endParaRPr lang="en-US"/>
           </a:p>
@@ -19297,7 +19297,7 @@
           <a:p>
             <a:fld id="{AE9055EB-7D0E-234E-B683-0930FB7F0981}" type="datetime2">
               <a:rPr lang="en-US" smtClean="0"/>
-              <a:t>Thursday, November 17, 2022</a:t>
+              <a:t>Friday, November 18, 2022</a:t>
             </a:fld>
             <a:endParaRPr lang="en-US" cap="all" dirty="0"/>
           </a:p>
@@ -19867,7 +19867,7 @@
           <a:p>
             <a:fld id="{33E9EEE8-44CD-A740-9890-735F058F3A3E}" type="datetime2">
               <a:rPr lang="en-US" smtClean="0"/>
-              <a:t>Thursday, November 17, 2022</a:t>
+              <a:t>Friday, November 18, 2022</a:t>
             </a:fld>
             <a:endParaRPr lang="pt-PT"/>
           </a:p>
@@ -20909,7 +20909,7 @@
           <a:p>
             <a:fld id="{AEA5305D-0B09-8446-8F8A-41E779E48A1E}" type="datetime2">
               <a:rPr lang="en-US" smtClean="0"/>
-              <a:t>Thursday, November 17, 2022</a:t>
+              <a:t>Friday, November 18, 2022</a:t>
             </a:fld>
             <a:endParaRPr lang="pt-PT"/>
           </a:p>
@@ -21541,7 +21541,7 @@
           <a:p>
             <a:fld id="{CFA55CB0-1DB5-2643-9CC9-C841CAAFF7CE}" type="datetime2">
               <a:rPr lang="en-US" smtClean="0"/>
-              <a:t>Thursday, November 17, 2022</a:t>
+              <a:t>Friday, November 18, 2022</a:t>
             </a:fld>
             <a:endParaRPr lang="en-US"/>
           </a:p>
@@ -22138,7 +22138,7 @@
           <a:p>
             <a:fld id="{0A72D659-3C0B-6B41-9587-4FFB5068822D}" type="datetime2">
               <a:rPr lang="en-US" smtClean="0"/>
-              <a:t>Thursday, November 17, 2022</a:t>
+              <a:t>Friday, November 18, 2022</a:t>
             </a:fld>
             <a:endParaRPr lang="en-US"/>
           </a:p>
@@ -22666,7 +22666,7 @@
           <a:p>
             <a:fld id="{0A72D659-3C0B-6B41-9587-4FFB5068822D}" type="datetime2">
               <a:rPr lang="en-US" smtClean="0"/>
-              <a:t>Thursday, November 17, 2022</a:t>
+              <a:t>Friday, November 18, 2022</a:t>
             </a:fld>
             <a:endParaRPr lang="en-US"/>
           </a:p>
@@ -23406,7 +23406,7 @@
           <a:p>
             <a:fld id="{78229B31-04B5-6C4F-994D-122FB5182388}" type="datetime2">
               <a:rPr lang="en-US" smtClean="0"/>
-              <a:t>Thursday, November 17, 2022</a:t>
+              <a:t>Friday, November 18, 2022</a:t>
             </a:fld>
             <a:endParaRPr lang="en-US"/>
           </a:p>
@@ -23933,7 +23933,7 @@
           <a:p>
             <a:fld id="{78229B31-04B5-6C4F-994D-122FB5182388}" type="datetime2">
               <a:rPr lang="en-US" smtClean="0"/>
-              <a:t>Thursday, November 17, 2022</a:t>
+              <a:t>Friday, November 18, 2022</a:t>
             </a:fld>
             <a:endParaRPr lang="en-US"/>
           </a:p>
@@ -24148,7 +24148,7 @@
           <a:p>
             <a:fld id="{0C1F9645-765E-CF4C-9E74-4C7A778630B7}" type="datetime2">
               <a:rPr lang="en-US" smtClean="0"/>
-              <a:t>Thursday, November 17, 2022</a:t>
+              <a:t>Friday, November 18, 2022</a:t>
             </a:fld>
             <a:endParaRPr lang="en-US"/>
           </a:p>
@@ -24326,7 +24326,7 @@
           <a:p>
             <a:fld id="{75173066-3E04-1849-84B4-B4EA667913AA}" type="datetime2">
               <a:rPr lang="en-US" smtClean="0"/>
-              <a:t>Thursday, November 17, 2022</a:t>
+              <a:t>Friday, November 18, 2022</a:t>
             </a:fld>
             <a:endParaRPr lang="en-US"/>
           </a:p>
@@ -24541,7 +24541,7 @@
           <a:p>
             <a:fld id="{75173066-3E04-1849-84B4-B4EA667913AA}" type="datetime2">
               <a:rPr lang="en-US" smtClean="0"/>
-              <a:t>Thursday, November 17, 2022</a:t>
+              <a:t>Friday, November 18, 2022</a:t>
             </a:fld>
             <a:endParaRPr lang="en-US"/>
           </a:p>
@@ -24832,7 +24832,7 @@
           <a:p>
             <a:fld id="{75173066-3E04-1849-84B4-B4EA667913AA}" type="datetime2">
               <a:rPr lang="en-US" smtClean="0"/>
-              <a:t>Thursday, November 17, 2022</a:t>
+              <a:t>Friday, November 18, 2022</a:t>
             </a:fld>
             <a:endParaRPr lang="en-US"/>
           </a:p>
@@ -25261,7 +25261,7 @@
           <a:p>
             <a:fld id="{884D596F-4BAD-834B-8866-216E5312D909}" type="datetime2">
               <a:rPr lang="en-US" smtClean="0"/>
-              <a:t>Thursday, November 17, 2022</a:t>
+              <a:t>Friday, November 18, 2022</a:t>
             </a:fld>
             <a:endParaRPr lang="en-US"/>
           </a:p>
@@ -25915,7 +25915,7 @@
           <a:p>
             <a:fld id="{22C8D8D3-B20C-DC44-8387-99E41C8E8FBC}" type="datetime2">
               <a:rPr lang="en-US" smtClean="0"/>
-              <a:t>Thursday, November 17, 2022</a:t>
+              <a:t>Friday, November 18, 2022</a:t>
             </a:fld>
             <a:endParaRPr lang="en-US"/>
           </a:p>
@@ -26514,7 +26514,7 @@
                   <a:spcPts val="600"/>
                 </a:spcAft>
               </a:pPr>
-              <a:t>Thursday, November 17, 2022</a:t>
+              <a:t>Friday, November 18, 2022</a:t>
             </a:fld>
             <a:endParaRPr lang="en-US">
               <a:solidFill>
@@ -26862,7 +26862,7 @@
           <a:p>
             <a:fld id="{EECB3B43-7D2C-D541-B4CC-532CE21D4E59}" type="datetime2">
               <a:rPr lang="en-US" smtClean="0"/>
-              <a:t>Thursday, November 17, 2022</a:t>
+              <a:t>Friday, November 18, 2022</a:t>
             </a:fld>
             <a:endParaRPr lang="en-US"/>
           </a:p>
@@ -27036,7 +27036,7 @@
           <a:p>
             <a:fld id="{9115964E-2F02-3743-9AD0-D4ED663B2E40}" type="datetime2">
               <a:rPr lang="en-US" smtClean="0"/>
-              <a:t>Thursday, November 17, 2022</a:t>
+              <a:t>Friday, November 18, 2022</a:t>
             </a:fld>
             <a:endParaRPr lang="en-US"/>
           </a:p>
@@ -27210,7 +27210,7 @@
           <a:p>
             <a:fld id="{9115964E-2F02-3743-9AD0-D4ED663B2E40}" type="datetime2">
               <a:rPr lang="en-US" smtClean="0"/>
-              <a:t>Thursday, November 17, 2022</a:t>
+              <a:t>Friday, November 18, 2022</a:t>
             </a:fld>
             <a:endParaRPr lang="en-US"/>
           </a:p>
@@ -27388,7 +27388,7 @@
           <a:p>
             <a:fld id="{3DDC487E-3176-9F4B-8EBF-BC218FFC2F4F}" type="datetime2">
               <a:rPr lang="en-US" smtClean="0"/>
-              <a:t>Thursday, November 17, 2022</a:t>
+              <a:t>Friday, November 18, 2022</a:t>
             </a:fld>
             <a:endParaRPr lang="en-US"/>
           </a:p>
@@ -27525,42 +27525,6 @@
           </a:p>
         </p:txBody>
       </p:sp>
-      <p:pic>
-        <p:nvPicPr>
-          <p:cNvPr id="9" name="Picture 8" descr="Chart, bar chart&#10;&#10;Description automatically generated">
-            <a:extLst>
-              <a:ext uri="{FF2B5EF4-FFF2-40B4-BE49-F238E27FC236}">
-                <a16:creationId xmlns:a16="http://schemas.microsoft.com/office/drawing/2014/main" id="{53216E97-8E99-48B2-F798-E3825B38E0DA}"/>
-              </a:ext>
-            </a:extLst>
-          </p:cNvPr>
-          <p:cNvPicPr>
-            <a:picLocks noChangeAspect="1"/>
-          </p:cNvPicPr>
-          <p:nvPr/>
-        </p:nvPicPr>
-        <p:blipFill>
-          <a:blip r:embed="rId4">
-            <a:extLst>
-              <a:ext uri="{28A0092B-C50C-407E-A947-70E740481C1C}">
-                <a14:useLocalDpi xmlns:a14="http://schemas.microsoft.com/office/drawing/2010/main" val="0"/>
-              </a:ext>
-            </a:extLst>
-          </a:blip>
-          <a:stretch>
-            <a:fillRect/>
-          </a:stretch>
-        </p:blipFill>
-        <p:spPr>
-          <a:xfrm>
-            <a:off x="7748062" y="1352007"/>
-            <a:ext cx="4358594" cy="4298310"/>
-          </a:xfrm>
-          <a:prstGeom prst="rect">
-            <a:avLst/>
-          </a:prstGeom>
-        </p:spPr>
-      </p:pic>
       <p:sp>
         <p:nvSpPr>
           <p:cNvPr id="12" name="Title 1">
@@ -27639,12 +27603,48 @@
           <a:p>
             <a:fld id="{2BC653E2-3771-624B-ACAF-1BBD21EA7C7A}" type="datetime2">
               <a:rPr lang="en-US" smtClean="0"/>
-              <a:t>Thursday, November 17, 2022</a:t>
+              <a:t>Friday, November 18, 2022</a:t>
             </a:fld>
             <a:endParaRPr lang="en-US"/>
           </a:p>
         </p:txBody>
       </p:sp>
+      <p:pic>
+        <p:nvPicPr>
+          <p:cNvPr id="5" name="Imagem 4">
+            <a:extLst>
+              <a:ext uri="{FF2B5EF4-FFF2-40B4-BE49-F238E27FC236}">
+                <a16:creationId xmlns:a16="http://schemas.microsoft.com/office/drawing/2014/main" id="{D24A9C8C-EE1D-035D-94CA-D27E76BE2FD4}"/>
+              </a:ext>
+            </a:extLst>
+          </p:cNvPr>
+          <p:cNvPicPr>
+            <a:picLocks noChangeAspect="1"/>
+          </p:cNvPicPr>
+          <p:nvPr/>
+        </p:nvPicPr>
+        <p:blipFill>
+          <a:blip r:embed="rId4">
+            <a:extLst>
+              <a:ext uri="{28A0092B-C50C-407E-A947-70E740481C1C}">
+                <a14:useLocalDpi xmlns:a14="http://schemas.microsoft.com/office/drawing/2010/main" val="0"/>
+              </a:ext>
+            </a:extLst>
+          </a:blip>
+          <a:stretch>
+            <a:fillRect/>
+          </a:stretch>
+        </p:blipFill>
+        <p:spPr>
+          <a:xfrm>
+            <a:off x="7511708" y="1112448"/>
+            <a:ext cx="4499023" cy="4379227"/>
+          </a:xfrm>
+          <a:prstGeom prst="rect">
+            <a:avLst/>
+          </a:prstGeom>
+        </p:spPr>
+      </p:pic>
     </p:spTree>
     <p:extLst>
       <p:ext uri="{BB962C8B-B14F-4D97-AF65-F5344CB8AC3E}">
@@ -27818,7 +27818,7 @@
           <a:p>
             <a:fld id="{ADDFBA69-2883-EA40-BF51-51557F562900}" type="datetime2">
               <a:rPr lang="en-US" smtClean="0"/>
-              <a:t>Thursday, November 17, 2022</a:t>
+              <a:t>Friday, November 18, 2022</a:t>
             </a:fld>
             <a:endParaRPr lang="en-US"/>
           </a:p>
@@ -28033,7 +28033,7 @@
           <a:p>
             <a:fld id="{8C192831-34CE-6D4C-B603-F411CB170F17}" type="datetime2">
               <a:rPr lang="en-US" smtClean="0"/>
-              <a:t>Thursday, November 17, 2022</a:t>
+              <a:t>Friday, November 18, 2022</a:t>
             </a:fld>
             <a:endParaRPr lang="en-US"/>
           </a:p>
